--- a/article/pcgtsp.pptx
+++ b/article/pcgtsp.pptx
@@ -7,6 +7,7 @@
   <p:sldIdLst>
     <p:sldId id="256" r:id="rId2"/>
     <p:sldId id="257" r:id="rId3"/>
+    <p:sldId id="258" r:id="rId4"/>
   </p:sldIdLst>
   <p:sldSz cx="12192000" cy="6858000"/>
   <p:notesSz cx="6858000" cy="9144000"/>
@@ -105,6 +106,11 @@
       </a:defRPr>
     </a:lvl9pPr>
   </p:defaultTextStyle>
+  <p:extLst>
+    <p:ext uri="{EFAFB233-063F-42B5-8137-9DF3F51BA10A}">
+      <p15:sldGuideLst xmlns:p15="http://schemas.microsoft.com/office/powerpoint/2012/main"/>
+    </p:ext>
+  </p:extLst>
 </p:presentation>
 </file>
 
@@ -4950,8 +4956,8 @@
           </a:fontRef>
         </p:style>
       </p:cxnSp>
-      <mc:AlternateContent xmlns:mc="http://schemas.openxmlformats.org/markup-compatibility/2006">
-        <mc:Choice xmlns:a14="http://schemas.microsoft.com/office/drawing/2010/main" Requires="a14">
+      <mc:AlternateContent xmlns:mc="http://schemas.openxmlformats.org/markup-compatibility/2006" xmlns:a14="http://schemas.microsoft.com/office/drawing/2010/main">
+        <mc:Choice Requires="a14">
           <p:sp>
             <p:nvSpPr>
               <p:cNvPr id="42" name="Выноска: изогнутая линия 41">
@@ -5069,7 +5075,7 @@
             </p:txBody>
           </p:sp>
         </mc:Choice>
-        <mc:Fallback>
+        <mc:Fallback xmlns="">
           <p:sp>
             <p:nvSpPr>
               <p:cNvPr id="42" name="Выноска: изогнутая линия 41">
@@ -5126,8 +5132,8 @@
           </p:sp>
         </mc:Fallback>
       </mc:AlternateContent>
-      <mc:AlternateContent xmlns:mc="http://schemas.openxmlformats.org/markup-compatibility/2006">
-        <mc:Choice xmlns:a14="http://schemas.microsoft.com/office/drawing/2010/main" Requires="a14">
+      <mc:AlternateContent xmlns:mc="http://schemas.openxmlformats.org/markup-compatibility/2006" xmlns:a14="http://schemas.microsoft.com/office/drawing/2010/main">
+        <mc:Choice Requires="a14">
           <p:sp>
             <p:nvSpPr>
               <p:cNvPr id="43" name="Выноска: изогнутая линия 42">
@@ -5245,7 +5251,7 @@
             </p:txBody>
           </p:sp>
         </mc:Choice>
-        <mc:Fallback>
+        <mc:Fallback xmlns="">
           <p:sp>
             <p:nvSpPr>
               <p:cNvPr id="43" name="Выноска: изогнутая линия 42">
@@ -5302,8 +5308,8 @@
           </p:sp>
         </mc:Fallback>
       </mc:AlternateContent>
-      <mc:AlternateContent xmlns:mc="http://schemas.openxmlformats.org/markup-compatibility/2006">
-        <mc:Choice xmlns:a14="http://schemas.microsoft.com/office/drawing/2010/main" Requires="a14">
+      <mc:AlternateContent xmlns:mc="http://schemas.openxmlformats.org/markup-compatibility/2006" xmlns:a14="http://schemas.microsoft.com/office/drawing/2010/main">
+        <mc:Choice Requires="a14">
           <p:sp>
             <p:nvSpPr>
               <p:cNvPr id="44" name="Выноска: изогнутая линия 43">
@@ -5411,6 +5417,7 @@
                         <a:solidFill>
                           <a:schemeClr val="tx1"/>
                         </a:solidFill>
+                        <a:latin typeface="Cambria Math" panose="02040503050406030204" pitchFamily="18" charset="0"/>
                       </a:rPr>
                       <m:t>(</m:t>
                     </m:r>
@@ -5421,6 +5428,7 @@
                             <a:solidFill>
                               <a:schemeClr val="tx1"/>
                             </a:solidFill>
+                            <a:latin typeface="Cambria Math" panose="02040503050406030204" pitchFamily="18" charset="0"/>
                           </a:rPr>
                         </m:ctrlPr>
                       </m:sSubPr>
@@ -5430,6 +5438,7 @@
                             <a:solidFill>
                               <a:schemeClr val="tx1"/>
                             </a:solidFill>
+                            <a:latin typeface="Cambria Math" panose="02040503050406030204" pitchFamily="18" charset="0"/>
                           </a:rPr>
                           <m:t>𝑣</m:t>
                         </m:r>
@@ -5440,6 +5449,7 @@
                             <a:solidFill>
                               <a:schemeClr val="tx1"/>
                             </a:solidFill>
+                            <a:latin typeface="Cambria Math" panose="02040503050406030204" pitchFamily="18" charset="0"/>
                           </a:rPr>
                           <m:t>1</m:t>
                         </m:r>
@@ -5450,6 +5460,7 @@
                         <a:solidFill>
                           <a:schemeClr val="tx1"/>
                         </a:solidFill>
+                        <a:latin typeface="Cambria Math" panose="02040503050406030204" pitchFamily="18" charset="0"/>
                       </a:rPr>
                       <m:t> </m:t>
                     </m:r>
@@ -5458,6 +5469,7 @@
                         <a:solidFill>
                           <a:schemeClr val="tx1"/>
                         </a:solidFill>
+                        <a:latin typeface="Cambria Math" panose="02040503050406030204" pitchFamily="18" charset="0"/>
                       </a:rPr>
                       <m:t>…</m:t>
                     </m:r>
@@ -5468,6 +5480,7 @@
                             <a:solidFill>
                               <a:schemeClr val="tx1"/>
                             </a:solidFill>
+                            <a:latin typeface="Cambria Math" panose="02040503050406030204" pitchFamily="18" charset="0"/>
                           </a:rPr>
                         </m:ctrlPr>
                       </m:sSubPr>
@@ -5477,6 +5490,7 @@
                             <a:solidFill>
                               <a:schemeClr val="tx1"/>
                             </a:solidFill>
+                            <a:latin typeface="Cambria Math" panose="02040503050406030204" pitchFamily="18" charset="0"/>
                           </a:rPr>
                           <m:t>𝑣</m:t>
                         </m:r>
@@ -5487,6 +5501,7 @@
                             <a:solidFill>
                               <a:schemeClr val="tx1"/>
                             </a:solidFill>
+                            <a:latin typeface="Cambria Math" panose="02040503050406030204" pitchFamily="18" charset="0"/>
                           </a:rPr>
                           <m:t>𝑟</m:t>
                         </m:r>
@@ -5497,6 +5512,7 @@
                         <a:solidFill>
                           <a:schemeClr val="tx1"/>
                         </a:solidFill>
+                        <a:latin typeface="Cambria Math" panose="02040503050406030204" pitchFamily="18" charset="0"/>
                       </a:rPr>
                       <m:t>)</m:t>
                     </m:r>
@@ -5519,7 +5535,7 @@
             </p:txBody>
           </p:sp>
         </mc:Choice>
-        <mc:Fallback>
+        <mc:Fallback xmlns="">
           <p:sp>
             <p:nvSpPr>
               <p:cNvPr id="44" name="Выноска: изогнутая линия 43">
@@ -5633,8 +5649,8 @@
           </a:p>
         </p:txBody>
       </p:sp>
-      <mc:AlternateContent xmlns:mc="http://schemas.openxmlformats.org/markup-compatibility/2006">
-        <mc:Choice xmlns:a14="http://schemas.microsoft.com/office/drawing/2010/main" Requires="a14">
+      <mc:AlternateContent xmlns:mc="http://schemas.openxmlformats.org/markup-compatibility/2006" xmlns:a14="http://schemas.microsoft.com/office/drawing/2010/main">
+        <mc:Choice Requires="a14">
           <p:sp>
             <p:nvSpPr>
               <p:cNvPr id="46" name="Выноска: изогнутая линия 45">
@@ -5828,7 +5844,7 @@
             </p:txBody>
           </p:sp>
         </mc:Choice>
-        <mc:Fallback>
+        <mc:Fallback xmlns="">
           <p:sp>
             <p:nvSpPr>
               <p:cNvPr id="46" name="Выноска: изогнутая линия 45">
@@ -5885,8 +5901,8 @@
           </p:sp>
         </mc:Fallback>
       </mc:AlternateContent>
-      <mc:AlternateContent xmlns:mc="http://schemas.openxmlformats.org/markup-compatibility/2006">
-        <mc:Choice xmlns:a14="http://schemas.microsoft.com/office/drawing/2010/main" Requires="a14">
+      <mc:AlternateContent xmlns:mc="http://schemas.openxmlformats.org/markup-compatibility/2006" xmlns:a14="http://schemas.microsoft.com/office/drawing/2010/main">
+        <mc:Choice Requires="a14">
           <p:sp>
             <p:nvSpPr>
               <p:cNvPr id="50" name="TextBox 49">
@@ -6130,27 +6146,39 @@
                 <a14:m>
                   <m:oMath xmlns:m="http://schemas.openxmlformats.org/officeDocument/2006/math">
                     <m:r>
-                      <a:rPr lang="ru-RU" sz="2000" i="1"/>
+                      <a:rPr lang="ru-RU" sz="2000" i="1">
+                        <a:latin typeface="Cambria Math" panose="02040503050406030204" pitchFamily="18" charset="0"/>
+                      </a:rPr>
                       <m:t>(</m:t>
                     </m:r>
                     <m:r>
-                      <a:rPr lang="ru-RU" sz="2000" i="1"/>
+                      <a:rPr lang="ru-RU" sz="2000" i="1">
+                        <a:latin typeface="Cambria Math" panose="02040503050406030204" pitchFamily="18" charset="0"/>
+                      </a:rPr>
                       <m:t>𝑢</m:t>
                     </m:r>
                     <m:r>
-                      <a:rPr lang="ru-RU" sz="2000" i="1"/>
+                      <a:rPr lang="ru-RU" sz="2000" i="1">
+                        <a:latin typeface="Cambria Math" panose="02040503050406030204" pitchFamily="18" charset="0"/>
+                      </a:rPr>
                       <m:t>,</m:t>
                     </m:r>
                     <m:r>
-                      <a:rPr lang="ru-RU" sz="2000" i="1"/>
+                      <a:rPr lang="ru-RU" sz="2000" i="1">
+                        <a:latin typeface="Cambria Math" panose="02040503050406030204" pitchFamily="18" charset="0"/>
+                      </a:rPr>
                       <m:t>𝑣</m:t>
                     </m:r>
                     <m:r>
-                      <a:rPr lang="ru-RU" sz="2000" i="1"/>
+                      <a:rPr lang="ru-RU" sz="2000" i="1">
+                        <a:latin typeface="Cambria Math" panose="02040503050406030204" pitchFamily="18" charset="0"/>
+                      </a:rPr>
                       <m:t>)∈</m:t>
                     </m:r>
                     <m:r>
-                      <a:rPr lang="ru-RU" sz="2000" i="1"/>
+                      <a:rPr lang="ru-RU" sz="2000" i="1">
+                        <a:latin typeface="Cambria Math" panose="02040503050406030204" pitchFamily="18" charset="0"/>
+                      </a:rPr>
                       <m:t>𝐸</m:t>
                     </m:r>
                   </m:oMath>
@@ -6714,157 +6742,213 @@
                 <a14:m>
                   <m:oMath xmlns:m="http://schemas.openxmlformats.org/officeDocument/2006/math">
                     <m:r>
-                      <a:rPr lang="ru-RU" sz="2000" i="1"/>
+                      <a:rPr lang="ru-RU" sz="2000" i="1">
+                        <a:latin typeface="Cambria Math" panose="02040503050406030204" pitchFamily="18" charset="0"/>
+                      </a:rPr>
                       <m:t>(</m:t>
                     </m:r>
                     <m:sSub>
                       <m:sSubPr>
                         <m:ctrlPr>
-                          <a:rPr lang="ru-RU" sz="2000" i="1"/>
+                          <a:rPr lang="ru-RU" sz="2000" i="1">
+                            <a:latin typeface="Cambria Math" panose="02040503050406030204" pitchFamily="18" charset="0"/>
+                          </a:rPr>
                         </m:ctrlPr>
                       </m:sSubPr>
                       <m:e>
                         <m:r>
-                          <a:rPr lang="ru-RU" sz="2000" i="1"/>
+                          <a:rPr lang="ru-RU" sz="2000" i="1">
+                            <a:latin typeface="Cambria Math" panose="02040503050406030204" pitchFamily="18" charset="0"/>
+                          </a:rPr>
                           <m:t>𝑉</m:t>
                         </m:r>
                       </m:e>
                       <m:sub>
                         <m:r>
-                          <a:rPr lang="ru-RU" sz="2000" i="1"/>
+                          <a:rPr lang="ru-RU" sz="2000" i="1">
+                            <a:latin typeface="Cambria Math" panose="02040503050406030204" pitchFamily="18" charset="0"/>
+                          </a:rPr>
                           <m:t>𝑖</m:t>
                         </m:r>
                       </m:sub>
                     </m:sSub>
                     <m:r>
-                      <a:rPr lang="ru-RU" sz="2000" i="1"/>
+                      <a:rPr lang="ru-RU" sz="2000" i="1">
+                        <a:latin typeface="Cambria Math" panose="02040503050406030204" pitchFamily="18" charset="0"/>
+                      </a:rPr>
                       <m:t>,</m:t>
                     </m:r>
                     <m:sSub>
                       <m:sSubPr>
                         <m:ctrlPr>
-                          <a:rPr lang="ru-RU" sz="2000" i="1"/>
+                          <a:rPr lang="ru-RU" sz="2000" i="1">
+                            <a:latin typeface="Cambria Math" panose="02040503050406030204" pitchFamily="18" charset="0"/>
+                          </a:rPr>
                         </m:ctrlPr>
                       </m:sSubPr>
                       <m:e>
                         <m:r>
-                          <a:rPr lang="ru-RU" sz="2000" i="1"/>
+                          <a:rPr lang="ru-RU" sz="2000" i="1">
+                            <a:latin typeface="Cambria Math" panose="02040503050406030204" pitchFamily="18" charset="0"/>
+                          </a:rPr>
                           <m:t>𝑉</m:t>
                         </m:r>
                       </m:e>
                       <m:sub>
                         <m:r>
-                          <a:rPr lang="ru-RU" sz="2000" i="1"/>
+                          <a:rPr lang="ru-RU" sz="2000" i="1">
+                            <a:latin typeface="Cambria Math" panose="02040503050406030204" pitchFamily="18" charset="0"/>
+                          </a:rPr>
                           <m:t>𝑗</m:t>
                         </m:r>
                       </m:sub>
                     </m:sSub>
                     <m:r>
-                      <a:rPr lang="ru-RU" sz="2000" i="1"/>
+                      <a:rPr lang="ru-RU" sz="2000" i="1">
+                        <a:latin typeface="Cambria Math" panose="02040503050406030204" pitchFamily="18" charset="0"/>
+                      </a:rPr>
                       <m:t>),(</m:t>
                     </m:r>
                     <m:sSub>
                       <m:sSubPr>
                         <m:ctrlPr>
-                          <a:rPr lang="ru-RU" sz="2000" i="1"/>
+                          <a:rPr lang="ru-RU" sz="2000" i="1">
+                            <a:latin typeface="Cambria Math" panose="02040503050406030204" pitchFamily="18" charset="0"/>
+                          </a:rPr>
                         </m:ctrlPr>
                       </m:sSubPr>
                       <m:e>
                         <m:r>
-                          <a:rPr lang="ru-RU" sz="2000" i="1"/>
+                          <a:rPr lang="ru-RU" sz="2000" i="1">
+                            <a:latin typeface="Cambria Math" panose="02040503050406030204" pitchFamily="18" charset="0"/>
+                          </a:rPr>
                           <m:t>𝑉</m:t>
                         </m:r>
                       </m:e>
                       <m:sub>
                         <m:r>
-                          <a:rPr lang="ru-RU" sz="2000" i="1"/>
+                          <a:rPr lang="ru-RU" sz="2000" i="1">
+                            <a:latin typeface="Cambria Math" panose="02040503050406030204" pitchFamily="18" charset="0"/>
+                          </a:rPr>
                           <m:t>𝑗</m:t>
                         </m:r>
                       </m:sub>
                     </m:sSub>
                     <m:r>
-                      <a:rPr lang="ru-RU" sz="2000" i="1"/>
+                      <a:rPr lang="ru-RU" sz="2000" i="1">
+                        <a:latin typeface="Cambria Math" panose="02040503050406030204" pitchFamily="18" charset="0"/>
+                      </a:rPr>
                       <m:t>,</m:t>
                     </m:r>
                     <m:sSub>
                       <m:sSubPr>
                         <m:ctrlPr>
-                          <a:rPr lang="ru-RU" sz="2000" i="1"/>
+                          <a:rPr lang="ru-RU" sz="2000" i="1">
+                            <a:latin typeface="Cambria Math" panose="02040503050406030204" pitchFamily="18" charset="0"/>
+                          </a:rPr>
                         </m:ctrlPr>
                       </m:sSubPr>
                       <m:e>
                         <m:r>
-                          <a:rPr lang="ru-RU" sz="2000" i="1"/>
+                          <a:rPr lang="ru-RU" sz="2000" i="1">
+                            <a:latin typeface="Cambria Math" panose="02040503050406030204" pitchFamily="18" charset="0"/>
+                          </a:rPr>
                           <m:t>𝑉</m:t>
                         </m:r>
                       </m:e>
                       <m:sub>
                         <m:r>
-                          <a:rPr lang="ru-RU" sz="2000" i="1"/>
+                          <a:rPr lang="ru-RU" sz="2000" i="1">
+                            <a:latin typeface="Cambria Math" panose="02040503050406030204" pitchFamily="18" charset="0"/>
+                          </a:rPr>
                           <m:t>𝑘</m:t>
                         </m:r>
                       </m:sub>
                     </m:sSub>
                     <m:r>
-                      <a:rPr lang="ru-RU" sz="2000" i="1"/>
+                      <a:rPr lang="ru-RU" sz="2000" i="1">
+                        <a:latin typeface="Cambria Math" panose="02040503050406030204" pitchFamily="18" charset="0"/>
+                      </a:rPr>
                       <m:t>)∈</m:t>
                     </m:r>
                     <m:r>
-                      <a:rPr lang="ru-RU" sz="2000" i="1"/>
+                      <a:rPr lang="ru-RU" sz="2000" i="1">
+                        <a:latin typeface="Cambria Math" panose="02040503050406030204" pitchFamily="18" charset="0"/>
+                      </a:rPr>
                       <m:t>𝐴</m:t>
                     </m:r>
                     <m:r>
-                      <a:rPr lang="ru-RU" sz="2000" i="1"/>
+                      <a:rPr lang="ru-RU" sz="2000" i="1">
+                        <a:latin typeface="Cambria Math" panose="02040503050406030204" pitchFamily="18" charset="0"/>
+                      </a:rPr>
                       <m:t>⇒(</m:t>
                     </m:r>
                     <m:sSub>
                       <m:sSubPr>
                         <m:ctrlPr>
-                          <a:rPr lang="ru-RU" sz="2000" i="1"/>
+                          <a:rPr lang="ru-RU" sz="2000" i="1">
+                            <a:latin typeface="Cambria Math" panose="02040503050406030204" pitchFamily="18" charset="0"/>
+                          </a:rPr>
                         </m:ctrlPr>
                       </m:sSubPr>
                       <m:e>
                         <m:r>
-                          <a:rPr lang="ru-RU" sz="2000" i="1"/>
+                          <a:rPr lang="ru-RU" sz="2000" i="1">
+                            <a:latin typeface="Cambria Math" panose="02040503050406030204" pitchFamily="18" charset="0"/>
+                          </a:rPr>
                           <m:t>𝑉</m:t>
                         </m:r>
                       </m:e>
                       <m:sub>
                         <m:r>
-                          <a:rPr lang="ru-RU" sz="2000" i="1"/>
+                          <a:rPr lang="ru-RU" sz="2000" i="1">
+                            <a:latin typeface="Cambria Math" panose="02040503050406030204" pitchFamily="18" charset="0"/>
+                          </a:rPr>
                           <m:t>𝑖</m:t>
                         </m:r>
                       </m:sub>
                     </m:sSub>
                     <m:r>
-                      <a:rPr lang="ru-RU" sz="2000" i="1"/>
+                      <a:rPr lang="ru-RU" sz="2000" i="1">
+                        <a:latin typeface="Cambria Math" panose="02040503050406030204" pitchFamily="18" charset="0"/>
+                      </a:rPr>
                       <m:t>,</m:t>
                     </m:r>
                     <m:sSub>
                       <m:sSubPr>
                         <m:ctrlPr>
-                          <a:rPr lang="ru-RU" sz="2000" i="1"/>
+                          <a:rPr lang="ru-RU" sz="2000" i="1">
+                            <a:latin typeface="Cambria Math" panose="02040503050406030204" pitchFamily="18" charset="0"/>
+                          </a:rPr>
                         </m:ctrlPr>
                       </m:sSubPr>
                       <m:e>
                         <m:r>
-                          <a:rPr lang="ru-RU" sz="2000" i="1"/>
+                          <a:rPr lang="ru-RU" sz="2000" i="1">
+                            <a:latin typeface="Cambria Math" panose="02040503050406030204" pitchFamily="18" charset="0"/>
+                          </a:rPr>
                           <m:t>𝑉</m:t>
                         </m:r>
                       </m:e>
                       <m:sub>
                         <m:r>
-                          <a:rPr lang="ru-RU" sz="2000" i="1"/>
+                          <a:rPr lang="ru-RU" sz="2000" i="1">
+                            <a:latin typeface="Cambria Math" panose="02040503050406030204" pitchFamily="18" charset="0"/>
+                          </a:rPr>
                           <m:t>𝑘</m:t>
                         </m:r>
                       </m:sub>
                     </m:sSub>
                     <m:r>
-                      <a:rPr lang="ru-RU" sz="2000" i="1"/>
+                      <a:rPr lang="ru-RU" sz="2000" i="1">
+                        <a:latin typeface="Cambria Math" panose="02040503050406030204" pitchFamily="18" charset="0"/>
+                      </a:rPr>
                       <m:t>)∈</m:t>
                     </m:r>
                     <m:r>
-                      <a:rPr lang="ru-RU" sz="2000" i="1" smtClean="0"/>
+                      <a:rPr lang="ru-RU" sz="2000" i="1" smtClean="0">
+                        <a:latin typeface="Cambria Math" panose="02040503050406030204" pitchFamily="18" charset="0"/>
+                      </a:rPr>
                       <m:t>𝐴</m:t>
                     </m:r>
                   </m:oMath>
@@ -7006,7 +7090,7 @@
             </p:txBody>
           </p:sp>
         </mc:Choice>
-        <mc:Fallback>
+        <mc:Fallback xmlns="">
           <p:sp>
             <p:nvSpPr>
               <p:cNvPr id="50" name="TextBox 49">
@@ -7121,8 +7205,8 @@
           </a:p>
         </p:txBody>
       </p:sp>
-      <mc:AlternateContent xmlns:mc="http://schemas.openxmlformats.org/markup-compatibility/2006">
-        <mc:Choice xmlns:a14="http://schemas.microsoft.com/office/drawing/2010/main" Requires="a14">
+      <mc:AlternateContent xmlns:mc="http://schemas.openxmlformats.org/markup-compatibility/2006" xmlns:a14="http://schemas.microsoft.com/office/drawing/2010/main">
+        <mc:Choice Requires="a14">
           <p:sp>
             <p:nvSpPr>
               <p:cNvPr id="5" name="TextBox 4">
@@ -7179,7 +7263,9 @@
                 <a14:m>
                   <m:oMath xmlns:m="http://schemas.openxmlformats.org/officeDocument/2006/math">
                     <m:r>
-                      <a:rPr lang="ru-RU" sz="2400" i="1"/>
+                      <a:rPr lang="ru-RU" sz="2400" i="1">
+                        <a:latin typeface="Cambria Math" panose="02040503050406030204" pitchFamily="18" charset="0"/>
+                      </a:rPr>
                       <m:t>𝑇</m:t>
                     </m:r>
                   </m:oMath>
@@ -7953,7 +8039,9 @@
                 <a14:m>
                   <m:oMath xmlns:m="http://schemas.openxmlformats.org/officeDocument/2006/math">
                     <m:r>
-                      <a:rPr lang="ru-RU" sz="2400" i="1"/>
+                      <a:rPr lang="ru-RU" sz="2400" i="1">
+                        <a:latin typeface="Cambria Math" panose="02040503050406030204" pitchFamily="18" charset="0"/>
+                      </a:rPr>
                       <m:t>𝑇</m:t>
                     </m:r>
                     <m:r>
@@ -7972,7 +8060,9 @@
                       </m:dPr>
                       <m:e>
                         <m:r>
-                          <a:rPr lang="ru-RU" sz="2400" i="1"/>
+                          <a:rPr lang="ru-RU" sz="2400" i="1">
+                            <a:latin typeface="Cambria Math" panose="02040503050406030204" pitchFamily="18" charset="0"/>
+                          </a:rPr>
                           <m:t>𝑉</m:t>
                         </m:r>
                         <m:d>
@@ -7987,18 +8077,24 @@
                             <m:sSub>
                               <m:sSubPr>
                                 <m:ctrlPr>
-                                  <a:rPr lang="ru-RU" sz="2400" i="1"/>
+                                  <a:rPr lang="ru-RU" sz="2400" i="1">
+                                    <a:latin typeface="Cambria Math" panose="02040503050406030204" pitchFamily="18" charset="0"/>
+                                  </a:rPr>
                                 </m:ctrlPr>
                               </m:sSubPr>
                               <m:e>
                                 <m:r>
-                                  <a:rPr lang="ru-RU" sz="2400" i="1"/>
+                                  <a:rPr lang="ru-RU" sz="2400" i="1">
+                                    <a:latin typeface="Cambria Math" panose="02040503050406030204" pitchFamily="18" charset="0"/>
+                                  </a:rPr>
                                   <m:t>𝑣</m:t>
                                 </m:r>
                               </m:e>
                               <m:sub>
                                 <m:r>
-                                  <a:rPr lang="ru-RU" sz="2400" i="1"/>
+                                  <a:rPr lang="ru-RU" sz="2400" i="1">
+                                    <a:latin typeface="Cambria Math" panose="02040503050406030204" pitchFamily="18" charset="0"/>
+                                  </a:rPr>
                                   <m:t>𝑖</m:t>
                                 </m:r>
                               </m:sub>
@@ -8006,11 +8102,15 @@
                           </m:e>
                         </m:d>
                         <m:r>
-                          <a:rPr lang="ru-RU" sz="2400" i="1"/>
+                          <a:rPr lang="ru-RU" sz="2400" i="1">
+                            <a:latin typeface="Cambria Math" panose="02040503050406030204" pitchFamily="18" charset="0"/>
+                          </a:rPr>
                           <m:t>,</m:t>
                         </m:r>
                         <m:r>
-                          <a:rPr lang="ru-RU" sz="2400" i="1"/>
+                          <a:rPr lang="ru-RU" sz="2400" i="1">
+                            <a:latin typeface="Cambria Math" panose="02040503050406030204" pitchFamily="18" charset="0"/>
+                          </a:rPr>
                           <m:t>𝑉</m:t>
                         </m:r>
                         <m:d>
@@ -8025,18 +8125,24 @@
                             <m:sSub>
                               <m:sSubPr>
                                 <m:ctrlPr>
-                                  <a:rPr lang="ru-RU" sz="2400" i="1"/>
+                                  <a:rPr lang="ru-RU" sz="2400" i="1">
+                                    <a:latin typeface="Cambria Math" panose="02040503050406030204" pitchFamily="18" charset="0"/>
+                                  </a:rPr>
                                 </m:ctrlPr>
                               </m:sSubPr>
                               <m:e>
                                 <m:r>
-                                  <a:rPr lang="ru-RU" sz="2400" i="1"/>
+                                  <a:rPr lang="ru-RU" sz="2400" i="1">
+                                    <a:latin typeface="Cambria Math" panose="02040503050406030204" pitchFamily="18" charset="0"/>
+                                  </a:rPr>
                                   <m:t>𝑣</m:t>
                                 </m:r>
                               </m:e>
                               <m:sub>
                                 <m:r>
-                                  <a:rPr lang="ru-RU" sz="2400" i="1"/>
+                                  <a:rPr lang="ru-RU" sz="2400" i="1">
+                                    <a:latin typeface="Cambria Math" panose="02040503050406030204" pitchFamily="18" charset="0"/>
+                                  </a:rPr>
                                   <m:t>𝑗</m:t>
                                 </m:r>
                               </m:sub>
@@ -8046,11 +8152,15 @@
                       </m:e>
                     </m:d>
                     <m:r>
-                      <a:rPr lang="ru-RU" sz="2400" i="1"/>
+                      <a:rPr lang="ru-RU" sz="2400" i="1">
+                        <a:latin typeface="Cambria Math" panose="02040503050406030204" pitchFamily="18" charset="0"/>
+                      </a:rPr>
                       <m:t>∈</m:t>
                     </m:r>
                     <m:r>
-                      <a:rPr lang="ru-RU" sz="2400" i="1"/>
+                      <a:rPr lang="ru-RU" sz="2400" i="1">
+                        <a:latin typeface="Cambria Math" panose="02040503050406030204" pitchFamily="18" charset="0"/>
+                      </a:rPr>
                       <m:t>𝐴</m:t>
                     </m:r>
                   </m:oMath>
@@ -8060,7 +8170,7 @@
             </p:txBody>
           </p:sp>
         </mc:Choice>
-        <mc:Fallback>
+        <mc:Fallback xmlns="">
           <p:sp>
             <p:nvSpPr>
               <p:cNvPr id="5" name="TextBox 4">
@@ -8105,8 +8215,8 @@
           </p:sp>
         </mc:Fallback>
       </mc:AlternateContent>
-      <mc:AlternateContent xmlns:mc="http://schemas.openxmlformats.org/markup-compatibility/2006">
-        <mc:Choice xmlns:a14="http://schemas.microsoft.com/office/drawing/2010/main" Requires="a14">
+      <mc:AlternateContent xmlns:mc="http://schemas.openxmlformats.org/markup-compatibility/2006" xmlns:a14="http://schemas.microsoft.com/office/drawing/2010/main">
+        <mc:Choice Requires="a14">
           <p:sp>
             <p:nvSpPr>
               <p:cNvPr id="6" name="TextBox 5">
@@ -8528,7 +8638,7 @@
             </p:txBody>
           </p:sp>
         </mc:Choice>
-        <mc:Fallback>
+        <mc:Fallback xmlns="">
           <p:sp>
             <p:nvSpPr>
               <p:cNvPr id="6" name="TextBox 5">
@@ -8577,6 +8687,150 @@
     <p:extLst>
       <p:ext uri="{BB962C8B-B14F-4D97-AF65-F5344CB8AC3E}">
         <p14:creationId xmlns:p14="http://schemas.microsoft.com/office/powerpoint/2010/main" val="584183776"/>
+      </p:ext>
+    </p:extLst>
+  </p:cSld>
+  <p:clrMapOvr>
+    <a:masterClrMapping/>
+  </p:clrMapOvr>
+</p:sld>
+</file>
+
+<file path=ppt/slides/slide3.xml><?xml version="1.0" encoding="utf-8"?>
+<p:sld xmlns:a="http://schemas.openxmlformats.org/drawingml/2006/main" xmlns:r="http://schemas.openxmlformats.org/officeDocument/2006/relationships" xmlns:p="http://schemas.openxmlformats.org/presentationml/2006/main">
+  <p:cSld>
+    <p:bg>
+      <p:bgPr>
+        <a:solidFill>
+          <a:schemeClr val="bg1"/>
+        </a:solidFill>
+        <a:effectLst/>
+      </p:bgPr>
+    </p:bg>
+    <p:spTree>
+      <p:nvGrpSpPr>
+        <p:cNvPr id="1" name=""/>
+        <p:cNvGrpSpPr/>
+        <p:nvPr/>
+      </p:nvGrpSpPr>
+      <p:grpSpPr>
+        <a:xfrm>
+          <a:off x="0" y="0"/>
+          <a:ext cx="0" cy="0"/>
+          <a:chOff x="0" y="0"/>
+          <a:chExt cx="0" cy="0"/>
+        </a:xfrm>
+      </p:grpSpPr>
+      <p:pic>
+        <p:nvPicPr>
+          <p:cNvPr id="5" name="Рисунок 4">
+            <a:extLst>
+              <a:ext uri="{FF2B5EF4-FFF2-40B4-BE49-F238E27FC236}">
+                <a16:creationId xmlns:a16="http://schemas.microsoft.com/office/drawing/2014/main" id="{D30B61BB-C743-4A71-8761-DBBAA51E2AAC}"/>
+              </a:ext>
+            </a:extLst>
+          </p:cNvPr>
+          <p:cNvPicPr>
+            <a:picLocks noChangeAspect="1"/>
+          </p:cNvPicPr>
+          <p:nvPr/>
+        </p:nvPicPr>
+        <p:blipFill>
+          <a:blip r:embed="rId2">
+            <a:extLst>
+              <a:ext uri="{28A0092B-C50C-407E-A947-70E740481C1C}">
+                <a14:useLocalDpi xmlns:a14="http://schemas.microsoft.com/office/drawing/2010/main" val="0"/>
+              </a:ext>
+            </a:extLst>
+          </a:blip>
+          <a:stretch>
+            <a:fillRect/>
+          </a:stretch>
+        </p:blipFill>
+        <p:spPr>
+          <a:xfrm>
+            <a:off x="1143940" y="643466"/>
+            <a:ext cx="9904120" cy="5571067"/>
+          </a:xfrm>
+          <a:prstGeom prst="rect">
+            <a:avLst/>
+          </a:prstGeom>
+        </p:spPr>
+      </p:pic>
+      <p:sp>
+        <p:nvSpPr>
+          <p:cNvPr id="6" name="TextBox 5">
+            <a:extLst>
+              <a:ext uri="{FF2B5EF4-FFF2-40B4-BE49-F238E27FC236}">
+                <a16:creationId xmlns:a16="http://schemas.microsoft.com/office/drawing/2014/main" id="{BECE61AD-CAC5-409F-9C74-703D3BDC02AF}"/>
+              </a:ext>
+            </a:extLst>
+          </p:cNvPr>
+          <p:cNvSpPr txBox="1"/>
+          <p:nvPr/>
+        </p:nvSpPr>
+        <p:spPr>
+          <a:xfrm>
+            <a:off x="7800392" y="5169160"/>
+            <a:ext cx="4142792" cy="1200329"/>
+          </a:xfrm>
+          <a:prstGeom prst="rect">
+            <a:avLst/>
+          </a:prstGeom>
+          <a:noFill/>
+        </p:spPr>
+        <p:txBody>
+          <a:bodyPr wrap="square" rtlCol="0">
+            <a:spAutoFit/>
+          </a:bodyPr>
+          <a:lstStyle/>
+          <a:p>
+            <a:r>
+              <a:rPr lang="ru-RU" dirty="0"/>
+              <a:t>Пример решения задачи </a:t>
+            </a:r>
+            <a:r>
+              <a:rPr lang="en-US" dirty="0"/>
+              <a:t>PCGTSP,</a:t>
+            </a:r>
+          </a:p>
+          <a:p>
+            <a:r>
+              <a:rPr lang="ru-RU" dirty="0"/>
+              <a:t>найденный эвристикой </a:t>
+            </a:r>
+            <a:r>
+              <a:rPr lang="en-US" dirty="0"/>
+              <a:t>PCGLNS</a:t>
+            </a:r>
+          </a:p>
+          <a:p>
+            <a:pPr marL="285750" indent="-285750">
+              <a:buFont typeface="Arial" panose="020B0604020202020204" pitchFamily="34" charset="0"/>
+              <a:buChar char="•"/>
+            </a:pPr>
+            <a:r>
+              <a:rPr lang="en-US" dirty="0"/>
+              <a:t>n=272</a:t>
+            </a:r>
+          </a:p>
+          <a:p>
+            <a:pPr marL="285750" indent="-285750">
+              <a:buFont typeface="Arial" panose="020B0604020202020204" pitchFamily="34" charset="0"/>
+              <a:buChar char="•"/>
+            </a:pPr>
+            <a:r>
+              <a:rPr lang="en-US" dirty="0"/>
+              <a:t>m=34</a:t>
+            </a:r>
+            <a:endParaRPr lang="ru-RU" dirty="0"/>
+          </a:p>
+        </p:txBody>
+      </p:sp>
+    </p:spTree>
+    <p:extLst>
+      <p:ext uri="{BB962C8B-B14F-4D97-AF65-F5344CB8AC3E}">
+        <p14:creationId xmlns:p14="http://schemas.microsoft.com/office/powerpoint/2010/main" val="1653780134"/>
       </p:ext>
     </p:extLst>
   </p:cSld>

--- a/article/pcgtsp.pptx
+++ b/article/pcgtsp.pptx
@@ -8,6 +8,7 @@
     <p:sldId id="256" r:id="rId2"/>
     <p:sldId id="257" r:id="rId3"/>
     <p:sldId id="258" r:id="rId4"/>
+    <p:sldId id="259" r:id="rId5"/>
   </p:sldIdLst>
   <p:sldSz cx="12192000" cy="6858000"/>
   <p:notesSz cx="6858000" cy="9144000"/>
@@ -261,7 +262,7 @@
           <a:p>
             <a:fld id="{9CF85C88-418E-4F5A-8CF4-5781FE3E76C1}" type="datetimeFigureOut">
               <a:rPr lang="ru-RU" smtClean="0"/>
-              <a:t>18.09.2021</a:t>
+              <a:t>20.09.2021</a:t>
             </a:fld>
             <a:endParaRPr lang="ru-RU"/>
           </a:p>
@@ -459,7 +460,7 @@
           <a:p>
             <a:fld id="{9CF85C88-418E-4F5A-8CF4-5781FE3E76C1}" type="datetimeFigureOut">
               <a:rPr lang="ru-RU" smtClean="0"/>
-              <a:t>18.09.2021</a:t>
+              <a:t>20.09.2021</a:t>
             </a:fld>
             <a:endParaRPr lang="ru-RU"/>
           </a:p>
@@ -667,7 +668,7 @@
           <a:p>
             <a:fld id="{9CF85C88-418E-4F5A-8CF4-5781FE3E76C1}" type="datetimeFigureOut">
               <a:rPr lang="ru-RU" smtClean="0"/>
-              <a:t>18.09.2021</a:t>
+              <a:t>20.09.2021</a:t>
             </a:fld>
             <a:endParaRPr lang="ru-RU"/>
           </a:p>
@@ -865,7 +866,7 @@
           <a:p>
             <a:fld id="{9CF85C88-418E-4F5A-8CF4-5781FE3E76C1}" type="datetimeFigureOut">
               <a:rPr lang="ru-RU" smtClean="0"/>
-              <a:t>18.09.2021</a:t>
+              <a:t>20.09.2021</a:t>
             </a:fld>
             <a:endParaRPr lang="ru-RU"/>
           </a:p>
@@ -1140,7 +1141,7 @@
           <a:p>
             <a:fld id="{9CF85C88-418E-4F5A-8CF4-5781FE3E76C1}" type="datetimeFigureOut">
               <a:rPr lang="ru-RU" smtClean="0"/>
-              <a:t>18.09.2021</a:t>
+              <a:t>20.09.2021</a:t>
             </a:fld>
             <a:endParaRPr lang="ru-RU"/>
           </a:p>
@@ -1405,7 +1406,7 @@
           <a:p>
             <a:fld id="{9CF85C88-418E-4F5A-8CF4-5781FE3E76C1}" type="datetimeFigureOut">
               <a:rPr lang="ru-RU" smtClean="0"/>
-              <a:t>18.09.2021</a:t>
+              <a:t>20.09.2021</a:t>
             </a:fld>
             <a:endParaRPr lang="ru-RU"/>
           </a:p>
@@ -1817,7 +1818,7 @@
           <a:p>
             <a:fld id="{9CF85C88-418E-4F5A-8CF4-5781FE3E76C1}" type="datetimeFigureOut">
               <a:rPr lang="ru-RU" smtClean="0"/>
-              <a:t>18.09.2021</a:t>
+              <a:t>20.09.2021</a:t>
             </a:fld>
             <a:endParaRPr lang="ru-RU"/>
           </a:p>
@@ -1958,7 +1959,7 @@
           <a:p>
             <a:fld id="{9CF85C88-418E-4F5A-8CF4-5781FE3E76C1}" type="datetimeFigureOut">
               <a:rPr lang="ru-RU" smtClean="0"/>
-              <a:t>18.09.2021</a:t>
+              <a:t>20.09.2021</a:t>
             </a:fld>
             <a:endParaRPr lang="ru-RU"/>
           </a:p>
@@ -2071,7 +2072,7 @@
           <a:p>
             <a:fld id="{9CF85C88-418E-4F5A-8CF4-5781FE3E76C1}" type="datetimeFigureOut">
               <a:rPr lang="ru-RU" smtClean="0"/>
-              <a:t>18.09.2021</a:t>
+              <a:t>20.09.2021</a:t>
             </a:fld>
             <a:endParaRPr lang="ru-RU"/>
           </a:p>
@@ -2382,7 +2383,7 @@
           <a:p>
             <a:fld id="{9CF85C88-418E-4F5A-8CF4-5781FE3E76C1}" type="datetimeFigureOut">
               <a:rPr lang="ru-RU" smtClean="0"/>
-              <a:t>18.09.2021</a:t>
+              <a:t>20.09.2021</a:t>
             </a:fld>
             <a:endParaRPr lang="ru-RU"/>
           </a:p>
@@ -2670,7 +2671,7 @@
           <a:p>
             <a:fld id="{9CF85C88-418E-4F5A-8CF4-5781FE3E76C1}" type="datetimeFigureOut">
               <a:rPr lang="ru-RU" smtClean="0"/>
-              <a:t>18.09.2021</a:t>
+              <a:t>20.09.2021</a:t>
             </a:fld>
             <a:endParaRPr lang="ru-RU"/>
           </a:p>
@@ -2911,7 +2912,7 @@
           <a:p>
             <a:fld id="{9CF85C88-418E-4F5A-8CF4-5781FE3E76C1}" type="datetimeFigureOut">
               <a:rPr lang="ru-RU" smtClean="0"/>
-              <a:t>18.09.2021</a:t>
+              <a:t>20.09.2021</a:t>
             </a:fld>
             <a:endParaRPr lang="ru-RU"/>
           </a:p>
@@ -8791,7 +8792,15 @@
             </a:r>
             <a:r>
               <a:rPr lang="en-US" dirty="0"/>
-              <a:t>PCGTSP,</a:t>
+              <a:t>PCGTSP</a:t>
+            </a:r>
+            <a:r>
+              <a:rPr lang="en-US" baseline="30000" dirty="0"/>
+              <a:t>1</a:t>
+            </a:r>
+            <a:r>
+              <a:rPr lang="en-US" dirty="0"/>
+              <a:t>,</a:t>
             </a:r>
           </a:p>
           <a:p>
@@ -8827,10 +8836,2035 @@
           </a:p>
         </p:txBody>
       </p:sp>
+      <p:sp>
+        <p:nvSpPr>
+          <p:cNvPr id="7" name="TextBox 6">
+            <a:extLst>
+              <a:ext uri="{FF2B5EF4-FFF2-40B4-BE49-F238E27FC236}">
+                <a16:creationId xmlns:a16="http://schemas.microsoft.com/office/drawing/2014/main" id="{42AEC94D-1F33-4FEA-A87F-D32CF9AAFF48}"/>
+              </a:ext>
+            </a:extLst>
+          </p:cNvPr>
+          <p:cNvSpPr txBox="1"/>
+          <p:nvPr/>
+        </p:nvSpPr>
+        <p:spPr>
+          <a:xfrm>
+            <a:off x="0" y="6369489"/>
+            <a:ext cx="12103916" cy="415498"/>
+          </a:xfrm>
+          <a:prstGeom prst="rect">
+            <a:avLst/>
+          </a:prstGeom>
+          <a:noFill/>
+        </p:spPr>
+        <p:txBody>
+          <a:bodyPr wrap="square">
+            <a:spAutoFit/>
+          </a:bodyPr>
+          <a:lstStyle/>
+          <a:p>
+            <a:r>
+              <a:rPr lang="en-US" sz="1050" baseline="30000" dirty="0">
+                <a:effectLst/>
+                <a:latin typeface="Calibri" panose="020F0502020204030204" pitchFamily="34" charset="0"/>
+                <a:ea typeface="Calibri" panose="020F0502020204030204" pitchFamily="34" charset="0"/>
+                <a:cs typeface="F"/>
+              </a:rPr>
+              <a:t>1</a:t>
+            </a:r>
+            <a:r>
+              <a:rPr lang="en-US" sz="1050" dirty="0">
+                <a:effectLst/>
+                <a:latin typeface="Calibri" panose="020F0502020204030204" pitchFamily="34" charset="0"/>
+                <a:ea typeface="Calibri" panose="020F0502020204030204" pitchFamily="34" charset="0"/>
+                <a:cs typeface="F"/>
+              </a:rPr>
+              <a:t>Khachay M., </a:t>
+            </a:r>
+            <a:r>
+              <a:rPr lang="en-US" sz="1050" dirty="0" err="1">
+                <a:effectLst/>
+                <a:latin typeface="Calibri" panose="020F0502020204030204" pitchFamily="34" charset="0"/>
+                <a:ea typeface="Calibri" panose="020F0502020204030204" pitchFamily="34" charset="0"/>
+                <a:cs typeface="F"/>
+              </a:rPr>
+              <a:t>Kudriavtsev</a:t>
+            </a:r>
+            <a:r>
+              <a:rPr lang="en-US" sz="1050" dirty="0">
+                <a:effectLst/>
+                <a:latin typeface="Calibri" panose="020F0502020204030204" pitchFamily="34" charset="0"/>
+                <a:ea typeface="Calibri" panose="020F0502020204030204" pitchFamily="34" charset="0"/>
+                <a:cs typeface="F"/>
+              </a:rPr>
+              <a:t> A., Petunin A. PCGLNS: A Heuristic Solver for the Precedence Constrained Generalized Traveling Salesman Problem // Optimization and Applications. Т. 12422 / </a:t>
+            </a:r>
+            <a:r>
+              <a:rPr lang="en-US" sz="1050" dirty="0" err="1">
+                <a:effectLst/>
+                <a:latin typeface="Calibri" panose="020F0502020204030204" pitchFamily="34" charset="0"/>
+                <a:ea typeface="Calibri" panose="020F0502020204030204" pitchFamily="34" charset="0"/>
+                <a:cs typeface="F"/>
+              </a:rPr>
+              <a:t>под</a:t>
+            </a:r>
+            <a:r>
+              <a:rPr lang="en-US" sz="1050" dirty="0">
+                <a:effectLst/>
+                <a:latin typeface="Calibri" panose="020F0502020204030204" pitchFamily="34" charset="0"/>
+                <a:ea typeface="Calibri" panose="020F0502020204030204" pitchFamily="34" charset="0"/>
+                <a:cs typeface="F"/>
+              </a:rPr>
+              <a:t> </a:t>
+            </a:r>
+            <a:r>
+              <a:rPr lang="en-US" sz="1050" dirty="0" err="1">
+                <a:effectLst/>
+                <a:latin typeface="Calibri" panose="020F0502020204030204" pitchFamily="34" charset="0"/>
+                <a:ea typeface="Calibri" panose="020F0502020204030204" pitchFamily="34" charset="0"/>
+                <a:cs typeface="F"/>
+              </a:rPr>
+              <a:t>ред</a:t>
+            </a:r>
+            <a:r>
+              <a:rPr lang="en-US" sz="1050" dirty="0">
+                <a:effectLst/>
+                <a:latin typeface="Calibri" panose="020F0502020204030204" pitchFamily="34" charset="0"/>
+                <a:ea typeface="Calibri" panose="020F0502020204030204" pitchFamily="34" charset="0"/>
+                <a:cs typeface="F"/>
+              </a:rPr>
+              <a:t>. N. </a:t>
+            </a:r>
+            <a:r>
+              <a:rPr lang="en-US" sz="1050" dirty="0" err="1">
+                <a:effectLst/>
+                <a:latin typeface="Calibri" panose="020F0502020204030204" pitchFamily="34" charset="0"/>
+                <a:ea typeface="Calibri" panose="020F0502020204030204" pitchFamily="34" charset="0"/>
+                <a:cs typeface="F"/>
+              </a:rPr>
+              <a:t>Olenev,Y</a:t>
+            </a:r>
+            <a:r>
+              <a:rPr lang="en-US" sz="1050" dirty="0">
+                <a:effectLst/>
+                <a:latin typeface="Calibri" panose="020F0502020204030204" pitchFamily="34" charset="0"/>
+                <a:ea typeface="Calibri" panose="020F0502020204030204" pitchFamily="34" charset="0"/>
+                <a:cs typeface="F"/>
+              </a:rPr>
+              <a:t>. Evtushenko, M. Khachay, V. </a:t>
+            </a:r>
+            <a:r>
+              <a:rPr lang="en-US" sz="1050" dirty="0" err="1">
+                <a:effectLst/>
+                <a:latin typeface="Calibri" panose="020F0502020204030204" pitchFamily="34" charset="0"/>
+                <a:ea typeface="Calibri" panose="020F0502020204030204" pitchFamily="34" charset="0"/>
+                <a:cs typeface="F"/>
+              </a:rPr>
+              <a:t>Malkova</a:t>
+            </a:r>
+            <a:r>
+              <a:rPr lang="en-US" sz="1050" dirty="0">
+                <a:effectLst/>
+                <a:latin typeface="Calibri" panose="020F0502020204030204" pitchFamily="34" charset="0"/>
+                <a:ea typeface="Calibri" panose="020F0502020204030204" pitchFamily="34" charset="0"/>
+                <a:cs typeface="F"/>
+              </a:rPr>
+              <a:t>. — Cham : Springer International Publishing, 2020. — С. 196—208. — (Lecture Notes in Computer Science). — ISBN 978-3-030-62867-3. — DOI:10.1007/978-3-030-62867-3_15.</a:t>
+            </a:r>
+            <a:endParaRPr lang="ru-RU" sz="1050" dirty="0"/>
+          </a:p>
+        </p:txBody>
+      </p:sp>
     </p:spTree>
     <p:extLst>
       <p:ext uri="{BB962C8B-B14F-4D97-AF65-F5344CB8AC3E}">
         <p14:creationId xmlns:p14="http://schemas.microsoft.com/office/powerpoint/2010/main" val="1653780134"/>
+      </p:ext>
+    </p:extLst>
+  </p:cSld>
+  <p:clrMapOvr>
+    <a:masterClrMapping/>
+  </p:clrMapOvr>
+</p:sld>
+</file>
+
+<file path=ppt/slides/slide4.xml><?xml version="1.0" encoding="utf-8"?>
+<p:sld xmlns:a="http://schemas.openxmlformats.org/drawingml/2006/main" xmlns:r="http://schemas.openxmlformats.org/officeDocument/2006/relationships" xmlns:p="http://schemas.openxmlformats.org/presentationml/2006/main">
+  <p:cSld>
+    <p:spTree>
+      <p:nvGrpSpPr>
+        <p:cNvPr id="1" name=""/>
+        <p:cNvGrpSpPr/>
+        <p:nvPr/>
+      </p:nvGrpSpPr>
+      <p:grpSpPr>
+        <a:xfrm>
+          <a:off x="0" y="0"/>
+          <a:ext cx="0" cy="0"/>
+          <a:chOff x="0" y="0"/>
+          <a:chExt cx="0" cy="0"/>
+        </a:xfrm>
+      </p:grpSpPr>
+      <p:sp>
+        <p:nvSpPr>
+          <p:cNvPr id="4" name="TextBox 3">
+            <a:extLst>
+              <a:ext uri="{FF2B5EF4-FFF2-40B4-BE49-F238E27FC236}">
+                <a16:creationId xmlns:a16="http://schemas.microsoft.com/office/drawing/2014/main" id="{D9C5CA3A-2AFA-4D9D-8537-CF97947D0471}"/>
+              </a:ext>
+            </a:extLst>
+          </p:cNvPr>
+          <p:cNvSpPr txBox="1"/>
+          <p:nvPr/>
+        </p:nvSpPr>
+        <p:spPr>
+          <a:xfrm>
+            <a:off x="9899009" y="109057"/>
+            <a:ext cx="1418465" cy="369332"/>
+          </a:xfrm>
+          <a:prstGeom prst="rect">
+            <a:avLst/>
+          </a:prstGeom>
+          <a:noFill/>
+        </p:spPr>
+        <p:txBody>
+          <a:bodyPr wrap="none" rtlCol="0">
+            <a:spAutoFit/>
+          </a:bodyPr>
+          <a:lstStyle/>
+          <a:p>
+            <a:r>
+              <a:rPr lang="ru-RU" dirty="0"/>
+              <a:t>Общие идеи</a:t>
+            </a:r>
+          </a:p>
+        </p:txBody>
+      </p:sp>
+      <mc:AlternateContent xmlns:mc="http://schemas.openxmlformats.org/markup-compatibility/2006">
+        <mc:Choice xmlns:a14="http://schemas.microsoft.com/office/drawing/2010/main" Requires="a14">
+          <p:sp>
+            <p:nvSpPr>
+              <p:cNvPr id="5" name="TextBox 4">
+                <a:extLst>
+                  <a:ext uri="{FF2B5EF4-FFF2-40B4-BE49-F238E27FC236}">
+                    <a16:creationId xmlns:a16="http://schemas.microsoft.com/office/drawing/2014/main" id="{E67035DC-3B0F-43AA-8041-0E7536B5DDB9}"/>
+                  </a:ext>
+                </a:extLst>
+              </p:cNvPr>
+              <p:cNvSpPr txBox="1"/>
+              <p:nvPr/>
+            </p:nvSpPr>
+            <p:spPr>
+              <a:xfrm>
+                <a:off x="318782" y="1476462"/>
+                <a:ext cx="5707311" cy="4524315"/>
+              </a:xfrm>
+              <a:prstGeom prst="rect">
+                <a:avLst/>
+              </a:prstGeom>
+              <a:solidFill>
+                <a:schemeClr val="bg1"/>
+              </a:solidFill>
+              <a:ln>
+                <a:solidFill>
+                  <a:schemeClr val="tx1"/>
+                </a:solidFill>
+              </a:ln>
+              <a:effectLst>
+                <a:outerShdw blurRad="50800" dist="38100" dir="2700000" algn="tl" rotWithShape="0">
+                  <a:prstClr val="black">
+                    <a:alpha val="40000"/>
+                  </a:prstClr>
+                </a:outerShdw>
+              </a:effectLst>
+            </p:spPr>
+            <p:txBody>
+              <a:bodyPr wrap="square" rtlCol="0">
+                <a:spAutoFit/>
+              </a:bodyPr>
+              <a:lstStyle/>
+              <a:p>
+                <a:pPr algn="ctr"/>
+                <a:r>
+                  <a:rPr lang="ru-RU" b="1" dirty="0"/>
+                  <a:t>Стратегия поиска нижних оценок</a:t>
+                </a:r>
+              </a:p>
+              <a:p>
+                <a:pPr algn="ctr"/>
+                <a:endParaRPr lang="ru-RU" dirty="0"/>
+              </a:p>
+              <a:p>
+                <a:pPr marL="342900" indent="-342900">
+                  <a:buFont typeface="+mj-lt"/>
+                  <a:buAutoNum type="arabicPeriod"/>
+                </a:pPr>
+                <a:r>
+                  <a:rPr lang="ru-RU" dirty="0"/>
+                  <a:t>Построение вспомогательной задачи </a:t>
+                </a:r>
+                <a:r>
+                  <a:rPr lang="en-US" dirty="0"/>
+                  <a:t>PCGTSP </a:t>
+                </a:r>
+                <a:r>
+                  <a:rPr lang="en-US" dirty="0">
+                    <a:sym typeface="Symbol" panose="05050102010706020507" pitchFamily="18" charset="2"/>
+                  </a:rPr>
+                  <a:t> </a:t>
+                </a:r>
+                <a14:m>
+                  <m:oMath xmlns:m="http://schemas.openxmlformats.org/officeDocument/2006/math">
+                    <m:r>
+                      <a:rPr lang="ru-RU" sz="1800" i="1" smtClean="0">
+                        <a:effectLst/>
+                        <a:latin typeface="Cambria Math" panose="02040503050406030204" pitchFamily="18" charset="0"/>
+                        <a:ea typeface="Calibri" panose="020F0502020204030204" pitchFamily="34" charset="0"/>
+                        <a:cs typeface="F"/>
+                      </a:rPr>
+                      <m:t>𝒫</m:t>
+                    </m:r>
+                  </m:oMath>
+                </a14:m>
+                <a:endParaRPr lang="en-US" sz="1800" dirty="0">
+                  <a:effectLst/>
+                  <a:ea typeface="Calibri" panose="020F0502020204030204" pitchFamily="34" charset="0"/>
+                  <a:cs typeface="F"/>
+                </a:endParaRPr>
+              </a:p>
+              <a:p>
+                <a14:m>
+                  <m:oMathPara xmlns:m="http://schemas.openxmlformats.org/officeDocument/2006/math">
+                    <m:oMathParaPr>
+                      <m:jc m:val="centerGroup"/>
+                    </m:oMathParaPr>
+                    <m:oMath xmlns:m="http://schemas.openxmlformats.org/officeDocument/2006/math">
+                      <m:r>
+                        <a:rPr lang="ru-RU" sz="1800" i="1" smtClean="0">
+                          <a:effectLst/>
+                          <a:latin typeface="Cambria Math" panose="02040503050406030204" pitchFamily="18" charset="0"/>
+                          <a:ea typeface="Calibri" panose="020F0502020204030204" pitchFamily="34" charset="0"/>
+                          <a:cs typeface="F"/>
+                        </a:rPr>
+                        <m:t>𝐿𝐵</m:t>
+                      </m:r>
+                      <m:r>
+                        <a:rPr lang="ru-RU" sz="1800">
+                          <a:effectLst/>
+                          <a:latin typeface="Cambria Math" panose="02040503050406030204" pitchFamily="18" charset="0"/>
+                          <a:ea typeface="Calibri" panose="020F0502020204030204" pitchFamily="34" charset="0"/>
+                          <a:cs typeface="F"/>
+                        </a:rPr>
+                        <m:t>=</m:t>
+                      </m:r>
+                      <m:sSub>
+                        <m:sSubPr>
+                          <m:ctrlPr>
+                            <a:rPr lang="ru-RU" i="1">
+                              <a:effectLst/>
+                              <a:latin typeface="Cambria Math" panose="02040503050406030204" pitchFamily="18" charset="0"/>
+                            </a:rPr>
+                          </m:ctrlPr>
+                        </m:sSubPr>
+                        <m:e>
+                          <m:r>
+                            <a:rPr lang="ru-RU" sz="1800" i="1">
+                              <a:effectLst/>
+                              <a:latin typeface="Cambria Math" panose="02040503050406030204" pitchFamily="18" charset="0"/>
+                              <a:ea typeface="Calibri" panose="020F0502020204030204" pitchFamily="34" charset="0"/>
+                              <a:cs typeface="F"/>
+                            </a:rPr>
+                            <m:t>𝑐</m:t>
+                          </m:r>
+                        </m:e>
+                        <m:sub>
+                          <m:r>
+                            <m:rPr>
+                              <m:sty m:val="p"/>
+                            </m:rPr>
+                            <a:rPr lang="ru-RU" sz="1800">
+                              <a:effectLst/>
+                              <a:latin typeface="Cambria Math" panose="02040503050406030204" pitchFamily="18" charset="0"/>
+                              <a:ea typeface="Calibri" panose="020F0502020204030204" pitchFamily="34" charset="0"/>
+                              <a:cs typeface="F"/>
+                            </a:rPr>
+                            <m:t>min</m:t>
+                          </m:r>
+                        </m:sub>
+                      </m:sSub>
+                      <m:r>
+                        <a:rPr lang="ru-RU" sz="1800">
+                          <a:effectLst/>
+                          <a:latin typeface="Cambria Math" panose="02040503050406030204" pitchFamily="18" charset="0"/>
+                          <a:ea typeface="Calibri" panose="020F0502020204030204" pitchFamily="34" charset="0"/>
+                          <a:cs typeface="F"/>
+                        </a:rPr>
+                        <m:t>+</m:t>
+                      </m:r>
+                      <m:r>
+                        <m:rPr>
+                          <m:sty m:val="p"/>
+                        </m:rPr>
+                        <a:rPr lang="ru-RU" sz="1800">
+                          <a:effectLst/>
+                          <a:latin typeface="Cambria Math" panose="02040503050406030204" pitchFamily="18" charset="0"/>
+                          <a:ea typeface="Calibri" panose="020F0502020204030204" pitchFamily="34" charset="0"/>
+                          <a:cs typeface="F"/>
+                        </a:rPr>
+                        <m:t>OPT</m:t>
+                      </m:r>
+                      <m:r>
+                        <a:rPr lang="ru-RU" sz="1800">
+                          <a:effectLst/>
+                          <a:latin typeface="Cambria Math" panose="02040503050406030204" pitchFamily="18" charset="0"/>
+                          <a:ea typeface="Calibri" panose="020F0502020204030204" pitchFamily="34" charset="0"/>
+                          <a:cs typeface="F"/>
+                        </a:rPr>
+                        <m:t>(</m:t>
+                      </m:r>
+                      <m:sSub>
+                        <m:sSubPr>
+                          <m:ctrlPr>
+                            <a:rPr lang="ru-RU" i="1">
+                              <a:effectLst/>
+                              <a:latin typeface="Cambria Math" panose="02040503050406030204" pitchFamily="18" charset="0"/>
+                            </a:rPr>
+                          </m:ctrlPr>
+                        </m:sSubPr>
+                        <m:e>
+                          <m:r>
+                            <a:rPr lang="ru-RU" sz="1800" i="1">
+                              <a:effectLst/>
+                              <a:latin typeface="Cambria Math" panose="02040503050406030204" pitchFamily="18" charset="0"/>
+                              <a:ea typeface="Calibri" panose="020F0502020204030204" pitchFamily="34" charset="0"/>
+                              <a:cs typeface="F"/>
+                            </a:rPr>
+                            <m:t>𝒫</m:t>
+                          </m:r>
+                        </m:e>
+                        <m:sub>
+                          <m:r>
+                            <a:rPr lang="ru-RU" sz="1800" i="1">
+                              <a:effectLst/>
+                              <a:latin typeface="Cambria Math" panose="02040503050406030204" pitchFamily="18" charset="0"/>
+                              <a:ea typeface="Calibri" panose="020F0502020204030204" pitchFamily="34" charset="0"/>
+                              <a:cs typeface="F"/>
+                            </a:rPr>
+                            <m:t>𝑟𝑒𝑙</m:t>
+                          </m:r>
+                        </m:sub>
+                      </m:sSub>
+                      <m:r>
+                        <a:rPr lang="ru-RU" sz="1800">
+                          <a:effectLst/>
+                          <a:latin typeface="Cambria Math" panose="02040503050406030204" pitchFamily="18" charset="0"/>
+                          <a:ea typeface="Calibri" panose="020F0502020204030204" pitchFamily="34" charset="0"/>
+                          <a:cs typeface="F"/>
+                        </a:rPr>
+                        <m:t>)</m:t>
+                      </m:r>
+                    </m:oMath>
+                  </m:oMathPara>
+                </a14:m>
+                <a:endParaRPr lang="en-US" sz="1800" dirty="0">
+                  <a:effectLst/>
+                  <a:ea typeface="Calibri" panose="020F0502020204030204" pitchFamily="34" charset="0"/>
+                  <a:cs typeface="F"/>
+                </a:endParaRPr>
+              </a:p>
+              <a:p>
+                <a:endParaRPr lang="en-US" sz="1800" dirty="0">
+                  <a:effectLst/>
+                  <a:ea typeface="Calibri" panose="020F0502020204030204" pitchFamily="34" charset="0"/>
+                  <a:cs typeface="F"/>
+                </a:endParaRPr>
+              </a:p>
+              <a:p>
+                <a:pPr marL="342900" indent="-342900">
+                  <a:buFont typeface="+mj-lt"/>
+                  <a:buAutoNum type="arabicPeriod" startAt="2"/>
+                </a:pPr>
+                <a:r>
+                  <a:rPr lang="ru-RU" dirty="0"/>
+                  <a:t>Релаксация </a:t>
+                </a:r>
+                <a14:m>
+                  <m:oMath xmlns:m="http://schemas.openxmlformats.org/officeDocument/2006/math">
+                    <m:r>
+                      <a:rPr lang="ru-RU" sz="1800" i="1" smtClean="0">
+                        <a:effectLst/>
+                        <a:latin typeface="Cambria Math" panose="02040503050406030204" pitchFamily="18" charset="0"/>
+                        <a:ea typeface="Calibri" panose="020F0502020204030204" pitchFamily="34" charset="0"/>
+                        <a:cs typeface="F"/>
+                      </a:rPr>
+                      <m:t>𝒫</m:t>
+                    </m:r>
+                    <m:r>
+                      <m:rPr>
+                        <m:nor/>
+                      </m:rPr>
+                      <a:rPr lang="en-US" dirty="0">
+                        <a:sym typeface="Symbol" panose="05050102010706020507" pitchFamily="18" charset="2"/>
+                      </a:rPr>
+                      <m:t></m:t>
+                    </m:r>
+                  </m:oMath>
+                </a14:m>
+                <a:r>
+                  <a:rPr lang="en-US" dirty="0"/>
+                  <a:t> ATSP</a:t>
+                </a:r>
+              </a:p>
+              <a:p>
+                <a:pPr marL="800100" lvl="1" indent="-342900">
+                  <a:buFont typeface="Arial" panose="020B0604020202020204" pitchFamily="34" charset="0"/>
+                  <a:buChar char="•"/>
+                </a:pPr>
+                <a:r>
+                  <a:rPr lang="ru-RU" dirty="0" err="1"/>
+                  <a:t>Нун</a:t>
+                </a:r>
+                <a:r>
+                  <a:rPr lang="ru-RU" dirty="0"/>
+                  <a:t> и Бин</a:t>
+                </a:r>
+              </a:p>
+              <a:p>
+                <a:pPr marL="800100" lvl="1" indent="-342900">
+                  <a:buFont typeface="Arial" panose="020B0604020202020204" pitchFamily="34" charset="0"/>
+                  <a:buChar char="•"/>
+                </a:pPr>
+                <a:r>
+                  <a:rPr lang="ru-RU" dirty="0"/>
+                  <a:t>Граф кластеров </a:t>
+                </a:r>
+                <a14:m>
+                  <m:oMath xmlns:m="http://schemas.openxmlformats.org/officeDocument/2006/math">
+                    <m:sSub>
+                      <m:sSubPr>
+                        <m:ctrlPr>
+                          <a:rPr lang="ru-RU" i="1" smtClean="0">
+                            <a:effectLst/>
+                            <a:latin typeface="Cambria Math" panose="02040503050406030204" pitchFamily="18" charset="0"/>
+                            <a:cs typeface="Cambria Math" panose="02040503050406030204" pitchFamily="18" charset="0"/>
+                          </a:rPr>
+                        </m:ctrlPr>
+                      </m:sSubPr>
+                      <m:e>
+                        <m:r>
+                          <a:rPr lang="ru-RU" sz="1800" i="1">
+                            <a:effectLst/>
+                            <a:latin typeface="Cambria Math" panose="02040503050406030204" pitchFamily="18" charset="0"/>
+                            <a:ea typeface="Calibri" panose="020F0502020204030204" pitchFamily="34" charset="0"/>
+                            <a:cs typeface="Cambria Math" panose="02040503050406030204" pitchFamily="18" charset="0"/>
+                          </a:rPr>
+                          <m:t>𝐻</m:t>
+                        </m:r>
+                      </m:e>
+                      <m:sub>
+                        <m:r>
+                          <a:rPr lang="ru-RU" sz="1800" i="1">
+                            <a:effectLst/>
+                            <a:latin typeface="Cambria Math" panose="02040503050406030204" pitchFamily="18" charset="0"/>
+                            <a:ea typeface="Calibri" panose="020F0502020204030204" pitchFamily="34" charset="0"/>
+                            <a:cs typeface="Cambria Math" panose="02040503050406030204" pitchFamily="18" charset="0"/>
+                          </a:rPr>
+                          <m:t>1</m:t>
+                        </m:r>
+                      </m:sub>
+                    </m:sSub>
+                  </m:oMath>
+                </a14:m>
+                <a:endParaRPr lang="en-US" dirty="0"/>
+              </a:p>
+              <a:p>
+                <a:pPr marL="800100" lvl="1" indent="-342900">
+                  <a:buFont typeface="Arial" panose="020B0604020202020204" pitchFamily="34" charset="0"/>
+                  <a:buChar char="•"/>
+                </a:pPr>
+                <a:r>
+                  <a:rPr lang="ru-RU" dirty="0"/>
+                  <a:t>Граф кластеров </a:t>
+                </a:r>
+                <a14:m>
+                  <m:oMath xmlns:m="http://schemas.openxmlformats.org/officeDocument/2006/math">
+                    <m:sSub>
+                      <m:sSubPr>
+                        <m:ctrlPr>
+                          <a:rPr lang="ru-RU" i="1" smtClean="0">
+                            <a:effectLst/>
+                            <a:latin typeface="Cambria Math" panose="02040503050406030204" pitchFamily="18" charset="0"/>
+                            <a:cs typeface="Cambria Math" panose="02040503050406030204" pitchFamily="18" charset="0"/>
+                          </a:rPr>
+                        </m:ctrlPr>
+                      </m:sSubPr>
+                      <m:e>
+                        <m:r>
+                          <a:rPr lang="ru-RU" sz="1800" i="1">
+                            <a:effectLst/>
+                            <a:latin typeface="Cambria Math" panose="02040503050406030204" pitchFamily="18" charset="0"/>
+                            <a:ea typeface="Calibri" panose="020F0502020204030204" pitchFamily="34" charset="0"/>
+                            <a:cs typeface="Cambria Math" panose="02040503050406030204" pitchFamily="18" charset="0"/>
+                          </a:rPr>
+                          <m:t>𝐻</m:t>
+                        </m:r>
+                      </m:e>
+                      <m:sub>
+                        <m:r>
+                          <a:rPr lang="ru-RU" sz="1800" i="1">
+                            <a:effectLst/>
+                            <a:latin typeface="Cambria Math" panose="02040503050406030204" pitchFamily="18" charset="0"/>
+                            <a:ea typeface="Calibri" panose="020F0502020204030204" pitchFamily="34" charset="0"/>
+                            <a:cs typeface="Cambria Math" panose="02040503050406030204" pitchFamily="18" charset="0"/>
+                          </a:rPr>
+                          <m:t>2</m:t>
+                        </m:r>
+                      </m:sub>
+                    </m:sSub>
+                  </m:oMath>
+                </a14:m>
+                <a:endParaRPr lang="ru-RU" dirty="0"/>
+              </a:p>
+              <a:p>
+                <a:pPr marL="800100" lvl="1" indent="-342900">
+                  <a:buFont typeface="Arial" panose="020B0604020202020204" pitchFamily="34" charset="0"/>
+                  <a:buChar char="•"/>
+                </a:pPr>
+                <a:r>
+                  <a:rPr lang="ru-RU" dirty="0"/>
+                  <a:t>…</a:t>
+                </a:r>
+                <a:endParaRPr lang="en-US" dirty="0"/>
+              </a:p>
+              <a:p>
+                <a:pPr marL="800100" lvl="1" indent="-342900">
+                  <a:buFont typeface="Arial" panose="020B0604020202020204" pitchFamily="34" charset="0"/>
+                  <a:buChar char="•"/>
+                </a:pPr>
+                <a:endParaRPr lang="en-US" dirty="0"/>
+              </a:p>
+              <a:p>
+                <a:pPr marL="342900" indent="-342900">
+                  <a:buFont typeface="+mj-lt"/>
+                  <a:buAutoNum type="arabicPeriod" startAt="2"/>
+                </a:pPr>
+                <a:r>
+                  <a:rPr lang="ru-RU" dirty="0"/>
+                  <a:t>Релаксация </a:t>
+                </a:r>
+                <a:r>
+                  <a:rPr lang="en-US" dirty="0"/>
+                  <a:t>ATSP </a:t>
+                </a:r>
+                <a14:m>
+                  <m:oMath xmlns:m="http://schemas.openxmlformats.org/officeDocument/2006/math">
+                    <m:r>
+                      <m:rPr>
+                        <m:nor/>
+                      </m:rPr>
+                      <a:rPr lang="en-US" dirty="0" smtClean="0">
+                        <a:sym typeface="Symbol" panose="05050102010706020507" pitchFamily="18" charset="2"/>
+                      </a:rPr>
+                      <m:t></m:t>
+                    </m:r>
+                  </m:oMath>
+                </a14:m>
+                <a:r>
+                  <a:rPr lang="en-US" dirty="0"/>
+                  <a:t> </a:t>
+                </a:r>
+                <a14:m>
+                  <m:oMath xmlns:m="http://schemas.openxmlformats.org/officeDocument/2006/math">
+                    <m:r>
+                      <a:rPr lang="ru-RU" i="1"/>
+                      <m:t>𝐿𝐵</m:t>
+                    </m:r>
+                  </m:oMath>
+                </a14:m>
+                <a:endParaRPr lang="en-US" dirty="0"/>
+              </a:p>
+              <a:p>
+                <a:pPr marL="800100" lvl="1" indent="-342900">
+                  <a:buFont typeface="Arial" panose="020B0604020202020204" pitchFamily="34" charset="0"/>
+                  <a:buChar char="•"/>
+                </a:pPr>
+                <a:r>
+                  <a:rPr lang="en-US" dirty="0"/>
+                  <a:t>MSAP: </a:t>
+                </a:r>
+                <a:r>
+                  <a:rPr lang="ru-RU" dirty="0" err="1"/>
+                  <a:t>остовное</a:t>
+                </a:r>
+                <a:r>
+                  <a:rPr lang="ru-RU" dirty="0"/>
+                  <a:t> дерево</a:t>
+                </a:r>
+              </a:p>
+              <a:p>
+                <a:pPr marL="800100" lvl="1" indent="-342900">
+                  <a:buFont typeface="Arial" panose="020B0604020202020204" pitchFamily="34" charset="0"/>
+                  <a:buChar char="•"/>
+                </a:pPr>
+                <a:r>
+                  <a:rPr lang="en-US" dirty="0"/>
+                  <a:t>AP: </a:t>
+                </a:r>
+                <a:r>
+                  <a:rPr lang="ru-RU" dirty="0"/>
+                  <a:t>цикловое покрытие</a:t>
+                </a:r>
+              </a:p>
+              <a:p>
+                <a:pPr marL="800100" lvl="1" indent="-342900">
+                  <a:buFont typeface="Arial" panose="020B0604020202020204" pitchFamily="34" charset="0"/>
+                  <a:buChar char="•"/>
+                </a:pPr>
+                <a:r>
+                  <a:rPr lang="en-US" dirty="0" err="1"/>
+                  <a:t>Gurobi</a:t>
+                </a:r>
+                <a:r>
+                  <a:rPr lang="en-US" dirty="0"/>
+                  <a:t> + </a:t>
+                </a:r>
+                <a:r>
+                  <a:rPr lang="en-US" dirty="0" err="1"/>
+                  <a:t>ATSPxy</a:t>
+                </a:r>
+                <a:endParaRPr lang="ru-RU" dirty="0"/>
+              </a:p>
+              <a:p>
+                <a:pPr marL="800100" lvl="1" indent="-342900">
+                  <a:buFont typeface="Arial" panose="020B0604020202020204" pitchFamily="34" charset="0"/>
+                  <a:buChar char="•"/>
+                </a:pPr>
+                <a:r>
+                  <a:rPr lang="ru-RU" dirty="0"/>
+                  <a:t>…</a:t>
+                </a:r>
+              </a:p>
+            </p:txBody>
+          </p:sp>
+        </mc:Choice>
+        <mc:Fallback>
+          <p:sp>
+            <p:nvSpPr>
+              <p:cNvPr id="5" name="TextBox 4">
+                <a:extLst>
+                  <a:ext uri="{FF2B5EF4-FFF2-40B4-BE49-F238E27FC236}">
+                    <a16:creationId xmlns:a16="http://schemas.microsoft.com/office/drawing/2014/main" id="{E67035DC-3B0F-43AA-8041-0E7536B5DDB9}"/>
+                  </a:ext>
+                </a:extLst>
+              </p:cNvPr>
+              <p:cNvSpPr txBox="1">
+                <a:spLocks noRot="1" noChangeAspect="1" noMove="1" noResize="1" noEditPoints="1" noAdjustHandles="1" noChangeArrowheads="1" noChangeShapeType="1" noTextEdit="1"/>
+              </p:cNvSpPr>
+              <p:nvPr/>
+            </p:nvSpPr>
+            <p:spPr>
+              <a:xfrm>
+                <a:off x="318782" y="1476462"/>
+                <a:ext cx="5707311" cy="4524315"/>
+              </a:xfrm>
+              <a:prstGeom prst="rect">
+                <a:avLst/>
+              </a:prstGeom>
+              <a:blipFill>
+                <a:blip r:embed="rId2"/>
+                <a:stretch>
+                  <a:fillRect/>
+                </a:stretch>
+              </a:blipFill>
+              <a:ln>
+                <a:solidFill>
+                  <a:schemeClr val="tx1"/>
+                </a:solidFill>
+              </a:ln>
+              <a:effectLst>
+                <a:outerShdw blurRad="50800" dist="38100" dir="2700000" algn="tl" rotWithShape="0">
+                  <a:prstClr val="black">
+                    <a:alpha val="40000"/>
+                  </a:prstClr>
+                </a:outerShdw>
+              </a:effectLst>
+            </p:spPr>
+            <p:txBody>
+              <a:bodyPr/>
+              <a:lstStyle/>
+              <a:p>
+                <a:r>
+                  <a:rPr lang="ru-RU">
+                    <a:noFill/>
+                  </a:rPr>
+                  <a:t> </a:t>
+                </a:r>
+              </a:p>
+            </p:txBody>
+          </p:sp>
+        </mc:Fallback>
+      </mc:AlternateContent>
+      <mc:AlternateContent xmlns:mc="http://schemas.openxmlformats.org/markup-compatibility/2006">
+        <mc:Choice xmlns:a14="http://schemas.microsoft.com/office/drawing/2010/main" Requires="a14">
+          <p:sp>
+            <p:nvSpPr>
+              <p:cNvPr id="6" name="TextBox 5">
+                <a:extLst>
+                  <a:ext uri="{FF2B5EF4-FFF2-40B4-BE49-F238E27FC236}">
+                    <a16:creationId xmlns:a16="http://schemas.microsoft.com/office/drawing/2014/main" id="{47D7894A-BAE5-4F6E-9D9A-F4D5D3316F14}"/>
+                  </a:ext>
+                </a:extLst>
+              </p:cNvPr>
+              <p:cNvSpPr txBox="1"/>
+              <p:nvPr/>
+            </p:nvSpPr>
+            <p:spPr>
+              <a:xfrm>
+                <a:off x="6165908" y="1098958"/>
+                <a:ext cx="5847126" cy="2031325"/>
+              </a:xfrm>
+              <a:prstGeom prst="rect">
+                <a:avLst/>
+              </a:prstGeom>
+              <a:solidFill>
+                <a:schemeClr val="bg1"/>
+              </a:solidFill>
+              <a:ln>
+                <a:solidFill>
+                  <a:schemeClr val="tx1"/>
+                </a:solidFill>
+              </a:ln>
+              <a:effectLst>
+                <a:outerShdw blurRad="50800" dist="38100" dir="2700000" algn="tl" rotWithShape="0">
+                  <a:prstClr val="black">
+                    <a:alpha val="40000"/>
+                  </a:prstClr>
+                </a:outerShdw>
+              </a:effectLst>
+            </p:spPr>
+            <p:txBody>
+              <a:bodyPr wrap="square" rtlCol="0">
+                <a:spAutoFit/>
+              </a:bodyPr>
+              <a:lstStyle/>
+              <a:p>
+                <a:pPr algn="ctr"/>
+                <a:r>
+                  <a:rPr lang="ru-RU" b="1" dirty="0"/>
+                  <a:t>Стратегия отсечения</a:t>
+                </a:r>
+              </a:p>
+              <a:p>
+                <a:pPr algn="ctr"/>
+                <a:endParaRPr lang="ru-RU" b="1" dirty="0"/>
+              </a:p>
+              <a:p>
+                <a:pPr algn="ctr"/>
+                <a14:m>
+                  <m:oMathPara xmlns:m="http://schemas.openxmlformats.org/officeDocument/2006/math">
+                    <m:oMathParaPr>
+                      <m:jc m:val="centerGroup"/>
+                    </m:oMathParaPr>
+                    <m:oMath xmlns:m="http://schemas.openxmlformats.org/officeDocument/2006/math">
+                      <m:r>
+                        <a:rPr lang="ru-RU" sz="1800" i="1" smtClean="0">
+                          <a:effectLst/>
+                          <a:latin typeface="Cambria Math" panose="02040503050406030204" pitchFamily="18" charset="0"/>
+                          <a:ea typeface="Calibri" panose="020F0502020204030204" pitchFamily="34" charset="0"/>
+                          <a:cs typeface="F"/>
+                        </a:rPr>
+                        <m:t>𝐿𝐵</m:t>
+                      </m:r>
+                      <m:r>
+                        <a:rPr lang="ru-RU" sz="1800" i="1" smtClean="0">
+                          <a:effectLst/>
+                          <a:latin typeface="Cambria Math" panose="02040503050406030204" pitchFamily="18" charset="0"/>
+                          <a:ea typeface="Calibri" panose="020F0502020204030204" pitchFamily="34" charset="0"/>
+                          <a:cs typeface="F"/>
+                        </a:rPr>
+                        <m:t>&gt;</m:t>
+                      </m:r>
+                      <m:r>
+                        <a:rPr lang="ru-RU" sz="1800" i="1" smtClean="0">
+                          <a:effectLst/>
+                          <a:latin typeface="Cambria Math" panose="02040503050406030204" pitchFamily="18" charset="0"/>
+                          <a:ea typeface="Calibri" panose="020F0502020204030204" pitchFamily="34" charset="0"/>
+                          <a:cs typeface="F"/>
+                        </a:rPr>
+                        <m:t>𝑈𝐵</m:t>
+                      </m:r>
+                    </m:oMath>
+                  </m:oMathPara>
+                </a14:m>
+                <a:endParaRPr lang="ru-RU" b="1" dirty="0"/>
+              </a:p>
+              <a:p>
+                <a:pPr marL="285750" indent="-285750">
+                  <a:buFont typeface="Arial" panose="020B0604020202020204" pitchFamily="34" charset="0"/>
+                  <a:buChar char="•"/>
+                </a:pPr>
+                <a14:m>
+                  <m:oMath xmlns:m="http://schemas.openxmlformats.org/officeDocument/2006/math">
+                    <m:r>
+                      <a:rPr lang="ru-RU" sz="1800" i="1" smtClean="0">
+                        <a:effectLst/>
+                        <a:latin typeface="Cambria Math" panose="02040503050406030204" pitchFamily="18" charset="0"/>
+                        <a:ea typeface="Calibri" panose="020F0502020204030204" pitchFamily="34" charset="0"/>
+                        <a:cs typeface="F"/>
+                      </a:rPr>
+                      <m:t>𝐿𝐵</m:t>
+                    </m:r>
+                  </m:oMath>
+                </a14:m>
+                <a:r>
+                  <a:rPr lang="en-US" dirty="0"/>
+                  <a:t> – </a:t>
+                </a:r>
+                <a:r>
+                  <a:rPr lang="ru-RU" dirty="0"/>
+                  <a:t>нижняя оценка</a:t>
+                </a:r>
+              </a:p>
+              <a:p>
+                <a:pPr marL="285750" indent="-285750">
+                  <a:buFont typeface="Arial" panose="020B0604020202020204" pitchFamily="34" charset="0"/>
+                  <a:buChar char="•"/>
+                </a:pPr>
+                <a14:m>
+                  <m:oMath xmlns:m="http://schemas.openxmlformats.org/officeDocument/2006/math">
+                    <m:r>
+                      <a:rPr lang="ru-RU" sz="1800" i="1" smtClean="0">
+                        <a:effectLst/>
+                        <a:latin typeface="Cambria Math" panose="02040503050406030204" pitchFamily="18" charset="0"/>
+                        <a:ea typeface="Calibri" panose="020F0502020204030204" pitchFamily="34" charset="0"/>
+                        <a:cs typeface="F"/>
+                      </a:rPr>
+                      <m:t>𝑈𝐵</m:t>
+                    </m:r>
+                  </m:oMath>
+                </a14:m>
+                <a:r>
+                  <a:rPr lang="ru-RU" dirty="0"/>
+                  <a:t> – стоимость наилучшего найденного допустимого решения исходной задачи</a:t>
+                </a:r>
+              </a:p>
+              <a:p>
+                <a:pPr marL="742950" lvl="1" indent="-285750">
+                  <a:buFont typeface="Arial" panose="020B0604020202020204" pitchFamily="34" charset="0"/>
+                  <a:buChar char="•"/>
+                </a:pPr>
+                <a:r>
+                  <a:rPr lang="ru-RU" dirty="0"/>
+                  <a:t>Получается эвристикой </a:t>
+                </a:r>
+                <a:r>
+                  <a:rPr lang="en-US" dirty="0"/>
+                  <a:t>PCGLNS</a:t>
+                </a:r>
+                <a:endParaRPr lang="ru-RU" dirty="0"/>
+              </a:p>
+            </p:txBody>
+          </p:sp>
+        </mc:Choice>
+        <mc:Fallback>
+          <p:sp>
+            <p:nvSpPr>
+              <p:cNvPr id="6" name="TextBox 5">
+                <a:extLst>
+                  <a:ext uri="{FF2B5EF4-FFF2-40B4-BE49-F238E27FC236}">
+                    <a16:creationId xmlns:a16="http://schemas.microsoft.com/office/drawing/2014/main" id="{47D7894A-BAE5-4F6E-9D9A-F4D5D3316F14}"/>
+                  </a:ext>
+                </a:extLst>
+              </p:cNvPr>
+              <p:cNvSpPr txBox="1">
+                <a:spLocks noRot="1" noChangeAspect="1" noMove="1" noResize="1" noEditPoints="1" noAdjustHandles="1" noChangeArrowheads="1" noChangeShapeType="1" noTextEdit="1"/>
+              </p:cNvSpPr>
+              <p:nvPr/>
+            </p:nvSpPr>
+            <p:spPr>
+              <a:xfrm>
+                <a:off x="6165908" y="1098958"/>
+                <a:ext cx="5847126" cy="2031325"/>
+              </a:xfrm>
+              <a:prstGeom prst="rect">
+                <a:avLst/>
+              </a:prstGeom>
+              <a:blipFill>
+                <a:blip r:embed="rId3"/>
+                <a:stretch>
+                  <a:fillRect/>
+                </a:stretch>
+              </a:blipFill>
+              <a:ln>
+                <a:solidFill>
+                  <a:schemeClr val="tx1"/>
+                </a:solidFill>
+              </a:ln>
+              <a:effectLst>
+                <a:outerShdw blurRad="50800" dist="38100" dir="2700000" algn="tl" rotWithShape="0">
+                  <a:prstClr val="black">
+                    <a:alpha val="40000"/>
+                  </a:prstClr>
+                </a:outerShdw>
+              </a:effectLst>
+            </p:spPr>
+            <p:txBody>
+              <a:bodyPr/>
+              <a:lstStyle/>
+              <a:p>
+                <a:r>
+                  <a:rPr lang="ru-RU">
+                    <a:noFill/>
+                  </a:rPr>
+                  <a:t> </a:t>
+                </a:r>
+              </a:p>
+            </p:txBody>
+          </p:sp>
+        </mc:Fallback>
+      </mc:AlternateContent>
+      <mc:AlternateContent xmlns:mc="http://schemas.openxmlformats.org/markup-compatibility/2006">
+        <mc:Choice xmlns:a14="http://schemas.microsoft.com/office/drawing/2010/main" Requires="a14">
+          <p:sp>
+            <p:nvSpPr>
+              <p:cNvPr id="9" name="TextBox 8">
+                <a:extLst>
+                  <a:ext uri="{FF2B5EF4-FFF2-40B4-BE49-F238E27FC236}">
+                    <a16:creationId xmlns:a16="http://schemas.microsoft.com/office/drawing/2014/main" id="{83D75914-E56B-423F-B860-A82574DF027F}"/>
+                  </a:ext>
+                </a:extLst>
+              </p:cNvPr>
+              <p:cNvSpPr txBox="1"/>
+              <p:nvPr/>
+            </p:nvSpPr>
+            <p:spPr>
+              <a:xfrm>
+                <a:off x="6165908" y="3196205"/>
+                <a:ext cx="5847126" cy="3020314"/>
+              </a:xfrm>
+              <a:prstGeom prst="rect">
+                <a:avLst/>
+              </a:prstGeom>
+              <a:solidFill>
+                <a:schemeClr val="bg1"/>
+              </a:solidFill>
+              <a:ln>
+                <a:solidFill>
+                  <a:schemeClr val="tx1"/>
+                </a:solidFill>
+              </a:ln>
+              <a:effectLst>
+                <a:outerShdw blurRad="50800" dist="38100" dir="2700000" algn="tl" rotWithShape="0">
+                  <a:prstClr val="black">
+                    <a:alpha val="40000"/>
+                  </a:prstClr>
+                </a:outerShdw>
+              </a:effectLst>
+            </p:spPr>
+            <p:txBody>
+              <a:bodyPr wrap="square" rtlCol="0">
+                <a:spAutoFit/>
+              </a:bodyPr>
+              <a:lstStyle/>
+              <a:p>
+                <a:pPr algn="ctr"/>
+                <a:r>
+                  <a:rPr lang="ru-RU" b="1" dirty="0"/>
+                  <a:t>Стратегия ветвления</a:t>
+                </a:r>
+              </a:p>
+              <a:p>
+                <a:pPr algn="ctr"/>
+                <a:endParaRPr lang="ru-RU" b="1" dirty="0"/>
+              </a:p>
+              <a:p>
+                <a:pPr marL="285750" indent="-285750">
+                  <a:buFont typeface="Arial" panose="020B0604020202020204" pitchFamily="34" charset="0"/>
+                  <a:buChar char="•"/>
+                </a:pPr>
+                <a:r>
+                  <a:rPr lang="ru-RU" dirty="0"/>
+                  <a:t>Префикс </a:t>
+                </a:r>
+                <a14:m>
+                  <m:oMath xmlns:m="http://schemas.openxmlformats.org/officeDocument/2006/math">
+                    <m:r>
+                      <a:rPr lang="ru-RU" sz="1800" i="1" smtClean="0">
+                        <a:effectLst/>
+                        <a:latin typeface="Cambria Math" panose="02040503050406030204" pitchFamily="18" charset="0"/>
+                        <a:ea typeface="Calibri" panose="020F0502020204030204" pitchFamily="34" charset="0"/>
+                        <a:cs typeface="F"/>
+                      </a:rPr>
+                      <m:t>𝜎</m:t>
+                    </m:r>
+                    <m:r>
+                      <a:rPr lang="ru-RU" sz="1800" i="1" smtClean="0">
+                        <a:effectLst/>
+                        <a:latin typeface="Cambria Math" panose="02040503050406030204" pitchFamily="18" charset="0"/>
+                        <a:ea typeface="Calibri" panose="020F0502020204030204" pitchFamily="34" charset="0"/>
+                        <a:cs typeface="F"/>
+                      </a:rPr>
+                      <m:t>=(</m:t>
+                    </m:r>
+                    <m:sSub>
+                      <m:sSubPr>
+                        <m:ctrlPr>
+                          <a:rPr lang="ru-RU" i="1">
+                            <a:effectLst/>
+                            <a:latin typeface="Cambria Math" panose="02040503050406030204" pitchFamily="18" charset="0"/>
+                          </a:rPr>
+                        </m:ctrlPr>
+                      </m:sSubPr>
+                      <m:e>
+                        <m:r>
+                          <a:rPr lang="ru-RU" sz="1800" i="1">
+                            <a:effectLst/>
+                            <a:latin typeface="Cambria Math" panose="02040503050406030204" pitchFamily="18" charset="0"/>
+                            <a:ea typeface="Calibri" panose="020F0502020204030204" pitchFamily="34" charset="0"/>
+                            <a:cs typeface="F"/>
+                          </a:rPr>
+                          <m:t>𝑉</m:t>
+                        </m:r>
+                      </m:e>
+                      <m:sub>
+                        <m:sSub>
+                          <m:sSubPr>
+                            <m:ctrlPr>
+                              <a:rPr lang="ru-RU" i="1">
+                                <a:effectLst/>
+                                <a:latin typeface="Cambria Math" panose="02040503050406030204" pitchFamily="18" charset="0"/>
+                              </a:rPr>
+                            </m:ctrlPr>
+                          </m:sSubPr>
+                          <m:e>
+                            <m:r>
+                              <a:rPr lang="ru-RU" sz="1800" i="1">
+                                <a:effectLst/>
+                                <a:latin typeface="Cambria Math" panose="02040503050406030204" pitchFamily="18" charset="0"/>
+                                <a:ea typeface="Calibri" panose="020F0502020204030204" pitchFamily="34" charset="0"/>
+                                <a:cs typeface="F"/>
+                              </a:rPr>
+                              <m:t>𝑖</m:t>
+                            </m:r>
+                          </m:e>
+                          <m:sub>
+                            <m:r>
+                              <a:rPr lang="ru-RU" sz="1800" i="1">
+                                <a:effectLst/>
+                                <a:latin typeface="Cambria Math" panose="02040503050406030204" pitchFamily="18" charset="0"/>
+                                <a:ea typeface="Calibri" panose="020F0502020204030204" pitchFamily="34" charset="0"/>
+                                <a:cs typeface="F"/>
+                              </a:rPr>
+                              <m:t>1</m:t>
+                            </m:r>
+                          </m:sub>
+                        </m:sSub>
+                      </m:sub>
+                    </m:sSub>
+                    <m:r>
+                      <a:rPr lang="ru-RU" sz="1800" i="1">
+                        <a:effectLst/>
+                        <a:latin typeface="Cambria Math" panose="02040503050406030204" pitchFamily="18" charset="0"/>
+                        <a:ea typeface="Calibri" panose="020F0502020204030204" pitchFamily="34" charset="0"/>
+                        <a:cs typeface="F"/>
+                      </a:rPr>
+                      <m:t>,</m:t>
+                    </m:r>
+                    <m:sSub>
+                      <m:sSubPr>
+                        <m:ctrlPr>
+                          <a:rPr lang="ru-RU" i="1">
+                            <a:effectLst/>
+                            <a:latin typeface="Cambria Math" panose="02040503050406030204" pitchFamily="18" charset="0"/>
+                          </a:rPr>
+                        </m:ctrlPr>
+                      </m:sSubPr>
+                      <m:e>
+                        <m:r>
+                          <a:rPr lang="ru-RU" sz="1800" i="1">
+                            <a:effectLst/>
+                            <a:latin typeface="Cambria Math" panose="02040503050406030204" pitchFamily="18" charset="0"/>
+                            <a:ea typeface="Calibri" panose="020F0502020204030204" pitchFamily="34" charset="0"/>
+                            <a:cs typeface="F"/>
+                          </a:rPr>
+                          <m:t>𝑉</m:t>
+                        </m:r>
+                      </m:e>
+                      <m:sub>
+                        <m:sSub>
+                          <m:sSubPr>
+                            <m:ctrlPr>
+                              <a:rPr lang="ru-RU" i="1">
+                                <a:effectLst/>
+                                <a:latin typeface="Cambria Math" panose="02040503050406030204" pitchFamily="18" charset="0"/>
+                              </a:rPr>
+                            </m:ctrlPr>
+                          </m:sSubPr>
+                          <m:e>
+                            <m:r>
+                              <a:rPr lang="ru-RU" sz="1800" i="1">
+                                <a:effectLst/>
+                                <a:latin typeface="Cambria Math" panose="02040503050406030204" pitchFamily="18" charset="0"/>
+                                <a:ea typeface="Calibri" panose="020F0502020204030204" pitchFamily="34" charset="0"/>
+                                <a:cs typeface="F"/>
+                              </a:rPr>
+                              <m:t>𝑖</m:t>
+                            </m:r>
+                          </m:e>
+                          <m:sub>
+                            <m:r>
+                              <a:rPr lang="ru-RU" sz="1800" i="1">
+                                <a:effectLst/>
+                                <a:latin typeface="Cambria Math" panose="02040503050406030204" pitchFamily="18" charset="0"/>
+                                <a:ea typeface="Calibri" panose="020F0502020204030204" pitchFamily="34" charset="0"/>
+                                <a:cs typeface="F"/>
+                              </a:rPr>
+                              <m:t>2</m:t>
+                            </m:r>
+                          </m:sub>
+                        </m:sSub>
+                      </m:sub>
+                    </m:sSub>
+                    <m:r>
+                      <a:rPr lang="ru-RU" sz="1800" i="1">
+                        <a:effectLst/>
+                        <a:latin typeface="Cambria Math" panose="02040503050406030204" pitchFamily="18" charset="0"/>
+                        <a:ea typeface="Calibri" panose="020F0502020204030204" pitchFamily="34" charset="0"/>
+                        <a:cs typeface="F"/>
+                      </a:rPr>
+                      <m:t>,…</m:t>
+                    </m:r>
+                    <m:sSub>
+                      <m:sSubPr>
+                        <m:ctrlPr>
+                          <a:rPr lang="ru-RU" i="1">
+                            <a:effectLst/>
+                            <a:latin typeface="Cambria Math" panose="02040503050406030204" pitchFamily="18" charset="0"/>
+                          </a:rPr>
+                        </m:ctrlPr>
+                      </m:sSubPr>
+                      <m:e>
+                        <m:r>
+                          <a:rPr lang="ru-RU" sz="1800" i="1">
+                            <a:effectLst/>
+                            <a:latin typeface="Cambria Math" panose="02040503050406030204" pitchFamily="18" charset="0"/>
+                            <a:ea typeface="Calibri" panose="020F0502020204030204" pitchFamily="34" charset="0"/>
+                            <a:cs typeface="F"/>
+                          </a:rPr>
+                          <m:t>𝑉</m:t>
+                        </m:r>
+                      </m:e>
+                      <m:sub>
+                        <m:sSub>
+                          <m:sSubPr>
+                            <m:ctrlPr>
+                              <a:rPr lang="ru-RU" i="1">
+                                <a:effectLst/>
+                                <a:latin typeface="Cambria Math" panose="02040503050406030204" pitchFamily="18" charset="0"/>
+                              </a:rPr>
+                            </m:ctrlPr>
+                          </m:sSubPr>
+                          <m:e>
+                            <m:r>
+                              <a:rPr lang="ru-RU" sz="1800" i="1">
+                                <a:effectLst/>
+                                <a:latin typeface="Cambria Math" panose="02040503050406030204" pitchFamily="18" charset="0"/>
+                                <a:ea typeface="Calibri" panose="020F0502020204030204" pitchFamily="34" charset="0"/>
+                                <a:cs typeface="F"/>
+                              </a:rPr>
+                              <m:t>𝑖</m:t>
+                            </m:r>
+                          </m:e>
+                          <m:sub>
+                            <m:r>
+                              <a:rPr lang="ru-RU" sz="1800" i="1">
+                                <a:effectLst/>
+                                <a:latin typeface="Cambria Math" panose="02040503050406030204" pitchFamily="18" charset="0"/>
+                                <a:ea typeface="Calibri" panose="020F0502020204030204" pitchFamily="34" charset="0"/>
+                                <a:cs typeface="F"/>
+                              </a:rPr>
+                              <m:t>𝑟</m:t>
+                            </m:r>
+                          </m:sub>
+                        </m:sSub>
+                      </m:sub>
+                    </m:sSub>
+                    <m:r>
+                      <a:rPr lang="ru-RU" sz="1800" i="1">
+                        <a:effectLst/>
+                        <a:latin typeface="Cambria Math" panose="02040503050406030204" pitchFamily="18" charset="0"/>
+                        <a:ea typeface="Calibri" panose="020F0502020204030204" pitchFamily="34" charset="0"/>
+                        <a:cs typeface="F"/>
+                      </a:rPr>
+                      <m:t>)</m:t>
+                    </m:r>
+                  </m:oMath>
+                </a14:m>
+                <a:endParaRPr lang="ru-RU" dirty="0"/>
+              </a:p>
+              <a:p>
+                <a:pPr marL="285750" indent="-285750">
+                  <a:buFont typeface="Arial" panose="020B0604020202020204" pitchFamily="34" charset="0"/>
+                  <a:buChar char="•"/>
+                </a:pPr>
+                <a:r>
+                  <a:rPr lang="ru-RU" dirty="0"/>
+                  <a:t>Строим </a:t>
+                </a:r>
+                <a14:m>
+                  <m:oMath xmlns:m="http://schemas.openxmlformats.org/officeDocument/2006/math">
+                    <m:sSup>
+                      <m:sSupPr>
+                        <m:ctrlPr>
+                          <a:rPr lang="en-US" sz="1800" b="0" i="1" smtClean="0">
+                            <a:effectLst/>
+                            <a:latin typeface="Cambria Math" panose="02040503050406030204" pitchFamily="18" charset="0"/>
+                            <a:ea typeface="Calibri" panose="020F0502020204030204" pitchFamily="34" charset="0"/>
+                            <a:cs typeface="F"/>
+                          </a:rPr>
+                        </m:ctrlPr>
+                      </m:sSupPr>
+                      <m:e>
+                        <m:r>
+                          <a:rPr lang="ru-RU" sz="1800" i="1" smtClean="0">
+                            <a:effectLst/>
+                            <a:latin typeface="Cambria Math" panose="02040503050406030204" pitchFamily="18" charset="0"/>
+                            <a:ea typeface="Calibri" panose="020F0502020204030204" pitchFamily="34" charset="0"/>
+                            <a:cs typeface="F"/>
+                          </a:rPr>
+                          <m:t>𝜎</m:t>
+                        </m:r>
+                      </m:e>
+                      <m:sup>
+                        <m:r>
+                          <a:rPr lang="en-US" sz="1800" b="0" i="1" smtClean="0">
+                            <a:effectLst/>
+                            <a:latin typeface="Cambria Math" panose="02040503050406030204" pitchFamily="18" charset="0"/>
+                            <a:ea typeface="Calibri" panose="020F0502020204030204" pitchFamily="34" charset="0"/>
+                            <a:cs typeface="F"/>
+                          </a:rPr>
+                          <m:t>′</m:t>
+                        </m:r>
+                      </m:sup>
+                    </m:sSup>
+                    <m:r>
+                      <a:rPr lang="ru-RU" sz="1800" i="1" smtClean="0">
+                        <a:effectLst/>
+                        <a:latin typeface="Cambria Math" panose="02040503050406030204" pitchFamily="18" charset="0"/>
+                        <a:ea typeface="Calibri" panose="020F0502020204030204" pitchFamily="34" charset="0"/>
+                        <a:cs typeface="F"/>
+                      </a:rPr>
+                      <m:t>=</m:t>
+                    </m:r>
+                    <m:d>
+                      <m:dPr>
+                        <m:ctrlPr>
+                          <a:rPr lang="ru-RU" sz="1800" b="0" i="1" smtClean="0">
+                            <a:effectLst/>
+                            <a:latin typeface="Cambria Math" panose="02040503050406030204" pitchFamily="18" charset="0"/>
+                            <a:ea typeface="Calibri" panose="020F0502020204030204" pitchFamily="34" charset="0"/>
+                            <a:cs typeface="F"/>
+                          </a:rPr>
+                        </m:ctrlPr>
+                      </m:dPr>
+                      <m:e>
+                        <m:sSub>
+                          <m:sSubPr>
+                            <m:ctrlPr>
+                              <a:rPr lang="ru-RU" i="1">
+                                <a:effectLst/>
+                                <a:latin typeface="Cambria Math" panose="02040503050406030204" pitchFamily="18" charset="0"/>
+                              </a:rPr>
+                            </m:ctrlPr>
+                          </m:sSubPr>
+                          <m:e>
+                            <m:r>
+                              <a:rPr lang="ru-RU" sz="1800" i="1">
+                                <a:effectLst/>
+                                <a:latin typeface="Cambria Math" panose="02040503050406030204" pitchFamily="18" charset="0"/>
+                                <a:ea typeface="Calibri" panose="020F0502020204030204" pitchFamily="34" charset="0"/>
+                                <a:cs typeface="F"/>
+                              </a:rPr>
+                              <m:t>𝑉</m:t>
+                            </m:r>
+                          </m:e>
+                          <m:sub>
+                            <m:sSub>
+                              <m:sSubPr>
+                                <m:ctrlPr>
+                                  <a:rPr lang="ru-RU" i="1">
+                                    <a:effectLst/>
+                                    <a:latin typeface="Cambria Math" panose="02040503050406030204" pitchFamily="18" charset="0"/>
+                                  </a:rPr>
+                                </m:ctrlPr>
+                              </m:sSubPr>
+                              <m:e>
+                                <m:r>
+                                  <a:rPr lang="ru-RU" sz="1800" i="1">
+                                    <a:effectLst/>
+                                    <a:latin typeface="Cambria Math" panose="02040503050406030204" pitchFamily="18" charset="0"/>
+                                    <a:ea typeface="Calibri" panose="020F0502020204030204" pitchFamily="34" charset="0"/>
+                                    <a:cs typeface="F"/>
+                                  </a:rPr>
+                                  <m:t>𝑖</m:t>
+                                </m:r>
+                              </m:e>
+                              <m:sub>
+                                <m:r>
+                                  <a:rPr lang="ru-RU" sz="1800" i="1">
+                                    <a:effectLst/>
+                                    <a:latin typeface="Cambria Math" panose="02040503050406030204" pitchFamily="18" charset="0"/>
+                                    <a:ea typeface="Calibri" panose="020F0502020204030204" pitchFamily="34" charset="0"/>
+                                    <a:cs typeface="F"/>
+                                  </a:rPr>
+                                  <m:t>1</m:t>
+                                </m:r>
+                              </m:sub>
+                            </m:sSub>
+                          </m:sub>
+                        </m:sSub>
+                        <m:r>
+                          <a:rPr lang="ru-RU" sz="1800" i="1">
+                            <a:effectLst/>
+                            <a:latin typeface="Cambria Math" panose="02040503050406030204" pitchFamily="18" charset="0"/>
+                            <a:ea typeface="Calibri" panose="020F0502020204030204" pitchFamily="34" charset="0"/>
+                            <a:cs typeface="F"/>
+                          </a:rPr>
+                          <m:t>,</m:t>
+                        </m:r>
+                        <m:sSub>
+                          <m:sSubPr>
+                            <m:ctrlPr>
+                              <a:rPr lang="ru-RU" i="1">
+                                <a:effectLst/>
+                                <a:latin typeface="Cambria Math" panose="02040503050406030204" pitchFamily="18" charset="0"/>
+                              </a:rPr>
+                            </m:ctrlPr>
+                          </m:sSubPr>
+                          <m:e>
+                            <m:r>
+                              <a:rPr lang="ru-RU" sz="1800" i="1">
+                                <a:effectLst/>
+                                <a:latin typeface="Cambria Math" panose="02040503050406030204" pitchFamily="18" charset="0"/>
+                                <a:ea typeface="Calibri" panose="020F0502020204030204" pitchFamily="34" charset="0"/>
+                                <a:cs typeface="F"/>
+                              </a:rPr>
+                              <m:t>𝑉</m:t>
+                            </m:r>
+                          </m:e>
+                          <m:sub>
+                            <m:sSub>
+                              <m:sSubPr>
+                                <m:ctrlPr>
+                                  <a:rPr lang="ru-RU" i="1">
+                                    <a:effectLst/>
+                                    <a:latin typeface="Cambria Math" panose="02040503050406030204" pitchFamily="18" charset="0"/>
+                                  </a:rPr>
+                                </m:ctrlPr>
+                              </m:sSubPr>
+                              <m:e>
+                                <m:r>
+                                  <a:rPr lang="ru-RU" sz="1800" i="1">
+                                    <a:effectLst/>
+                                    <a:latin typeface="Cambria Math" panose="02040503050406030204" pitchFamily="18" charset="0"/>
+                                    <a:ea typeface="Calibri" panose="020F0502020204030204" pitchFamily="34" charset="0"/>
+                                    <a:cs typeface="F"/>
+                                  </a:rPr>
+                                  <m:t>𝑖</m:t>
+                                </m:r>
+                              </m:e>
+                              <m:sub>
+                                <m:r>
+                                  <a:rPr lang="ru-RU" sz="1800" i="1">
+                                    <a:effectLst/>
+                                    <a:latin typeface="Cambria Math" panose="02040503050406030204" pitchFamily="18" charset="0"/>
+                                    <a:ea typeface="Calibri" panose="020F0502020204030204" pitchFamily="34" charset="0"/>
+                                    <a:cs typeface="F"/>
+                                  </a:rPr>
+                                  <m:t>2</m:t>
+                                </m:r>
+                              </m:sub>
+                            </m:sSub>
+                          </m:sub>
+                        </m:sSub>
+                        <m:r>
+                          <a:rPr lang="ru-RU" sz="1800" i="1">
+                            <a:effectLst/>
+                            <a:latin typeface="Cambria Math" panose="02040503050406030204" pitchFamily="18" charset="0"/>
+                            <a:ea typeface="Calibri" panose="020F0502020204030204" pitchFamily="34" charset="0"/>
+                            <a:cs typeface="F"/>
+                          </a:rPr>
+                          <m:t>,…</m:t>
+                        </m:r>
+                        <m:sSub>
+                          <m:sSubPr>
+                            <m:ctrlPr>
+                              <a:rPr lang="ru-RU" i="1">
+                                <a:effectLst/>
+                                <a:latin typeface="Cambria Math" panose="02040503050406030204" pitchFamily="18" charset="0"/>
+                              </a:rPr>
+                            </m:ctrlPr>
+                          </m:sSubPr>
+                          <m:e>
+                            <m:r>
+                              <a:rPr lang="ru-RU" sz="1800" i="1">
+                                <a:effectLst/>
+                                <a:latin typeface="Cambria Math" panose="02040503050406030204" pitchFamily="18" charset="0"/>
+                                <a:ea typeface="Calibri" panose="020F0502020204030204" pitchFamily="34" charset="0"/>
+                                <a:cs typeface="F"/>
+                              </a:rPr>
+                              <m:t>𝑉</m:t>
+                            </m:r>
+                          </m:e>
+                          <m:sub>
+                            <m:sSub>
+                              <m:sSubPr>
+                                <m:ctrlPr>
+                                  <a:rPr lang="ru-RU" i="1">
+                                    <a:effectLst/>
+                                    <a:latin typeface="Cambria Math" panose="02040503050406030204" pitchFamily="18" charset="0"/>
+                                  </a:rPr>
+                                </m:ctrlPr>
+                              </m:sSubPr>
+                              <m:e>
+                                <m:r>
+                                  <a:rPr lang="ru-RU" sz="1800" i="1">
+                                    <a:effectLst/>
+                                    <a:latin typeface="Cambria Math" panose="02040503050406030204" pitchFamily="18" charset="0"/>
+                                    <a:ea typeface="Calibri" panose="020F0502020204030204" pitchFamily="34" charset="0"/>
+                                    <a:cs typeface="F"/>
+                                  </a:rPr>
+                                  <m:t>𝑖</m:t>
+                                </m:r>
+                              </m:e>
+                              <m:sub>
+                                <m:r>
+                                  <a:rPr lang="ru-RU" sz="1800" i="1">
+                                    <a:effectLst/>
+                                    <a:latin typeface="Cambria Math" panose="02040503050406030204" pitchFamily="18" charset="0"/>
+                                    <a:ea typeface="Calibri" panose="020F0502020204030204" pitchFamily="34" charset="0"/>
+                                    <a:cs typeface="F"/>
+                                  </a:rPr>
+                                  <m:t>𝑟</m:t>
+                                </m:r>
+                              </m:sub>
+                            </m:sSub>
+                          </m:sub>
+                        </m:sSub>
+                        <m:r>
+                          <a:rPr lang="en-US" sz="1800" b="0" i="1" smtClean="0">
+                            <a:effectLst/>
+                            <a:latin typeface="Cambria Math" panose="02040503050406030204" pitchFamily="18" charset="0"/>
+                            <a:ea typeface="Calibri" panose="020F0502020204030204" pitchFamily="34" charset="0"/>
+                            <a:cs typeface="F"/>
+                          </a:rPr>
+                          <m:t>,</m:t>
+                        </m:r>
+                        <m:sSup>
+                          <m:sSupPr>
+                            <m:ctrlPr>
+                              <a:rPr lang="ru-RU" i="1"/>
+                            </m:ctrlPr>
+                          </m:sSupPr>
+                          <m:e>
+                            <m:r>
+                              <a:rPr lang="ru-RU" i="1"/>
+                              <m:t>𝑉</m:t>
+                            </m:r>
+                          </m:e>
+                          <m:sup>
+                            <m:r>
+                              <a:rPr lang="ru-RU" i="1"/>
+                              <m:t>+</m:t>
+                            </m:r>
+                          </m:sup>
+                        </m:sSup>
+                      </m:e>
+                    </m:d>
+                  </m:oMath>
+                </a14:m>
+                <a:endParaRPr lang="en-US" sz="1800" dirty="0">
+                  <a:effectLst/>
+                  <a:ea typeface="Calibri" panose="020F0502020204030204" pitchFamily="34" charset="0"/>
+                  <a:cs typeface="F"/>
+                </a:endParaRPr>
+              </a:p>
+              <a:p>
+                <a:pPr marL="285750" indent="-285750">
+                  <a:buFont typeface="Arial" panose="020B0604020202020204" pitchFamily="34" charset="0"/>
+                  <a:buChar char="•"/>
+                </a:pPr>
+                <a:r>
+                  <a:rPr lang="ru-RU" dirty="0"/>
+                  <a:t>Используем ограничения предшествования:</a:t>
+                </a:r>
+                <a:endParaRPr lang="en-US" dirty="0"/>
+              </a:p>
+              <a:p>
+                <a:pPr marL="742950" lvl="1" indent="-285750">
+                  <a:buFont typeface="Arial" panose="020B0604020202020204" pitchFamily="34" charset="0"/>
+                  <a:buChar char="•"/>
+                </a:pPr>
+                <a14:m>
+                  <m:oMath xmlns:m="http://schemas.openxmlformats.org/officeDocument/2006/math">
+                    <m:sSup>
+                      <m:sSupPr>
+                        <m:ctrlPr>
+                          <a:rPr lang="ru-RU" i="1" smtClean="0">
+                            <a:effectLst/>
+                            <a:latin typeface="Cambria Math" panose="02040503050406030204" pitchFamily="18" charset="0"/>
+                          </a:rPr>
+                        </m:ctrlPr>
+                      </m:sSupPr>
+                      <m:e>
+                        <m:r>
+                          <a:rPr lang="ru-RU" sz="1800" i="1">
+                            <a:effectLst/>
+                            <a:latin typeface="Cambria Math" panose="02040503050406030204" pitchFamily="18" charset="0"/>
+                            <a:ea typeface="Calibri" panose="020F0502020204030204" pitchFamily="34" charset="0"/>
+                            <a:cs typeface="Times New Roman" panose="02020603050405020304" pitchFamily="18" charset="0"/>
+                          </a:rPr>
+                          <m:t>𝑉</m:t>
+                        </m:r>
+                      </m:e>
+                      <m:sup>
+                        <m:r>
+                          <a:rPr lang="ru-RU" sz="1800" i="1">
+                            <a:effectLst/>
+                            <a:latin typeface="Cambria Math" panose="02040503050406030204" pitchFamily="18" charset="0"/>
+                            <a:ea typeface="Calibri" panose="020F0502020204030204" pitchFamily="34" charset="0"/>
+                            <a:cs typeface="Times New Roman" panose="02020603050405020304" pitchFamily="18" charset="0"/>
+                          </a:rPr>
+                          <m:t>+</m:t>
+                        </m:r>
+                      </m:sup>
+                    </m:sSup>
+                    <m:r>
+                      <a:rPr lang="ru-RU" sz="1800">
+                        <a:effectLst/>
+                        <a:latin typeface="Cambria Math" panose="02040503050406030204" pitchFamily="18" charset="0"/>
+                        <a:ea typeface="Calibri" panose="020F0502020204030204" pitchFamily="34" charset="0"/>
+                        <a:cs typeface="Times New Roman" panose="02020603050405020304" pitchFamily="18" charset="0"/>
+                      </a:rPr>
+                      <m:t>∉</m:t>
+                    </m:r>
+                    <m:r>
+                      <a:rPr lang="ru-RU" sz="1800" i="1">
+                        <a:effectLst/>
+                        <a:latin typeface="Cambria Math" panose="02040503050406030204" pitchFamily="18" charset="0"/>
+                        <a:ea typeface="Calibri" panose="020F0502020204030204" pitchFamily="34" charset="0"/>
+                        <a:cs typeface="Times New Roman" panose="02020603050405020304" pitchFamily="18" charset="0"/>
+                      </a:rPr>
+                      <m:t>𝜎</m:t>
+                    </m:r>
+                  </m:oMath>
+                </a14:m>
+                <a:endParaRPr lang="en-US" dirty="0"/>
+              </a:p>
+              <a:p>
+                <a:pPr marL="742950" lvl="1" indent="-285750">
+                  <a:buFont typeface="Arial" panose="020B0604020202020204" pitchFamily="34" charset="0"/>
+                  <a:buChar char="•"/>
+                </a:pPr>
+                <a14:m>
+                  <m:oMath xmlns:m="http://schemas.openxmlformats.org/officeDocument/2006/math">
+                    <m:r>
+                      <a:rPr lang="ru-RU" sz="1800" smtClean="0">
+                        <a:effectLst/>
+                        <a:latin typeface="Cambria Math" panose="02040503050406030204" pitchFamily="18" charset="0"/>
+                        <a:ea typeface="Calibri" panose="020F0502020204030204" pitchFamily="34" charset="0"/>
+                        <a:cs typeface="Times New Roman" panose="02020603050405020304" pitchFamily="18" charset="0"/>
+                      </a:rPr>
+                      <m:t>∀</m:t>
+                    </m:r>
+                    <m:sSub>
+                      <m:sSubPr>
+                        <m:ctrlPr>
+                          <a:rPr lang="ru-RU" i="1">
+                            <a:effectLst/>
+                            <a:latin typeface="Cambria Math" panose="02040503050406030204" pitchFamily="18" charset="0"/>
+                          </a:rPr>
+                        </m:ctrlPr>
+                      </m:sSubPr>
+                      <m:e>
+                        <m:r>
+                          <a:rPr lang="ru-RU" sz="1800" i="1">
+                            <a:effectLst/>
+                            <a:latin typeface="Cambria Math" panose="02040503050406030204" pitchFamily="18" charset="0"/>
+                            <a:ea typeface="Calibri" panose="020F0502020204030204" pitchFamily="34" charset="0"/>
+                            <a:cs typeface="Times New Roman" panose="02020603050405020304" pitchFamily="18" charset="0"/>
+                          </a:rPr>
+                          <m:t>𝑉</m:t>
+                        </m:r>
+                      </m:e>
+                      <m:sub>
+                        <m:sSub>
+                          <m:sSubPr>
+                            <m:ctrlPr>
+                              <a:rPr lang="ru-RU" i="1">
+                                <a:effectLst/>
+                                <a:latin typeface="Cambria Math" panose="02040503050406030204" pitchFamily="18" charset="0"/>
+                              </a:rPr>
+                            </m:ctrlPr>
+                          </m:sSubPr>
+                          <m:e>
+                            <m:r>
+                              <a:rPr lang="ru-RU" sz="1800" i="1">
+                                <a:effectLst/>
+                                <a:latin typeface="Cambria Math" panose="02040503050406030204" pitchFamily="18" charset="0"/>
+                                <a:ea typeface="Calibri" panose="020F0502020204030204" pitchFamily="34" charset="0"/>
+                                <a:cs typeface="Times New Roman" panose="02020603050405020304" pitchFamily="18" charset="0"/>
+                              </a:rPr>
+                              <m:t>𝑖</m:t>
+                            </m:r>
+                          </m:e>
+                          <m:sub>
+                            <m:r>
+                              <a:rPr lang="ru-RU" sz="1800" i="1">
+                                <a:effectLst/>
+                                <a:latin typeface="Cambria Math" panose="02040503050406030204" pitchFamily="18" charset="0"/>
+                                <a:ea typeface="Calibri" panose="020F0502020204030204" pitchFamily="34" charset="0"/>
+                                <a:cs typeface="Times New Roman" panose="02020603050405020304" pitchFamily="18" charset="0"/>
+                              </a:rPr>
+                              <m:t>𝑗</m:t>
+                            </m:r>
+                          </m:sub>
+                        </m:sSub>
+                      </m:sub>
+                    </m:sSub>
+                    <m:r>
+                      <a:rPr lang="ru-RU" sz="1800" i="1">
+                        <a:effectLst/>
+                        <a:latin typeface="Cambria Math" panose="02040503050406030204" pitchFamily="18" charset="0"/>
+                        <a:ea typeface="Calibri" panose="020F0502020204030204" pitchFamily="34" charset="0"/>
+                        <a:cs typeface="Times New Roman" panose="02020603050405020304" pitchFamily="18" charset="0"/>
+                      </a:rPr>
+                      <m:t>∈</m:t>
+                    </m:r>
+                    <m:r>
+                      <a:rPr lang="ru-RU" sz="1800" i="1">
+                        <a:effectLst/>
+                        <a:latin typeface="Cambria Math" panose="02040503050406030204" pitchFamily="18" charset="0"/>
+                        <a:ea typeface="Calibri" panose="020F0502020204030204" pitchFamily="34" charset="0"/>
+                        <a:cs typeface="Times New Roman" panose="02020603050405020304" pitchFamily="18" charset="0"/>
+                      </a:rPr>
+                      <m:t>𝜎</m:t>
+                    </m:r>
+                    <m:r>
+                      <a:rPr lang="ru-RU" sz="1800" i="1">
+                        <a:effectLst/>
+                        <a:latin typeface="Cambria Math" panose="02040503050406030204" pitchFamily="18" charset="0"/>
+                        <a:ea typeface="Calibri" panose="020F0502020204030204" pitchFamily="34" charset="0"/>
+                        <a:cs typeface="Times New Roman" panose="02020603050405020304" pitchFamily="18" charset="0"/>
+                      </a:rPr>
+                      <m:t>:(</m:t>
+                    </m:r>
+                    <m:sSup>
+                      <m:sSupPr>
+                        <m:ctrlPr>
+                          <a:rPr lang="ru-RU" i="1">
+                            <a:effectLst/>
+                            <a:latin typeface="Cambria Math" panose="02040503050406030204" pitchFamily="18" charset="0"/>
+                          </a:rPr>
+                        </m:ctrlPr>
+                      </m:sSupPr>
+                      <m:e>
+                        <m:r>
+                          <a:rPr lang="ru-RU" sz="1800" i="1">
+                            <a:effectLst/>
+                            <a:latin typeface="Cambria Math" panose="02040503050406030204" pitchFamily="18" charset="0"/>
+                            <a:ea typeface="Calibri" panose="020F0502020204030204" pitchFamily="34" charset="0"/>
+                            <a:cs typeface="Times New Roman" panose="02020603050405020304" pitchFamily="18" charset="0"/>
+                          </a:rPr>
+                          <m:t>𝑉</m:t>
+                        </m:r>
+                      </m:e>
+                      <m:sup>
+                        <m:r>
+                          <a:rPr lang="ru-RU" sz="1800" i="1">
+                            <a:effectLst/>
+                            <a:latin typeface="Cambria Math" panose="02040503050406030204" pitchFamily="18" charset="0"/>
+                            <a:ea typeface="Calibri" panose="020F0502020204030204" pitchFamily="34" charset="0"/>
+                            <a:cs typeface="Times New Roman" panose="02020603050405020304" pitchFamily="18" charset="0"/>
+                          </a:rPr>
+                          <m:t>+</m:t>
+                        </m:r>
+                      </m:sup>
+                    </m:sSup>
+                    <m:r>
+                      <a:rPr lang="ru-RU" sz="1800" i="1">
+                        <a:effectLst/>
+                        <a:latin typeface="Cambria Math" panose="02040503050406030204" pitchFamily="18" charset="0"/>
+                        <a:ea typeface="Calibri" panose="020F0502020204030204" pitchFamily="34" charset="0"/>
+                        <a:cs typeface="Times New Roman" panose="02020603050405020304" pitchFamily="18" charset="0"/>
+                      </a:rPr>
+                      <m:t>,</m:t>
+                    </m:r>
+                    <m:sSub>
+                      <m:sSubPr>
+                        <m:ctrlPr>
+                          <a:rPr lang="ru-RU" i="1">
+                            <a:effectLst/>
+                            <a:latin typeface="Cambria Math" panose="02040503050406030204" pitchFamily="18" charset="0"/>
+                          </a:rPr>
+                        </m:ctrlPr>
+                      </m:sSubPr>
+                      <m:e>
+                        <m:r>
+                          <a:rPr lang="ru-RU" sz="1800" i="1">
+                            <a:effectLst/>
+                            <a:latin typeface="Cambria Math" panose="02040503050406030204" pitchFamily="18" charset="0"/>
+                            <a:ea typeface="Calibri" panose="020F0502020204030204" pitchFamily="34" charset="0"/>
+                            <a:cs typeface="Times New Roman" panose="02020603050405020304" pitchFamily="18" charset="0"/>
+                          </a:rPr>
+                          <m:t>𝑉</m:t>
+                        </m:r>
+                      </m:e>
+                      <m:sub>
+                        <m:sSub>
+                          <m:sSubPr>
+                            <m:ctrlPr>
+                              <a:rPr lang="ru-RU" i="1">
+                                <a:effectLst/>
+                                <a:latin typeface="Cambria Math" panose="02040503050406030204" pitchFamily="18" charset="0"/>
+                              </a:rPr>
+                            </m:ctrlPr>
+                          </m:sSubPr>
+                          <m:e>
+                            <m:r>
+                              <a:rPr lang="ru-RU" sz="1800" i="1">
+                                <a:effectLst/>
+                                <a:latin typeface="Cambria Math" panose="02040503050406030204" pitchFamily="18" charset="0"/>
+                                <a:ea typeface="Calibri" panose="020F0502020204030204" pitchFamily="34" charset="0"/>
+                                <a:cs typeface="Times New Roman" panose="02020603050405020304" pitchFamily="18" charset="0"/>
+                              </a:rPr>
+                              <m:t>𝑖</m:t>
+                            </m:r>
+                          </m:e>
+                          <m:sub>
+                            <m:r>
+                              <a:rPr lang="ru-RU" sz="1800" i="1">
+                                <a:effectLst/>
+                                <a:latin typeface="Cambria Math" panose="02040503050406030204" pitchFamily="18" charset="0"/>
+                                <a:ea typeface="Calibri" panose="020F0502020204030204" pitchFamily="34" charset="0"/>
+                                <a:cs typeface="Times New Roman" panose="02020603050405020304" pitchFamily="18" charset="0"/>
+                              </a:rPr>
+                              <m:t>𝑗</m:t>
+                            </m:r>
+                          </m:sub>
+                        </m:sSub>
+                      </m:sub>
+                    </m:sSub>
+                    <m:r>
+                      <a:rPr lang="ru-RU" sz="1800" i="1">
+                        <a:effectLst/>
+                        <a:latin typeface="Cambria Math" panose="02040503050406030204" pitchFamily="18" charset="0"/>
+                        <a:ea typeface="Calibri" panose="020F0502020204030204" pitchFamily="34" charset="0"/>
+                        <a:cs typeface="Times New Roman" panose="02020603050405020304" pitchFamily="18" charset="0"/>
+                      </a:rPr>
+                      <m:t>)</m:t>
+                    </m:r>
+                    <m:r>
+                      <a:rPr lang="ru-RU" sz="1800">
+                        <a:effectLst/>
+                        <a:latin typeface="Cambria Math" panose="02040503050406030204" pitchFamily="18" charset="0"/>
+                        <a:ea typeface="Calibri" panose="020F0502020204030204" pitchFamily="34" charset="0"/>
+                        <a:cs typeface="Times New Roman" panose="02020603050405020304" pitchFamily="18" charset="0"/>
+                      </a:rPr>
+                      <m:t>∉</m:t>
+                    </m:r>
+                    <m:r>
+                      <a:rPr lang="ru-RU" sz="1800" i="1">
+                        <a:effectLst/>
+                        <a:latin typeface="Cambria Math" panose="02040503050406030204" pitchFamily="18" charset="0"/>
+                        <a:ea typeface="Calibri" panose="020F0502020204030204" pitchFamily="34" charset="0"/>
+                        <a:cs typeface="Times New Roman" panose="02020603050405020304" pitchFamily="18" charset="0"/>
+                      </a:rPr>
+                      <m:t>𝐴</m:t>
+                    </m:r>
+                  </m:oMath>
+                </a14:m>
+                <a:endParaRPr lang="en-US" dirty="0"/>
+              </a:p>
+              <a:p>
+                <a:pPr marL="742950" lvl="1" indent="-285750">
+                  <a:buFont typeface="Arial" panose="020B0604020202020204" pitchFamily="34" charset="0"/>
+                  <a:buChar char="•"/>
+                </a:pPr>
+                <a:r>
+                  <a:rPr lang="ru-RU" dirty="0"/>
+                  <a:t>Дополнительно:</a:t>
+                </a:r>
+                <a14:m>
+                  <m:oMath xmlns:m="http://schemas.openxmlformats.org/officeDocument/2006/math">
+                    <m:d>
+                      <m:dPr>
+                        <m:ctrlPr>
+                          <a:rPr lang="ru-RU" i="1">
+                            <a:latin typeface="Cambria Math" panose="02040503050406030204" pitchFamily="18" charset="0"/>
+                          </a:rPr>
+                        </m:ctrlPr>
+                      </m:dPr>
+                      <m:e>
+                        <m:acc>
+                          <m:accPr>
+                            <m:chr m:val="̃"/>
+                            <m:ctrlPr>
+                              <a:rPr lang="ru-RU" i="1"/>
+                            </m:ctrlPr>
+                          </m:accPr>
+                          <m:e>
+                            <m:r>
+                              <a:rPr lang="ru-RU" i="1"/>
+                              <m:t>𝑉</m:t>
+                            </m:r>
+                          </m:e>
+                        </m:acc>
+                        <m:r>
+                          <a:rPr lang="ru-RU" i="1"/>
+                          <m:t>,</m:t>
+                        </m:r>
+                        <m:sSup>
+                          <m:sSupPr>
+                            <m:ctrlPr>
+                              <a:rPr lang="ru-RU" i="1"/>
+                            </m:ctrlPr>
+                          </m:sSupPr>
+                          <m:e>
+                            <m:r>
+                              <a:rPr lang="ru-RU" i="1"/>
+                              <m:t>𝑉</m:t>
+                            </m:r>
+                          </m:e>
+                          <m:sup>
+                            <m:r>
+                              <a:rPr lang="ru-RU" i="1"/>
+                              <m:t>+</m:t>
+                            </m:r>
+                          </m:sup>
+                        </m:sSup>
+                      </m:e>
+                    </m:d>
+                    <m:r>
+                      <a:rPr lang="ru-RU" i="1"/>
+                      <m:t>∈</m:t>
+                    </m:r>
+                    <m:r>
+                      <a:rPr lang="ru-RU" i="1"/>
+                      <m:t>𝐴</m:t>
+                    </m:r>
+                    <m:r>
+                      <a:rPr lang="ru-RU" i="1"/>
+                      <m:t>⇒</m:t>
+                    </m:r>
+                    <m:acc>
+                      <m:accPr>
+                        <m:chr m:val="̃"/>
+                        <m:ctrlPr>
+                          <a:rPr lang="ru-RU" i="1"/>
+                        </m:ctrlPr>
+                      </m:accPr>
+                      <m:e>
+                        <m:r>
+                          <a:rPr lang="ru-RU" i="1"/>
+                          <m:t>𝑉</m:t>
+                        </m:r>
+                      </m:e>
+                    </m:acc>
+                    <m:r>
+                      <a:rPr lang="ru-RU" i="1"/>
+                      <m:t>∈</m:t>
+                    </m:r>
+                    <m:r>
+                      <a:rPr lang="ru-RU" i="1"/>
+                      <m:t>𝜎</m:t>
+                    </m:r>
+                  </m:oMath>
+                </a14:m>
+                <a:endParaRPr lang="en-US" dirty="0"/>
+              </a:p>
+              <a:p>
+                <a:pPr marL="1200150" lvl="2" indent="-285750">
+                  <a:buFont typeface="Arial" panose="020B0604020202020204" pitchFamily="34" charset="0"/>
+                  <a:buChar char="•"/>
+                </a:pPr>
+                <a:r>
+                  <a:rPr lang="ru-RU" dirty="0"/>
+                  <a:t>Сокращение размера дерева поиска</a:t>
+                </a:r>
+              </a:p>
+              <a:p>
+                <a:pPr marL="742950" lvl="1" indent="-285750">
+                  <a:buFont typeface="Arial" panose="020B0604020202020204" pitchFamily="34" charset="0"/>
+                  <a:buChar char="•"/>
+                </a:pPr>
+                <a:endParaRPr lang="ru-RU" dirty="0"/>
+              </a:p>
+            </p:txBody>
+          </p:sp>
+        </mc:Choice>
+        <mc:Fallback>
+          <p:sp>
+            <p:nvSpPr>
+              <p:cNvPr id="9" name="TextBox 8">
+                <a:extLst>
+                  <a:ext uri="{FF2B5EF4-FFF2-40B4-BE49-F238E27FC236}">
+                    <a16:creationId xmlns:a16="http://schemas.microsoft.com/office/drawing/2014/main" id="{83D75914-E56B-423F-B860-A82574DF027F}"/>
+                  </a:ext>
+                </a:extLst>
+              </p:cNvPr>
+              <p:cNvSpPr txBox="1">
+                <a:spLocks noRot="1" noChangeAspect="1" noMove="1" noResize="1" noEditPoints="1" noAdjustHandles="1" noChangeArrowheads="1" noChangeShapeType="1" noTextEdit="1"/>
+              </p:cNvSpPr>
+              <p:nvPr/>
+            </p:nvSpPr>
+            <p:spPr>
+              <a:xfrm>
+                <a:off x="6165908" y="3196205"/>
+                <a:ext cx="5847126" cy="3020314"/>
+              </a:xfrm>
+              <a:prstGeom prst="rect">
+                <a:avLst/>
+              </a:prstGeom>
+              <a:blipFill>
+                <a:blip r:embed="rId4"/>
+                <a:stretch>
+                  <a:fillRect/>
+                </a:stretch>
+              </a:blipFill>
+              <a:ln>
+                <a:solidFill>
+                  <a:schemeClr val="tx1"/>
+                </a:solidFill>
+              </a:ln>
+              <a:effectLst>
+                <a:outerShdw blurRad="50800" dist="38100" dir="2700000" algn="tl" rotWithShape="0">
+                  <a:prstClr val="black">
+                    <a:alpha val="40000"/>
+                  </a:prstClr>
+                </a:outerShdw>
+              </a:effectLst>
+            </p:spPr>
+            <p:txBody>
+              <a:bodyPr/>
+              <a:lstStyle/>
+              <a:p>
+                <a:r>
+                  <a:rPr lang="ru-RU">
+                    <a:noFill/>
+                  </a:rPr>
+                  <a:t> </a:t>
+                </a:r>
+              </a:p>
+            </p:txBody>
+          </p:sp>
+        </mc:Fallback>
+      </mc:AlternateContent>
+    </p:spTree>
+    <p:extLst>
+      <p:ext uri="{BB962C8B-B14F-4D97-AF65-F5344CB8AC3E}">
+        <p14:creationId xmlns:p14="http://schemas.microsoft.com/office/powerpoint/2010/main" val="2989617858"/>
       </p:ext>
     </p:extLst>
   </p:cSld>

--- a/article/pcgtsp.pptx
+++ b/article/pcgtsp.pptx
@@ -9,6 +9,9 @@
     <p:sldId id="257" r:id="rId3"/>
     <p:sldId id="258" r:id="rId4"/>
     <p:sldId id="259" r:id="rId5"/>
+    <p:sldId id="260" r:id="rId6"/>
+    <p:sldId id="261" r:id="rId7"/>
+    <p:sldId id="262" r:id="rId8"/>
   </p:sldIdLst>
   <p:sldSz cx="12192000" cy="6858000"/>
   <p:notesSz cx="6858000" cy="9144000"/>
@@ -10874,6 +10877,8696 @@
 </p:sld>
 </file>
 
+<file path=ppt/slides/slide5.xml><?xml version="1.0" encoding="utf-8"?>
+<p:sld xmlns:a="http://schemas.openxmlformats.org/drawingml/2006/main" xmlns:r="http://schemas.openxmlformats.org/officeDocument/2006/relationships" xmlns:p="http://schemas.openxmlformats.org/presentationml/2006/main">
+  <p:cSld>
+    <p:spTree>
+      <p:nvGrpSpPr>
+        <p:cNvPr id="1" name=""/>
+        <p:cNvGrpSpPr/>
+        <p:nvPr/>
+      </p:nvGrpSpPr>
+      <p:grpSpPr>
+        <a:xfrm>
+          <a:off x="0" y="0"/>
+          <a:ext cx="0" cy="0"/>
+          <a:chOff x="0" y="0"/>
+          <a:chExt cx="0" cy="0"/>
+        </a:xfrm>
+      </p:grpSpPr>
+      <mc:AlternateContent xmlns:mc="http://schemas.openxmlformats.org/markup-compatibility/2006">
+        <mc:Choice xmlns:a14="http://schemas.microsoft.com/office/drawing/2010/main" Requires="a14">
+          <p:sp>
+            <p:nvSpPr>
+              <p:cNvPr id="4" name="TextBox 3">
+                <a:extLst>
+                  <a:ext uri="{FF2B5EF4-FFF2-40B4-BE49-F238E27FC236}">
+                    <a16:creationId xmlns:a16="http://schemas.microsoft.com/office/drawing/2014/main" id="{D65A0C2D-C4A2-40A3-8787-E73FAA7389FA}"/>
+                  </a:ext>
+                </a:extLst>
+              </p:cNvPr>
+              <p:cNvSpPr txBox="1"/>
+              <p:nvPr/>
+            </p:nvSpPr>
+            <p:spPr>
+              <a:xfrm>
+                <a:off x="8019874" y="159390"/>
+                <a:ext cx="4089517" cy="369332"/>
+              </a:xfrm>
+              <a:prstGeom prst="rect">
+                <a:avLst/>
+              </a:prstGeom>
+              <a:noFill/>
+            </p:spPr>
+            <p:txBody>
+              <a:bodyPr wrap="none" rtlCol="0">
+                <a:spAutoFit/>
+              </a:bodyPr>
+              <a:lstStyle/>
+              <a:p>
+                <a:r>
+                  <a:rPr lang="ru-RU" dirty="0"/>
+                  <a:t>Построение вспомогательной задачи </a:t>
+                </a:r>
+                <a14:m>
+                  <m:oMath xmlns:m="http://schemas.openxmlformats.org/officeDocument/2006/math">
+                    <m:r>
+                      <a:rPr lang="ru-RU" sz="1800" i="1" smtClean="0">
+                        <a:effectLst/>
+                        <a:latin typeface="Cambria Math" panose="02040503050406030204" pitchFamily="18" charset="0"/>
+                        <a:ea typeface="Calibri" panose="020F0502020204030204" pitchFamily="34" charset="0"/>
+                        <a:cs typeface="F"/>
+                      </a:rPr>
+                      <m:t>𝒫</m:t>
+                    </m:r>
+                  </m:oMath>
+                </a14:m>
+                <a:endParaRPr lang="ru-RU" dirty="0"/>
+              </a:p>
+            </p:txBody>
+          </p:sp>
+        </mc:Choice>
+        <mc:Fallback>
+          <p:sp>
+            <p:nvSpPr>
+              <p:cNvPr id="4" name="TextBox 3">
+                <a:extLst>
+                  <a:ext uri="{FF2B5EF4-FFF2-40B4-BE49-F238E27FC236}">
+                    <a16:creationId xmlns:a16="http://schemas.microsoft.com/office/drawing/2014/main" id="{D65A0C2D-C4A2-40A3-8787-E73FAA7389FA}"/>
+                  </a:ext>
+                </a:extLst>
+              </p:cNvPr>
+              <p:cNvSpPr txBox="1">
+                <a:spLocks noRot="1" noChangeAspect="1" noMove="1" noResize="1" noEditPoints="1" noAdjustHandles="1" noChangeArrowheads="1" noChangeShapeType="1" noTextEdit="1"/>
+              </p:cNvSpPr>
+              <p:nvPr/>
+            </p:nvSpPr>
+            <p:spPr>
+              <a:xfrm>
+                <a:off x="8019874" y="159390"/>
+                <a:ext cx="4089517" cy="369332"/>
+              </a:xfrm>
+              <a:prstGeom prst="rect">
+                <a:avLst/>
+              </a:prstGeom>
+              <a:blipFill>
+                <a:blip r:embed="rId2"/>
+                <a:stretch>
+                  <a:fillRect l="-1343" t="-8197" b="-24590"/>
+                </a:stretch>
+              </a:blipFill>
+            </p:spPr>
+            <p:txBody>
+              <a:bodyPr/>
+              <a:lstStyle/>
+              <a:p>
+                <a:r>
+                  <a:rPr lang="ru-RU">
+                    <a:noFill/>
+                  </a:rPr>
+                  <a:t> </a:t>
+                </a:r>
+              </a:p>
+            </p:txBody>
+          </p:sp>
+        </mc:Fallback>
+      </mc:AlternateContent>
+      <mc:AlternateContent xmlns:mc="http://schemas.openxmlformats.org/markup-compatibility/2006">
+        <mc:Choice xmlns:a14="http://schemas.microsoft.com/office/drawing/2010/main" Requires="a14">
+          <p:sp>
+            <p:nvSpPr>
+              <p:cNvPr id="6" name="TextBox 5">
+                <a:extLst>
+                  <a:ext uri="{FF2B5EF4-FFF2-40B4-BE49-F238E27FC236}">
+                    <a16:creationId xmlns:a16="http://schemas.microsoft.com/office/drawing/2014/main" id="{A75E6E3B-3E98-4668-8118-6B9D2FC2DA80}"/>
+                  </a:ext>
+                </a:extLst>
+              </p:cNvPr>
+              <p:cNvSpPr txBox="1"/>
+              <p:nvPr/>
+            </p:nvSpPr>
+            <p:spPr>
+              <a:xfrm>
+                <a:off x="597716" y="4191147"/>
+                <a:ext cx="7276207" cy="2700226"/>
+              </a:xfrm>
+              <a:prstGeom prst="rect">
+                <a:avLst/>
+              </a:prstGeom>
+              <a:noFill/>
+            </p:spPr>
+            <p:txBody>
+              <a:bodyPr wrap="square">
+                <a:spAutoFit/>
+              </a:bodyPr>
+              <a:lstStyle/>
+              <a:p>
+                <a:pPr marL="285750" indent="-285750">
+                  <a:buFont typeface="Arial" panose="020B0604020202020204" pitchFamily="34" charset="0"/>
+                  <a:buChar char="•"/>
+                </a:pPr>
+                <a:r>
+                  <a:rPr lang="ru-RU" dirty="0"/>
+                  <a:t>Префикс </a:t>
+                </a:r>
+                <a14:m>
+                  <m:oMath xmlns:m="http://schemas.openxmlformats.org/officeDocument/2006/math">
+                    <m:r>
+                      <a:rPr lang="ru-RU" sz="1800" i="1" smtClean="0">
+                        <a:effectLst/>
+                        <a:latin typeface="Cambria Math" panose="02040503050406030204" pitchFamily="18" charset="0"/>
+                        <a:ea typeface="Calibri" panose="020F0502020204030204" pitchFamily="34" charset="0"/>
+                        <a:cs typeface="F"/>
+                      </a:rPr>
+                      <m:t>𝜎</m:t>
+                    </m:r>
+                    <m:r>
+                      <a:rPr lang="ru-RU" sz="1800" i="1" smtClean="0">
+                        <a:effectLst/>
+                        <a:latin typeface="Cambria Math" panose="02040503050406030204" pitchFamily="18" charset="0"/>
+                        <a:ea typeface="Calibri" panose="020F0502020204030204" pitchFamily="34" charset="0"/>
+                        <a:cs typeface="F"/>
+                      </a:rPr>
+                      <m:t>=</m:t>
+                    </m:r>
+                    <m:d>
+                      <m:dPr>
+                        <m:ctrlPr>
+                          <a:rPr lang="ru-RU" sz="1800" i="1" smtClean="0">
+                            <a:effectLst/>
+                            <a:latin typeface="Cambria Math" panose="02040503050406030204" pitchFamily="18" charset="0"/>
+                          </a:rPr>
+                        </m:ctrlPr>
+                      </m:dPr>
+                      <m:e>
+                        <m:sSub>
+                          <m:sSubPr>
+                            <m:ctrlPr>
+                              <a:rPr lang="ru-RU" i="1">
+                                <a:effectLst/>
+                                <a:latin typeface="Cambria Math" panose="02040503050406030204" pitchFamily="18" charset="0"/>
+                              </a:rPr>
+                            </m:ctrlPr>
+                          </m:sSubPr>
+                          <m:e>
+                            <m:r>
+                              <a:rPr lang="ru-RU" sz="1800" i="1">
+                                <a:effectLst/>
+                                <a:latin typeface="Cambria Math" panose="02040503050406030204" pitchFamily="18" charset="0"/>
+                                <a:ea typeface="Calibri" panose="020F0502020204030204" pitchFamily="34" charset="0"/>
+                                <a:cs typeface="F"/>
+                              </a:rPr>
+                              <m:t>𝑉</m:t>
+                            </m:r>
+                          </m:e>
+                          <m:sub>
+                            <m:sSub>
+                              <m:sSubPr>
+                                <m:ctrlPr>
+                                  <a:rPr lang="ru-RU" i="1">
+                                    <a:effectLst/>
+                                    <a:latin typeface="Cambria Math" panose="02040503050406030204" pitchFamily="18" charset="0"/>
+                                  </a:rPr>
+                                </m:ctrlPr>
+                              </m:sSubPr>
+                              <m:e>
+                                <m:r>
+                                  <a:rPr lang="ru-RU" sz="1800" i="1">
+                                    <a:effectLst/>
+                                    <a:latin typeface="Cambria Math" panose="02040503050406030204" pitchFamily="18" charset="0"/>
+                                    <a:ea typeface="Calibri" panose="020F0502020204030204" pitchFamily="34" charset="0"/>
+                                    <a:cs typeface="F"/>
+                                  </a:rPr>
+                                  <m:t>𝑖</m:t>
+                                </m:r>
+                              </m:e>
+                              <m:sub>
+                                <m:r>
+                                  <a:rPr lang="ru-RU" sz="1800" i="1">
+                                    <a:effectLst/>
+                                    <a:latin typeface="Cambria Math" panose="02040503050406030204" pitchFamily="18" charset="0"/>
+                                    <a:ea typeface="Calibri" panose="020F0502020204030204" pitchFamily="34" charset="0"/>
+                                    <a:cs typeface="F"/>
+                                  </a:rPr>
+                                  <m:t>1</m:t>
+                                </m:r>
+                              </m:sub>
+                            </m:sSub>
+                          </m:sub>
+                        </m:sSub>
+                        <m:r>
+                          <a:rPr lang="ru-RU" sz="1800" i="1">
+                            <a:effectLst/>
+                            <a:latin typeface="Cambria Math" panose="02040503050406030204" pitchFamily="18" charset="0"/>
+                            <a:ea typeface="Calibri" panose="020F0502020204030204" pitchFamily="34" charset="0"/>
+                            <a:cs typeface="F"/>
+                          </a:rPr>
+                          <m:t>,</m:t>
+                        </m:r>
+                        <m:sSub>
+                          <m:sSubPr>
+                            <m:ctrlPr>
+                              <a:rPr lang="ru-RU" i="1">
+                                <a:effectLst/>
+                                <a:latin typeface="Cambria Math" panose="02040503050406030204" pitchFamily="18" charset="0"/>
+                              </a:rPr>
+                            </m:ctrlPr>
+                          </m:sSubPr>
+                          <m:e>
+                            <m:r>
+                              <a:rPr lang="ru-RU" sz="1800" i="1">
+                                <a:effectLst/>
+                                <a:latin typeface="Cambria Math" panose="02040503050406030204" pitchFamily="18" charset="0"/>
+                                <a:ea typeface="Calibri" panose="020F0502020204030204" pitchFamily="34" charset="0"/>
+                                <a:cs typeface="F"/>
+                              </a:rPr>
+                              <m:t>𝑉</m:t>
+                            </m:r>
+                          </m:e>
+                          <m:sub>
+                            <m:sSub>
+                              <m:sSubPr>
+                                <m:ctrlPr>
+                                  <a:rPr lang="ru-RU" i="1">
+                                    <a:effectLst/>
+                                    <a:latin typeface="Cambria Math" panose="02040503050406030204" pitchFamily="18" charset="0"/>
+                                  </a:rPr>
+                                </m:ctrlPr>
+                              </m:sSubPr>
+                              <m:e>
+                                <m:r>
+                                  <a:rPr lang="ru-RU" sz="1800" i="1">
+                                    <a:effectLst/>
+                                    <a:latin typeface="Cambria Math" panose="02040503050406030204" pitchFamily="18" charset="0"/>
+                                    <a:ea typeface="Calibri" panose="020F0502020204030204" pitchFamily="34" charset="0"/>
+                                    <a:cs typeface="F"/>
+                                  </a:rPr>
+                                  <m:t>𝑖</m:t>
+                                </m:r>
+                              </m:e>
+                              <m:sub>
+                                <m:r>
+                                  <a:rPr lang="ru-RU" sz="1800" i="1">
+                                    <a:effectLst/>
+                                    <a:latin typeface="Cambria Math" panose="02040503050406030204" pitchFamily="18" charset="0"/>
+                                    <a:ea typeface="Calibri" panose="020F0502020204030204" pitchFamily="34" charset="0"/>
+                                    <a:cs typeface="F"/>
+                                  </a:rPr>
+                                  <m:t>2</m:t>
+                                </m:r>
+                              </m:sub>
+                            </m:sSub>
+                          </m:sub>
+                        </m:sSub>
+                        <m:r>
+                          <a:rPr lang="ru-RU" sz="1800" i="1">
+                            <a:effectLst/>
+                            <a:latin typeface="Cambria Math" panose="02040503050406030204" pitchFamily="18" charset="0"/>
+                            <a:ea typeface="Calibri" panose="020F0502020204030204" pitchFamily="34" charset="0"/>
+                            <a:cs typeface="F"/>
+                          </a:rPr>
+                          <m:t>,…</m:t>
+                        </m:r>
+                        <m:sSub>
+                          <m:sSubPr>
+                            <m:ctrlPr>
+                              <a:rPr lang="ru-RU" i="1">
+                                <a:effectLst/>
+                                <a:latin typeface="Cambria Math" panose="02040503050406030204" pitchFamily="18" charset="0"/>
+                              </a:rPr>
+                            </m:ctrlPr>
+                          </m:sSubPr>
+                          <m:e>
+                            <m:r>
+                              <a:rPr lang="ru-RU" sz="1800" i="1">
+                                <a:effectLst/>
+                                <a:latin typeface="Cambria Math" panose="02040503050406030204" pitchFamily="18" charset="0"/>
+                                <a:ea typeface="Calibri" panose="020F0502020204030204" pitchFamily="34" charset="0"/>
+                                <a:cs typeface="F"/>
+                              </a:rPr>
+                              <m:t>𝑉</m:t>
+                            </m:r>
+                          </m:e>
+                          <m:sub>
+                            <m:sSub>
+                              <m:sSubPr>
+                                <m:ctrlPr>
+                                  <a:rPr lang="ru-RU" i="1">
+                                    <a:effectLst/>
+                                    <a:latin typeface="Cambria Math" panose="02040503050406030204" pitchFamily="18" charset="0"/>
+                                  </a:rPr>
+                                </m:ctrlPr>
+                              </m:sSubPr>
+                              <m:e>
+                                <m:r>
+                                  <a:rPr lang="ru-RU" sz="1800" i="1">
+                                    <a:effectLst/>
+                                    <a:latin typeface="Cambria Math" panose="02040503050406030204" pitchFamily="18" charset="0"/>
+                                    <a:ea typeface="Calibri" panose="020F0502020204030204" pitchFamily="34" charset="0"/>
+                                    <a:cs typeface="F"/>
+                                  </a:rPr>
+                                  <m:t>𝑖</m:t>
+                                </m:r>
+                              </m:e>
+                              <m:sub>
+                                <m:r>
+                                  <a:rPr lang="ru-RU" sz="1800" i="1">
+                                    <a:effectLst/>
+                                    <a:latin typeface="Cambria Math" panose="02040503050406030204" pitchFamily="18" charset="0"/>
+                                    <a:ea typeface="Calibri" panose="020F0502020204030204" pitchFamily="34" charset="0"/>
+                                    <a:cs typeface="F"/>
+                                  </a:rPr>
+                                  <m:t>𝑟</m:t>
+                                </m:r>
+                              </m:sub>
+                            </m:sSub>
+                          </m:sub>
+                        </m:sSub>
+                      </m:e>
+                    </m:d>
+                  </m:oMath>
+                </a14:m>
+                <a:endParaRPr lang="ru-RU" sz="1800" dirty="0">
+                  <a:effectLst/>
+                  <a:ea typeface="Calibri" panose="020F0502020204030204" pitchFamily="34" charset="0"/>
+                  <a:cs typeface="F"/>
+                </a:endParaRPr>
+              </a:p>
+              <a:p>
+                <a:pPr marL="285750" indent="-285750">
+                  <a:buFont typeface="Arial" panose="020B0604020202020204" pitchFamily="34" charset="0"/>
+                  <a:buChar char="•"/>
+                </a:pPr>
+                <a14:m>
+                  <m:oMath xmlns:m="http://schemas.openxmlformats.org/officeDocument/2006/math">
+                    <m:sSub>
+                      <m:sSubPr>
+                        <m:ctrlPr>
+                          <a:rPr lang="ru-RU" i="1" smtClean="0">
+                            <a:effectLst/>
+                            <a:latin typeface="Cambria Math" panose="02040503050406030204" pitchFamily="18" charset="0"/>
+                          </a:rPr>
+                        </m:ctrlPr>
+                      </m:sSubPr>
+                      <m:e>
+                        <m:r>
+                          <a:rPr lang="ru-RU" sz="1800" i="1">
+                            <a:effectLst/>
+                            <a:latin typeface="Cambria Math" panose="02040503050406030204" pitchFamily="18" charset="0"/>
+                            <a:ea typeface="Calibri" panose="020F0502020204030204" pitchFamily="34" charset="0"/>
+                            <a:cs typeface="Times New Roman" panose="02020603050405020304" pitchFamily="18" charset="0"/>
+                          </a:rPr>
+                          <m:t>𝑐</m:t>
+                        </m:r>
+                      </m:e>
+                      <m:sub>
+                        <m:r>
+                          <a:rPr lang="ru-RU" sz="1800" i="1">
+                            <a:effectLst/>
+                            <a:latin typeface="Cambria Math" panose="02040503050406030204" pitchFamily="18" charset="0"/>
+                            <a:ea typeface="Calibri" panose="020F0502020204030204" pitchFamily="34" charset="0"/>
+                            <a:cs typeface="Times New Roman" panose="02020603050405020304" pitchFamily="18" charset="0"/>
+                          </a:rPr>
+                          <m:t>𝑚𝑖𝑛</m:t>
+                        </m:r>
+                      </m:sub>
+                    </m:sSub>
+                    <m:r>
+                      <a:rPr lang="ru-RU" sz="1800" i="1">
+                        <a:effectLst/>
+                        <a:latin typeface="Cambria Math" panose="02040503050406030204" pitchFamily="18" charset="0"/>
+                        <a:ea typeface="Calibri" panose="020F0502020204030204" pitchFamily="34" charset="0"/>
+                        <a:cs typeface="Times New Roman" panose="02020603050405020304" pitchFamily="18" charset="0"/>
+                      </a:rPr>
+                      <m:t>=</m:t>
+                    </m:r>
+                    <m:r>
+                      <m:rPr>
+                        <m:sty m:val="p"/>
+                      </m:rPr>
+                      <a:rPr lang="ru-RU" sz="1800">
+                        <a:effectLst/>
+                        <a:latin typeface="Cambria Math" panose="02040503050406030204" pitchFamily="18" charset="0"/>
+                        <a:ea typeface="Calibri" panose="020F0502020204030204" pitchFamily="34" charset="0"/>
+                        <a:cs typeface="Times New Roman" panose="02020603050405020304" pitchFamily="18" charset="0"/>
+                      </a:rPr>
+                      <m:t>min</m:t>
+                    </m:r>
+                    <m:r>
+                      <a:rPr lang="ru-RU" sz="1800" i="1">
+                        <a:effectLst/>
+                        <a:latin typeface="Cambria Math" panose="02040503050406030204" pitchFamily="18" charset="0"/>
+                        <a:ea typeface="Calibri" panose="020F0502020204030204" pitchFamily="34" charset="0"/>
+                        <a:cs typeface="Times New Roman" panose="02020603050405020304" pitchFamily="18" charset="0"/>
+                      </a:rPr>
+                      <m:t>⁡{</m:t>
+                    </m:r>
+                    <m:r>
+                      <a:rPr lang="ru-RU" sz="1800" i="1">
+                        <a:effectLst/>
+                        <a:latin typeface="Cambria Math" panose="02040503050406030204" pitchFamily="18" charset="0"/>
+                        <a:ea typeface="Calibri" panose="020F0502020204030204" pitchFamily="34" charset="0"/>
+                        <a:cs typeface="Times New Roman" panose="02020603050405020304" pitchFamily="18" charset="0"/>
+                      </a:rPr>
+                      <m:t>𝑐𝑜𝑠𝑡</m:t>
+                    </m:r>
+                    <m:r>
+                      <a:rPr lang="ru-RU" sz="1800" i="1">
+                        <a:effectLst/>
+                        <a:latin typeface="Cambria Math" panose="02040503050406030204" pitchFamily="18" charset="0"/>
+                        <a:ea typeface="Calibri" panose="020F0502020204030204" pitchFamily="34" charset="0"/>
+                        <a:cs typeface="Times New Roman" panose="02020603050405020304" pitchFamily="18" charset="0"/>
+                      </a:rPr>
+                      <m:t>(</m:t>
+                    </m:r>
+                    <m:r>
+                      <a:rPr lang="ru-RU" sz="1800" i="1">
+                        <a:effectLst/>
+                        <a:latin typeface="Cambria Math" panose="02040503050406030204" pitchFamily="18" charset="0"/>
+                        <a:ea typeface="Calibri" panose="020F0502020204030204" pitchFamily="34" charset="0"/>
+                        <a:cs typeface="Times New Roman" panose="02020603050405020304" pitchFamily="18" charset="0"/>
+                      </a:rPr>
+                      <m:t>𝑃</m:t>
+                    </m:r>
+                    <m:d>
+                      <m:dPr>
+                        <m:ctrlPr>
+                          <a:rPr lang="ru-RU" sz="1800" i="1">
+                            <a:effectLst/>
+                            <a:latin typeface="Cambria Math" panose="02040503050406030204" pitchFamily="18" charset="0"/>
+                            <a:ea typeface="Calibri" panose="020F0502020204030204" pitchFamily="34" charset="0"/>
+                            <a:cs typeface="Times New Roman" panose="02020603050405020304" pitchFamily="18" charset="0"/>
+                          </a:rPr>
+                        </m:ctrlPr>
+                      </m:dPr>
+                      <m:e>
+                        <m:r>
+                          <a:rPr lang="ru-RU" sz="1800" i="1">
+                            <a:effectLst/>
+                            <a:latin typeface="Cambria Math" panose="02040503050406030204" pitchFamily="18" charset="0"/>
+                            <a:ea typeface="Calibri" panose="020F0502020204030204" pitchFamily="34" charset="0"/>
+                            <a:cs typeface="Times New Roman" panose="02020603050405020304" pitchFamily="18" charset="0"/>
+                          </a:rPr>
+                          <m:t>𝑢</m:t>
+                        </m:r>
+                        <m:r>
+                          <a:rPr lang="ru-RU" sz="1800" i="1">
+                            <a:effectLst/>
+                            <a:latin typeface="Cambria Math" panose="02040503050406030204" pitchFamily="18" charset="0"/>
+                            <a:ea typeface="Calibri" panose="020F0502020204030204" pitchFamily="34" charset="0"/>
+                            <a:cs typeface="Times New Roman" panose="02020603050405020304" pitchFamily="18" charset="0"/>
+                          </a:rPr>
+                          <m:t>,</m:t>
+                        </m:r>
+                        <m:r>
+                          <a:rPr lang="ru-RU" sz="1800" i="1">
+                            <a:effectLst/>
+                            <a:latin typeface="Cambria Math" panose="02040503050406030204" pitchFamily="18" charset="0"/>
+                            <a:ea typeface="Calibri" panose="020F0502020204030204" pitchFamily="34" charset="0"/>
+                            <a:cs typeface="Times New Roman" panose="02020603050405020304" pitchFamily="18" charset="0"/>
+                          </a:rPr>
+                          <m:t>𝑣</m:t>
+                        </m:r>
+                      </m:e>
+                    </m:d>
+                    <m:r>
+                      <a:rPr lang="ru-RU" sz="1800" b="0" i="1" smtClean="0">
+                        <a:effectLst/>
+                        <a:latin typeface="Cambria Math" panose="02040503050406030204" pitchFamily="18" charset="0"/>
+                        <a:ea typeface="Calibri" panose="020F0502020204030204" pitchFamily="34" charset="0"/>
+                        <a:cs typeface="Times New Roman" panose="02020603050405020304" pitchFamily="18" charset="0"/>
+                      </a:rPr>
+                      <m:t>)</m:t>
+                    </m:r>
+                    <m:r>
+                      <a:rPr lang="ru-RU" sz="1800">
+                        <a:effectLst/>
+                        <a:latin typeface="Cambria Math" panose="02040503050406030204" pitchFamily="18" charset="0"/>
+                        <a:ea typeface="Calibri" panose="020F0502020204030204" pitchFamily="34" charset="0"/>
+                        <a:cs typeface="Times New Roman" panose="02020603050405020304" pitchFamily="18" charset="0"/>
+                      </a:rPr>
+                      <m:t>∣</m:t>
+                    </m:r>
+                    <m:r>
+                      <a:rPr lang="ru-RU" sz="1800" i="1">
+                        <a:effectLst/>
+                        <a:latin typeface="Cambria Math" panose="02040503050406030204" pitchFamily="18" charset="0"/>
+                        <a:ea typeface="Calibri" panose="020F0502020204030204" pitchFamily="34" charset="0"/>
+                        <a:cs typeface="Times New Roman" panose="02020603050405020304" pitchFamily="18" charset="0"/>
+                      </a:rPr>
+                      <m:t>𝑢</m:t>
+                    </m:r>
+                    <m:r>
+                      <a:rPr lang="ru-RU" sz="1800" i="1">
+                        <a:effectLst/>
+                        <a:latin typeface="Cambria Math" panose="02040503050406030204" pitchFamily="18" charset="0"/>
+                        <a:ea typeface="Calibri" panose="020F0502020204030204" pitchFamily="34" charset="0"/>
+                        <a:cs typeface="Times New Roman" panose="02020603050405020304" pitchFamily="18" charset="0"/>
+                      </a:rPr>
+                      <m:t>∈</m:t>
+                    </m:r>
+                    <m:sSub>
+                      <m:sSubPr>
+                        <m:ctrlPr>
+                          <a:rPr lang="ru-RU" i="1">
+                            <a:effectLst/>
+                            <a:latin typeface="Cambria Math" panose="02040503050406030204" pitchFamily="18" charset="0"/>
+                          </a:rPr>
+                        </m:ctrlPr>
+                      </m:sSubPr>
+                      <m:e>
+                        <m:r>
+                          <a:rPr lang="ru-RU" sz="1800" i="1">
+                            <a:effectLst/>
+                            <a:latin typeface="Cambria Math" panose="02040503050406030204" pitchFamily="18" charset="0"/>
+                            <a:ea typeface="Calibri" panose="020F0502020204030204" pitchFamily="34" charset="0"/>
+                            <a:cs typeface="Times New Roman" panose="02020603050405020304" pitchFamily="18" charset="0"/>
+                          </a:rPr>
+                          <m:t>𝑉</m:t>
+                        </m:r>
+                      </m:e>
+                      <m:sub>
+                        <m:sSub>
+                          <m:sSubPr>
+                            <m:ctrlPr>
+                              <a:rPr lang="ru-RU" i="1">
+                                <a:effectLst/>
+                                <a:latin typeface="Cambria Math" panose="02040503050406030204" pitchFamily="18" charset="0"/>
+                              </a:rPr>
+                            </m:ctrlPr>
+                          </m:sSubPr>
+                          <m:e>
+                            <m:r>
+                              <a:rPr lang="ru-RU" sz="1800" i="1">
+                                <a:effectLst/>
+                                <a:latin typeface="Cambria Math" panose="02040503050406030204" pitchFamily="18" charset="0"/>
+                                <a:ea typeface="Calibri" panose="020F0502020204030204" pitchFamily="34" charset="0"/>
+                                <a:cs typeface="Times New Roman" panose="02020603050405020304" pitchFamily="18" charset="0"/>
+                              </a:rPr>
+                              <m:t>𝑖</m:t>
+                            </m:r>
+                          </m:e>
+                          <m:sub>
+                            <m:r>
+                              <a:rPr lang="ru-RU" sz="1800" i="1">
+                                <a:effectLst/>
+                                <a:latin typeface="Cambria Math" panose="02040503050406030204" pitchFamily="18" charset="0"/>
+                                <a:ea typeface="Calibri" panose="020F0502020204030204" pitchFamily="34" charset="0"/>
+                                <a:cs typeface="Times New Roman" panose="02020603050405020304" pitchFamily="18" charset="0"/>
+                              </a:rPr>
+                              <m:t>1</m:t>
+                            </m:r>
+                          </m:sub>
+                        </m:sSub>
+                      </m:sub>
+                    </m:sSub>
+                    <m:r>
+                      <a:rPr lang="ru-RU" sz="1800" i="1">
+                        <a:effectLst/>
+                        <a:latin typeface="Cambria Math" panose="02040503050406030204" pitchFamily="18" charset="0"/>
+                        <a:ea typeface="Calibri" panose="020F0502020204030204" pitchFamily="34" charset="0"/>
+                        <a:cs typeface="Times New Roman" panose="02020603050405020304" pitchFamily="18" charset="0"/>
+                      </a:rPr>
+                      <m:t>,</m:t>
+                    </m:r>
+                    <m:r>
+                      <a:rPr lang="ru-RU" sz="1800" i="1">
+                        <a:effectLst/>
+                        <a:latin typeface="Cambria Math" panose="02040503050406030204" pitchFamily="18" charset="0"/>
+                        <a:ea typeface="Calibri" panose="020F0502020204030204" pitchFamily="34" charset="0"/>
+                        <a:cs typeface="Times New Roman" panose="02020603050405020304" pitchFamily="18" charset="0"/>
+                      </a:rPr>
+                      <m:t>𝑣</m:t>
+                    </m:r>
+                    <m:r>
+                      <a:rPr lang="ru-RU" sz="1800" i="1">
+                        <a:effectLst/>
+                        <a:latin typeface="Cambria Math" panose="02040503050406030204" pitchFamily="18" charset="0"/>
+                        <a:ea typeface="Calibri" panose="020F0502020204030204" pitchFamily="34" charset="0"/>
+                        <a:cs typeface="Times New Roman" panose="02020603050405020304" pitchFamily="18" charset="0"/>
+                      </a:rPr>
+                      <m:t>∈</m:t>
+                    </m:r>
+                    <m:sSub>
+                      <m:sSubPr>
+                        <m:ctrlPr>
+                          <a:rPr lang="ru-RU" i="1">
+                            <a:effectLst/>
+                            <a:latin typeface="Cambria Math" panose="02040503050406030204" pitchFamily="18" charset="0"/>
+                          </a:rPr>
+                        </m:ctrlPr>
+                      </m:sSubPr>
+                      <m:e>
+                        <m:r>
+                          <a:rPr lang="ru-RU" sz="1800" i="1">
+                            <a:effectLst/>
+                            <a:latin typeface="Cambria Math" panose="02040503050406030204" pitchFamily="18" charset="0"/>
+                            <a:ea typeface="Calibri" panose="020F0502020204030204" pitchFamily="34" charset="0"/>
+                            <a:cs typeface="Times New Roman" panose="02020603050405020304" pitchFamily="18" charset="0"/>
+                          </a:rPr>
+                          <m:t>𝑉</m:t>
+                        </m:r>
+                      </m:e>
+                      <m:sub>
+                        <m:sSub>
+                          <m:sSubPr>
+                            <m:ctrlPr>
+                              <a:rPr lang="ru-RU" i="1">
+                                <a:effectLst/>
+                                <a:latin typeface="Cambria Math" panose="02040503050406030204" pitchFamily="18" charset="0"/>
+                              </a:rPr>
+                            </m:ctrlPr>
+                          </m:sSubPr>
+                          <m:e>
+                            <m:r>
+                              <a:rPr lang="ru-RU" sz="1800" i="1">
+                                <a:effectLst/>
+                                <a:latin typeface="Cambria Math" panose="02040503050406030204" pitchFamily="18" charset="0"/>
+                                <a:ea typeface="Calibri" panose="020F0502020204030204" pitchFamily="34" charset="0"/>
+                                <a:cs typeface="Times New Roman" panose="02020603050405020304" pitchFamily="18" charset="0"/>
+                              </a:rPr>
+                              <m:t>𝑖</m:t>
+                            </m:r>
+                          </m:e>
+                          <m:sub>
+                            <m:r>
+                              <a:rPr lang="ru-RU" sz="1800" i="1">
+                                <a:effectLst/>
+                                <a:latin typeface="Cambria Math" panose="02040503050406030204" pitchFamily="18" charset="0"/>
+                                <a:ea typeface="Calibri" panose="020F0502020204030204" pitchFamily="34" charset="0"/>
+                                <a:cs typeface="Times New Roman" panose="02020603050405020304" pitchFamily="18" charset="0"/>
+                              </a:rPr>
+                              <m:t>𝑟</m:t>
+                            </m:r>
+                          </m:sub>
+                        </m:sSub>
+                      </m:sub>
+                    </m:sSub>
+                    <m:r>
+                      <a:rPr lang="ru-RU" sz="1800" i="1">
+                        <a:effectLst/>
+                        <a:latin typeface="Cambria Math" panose="02040503050406030204" pitchFamily="18" charset="0"/>
+                        <a:ea typeface="Calibri" panose="020F0502020204030204" pitchFamily="34" charset="0"/>
+                        <a:cs typeface="Times New Roman" panose="02020603050405020304" pitchFamily="18" charset="0"/>
+                      </a:rPr>
+                      <m:t>,путь </m:t>
+                    </m:r>
+                    <m:r>
+                      <a:rPr lang="ru-RU" sz="1800" i="1">
+                        <a:effectLst/>
+                        <a:latin typeface="Cambria Math" panose="02040503050406030204" pitchFamily="18" charset="0"/>
+                        <a:ea typeface="Calibri" panose="020F0502020204030204" pitchFamily="34" charset="0"/>
+                        <a:cs typeface="Times New Roman" panose="02020603050405020304" pitchFamily="18" charset="0"/>
+                      </a:rPr>
+                      <m:t>𝑃</m:t>
+                    </m:r>
+                    <m:r>
+                      <a:rPr lang="ru-RU" sz="1800" i="1">
+                        <a:effectLst/>
+                        <a:latin typeface="Cambria Math" panose="02040503050406030204" pitchFamily="18" charset="0"/>
+                        <a:ea typeface="Calibri" panose="020F0502020204030204" pitchFamily="34" charset="0"/>
+                        <a:cs typeface="Times New Roman" panose="02020603050405020304" pitchFamily="18" charset="0"/>
+                      </a:rPr>
+                      <m:t>(</m:t>
+                    </m:r>
+                    <m:r>
+                      <a:rPr lang="ru-RU" sz="1800" i="1">
+                        <a:effectLst/>
+                        <a:latin typeface="Cambria Math" panose="02040503050406030204" pitchFamily="18" charset="0"/>
+                        <a:ea typeface="Calibri" panose="020F0502020204030204" pitchFamily="34" charset="0"/>
+                        <a:cs typeface="Times New Roman" panose="02020603050405020304" pitchFamily="18" charset="0"/>
+                      </a:rPr>
+                      <m:t>𝑢</m:t>
+                    </m:r>
+                    <m:r>
+                      <a:rPr lang="ru-RU" sz="1800" i="1">
+                        <a:effectLst/>
+                        <a:latin typeface="Cambria Math" panose="02040503050406030204" pitchFamily="18" charset="0"/>
+                        <a:ea typeface="Calibri" panose="020F0502020204030204" pitchFamily="34" charset="0"/>
+                        <a:cs typeface="Times New Roman" panose="02020603050405020304" pitchFamily="18" charset="0"/>
+                      </a:rPr>
+                      <m:t>,</m:t>
+                    </m:r>
+                    <m:r>
+                      <a:rPr lang="ru-RU" sz="1800" i="1">
+                        <a:effectLst/>
+                        <a:latin typeface="Cambria Math" panose="02040503050406030204" pitchFamily="18" charset="0"/>
+                        <a:ea typeface="Calibri" panose="020F0502020204030204" pitchFamily="34" charset="0"/>
+                        <a:cs typeface="Times New Roman" panose="02020603050405020304" pitchFamily="18" charset="0"/>
+                      </a:rPr>
+                      <m:t>𝑣</m:t>
+                    </m:r>
+                    <m:r>
+                      <a:rPr lang="ru-RU" sz="1800" i="1">
+                        <a:effectLst/>
+                        <a:latin typeface="Cambria Math" panose="02040503050406030204" pitchFamily="18" charset="0"/>
+                        <a:ea typeface="Calibri" panose="020F0502020204030204" pitchFamily="34" charset="0"/>
+                        <a:cs typeface="Times New Roman" panose="02020603050405020304" pitchFamily="18" charset="0"/>
+                      </a:rPr>
+                      <m:t>) в порядке </m:t>
+                    </m:r>
+                    <m:r>
+                      <a:rPr lang="ru-RU" sz="1800" i="1">
+                        <a:effectLst/>
+                        <a:latin typeface="Cambria Math" panose="02040503050406030204" pitchFamily="18" charset="0"/>
+                        <a:ea typeface="Calibri" panose="020F0502020204030204" pitchFamily="34" charset="0"/>
+                        <a:cs typeface="Times New Roman" panose="02020603050405020304" pitchFamily="18" charset="0"/>
+                      </a:rPr>
+                      <m:t>𝜎</m:t>
+                    </m:r>
+                    <m:r>
+                      <a:rPr lang="ru-RU" sz="1800" i="1">
+                        <a:effectLst/>
+                        <a:latin typeface="Cambria Math" panose="02040503050406030204" pitchFamily="18" charset="0"/>
+                        <a:ea typeface="Calibri" panose="020F0502020204030204" pitchFamily="34" charset="0"/>
+                        <a:cs typeface="Times New Roman" panose="02020603050405020304" pitchFamily="18" charset="0"/>
+                      </a:rPr>
+                      <m:t>}</m:t>
+                    </m:r>
+                  </m:oMath>
+                </a14:m>
+                <a:endParaRPr lang="en-US" sz="1800" dirty="0">
+                  <a:effectLst/>
+                  <a:ea typeface="Calibri" panose="020F0502020204030204" pitchFamily="34" charset="0"/>
+                  <a:cs typeface="F"/>
+                </a:endParaRPr>
+              </a:p>
+              <a:p>
+                <a:pPr marL="285750" indent="-285750">
+                  <a:buFont typeface="Arial" panose="020B0604020202020204" pitchFamily="34" charset="0"/>
+                  <a:buChar char="•"/>
+                </a:pPr>
+                <a:r>
+                  <a:rPr lang="ru-RU" dirty="0"/>
+                  <a:t>Удаляем кластеры </a:t>
+                </a:r>
+                <a14:m>
+                  <m:oMath xmlns:m="http://schemas.openxmlformats.org/officeDocument/2006/math">
+                    <m:sSub>
+                      <m:sSubPr>
+                        <m:ctrlPr>
+                          <a:rPr lang="ru-RU" i="1">
+                            <a:latin typeface="Cambria Math" panose="02040503050406030204" pitchFamily="18" charset="0"/>
+                          </a:rPr>
+                        </m:ctrlPr>
+                      </m:sSubPr>
+                      <m:e>
+                        <m:r>
+                          <a:rPr lang="ru-RU" i="1">
+                            <a:latin typeface="Cambria Math" panose="02040503050406030204" pitchFamily="18" charset="0"/>
+                            <a:ea typeface="Calibri" panose="020F0502020204030204" pitchFamily="34" charset="0"/>
+                            <a:cs typeface="F"/>
+                          </a:rPr>
+                          <m:t>𝑉</m:t>
+                        </m:r>
+                      </m:e>
+                      <m:sub>
+                        <m:sSub>
+                          <m:sSubPr>
+                            <m:ctrlPr>
+                              <a:rPr lang="ru-RU" i="1">
+                                <a:latin typeface="Cambria Math" panose="02040503050406030204" pitchFamily="18" charset="0"/>
+                              </a:rPr>
+                            </m:ctrlPr>
+                          </m:sSubPr>
+                          <m:e>
+                            <m:r>
+                              <a:rPr lang="ru-RU" i="1">
+                                <a:latin typeface="Cambria Math" panose="02040503050406030204" pitchFamily="18" charset="0"/>
+                                <a:ea typeface="Calibri" panose="020F0502020204030204" pitchFamily="34" charset="0"/>
+                                <a:cs typeface="F"/>
+                              </a:rPr>
+                              <m:t>𝑖</m:t>
+                            </m:r>
+                          </m:e>
+                          <m:sub>
+                            <m:r>
+                              <a:rPr lang="ru-RU" i="1">
+                                <a:latin typeface="Cambria Math" panose="02040503050406030204" pitchFamily="18" charset="0"/>
+                                <a:ea typeface="Calibri" panose="020F0502020204030204" pitchFamily="34" charset="0"/>
+                                <a:cs typeface="F"/>
+                              </a:rPr>
+                              <m:t>2</m:t>
+                            </m:r>
+                          </m:sub>
+                        </m:sSub>
+                      </m:sub>
+                    </m:sSub>
+                    <m:r>
+                      <a:rPr lang="ru-RU" i="1">
+                        <a:latin typeface="Cambria Math" panose="02040503050406030204" pitchFamily="18" charset="0"/>
+                        <a:ea typeface="Calibri" panose="020F0502020204030204" pitchFamily="34" charset="0"/>
+                        <a:cs typeface="F"/>
+                      </a:rPr>
+                      <m:t>,…</m:t>
+                    </m:r>
+                    <m:sSub>
+                      <m:sSubPr>
+                        <m:ctrlPr>
+                          <a:rPr lang="ru-RU" i="1">
+                            <a:latin typeface="Cambria Math" panose="02040503050406030204" pitchFamily="18" charset="0"/>
+                          </a:rPr>
+                        </m:ctrlPr>
+                      </m:sSubPr>
+                      <m:e>
+                        <m:r>
+                          <a:rPr lang="ru-RU" i="1">
+                            <a:latin typeface="Cambria Math" panose="02040503050406030204" pitchFamily="18" charset="0"/>
+                            <a:ea typeface="Calibri" panose="020F0502020204030204" pitchFamily="34" charset="0"/>
+                            <a:cs typeface="F"/>
+                          </a:rPr>
+                          <m:t>𝑉</m:t>
+                        </m:r>
+                      </m:e>
+                      <m:sub>
+                        <m:sSub>
+                          <m:sSubPr>
+                            <m:ctrlPr>
+                              <a:rPr lang="ru-RU" i="1">
+                                <a:latin typeface="Cambria Math" panose="02040503050406030204" pitchFamily="18" charset="0"/>
+                              </a:rPr>
+                            </m:ctrlPr>
+                          </m:sSubPr>
+                          <m:e>
+                            <m:r>
+                              <a:rPr lang="ru-RU" i="1">
+                                <a:latin typeface="Cambria Math" panose="02040503050406030204" pitchFamily="18" charset="0"/>
+                                <a:ea typeface="Calibri" panose="020F0502020204030204" pitchFamily="34" charset="0"/>
+                                <a:cs typeface="F"/>
+                              </a:rPr>
+                              <m:t>𝑖</m:t>
+                            </m:r>
+                          </m:e>
+                          <m:sub>
+                            <m:r>
+                              <a:rPr lang="ru-RU" i="1">
+                                <a:latin typeface="Cambria Math" panose="02040503050406030204" pitchFamily="18" charset="0"/>
+                                <a:ea typeface="Calibri" panose="020F0502020204030204" pitchFamily="34" charset="0"/>
+                                <a:cs typeface="F"/>
+                              </a:rPr>
+                              <m:t>𝑟</m:t>
+                            </m:r>
+                            <m:r>
+                              <a:rPr lang="ru-RU" b="0" i="1" smtClean="0">
+                                <a:latin typeface="Cambria Math" panose="02040503050406030204" pitchFamily="18" charset="0"/>
+                                <a:ea typeface="Calibri" panose="020F0502020204030204" pitchFamily="34" charset="0"/>
+                                <a:cs typeface="F"/>
+                              </a:rPr>
+                              <m:t>−1</m:t>
+                            </m:r>
+                          </m:sub>
+                        </m:sSub>
+                      </m:sub>
+                    </m:sSub>
+                  </m:oMath>
+                </a14:m>
+                <a:endParaRPr lang="ru-RU" dirty="0"/>
+              </a:p>
+              <a:p>
+                <a:pPr marL="285750" indent="-285750">
+                  <a:buFont typeface="Arial" panose="020B0604020202020204" pitchFamily="34" charset="0"/>
+                  <a:buChar char="•"/>
+                </a:pPr>
+                <a:r>
+                  <a:rPr lang="ru-RU" dirty="0"/>
+                  <a:t>Назначаем </a:t>
+                </a:r>
+                <a14:m>
+                  <m:oMath xmlns:m="http://schemas.openxmlformats.org/officeDocument/2006/math">
+                    <m:r>
+                      <a:rPr lang="ru-RU" sz="1800" i="1" smtClean="0">
+                        <a:effectLst/>
+                        <a:latin typeface="Cambria Math" panose="02040503050406030204" pitchFamily="18" charset="0"/>
+                        <a:ea typeface="Calibri" panose="020F0502020204030204" pitchFamily="34" charset="0"/>
+                        <a:cs typeface="Times New Roman" panose="02020603050405020304" pitchFamily="18" charset="0"/>
+                      </a:rPr>
+                      <m:t>𝑐</m:t>
+                    </m:r>
+                    <m:d>
+                      <m:dPr>
+                        <m:ctrlPr>
+                          <a:rPr lang="ru-RU" sz="1800" i="1" smtClean="0">
+                            <a:effectLst/>
+                            <a:latin typeface="Cambria Math" panose="02040503050406030204" pitchFamily="18" charset="0"/>
+                            <a:ea typeface="Calibri" panose="020F0502020204030204" pitchFamily="34" charset="0"/>
+                            <a:cs typeface="Times New Roman" panose="02020603050405020304" pitchFamily="18" charset="0"/>
+                          </a:rPr>
+                        </m:ctrlPr>
+                      </m:dPr>
+                      <m:e>
+                        <m:r>
+                          <a:rPr lang="ru-RU" sz="1800" i="1" smtClean="0">
+                            <a:effectLst/>
+                            <a:latin typeface="Cambria Math" panose="02040503050406030204" pitchFamily="18" charset="0"/>
+                            <a:ea typeface="Calibri" panose="020F0502020204030204" pitchFamily="34" charset="0"/>
+                            <a:cs typeface="Times New Roman" panose="02020603050405020304" pitchFamily="18" charset="0"/>
+                          </a:rPr>
+                          <m:t>𝑣</m:t>
+                        </m:r>
+                        <m:r>
+                          <a:rPr lang="ru-RU" sz="1800" i="1" smtClean="0">
+                            <a:effectLst/>
+                            <a:latin typeface="Cambria Math" panose="02040503050406030204" pitchFamily="18" charset="0"/>
+                            <a:ea typeface="Calibri" panose="020F0502020204030204" pitchFamily="34" charset="0"/>
+                            <a:cs typeface="Times New Roman" panose="02020603050405020304" pitchFamily="18" charset="0"/>
+                          </a:rPr>
+                          <m:t>,</m:t>
+                        </m:r>
+                        <m:r>
+                          <a:rPr lang="ru-RU" sz="1800" i="1" smtClean="0">
+                            <a:effectLst/>
+                            <a:latin typeface="Cambria Math" panose="02040503050406030204" pitchFamily="18" charset="0"/>
+                            <a:ea typeface="Calibri" panose="020F0502020204030204" pitchFamily="34" charset="0"/>
+                            <a:cs typeface="Times New Roman" panose="02020603050405020304" pitchFamily="18" charset="0"/>
+                          </a:rPr>
+                          <m:t>𝑢</m:t>
+                        </m:r>
+                      </m:e>
+                    </m:d>
+                    <m:r>
+                      <a:rPr lang="ru-RU" sz="1800" i="1" smtClean="0">
+                        <a:effectLst/>
+                        <a:latin typeface="Cambria Math" panose="02040503050406030204" pitchFamily="18" charset="0"/>
+                        <a:ea typeface="Calibri" panose="020F0502020204030204" pitchFamily="34" charset="0"/>
+                        <a:cs typeface="Times New Roman" panose="02020603050405020304" pitchFamily="18" charset="0"/>
+                      </a:rPr>
+                      <m:t>=0,</m:t>
+                    </m:r>
+                    <m:r>
+                      <a:rPr lang="ru-RU" sz="1800">
+                        <a:effectLst/>
+                        <a:latin typeface="Cambria Math" panose="02040503050406030204" pitchFamily="18" charset="0"/>
+                        <a:ea typeface="Calibri" panose="020F0502020204030204" pitchFamily="34" charset="0"/>
+                        <a:cs typeface="Times New Roman" panose="02020603050405020304" pitchFamily="18" charset="0"/>
+                      </a:rPr>
+                      <m:t>∀</m:t>
+                    </m:r>
+                    <m:r>
+                      <a:rPr lang="ru-RU" sz="1800" i="1">
+                        <a:effectLst/>
+                        <a:latin typeface="Cambria Math" panose="02040503050406030204" pitchFamily="18" charset="0"/>
+                        <a:ea typeface="Calibri" panose="020F0502020204030204" pitchFamily="34" charset="0"/>
+                        <a:cs typeface="Times New Roman" panose="02020603050405020304" pitchFamily="18" charset="0"/>
+                      </a:rPr>
+                      <m:t>𝑣</m:t>
+                    </m:r>
+                    <m:r>
+                      <a:rPr lang="ru-RU" sz="1800" i="1">
+                        <a:effectLst/>
+                        <a:latin typeface="Cambria Math" panose="02040503050406030204" pitchFamily="18" charset="0"/>
+                        <a:ea typeface="Calibri" panose="020F0502020204030204" pitchFamily="34" charset="0"/>
+                        <a:cs typeface="Times New Roman" panose="02020603050405020304" pitchFamily="18" charset="0"/>
+                      </a:rPr>
+                      <m:t>∈</m:t>
+                    </m:r>
+                    <m:sSub>
+                      <m:sSubPr>
+                        <m:ctrlPr>
+                          <a:rPr lang="ru-RU" i="1">
+                            <a:effectLst/>
+                            <a:latin typeface="Cambria Math" panose="02040503050406030204" pitchFamily="18" charset="0"/>
+                          </a:rPr>
+                        </m:ctrlPr>
+                      </m:sSubPr>
+                      <m:e>
+                        <m:r>
+                          <a:rPr lang="ru-RU" sz="1800" i="1">
+                            <a:effectLst/>
+                            <a:latin typeface="Cambria Math" panose="02040503050406030204" pitchFamily="18" charset="0"/>
+                            <a:ea typeface="Calibri" panose="020F0502020204030204" pitchFamily="34" charset="0"/>
+                            <a:cs typeface="Times New Roman" panose="02020603050405020304" pitchFamily="18" charset="0"/>
+                          </a:rPr>
+                          <m:t>𝑉</m:t>
+                        </m:r>
+                      </m:e>
+                      <m:sub>
+                        <m:sSub>
+                          <m:sSubPr>
+                            <m:ctrlPr>
+                              <a:rPr lang="ru-RU" i="1">
+                                <a:effectLst/>
+                                <a:latin typeface="Cambria Math" panose="02040503050406030204" pitchFamily="18" charset="0"/>
+                              </a:rPr>
+                            </m:ctrlPr>
+                          </m:sSubPr>
+                          <m:e>
+                            <m:r>
+                              <a:rPr lang="ru-RU" sz="1800" i="1">
+                                <a:effectLst/>
+                                <a:latin typeface="Cambria Math" panose="02040503050406030204" pitchFamily="18" charset="0"/>
+                                <a:ea typeface="Calibri" panose="020F0502020204030204" pitchFamily="34" charset="0"/>
+                                <a:cs typeface="Times New Roman" panose="02020603050405020304" pitchFamily="18" charset="0"/>
+                              </a:rPr>
+                              <m:t>𝑖</m:t>
+                            </m:r>
+                          </m:e>
+                          <m:sub>
+                            <m:r>
+                              <a:rPr lang="ru-RU" sz="1800" i="1">
+                                <a:effectLst/>
+                                <a:latin typeface="Cambria Math" panose="02040503050406030204" pitchFamily="18" charset="0"/>
+                                <a:ea typeface="Calibri" panose="020F0502020204030204" pitchFamily="34" charset="0"/>
+                                <a:cs typeface="Times New Roman" panose="02020603050405020304" pitchFamily="18" charset="0"/>
+                              </a:rPr>
+                              <m:t>1</m:t>
+                            </m:r>
+                          </m:sub>
+                        </m:sSub>
+                      </m:sub>
+                    </m:sSub>
+                    <m:r>
+                      <a:rPr lang="ru-RU" sz="1800" i="1">
+                        <a:effectLst/>
+                        <a:latin typeface="Cambria Math" panose="02040503050406030204" pitchFamily="18" charset="0"/>
+                        <a:ea typeface="Calibri" panose="020F0502020204030204" pitchFamily="34" charset="0"/>
+                        <a:cs typeface="Times New Roman" panose="02020603050405020304" pitchFamily="18" charset="0"/>
+                      </a:rPr>
+                      <m:t>,</m:t>
+                    </m:r>
+                    <m:r>
+                      <a:rPr lang="ru-RU" sz="1800" i="1">
+                        <a:effectLst/>
+                        <a:latin typeface="Cambria Math" panose="02040503050406030204" pitchFamily="18" charset="0"/>
+                        <a:ea typeface="Calibri" panose="020F0502020204030204" pitchFamily="34" charset="0"/>
+                        <a:cs typeface="Times New Roman" panose="02020603050405020304" pitchFamily="18" charset="0"/>
+                      </a:rPr>
+                      <m:t>𝑢</m:t>
+                    </m:r>
+                    <m:r>
+                      <a:rPr lang="ru-RU" sz="1800" i="1">
+                        <a:effectLst/>
+                        <a:latin typeface="Cambria Math" panose="02040503050406030204" pitchFamily="18" charset="0"/>
+                        <a:ea typeface="Calibri" panose="020F0502020204030204" pitchFamily="34" charset="0"/>
+                        <a:cs typeface="Times New Roman" panose="02020603050405020304" pitchFamily="18" charset="0"/>
+                      </a:rPr>
+                      <m:t>∈</m:t>
+                    </m:r>
+                    <m:sSub>
+                      <m:sSubPr>
+                        <m:ctrlPr>
+                          <a:rPr lang="ru-RU" i="1">
+                            <a:effectLst/>
+                            <a:latin typeface="Cambria Math" panose="02040503050406030204" pitchFamily="18" charset="0"/>
+                          </a:rPr>
+                        </m:ctrlPr>
+                      </m:sSubPr>
+                      <m:e>
+                        <m:r>
+                          <a:rPr lang="ru-RU" sz="1800" i="1">
+                            <a:effectLst/>
+                            <a:latin typeface="Cambria Math" panose="02040503050406030204" pitchFamily="18" charset="0"/>
+                            <a:ea typeface="Calibri" panose="020F0502020204030204" pitchFamily="34" charset="0"/>
+                            <a:cs typeface="Times New Roman" panose="02020603050405020304" pitchFamily="18" charset="0"/>
+                          </a:rPr>
+                          <m:t>𝑉</m:t>
+                        </m:r>
+                      </m:e>
+                      <m:sub>
+                        <m:sSub>
+                          <m:sSubPr>
+                            <m:ctrlPr>
+                              <a:rPr lang="ru-RU" i="1">
+                                <a:effectLst/>
+                                <a:latin typeface="Cambria Math" panose="02040503050406030204" pitchFamily="18" charset="0"/>
+                              </a:rPr>
+                            </m:ctrlPr>
+                          </m:sSubPr>
+                          <m:e>
+                            <m:r>
+                              <a:rPr lang="ru-RU" sz="1800" i="1">
+                                <a:effectLst/>
+                                <a:latin typeface="Cambria Math" panose="02040503050406030204" pitchFamily="18" charset="0"/>
+                                <a:ea typeface="Calibri" panose="020F0502020204030204" pitchFamily="34" charset="0"/>
+                                <a:cs typeface="Times New Roman" panose="02020603050405020304" pitchFamily="18" charset="0"/>
+                              </a:rPr>
+                              <m:t>𝑖</m:t>
+                            </m:r>
+                          </m:e>
+                          <m:sub>
+                            <m:r>
+                              <a:rPr lang="ru-RU" sz="1800" i="1">
+                                <a:effectLst/>
+                                <a:latin typeface="Cambria Math" panose="02040503050406030204" pitchFamily="18" charset="0"/>
+                                <a:ea typeface="Calibri" panose="020F0502020204030204" pitchFamily="34" charset="0"/>
+                                <a:cs typeface="Times New Roman" panose="02020603050405020304" pitchFamily="18" charset="0"/>
+                              </a:rPr>
+                              <m:t>𝑟</m:t>
+                            </m:r>
+                          </m:sub>
+                        </m:sSub>
+                      </m:sub>
+                    </m:sSub>
+                  </m:oMath>
+                </a14:m>
+                <a:endParaRPr lang="ru-RU" sz="1800" dirty="0">
+                  <a:effectLst/>
+                  <a:ea typeface="Calibri" panose="020F0502020204030204" pitchFamily="34" charset="0"/>
+                  <a:cs typeface="Times New Roman" panose="02020603050405020304" pitchFamily="18" charset="0"/>
+                </a:endParaRPr>
+              </a:p>
+              <a:p>
+                <a:pPr marL="285750" indent="-285750">
+                  <a:buFont typeface="Arial" panose="020B0604020202020204" pitchFamily="34" charset="0"/>
+                  <a:buChar char="•"/>
+                </a:pPr>
+                <a:r>
+                  <a:rPr lang="ru-RU" sz="1800" dirty="0">
+                    <a:effectLst/>
+                    <a:ea typeface="Calibri" panose="020F0502020204030204" pitchFamily="34" charset="0"/>
+                    <a:cs typeface="Times New Roman" panose="02020603050405020304" pitchFamily="18" charset="0"/>
+                  </a:rPr>
+                  <a:t>Удаляем рёбра </a:t>
+                </a:r>
+                <a14:m>
+                  <m:oMath xmlns:m="http://schemas.openxmlformats.org/officeDocument/2006/math">
+                    <m:r>
+                      <a:rPr lang="ru-RU" sz="1800" i="1" smtClean="0">
+                        <a:effectLst/>
+                        <a:latin typeface="Cambria Math" panose="02040503050406030204" pitchFamily="18" charset="0"/>
+                        <a:ea typeface="Calibri" panose="020F0502020204030204" pitchFamily="34" charset="0"/>
+                        <a:cs typeface="Times New Roman" panose="02020603050405020304" pitchFamily="18" charset="0"/>
+                      </a:rPr>
+                      <m:t>(</m:t>
+                    </m:r>
+                    <m:r>
+                      <a:rPr lang="ru-RU" sz="1800" i="1" smtClean="0">
+                        <a:effectLst/>
+                        <a:latin typeface="Cambria Math" panose="02040503050406030204" pitchFamily="18" charset="0"/>
+                        <a:ea typeface="Calibri" panose="020F0502020204030204" pitchFamily="34" charset="0"/>
+                        <a:cs typeface="Times New Roman" panose="02020603050405020304" pitchFamily="18" charset="0"/>
+                      </a:rPr>
+                      <m:t>𝑢</m:t>
+                    </m:r>
+                    <m:r>
+                      <a:rPr lang="ru-RU" sz="1800" i="1" smtClean="0">
+                        <a:effectLst/>
+                        <a:latin typeface="Cambria Math" panose="02040503050406030204" pitchFamily="18" charset="0"/>
+                        <a:ea typeface="Calibri" panose="020F0502020204030204" pitchFamily="34" charset="0"/>
+                        <a:cs typeface="Times New Roman" panose="02020603050405020304" pitchFamily="18" charset="0"/>
+                      </a:rPr>
+                      <m:t>,</m:t>
+                    </m:r>
+                    <m:r>
+                      <a:rPr lang="ru-RU" sz="1800" i="1" smtClean="0">
+                        <a:effectLst/>
+                        <a:latin typeface="Cambria Math" panose="02040503050406030204" pitchFamily="18" charset="0"/>
+                        <a:ea typeface="Calibri" panose="020F0502020204030204" pitchFamily="34" charset="0"/>
+                        <a:cs typeface="Times New Roman" panose="02020603050405020304" pitchFamily="18" charset="0"/>
+                      </a:rPr>
+                      <m:t>𝑣</m:t>
+                    </m:r>
+                    <m:r>
+                      <a:rPr lang="ru-RU" sz="1800" i="1" smtClean="0">
+                        <a:effectLst/>
+                        <a:latin typeface="Cambria Math" panose="02040503050406030204" pitchFamily="18" charset="0"/>
+                        <a:ea typeface="Calibri" panose="020F0502020204030204" pitchFamily="34" charset="0"/>
+                        <a:cs typeface="Times New Roman" panose="02020603050405020304" pitchFamily="18" charset="0"/>
+                      </a:rPr>
+                      <m:t>):(</m:t>
+                    </m:r>
+                    <m:r>
+                      <a:rPr lang="ru-RU" sz="1800" i="1" smtClean="0">
+                        <a:effectLst/>
+                        <a:latin typeface="Cambria Math" panose="02040503050406030204" pitchFamily="18" charset="0"/>
+                        <a:ea typeface="Calibri" panose="020F0502020204030204" pitchFamily="34" charset="0"/>
+                        <a:cs typeface="Times New Roman" panose="02020603050405020304" pitchFamily="18" charset="0"/>
+                      </a:rPr>
+                      <m:t>𝑉</m:t>
+                    </m:r>
+                    <m:r>
+                      <a:rPr lang="ru-RU" sz="1800" i="1" smtClean="0">
+                        <a:effectLst/>
+                        <a:latin typeface="Cambria Math" panose="02040503050406030204" pitchFamily="18" charset="0"/>
+                        <a:ea typeface="Calibri" panose="020F0502020204030204" pitchFamily="34" charset="0"/>
+                        <a:cs typeface="Times New Roman" panose="02020603050405020304" pitchFamily="18" charset="0"/>
+                      </a:rPr>
+                      <m:t>(</m:t>
+                    </m:r>
+                    <m:r>
+                      <a:rPr lang="ru-RU" sz="1800" i="1" smtClean="0">
+                        <a:effectLst/>
+                        <a:latin typeface="Cambria Math" panose="02040503050406030204" pitchFamily="18" charset="0"/>
+                        <a:ea typeface="Calibri" panose="020F0502020204030204" pitchFamily="34" charset="0"/>
+                        <a:cs typeface="Times New Roman" panose="02020603050405020304" pitchFamily="18" charset="0"/>
+                      </a:rPr>
+                      <m:t>𝑣</m:t>
+                    </m:r>
+                    <m:r>
+                      <a:rPr lang="ru-RU" sz="1800" i="1" smtClean="0">
+                        <a:effectLst/>
+                        <a:latin typeface="Cambria Math" panose="02040503050406030204" pitchFamily="18" charset="0"/>
+                        <a:ea typeface="Calibri" panose="020F0502020204030204" pitchFamily="34" charset="0"/>
+                        <a:cs typeface="Times New Roman" panose="02020603050405020304" pitchFamily="18" charset="0"/>
+                      </a:rPr>
+                      <m:t>),</m:t>
+                    </m:r>
+                    <m:r>
+                      <a:rPr lang="ru-RU" sz="1800" i="1" smtClean="0">
+                        <a:effectLst/>
+                        <a:latin typeface="Cambria Math" panose="02040503050406030204" pitchFamily="18" charset="0"/>
+                        <a:ea typeface="Calibri" panose="020F0502020204030204" pitchFamily="34" charset="0"/>
+                        <a:cs typeface="Times New Roman" panose="02020603050405020304" pitchFamily="18" charset="0"/>
+                      </a:rPr>
+                      <m:t>𝑉</m:t>
+                    </m:r>
+                    <m:r>
+                      <a:rPr lang="ru-RU" sz="1800" i="1" smtClean="0">
+                        <a:effectLst/>
+                        <a:latin typeface="Cambria Math" panose="02040503050406030204" pitchFamily="18" charset="0"/>
+                        <a:ea typeface="Calibri" panose="020F0502020204030204" pitchFamily="34" charset="0"/>
+                        <a:cs typeface="Times New Roman" panose="02020603050405020304" pitchFamily="18" charset="0"/>
+                      </a:rPr>
+                      <m:t>(</m:t>
+                    </m:r>
+                    <m:r>
+                      <a:rPr lang="ru-RU" sz="1800" i="1" smtClean="0">
+                        <a:effectLst/>
+                        <a:latin typeface="Cambria Math" panose="02040503050406030204" pitchFamily="18" charset="0"/>
+                        <a:ea typeface="Calibri" panose="020F0502020204030204" pitchFamily="34" charset="0"/>
+                        <a:cs typeface="Times New Roman" panose="02020603050405020304" pitchFamily="18" charset="0"/>
+                      </a:rPr>
+                      <m:t>𝑢</m:t>
+                    </m:r>
+                    <m:r>
+                      <a:rPr lang="ru-RU" sz="1800" i="1" smtClean="0">
+                        <a:effectLst/>
+                        <a:latin typeface="Cambria Math" panose="02040503050406030204" pitchFamily="18" charset="0"/>
+                        <a:ea typeface="Calibri" panose="020F0502020204030204" pitchFamily="34" charset="0"/>
+                        <a:cs typeface="Times New Roman" panose="02020603050405020304" pitchFamily="18" charset="0"/>
+                      </a:rPr>
+                      <m:t>))∈</m:t>
+                    </m:r>
+                    <m:r>
+                      <a:rPr lang="ru-RU" sz="1800" i="1" smtClean="0">
+                        <a:effectLst/>
+                        <a:latin typeface="Cambria Math" panose="02040503050406030204" pitchFamily="18" charset="0"/>
+                        <a:ea typeface="Calibri" panose="020F0502020204030204" pitchFamily="34" charset="0"/>
+                        <a:cs typeface="Times New Roman" panose="02020603050405020304" pitchFamily="18" charset="0"/>
+                      </a:rPr>
+                      <m:t>𝐴</m:t>
+                    </m:r>
+                  </m:oMath>
+                </a14:m>
+                <a:endParaRPr lang="en-US" sz="1800" dirty="0">
+                  <a:effectLst/>
+                  <a:ea typeface="Calibri" panose="020F0502020204030204" pitchFamily="34" charset="0"/>
+                  <a:cs typeface="Times New Roman" panose="02020603050405020304" pitchFamily="18" charset="0"/>
+                </a:endParaRPr>
+              </a:p>
+              <a:p>
+                <a:pPr marL="285750" indent="-285750">
+                  <a:buFont typeface="Arial" panose="020B0604020202020204" pitchFamily="34" charset="0"/>
+                  <a:buChar char="•"/>
+                </a:pPr>
+                <a:r>
+                  <a:rPr lang="ru-RU" dirty="0"/>
+                  <a:t>Остальные веса сохраняем</a:t>
+                </a:r>
+                <a:endParaRPr lang="en-US" dirty="0"/>
+              </a:p>
+              <a:p>
+                <a:pPr marL="285750" indent="-285750">
+                  <a:buFont typeface="Arial" panose="020B0604020202020204" pitchFamily="34" charset="0"/>
+                  <a:buChar char="•"/>
+                </a:pPr>
+                <a:r>
+                  <a:rPr lang="ru-RU" sz="1800" dirty="0">
+                    <a:effectLst/>
+                    <a:ea typeface="Calibri" panose="020F0502020204030204" pitchFamily="34" charset="0"/>
+                    <a:cs typeface="F"/>
+                  </a:rPr>
+                  <a:t>Релаксация </a:t>
+                </a:r>
+                <a14:m>
+                  <m:oMath xmlns:m="http://schemas.openxmlformats.org/officeDocument/2006/math">
+                    <m:r>
+                      <a:rPr lang="ru-RU" sz="1800" i="1" smtClean="0">
+                        <a:effectLst/>
+                        <a:latin typeface="Cambria Math" panose="02040503050406030204" pitchFamily="18" charset="0"/>
+                        <a:ea typeface="Calibri" panose="020F0502020204030204" pitchFamily="34" charset="0"/>
+                        <a:cs typeface="F"/>
+                      </a:rPr>
+                      <m:t>𝒫</m:t>
+                    </m:r>
+                  </m:oMath>
+                </a14:m>
+                <a:r>
+                  <a:rPr lang="en-US" dirty="0"/>
+                  <a:t> </a:t>
+                </a:r>
+                <a:r>
+                  <a:rPr lang="en-US" dirty="0">
+                    <a:sym typeface="Symbol" panose="05050102010706020507" pitchFamily="18" charset="2"/>
+                  </a:rPr>
+                  <a:t> </a:t>
+                </a:r>
+                <a14:m>
+                  <m:oMath xmlns:m="http://schemas.openxmlformats.org/officeDocument/2006/math">
+                    <m:sSub>
+                      <m:sSubPr>
+                        <m:ctrlPr>
+                          <a:rPr lang="ru-RU" i="1">
+                            <a:latin typeface="Cambria Math" panose="02040503050406030204" pitchFamily="18" charset="0"/>
+                          </a:rPr>
+                        </m:ctrlPr>
+                      </m:sSubPr>
+                      <m:e>
+                        <m:r>
+                          <a:rPr lang="ru-RU" i="1">
+                            <a:latin typeface="Cambria Math" panose="02040503050406030204" pitchFamily="18" charset="0"/>
+                            <a:ea typeface="Calibri" panose="020F0502020204030204" pitchFamily="34" charset="0"/>
+                            <a:cs typeface="F"/>
+                          </a:rPr>
+                          <m:t>𝒫</m:t>
+                        </m:r>
+                      </m:e>
+                      <m:sub>
+                        <m:r>
+                          <a:rPr lang="ru-RU" i="1">
+                            <a:latin typeface="Cambria Math" panose="02040503050406030204" pitchFamily="18" charset="0"/>
+                            <a:ea typeface="Calibri" panose="020F0502020204030204" pitchFamily="34" charset="0"/>
+                            <a:cs typeface="F"/>
+                          </a:rPr>
+                          <m:t>𝑟𝑒𝑙</m:t>
+                        </m:r>
+                      </m:sub>
+                    </m:sSub>
+                    <m:r>
+                      <a:rPr lang="ru-RU" b="0" i="1" smtClean="0">
+                        <a:latin typeface="Cambria Math" panose="02040503050406030204" pitchFamily="18" charset="0"/>
+                        <a:ea typeface="Calibri" panose="020F0502020204030204" pitchFamily="34" charset="0"/>
+                        <a:cs typeface="F"/>
+                      </a:rPr>
+                      <m:t> (двухступенчатая)</m:t>
+                    </m:r>
+                  </m:oMath>
+                </a14:m>
+                <a:endParaRPr lang="en-US" dirty="0"/>
+              </a:p>
+              <a:p>
+                <a:pPr marL="285750" indent="-285750">
+                  <a:buFont typeface="Arial" panose="020B0604020202020204" pitchFamily="34" charset="0"/>
+                  <a:buChar char="•"/>
+                </a:pPr>
+                <a14:m>
+                  <m:oMath xmlns:m="http://schemas.openxmlformats.org/officeDocument/2006/math">
+                    <m:r>
+                      <a:rPr lang="ru-RU" sz="1800" i="1" smtClean="0">
+                        <a:effectLst/>
+                        <a:latin typeface="Cambria Math" panose="02040503050406030204" pitchFamily="18" charset="0"/>
+                        <a:ea typeface="Calibri" panose="020F0502020204030204" pitchFamily="34" charset="0"/>
+                        <a:cs typeface="F"/>
+                      </a:rPr>
+                      <m:t>𝐿𝐵</m:t>
+                    </m:r>
+                    <m:r>
+                      <a:rPr lang="ru-RU" sz="1800">
+                        <a:effectLst/>
+                        <a:latin typeface="Cambria Math" panose="02040503050406030204" pitchFamily="18" charset="0"/>
+                        <a:ea typeface="Calibri" panose="020F0502020204030204" pitchFamily="34" charset="0"/>
+                        <a:cs typeface="F"/>
+                      </a:rPr>
+                      <m:t>=</m:t>
+                    </m:r>
+                    <m:sSub>
+                      <m:sSubPr>
+                        <m:ctrlPr>
+                          <a:rPr lang="ru-RU" i="1">
+                            <a:effectLst/>
+                            <a:latin typeface="Cambria Math" panose="02040503050406030204" pitchFamily="18" charset="0"/>
+                          </a:rPr>
+                        </m:ctrlPr>
+                      </m:sSubPr>
+                      <m:e>
+                        <m:r>
+                          <a:rPr lang="ru-RU" sz="1800" i="1">
+                            <a:effectLst/>
+                            <a:latin typeface="Cambria Math" panose="02040503050406030204" pitchFamily="18" charset="0"/>
+                            <a:ea typeface="Calibri" panose="020F0502020204030204" pitchFamily="34" charset="0"/>
+                            <a:cs typeface="F"/>
+                          </a:rPr>
+                          <m:t>𝑐</m:t>
+                        </m:r>
+                      </m:e>
+                      <m:sub>
+                        <m:r>
+                          <m:rPr>
+                            <m:sty m:val="p"/>
+                          </m:rPr>
+                          <a:rPr lang="ru-RU" sz="1800">
+                            <a:effectLst/>
+                            <a:latin typeface="Cambria Math" panose="02040503050406030204" pitchFamily="18" charset="0"/>
+                            <a:ea typeface="Calibri" panose="020F0502020204030204" pitchFamily="34" charset="0"/>
+                            <a:cs typeface="F"/>
+                          </a:rPr>
+                          <m:t>min</m:t>
+                        </m:r>
+                      </m:sub>
+                    </m:sSub>
+                    <m:r>
+                      <a:rPr lang="ru-RU" sz="1800">
+                        <a:effectLst/>
+                        <a:latin typeface="Cambria Math" panose="02040503050406030204" pitchFamily="18" charset="0"/>
+                        <a:ea typeface="Calibri" panose="020F0502020204030204" pitchFamily="34" charset="0"/>
+                        <a:cs typeface="F"/>
+                      </a:rPr>
+                      <m:t>+</m:t>
+                    </m:r>
+                    <m:r>
+                      <m:rPr>
+                        <m:sty m:val="p"/>
+                      </m:rPr>
+                      <a:rPr lang="ru-RU" sz="1800">
+                        <a:effectLst/>
+                        <a:latin typeface="Cambria Math" panose="02040503050406030204" pitchFamily="18" charset="0"/>
+                        <a:ea typeface="Calibri" panose="020F0502020204030204" pitchFamily="34" charset="0"/>
+                        <a:cs typeface="F"/>
+                      </a:rPr>
+                      <m:t>OPT</m:t>
+                    </m:r>
+                    <m:r>
+                      <a:rPr lang="ru-RU" sz="1800">
+                        <a:effectLst/>
+                        <a:latin typeface="Cambria Math" panose="02040503050406030204" pitchFamily="18" charset="0"/>
+                        <a:ea typeface="Calibri" panose="020F0502020204030204" pitchFamily="34" charset="0"/>
+                        <a:cs typeface="F"/>
+                      </a:rPr>
+                      <m:t>(</m:t>
+                    </m:r>
+                    <m:sSub>
+                      <m:sSubPr>
+                        <m:ctrlPr>
+                          <a:rPr lang="ru-RU" i="1">
+                            <a:effectLst/>
+                            <a:latin typeface="Cambria Math" panose="02040503050406030204" pitchFamily="18" charset="0"/>
+                          </a:rPr>
+                        </m:ctrlPr>
+                      </m:sSubPr>
+                      <m:e>
+                        <m:r>
+                          <a:rPr lang="ru-RU" sz="1800" i="1">
+                            <a:effectLst/>
+                            <a:latin typeface="Cambria Math" panose="02040503050406030204" pitchFamily="18" charset="0"/>
+                            <a:ea typeface="Calibri" panose="020F0502020204030204" pitchFamily="34" charset="0"/>
+                            <a:cs typeface="F"/>
+                          </a:rPr>
+                          <m:t>𝒫</m:t>
+                        </m:r>
+                      </m:e>
+                      <m:sub>
+                        <m:r>
+                          <a:rPr lang="ru-RU" sz="1800" i="1">
+                            <a:effectLst/>
+                            <a:latin typeface="Cambria Math" panose="02040503050406030204" pitchFamily="18" charset="0"/>
+                            <a:ea typeface="Calibri" panose="020F0502020204030204" pitchFamily="34" charset="0"/>
+                            <a:cs typeface="F"/>
+                          </a:rPr>
+                          <m:t>𝑟𝑒𝑙</m:t>
+                        </m:r>
+                      </m:sub>
+                    </m:sSub>
+                    <m:r>
+                      <a:rPr lang="ru-RU" sz="1800">
+                        <a:effectLst/>
+                        <a:latin typeface="Cambria Math" panose="02040503050406030204" pitchFamily="18" charset="0"/>
+                        <a:ea typeface="Calibri" panose="020F0502020204030204" pitchFamily="34" charset="0"/>
+                        <a:cs typeface="F"/>
+                      </a:rPr>
+                      <m:t>)</m:t>
+                    </m:r>
+                  </m:oMath>
+                </a14:m>
+                <a:endParaRPr lang="en-US" dirty="0"/>
+              </a:p>
+              <a:p>
+                <a:pPr marL="285750" indent="-285750">
+                  <a:buFont typeface="Arial" panose="020B0604020202020204" pitchFamily="34" charset="0"/>
+                  <a:buChar char="•"/>
+                </a:pPr>
+                <a:endParaRPr lang="ru-RU" dirty="0"/>
+              </a:p>
+            </p:txBody>
+          </p:sp>
+        </mc:Choice>
+        <mc:Fallback>
+          <p:sp>
+            <p:nvSpPr>
+              <p:cNvPr id="6" name="TextBox 5">
+                <a:extLst>
+                  <a:ext uri="{FF2B5EF4-FFF2-40B4-BE49-F238E27FC236}">
+                    <a16:creationId xmlns:a16="http://schemas.microsoft.com/office/drawing/2014/main" id="{A75E6E3B-3E98-4668-8118-6B9D2FC2DA80}"/>
+                  </a:ext>
+                </a:extLst>
+              </p:cNvPr>
+              <p:cNvSpPr txBox="1">
+                <a:spLocks noRot="1" noChangeAspect="1" noMove="1" noResize="1" noEditPoints="1" noAdjustHandles="1" noChangeArrowheads="1" noChangeShapeType="1" noTextEdit="1"/>
+              </p:cNvSpPr>
+              <p:nvPr/>
+            </p:nvSpPr>
+            <p:spPr>
+              <a:xfrm>
+                <a:off x="597716" y="4191147"/>
+                <a:ext cx="7276207" cy="2700226"/>
+              </a:xfrm>
+              <a:prstGeom prst="rect">
+                <a:avLst/>
+              </a:prstGeom>
+              <a:blipFill>
+                <a:blip r:embed="rId3"/>
+                <a:stretch>
+                  <a:fillRect l="-503" t="-452" r="-251"/>
+                </a:stretch>
+              </a:blipFill>
+            </p:spPr>
+            <p:txBody>
+              <a:bodyPr/>
+              <a:lstStyle/>
+              <a:p>
+                <a:r>
+                  <a:rPr lang="ru-RU">
+                    <a:noFill/>
+                  </a:rPr>
+                  <a:t> </a:t>
+                </a:r>
+              </a:p>
+            </p:txBody>
+          </p:sp>
+        </mc:Fallback>
+      </mc:AlternateContent>
+      <p:grpSp>
+        <p:nvGrpSpPr>
+          <p:cNvPr id="12" name="Группа 11">
+            <a:extLst>
+              <a:ext uri="{FF2B5EF4-FFF2-40B4-BE49-F238E27FC236}">
+                <a16:creationId xmlns:a16="http://schemas.microsoft.com/office/drawing/2014/main" id="{E4D04349-3760-40D1-AD07-7EA22534C4B4}"/>
+              </a:ext>
+            </a:extLst>
+          </p:cNvPr>
+          <p:cNvGrpSpPr/>
+          <p:nvPr/>
+        </p:nvGrpSpPr>
+        <p:grpSpPr>
+          <a:xfrm>
+            <a:off x="1644786" y="2507299"/>
+            <a:ext cx="535808" cy="921701"/>
+            <a:chOff x="1359560" y="1678342"/>
+            <a:chExt cx="535808" cy="921701"/>
+          </a:xfrm>
+        </p:grpSpPr>
+        <p:sp>
+          <p:nvSpPr>
+            <p:cNvPr id="7" name="Овал 6">
+              <a:extLst>
+                <a:ext uri="{FF2B5EF4-FFF2-40B4-BE49-F238E27FC236}">
+                  <a16:creationId xmlns:a16="http://schemas.microsoft.com/office/drawing/2014/main" id="{2A0522E1-CF3A-40A5-A392-6ABE378A7D17}"/>
+                </a:ext>
+              </a:extLst>
+            </p:cNvPr>
+            <p:cNvSpPr/>
+            <p:nvPr/>
+          </p:nvSpPr>
+          <p:spPr>
+            <a:xfrm>
+              <a:off x="1426128" y="1744910"/>
+              <a:ext cx="402672" cy="788565"/>
+            </a:xfrm>
+            <a:prstGeom prst="ellipse">
+              <a:avLst/>
+            </a:prstGeom>
+            <a:solidFill>
+              <a:srgbClr val="FFFF00"/>
+            </a:solidFill>
+          </p:spPr>
+          <p:style>
+            <a:lnRef idx="2">
+              <a:schemeClr val="accent1">
+                <a:shade val="50000"/>
+              </a:schemeClr>
+            </a:lnRef>
+            <a:fillRef idx="1">
+              <a:schemeClr val="accent1"/>
+            </a:fillRef>
+            <a:effectRef idx="0">
+              <a:schemeClr val="accent1"/>
+            </a:effectRef>
+            <a:fontRef idx="minor">
+              <a:schemeClr val="lt1"/>
+            </a:fontRef>
+          </p:style>
+          <p:txBody>
+            <a:bodyPr rtlCol="0" anchor="ctr"/>
+            <a:lstStyle/>
+            <a:p>
+              <a:pPr algn="ctr"/>
+              <a:endParaRPr lang="ru-RU"/>
+            </a:p>
+          </p:txBody>
+        </p:sp>
+        <p:sp>
+          <p:nvSpPr>
+            <p:cNvPr id="8" name="Ромб 7">
+              <a:extLst>
+                <a:ext uri="{FF2B5EF4-FFF2-40B4-BE49-F238E27FC236}">
+                  <a16:creationId xmlns:a16="http://schemas.microsoft.com/office/drawing/2014/main" id="{13A7C3CE-901F-44E3-A2B9-F9EB43D4932F}"/>
+                </a:ext>
+              </a:extLst>
+            </p:cNvPr>
+            <p:cNvSpPr/>
+            <p:nvPr/>
+          </p:nvSpPr>
+          <p:spPr>
+            <a:xfrm>
+              <a:off x="1560896" y="1678342"/>
+              <a:ext cx="133136" cy="133136"/>
+            </a:xfrm>
+            <a:prstGeom prst="diamond">
+              <a:avLst/>
+            </a:prstGeom>
+            <a:solidFill>
+              <a:srgbClr val="FF0000"/>
+            </a:solidFill>
+            <a:ln>
+              <a:solidFill>
+                <a:srgbClr val="00B050"/>
+              </a:solidFill>
+            </a:ln>
+          </p:spPr>
+          <p:style>
+            <a:lnRef idx="2">
+              <a:schemeClr val="accent1">
+                <a:shade val="50000"/>
+              </a:schemeClr>
+            </a:lnRef>
+            <a:fillRef idx="1">
+              <a:schemeClr val="accent1"/>
+            </a:fillRef>
+            <a:effectRef idx="0">
+              <a:schemeClr val="accent1"/>
+            </a:effectRef>
+            <a:fontRef idx="minor">
+              <a:schemeClr val="lt1"/>
+            </a:fontRef>
+          </p:style>
+          <p:txBody>
+            <a:bodyPr rtlCol="0" anchor="ctr"/>
+            <a:lstStyle/>
+            <a:p>
+              <a:pPr algn="ctr"/>
+              <a:endParaRPr lang="ru-RU"/>
+            </a:p>
+          </p:txBody>
+        </p:sp>
+        <p:sp>
+          <p:nvSpPr>
+            <p:cNvPr id="9" name="Ромб 8">
+              <a:extLst>
+                <a:ext uri="{FF2B5EF4-FFF2-40B4-BE49-F238E27FC236}">
+                  <a16:creationId xmlns:a16="http://schemas.microsoft.com/office/drawing/2014/main" id="{49AB0652-4DF7-4DD6-A74B-33C72CCBDC6E}"/>
+                </a:ext>
+              </a:extLst>
+            </p:cNvPr>
+            <p:cNvSpPr/>
+            <p:nvPr/>
+          </p:nvSpPr>
+          <p:spPr>
+            <a:xfrm>
+              <a:off x="1560896" y="2466907"/>
+              <a:ext cx="133136" cy="133136"/>
+            </a:xfrm>
+            <a:prstGeom prst="diamond">
+              <a:avLst/>
+            </a:prstGeom>
+            <a:solidFill>
+              <a:srgbClr val="FF0000"/>
+            </a:solidFill>
+            <a:ln>
+              <a:solidFill>
+                <a:srgbClr val="00B050"/>
+              </a:solidFill>
+            </a:ln>
+          </p:spPr>
+          <p:style>
+            <a:lnRef idx="2">
+              <a:schemeClr val="accent1">
+                <a:shade val="50000"/>
+              </a:schemeClr>
+            </a:lnRef>
+            <a:fillRef idx="1">
+              <a:schemeClr val="accent1"/>
+            </a:fillRef>
+            <a:effectRef idx="0">
+              <a:schemeClr val="accent1"/>
+            </a:effectRef>
+            <a:fontRef idx="minor">
+              <a:schemeClr val="lt1"/>
+            </a:fontRef>
+          </p:style>
+          <p:txBody>
+            <a:bodyPr rtlCol="0" anchor="ctr"/>
+            <a:lstStyle/>
+            <a:p>
+              <a:pPr algn="ctr"/>
+              <a:endParaRPr lang="ru-RU"/>
+            </a:p>
+          </p:txBody>
+        </p:sp>
+        <p:sp>
+          <p:nvSpPr>
+            <p:cNvPr id="10" name="Ромб 9">
+              <a:extLst>
+                <a:ext uri="{FF2B5EF4-FFF2-40B4-BE49-F238E27FC236}">
+                  <a16:creationId xmlns:a16="http://schemas.microsoft.com/office/drawing/2014/main" id="{9EC1A1B4-20AC-44A9-B28A-31CF6801BD6D}"/>
+                </a:ext>
+              </a:extLst>
+            </p:cNvPr>
+            <p:cNvSpPr/>
+            <p:nvPr/>
+          </p:nvSpPr>
+          <p:spPr>
+            <a:xfrm>
+              <a:off x="1762232" y="2072624"/>
+              <a:ext cx="133136" cy="133136"/>
+            </a:xfrm>
+            <a:prstGeom prst="diamond">
+              <a:avLst/>
+            </a:prstGeom>
+            <a:solidFill>
+              <a:srgbClr val="FF0000"/>
+            </a:solidFill>
+            <a:ln>
+              <a:solidFill>
+                <a:srgbClr val="00B050"/>
+              </a:solidFill>
+            </a:ln>
+          </p:spPr>
+          <p:style>
+            <a:lnRef idx="2">
+              <a:schemeClr val="accent1">
+                <a:shade val="50000"/>
+              </a:schemeClr>
+            </a:lnRef>
+            <a:fillRef idx="1">
+              <a:schemeClr val="accent1"/>
+            </a:fillRef>
+            <a:effectRef idx="0">
+              <a:schemeClr val="accent1"/>
+            </a:effectRef>
+            <a:fontRef idx="minor">
+              <a:schemeClr val="lt1"/>
+            </a:fontRef>
+          </p:style>
+          <p:txBody>
+            <a:bodyPr rtlCol="0" anchor="ctr"/>
+            <a:lstStyle/>
+            <a:p>
+              <a:pPr algn="ctr"/>
+              <a:endParaRPr lang="ru-RU"/>
+            </a:p>
+          </p:txBody>
+        </p:sp>
+        <p:sp>
+          <p:nvSpPr>
+            <p:cNvPr id="11" name="Ромб 10">
+              <a:extLst>
+                <a:ext uri="{FF2B5EF4-FFF2-40B4-BE49-F238E27FC236}">
+                  <a16:creationId xmlns:a16="http://schemas.microsoft.com/office/drawing/2014/main" id="{E719544F-4D1C-4828-9664-1D3519E76338}"/>
+                </a:ext>
+              </a:extLst>
+            </p:cNvPr>
+            <p:cNvSpPr/>
+            <p:nvPr/>
+          </p:nvSpPr>
+          <p:spPr>
+            <a:xfrm>
+              <a:off x="1359560" y="2089401"/>
+              <a:ext cx="133136" cy="133136"/>
+            </a:xfrm>
+            <a:prstGeom prst="diamond">
+              <a:avLst/>
+            </a:prstGeom>
+            <a:solidFill>
+              <a:srgbClr val="FF0000"/>
+            </a:solidFill>
+            <a:ln>
+              <a:solidFill>
+                <a:srgbClr val="00B050"/>
+              </a:solidFill>
+            </a:ln>
+          </p:spPr>
+          <p:style>
+            <a:lnRef idx="2">
+              <a:schemeClr val="accent1">
+                <a:shade val="50000"/>
+              </a:schemeClr>
+            </a:lnRef>
+            <a:fillRef idx="1">
+              <a:schemeClr val="accent1"/>
+            </a:fillRef>
+            <a:effectRef idx="0">
+              <a:schemeClr val="accent1"/>
+            </a:effectRef>
+            <a:fontRef idx="minor">
+              <a:schemeClr val="lt1"/>
+            </a:fontRef>
+          </p:style>
+          <p:txBody>
+            <a:bodyPr rtlCol="0" anchor="ctr"/>
+            <a:lstStyle/>
+            <a:p>
+              <a:pPr algn="ctr"/>
+              <a:endParaRPr lang="ru-RU"/>
+            </a:p>
+          </p:txBody>
+        </p:sp>
+      </p:grpSp>
+      <p:grpSp>
+        <p:nvGrpSpPr>
+          <p:cNvPr id="13" name="Группа 12">
+            <a:extLst>
+              <a:ext uri="{FF2B5EF4-FFF2-40B4-BE49-F238E27FC236}">
+                <a16:creationId xmlns:a16="http://schemas.microsoft.com/office/drawing/2014/main" id="{4425BE85-BF72-4BBA-AB8B-7F6E62BDB475}"/>
+              </a:ext>
+            </a:extLst>
+          </p:cNvPr>
+          <p:cNvGrpSpPr/>
+          <p:nvPr/>
+        </p:nvGrpSpPr>
+        <p:grpSpPr>
+          <a:xfrm>
+            <a:off x="2534019" y="2507299"/>
+            <a:ext cx="535808" cy="921701"/>
+            <a:chOff x="1359560" y="1678342"/>
+            <a:chExt cx="535808" cy="921701"/>
+          </a:xfrm>
+        </p:grpSpPr>
+        <p:sp>
+          <p:nvSpPr>
+            <p:cNvPr id="14" name="Овал 13">
+              <a:extLst>
+                <a:ext uri="{FF2B5EF4-FFF2-40B4-BE49-F238E27FC236}">
+                  <a16:creationId xmlns:a16="http://schemas.microsoft.com/office/drawing/2014/main" id="{85483E41-0402-4AE8-822B-B0365F03DD17}"/>
+                </a:ext>
+              </a:extLst>
+            </p:cNvPr>
+            <p:cNvSpPr/>
+            <p:nvPr/>
+          </p:nvSpPr>
+          <p:spPr>
+            <a:xfrm>
+              <a:off x="1426128" y="1744910"/>
+              <a:ext cx="402672" cy="788565"/>
+            </a:xfrm>
+            <a:prstGeom prst="ellipse">
+              <a:avLst/>
+            </a:prstGeom>
+            <a:solidFill>
+              <a:srgbClr val="FFFF00"/>
+            </a:solidFill>
+          </p:spPr>
+          <p:style>
+            <a:lnRef idx="2">
+              <a:schemeClr val="accent1">
+                <a:shade val="50000"/>
+              </a:schemeClr>
+            </a:lnRef>
+            <a:fillRef idx="1">
+              <a:schemeClr val="accent1"/>
+            </a:fillRef>
+            <a:effectRef idx="0">
+              <a:schemeClr val="accent1"/>
+            </a:effectRef>
+            <a:fontRef idx="minor">
+              <a:schemeClr val="lt1"/>
+            </a:fontRef>
+          </p:style>
+          <p:txBody>
+            <a:bodyPr rtlCol="0" anchor="ctr"/>
+            <a:lstStyle/>
+            <a:p>
+              <a:pPr algn="ctr"/>
+              <a:endParaRPr lang="ru-RU"/>
+            </a:p>
+          </p:txBody>
+        </p:sp>
+        <p:sp>
+          <p:nvSpPr>
+            <p:cNvPr id="15" name="Ромб 14">
+              <a:extLst>
+                <a:ext uri="{FF2B5EF4-FFF2-40B4-BE49-F238E27FC236}">
+                  <a16:creationId xmlns:a16="http://schemas.microsoft.com/office/drawing/2014/main" id="{4D075E63-3F79-4302-9565-76E142ABC32C}"/>
+                </a:ext>
+              </a:extLst>
+            </p:cNvPr>
+            <p:cNvSpPr/>
+            <p:nvPr/>
+          </p:nvSpPr>
+          <p:spPr>
+            <a:xfrm>
+              <a:off x="1560896" y="1678342"/>
+              <a:ext cx="133136" cy="133136"/>
+            </a:xfrm>
+            <a:prstGeom prst="diamond">
+              <a:avLst/>
+            </a:prstGeom>
+            <a:solidFill>
+              <a:srgbClr val="FF0000"/>
+            </a:solidFill>
+            <a:ln>
+              <a:solidFill>
+                <a:srgbClr val="00B050"/>
+              </a:solidFill>
+            </a:ln>
+          </p:spPr>
+          <p:style>
+            <a:lnRef idx="2">
+              <a:schemeClr val="accent1">
+                <a:shade val="50000"/>
+              </a:schemeClr>
+            </a:lnRef>
+            <a:fillRef idx="1">
+              <a:schemeClr val="accent1"/>
+            </a:fillRef>
+            <a:effectRef idx="0">
+              <a:schemeClr val="accent1"/>
+            </a:effectRef>
+            <a:fontRef idx="minor">
+              <a:schemeClr val="lt1"/>
+            </a:fontRef>
+          </p:style>
+          <p:txBody>
+            <a:bodyPr rtlCol="0" anchor="ctr"/>
+            <a:lstStyle/>
+            <a:p>
+              <a:pPr algn="ctr"/>
+              <a:endParaRPr lang="ru-RU"/>
+            </a:p>
+          </p:txBody>
+        </p:sp>
+        <p:sp>
+          <p:nvSpPr>
+            <p:cNvPr id="16" name="Ромб 15">
+              <a:extLst>
+                <a:ext uri="{FF2B5EF4-FFF2-40B4-BE49-F238E27FC236}">
+                  <a16:creationId xmlns:a16="http://schemas.microsoft.com/office/drawing/2014/main" id="{F3AE848C-27BD-43EF-8CBB-62156029E9F7}"/>
+                </a:ext>
+              </a:extLst>
+            </p:cNvPr>
+            <p:cNvSpPr/>
+            <p:nvPr/>
+          </p:nvSpPr>
+          <p:spPr>
+            <a:xfrm>
+              <a:off x="1560896" y="2466907"/>
+              <a:ext cx="133136" cy="133136"/>
+            </a:xfrm>
+            <a:prstGeom prst="diamond">
+              <a:avLst/>
+            </a:prstGeom>
+            <a:solidFill>
+              <a:srgbClr val="FF0000"/>
+            </a:solidFill>
+            <a:ln>
+              <a:solidFill>
+                <a:srgbClr val="00B050"/>
+              </a:solidFill>
+            </a:ln>
+          </p:spPr>
+          <p:style>
+            <a:lnRef idx="2">
+              <a:schemeClr val="accent1">
+                <a:shade val="50000"/>
+              </a:schemeClr>
+            </a:lnRef>
+            <a:fillRef idx="1">
+              <a:schemeClr val="accent1"/>
+            </a:fillRef>
+            <a:effectRef idx="0">
+              <a:schemeClr val="accent1"/>
+            </a:effectRef>
+            <a:fontRef idx="minor">
+              <a:schemeClr val="lt1"/>
+            </a:fontRef>
+          </p:style>
+          <p:txBody>
+            <a:bodyPr rtlCol="0" anchor="ctr"/>
+            <a:lstStyle/>
+            <a:p>
+              <a:pPr algn="ctr"/>
+              <a:endParaRPr lang="ru-RU"/>
+            </a:p>
+          </p:txBody>
+        </p:sp>
+        <p:sp>
+          <p:nvSpPr>
+            <p:cNvPr id="17" name="Ромб 16">
+              <a:extLst>
+                <a:ext uri="{FF2B5EF4-FFF2-40B4-BE49-F238E27FC236}">
+                  <a16:creationId xmlns:a16="http://schemas.microsoft.com/office/drawing/2014/main" id="{624A02EA-22BB-4B6D-85F1-A2BF17CA0D45}"/>
+                </a:ext>
+              </a:extLst>
+            </p:cNvPr>
+            <p:cNvSpPr/>
+            <p:nvPr/>
+          </p:nvSpPr>
+          <p:spPr>
+            <a:xfrm>
+              <a:off x="1762232" y="2072624"/>
+              <a:ext cx="133136" cy="133136"/>
+            </a:xfrm>
+            <a:prstGeom prst="diamond">
+              <a:avLst/>
+            </a:prstGeom>
+            <a:solidFill>
+              <a:srgbClr val="FF0000"/>
+            </a:solidFill>
+            <a:ln>
+              <a:solidFill>
+                <a:srgbClr val="00B050"/>
+              </a:solidFill>
+            </a:ln>
+          </p:spPr>
+          <p:style>
+            <a:lnRef idx="2">
+              <a:schemeClr val="accent1">
+                <a:shade val="50000"/>
+              </a:schemeClr>
+            </a:lnRef>
+            <a:fillRef idx="1">
+              <a:schemeClr val="accent1"/>
+            </a:fillRef>
+            <a:effectRef idx="0">
+              <a:schemeClr val="accent1"/>
+            </a:effectRef>
+            <a:fontRef idx="minor">
+              <a:schemeClr val="lt1"/>
+            </a:fontRef>
+          </p:style>
+          <p:txBody>
+            <a:bodyPr rtlCol="0" anchor="ctr"/>
+            <a:lstStyle/>
+            <a:p>
+              <a:pPr algn="ctr"/>
+              <a:endParaRPr lang="ru-RU"/>
+            </a:p>
+          </p:txBody>
+        </p:sp>
+        <p:sp>
+          <p:nvSpPr>
+            <p:cNvPr id="18" name="Ромб 17">
+              <a:extLst>
+                <a:ext uri="{FF2B5EF4-FFF2-40B4-BE49-F238E27FC236}">
+                  <a16:creationId xmlns:a16="http://schemas.microsoft.com/office/drawing/2014/main" id="{7C76C524-6582-4C18-BEA2-5DEBE2B9367E}"/>
+                </a:ext>
+              </a:extLst>
+            </p:cNvPr>
+            <p:cNvSpPr/>
+            <p:nvPr/>
+          </p:nvSpPr>
+          <p:spPr>
+            <a:xfrm>
+              <a:off x="1359560" y="2089401"/>
+              <a:ext cx="133136" cy="133136"/>
+            </a:xfrm>
+            <a:prstGeom prst="diamond">
+              <a:avLst/>
+            </a:prstGeom>
+            <a:solidFill>
+              <a:srgbClr val="FF0000"/>
+            </a:solidFill>
+            <a:ln>
+              <a:solidFill>
+                <a:srgbClr val="00B050"/>
+              </a:solidFill>
+            </a:ln>
+          </p:spPr>
+          <p:style>
+            <a:lnRef idx="2">
+              <a:schemeClr val="accent1">
+                <a:shade val="50000"/>
+              </a:schemeClr>
+            </a:lnRef>
+            <a:fillRef idx="1">
+              <a:schemeClr val="accent1"/>
+            </a:fillRef>
+            <a:effectRef idx="0">
+              <a:schemeClr val="accent1"/>
+            </a:effectRef>
+            <a:fontRef idx="minor">
+              <a:schemeClr val="lt1"/>
+            </a:fontRef>
+          </p:style>
+          <p:txBody>
+            <a:bodyPr rtlCol="0" anchor="ctr"/>
+            <a:lstStyle/>
+            <a:p>
+              <a:pPr algn="ctr"/>
+              <a:endParaRPr lang="ru-RU"/>
+            </a:p>
+          </p:txBody>
+        </p:sp>
+      </p:grpSp>
+      <p:grpSp>
+        <p:nvGrpSpPr>
+          <p:cNvPr id="19" name="Группа 18">
+            <a:extLst>
+              <a:ext uri="{FF2B5EF4-FFF2-40B4-BE49-F238E27FC236}">
+                <a16:creationId xmlns:a16="http://schemas.microsoft.com/office/drawing/2014/main" id="{3704C8F7-13DA-49FC-A788-4360DD93F072}"/>
+              </a:ext>
+            </a:extLst>
+          </p:cNvPr>
+          <p:cNvGrpSpPr/>
+          <p:nvPr/>
+        </p:nvGrpSpPr>
+        <p:grpSpPr>
+          <a:xfrm>
+            <a:off x="4874547" y="2590643"/>
+            <a:ext cx="535808" cy="921701"/>
+            <a:chOff x="1359560" y="1678342"/>
+            <a:chExt cx="535808" cy="921701"/>
+          </a:xfrm>
+        </p:grpSpPr>
+        <p:sp>
+          <p:nvSpPr>
+            <p:cNvPr id="20" name="Овал 19">
+              <a:extLst>
+                <a:ext uri="{FF2B5EF4-FFF2-40B4-BE49-F238E27FC236}">
+                  <a16:creationId xmlns:a16="http://schemas.microsoft.com/office/drawing/2014/main" id="{C8544496-FE49-44E5-A12C-461DB7B9D30F}"/>
+                </a:ext>
+              </a:extLst>
+            </p:cNvPr>
+            <p:cNvSpPr/>
+            <p:nvPr/>
+          </p:nvSpPr>
+          <p:spPr>
+            <a:xfrm>
+              <a:off x="1426128" y="1744910"/>
+              <a:ext cx="402672" cy="788565"/>
+            </a:xfrm>
+            <a:prstGeom prst="ellipse">
+              <a:avLst/>
+            </a:prstGeom>
+            <a:solidFill>
+              <a:srgbClr val="FFFF00"/>
+            </a:solidFill>
+          </p:spPr>
+          <p:style>
+            <a:lnRef idx="2">
+              <a:schemeClr val="accent1">
+                <a:shade val="50000"/>
+              </a:schemeClr>
+            </a:lnRef>
+            <a:fillRef idx="1">
+              <a:schemeClr val="accent1"/>
+            </a:fillRef>
+            <a:effectRef idx="0">
+              <a:schemeClr val="accent1"/>
+            </a:effectRef>
+            <a:fontRef idx="minor">
+              <a:schemeClr val="lt1"/>
+            </a:fontRef>
+          </p:style>
+          <p:txBody>
+            <a:bodyPr rtlCol="0" anchor="ctr"/>
+            <a:lstStyle/>
+            <a:p>
+              <a:pPr algn="ctr"/>
+              <a:endParaRPr lang="ru-RU"/>
+            </a:p>
+          </p:txBody>
+        </p:sp>
+        <p:sp>
+          <p:nvSpPr>
+            <p:cNvPr id="21" name="Ромб 20">
+              <a:extLst>
+                <a:ext uri="{FF2B5EF4-FFF2-40B4-BE49-F238E27FC236}">
+                  <a16:creationId xmlns:a16="http://schemas.microsoft.com/office/drawing/2014/main" id="{D8AADCBB-6A2F-4967-97D6-297C47A5F6CE}"/>
+                </a:ext>
+              </a:extLst>
+            </p:cNvPr>
+            <p:cNvSpPr/>
+            <p:nvPr/>
+          </p:nvSpPr>
+          <p:spPr>
+            <a:xfrm>
+              <a:off x="1560896" y="1678342"/>
+              <a:ext cx="133136" cy="133136"/>
+            </a:xfrm>
+            <a:prstGeom prst="diamond">
+              <a:avLst/>
+            </a:prstGeom>
+            <a:solidFill>
+              <a:srgbClr val="FF0000"/>
+            </a:solidFill>
+            <a:ln>
+              <a:solidFill>
+                <a:srgbClr val="00B050"/>
+              </a:solidFill>
+            </a:ln>
+          </p:spPr>
+          <p:style>
+            <a:lnRef idx="2">
+              <a:schemeClr val="accent1">
+                <a:shade val="50000"/>
+              </a:schemeClr>
+            </a:lnRef>
+            <a:fillRef idx="1">
+              <a:schemeClr val="accent1"/>
+            </a:fillRef>
+            <a:effectRef idx="0">
+              <a:schemeClr val="accent1"/>
+            </a:effectRef>
+            <a:fontRef idx="minor">
+              <a:schemeClr val="lt1"/>
+            </a:fontRef>
+          </p:style>
+          <p:txBody>
+            <a:bodyPr rtlCol="0" anchor="ctr"/>
+            <a:lstStyle/>
+            <a:p>
+              <a:pPr algn="ctr"/>
+              <a:endParaRPr lang="ru-RU"/>
+            </a:p>
+          </p:txBody>
+        </p:sp>
+        <p:sp>
+          <p:nvSpPr>
+            <p:cNvPr id="22" name="Ромб 21">
+              <a:extLst>
+                <a:ext uri="{FF2B5EF4-FFF2-40B4-BE49-F238E27FC236}">
+                  <a16:creationId xmlns:a16="http://schemas.microsoft.com/office/drawing/2014/main" id="{34DA5FC5-599E-4B28-9769-64C31CFEEC9E}"/>
+                </a:ext>
+              </a:extLst>
+            </p:cNvPr>
+            <p:cNvSpPr/>
+            <p:nvPr/>
+          </p:nvSpPr>
+          <p:spPr>
+            <a:xfrm>
+              <a:off x="1560896" y="2466907"/>
+              <a:ext cx="133136" cy="133136"/>
+            </a:xfrm>
+            <a:prstGeom prst="diamond">
+              <a:avLst/>
+            </a:prstGeom>
+            <a:solidFill>
+              <a:srgbClr val="FF0000"/>
+            </a:solidFill>
+            <a:ln>
+              <a:solidFill>
+                <a:srgbClr val="00B050"/>
+              </a:solidFill>
+            </a:ln>
+          </p:spPr>
+          <p:style>
+            <a:lnRef idx="2">
+              <a:schemeClr val="accent1">
+                <a:shade val="50000"/>
+              </a:schemeClr>
+            </a:lnRef>
+            <a:fillRef idx="1">
+              <a:schemeClr val="accent1"/>
+            </a:fillRef>
+            <a:effectRef idx="0">
+              <a:schemeClr val="accent1"/>
+            </a:effectRef>
+            <a:fontRef idx="minor">
+              <a:schemeClr val="lt1"/>
+            </a:fontRef>
+          </p:style>
+          <p:txBody>
+            <a:bodyPr rtlCol="0" anchor="ctr"/>
+            <a:lstStyle/>
+            <a:p>
+              <a:pPr algn="ctr"/>
+              <a:endParaRPr lang="ru-RU"/>
+            </a:p>
+          </p:txBody>
+        </p:sp>
+        <p:sp>
+          <p:nvSpPr>
+            <p:cNvPr id="23" name="Ромб 22">
+              <a:extLst>
+                <a:ext uri="{FF2B5EF4-FFF2-40B4-BE49-F238E27FC236}">
+                  <a16:creationId xmlns:a16="http://schemas.microsoft.com/office/drawing/2014/main" id="{DBD34433-FD74-4570-88B0-E4578945D346}"/>
+                </a:ext>
+              </a:extLst>
+            </p:cNvPr>
+            <p:cNvSpPr/>
+            <p:nvPr/>
+          </p:nvSpPr>
+          <p:spPr>
+            <a:xfrm>
+              <a:off x="1762232" y="2072624"/>
+              <a:ext cx="133136" cy="133136"/>
+            </a:xfrm>
+            <a:prstGeom prst="diamond">
+              <a:avLst/>
+            </a:prstGeom>
+            <a:solidFill>
+              <a:srgbClr val="FF0000"/>
+            </a:solidFill>
+            <a:ln>
+              <a:solidFill>
+                <a:srgbClr val="00B050"/>
+              </a:solidFill>
+            </a:ln>
+          </p:spPr>
+          <p:style>
+            <a:lnRef idx="2">
+              <a:schemeClr val="accent1">
+                <a:shade val="50000"/>
+              </a:schemeClr>
+            </a:lnRef>
+            <a:fillRef idx="1">
+              <a:schemeClr val="accent1"/>
+            </a:fillRef>
+            <a:effectRef idx="0">
+              <a:schemeClr val="accent1"/>
+            </a:effectRef>
+            <a:fontRef idx="minor">
+              <a:schemeClr val="lt1"/>
+            </a:fontRef>
+          </p:style>
+          <p:txBody>
+            <a:bodyPr rtlCol="0" anchor="ctr"/>
+            <a:lstStyle/>
+            <a:p>
+              <a:pPr algn="ctr"/>
+              <a:endParaRPr lang="ru-RU"/>
+            </a:p>
+          </p:txBody>
+        </p:sp>
+        <p:sp>
+          <p:nvSpPr>
+            <p:cNvPr id="24" name="Ромб 23">
+              <a:extLst>
+                <a:ext uri="{FF2B5EF4-FFF2-40B4-BE49-F238E27FC236}">
+                  <a16:creationId xmlns:a16="http://schemas.microsoft.com/office/drawing/2014/main" id="{8BFD60EA-82C8-4991-985D-9B2243F0D7CA}"/>
+                </a:ext>
+              </a:extLst>
+            </p:cNvPr>
+            <p:cNvSpPr/>
+            <p:nvPr/>
+          </p:nvSpPr>
+          <p:spPr>
+            <a:xfrm>
+              <a:off x="1359560" y="2089401"/>
+              <a:ext cx="133136" cy="133136"/>
+            </a:xfrm>
+            <a:prstGeom prst="diamond">
+              <a:avLst/>
+            </a:prstGeom>
+            <a:solidFill>
+              <a:srgbClr val="FF0000"/>
+            </a:solidFill>
+            <a:ln>
+              <a:solidFill>
+                <a:srgbClr val="00B050"/>
+              </a:solidFill>
+            </a:ln>
+          </p:spPr>
+          <p:style>
+            <a:lnRef idx="2">
+              <a:schemeClr val="accent1">
+                <a:shade val="50000"/>
+              </a:schemeClr>
+            </a:lnRef>
+            <a:fillRef idx="1">
+              <a:schemeClr val="accent1"/>
+            </a:fillRef>
+            <a:effectRef idx="0">
+              <a:schemeClr val="accent1"/>
+            </a:effectRef>
+            <a:fontRef idx="minor">
+              <a:schemeClr val="lt1"/>
+            </a:fontRef>
+          </p:style>
+          <p:txBody>
+            <a:bodyPr rtlCol="0" anchor="ctr"/>
+            <a:lstStyle/>
+            <a:p>
+              <a:pPr algn="ctr"/>
+              <a:endParaRPr lang="ru-RU"/>
+            </a:p>
+          </p:txBody>
+        </p:sp>
+      </p:grpSp>
+      <p:grpSp>
+        <p:nvGrpSpPr>
+          <p:cNvPr id="25" name="Группа 24">
+            <a:extLst>
+              <a:ext uri="{FF2B5EF4-FFF2-40B4-BE49-F238E27FC236}">
+                <a16:creationId xmlns:a16="http://schemas.microsoft.com/office/drawing/2014/main" id="{FE4F7593-64D0-4FC2-B6FA-B24538DDCB9B}"/>
+              </a:ext>
+            </a:extLst>
+          </p:cNvPr>
+          <p:cNvGrpSpPr/>
+          <p:nvPr/>
+        </p:nvGrpSpPr>
+        <p:grpSpPr>
+          <a:xfrm>
+            <a:off x="5828096" y="2590643"/>
+            <a:ext cx="535808" cy="921701"/>
+            <a:chOff x="1359560" y="1678342"/>
+            <a:chExt cx="535808" cy="921701"/>
+          </a:xfrm>
+        </p:grpSpPr>
+        <p:sp>
+          <p:nvSpPr>
+            <p:cNvPr id="26" name="Овал 25">
+              <a:extLst>
+                <a:ext uri="{FF2B5EF4-FFF2-40B4-BE49-F238E27FC236}">
+                  <a16:creationId xmlns:a16="http://schemas.microsoft.com/office/drawing/2014/main" id="{2CCC9B17-84FC-4105-9E5C-C8D09635FDA0}"/>
+                </a:ext>
+              </a:extLst>
+            </p:cNvPr>
+            <p:cNvSpPr/>
+            <p:nvPr/>
+          </p:nvSpPr>
+          <p:spPr>
+            <a:xfrm>
+              <a:off x="1426128" y="1744910"/>
+              <a:ext cx="402672" cy="788565"/>
+            </a:xfrm>
+            <a:prstGeom prst="ellipse">
+              <a:avLst/>
+            </a:prstGeom>
+            <a:solidFill>
+              <a:srgbClr val="FFFF00"/>
+            </a:solidFill>
+          </p:spPr>
+          <p:style>
+            <a:lnRef idx="2">
+              <a:schemeClr val="accent1">
+                <a:shade val="50000"/>
+              </a:schemeClr>
+            </a:lnRef>
+            <a:fillRef idx="1">
+              <a:schemeClr val="accent1"/>
+            </a:fillRef>
+            <a:effectRef idx="0">
+              <a:schemeClr val="accent1"/>
+            </a:effectRef>
+            <a:fontRef idx="minor">
+              <a:schemeClr val="lt1"/>
+            </a:fontRef>
+          </p:style>
+          <p:txBody>
+            <a:bodyPr rtlCol="0" anchor="ctr"/>
+            <a:lstStyle/>
+            <a:p>
+              <a:pPr algn="ctr"/>
+              <a:endParaRPr lang="ru-RU"/>
+            </a:p>
+          </p:txBody>
+        </p:sp>
+        <p:sp>
+          <p:nvSpPr>
+            <p:cNvPr id="27" name="Ромб 26">
+              <a:extLst>
+                <a:ext uri="{FF2B5EF4-FFF2-40B4-BE49-F238E27FC236}">
+                  <a16:creationId xmlns:a16="http://schemas.microsoft.com/office/drawing/2014/main" id="{F52CAD6D-B74C-4936-B3A4-890DA3FAE514}"/>
+                </a:ext>
+              </a:extLst>
+            </p:cNvPr>
+            <p:cNvSpPr/>
+            <p:nvPr/>
+          </p:nvSpPr>
+          <p:spPr>
+            <a:xfrm>
+              <a:off x="1560896" y="1678342"/>
+              <a:ext cx="133136" cy="133136"/>
+            </a:xfrm>
+            <a:prstGeom prst="diamond">
+              <a:avLst/>
+            </a:prstGeom>
+            <a:solidFill>
+              <a:srgbClr val="FF0000"/>
+            </a:solidFill>
+            <a:ln>
+              <a:solidFill>
+                <a:srgbClr val="00B050"/>
+              </a:solidFill>
+            </a:ln>
+          </p:spPr>
+          <p:style>
+            <a:lnRef idx="2">
+              <a:schemeClr val="accent1">
+                <a:shade val="50000"/>
+              </a:schemeClr>
+            </a:lnRef>
+            <a:fillRef idx="1">
+              <a:schemeClr val="accent1"/>
+            </a:fillRef>
+            <a:effectRef idx="0">
+              <a:schemeClr val="accent1"/>
+            </a:effectRef>
+            <a:fontRef idx="minor">
+              <a:schemeClr val="lt1"/>
+            </a:fontRef>
+          </p:style>
+          <p:txBody>
+            <a:bodyPr rtlCol="0" anchor="ctr"/>
+            <a:lstStyle/>
+            <a:p>
+              <a:pPr algn="ctr"/>
+              <a:endParaRPr lang="ru-RU"/>
+            </a:p>
+          </p:txBody>
+        </p:sp>
+        <p:sp>
+          <p:nvSpPr>
+            <p:cNvPr id="28" name="Ромб 27">
+              <a:extLst>
+                <a:ext uri="{FF2B5EF4-FFF2-40B4-BE49-F238E27FC236}">
+                  <a16:creationId xmlns:a16="http://schemas.microsoft.com/office/drawing/2014/main" id="{AD0A60B9-7566-4B40-A2A2-046BDDF6BC46}"/>
+                </a:ext>
+              </a:extLst>
+            </p:cNvPr>
+            <p:cNvSpPr/>
+            <p:nvPr/>
+          </p:nvSpPr>
+          <p:spPr>
+            <a:xfrm>
+              <a:off x="1560896" y="2466907"/>
+              <a:ext cx="133136" cy="133136"/>
+            </a:xfrm>
+            <a:prstGeom prst="diamond">
+              <a:avLst/>
+            </a:prstGeom>
+            <a:solidFill>
+              <a:srgbClr val="FF0000"/>
+            </a:solidFill>
+            <a:ln>
+              <a:solidFill>
+                <a:srgbClr val="00B050"/>
+              </a:solidFill>
+            </a:ln>
+          </p:spPr>
+          <p:style>
+            <a:lnRef idx="2">
+              <a:schemeClr val="accent1">
+                <a:shade val="50000"/>
+              </a:schemeClr>
+            </a:lnRef>
+            <a:fillRef idx="1">
+              <a:schemeClr val="accent1"/>
+            </a:fillRef>
+            <a:effectRef idx="0">
+              <a:schemeClr val="accent1"/>
+            </a:effectRef>
+            <a:fontRef idx="minor">
+              <a:schemeClr val="lt1"/>
+            </a:fontRef>
+          </p:style>
+          <p:txBody>
+            <a:bodyPr rtlCol="0" anchor="ctr"/>
+            <a:lstStyle/>
+            <a:p>
+              <a:pPr algn="ctr"/>
+              <a:endParaRPr lang="ru-RU"/>
+            </a:p>
+          </p:txBody>
+        </p:sp>
+        <p:sp>
+          <p:nvSpPr>
+            <p:cNvPr id="29" name="Ромб 28">
+              <a:extLst>
+                <a:ext uri="{FF2B5EF4-FFF2-40B4-BE49-F238E27FC236}">
+                  <a16:creationId xmlns:a16="http://schemas.microsoft.com/office/drawing/2014/main" id="{D288F7DD-9042-4FFA-9D46-BB2314C9C803}"/>
+                </a:ext>
+              </a:extLst>
+            </p:cNvPr>
+            <p:cNvSpPr/>
+            <p:nvPr/>
+          </p:nvSpPr>
+          <p:spPr>
+            <a:xfrm>
+              <a:off x="1762232" y="2072624"/>
+              <a:ext cx="133136" cy="133136"/>
+            </a:xfrm>
+            <a:prstGeom prst="diamond">
+              <a:avLst/>
+            </a:prstGeom>
+            <a:solidFill>
+              <a:srgbClr val="FF0000"/>
+            </a:solidFill>
+            <a:ln>
+              <a:solidFill>
+                <a:srgbClr val="00B050"/>
+              </a:solidFill>
+            </a:ln>
+          </p:spPr>
+          <p:style>
+            <a:lnRef idx="2">
+              <a:schemeClr val="accent1">
+                <a:shade val="50000"/>
+              </a:schemeClr>
+            </a:lnRef>
+            <a:fillRef idx="1">
+              <a:schemeClr val="accent1"/>
+            </a:fillRef>
+            <a:effectRef idx="0">
+              <a:schemeClr val="accent1"/>
+            </a:effectRef>
+            <a:fontRef idx="minor">
+              <a:schemeClr val="lt1"/>
+            </a:fontRef>
+          </p:style>
+          <p:txBody>
+            <a:bodyPr rtlCol="0" anchor="ctr"/>
+            <a:lstStyle/>
+            <a:p>
+              <a:pPr algn="ctr"/>
+              <a:endParaRPr lang="ru-RU"/>
+            </a:p>
+          </p:txBody>
+        </p:sp>
+        <p:sp>
+          <p:nvSpPr>
+            <p:cNvPr id="30" name="Ромб 29">
+              <a:extLst>
+                <a:ext uri="{FF2B5EF4-FFF2-40B4-BE49-F238E27FC236}">
+                  <a16:creationId xmlns:a16="http://schemas.microsoft.com/office/drawing/2014/main" id="{8CFD002A-001A-44B3-83E0-EF5772F3CB20}"/>
+                </a:ext>
+              </a:extLst>
+            </p:cNvPr>
+            <p:cNvSpPr/>
+            <p:nvPr/>
+          </p:nvSpPr>
+          <p:spPr>
+            <a:xfrm>
+              <a:off x="1359560" y="2089401"/>
+              <a:ext cx="133136" cy="133136"/>
+            </a:xfrm>
+            <a:prstGeom prst="diamond">
+              <a:avLst/>
+            </a:prstGeom>
+            <a:solidFill>
+              <a:srgbClr val="FF0000"/>
+            </a:solidFill>
+            <a:ln>
+              <a:solidFill>
+                <a:srgbClr val="00B050"/>
+              </a:solidFill>
+            </a:ln>
+          </p:spPr>
+          <p:style>
+            <a:lnRef idx="2">
+              <a:schemeClr val="accent1">
+                <a:shade val="50000"/>
+              </a:schemeClr>
+            </a:lnRef>
+            <a:fillRef idx="1">
+              <a:schemeClr val="accent1"/>
+            </a:fillRef>
+            <a:effectRef idx="0">
+              <a:schemeClr val="accent1"/>
+            </a:effectRef>
+            <a:fontRef idx="minor">
+              <a:schemeClr val="lt1"/>
+            </a:fontRef>
+          </p:style>
+          <p:txBody>
+            <a:bodyPr rtlCol="0" anchor="ctr"/>
+            <a:lstStyle/>
+            <a:p>
+              <a:pPr algn="ctr"/>
+              <a:endParaRPr lang="ru-RU"/>
+            </a:p>
+          </p:txBody>
+        </p:sp>
+      </p:grpSp>
+      <p:grpSp>
+        <p:nvGrpSpPr>
+          <p:cNvPr id="31" name="Группа 30">
+            <a:extLst>
+              <a:ext uri="{FF2B5EF4-FFF2-40B4-BE49-F238E27FC236}">
+                <a16:creationId xmlns:a16="http://schemas.microsoft.com/office/drawing/2014/main" id="{381A4A64-36E6-464D-9E59-B750D30BA21A}"/>
+              </a:ext>
+            </a:extLst>
+          </p:cNvPr>
+          <p:cNvGrpSpPr/>
+          <p:nvPr/>
+        </p:nvGrpSpPr>
+        <p:grpSpPr>
+          <a:xfrm>
+            <a:off x="7271003" y="1287130"/>
+            <a:ext cx="535808" cy="921701"/>
+            <a:chOff x="1359560" y="1678342"/>
+            <a:chExt cx="535808" cy="921701"/>
+          </a:xfrm>
+        </p:grpSpPr>
+        <p:sp>
+          <p:nvSpPr>
+            <p:cNvPr id="32" name="Овал 31">
+              <a:extLst>
+                <a:ext uri="{FF2B5EF4-FFF2-40B4-BE49-F238E27FC236}">
+                  <a16:creationId xmlns:a16="http://schemas.microsoft.com/office/drawing/2014/main" id="{478CDE8E-B9B0-4B56-BE38-2E784104AA89}"/>
+                </a:ext>
+              </a:extLst>
+            </p:cNvPr>
+            <p:cNvSpPr/>
+            <p:nvPr/>
+          </p:nvSpPr>
+          <p:spPr>
+            <a:xfrm>
+              <a:off x="1426128" y="1744910"/>
+              <a:ext cx="402672" cy="788565"/>
+            </a:xfrm>
+            <a:prstGeom prst="ellipse">
+              <a:avLst/>
+            </a:prstGeom>
+            <a:solidFill>
+              <a:srgbClr val="FFFF00"/>
+            </a:solidFill>
+          </p:spPr>
+          <p:style>
+            <a:lnRef idx="2">
+              <a:schemeClr val="accent1">
+                <a:shade val="50000"/>
+              </a:schemeClr>
+            </a:lnRef>
+            <a:fillRef idx="1">
+              <a:schemeClr val="accent1"/>
+            </a:fillRef>
+            <a:effectRef idx="0">
+              <a:schemeClr val="accent1"/>
+            </a:effectRef>
+            <a:fontRef idx="minor">
+              <a:schemeClr val="lt1"/>
+            </a:fontRef>
+          </p:style>
+          <p:txBody>
+            <a:bodyPr rtlCol="0" anchor="ctr"/>
+            <a:lstStyle/>
+            <a:p>
+              <a:pPr algn="ctr"/>
+              <a:endParaRPr lang="ru-RU"/>
+            </a:p>
+          </p:txBody>
+        </p:sp>
+        <p:sp>
+          <p:nvSpPr>
+            <p:cNvPr id="33" name="Ромб 32">
+              <a:extLst>
+                <a:ext uri="{FF2B5EF4-FFF2-40B4-BE49-F238E27FC236}">
+                  <a16:creationId xmlns:a16="http://schemas.microsoft.com/office/drawing/2014/main" id="{04A9FD86-EE88-4085-BBE1-035B85F63C8E}"/>
+                </a:ext>
+              </a:extLst>
+            </p:cNvPr>
+            <p:cNvSpPr/>
+            <p:nvPr/>
+          </p:nvSpPr>
+          <p:spPr>
+            <a:xfrm>
+              <a:off x="1560896" y="1678342"/>
+              <a:ext cx="133136" cy="133136"/>
+            </a:xfrm>
+            <a:prstGeom prst="diamond">
+              <a:avLst/>
+            </a:prstGeom>
+            <a:solidFill>
+              <a:srgbClr val="FF0000"/>
+            </a:solidFill>
+            <a:ln>
+              <a:solidFill>
+                <a:srgbClr val="00B050"/>
+              </a:solidFill>
+            </a:ln>
+          </p:spPr>
+          <p:style>
+            <a:lnRef idx="2">
+              <a:schemeClr val="accent1">
+                <a:shade val="50000"/>
+              </a:schemeClr>
+            </a:lnRef>
+            <a:fillRef idx="1">
+              <a:schemeClr val="accent1"/>
+            </a:fillRef>
+            <a:effectRef idx="0">
+              <a:schemeClr val="accent1"/>
+            </a:effectRef>
+            <a:fontRef idx="minor">
+              <a:schemeClr val="lt1"/>
+            </a:fontRef>
+          </p:style>
+          <p:txBody>
+            <a:bodyPr rtlCol="0" anchor="ctr"/>
+            <a:lstStyle/>
+            <a:p>
+              <a:pPr algn="ctr"/>
+              <a:endParaRPr lang="ru-RU"/>
+            </a:p>
+          </p:txBody>
+        </p:sp>
+        <p:sp>
+          <p:nvSpPr>
+            <p:cNvPr id="34" name="Ромб 33">
+              <a:extLst>
+                <a:ext uri="{FF2B5EF4-FFF2-40B4-BE49-F238E27FC236}">
+                  <a16:creationId xmlns:a16="http://schemas.microsoft.com/office/drawing/2014/main" id="{B57CA7B0-705A-49A0-A00E-3E0591269165}"/>
+                </a:ext>
+              </a:extLst>
+            </p:cNvPr>
+            <p:cNvSpPr/>
+            <p:nvPr/>
+          </p:nvSpPr>
+          <p:spPr>
+            <a:xfrm>
+              <a:off x="1560896" y="2466907"/>
+              <a:ext cx="133136" cy="133136"/>
+            </a:xfrm>
+            <a:prstGeom prst="diamond">
+              <a:avLst/>
+            </a:prstGeom>
+            <a:solidFill>
+              <a:srgbClr val="FF0000"/>
+            </a:solidFill>
+            <a:ln>
+              <a:solidFill>
+                <a:srgbClr val="00B050"/>
+              </a:solidFill>
+            </a:ln>
+          </p:spPr>
+          <p:style>
+            <a:lnRef idx="2">
+              <a:schemeClr val="accent1">
+                <a:shade val="50000"/>
+              </a:schemeClr>
+            </a:lnRef>
+            <a:fillRef idx="1">
+              <a:schemeClr val="accent1"/>
+            </a:fillRef>
+            <a:effectRef idx="0">
+              <a:schemeClr val="accent1"/>
+            </a:effectRef>
+            <a:fontRef idx="minor">
+              <a:schemeClr val="lt1"/>
+            </a:fontRef>
+          </p:style>
+          <p:txBody>
+            <a:bodyPr rtlCol="0" anchor="ctr"/>
+            <a:lstStyle/>
+            <a:p>
+              <a:pPr algn="ctr"/>
+              <a:endParaRPr lang="ru-RU"/>
+            </a:p>
+          </p:txBody>
+        </p:sp>
+        <p:sp>
+          <p:nvSpPr>
+            <p:cNvPr id="35" name="Ромб 34">
+              <a:extLst>
+                <a:ext uri="{FF2B5EF4-FFF2-40B4-BE49-F238E27FC236}">
+                  <a16:creationId xmlns:a16="http://schemas.microsoft.com/office/drawing/2014/main" id="{F06875EE-24CA-4722-A13F-51AB41561D6E}"/>
+                </a:ext>
+              </a:extLst>
+            </p:cNvPr>
+            <p:cNvSpPr/>
+            <p:nvPr/>
+          </p:nvSpPr>
+          <p:spPr>
+            <a:xfrm>
+              <a:off x="1762232" y="2072624"/>
+              <a:ext cx="133136" cy="133136"/>
+            </a:xfrm>
+            <a:prstGeom prst="diamond">
+              <a:avLst/>
+            </a:prstGeom>
+            <a:solidFill>
+              <a:srgbClr val="FF0000"/>
+            </a:solidFill>
+            <a:ln>
+              <a:solidFill>
+                <a:srgbClr val="00B050"/>
+              </a:solidFill>
+            </a:ln>
+          </p:spPr>
+          <p:style>
+            <a:lnRef idx="2">
+              <a:schemeClr val="accent1">
+                <a:shade val="50000"/>
+              </a:schemeClr>
+            </a:lnRef>
+            <a:fillRef idx="1">
+              <a:schemeClr val="accent1"/>
+            </a:fillRef>
+            <a:effectRef idx="0">
+              <a:schemeClr val="accent1"/>
+            </a:effectRef>
+            <a:fontRef idx="minor">
+              <a:schemeClr val="lt1"/>
+            </a:fontRef>
+          </p:style>
+          <p:txBody>
+            <a:bodyPr rtlCol="0" anchor="ctr"/>
+            <a:lstStyle/>
+            <a:p>
+              <a:pPr algn="ctr"/>
+              <a:endParaRPr lang="ru-RU"/>
+            </a:p>
+          </p:txBody>
+        </p:sp>
+        <p:sp>
+          <p:nvSpPr>
+            <p:cNvPr id="36" name="Ромб 35">
+              <a:extLst>
+                <a:ext uri="{FF2B5EF4-FFF2-40B4-BE49-F238E27FC236}">
+                  <a16:creationId xmlns:a16="http://schemas.microsoft.com/office/drawing/2014/main" id="{7051E94D-548D-4030-A971-439656D12D2F}"/>
+                </a:ext>
+              </a:extLst>
+            </p:cNvPr>
+            <p:cNvSpPr/>
+            <p:nvPr/>
+          </p:nvSpPr>
+          <p:spPr>
+            <a:xfrm>
+              <a:off x="1359560" y="2089401"/>
+              <a:ext cx="133136" cy="133136"/>
+            </a:xfrm>
+            <a:prstGeom prst="diamond">
+              <a:avLst/>
+            </a:prstGeom>
+            <a:solidFill>
+              <a:srgbClr val="FF0000"/>
+            </a:solidFill>
+            <a:ln>
+              <a:solidFill>
+                <a:srgbClr val="00B050"/>
+              </a:solidFill>
+            </a:ln>
+          </p:spPr>
+          <p:style>
+            <a:lnRef idx="2">
+              <a:schemeClr val="accent1">
+                <a:shade val="50000"/>
+              </a:schemeClr>
+            </a:lnRef>
+            <a:fillRef idx="1">
+              <a:schemeClr val="accent1"/>
+            </a:fillRef>
+            <a:effectRef idx="0">
+              <a:schemeClr val="accent1"/>
+            </a:effectRef>
+            <a:fontRef idx="minor">
+              <a:schemeClr val="lt1"/>
+            </a:fontRef>
+          </p:style>
+          <p:txBody>
+            <a:bodyPr rtlCol="0" anchor="ctr"/>
+            <a:lstStyle/>
+            <a:p>
+              <a:pPr algn="ctr"/>
+              <a:endParaRPr lang="ru-RU"/>
+            </a:p>
+          </p:txBody>
+        </p:sp>
+      </p:grpSp>
+      <p:grpSp>
+        <p:nvGrpSpPr>
+          <p:cNvPr id="37" name="Группа 36">
+            <a:extLst>
+              <a:ext uri="{FF2B5EF4-FFF2-40B4-BE49-F238E27FC236}">
+                <a16:creationId xmlns:a16="http://schemas.microsoft.com/office/drawing/2014/main" id="{ED575E71-90FC-4245-B377-DA41F29FBDDF}"/>
+              </a:ext>
+            </a:extLst>
+          </p:cNvPr>
+          <p:cNvGrpSpPr/>
+          <p:nvPr/>
+        </p:nvGrpSpPr>
+        <p:grpSpPr>
+          <a:xfrm>
+            <a:off x="9133359" y="894009"/>
+            <a:ext cx="535808" cy="921701"/>
+            <a:chOff x="1359560" y="1678342"/>
+            <a:chExt cx="535808" cy="921701"/>
+          </a:xfrm>
+        </p:grpSpPr>
+        <p:sp>
+          <p:nvSpPr>
+            <p:cNvPr id="38" name="Овал 37">
+              <a:extLst>
+                <a:ext uri="{FF2B5EF4-FFF2-40B4-BE49-F238E27FC236}">
+                  <a16:creationId xmlns:a16="http://schemas.microsoft.com/office/drawing/2014/main" id="{28908290-A11D-4D63-A5E0-D9D868497F32}"/>
+                </a:ext>
+              </a:extLst>
+            </p:cNvPr>
+            <p:cNvSpPr/>
+            <p:nvPr/>
+          </p:nvSpPr>
+          <p:spPr>
+            <a:xfrm>
+              <a:off x="1426128" y="1744910"/>
+              <a:ext cx="402672" cy="788565"/>
+            </a:xfrm>
+            <a:prstGeom prst="ellipse">
+              <a:avLst/>
+            </a:prstGeom>
+            <a:solidFill>
+              <a:srgbClr val="FFFF00"/>
+            </a:solidFill>
+          </p:spPr>
+          <p:style>
+            <a:lnRef idx="2">
+              <a:schemeClr val="accent1">
+                <a:shade val="50000"/>
+              </a:schemeClr>
+            </a:lnRef>
+            <a:fillRef idx="1">
+              <a:schemeClr val="accent1"/>
+            </a:fillRef>
+            <a:effectRef idx="0">
+              <a:schemeClr val="accent1"/>
+            </a:effectRef>
+            <a:fontRef idx="minor">
+              <a:schemeClr val="lt1"/>
+            </a:fontRef>
+          </p:style>
+          <p:txBody>
+            <a:bodyPr rtlCol="0" anchor="ctr"/>
+            <a:lstStyle/>
+            <a:p>
+              <a:pPr algn="ctr"/>
+              <a:endParaRPr lang="ru-RU"/>
+            </a:p>
+          </p:txBody>
+        </p:sp>
+        <p:sp>
+          <p:nvSpPr>
+            <p:cNvPr id="39" name="Ромб 38">
+              <a:extLst>
+                <a:ext uri="{FF2B5EF4-FFF2-40B4-BE49-F238E27FC236}">
+                  <a16:creationId xmlns:a16="http://schemas.microsoft.com/office/drawing/2014/main" id="{B413D829-1B25-4559-A816-6056606A1633}"/>
+                </a:ext>
+              </a:extLst>
+            </p:cNvPr>
+            <p:cNvSpPr/>
+            <p:nvPr/>
+          </p:nvSpPr>
+          <p:spPr>
+            <a:xfrm>
+              <a:off x="1560896" y="1678342"/>
+              <a:ext cx="133136" cy="133136"/>
+            </a:xfrm>
+            <a:prstGeom prst="diamond">
+              <a:avLst/>
+            </a:prstGeom>
+            <a:solidFill>
+              <a:srgbClr val="FF0000"/>
+            </a:solidFill>
+            <a:ln>
+              <a:solidFill>
+                <a:srgbClr val="00B050"/>
+              </a:solidFill>
+            </a:ln>
+          </p:spPr>
+          <p:style>
+            <a:lnRef idx="2">
+              <a:schemeClr val="accent1">
+                <a:shade val="50000"/>
+              </a:schemeClr>
+            </a:lnRef>
+            <a:fillRef idx="1">
+              <a:schemeClr val="accent1"/>
+            </a:fillRef>
+            <a:effectRef idx="0">
+              <a:schemeClr val="accent1"/>
+            </a:effectRef>
+            <a:fontRef idx="minor">
+              <a:schemeClr val="lt1"/>
+            </a:fontRef>
+          </p:style>
+          <p:txBody>
+            <a:bodyPr rtlCol="0" anchor="ctr"/>
+            <a:lstStyle/>
+            <a:p>
+              <a:pPr algn="ctr"/>
+              <a:endParaRPr lang="ru-RU"/>
+            </a:p>
+          </p:txBody>
+        </p:sp>
+        <p:sp>
+          <p:nvSpPr>
+            <p:cNvPr id="40" name="Ромб 39">
+              <a:extLst>
+                <a:ext uri="{FF2B5EF4-FFF2-40B4-BE49-F238E27FC236}">
+                  <a16:creationId xmlns:a16="http://schemas.microsoft.com/office/drawing/2014/main" id="{6994DACC-9FB7-4570-B627-C3A7F4FAF3FC}"/>
+                </a:ext>
+              </a:extLst>
+            </p:cNvPr>
+            <p:cNvSpPr/>
+            <p:nvPr/>
+          </p:nvSpPr>
+          <p:spPr>
+            <a:xfrm>
+              <a:off x="1560896" y="2466907"/>
+              <a:ext cx="133136" cy="133136"/>
+            </a:xfrm>
+            <a:prstGeom prst="diamond">
+              <a:avLst/>
+            </a:prstGeom>
+            <a:solidFill>
+              <a:srgbClr val="FF0000"/>
+            </a:solidFill>
+            <a:ln>
+              <a:solidFill>
+                <a:srgbClr val="00B050"/>
+              </a:solidFill>
+            </a:ln>
+          </p:spPr>
+          <p:style>
+            <a:lnRef idx="2">
+              <a:schemeClr val="accent1">
+                <a:shade val="50000"/>
+              </a:schemeClr>
+            </a:lnRef>
+            <a:fillRef idx="1">
+              <a:schemeClr val="accent1"/>
+            </a:fillRef>
+            <a:effectRef idx="0">
+              <a:schemeClr val="accent1"/>
+            </a:effectRef>
+            <a:fontRef idx="minor">
+              <a:schemeClr val="lt1"/>
+            </a:fontRef>
+          </p:style>
+          <p:txBody>
+            <a:bodyPr rtlCol="0" anchor="ctr"/>
+            <a:lstStyle/>
+            <a:p>
+              <a:pPr algn="ctr"/>
+              <a:endParaRPr lang="ru-RU"/>
+            </a:p>
+          </p:txBody>
+        </p:sp>
+        <p:sp>
+          <p:nvSpPr>
+            <p:cNvPr id="41" name="Ромб 40">
+              <a:extLst>
+                <a:ext uri="{FF2B5EF4-FFF2-40B4-BE49-F238E27FC236}">
+                  <a16:creationId xmlns:a16="http://schemas.microsoft.com/office/drawing/2014/main" id="{9C924DCA-D083-4913-B7C7-23F275944E60}"/>
+                </a:ext>
+              </a:extLst>
+            </p:cNvPr>
+            <p:cNvSpPr/>
+            <p:nvPr/>
+          </p:nvSpPr>
+          <p:spPr>
+            <a:xfrm>
+              <a:off x="1762232" y="2072624"/>
+              <a:ext cx="133136" cy="133136"/>
+            </a:xfrm>
+            <a:prstGeom prst="diamond">
+              <a:avLst/>
+            </a:prstGeom>
+            <a:solidFill>
+              <a:srgbClr val="FF0000"/>
+            </a:solidFill>
+            <a:ln>
+              <a:solidFill>
+                <a:srgbClr val="00B050"/>
+              </a:solidFill>
+            </a:ln>
+          </p:spPr>
+          <p:style>
+            <a:lnRef idx="2">
+              <a:schemeClr val="accent1">
+                <a:shade val="50000"/>
+              </a:schemeClr>
+            </a:lnRef>
+            <a:fillRef idx="1">
+              <a:schemeClr val="accent1"/>
+            </a:fillRef>
+            <a:effectRef idx="0">
+              <a:schemeClr val="accent1"/>
+            </a:effectRef>
+            <a:fontRef idx="minor">
+              <a:schemeClr val="lt1"/>
+            </a:fontRef>
+          </p:style>
+          <p:txBody>
+            <a:bodyPr rtlCol="0" anchor="ctr"/>
+            <a:lstStyle/>
+            <a:p>
+              <a:pPr algn="ctr"/>
+              <a:endParaRPr lang="ru-RU"/>
+            </a:p>
+          </p:txBody>
+        </p:sp>
+        <p:sp>
+          <p:nvSpPr>
+            <p:cNvPr id="42" name="Ромб 41">
+              <a:extLst>
+                <a:ext uri="{FF2B5EF4-FFF2-40B4-BE49-F238E27FC236}">
+                  <a16:creationId xmlns:a16="http://schemas.microsoft.com/office/drawing/2014/main" id="{247125A6-464B-4559-B7E9-39CC79FA1E98}"/>
+                </a:ext>
+              </a:extLst>
+            </p:cNvPr>
+            <p:cNvSpPr/>
+            <p:nvPr/>
+          </p:nvSpPr>
+          <p:spPr>
+            <a:xfrm>
+              <a:off x="1359560" y="2089401"/>
+              <a:ext cx="133136" cy="133136"/>
+            </a:xfrm>
+            <a:prstGeom prst="diamond">
+              <a:avLst/>
+            </a:prstGeom>
+            <a:solidFill>
+              <a:srgbClr val="FF0000"/>
+            </a:solidFill>
+            <a:ln>
+              <a:solidFill>
+                <a:srgbClr val="00B050"/>
+              </a:solidFill>
+            </a:ln>
+          </p:spPr>
+          <p:style>
+            <a:lnRef idx="2">
+              <a:schemeClr val="accent1">
+                <a:shade val="50000"/>
+              </a:schemeClr>
+            </a:lnRef>
+            <a:fillRef idx="1">
+              <a:schemeClr val="accent1"/>
+            </a:fillRef>
+            <a:effectRef idx="0">
+              <a:schemeClr val="accent1"/>
+            </a:effectRef>
+            <a:fontRef idx="minor">
+              <a:schemeClr val="lt1"/>
+            </a:fontRef>
+          </p:style>
+          <p:txBody>
+            <a:bodyPr rtlCol="0" anchor="ctr"/>
+            <a:lstStyle/>
+            <a:p>
+              <a:pPr algn="ctr"/>
+              <a:endParaRPr lang="ru-RU"/>
+            </a:p>
+          </p:txBody>
+        </p:sp>
+      </p:grpSp>
+      <p:grpSp>
+        <p:nvGrpSpPr>
+          <p:cNvPr id="43" name="Группа 42">
+            <a:extLst>
+              <a:ext uri="{FF2B5EF4-FFF2-40B4-BE49-F238E27FC236}">
+                <a16:creationId xmlns:a16="http://schemas.microsoft.com/office/drawing/2014/main" id="{3A997067-8DB3-4C68-9A0A-DF8D33789AE5}"/>
+              </a:ext>
+            </a:extLst>
+          </p:cNvPr>
+          <p:cNvGrpSpPr/>
+          <p:nvPr/>
+        </p:nvGrpSpPr>
+        <p:grpSpPr>
+          <a:xfrm>
+            <a:off x="10345878" y="2485203"/>
+            <a:ext cx="535808" cy="921701"/>
+            <a:chOff x="1359560" y="1678342"/>
+            <a:chExt cx="535808" cy="921701"/>
+          </a:xfrm>
+        </p:grpSpPr>
+        <p:sp>
+          <p:nvSpPr>
+            <p:cNvPr id="44" name="Овал 43">
+              <a:extLst>
+                <a:ext uri="{FF2B5EF4-FFF2-40B4-BE49-F238E27FC236}">
+                  <a16:creationId xmlns:a16="http://schemas.microsoft.com/office/drawing/2014/main" id="{80FC5273-4FCC-4A6B-9767-94D3277D6286}"/>
+                </a:ext>
+              </a:extLst>
+            </p:cNvPr>
+            <p:cNvSpPr/>
+            <p:nvPr/>
+          </p:nvSpPr>
+          <p:spPr>
+            <a:xfrm>
+              <a:off x="1426128" y="1744910"/>
+              <a:ext cx="402672" cy="788565"/>
+            </a:xfrm>
+            <a:prstGeom prst="ellipse">
+              <a:avLst/>
+            </a:prstGeom>
+            <a:solidFill>
+              <a:srgbClr val="FFFF00"/>
+            </a:solidFill>
+          </p:spPr>
+          <p:style>
+            <a:lnRef idx="2">
+              <a:schemeClr val="accent1">
+                <a:shade val="50000"/>
+              </a:schemeClr>
+            </a:lnRef>
+            <a:fillRef idx="1">
+              <a:schemeClr val="accent1"/>
+            </a:fillRef>
+            <a:effectRef idx="0">
+              <a:schemeClr val="accent1"/>
+            </a:effectRef>
+            <a:fontRef idx="minor">
+              <a:schemeClr val="lt1"/>
+            </a:fontRef>
+          </p:style>
+          <p:txBody>
+            <a:bodyPr rtlCol="0" anchor="ctr"/>
+            <a:lstStyle/>
+            <a:p>
+              <a:pPr algn="ctr"/>
+              <a:endParaRPr lang="ru-RU"/>
+            </a:p>
+          </p:txBody>
+        </p:sp>
+        <p:sp>
+          <p:nvSpPr>
+            <p:cNvPr id="45" name="Ромб 44">
+              <a:extLst>
+                <a:ext uri="{FF2B5EF4-FFF2-40B4-BE49-F238E27FC236}">
+                  <a16:creationId xmlns:a16="http://schemas.microsoft.com/office/drawing/2014/main" id="{B6805162-393B-47E0-8F50-51A62D502E8E}"/>
+                </a:ext>
+              </a:extLst>
+            </p:cNvPr>
+            <p:cNvSpPr/>
+            <p:nvPr/>
+          </p:nvSpPr>
+          <p:spPr>
+            <a:xfrm>
+              <a:off x="1560896" y="1678342"/>
+              <a:ext cx="133136" cy="133136"/>
+            </a:xfrm>
+            <a:prstGeom prst="diamond">
+              <a:avLst/>
+            </a:prstGeom>
+            <a:solidFill>
+              <a:srgbClr val="FF0000"/>
+            </a:solidFill>
+            <a:ln>
+              <a:solidFill>
+                <a:srgbClr val="00B050"/>
+              </a:solidFill>
+            </a:ln>
+          </p:spPr>
+          <p:style>
+            <a:lnRef idx="2">
+              <a:schemeClr val="accent1">
+                <a:shade val="50000"/>
+              </a:schemeClr>
+            </a:lnRef>
+            <a:fillRef idx="1">
+              <a:schemeClr val="accent1"/>
+            </a:fillRef>
+            <a:effectRef idx="0">
+              <a:schemeClr val="accent1"/>
+            </a:effectRef>
+            <a:fontRef idx="minor">
+              <a:schemeClr val="lt1"/>
+            </a:fontRef>
+          </p:style>
+          <p:txBody>
+            <a:bodyPr rtlCol="0" anchor="ctr"/>
+            <a:lstStyle/>
+            <a:p>
+              <a:pPr algn="ctr"/>
+              <a:endParaRPr lang="ru-RU"/>
+            </a:p>
+          </p:txBody>
+        </p:sp>
+        <p:sp>
+          <p:nvSpPr>
+            <p:cNvPr id="46" name="Ромб 45">
+              <a:extLst>
+                <a:ext uri="{FF2B5EF4-FFF2-40B4-BE49-F238E27FC236}">
+                  <a16:creationId xmlns:a16="http://schemas.microsoft.com/office/drawing/2014/main" id="{1443F0CE-A495-4810-8EDD-DE3DF12F795F}"/>
+                </a:ext>
+              </a:extLst>
+            </p:cNvPr>
+            <p:cNvSpPr/>
+            <p:nvPr/>
+          </p:nvSpPr>
+          <p:spPr>
+            <a:xfrm>
+              <a:off x="1560896" y="2466907"/>
+              <a:ext cx="133136" cy="133136"/>
+            </a:xfrm>
+            <a:prstGeom prst="diamond">
+              <a:avLst/>
+            </a:prstGeom>
+            <a:solidFill>
+              <a:srgbClr val="FF0000"/>
+            </a:solidFill>
+            <a:ln>
+              <a:solidFill>
+                <a:srgbClr val="00B050"/>
+              </a:solidFill>
+            </a:ln>
+          </p:spPr>
+          <p:style>
+            <a:lnRef idx="2">
+              <a:schemeClr val="accent1">
+                <a:shade val="50000"/>
+              </a:schemeClr>
+            </a:lnRef>
+            <a:fillRef idx="1">
+              <a:schemeClr val="accent1"/>
+            </a:fillRef>
+            <a:effectRef idx="0">
+              <a:schemeClr val="accent1"/>
+            </a:effectRef>
+            <a:fontRef idx="minor">
+              <a:schemeClr val="lt1"/>
+            </a:fontRef>
+          </p:style>
+          <p:txBody>
+            <a:bodyPr rtlCol="0" anchor="ctr"/>
+            <a:lstStyle/>
+            <a:p>
+              <a:pPr algn="ctr"/>
+              <a:endParaRPr lang="ru-RU"/>
+            </a:p>
+          </p:txBody>
+        </p:sp>
+        <p:sp>
+          <p:nvSpPr>
+            <p:cNvPr id="47" name="Ромб 46">
+              <a:extLst>
+                <a:ext uri="{FF2B5EF4-FFF2-40B4-BE49-F238E27FC236}">
+                  <a16:creationId xmlns:a16="http://schemas.microsoft.com/office/drawing/2014/main" id="{A3B9B93D-8D33-4E83-AD15-F55184FA780D}"/>
+                </a:ext>
+              </a:extLst>
+            </p:cNvPr>
+            <p:cNvSpPr/>
+            <p:nvPr/>
+          </p:nvSpPr>
+          <p:spPr>
+            <a:xfrm>
+              <a:off x="1762232" y="2072624"/>
+              <a:ext cx="133136" cy="133136"/>
+            </a:xfrm>
+            <a:prstGeom prst="diamond">
+              <a:avLst/>
+            </a:prstGeom>
+            <a:solidFill>
+              <a:srgbClr val="FF0000"/>
+            </a:solidFill>
+            <a:ln>
+              <a:solidFill>
+                <a:srgbClr val="00B050"/>
+              </a:solidFill>
+            </a:ln>
+          </p:spPr>
+          <p:style>
+            <a:lnRef idx="2">
+              <a:schemeClr val="accent1">
+                <a:shade val="50000"/>
+              </a:schemeClr>
+            </a:lnRef>
+            <a:fillRef idx="1">
+              <a:schemeClr val="accent1"/>
+            </a:fillRef>
+            <a:effectRef idx="0">
+              <a:schemeClr val="accent1"/>
+            </a:effectRef>
+            <a:fontRef idx="minor">
+              <a:schemeClr val="lt1"/>
+            </a:fontRef>
+          </p:style>
+          <p:txBody>
+            <a:bodyPr rtlCol="0" anchor="ctr"/>
+            <a:lstStyle/>
+            <a:p>
+              <a:pPr algn="ctr"/>
+              <a:endParaRPr lang="ru-RU"/>
+            </a:p>
+          </p:txBody>
+        </p:sp>
+        <p:sp>
+          <p:nvSpPr>
+            <p:cNvPr id="48" name="Ромб 47">
+              <a:extLst>
+                <a:ext uri="{FF2B5EF4-FFF2-40B4-BE49-F238E27FC236}">
+                  <a16:creationId xmlns:a16="http://schemas.microsoft.com/office/drawing/2014/main" id="{A0F281AE-2FA6-47BA-AAA8-A12F40129D60}"/>
+                </a:ext>
+              </a:extLst>
+            </p:cNvPr>
+            <p:cNvSpPr/>
+            <p:nvPr/>
+          </p:nvSpPr>
+          <p:spPr>
+            <a:xfrm>
+              <a:off x="1359560" y="2089401"/>
+              <a:ext cx="133136" cy="133136"/>
+            </a:xfrm>
+            <a:prstGeom prst="diamond">
+              <a:avLst/>
+            </a:prstGeom>
+            <a:solidFill>
+              <a:srgbClr val="FF0000"/>
+            </a:solidFill>
+            <a:ln>
+              <a:solidFill>
+                <a:srgbClr val="00B050"/>
+              </a:solidFill>
+            </a:ln>
+          </p:spPr>
+          <p:style>
+            <a:lnRef idx="2">
+              <a:schemeClr val="accent1">
+                <a:shade val="50000"/>
+              </a:schemeClr>
+            </a:lnRef>
+            <a:fillRef idx="1">
+              <a:schemeClr val="accent1"/>
+            </a:fillRef>
+            <a:effectRef idx="0">
+              <a:schemeClr val="accent1"/>
+            </a:effectRef>
+            <a:fontRef idx="minor">
+              <a:schemeClr val="lt1"/>
+            </a:fontRef>
+          </p:style>
+          <p:txBody>
+            <a:bodyPr rtlCol="0" anchor="ctr"/>
+            <a:lstStyle/>
+            <a:p>
+              <a:pPr algn="ctr"/>
+              <a:endParaRPr lang="ru-RU"/>
+            </a:p>
+          </p:txBody>
+        </p:sp>
+      </p:grpSp>
+      <p:grpSp>
+        <p:nvGrpSpPr>
+          <p:cNvPr id="49" name="Группа 48">
+            <a:extLst>
+              <a:ext uri="{FF2B5EF4-FFF2-40B4-BE49-F238E27FC236}">
+                <a16:creationId xmlns:a16="http://schemas.microsoft.com/office/drawing/2014/main" id="{5821DD39-E199-472B-9F54-AF082D88B262}"/>
+              </a:ext>
+            </a:extLst>
+          </p:cNvPr>
+          <p:cNvGrpSpPr/>
+          <p:nvPr/>
+        </p:nvGrpSpPr>
+        <p:grpSpPr>
+          <a:xfrm>
+            <a:off x="9669167" y="4263669"/>
+            <a:ext cx="535808" cy="921701"/>
+            <a:chOff x="1359560" y="1678342"/>
+            <a:chExt cx="535808" cy="921701"/>
+          </a:xfrm>
+        </p:grpSpPr>
+        <p:sp>
+          <p:nvSpPr>
+            <p:cNvPr id="50" name="Овал 49">
+              <a:extLst>
+                <a:ext uri="{FF2B5EF4-FFF2-40B4-BE49-F238E27FC236}">
+                  <a16:creationId xmlns:a16="http://schemas.microsoft.com/office/drawing/2014/main" id="{6271B8B1-CED0-4002-B83D-13AD3342B064}"/>
+                </a:ext>
+              </a:extLst>
+            </p:cNvPr>
+            <p:cNvSpPr/>
+            <p:nvPr/>
+          </p:nvSpPr>
+          <p:spPr>
+            <a:xfrm>
+              <a:off x="1426128" y="1744910"/>
+              <a:ext cx="402672" cy="788565"/>
+            </a:xfrm>
+            <a:prstGeom prst="ellipse">
+              <a:avLst/>
+            </a:prstGeom>
+            <a:solidFill>
+              <a:srgbClr val="FFFF00"/>
+            </a:solidFill>
+          </p:spPr>
+          <p:style>
+            <a:lnRef idx="2">
+              <a:schemeClr val="accent1">
+                <a:shade val="50000"/>
+              </a:schemeClr>
+            </a:lnRef>
+            <a:fillRef idx="1">
+              <a:schemeClr val="accent1"/>
+            </a:fillRef>
+            <a:effectRef idx="0">
+              <a:schemeClr val="accent1"/>
+            </a:effectRef>
+            <a:fontRef idx="minor">
+              <a:schemeClr val="lt1"/>
+            </a:fontRef>
+          </p:style>
+          <p:txBody>
+            <a:bodyPr rtlCol="0" anchor="ctr"/>
+            <a:lstStyle/>
+            <a:p>
+              <a:pPr algn="ctr"/>
+              <a:endParaRPr lang="ru-RU"/>
+            </a:p>
+          </p:txBody>
+        </p:sp>
+        <p:sp>
+          <p:nvSpPr>
+            <p:cNvPr id="51" name="Ромб 50">
+              <a:extLst>
+                <a:ext uri="{FF2B5EF4-FFF2-40B4-BE49-F238E27FC236}">
+                  <a16:creationId xmlns:a16="http://schemas.microsoft.com/office/drawing/2014/main" id="{9482423E-307E-47E4-A5B5-3FB3F263F588}"/>
+                </a:ext>
+              </a:extLst>
+            </p:cNvPr>
+            <p:cNvSpPr/>
+            <p:nvPr/>
+          </p:nvSpPr>
+          <p:spPr>
+            <a:xfrm>
+              <a:off x="1560896" y="1678342"/>
+              <a:ext cx="133136" cy="133136"/>
+            </a:xfrm>
+            <a:prstGeom prst="diamond">
+              <a:avLst/>
+            </a:prstGeom>
+            <a:solidFill>
+              <a:srgbClr val="FF0000"/>
+            </a:solidFill>
+            <a:ln>
+              <a:solidFill>
+                <a:srgbClr val="00B050"/>
+              </a:solidFill>
+            </a:ln>
+          </p:spPr>
+          <p:style>
+            <a:lnRef idx="2">
+              <a:schemeClr val="accent1">
+                <a:shade val="50000"/>
+              </a:schemeClr>
+            </a:lnRef>
+            <a:fillRef idx="1">
+              <a:schemeClr val="accent1"/>
+            </a:fillRef>
+            <a:effectRef idx="0">
+              <a:schemeClr val="accent1"/>
+            </a:effectRef>
+            <a:fontRef idx="minor">
+              <a:schemeClr val="lt1"/>
+            </a:fontRef>
+          </p:style>
+          <p:txBody>
+            <a:bodyPr rtlCol="0" anchor="ctr"/>
+            <a:lstStyle/>
+            <a:p>
+              <a:pPr algn="ctr"/>
+              <a:endParaRPr lang="ru-RU"/>
+            </a:p>
+          </p:txBody>
+        </p:sp>
+        <p:sp>
+          <p:nvSpPr>
+            <p:cNvPr id="52" name="Ромб 51">
+              <a:extLst>
+                <a:ext uri="{FF2B5EF4-FFF2-40B4-BE49-F238E27FC236}">
+                  <a16:creationId xmlns:a16="http://schemas.microsoft.com/office/drawing/2014/main" id="{871EB857-3B2D-44A2-A09F-75DAEE0941E0}"/>
+                </a:ext>
+              </a:extLst>
+            </p:cNvPr>
+            <p:cNvSpPr/>
+            <p:nvPr/>
+          </p:nvSpPr>
+          <p:spPr>
+            <a:xfrm>
+              <a:off x="1560896" y="2466907"/>
+              <a:ext cx="133136" cy="133136"/>
+            </a:xfrm>
+            <a:prstGeom prst="diamond">
+              <a:avLst/>
+            </a:prstGeom>
+            <a:solidFill>
+              <a:srgbClr val="FF0000"/>
+            </a:solidFill>
+            <a:ln>
+              <a:solidFill>
+                <a:srgbClr val="00B050"/>
+              </a:solidFill>
+            </a:ln>
+          </p:spPr>
+          <p:style>
+            <a:lnRef idx="2">
+              <a:schemeClr val="accent1">
+                <a:shade val="50000"/>
+              </a:schemeClr>
+            </a:lnRef>
+            <a:fillRef idx="1">
+              <a:schemeClr val="accent1"/>
+            </a:fillRef>
+            <a:effectRef idx="0">
+              <a:schemeClr val="accent1"/>
+            </a:effectRef>
+            <a:fontRef idx="minor">
+              <a:schemeClr val="lt1"/>
+            </a:fontRef>
+          </p:style>
+          <p:txBody>
+            <a:bodyPr rtlCol="0" anchor="ctr"/>
+            <a:lstStyle/>
+            <a:p>
+              <a:pPr algn="ctr"/>
+              <a:endParaRPr lang="ru-RU"/>
+            </a:p>
+          </p:txBody>
+        </p:sp>
+        <p:sp>
+          <p:nvSpPr>
+            <p:cNvPr id="53" name="Ромб 52">
+              <a:extLst>
+                <a:ext uri="{FF2B5EF4-FFF2-40B4-BE49-F238E27FC236}">
+                  <a16:creationId xmlns:a16="http://schemas.microsoft.com/office/drawing/2014/main" id="{6CE4EB5A-02B2-4F0E-8FC1-55709F263438}"/>
+                </a:ext>
+              </a:extLst>
+            </p:cNvPr>
+            <p:cNvSpPr/>
+            <p:nvPr/>
+          </p:nvSpPr>
+          <p:spPr>
+            <a:xfrm>
+              <a:off x="1762232" y="2072624"/>
+              <a:ext cx="133136" cy="133136"/>
+            </a:xfrm>
+            <a:prstGeom prst="diamond">
+              <a:avLst/>
+            </a:prstGeom>
+            <a:solidFill>
+              <a:srgbClr val="FF0000"/>
+            </a:solidFill>
+            <a:ln>
+              <a:solidFill>
+                <a:srgbClr val="00B050"/>
+              </a:solidFill>
+            </a:ln>
+          </p:spPr>
+          <p:style>
+            <a:lnRef idx="2">
+              <a:schemeClr val="accent1">
+                <a:shade val="50000"/>
+              </a:schemeClr>
+            </a:lnRef>
+            <a:fillRef idx="1">
+              <a:schemeClr val="accent1"/>
+            </a:fillRef>
+            <a:effectRef idx="0">
+              <a:schemeClr val="accent1"/>
+            </a:effectRef>
+            <a:fontRef idx="minor">
+              <a:schemeClr val="lt1"/>
+            </a:fontRef>
+          </p:style>
+          <p:txBody>
+            <a:bodyPr rtlCol="0" anchor="ctr"/>
+            <a:lstStyle/>
+            <a:p>
+              <a:pPr algn="ctr"/>
+              <a:endParaRPr lang="ru-RU"/>
+            </a:p>
+          </p:txBody>
+        </p:sp>
+        <p:sp>
+          <p:nvSpPr>
+            <p:cNvPr id="54" name="Ромб 53">
+              <a:extLst>
+                <a:ext uri="{FF2B5EF4-FFF2-40B4-BE49-F238E27FC236}">
+                  <a16:creationId xmlns:a16="http://schemas.microsoft.com/office/drawing/2014/main" id="{A32B53FF-B788-45AD-9A4C-3B9AB9883532}"/>
+                </a:ext>
+              </a:extLst>
+            </p:cNvPr>
+            <p:cNvSpPr/>
+            <p:nvPr/>
+          </p:nvSpPr>
+          <p:spPr>
+            <a:xfrm>
+              <a:off x="1359560" y="2089401"/>
+              <a:ext cx="133136" cy="133136"/>
+            </a:xfrm>
+            <a:prstGeom prst="diamond">
+              <a:avLst/>
+            </a:prstGeom>
+            <a:solidFill>
+              <a:srgbClr val="FF0000"/>
+            </a:solidFill>
+            <a:ln>
+              <a:solidFill>
+                <a:srgbClr val="00B050"/>
+              </a:solidFill>
+            </a:ln>
+          </p:spPr>
+          <p:style>
+            <a:lnRef idx="2">
+              <a:schemeClr val="accent1">
+                <a:shade val="50000"/>
+              </a:schemeClr>
+            </a:lnRef>
+            <a:fillRef idx="1">
+              <a:schemeClr val="accent1"/>
+            </a:fillRef>
+            <a:effectRef idx="0">
+              <a:schemeClr val="accent1"/>
+            </a:effectRef>
+            <a:fontRef idx="minor">
+              <a:schemeClr val="lt1"/>
+            </a:fontRef>
+          </p:style>
+          <p:txBody>
+            <a:bodyPr rtlCol="0" anchor="ctr"/>
+            <a:lstStyle/>
+            <a:p>
+              <a:pPr algn="ctr"/>
+              <a:endParaRPr lang="ru-RU"/>
+            </a:p>
+          </p:txBody>
+        </p:sp>
+      </p:grpSp>
+      <p:grpSp>
+        <p:nvGrpSpPr>
+          <p:cNvPr id="55" name="Группа 54">
+            <a:extLst>
+              <a:ext uri="{FF2B5EF4-FFF2-40B4-BE49-F238E27FC236}">
+                <a16:creationId xmlns:a16="http://schemas.microsoft.com/office/drawing/2014/main" id="{F79DD638-77E9-4B1E-83CE-A118EDEBBA7C}"/>
+              </a:ext>
+            </a:extLst>
+          </p:cNvPr>
+          <p:cNvGrpSpPr/>
+          <p:nvPr/>
+        </p:nvGrpSpPr>
+        <p:grpSpPr>
+          <a:xfrm>
+            <a:off x="7873923" y="3584161"/>
+            <a:ext cx="535808" cy="921701"/>
+            <a:chOff x="1359560" y="1678342"/>
+            <a:chExt cx="535808" cy="921701"/>
+          </a:xfrm>
+        </p:grpSpPr>
+        <p:sp>
+          <p:nvSpPr>
+            <p:cNvPr id="56" name="Овал 55">
+              <a:extLst>
+                <a:ext uri="{FF2B5EF4-FFF2-40B4-BE49-F238E27FC236}">
+                  <a16:creationId xmlns:a16="http://schemas.microsoft.com/office/drawing/2014/main" id="{BC51FD90-1F22-4E5C-80B5-270437147A9B}"/>
+                </a:ext>
+              </a:extLst>
+            </p:cNvPr>
+            <p:cNvSpPr/>
+            <p:nvPr/>
+          </p:nvSpPr>
+          <p:spPr>
+            <a:xfrm>
+              <a:off x="1426128" y="1744910"/>
+              <a:ext cx="402672" cy="788565"/>
+            </a:xfrm>
+            <a:prstGeom prst="ellipse">
+              <a:avLst/>
+            </a:prstGeom>
+            <a:solidFill>
+              <a:srgbClr val="FFFF00"/>
+            </a:solidFill>
+          </p:spPr>
+          <p:style>
+            <a:lnRef idx="2">
+              <a:schemeClr val="accent1">
+                <a:shade val="50000"/>
+              </a:schemeClr>
+            </a:lnRef>
+            <a:fillRef idx="1">
+              <a:schemeClr val="accent1"/>
+            </a:fillRef>
+            <a:effectRef idx="0">
+              <a:schemeClr val="accent1"/>
+            </a:effectRef>
+            <a:fontRef idx="minor">
+              <a:schemeClr val="lt1"/>
+            </a:fontRef>
+          </p:style>
+          <p:txBody>
+            <a:bodyPr rtlCol="0" anchor="ctr"/>
+            <a:lstStyle/>
+            <a:p>
+              <a:pPr algn="ctr"/>
+              <a:endParaRPr lang="ru-RU"/>
+            </a:p>
+          </p:txBody>
+        </p:sp>
+        <p:sp>
+          <p:nvSpPr>
+            <p:cNvPr id="57" name="Ромб 56">
+              <a:extLst>
+                <a:ext uri="{FF2B5EF4-FFF2-40B4-BE49-F238E27FC236}">
+                  <a16:creationId xmlns:a16="http://schemas.microsoft.com/office/drawing/2014/main" id="{AF58AB03-24F7-4460-BCF8-F8FC33F806C1}"/>
+                </a:ext>
+              </a:extLst>
+            </p:cNvPr>
+            <p:cNvSpPr/>
+            <p:nvPr/>
+          </p:nvSpPr>
+          <p:spPr>
+            <a:xfrm>
+              <a:off x="1560896" y="1678342"/>
+              <a:ext cx="133136" cy="133136"/>
+            </a:xfrm>
+            <a:prstGeom prst="diamond">
+              <a:avLst/>
+            </a:prstGeom>
+            <a:solidFill>
+              <a:srgbClr val="FF0000"/>
+            </a:solidFill>
+            <a:ln>
+              <a:solidFill>
+                <a:srgbClr val="00B050"/>
+              </a:solidFill>
+            </a:ln>
+          </p:spPr>
+          <p:style>
+            <a:lnRef idx="2">
+              <a:schemeClr val="accent1">
+                <a:shade val="50000"/>
+              </a:schemeClr>
+            </a:lnRef>
+            <a:fillRef idx="1">
+              <a:schemeClr val="accent1"/>
+            </a:fillRef>
+            <a:effectRef idx="0">
+              <a:schemeClr val="accent1"/>
+            </a:effectRef>
+            <a:fontRef idx="minor">
+              <a:schemeClr val="lt1"/>
+            </a:fontRef>
+          </p:style>
+          <p:txBody>
+            <a:bodyPr rtlCol="0" anchor="ctr"/>
+            <a:lstStyle/>
+            <a:p>
+              <a:pPr algn="ctr"/>
+              <a:endParaRPr lang="ru-RU"/>
+            </a:p>
+          </p:txBody>
+        </p:sp>
+        <p:sp>
+          <p:nvSpPr>
+            <p:cNvPr id="58" name="Ромб 57">
+              <a:extLst>
+                <a:ext uri="{FF2B5EF4-FFF2-40B4-BE49-F238E27FC236}">
+                  <a16:creationId xmlns:a16="http://schemas.microsoft.com/office/drawing/2014/main" id="{43FEF538-B1D4-4BD0-9E14-838209971917}"/>
+                </a:ext>
+              </a:extLst>
+            </p:cNvPr>
+            <p:cNvSpPr/>
+            <p:nvPr/>
+          </p:nvSpPr>
+          <p:spPr>
+            <a:xfrm>
+              <a:off x="1560896" y="2466907"/>
+              <a:ext cx="133136" cy="133136"/>
+            </a:xfrm>
+            <a:prstGeom prst="diamond">
+              <a:avLst/>
+            </a:prstGeom>
+            <a:solidFill>
+              <a:srgbClr val="FF0000"/>
+            </a:solidFill>
+            <a:ln>
+              <a:solidFill>
+                <a:srgbClr val="00B050"/>
+              </a:solidFill>
+            </a:ln>
+          </p:spPr>
+          <p:style>
+            <a:lnRef idx="2">
+              <a:schemeClr val="accent1">
+                <a:shade val="50000"/>
+              </a:schemeClr>
+            </a:lnRef>
+            <a:fillRef idx="1">
+              <a:schemeClr val="accent1"/>
+            </a:fillRef>
+            <a:effectRef idx="0">
+              <a:schemeClr val="accent1"/>
+            </a:effectRef>
+            <a:fontRef idx="minor">
+              <a:schemeClr val="lt1"/>
+            </a:fontRef>
+          </p:style>
+          <p:txBody>
+            <a:bodyPr rtlCol="0" anchor="ctr"/>
+            <a:lstStyle/>
+            <a:p>
+              <a:pPr algn="ctr"/>
+              <a:endParaRPr lang="ru-RU"/>
+            </a:p>
+          </p:txBody>
+        </p:sp>
+        <p:sp>
+          <p:nvSpPr>
+            <p:cNvPr id="59" name="Ромб 58">
+              <a:extLst>
+                <a:ext uri="{FF2B5EF4-FFF2-40B4-BE49-F238E27FC236}">
+                  <a16:creationId xmlns:a16="http://schemas.microsoft.com/office/drawing/2014/main" id="{F662A9AD-8DBB-4FDC-B126-5BAC7E65FDFE}"/>
+                </a:ext>
+              </a:extLst>
+            </p:cNvPr>
+            <p:cNvSpPr/>
+            <p:nvPr/>
+          </p:nvSpPr>
+          <p:spPr>
+            <a:xfrm>
+              <a:off x="1762232" y="2072624"/>
+              <a:ext cx="133136" cy="133136"/>
+            </a:xfrm>
+            <a:prstGeom prst="diamond">
+              <a:avLst/>
+            </a:prstGeom>
+            <a:solidFill>
+              <a:srgbClr val="FF0000"/>
+            </a:solidFill>
+            <a:ln>
+              <a:solidFill>
+                <a:srgbClr val="00B050"/>
+              </a:solidFill>
+            </a:ln>
+          </p:spPr>
+          <p:style>
+            <a:lnRef idx="2">
+              <a:schemeClr val="accent1">
+                <a:shade val="50000"/>
+              </a:schemeClr>
+            </a:lnRef>
+            <a:fillRef idx="1">
+              <a:schemeClr val="accent1"/>
+            </a:fillRef>
+            <a:effectRef idx="0">
+              <a:schemeClr val="accent1"/>
+            </a:effectRef>
+            <a:fontRef idx="minor">
+              <a:schemeClr val="lt1"/>
+            </a:fontRef>
+          </p:style>
+          <p:txBody>
+            <a:bodyPr rtlCol="0" anchor="ctr"/>
+            <a:lstStyle/>
+            <a:p>
+              <a:pPr algn="ctr"/>
+              <a:endParaRPr lang="ru-RU"/>
+            </a:p>
+          </p:txBody>
+        </p:sp>
+        <p:sp>
+          <p:nvSpPr>
+            <p:cNvPr id="60" name="Ромб 59">
+              <a:extLst>
+                <a:ext uri="{FF2B5EF4-FFF2-40B4-BE49-F238E27FC236}">
+                  <a16:creationId xmlns:a16="http://schemas.microsoft.com/office/drawing/2014/main" id="{216E01E7-D40C-4649-9D4A-DB5A4BD8980A}"/>
+                </a:ext>
+              </a:extLst>
+            </p:cNvPr>
+            <p:cNvSpPr/>
+            <p:nvPr/>
+          </p:nvSpPr>
+          <p:spPr>
+            <a:xfrm>
+              <a:off x="1359560" y="2089401"/>
+              <a:ext cx="133136" cy="133136"/>
+            </a:xfrm>
+            <a:prstGeom prst="diamond">
+              <a:avLst/>
+            </a:prstGeom>
+            <a:solidFill>
+              <a:srgbClr val="FF0000"/>
+            </a:solidFill>
+            <a:ln>
+              <a:solidFill>
+                <a:srgbClr val="00B050"/>
+              </a:solidFill>
+            </a:ln>
+          </p:spPr>
+          <p:style>
+            <a:lnRef idx="2">
+              <a:schemeClr val="accent1">
+                <a:shade val="50000"/>
+              </a:schemeClr>
+            </a:lnRef>
+            <a:fillRef idx="1">
+              <a:schemeClr val="accent1"/>
+            </a:fillRef>
+            <a:effectRef idx="0">
+              <a:schemeClr val="accent1"/>
+            </a:effectRef>
+            <a:fontRef idx="minor">
+              <a:schemeClr val="lt1"/>
+            </a:fontRef>
+          </p:style>
+          <p:txBody>
+            <a:bodyPr rtlCol="0" anchor="ctr"/>
+            <a:lstStyle/>
+            <a:p>
+              <a:pPr algn="ctr"/>
+              <a:endParaRPr lang="ru-RU"/>
+            </a:p>
+          </p:txBody>
+        </p:sp>
+      </p:grpSp>
+      <p:grpSp>
+        <p:nvGrpSpPr>
+          <p:cNvPr id="61" name="Группа 60">
+            <a:extLst>
+              <a:ext uri="{FF2B5EF4-FFF2-40B4-BE49-F238E27FC236}">
+                <a16:creationId xmlns:a16="http://schemas.microsoft.com/office/drawing/2014/main" id="{CB5A749D-EEA5-4988-9FC7-01D9A554F608}"/>
+              </a:ext>
+            </a:extLst>
+          </p:cNvPr>
+          <p:cNvGrpSpPr/>
+          <p:nvPr/>
+        </p:nvGrpSpPr>
+        <p:grpSpPr>
+          <a:xfrm>
+            <a:off x="8453849" y="2262928"/>
+            <a:ext cx="535808" cy="921701"/>
+            <a:chOff x="1359560" y="1678342"/>
+            <a:chExt cx="535808" cy="921701"/>
+          </a:xfrm>
+        </p:grpSpPr>
+        <p:sp>
+          <p:nvSpPr>
+            <p:cNvPr id="62" name="Овал 61">
+              <a:extLst>
+                <a:ext uri="{FF2B5EF4-FFF2-40B4-BE49-F238E27FC236}">
+                  <a16:creationId xmlns:a16="http://schemas.microsoft.com/office/drawing/2014/main" id="{98622964-62CC-4B68-BA56-A117C784F7B1}"/>
+                </a:ext>
+              </a:extLst>
+            </p:cNvPr>
+            <p:cNvSpPr/>
+            <p:nvPr/>
+          </p:nvSpPr>
+          <p:spPr>
+            <a:xfrm>
+              <a:off x="1426128" y="1744910"/>
+              <a:ext cx="402672" cy="788565"/>
+            </a:xfrm>
+            <a:prstGeom prst="ellipse">
+              <a:avLst/>
+            </a:prstGeom>
+            <a:solidFill>
+              <a:srgbClr val="FFFF00"/>
+            </a:solidFill>
+          </p:spPr>
+          <p:style>
+            <a:lnRef idx="2">
+              <a:schemeClr val="accent1">
+                <a:shade val="50000"/>
+              </a:schemeClr>
+            </a:lnRef>
+            <a:fillRef idx="1">
+              <a:schemeClr val="accent1"/>
+            </a:fillRef>
+            <a:effectRef idx="0">
+              <a:schemeClr val="accent1"/>
+            </a:effectRef>
+            <a:fontRef idx="minor">
+              <a:schemeClr val="lt1"/>
+            </a:fontRef>
+          </p:style>
+          <p:txBody>
+            <a:bodyPr rtlCol="0" anchor="ctr"/>
+            <a:lstStyle/>
+            <a:p>
+              <a:pPr algn="ctr"/>
+              <a:endParaRPr lang="ru-RU"/>
+            </a:p>
+          </p:txBody>
+        </p:sp>
+        <p:sp>
+          <p:nvSpPr>
+            <p:cNvPr id="63" name="Ромб 62">
+              <a:extLst>
+                <a:ext uri="{FF2B5EF4-FFF2-40B4-BE49-F238E27FC236}">
+                  <a16:creationId xmlns:a16="http://schemas.microsoft.com/office/drawing/2014/main" id="{C1EFFBD6-24DE-4E8D-98CA-DB7B3BB70D95}"/>
+                </a:ext>
+              </a:extLst>
+            </p:cNvPr>
+            <p:cNvSpPr/>
+            <p:nvPr/>
+          </p:nvSpPr>
+          <p:spPr>
+            <a:xfrm>
+              <a:off x="1560896" y="1678342"/>
+              <a:ext cx="133136" cy="133136"/>
+            </a:xfrm>
+            <a:prstGeom prst="diamond">
+              <a:avLst/>
+            </a:prstGeom>
+            <a:solidFill>
+              <a:srgbClr val="FF0000"/>
+            </a:solidFill>
+            <a:ln>
+              <a:solidFill>
+                <a:srgbClr val="00B050"/>
+              </a:solidFill>
+            </a:ln>
+          </p:spPr>
+          <p:style>
+            <a:lnRef idx="2">
+              <a:schemeClr val="accent1">
+                <a:shade val="50000"/>
+              </a:schemeClr>
+            </a:lnRef>
+            <a:fillRef idx="1">
+              <a:schemeClr val="accent1"/>
+            </a:fillRef>
+            <a:effectRef idx="0">
+              <a:schemeClr val="accent1"/>
+            </a:effectRef>
+            <a:fontRef idx="minor">
+              <a:schemeClr val="lt1"/>
+            </a:fontRef>
+          </p:style>
+          <p:txBody>
+            <a:bodyPr rtlCol="0" anchor="ctr"/>
+            <a:lstStyle/>
+            <a:p>
+              <a:pPr algn="ctr"/>
+              <a:endParaRPr lang="ru-RU"/>
+            </a:p>
+          </p:txBody>
+        </p:sp>
+        <p:sp>
+          <p:nvSpPr>
+            <p:cNvPr id="64" name="Ромб 63">
+              <a:extLst>
+                <a:ext uri="{FF2B5EF4-FFF2-40B4-BE49-F238E27FC236}">
+                  <a16:creationId xmlns:a16="http://schemas.microsoft.com/office/drawing/2014/main" id="{AE4EC9EF-5B35-412D-B4B8-E3FA58795B84}"/>
+                </a:ext>
+              </a:extLst>
+            </p:cNvPr>
+            <p:cNvSpPr/>
+            <p:nvPr/>
+          </p:nvSpPr>
+          <p:spPr>
+            <a:xfrm>
+              <a:off x="1560896" y="2466907"/>
+              <a:ext cx="133136" cy="133136"/>
+            </a:xfrm>
+            <a:prstGeom prst="diamond">
+              <a:avLst/>
+            </a:prstGeom>
+            <a:solidFill>
+              <a:srgbClr val="FF0000"/>
+            </a:solidFill>
+            <a:ln>
+              <a:solidFill>
+                <a:srgbClr val="00B050"/>
+              </a:solidFill>
+            </a:ln>
+          </p:spPr>
+          <p:style>
+            <a:lnRef idx="2">
+              <a:schemeClr val="accent1">
+                <a:shade val="50000"/>
+              </a:schemeClr>
+            </a:lnRef>
+            <a:fillRef idx="1">
+              <a:schemeClr val="accent1"/>
+            </a:fillRef>
+            <a:effectRef idx="0">
+              <a:schemeClr val="accent1"/>
+            </a:effectRef>
+            <a:fontRef idx="minor">
+              <a:schemeClr val="lt1"/>
+            </a:fontRef>
+          </p:style>
+          <p:txBody>
+            <a:bodyPr rtlCol="0" anchor="ctr"/>
+            <a:lstStyle/>
+            <a:p>
+              <a:pPr algn="ctr"/>
+              <a:endParaRPr lang="ru-RU"/>
+            </a:p>
+          </p:txBody>
+        </p:sp>
+        <p:sp>
+          <p:nvSpPr>
+            <p:cNvPr id="65" name="Ромб 64">
+              <a:extLst>
+                <a:ext uri="{FF2B5EF4-FFF2-40B4-BE49-F238E27FC236}">
+                  <a16:creationId xmlns:a16="http://schemas.microsoft.com/office/drawing/2014/main" id="{5077DF91-786C-44BC-B99E-E8395FAD355E}"/>
+                </a:ext>
+              </a:extLst>
+            </p:cNvPr>
+            <p:cNvSpPr/>
+            <p:nvPr/>
+          </p:nvSpPr>
+          <p:spPr>
+            <a:xfrm>
+              <a:off x="1762232" y="2072624"/>
+              <a:ext cx="133136" cy="133136"/>
+            </a:xfrm>
+            <a:prstGeom prst="diamond">
+              <a:avLst/>
+            </a:prstGeom>
+            <a:solidFill>
+              <a:srgbClr val="FF0000"/>
+            </a:solidFill>
+            <a:ln>
+              <a:solidFill>
+                <a:srgbClr val="00B050"/>
+              </a:solidFill>
+            </a:ln>
+          </p:spPr>
+          <p:style>
+            <a:lnRef idx="2">
+              <a:schemeClr val="accent1">
+                <a:shade val="50000"/>
+              </a:schemeClr>
+            </a:lnRef>
+            <a:fillRef idx="1">
+              <a:schemeClr val="accent1"/>
+            </a:fillRef>
+            <a:effectRef idx="0">
+              <a:schemeClr val="accent1"/>
+            </a:effectRef>
+            <a:fontRef idx="minor">
+              <a:schemeClr val="lt1"/>
+            </a:fontRef>
+          </p:style>
+          <p:txBody>
+            <a:bodyPr rtlCol="0" anchor="ctr"/>
+            <a:lstStyle/>
+            <a:p>
+              <a:pPr algn="ctr"/>
+              <a:endParaRPr lang="ru-RU"/>
+            </a:p>
+          </p:txBody>
+        </p:sp>
+        <p:sp>
+          <p:nvSpPr>
+            <p:cNvPr id="66" name="Ромб 65">
+              <a:extLst>
+                <a:ext uri="{FF2B5EF4-FFF2-40B4-BE49-F238E27FC236}">
+                  <a16:creationId xmlns:a16="http://schemas.microsoft.com/office/drawing/2014/main" id="{4434546A-758A-4EB2-A6BB-FDFE15549636}"/>
+                </a:ext>
+              </a:extLst>
+            </p:cNvPr>
+            <p:cNvSpPr/>
+            <p:nvPr/>
+          </p:nvSpPr>
+          <p:spPr>
+            <a:xfrm>
+              <a:off x="1359560" y="2089401"/>
+              <a:ext cx="133136" cy="133136"/>
+            </a:xfrm>
+            <a:prstGeom prst="diamond">
+              <a:avLst/>
+            </a:prstGeom>
+            <a:solidFill>
+              <a:srgbClr val="FF0000"/>
+            </a:solidFill>
+            <a:ln>
+              <a:solidFill>
+                <a:srgbClr val="00B050"/>
+              </a:solidFill>
+            </a:ln>
+          </p:spPr>
+          <p:style>
+            <a:lnRef idx="2">
+              <a:schemeClr val="accent1">
+                <a:shade val="50000"/>
+              </a:schemeClr>
+            </a:lnRef>
+            <a:fillRef idx="1">
+              <a:schemeClr val="accent1"/>
+            </a:fillRef>
+            <a:effectRef idx="0">
+              <a:schemeClr val="accent1"/>
+            </a:effectRef>
+            <a:fontRef idx="minor">
+              <a:schemeClr val="lt1"/>
+            </a:fontRef>
+          </p:style>
+          <p:txBody>
+            <a:bodyPr rtlCol="0" anchor="ctr"/>
+            <a:lstStyle/>
+            <a:p>
+              <a:pPr algn="ctr"/>
+              <a:endParaRPr lang="ru-RU"/>
+            </a:p>
+          </p:txBody>
+        </p:sp>
+      </p:grpSp>
+      <p:cxnSp>
+        <p:nvCxnSpPr>
+          <p:cNvPr id="71" name="Прямая со стрелкой 70">
+            <a:extLst>
+              <a:ext uri="{FF2B5EF4-FFF2-40B4-BE49-F238E27FC236}">
+                <a16:creationId xmlns:a16="http://schemas.microsoft.com/office/drawing/2014/main" id="{85FE0247-D535-43F8-A1C7-0CEB18AE325C}"/>
+              </a:ext>
+            </a:extLst>
+          </p:cNvPr>
+          <p:cNvCxnSpPr>
+            <a:cxnSpLocks/>
+          </p:cNvCxnSpPr>
+          <p:nvPr/>
+        </p:nvCxnSpPr>
+        <p:spPr>
+          <a:xfrm flipV="1">
+            <a:off x="1904301" y="2879485"/>
+            <a:ext cx="897622" cy="97050"/>
+          </a:xfrm>
+          <a:prstGeom prst="straightConnector1">
+            <a:avLst/>
+          </a:prstGeom>
+          <a:ln w="38100">
+            <a:solidFill>
+              <a:schemeClr val="tx1"/>
+            </a:solidFill>
+            <a:tailEnd type="triangle"/>
+          </a:ln>
+        </p:spPr>
+        <p:style>
+          <a:lnRef idx="1">
+            <a:schemeClr val="accent1"/>
+          </a:lnRef>
+          <a:fillRef idx="0">
+            <a:schemeClr val="accent1"/>
+          </a:fillRef>
+          <a:effectRef idx="0">
+            <a:schemeClr val="accent1"/>
+          </a:effectRef>
+          <a:fontRef idx="minor">
+            <a:schemeClr val="tx1"/>
+          </a:fontRef>
+        </p:style>
+      </p:cxnSp>
+      <p:cxnSp>
+        <p:nvCxnSpPr>
+          <p:cNvPr id="74" name="Прямая со стрелкой 73">
+            <a:extLst>
+              <a:ext uri="{FF2B5EF4-FFF2-40B4-BE49-F238E27FC236}">
+                <a16:creationId xmlns:a16="http://schemas.microsoft.com/office/drawing/2014/main" id="{031AFBDA-6308-4386-B1D4-D8A63FE65954}"/>
+              </a:ext>
+            </a:extLst>
+          </p:cNvPr>
+          <p:cNvCxnSpPr>
+            <a:cxnSpLocks/>
+          </p:cNvCxnSpPr>
+          <p:nvPr/>
+        </p:nvCxnSpPr>
+        <p:spPr>
+          <a:xfrm>
+            <a:off x="2868491" y="2879485"/>
+            <a:ext cx="889777" cy="105440"/>
+          </a:xfrm>
+          <a:prstGeom prst="straightConnector1">
+            <a:avLst/>
+          </a:prstGeom>
+          <a:ln w="38100">
+            <a:solidFill>
+              <a:schemeClr val="tx1"/>
+            </a:solidFill>
+            <a:tailEnd type="triangle"/>
+          </a:ln>
+        </p:spPr>
+        <p:style>
+          <a:lnRef idx="1">
+            <a:schemeClr val="accent1"/>
+          </a:lnRef>
+          <a:fillRef idx="0">
+            <a:schemeClr val="accent1"/>
+          </a:fillRef>
+          <a:effectRef idx="0">
+            <a:schemeClr val="accent1"/>
+          </a:effectRef>
+          <a:fontRef idx="minor">
+            <a:schemeClr val="tx1"/>
+          </a:fontRef>
+        </p:style>
+      </p:cxnSp>
+      <p:cxnSp>
+        <p:nvCxnSpPr>
+          <p:cNvPr id="75" name="Прямая со стрелкой 74">
+            <a:extLst>
+              <a:ext uri="{FF2B5EF4-FFF2-40B4-BE49-F238E27FC236}">
+                <a16:creationId xmlns:a16="http://schemas.microsoft.com/office/drawing/2014/main" id="{E0BA837C-3A11-4F16-9408-A75DAE051079}"/>
+              </a:ext>
+            </a:extLst>
+          </p:cNvPr>
+          <p:cNvCxnSpPr>
+            <a:cxnSpLocks/>
+          </p:cNvCxnSpPr>
+          <p:nvPr/>
+        </p:nvCxnSpPr>
+        <p:spPr>
+          <a:xfrm flipV="1">
+            <a:off x="4177717" y="2928010"/>
+            <a:ext cx="925858" cy="84611"/>
+          </a:xfrm>
+          <a:prstGeom prst="straightConnector1">
+            <a:avLst/>
+          </a:prstGeom>
+          <a:ln w="38100">
+            <a:solidFill>
+              <a:schemeClr val="tx1"/>
+            </a:solidFill>
+            <a:tailEnd type="triangle"/>
+          </a:ln>
+        </p:spPr>
+        <p:style>
+          <a:lnRef idx="1">
+            <a:schemeClr val="accent1"/>
+          </a:lnRef>
+          <a:fillRef idx="0">
+            <a:schemeClr val="accent1"/>
+          </a:fillRef>
+          <a:effectRef idx="0">
+            <a:schemeClr val="accent1"/>
+          </a:effectRef>
+          <a:fontRef idx="minor">
+            <a:schemeClr val="tx1"/>
+          </a:fontRef>
+        </p:style>
+      </p:cxnSp>
+      <p:cxnSp>
+        <p:nvCxnSpPr>
+          <p:cNvPr id="76" name="Прямая со стрелкой 75">
+            <a:extLst>
+              <a:ext uri="{FF2B5EF4-FFF2-40B4-BE49-F238E27FC236}">
+                <a16:creationId xmlns:a16="http://schemas.microsoft.com/office/drawing/2014/main" id="{DEE70474-8068-4D36-B899-ADAE3C2A7B7C}"/>
+              </a:ext>
+            </a:extLst>
+          </p:cNvPr>
+          <p:cNvCxnSpPr>
+            <a:cxnSpLocks/>
+          </p:cNvCxnSpPr>
+          <p:nvPr/>
+        </p:nvCxnSpPr>
+        <p:spPr>
+          <a:xfrm>
+            <a:off x="5209019" y="2936066"/>
+            <a:ext cx="884805" cy="48859"/>
+          </a:xfrm>
+          <a:prstGeom prst="straightConnector1">
+            <a:avLst/>
+          </a:prstGeom>
+          <a:ln w="38100">
+            <a:solidFill>
+              <a:schemeClr val="tx1"/>
+            </a:solidFill>
+            <a:tailEnd type="triangle"/>
+          </a:ln>
+        </p:spPr>
+        <p:style>
+          <a:lnRef idx="1">
+            <a:schemeClr val="accent1"/>
+          </a:lnRef>
+          <a:fillRef idx="0">
+            <a:schemeClr val="accent1"/>
+          </a:fillRef>
+          <a:effectRef idx="0">
+            <a:schemeClr val="accent1"/>
+          </a:effectRef>
+          <a:fontRef idx="minor">
+            <a:schemeClr val="tx1"/>
+          </a:fontRef>
+        </p:style>
+      </p:cxnSp>
+      <p:cxnSp>
+        <p:nvCxnSpPr>
+          <p:cNvPr id="77" name="Прямая со стрелкой 76">
+            <a:extLst>
+              <a:ext uri="{FF2B5EF4-FFF2-40B4-BE49-F238E27FC236}">
+                <a16:creationId xmlns:a16="http://schemas.microsoft.com/office/drawing/2014/main" id="{92CF0413-B13C-4E39-9BB5-75BA728769F1}"/>
+              </a:ext>
+            </a:extLst>
+          </p:cNvPr>
+          <p:cNvCxnSpPr>
+            <a:cxnSpLocks/>
+          </p:cNvCxnSpPr>
+          <p:nvPr/>
+        </p:nvCxnSpPr>
+        <p:spPr>
+          <a:xfrm flipV="1">
+            <a:off x="6162568" y="1831325"/>
+            <a:ext cx="1317614" cy="1104742"/>
+          </a:xfrm>
+          <a:prstGeom prst="straightConnector1">
+            <a:avLst/>
+          </a:prstGeom>
+          <a:ln w="38100">
+            <a:solidFill>
+              <a:schemeClr val="tx1"/>
+            </a:solidFill>
+            <a:tailEnd type="triangle"/>
+          </a:ln>
+        </p:spPr>
+        <p:style>
+          <a:lnRef idx="1">
+            <a:schemeClr val="accent1"/>
+          </a:lnRef>
+          <a:fillRef idx="0">
+            <a:schemeClr val="accent1"/>
+          </a:fillRef>
+          <a:effectRef idx="0">
+            <a:schemeClr val="accent1"/>
+          </a:effectRef>
+          <a:fontRef idx="minor">
+            <a:schemeClr val="tx1"/>
+          </a:fontRef>
+        </p:style>
+      </p:cxnSp>
+      <p:cxnSp>
+        <p:nvCxnSpPr>
+          <p:cNvPr id="80" name="Прямая со стрелкой 79">
+            <a:extLst>
+              <a:ext uri="{FF2B5EF4-FFF2-40B4-BE49-F238E27FC236}">
+                <a16:creationId xmlns:a16="http://schemas.microsoft.com/office/drawing/2014/main" id="{009879CE-21DC-46CB-8A25-8EAC7C720D7F}"/>
+              </a:ext>
+            </a:extLst>
+          </p:cNvPr>
+          <p:cNvCxnSpPr>
+            <a:cxnSpLocks/>
+          </p:cNvCxnSpPr>
+          <p:nvPr/>
+        </p:nvCxnSpPr>
+        <p:spPr>
+          <a:xfrm flipV="1">
+            <a:off x="7605475" y="1193836"/>
+            <a:ext cx="1862356" cy="390288"/>
+          </a:xfrm>
+          <a:prstGeom prst="straightConnector1">
+            <a:avLst/>
+          </a:prstGeom>
+          <a:ln w="38100">
+            <a:solidFill>
+              <a:schemeClr val="tx1"/>
+            </a:solidFill>
+            <a:tailEnd type="triangle"/>
+          </a:ln>
+        </p:spPr>
+        <p:style>
+          <a:lnRef idx="1">
+            <a:schemeClr val="accent1"/>
+          </a:lnRef>
+          <a:fillRef idx="0">
+            <a:schemeClr val="accent1"/>
+          </a:fillRef>
+          <a:effectRef idx="0">
+            <a:schemeClr val="accent1"/>
+          </a:effectRef>
+          <a:fontRef idx="minor">
+            <a:schemeClr val="tx1"/>
+          </a:fontRef>
+        </p:style>
+      </p:cxnSp>
+      <p:cxnSp>
+        <p:nvCxnSpPr>
+          <p:cNvPr id="83" name="Прямая со стрелкой 82">
+            <a:extLst>
+              <a:ext uri="{FF2B5EF4-FFF2-40B4-BE49-F238E27FC236}">
+                <a16:creationId xmlns:a16="http://schemas.microsoft.com/office/drawing/2014/main" id="{701649D0-D8FC-4EF4-98CA-1D05035EA2DF}"/>
+              </a:ext>
+            </a:extLst>
+          </p:cNvPr>
+          <p:cNvCxnSpPr>
+            <a:cxnSpLocks/>
+          </p:cNvCxnSpPr>
+          <p:nvPr/>
+        </p:nvCxnSpPr>
+        <p:spPr>
+          <a:xfrm>
+            <a:off x="9401263" y="1467808"/>
+            <a:ext cx="1145951" cy="1359876"/>
+          </a:xfrm>
+          <a:prstGeom prst="straightConnector1">
+            <a:avLst/>
+          </a:prstGeom>
+          <a:ln w="38100">
+            <a:solidFill>
+              <a:schemeClr val="tx1"/>
+            </a:solidFill>
+            <a:tailEnd type="triangle"/>
+          </a:ln>
+        </p:spPr>
+        <p:style>
+          <a:lnRef idx="1">
+            <a:schemeClr val="accent1"/>
+          </a:lnRef>
+          <a:fillRef idx="0">
+            <a:schemeClr val="accent1"/>
+          </a:fillRef>
+          <a:effectRef idx="0">
+            <a:schemeClr val="accent1"/>
+          </a:effectRef>
+          <a:fontRef idx="minor">
+            <a:schemeClr val="tx1"/>
+          </a:fontRef>
+        </p:style>
+      </p:cxnSp>
+      <p:cxnSp>
+        <p:nvCxnSpPr>
+          <p:cNvPr id="86" name="Прямая со стрелкой 85">
+            <a:extLst>
+              <a:ext uri="{FF2B5EF4-FFF2-40B4-BE49-F238E27FC236}">
+                <a16:creationId xmlns:a16="http://schemas.microsoft.com/office/drawing/2014/main" id="{B3DBBB8A-C9AC-401B-96F6-E6AF10659FFE}"/>
+              </a:ext>
+            </a:extLst>
+          </p:cNvPr>
+          <p:cNvCxnSpPr>
+            <a:cxnSpLocks/>
+          </p:cNvCxnSpPr>
+          <p:nvPr/>
+        </p:nvCxnSpPr>
+        <p:spPr>
+          <a:xfrm flipH="1">
+            <a:off x="8754495" y="1518013"/>
+            <a:ext cx="567382" cy="1175687"/>
+          </a:xfrm>
+          <a:prstGeom prst="straightConnector1">
+            <a:avLst/>
+          </a:prstGeom>
+          <a:ln w="38100">
+            <a:solidFill>
+              <a:schemeClr val="tx1"/>
+            </a:solidFill>
+            <a:tailEnd type="triangle"/>
+          </a:ln>
+        </p:spPr>
+        <p:style>
+          <a:lnRef idx="1">
+            <a:schemeClr val="accent1"/>
+          </a:lnRef>
+          <a:fillRef idx="0">
+            <a:schemeClr val="accent1"/>
+          </a:fillRef>
+          <a:effectRef idx="0">
+            <a:schemeClr val="accent1"/>
+          </a:effectRef>
+          <a:fontRef idx="minor">
+            <a:schemeClr val="tx1"/>
+          </a:fontRef>
+        </p:style>
+      </p:cxnSp>
+      <p:cxnSp>
+        <p:nvCxnSpPr>
+          <p:cNvPr id="89" name="Прямая со стрелкой 88">
+            <a:extLst>
+              <a:ext uri="{FF2B5EF4-FFF2-40B4-BE49-F238E27FC236}">
+                <a16:creationId xmlns:a16="http://schemas.microsoft.com/office/drawing/2014/main" id="{7BB9379D-6D69-4146-9937-E43D42AA171F}"/>
+              </a:ext>
+            </a:extLst>
+          </p:cNvPr>
+          <p:cNvCxnSpPr>
+            <a:cxnSpLocks/>
+          </p:cNvCxnSpPr>
+          <p:nvPr/>
+        </p:nvCxnSpPr>
+        <p:spPr>
+          <a:xfrm>
+            <a:off x="6149750" y="3209582"/>
+            <a:ext cx="1977821" cy="745903"/>
+          </a:xfrm>
+          <a:prstGeom prst="straightConnector1">
+            <a:avLst/>
+          </a:prstGeom>
+          <a:ln w="38100">
+            <a:solidFill>
+              <a:schemeClr val="tx1"/>
+            </a:solidFill>
+            <a:tailEnd type="triangle"/>
+          </a:ln>
+        </p:spPr>
+        <p:style>
+          <a:lnRef idx="1">
+            <a:schemeClr val="accent1"/>
+          </a:lnRef>
+          <a:fillRef idx="0">
+            <a:schemeClr val="accent1"/>
+          </a:fillRef>
+          <a:effectRef idx="0">
+            <a:schemeClr val="accent1"/>
+          </a:effectRef>
+          <a:fontRef idx="minor">
+            <a:schemeClr val="tx1"/>
+          </a:fontRef>
+        </p:style>
+      </p:cxnSp>
+      <p:cxnSp>
+        <p:nvCxnSpPr>
+          <p:cNvPr id="92" name="Прямая со стрелкой 91">
+            <a:extLst>
+              <a:ext uri="{FF2B5EF4-FFF2-40B4-BE49-F238E27FC236}">
+                <a16:creationId xmlns:a16="http://schemas.microsoft.com/office/drawing/2014/main" id="{E2C83634-85A9-4C8F-8FCB-7F0175F6CB85}"/>
+              </a:ext>
+            </a:extLst>
+          </p:cNvPr>
+          <p:cNvCxnSpPr>
+            <a:cxnSpLocks/>
+          </p:cNvCxnSpPr>
+          <p:nvPr/>
+        </p:nvCxnSpPr>
+        <p:spPr>
+          <a:xfrm>
+            <a:off x="8208395" y="4191147"/>
+            <a:ext cx="1662108" cy="394282"/>
+          </a:xfrm>
+          <a:prstGeom prst="straightConnector1">
+            <a:avLst/>
+          </a:prstGeom>
+          <a:ln w="38100">
+            <a:solidFill>
+              <a:schemeClr val="tx1"/>
+            </a:solidFill>
+            <a:tailEnd type="triangle"/>
+          </a:ln>
+        </p:spPr>
+        <p:style>
+          <a:lnRef idx="1">
+            <a:schemeClr val="accent1"/>
+          </a:lnRef>
+          <a:fillRef idx="0">
+            <a:schemeClr val="accent1"/>
+          </a:fillRef>
+          <a:effectRef idx="0">
+            <a:schemeClr val="accent1"/>
+          </a:effectRef>
+          <a:fontRef idx="minor">
+            <a:schemeClr val="tx1"/>
+          </a:fontRef>
+        </p:style>
+      </p:cxnSp>
+      <p:cxnSp>
+        <p:nvCxnSpPr>
+          <p:cNvPr id="94" name="Прямая со стрелкой 93">
+            <a:extLst>
+              <a:ext uri="{FF2B5EF4-FFF2-40B4-BE49-F238E27FC236}">
+                <a16:creationId xmlns:a16="http://schemas.microsoft.com/office/drawing/2014/main" id="{70F78117-C2D7-4031-B85F-4038F830505B}"/>
+              </a:ext>
+            </a:extLst>
+          </p:cNvPr>
+          <p:cNvCxnSpPr>
+            <a:cxnSpLocks/>
+          </p:cNvCxnSpPr>
+          <p:nvPr/>
+        </p:nvCxnSpPr>
+        <p:spPr>
+          <a:xfrm flipV="1">
+            <a:off x="9974238" y="3095966"/>
+            <a:ext cx="572976" cy="1422895"/>
+          </a:xfrm>
+          <a:prstGeom prst="straightConnector1">
+            <a:avLst/>
+          </a:prstGeom>
+          <a:ln w="38100">
+            <a:solidFill>
+              <a:schemeClr val="tx1"/>
+            </a:solidFill>
+            <a:tailEnd type="triangle"/>
+          </a:ln>
+        </p:spPr>
+        <p:style>
+          <a:lnRef idx="1">
+            <a:schemeClr val="accent1"/>
+          </a:lnRef>
+          <a:fillRef idx="0">
+            <a:schemeClr val="accent1"/>
+          </a:fillRef>
+          <a:effectRef idx="0">
+            <a:schemeClr val="accent1"/>
+          </a:effectRef>
+          <a:fontRef idx="minor">
+            <a:schemeClr val="tx1"/>
+          </a:fontRef>
+        </p:style>
+      </p:cxnSp>
+      <p:cxnSp>
+        <p:nvCxnSpPr>
+          <p:cNvPr id="97" name="Прямая со стрелкой 96">
+            <a:extLst>
+              <a:ext uri="{FF2B5EF4-FFF2-40B4-BE49-F238E27FC236}">
+                <a16:creationId xmlns:a16="http://schemas.microsoft.com/office/drawing/2014/main" id="{525E9211-B4FA-44E7-8C54-BEFA1450329A}"/>
+              </a:ext>
+            </a:extLst>
+          </p:cNvPr>
+          <p:cNvCxnSpPr>
+            <a:cxnSpLocks/>
+          </p:cNvCxnSpPr>
+          <p:nvPr/>
+        </p:nvCxnSpPr>
+        <p:spPr>
+          <a:xfrm>
+            <a:off x="8788321" y="2902483"/>
+            <a:ext cx="1129991" cy="1616378"/>
+          </a:xfrm>
+          <a:prstGeom prst="straightConnector1">
+            <a:avLst/>
+          </a:prstGeom>
+          <a:ln w="38100">
+            <a:solidFill>
+              <a:schemeClr val="tx1"/>
+            </a:solidFill>
+            <a:tailEnd type="triangle"/>
+          </a:ln>
+        </p:spPr>
+        <p:style>
+          <a:lnRef idx="1">
+            <a:schemeClr val="accent1"/>
+          </a:lnRef>
+          <a:fillRef idx="0">
+            <a:schemeClr val="accent1"/>
+          </a:fillRef>
+          <a:effectRef idx="0">
+            <a:schemeClr val="accent1"/>
+          </a:effectRef>
+          <a:fontRef idx="minor">
+            <a:schemeClr val="tx1"/>
+          </a:fontRef>
+        </p:style>
+      </p:cxnSp>
+      <mc:AlternateContent xmlns:mc="http://schemas.openxmlformats.org/markup-compatibility/2006">
+        <mc:Choice xmlns:a14="http://schemas.microsoft.com/office/drawing/2010/main" Requires="a14">
+          <p:sp>
+            <p:nvSpPr>
+              <p:cNvPr id="100" name="TextBox 99">
+                <a:extLst>
+                  <a:ext uri="{FF2B5EF4-FFF2-40B4-BE49-F238E27FC236}">
+                    <a16:creationId xmlns:a16="http://schemas.microsoft.com/office/drawing/2014/main" id="{B512C781-6D5D-4040-9FBB-F7416B276375}"/>
+                  </a:ext>
+                </a:extLst>
+              </p:cNvPr>
+              <p:cNvSpPr txBox="1"/>
+              <p:nvPr/>
+            </p:nvSpPr>
+            <p:spPr>
+              <a:xfrm>
+                <a:off x="1657798" y="2102177"/>
+                <a:ext cx="528934" cy="393121"/>
+              </a:xfrm>
+              <a:prstGeom prst="rect">
+                <a:avLst/>
+              </a:prstGeom>
+              <a:noFill/>
+            </p:spPr>
+            <p:txBody>
+              <a:bodyPr wrap="square">
+                <a:spAutoFit/>
+              </a:bodyPr>
+              <a:lstStyle/>
+              <a:p>
+                <a:pPr/>
+                <a14:m>
+                  <m:oMathPara xmlns:m="http://schemas.openxmlformats.org/officeDocument/2006/math">
+                    <m:oMathParaPr>
+                      <m:jc m:val="centerGroup"/>
+                    </m:oMathParaPr>
+                    <m:oMath xmlns:m="http://schemas.openxmlformats.org/officeDocument/2006/math">
+                      <m:sSub>
+                        <m:sSubPr>
+                          <m:ctrlPr>
+                            <a:rPr lang="ru-RU" i="1" smtClean="0">
+                              <a:effectLst/>
+                              <a:latin typeface="Cambria Math" panose="02040503050406030204" pitchFamily="18" charset="0"/>
+                            </a:rPr>
+                          </m:ctrlPr>
+                        </m:sSubPr>
+                        <m:e>
+                          <m:r>
+                            <a:rPr lang="ru-RU" sz="1800" i="1">
+                              <a:effectLst/>
+                              <a:latin typeface="Cambria Math" panose="02040503050406030204" pitchFamily="18" charset="0"/>
+                              <a:ea typeface="Calibri" panose="020F0502020204030204" pitchFamily="34" charset="0"/>
+                              <a:cs typeface="F"/>
+                            </a:rPr>
+                            <m:t>𝑉</m:t>
+                          </m:r>
+                        </m:e>
+                        <m:sub>
+                          <m:sSub>
+                            <m:sSubPr>
+                              <m:ctrlPr>
+                                <a:rPr lang="ru-RU" i="1">
+                                  <a:effectLst/>
+                                  <a:latin typeface="Cambria Math" panose="02040503050406030204" pitchFamily="18" charset="0"/>
+                                </a:rPr>
+                              </m:ctrlPr>
+                            </m:sSubPr>
+                            <m:e>
+                              <m:r>
+                                <a:rPr lang="ru-RU" sz="1800" i="1">
+                                  <a:effectLst/>
+                                  <a:latin typeface="Cambria Math" panose="02040503050406030204" pitchFamily="18" charset="0"/>
+                                  <a:ea typeface="Calibri" panose="020F0502020204030204" pitchFamily="34" charset="0"/>
+                                  <a:cs typeface="F"/>
+                                </a:rPr>
+                                <m:t>𝑖</m:t>
+                              </m:r>
+                            </m:e>
+                            <m:sub>
+                              <m:r>
+                                <a:rPr lang="ru-RU" sz="1800" i="1">
+                                  <a:effectLst/>
+                                  <a:latin typeface="Cambria Math" panose="02040503050406030204" pitchFamily="18" charset="0"/>
+                                  <a:ea typeface="Calibri" panose="020F0502020204030204" pitchFamily="34" charset="0"/>
+                                  <a:cs typeface="F"/>
+                                </a:rPr>
+                                <m:t>1</m:t>
+                              </m:r>
+                            </m:sub>
+                          </m:sSub>
+                        </m:sub>
+                      </m:sSub>
+                    </m:oMath>
+                  </m:oMathPara>
+                </a14:m>
+                <a:endParaRPr lang="ru-RU" dirty="0"/>
+              </a:p>
+            </p:txBody>
+          </p:sp>
+        </mc:Choice>
+        <mc:Fallback>
+          <p:sp>
+            <p:nvSpPr>
+              <p:cNvPr id="100" name="TextBox 99">
+                <a:extLst>
+                  <a:ext uri="{FF2B5EF4-FFF2-40B4-BE49-F238E27FC236}">
+                    <a16:creationId xmlns:a16="http://schemas.microsoft.com/office/drawing/2014/main" id="{B512C781-6D5D-4040-9FBB-F7416B276375}"/>
+                  </a:ext>
+                </a:extLst>
+              </p:cNvPr>
+              <p:cNvSpPr txBox="1">
+                <a:spLocks noRot="1" noChangeAspect="1" noMove="1" noResize="1" noEditPoints="1" noAdjustHandles="1" noChangeArrowheads="1" noChangeShapeType="1" noTextEdit="1"/>
+              </p:cNvSpPr>
+              <p:nvPr/>
+            </p:nvSpPr>
+            <p:spPr>
+              <a:xfrm>
+                <a:off x="1657798" y="2102177"/>
+                <a:ext cx="528934" cy="393121"/>
+              </a:xfrm>
+              <a:prstGeom prst="rect">
+                <a:avLst/>
+              </a:prstGeom>
+              <a:blipFill>
+                <a:blip r:embed="rId4"/>
+                <a:stretch>
+                  <a:fillRect/>
+                </a:stretch>
+              </a:blipFill>
+            </p:spPr>
+            <p:txBody>
+              <a:bodyPr/>
+              <a:lstStyle/>
+              <a:p>
+                <a:r>
+                  <a:rPr lang="ru-RU">
+                    <a:noFill/>
+                  </a:rPr>
+                  <a:t> </a:t>
+                </a:r>
+              </a:p>
+            </p:txBody>
+          </p:sp>
+        </mc:Fallback>
+      </mc:AlternateContent>
+      <mc:AlternateContent xmlns:mc="http://schemas.openxmlformats.org/markup-compatibility/2006">
+        <mc:Choice xmlns:a14="http://schemas.microsoft.com/office/drawing/2010/main" Requires="a14">
+          <p:sp>
+            <p:nvSpPr>
+              <p:cNvPr id="101" name="TextBox 100">
+                <a:extLst>
+                  <a:ext uri="{FF2B5EF4-FFF2-40B4-BE49-F238E27FC236}">
+                    <a16:creationId xmlns:a16="http://schemas.microsoft.com/office/drawing/2014/main" id="{8D18E820-CC10-46A2-A6A4-01D283E69382}"/>
+                  </a:ext>
+                </a:extLst>
+              </p:cNvPr>
+              <p:cNvSpPr txBox="1"/>
+              <p:nvPr/>
+            </p:nvSpPr>
+            <p:spPr>
+              <a:xfrm>
+                <a:off x="2571303" y="2102177"/>
+                <a:ext cx="528934" cy="393121"/>
+              </a:xfrm>
+              <a:prstGeom prst="rect">
+                <a:avLst/>
+              </a:prstGeom>
+              <a:noFill/>
+            </p:spPr>
+            <p:txBody>
+              <a:bodyPr wrap="square">
+                <a:spAutoFit/>
+              </a:bodyPr>
+              <a:lstStyle/>
+              <a:p>
+                <a:pPr/>
+                <a14:m>
+                  <m:oMathPara xmlns:m="http://schemas.openxmlformats.org/officeDocument/2006/math">
+                    <m:oMathParaPr>
+                      <m:jc m:val="centerGroup"/>
+                    </m:oMathParaPr>
+                    <m:oMath xmlns:m="http://schemas.openxmlformats.org/officeDocument/2006/math">
+                      <m:sSub>
+                        <m:sSubPr>
+                          <m:ctrlPr>
+                            <a:rPr lang="ru-RU" i="1" smtClean="0">
+                              <a:effectLst/>
+                              <a:latin typeface="Cambria Math" panose="02040503050406030204" pitchFamily="18" charset="0"/>
+                            </a:rPr>
+                          </m:ctrlPr>
+                        </m:sSubPr>
+                        <m:e>
+                          <m:r>
+                            <a:rPr lang="ru-RU" sz="1800" i="1">
+                              <a:effectLst/>
+                              <a:latin typeface="Cambria Math" panose="02040503050406030204" pitchFamily="18" charset="0"/>
+                              <a:ea typeface="Calibri" panose="020F0502020204030204" pitchFamily="34" charset="0"/>
+                              <a:cs typeface="F"/>
+                            </a:rPr>
+                            <m:t>𝑉</m:t>
+                          </m:r>
+                        </m:e>
+                        <m:sub>
+                          <m:sSub>
+                            <m:sSubPr>
+                              <m:ctrlPr>
+                                <a:rPr lang="ru-RU" i="1">
+                                  <a:effectLst/>
+                                  <a:latin typeface="Cambria Math" panose="02040503050406030204" pitchFamily="18" charset="0"/>
+                                </a:rPr>
+                              </m:ctrlPr>
+                            </m:sSubPr>
+                            <m:e>
+                              <m:r>
+                                <a:rPr lang="ru-RU" sz="1800" i="1">
+                                  <a:effectLst/>
+                                  <a:latin typeface="Cambria Math" panose="02040503050406030204" pitchFamily="18" charset="0"/>
+                                  <a:ea typeface="Calibri" panose="020F0502020204030204" pitchFamily="34" charset="0"/>
+                                  <a:cs typeface="F"/>
+                                </a:rPr>
+                                <m:t>𝑖</m:t>
+                              </m:r>
+                            </m:e>
+                            <m:sub>
+                              <m:r>
+                                <a:rPr lang="ru-RU" sz="1800" b="0" i="1" smtClean="0">
+                                  <a:effectLst/>
+                                  <a:latin typeface="Cambria Math" panose="02040503050406030204" pitchFamily="18" charset="0"/>
+                                  <a:ea typeface="Calibri" panose="020F0502020204030204" pitchFamily="34" charset="0"/>
+                                  <a:cs typeface="F"/>
+                                </a:rPr>
+                                <m:t>2</m:t>
+                              </m:r>
+                            </m:sub>
+                          </m:sSub>
+                        </m:sub>
+                      </m:sSub>
+                    </m:oMath>
+                  </m:oMathPara>
+                </a14:m>
+                <a:endParaRPr lang="ru-RU" dirty="0"/>
+              </a:p>
+            </p:txBody>
+          </p:sp>
+        </mc:Choice>
+        <mc:Fallback>
+          <p:sp>
+            <p:nvSpPr>
+              <p:cNvPr id="101" name="TextBox 100">
+                <a:extLst>
+                  <a:ext uri="{FF2B5EF4-FFF2-40B4-BE49-F238E27FC236}">
+                    <a16:creationId xmlns:a16="http://schemas.microsoft.com/office/drawing/2014/main" id="{8D18E820-CC10-46A2-A6A4-01D283E69382}"/>
+                  </a:ext>
+                </a:extLst>
+              </p:cNvPr>
+              <p:cNvSpPr txBox="1">
+                <a:spLocks noRot="1" noChangeAspect="1" noMove="1" noResize="1" noEditPoints="1" noAdjustHandles="1" noChangeArrowheads="1" noChangeShapeType="1" noTextEdit="1"/>
+              </p:cNvSpPr>
+              <p:nvPr/>
+            </p:nvSpPr>
+            <p:spPr>
+              <a:xfrm>
+                <a:off x="2571303" y="2102177"/>
+                <a:ext cx="528934" cy="393121"/>
+              </a:xfrm>
+              <a:prstGeom prst="rect">
+                <a:avLst/>
+              </a:prstGeom>
+              <a:blipFill>
+                <a:blip r:embed="rId5"/>
+                <a:stretch>
+                  <a:fillRect/>
+                </a:stretch>
+              </a:blipFill>
+            </p:spPr>
+            <p:txBody>
+              <a:bodyPr/>
+              <a:lstStyle/>
+              <a:p>
+                <a:r>
+                  <a:rPr lang="ru-RU">
+                    <a:noFill/>
+                  </a:rPr>
+                  <a:t> </a:t>
+                </a:r>
+              </a:p>
+            </p:txBody>
+          </p:sp>
+        </mc:Fallback>
+      </mc:AlternateContent>
+      <mc:AlternateContent xmlns:mc="http://schemas.openxmlformats.org/markup-compatibility/2006">
+        <mc:Choice xmlns:a14="http://schemas.microsoft.com/office/drawing/2010/main" Requires="a14">
+          <p:sp>
+            <p:nvSpPr>
+              <p:cNvPr id="102" name="TextBox 101">
+                <a:extLst>
+                  <a:ext uri="{FF2B5EF4-FFF2-40B4-BE49-F238E27FC236}">
+                    <a16:creationId xmlns:a16="http://schemas.microsoft.com/office/drawing/2014/main" id="{DBE905BC-FC1A-44B0-9DE4-6A810A2F62B3}"/>
+                  </a:ext>
+                </a:extLst>
+              </p:cNvPr>
+              <p:cNvSpPr txBox="1"/>
+              <p:nvPr/>
+            </p:nvSpPr>
+            <p:spPr>
+              <a:xfrm>
+                <a:off x="5902507" y="2102177"/>
+                <a:ext cx="528934" cy="393121"/>
+              </a:xfrm>
+              <a:prstGeom prst="rect">
+                <a:avLst/>
+              </a:prstGeom>
+              <a:noFill/>
+            </p:spPr>
+            <p:txBody>
+              <a:bodyPr wrap="square">
+                <a:spAutoFit/>
+              </a:bodyPr>
+              <a:lstStyle/>
+              <a:p>
+                <a:pPr/>
+                <a14:m>
+                  <m:oMathPara xmlns:m="http://schemas.openxmlformats.org/officeDocument/2006/math">
+                    <m:oMathParaPr>
+                      <m:jc m:val="centerGroup"/>
+                    </m:oMathParaPr>
+                    <m:oMath xmlns:m="http://schemas.openxmlformats.org/officeDocument/2006/math">
+                      <m:sSub>
+                        <m:sSubPr>
+                          <m:ctrlPr>
+                            <a:rPr lang="ru-RU" i="1" smtClean="0">
+                              <a:effectLst/>
+                              <a:latin typeface="Cambria Math" panose="02040503050406030204" pitchFamily="18" charset="0"/>
+                            </a:rPr>
+                          </m:ctrlPr>
+                        </m:sSubPr>
+                        <m:e>
+                          <m:r>
+                            <a:rPr lang="ru-RU" sz="1800" i="1">
+                              <a:effectLst/>
+                              <a:latin typeface="Cambria Math" panose="02040503050406030204" pitchFamily="18" charset="0"/>
+                              <a:ea typeface="Calibri" panose="020F0502020204030204" pitchFamily="34" charset="0"/>
+                              <a:cs typeface="F"/>
+                            </a:rPr>
+                            <m:t>𝑉</m:t>
+                          </m:r>
+                        </m:e>
+                        <m:sub>
+                          <m:sSub>
+                            <m:sSubPr>
+                              <m:ctrlPr>
+                                <a:rPr lang="ru-RU" i="1">
+                                  <a:effectLst/>
+                                  <a:latin typeface="Cambria Math" panose="02040503050406030204" pitchFamily="18" charset="0"/>
+                                </a:rPr>
+                              </m:ctrlPr>
+                            </m:sSubPr>
+                            <m:e>
+                              <m:r>
+                                <a:rPr lang="ru-RU" sz="1800" i="1">
+                                  <a:effectLst/>
+                                  <a:latin typeface="Cambria Math" panose="02040503050406030204" pitchFamily="18" charset="0"/>
+                                  <a:ea typeface="Calibri" panose="020F0502020204030204" pitchFamily="34" charset="0"/>
+                                  <a:cs typeface="F"/>
+                                </a:rPr>
+                                <m:t>𝑖</m:t>
+                              </m:r>
+                            </m:e>
+                            <m:sub>
+                              <m:r>
+                                <a:rPr lang="en-US" sz="1800" b="0" i="1" smtClean="0">
+                                  <a:effectLst/>
+                                  <a:latin typeface="Cambria Math" panose="02040503050406030204" pitchFamily="18" charset="0"/>
+                                  <a:ea typeface="Calibri" panose="020F0502020204030204" pitchFamily="34" charset="0"/>
+                                  <a:cs typeface="F"/>
+                                </a:rPr>
+                                <m:t>𝑟</m:t>
+                              </m:r>
+                            </m:sub>
+                          </m:sSub>
+                        </m:sub>
+                      </m:sSub>
+                    </m:oMath>
+                  </m:oMathPara>
+                </a14:m>
+                <a:endParaRPr lang="ru-RU" dirty="0"/>
+              </a:p>
+            </p:txBody>
+          </p:sp>
+        </mc:Choice>
+        <mc:Fallback>
+          <p:sp>
+            <p:nvSpPr>
+              <p:cNvPr id="102" name="TextBox 101">
+                <a:extLst>
+                  <a:ext uri="{FF2B5EF4-FFF2-40B4-BE49-F238E27FC236}">
+                    <a16:creationId xmlns:a16="http://schemas.microsoft.com/office/drawing/2014/main" id="{DBE905BC-FC1A-44B0-9DE4-6A810A2F62B3}"/>
+                  </a:ext>
+                </a:extLst>
+              </p:cNvPr>
+              <p:cNvSpPr txBox="1">
+                <a:spLocks noRot="1" noChangeAspect="1" noMove="1" noResize="1" noEditPoints="1" noAdjustHandles="1" noChangeArrowheads="1" noChangeShapeType="1" noTextEdit="1"/>
+              </p:cNvSpPr>
+              <p:nvPr/>
+            </p:nvSpPr>
+            <p:spPr>
+              <a:xfrm>
+                <a:off x="5902507" y="2102177"/>
+                <a:ext cx="528934" cy="393121"/>
+              </a:xfrm>
+              <a:prstGeom prst="rect">
+                <a:avLst/>
+              </a:prstGeom>
+              <a:blipFill>
+                <a:blip r:embed="rId6"/>
+                <a:stretch>
+                  <a:fillRect/>
+                </a:stretch>
+              </a:blipFill>
+            </p:spPr>
+            <p:txBody>
+              <a:bodyPr/>
+              <a:lstStyle/>
+              <a:p>
+                <a:r>
+                  <a:rPr lang="ru-RU">
+                    <a:noFill/>
+                  </a:rPr>
+                  <a:t> </a:t>
+                </a:r>
+              </a:p>
+            </p:txBody>
+          </p:sp>
+        </mc:Fallback>
+      </mc:AlternateContent>
+      <mc:AlternateContent xmlns:mc="http://schemas.openxmlformats.org/markup-compatibility/2006">
+        <mc:Choice xmlns:a14="http://schemas.microsoft.com/office/drawing/2010/main" Requires="a14">
+          <p:sp>
+            <p:nvSpPr>
+              <p:cNvPr id="103" name="TextBox 102">
+                <a:extLst>
+                  <a:ext uri="{FF2B5EF4-FFF2-40B4-BE49-F238E27FC236}">
+                    <a16:creationId xmlns:a16="http://schemas.microsoft.com/office/drawing/2014/main" id="{2E6755C9-3C5C-4458-B8CD-DFB7B28983B8}"/>
+                  </a:ext>
+                </a:extLst>
+              </p:cNvPr>
+              <p:cNvSpPr txBox="1"/>
+              <p:nvPr/>
+            </p:nvSpPr>
+            <p:spPr>
+              <a:xfrm>
+                <a:off x="4903303" y="2102177"/>
+                <a:ext cx="528934" cy="393121"/>
+              </a:xfrm>
+              <a:prstGeom prst="rect">
+                <a:avLst/>
+              </a:prstGeom>
+              <a:noFill/>
+            </p:spPr>
+            <p:txBody>
+              <a:bodyPr wrap="square">
+                <a:spAutoFit/>
+              </a:bodyPr>
+              <a:lstStyle/>
+              <a:p>
+                <a:pPr/>
+                <a14:m>
+                  <m:oMathPara xmlns:m="http://schemas.openxmlformats.org/officeDocument/2006/math">
+                    <m:oMathParaPr>
+                      <m:jc m:val="centerGroup"/>
+                    </m:oMathParaPr>
+                    <m:oMath xmlns:m="http://schemas.openxmlformats.org/officeDocument/2006/math">
+                      <m:sSub>
+                        <m:sSubPr>
+                          <m:ctrlPr>
+                            <a:rPr lang="ru-RU" i="1" smtClean="0">
+                              <a:effectLst/>
+                              <a:latin typeface="Cambria Math" panose="02040503050406030204" pitchFamily="18" charset="0"/>
+                            </a:rPr>
+                          </m:ctrlPr>
+                        </m:sSubPr>
+                        <m:e>
+                          <m:r>
+                            <a:rPr lang="ru-RU" sz="1800" i="1">
+                              <a:effectLst/>
+                              <a:latin typeface="Cambria Math" panose="02040503050406030204" pitchFamily="18" charset="0"/>
+                              <a:ea typeface="Calibri" panose="020F0502020204030204" pitchFamily="34" charset="0"/>
+                              <a:cs typeface="F"/>
+                            </a:rPr>
+                            <m:t>𝑉</m:t>
+                          </m:r>
+                        </m:e>
+                        <m:sub>
+                          <m:sSub>
+                            <m:sSubPr>
+                              <m:ctrlPr>
+                                <a:rPr lang="ru-RU" i="1">
+                                  <a:effectLst/>
+                                  <a:latin typeface="Cambria Math" panose="02040503050406030204" pitchFamily="18" charset="0"/>
+                                </a:rPr>
+                              </m:ctrlPr>
+                            </m:sSubPr>
+                            <m:e>
+                              <m:r>
+                                <a:rPr lang="ru-RU" sz="1800" i="1">
+                                  <a:effectLst/>
+                                  <a:latin typeface="Cambria Math" panose="02040503050406030204" pitchFamily="18" charset="0"/>
+                                  <a:ea typeface="Calibri" panose="020F0502020204030204" pitchFamily="34" charset="0"/>
+                                  <a:cs typeface="F"/>
+                                </a:rPr>
+                                <m:t>𝑖</m:t>
+                              </m:r>
+                            </m:e>
+                            <m:sub>
+                              <m:r>
+                                <a:rPr lang="en-US" sz="1800" b="0" i="1" smtClean="0">
+                                  <a:effectLst/>
+                                  <a:latin typeface="Cambria Math" panose="02040503050406030204" pitchFamily="18" charset="0"/>
+                                  <a:ea typeface="Calibri" panose="020F0502020204030204" pitchFamily="34" charset="0"/>
+                                  <a:cs typeface="F"/>
+                                </a:rPr>
+                                <m:t>𝑟</m:t>
+                              </m:r>
+                              <m:r>
+                                <a:rPr lang="en-US" sz="1800" b="0" i="1" smtClean="0">
+                                  <a:effectLst/>
+                                  <a:latin typeface="Cambria Math" panose="02040503050406030204" pitchFamily="18" charset="0"/>
+                                  <a:ea typeface="Calibri" panose="020F0502020204030204" pitchFamily="34" charset="0"/>
+                                  <a:cs typeface="F"/>
+                                </a:rPr>
+                                <m:t>−1</m:t>
+                              </m:r>
+                            </m:sub>
+                          </m:sSub>
+                        </m:sub>
+                      </m:sSub>
+                    </m:oMath>
+                  </m:oMathPara>
+                </a14:m>
+                <a:endParaRPr lang="ru-RU" dirty="0"/>
+              </a:p>
+            </p:txBody>
+          </p:sp>
+        </mc:Choice>
+        <mc:Fallback>
+          <p:sp>
+            <p:nvSpPr>
+              <p:cNvPr id="103" name="TextBox 102">
+                <a:extLst>
+                  <a:ext uri="{FF2B5EF4-FFF2-40B4-BE49-F238E27FC236}">
+                    <a16:creationId xmlns:a16="http://schemas.microsoft.com/office/drawing/2014/main" id="{2E6755C9-3C5C-4458-B8CD-DFB7B28983B8}"/>
+                  </a:ext>
+                </a:extLst>
+              </p:cNvPr>
+              <p:cNvSpPr txBox="1">
+                <a:spLocks noRot="1" noChangeAspect="1" noMove="1" noResize="1" noEditPoints="1" noAdjustHandles="1" noChangeArrowheads="1" noChangeShapeType="1" noTextEdit="1"/>
+              </p:cNvSpPr>
+              <p:nvPr/>
+            </p:nvSpPr>
+            <p:spPr>
+              <a:xfrm>
+                <a:off x="4903303" y="2102177"/>
+                <a:ext cx="528934" cy="393121"/>
+              </a:xfrm>
+              <a:prstGeom prst="rect">
+                <a:avLst/>
+              </a:prstGeom>
+              <a:blipFill>
+                <a:blip r:embed="rId7"/>
+                <a:stretch>
+                  <a:fillRect r="-8046"/>
+                </a:stretch>
+              </a:blipFill>
+            </p:spPr>
+            <p:txBody>
+              <a:bodyPr/>
+              <a:lstStyle/>
+              <a:p>
+                <a:r>
+                  <a:rPr lang="ru-RU">
+                    <a:noFill/>
+                  </a:rPr>
+                  <a:t> </a:t>
+                </a:r>
+              </a:p>
+            </p:txBody>
+          </p:sp>
+        </mc:Fallback>
+      </mc:AlternateContent>
+      <mc:AlternateContent xmlns:mc="http://schemas.openxmlformats.org/markup-compatibility/2006">
+        <mc:Choice xmlns:a14="http://schemas.microsoft.com/office/drawing/2010/main" Requires="a14">
+          <p:sp>
+            <p:nvSpPr>
+              <p:cNvPr id="104" name="Стрелка: вправо 103">
+                <a:extLst>
+                  <a:ext uri="{FF2B5EF4-FFF2-40B4-BE49-F238E27FC236}">
+                    <a16:creationId xmlns:a16="http://schemas.microsoft.com/office/drawing/2014/main" id="{80408DF4-DB4E-45D1-81F0-1E521E5C9430}"/>
+                  </a:ext>
+                </a:extLst>
+              </p:cNvPr>
+              <p:cNvSpPr/>
+              <p:nvPr/>
+            </p:nvSpPr>
+            <p:spPr>
+              <a:xfrm>
+                <a:off x="1846122" y="3503954"/>
+                <a:ext cx="4247702" cy="663812"/>
+              </a:xfrm>
+              <a:prstGeom prst="rightArrow">
+                <a:avLst/>
+              </a:prstGeom>
+              <a:solidFill>
+                <a:schemeClr val="accent6">
+                  <a:lumMod val="40000"/>
+                  <a:lumOff val="60000"/>
+                </a:schemeClr>
+              </a:solidFill>
+            </p:spPr>
+            <p:style>
+              <a:lnRef idx="2">
+                <a:schemeClr val="accent1">
+                  <a:shade val="50000"/>
+                </a:schemeClr>
+              </a:lnRef>
+              <a:fillRef idx="1">
+                <a:schemeClr val="accent1"/>
+              </a:fillRef>
+              <a:effectRef idx="0">
+                <a:schemeClr val="accent1"/>
+              </a:effectRef>
+              <a:fontRef idx="minor">
+                <a:schemeClr val="lt1"/>
+              </a:fontRef>
+            </p:style>
+            <p:txBody>
+              <a:bodyPr rtlCol="0" anchor="ctr"/>
+              <a:lstStyle/>
+              <a:p>
+                <a:pPr algn="ctr"/>
+                <a14:m>
+                  <m:oMathPara xmlns:m="http://schemas.openxmlformats.org/officeDocument/2006/math">
+                    <m:oMathParaPr>
+                      <m:jc m:val="centerGroup"/>
+                    </m:oMathParaPr>
+                    <m:oMath xmlns:m="http://schemas.openxmlformats.org/officeDocument/2006/math">
+                      <m:sSub>
+                        <m:sSubPr>
+                          <m:ctrlPr>
+                            <a:rPr lang="ru-RU" i="1" smtClean="0">
+                              <a:solidFill>
+                                <a:schemeClr val="tx1"/>
+                              </a:solidFill>
+                              <a:effectLst/>
+                              <a:latin typeface="Cambria Math" panose="02040503050406030204" pitchFamily="18" charset="0"/>
+                            </a:rPr>
+                          </m:ctrlPr>
+                        </m:sSubPr>
+                        <m:e>
+                          <m:r>
+                            <a:rPr lang="ru-RU" sz="1800" i="1">
+                              <a:solidFill>
+                                <a:schemeClr val="tx1"/>
+                              </a:solidFill>
+                              <a:effectLst/>
+                              <a:latin typeface="Cambria Math" panose="02040503050406030204" pitchFamily="18" charset="0"/>
+                              <a:ea typeface="Calibri" panose="020F0502020204030204" pitchFamily="34" charset="0"/>
+                              <a:cs typeface="F"/>
+                            </a:rPr>
+                            <m:t>𝑐</m:t>
+                          </m:r>
+                        </m:e>
+                        <m:sub>
+                          <m:r>
+                            <m:rPr>
+                              <m:sty m:val="p"/>
+                            </m:rPr>
+                            <a:rPr lang="ru-RU" sz="1800">
+                              <a:solidFill>
+                                <a:schemeClr val="tx1"/>
+                              </a:solidFill>
+                              <a:effectLst/>
+                              <a:latin typeface="Cambria Math" panose="02040503050406030204" pitchFamily="18" charset="0"/>
+                              <a:ea typeface="Calibri" panose="020F0502020204030204" pitchFamily="34" charset="0"/>
+                              <a:cs typeface="F"/>
+                            </a:rPr>
+                            <m:t>min</m:t>
+                          </m:r>
+                        </m:sub>
+                      </m:sSub>
+                    </m:oMath>
+                  </m:oMathPara>
+                </a14:m>
+                <a:endParaRPr lang="ru-RU" dirty="0">
+                  <a:solidFill>
+                    <a:schemeClr val="tx1"/>
+                  </a:solidFill>
+                </a:endParaRPr>
+              </a:p>
+            </p:txBody>
+          </p:sp>
+        </mc:Choice>
+        <mc:Fallback>
+          <p:sp>
+            <p:nvSpPr>
+              <p:cNvPr id="104" name="Стрелка: вправо 103">
+                <a:extLst>
+                  <a:ext uri="{FF2B5EF4-FFF2-40B4-BE49-F238E27FC236}">
+                    <a16:creationId xmlns:a16="http://schemas.microsoft.com/office/drawing/2014/main" id="{80408DF4-DB4E-45D1-81F0-1E521E5C9430}"/>
+                  </a:ext>
+                </a:extLst>
+              </p:cNvPr>
+              <p:cNvSpPr>
+                <a:spLocks noRot="1" noChangeAspect="1" noMove="1" noResize="1" noEditPoints="1" noAdjustHandles="1" noChangeArrowheads="1" noChangeShapeType="1" noTextEdit="1"/>
+              </p:cNvSpPr>
+              <p:nvPr/>
+            </p:nvSpPr>
+            <p:spPr>
+              <a:xfrm>
+                <a:off x="1846122" y="3503954"/>
+                <a:ext cx="4247702" cy="663812"/>
+              </a:xfrm>
+              <a:prstGeom prst="rightArrow">
+                <a:avLst/>
+              </a:prstGeom>
+              <a:blipFill>
+                <a:blip r:embed="rId8"/>
+                <a:stretch>
+                  <a:fillRect/>
+                </a:stretch>
+              </a:blipFill>
+            </p:spPr>
+            <p:txBody>
+              <a:bodyPr/>
+              <a:lstStyle/>
+              <a:p>
+                <a:r>
+                  <a:rPr lang="ru-RU">
+                    <a:noFill/>
+                  </a:rPr>
+                  <a:t> </a:t>
+                </a:r>
+              </a:p>
+            </p:txBody>
+          </p:sp>
+        </mc:Fallback>
+      </mc:AlternateContent>
+      <p:sp>
+        <p:nvSpPr>
+          <p:cNvPr id="110" name="TextBox 109">
+            <a:extLst>
+              <a:ext uri="{FF2B5EF4-FFF2-40B4-BE49-F238E27FC236}">
+                <a16:creationId xmlns:a16="http://schemas.microsoft.com/office/drawing/2014/main" id="{2BCFB642-1C03-481E-94F0-0A52EFF5DDF0}"/>
+              </a:ext>
+            </a:extLst>
+          </p:cNvPr>
+          <p:cNvSpPr txBox="1"/>
+          <p:nvPr/>
+        </p:nvSpPr>
+        <p:spPr>
+          <a:xfrm>
+            <a:off x="3766657" y="2783672"/>
+            <a:ext cx="343364" cy="369332"/>
+          </a:xfrm>
+          <a:prstGeom prst="rect">
+            <a:avLst/>
+          </a:prstGeom>
+          <a:noFill/>
+        </p:spPr>
+        <p:txBody>
+          <a:bodyPr wrap="none" rtlCol="0">
+            <a:spAutoFit/>
+          </a:bodyPr>
+          <a:lstStyle/>
+          <a:p>
+            <a:r>
+              <a:rPr lang="en-US" dirty="0"/>
+              <a:t>…</a:t>
+            </a:r>
+            <a:endParaRPr lang="ru-RU" dirty="0"/>
+          </a:p>
+        </p:txBody>
+      </p:sp>
+      <p:sp>
+        <p:nvSpPr>
+          <p:cNvPr id="111" name="TextBox 110">
+            <a:extLst>
+              <a:ext uri="{FF2B5EF4-FFF2-40B4-BE49-F238E27FC236}">
+                <a16:creationId xmlns:a16="http://schemas.microsoft.com/office/drawing/2014/main" id="{5664078C-FFF4-4132-9C4E-87959D7A950C}"/>
+              </a:ext>
+            </a:extLst>
+          </p:cNvPr>
+          <p:cNvSpPr txBox="1"/>
+          <p:nvPr/>
+        </p:nvSpPr>
+        <p:spPr>
+          <a:xfrm>
+            <a:off x="3751101" y="2140008"/>
+            <a:ext cx="343364" cy="369332"/>
+          </a:xfrm>
+          <a:prstGeom prst="rect">
+            <a:avLst/>
+          </a:prstGeom>
+          <a:noFill/>
+        </p:spPr>
+        <p:txBody>
+          <a:bodyPr wrap="none" rtlCol="0">
+            <a:spAutoFit/>
+          </a:bodyPr>
+          <a:lstStyle/>
+          <a:p>
+            <a:r>
+              <a:rPr lang="en-US" dirty="0"/>
+              <a:t>…</a:t>
+            </a:r>
+            <a:endParaRPr lang="ru-RU" dirty="0"/>
+          </a:p>
+        </p:txBody>
+      </p:sp>
+    </p:spTree>
+    <p:extLst>
+      <p:ext uri="{BB962C8B-B14F-4D97-AF65-F5344CB8AC3E}">
+        <p14:creationId xmlns:p14="http://schemas.microsoft.com/office/powerpoint/2010/main" val="3962885768"/>
+      </p:ext>
+    </p:extLst>
+  </p:cSld>
+  <p:clrMapOvr>
+    <a:masterClrMapping/>
+  </p:clrMapOvr>
+</p:sld>
+</file>
+
+<file path=ppt/slides/slide6.xml><?xml version="1.0" encoding="utf-8"?>
+<p:sld xmlns:a="http://schemas.openxmlformats.org/drawingml/2006/main" xmlns:r="http://schemas.openxmlformats.org/officeDocument/2006/relationships" xmlns:p="http://schemas.openxmlformats.org/presentationml/2006/main">
+  <p:cSld>
+    <p:spTree>
+      <p:nvGrpSpPr>
+        <p:cNvPr id="1" name=""/>
+        <p:cNvGrpSpPr/>
+        <p:nvPr/>
+      </p:nvGrpSpPr>
+      <p:grpSpPr>
+        <a:xfrm>
+          <a:off x="0" y="0"/>
+          <a:ext cx="0" cy="0"/>
+          <a:chOff x="0" y="0"/>
+          <a:chExt cx="0" cy="0"/>
+        </a:xfrm>
+      </p:grpSpPr>
+      <p:sp>
+        <p:nvSpPr>
+          <p:cNvPr id="4" name="TextBox 3">
+            <a:extLst>
+              <a:ext uri="{FF2B5EF4-FFF2-40B4-BE49-F238E27FC236}">
+                <a16:creationId xmlns:a16="http://schemas.microsoft.com/office/drawing/2014/main" id="{75782867-3D65-49FC-929A-789A3ABB5240}"/>
+              </a:ext>
+            </a:extLst>
+          </p:cNvPr>
+          <p:cNvSpPr txBox="1"/>
+          <p:nvPr/>
+        </p:nvSpPr>
+        <p:spPr>
+          <a:xfrm>
+            <a:off x="9580228" y="545284"/>
+            <a:ext cx="2082686" cy="369332"/>
+          </a:xfrm>
+          <a:prstGeom prst="rect">
+            <a:avLst/>
+          </a:prstGeom>
+          <a:noFill/>
+        </p:spPr>
+        <p:txBody>
+          <a:bodyPr wrap="none" rtlCol="0">
+            <a:spAutoFit/>
+          </a:bodyPr>
+          <a:lstStyle/>
+          <a:p>
+            <a:r>
+              <a:rPr lang="ru-RU" dirty="0"/>
+              <a:t>Первая релаксация</a:t>
+            </a:r>
+          </a:p>
+        </p:txBody>
+      </p:sp>
+      <p:sp>
+        <p:nvSpPr>
+          <p:cNvPr id="7" name="TextBox 6">
+            <a:extLst>
+              <a:ext uri="{FF2B5EF4-FFF2-40B4-BE49-F238E27FC236}">
+                <a16:creationId xmlns:a16="http://schemas.microsoft.com/office/drawing/2014/main" id="{51A34A2D-3902-4B9F-89BB-AFFAC7A7A88C}"/>
+              </a:ext>
+            </a:extLst>
+          </p:cNvPr>
+          <p:cNvSpPr txBox="1"/>
+          <p:nvPr/>
+        </p:nvSpPr>
+        <p:spPr>
+          <a:xfrm>
+            <a:off x="0" y="6611779"/>
+            <a:ext cx="11971090" cy="246221"/>
+          </a:xfrm>
+          <a:prstGeom prst="rect">
+            <a:avLst/>
+          </a:prstGeom>
+          <a:noFill/>
+        </p:spPr>
+        <p:txBody>
+          <a:bodyPr wrap="square">
+            <a:spAutoFit/>
+          </a:bodyPr>
+          <a:lstStyle/>
+          <a:p>
+            <a:r>
+              <a:rPr lang="ru-RU" sz="1000" baseline="30000" dirty="0">
+                <a:effectLst/>
+                <a:latin typeface="Calibri" panose="020F0502020204030204" pitchFamily="34" charset="0"/>
+                <a:ea typeface="Calibri" panose="020F0502020204030204" pitchFamily="34" charset="0"/>
+                <a:cs typeface="F"/>
+              </a:rPr>
+              <a:t>1</a:t>
+            </a:r>
+            <a:r>
+              <a:rPr lang="en-US" sz="1000" dirty="0">
+                <a:effectLst/>
+                <a:latin typeface="Calibri" panose="020F0502020204030204" pitchFamily="34" charset="0"/>
+                <a:ea typeface="Calibri" panose="020F0502020204030204" pitchFamily="34" charset="0"/>
+                <a:cs typeface="F"/>
+              </a:rPr>
+              <a:t>Noon C. E., Bean J. C. An Efficient Transformation Of The Generalized Traveling Salesman Problem //INFOR: Information Systems and Operational Research. — 1993. — Т. 31, No 1. — С. 39—44.</a:t>
+            </a:r>
+            <a:endParaRPr lang="ru-RU" sz="1000" dirty="0"/>
+          </a:p>
+        </p:txBody>
+      </p:sp>
+      <p:sp>
+        <p:nvSpPr>
+          <p:cNvPr id="8" name="TextBox 7">
+            <a:extLst>
+              <a:ext uri="{FF2B5EF4-FFF2-40B4-BE49-F238E27FC236}">
+                <a16:creationId xmlns:a16="http://schemas.microsoft.com/office/drawing/2014/main" id="{17D50A08-0341-4D76-8BD6-CAEF078D004E}"/>
+              </a:ext>
+            </a:extLst>
+          </p:cNvPr>
+          <p:cNvSpPr txBox="1"/>
+          <p:nvPr/>
+        </p:nvSpPr>
+        <p:spPr>
+          <a:xfrm flipH="1">
+            <a:off x="263831" y="914616"/>
+            <a:ext cx="4694062" cy="369332"/>
+          </a:xfrm>
+          <a:prstGeom prst="rect">
+            <a:avLst/>
+          </a:prstGeom>
+          <a:noFill/>
+        </p:spPr>
+        <p:txBody>
+          <a:bodyPr wrap="square" rtlCol="0">
+            <a:spAutoFit/>
+          </a:bodyPr>
+          <a:lstStyle/>
+          <a:p>
+            <a:r>
+              <a:rPr lang="ru-RU" dirty="0"/>
+              <a:t>Преобразование </a:t>
+            </a:r>
+            <a:r>
+              <a:rPr lang="ru-RU" dirty="0" err="1"/>
+              <a:t>Нуна</a:t>
+            </a:r>
+            <a:r>
+              <a:rPr lang="ru-RU" dirty="0"/>
+              <a:t> и Бина</a:t>
+            </a:r>
+            <a:r>
+              <a:rPr lang="ru-RU" baseline="30000" dirty="0"/>
+              <a:t>1</a:t>
+            </a:r>
+            <a:r>
+              <a:rPr lang="en-US" dirty="0"/>
+              <a:t>: </a:t>
+            </a:r>
+            <a:r>
+              <a:rPr lang="ru-RU" dirty="0"/>
+              <a:t> </a:t>
+            </a:r>
+            <a:r>
+              <a:rPr lang="en-US" dirty="0"/>
+              <a:t>GTSP </a:t>
+            </a:r>
+            <a:r>
+              <a:rPr lang="en-US" dirty="0">
+                <a:sym typeface="Symbol" panose="05050102010706020507" pitchFamily="18" charset="2"/>
+              </a:rPr>
+              <a:t></a:t>
+            </a:r>
+            <a:r>
+              <a:rPr lang="en-US" dirty="0"/>
+              <a:t> ATSP</a:t>
+            </a:r>
+            <a:endParaRPr lang="ru-RU" baseline="30000" dirty="0"/>
+          </a:p>
+        </p:txBody>
+      </p:sp>
+      <p:grpSp>
+        <p:nvGrpSpPr>
+          <p:cNvPr id="24" name="Группа 23">
+            <a:extLst>
+              <a:ext uri="{FF2B5EF4-FFF2-40B4-BE49-F238E27FC236}">
+                <a16:creationId xmlns:a16="http://schemas.microsoft.com/office/drawing/2014/main" id="{E2DF10E7-D8A6-4A54-A45B-A5B7FA5A41DB}"/>
+              </a:ext>
+            </a:extLst>
+          </p:cNvPr>
+          <p:cNvGrpSpPr/>
+          <p:nvPr/>
+        </p:nvGrpSpPr>
+        <p:grpSpPr>
+          <a:xfrm>
+            <a:off x="2055303" y="1485738"/>
+            <a:ext cx="1551963" cy="1547287"/>
+            <a:chOff x="2055303" y="1485738"/>
+            <a:chExt cx="1551963" cy="1547287"/>
+          </a:xfrm>
+        </p:grpSpPr>
+        <p:sp>
+          <p:nvSpPr>
+            <p:cNvPr id="19" name="Овал 18">
+              <a:extLst>
+                <a:ext uri="{FF2B5EF4-FFF2-40B4-BE49-F238E27FC236}">
+                  <a16:creationId xmlns:a16="http://schemas.microsoft.com/office/drawing/2014/main" id="{198EBE7F-5455-43E6-AADD-9D688B1CD070}"/>
+                </a:ext>
+              </a:extLst>
+            </p:cNvPr>
+            <p:cNvSpPr/>
+            <p:nvPr/>
+          </p:nvSpPr>
+          <p:spPr>
+            <a:xfrm>
+              <a:off x="2210499" y="1640935"/>
+              <a:ext cx="1241571" cy="1241571"/>
+            </a:xfrm>
+            <a:prstGeom prst="ellipse">
+              <a:avLst/>
+            </a:prstGeom>
+            <a:solidFill>
+              <a:srgbClr val="FFFF00"/>
+            </a:solidFill>
+          </p:spPr>
+          <p:style>
+            <a:lnRef idx="2">
+              <a:schemeClr val="accent1">
+                <a:shade val="50000"/>
+              </a:schemeClr>
+            </a:lnRef>
+            <a:fillRef idx="1">
+              <a:schemeClr val="accent1"/>
+            </a:fillRef>
+            <a:effectRef idx="0">
+              <a:schemeClr val="accent1"/>
+            </a:effectRef>
+            <a:fontRef idx="minor">
+              <a:schemeClr val="lt1"/>
+            </a:fontRef>
+          </p:style>
+          <p:txBody>
+            <a:bodyPr rtlCol="0" anchor="ctr"/>
+            <a:lstStyle/>
+            <a:p>
+              <a:pPr algn="ctr"/>
+              <a:endParaRPr lang="ru-RU"/>
+            </a:p>
+          </p:txBody>
+        </p:sp>
+        <p:sp>
+          <p:nvSpPr>
+            <p:cNvPr id="20" name="Ромб 19">
+              <a:extLst>
+                <a:ext uri="{FF2B5EF4-FFF2-40B4-BE49-F238E27FC236}">
+                  <a16:creationId xmlns:a16="http://schemas.microsoft.com/office/drawing/2014/main" id="{1B9CCAC0-4824-4CE9-BB78-A1B237765300}"/>
+                </a:ext>
+              </a:extLst>
+            </p:cNvPr>
+            <p:cNvSpPr/>
+            <p:nvPr/>
+          </p:nvSpPr>
+          <p:spPr>
+            <a:xfrm>
+              <a:off x="2676087" y="1485738"/>
+              <a:ext cx="310393" cy="310393"/>
+            </a:xfrm>
+            <a:prstGeom prst="diamond">
+              <a:avLst/>
+            </a:prstGeom>
+            <a:solidFill>
+              <a:srgbClr val="FF0000"/>
+            </a:solidFill>
+            <a:ln>
+              <a:solidFill>
+                <a:srgbClr val="00B050"/>
+              </a:solidFill>
+            </a:ln>
+          </p:spPr>
+          <p:style>
+            <a:lnRef idx="2">
+              <a:schemeClr val="accent1">
+                <a:shade val="50000"/>
+              </a:schemeClr>
+            </a:lnRef>
+            <a:fillRef idx="1">
+              <a:schemeClr val="accent1"/>
+            </a:fillRef>
+            <a:effectRef idx="0">
+              <a:schemeClr val="accent1"/>
+            </a:effectRef>
+            <a:fontRef idx="minor">
+              <a:schemeClr val="lt1"/>
+            </a:fontRef>
+          </p:style>
+          <p:txBody>
+            <a:bodyPr rtlCol="0" anchor="ctr"/>
+            <a:lstStyle/>
+            <a:p>
+              <a:pPr algn="ctr"/>
+              <a:endParaRPr lang="ru-RU"/>
+            </a:p>
+          </p:txBody>
+        </p:sp>
+        <p:sp>
+          <p:nvSpPr>
+            <p:cNvPr id="21" name="Ромб 20">
+              <a:extLst>
+                <a:ext uri="{FF2B5EF4-FFF2-40B4-BE49-F238E27FC236}">
+                  <a16:creationId xmlns:a16="http://schemas.microsoft.com/office/drawing/2014/main" id="{2061C62A-ADBB-421F-B9E4-03457A44A9B9}"/>
+                </a:ext>
+              </a:extLst>
+            </p:cNvPr>
+            <p:cNvSpPr/>
+            <p:nvPr/>
+          </p:nvSpPr>
+          <p:spPr>
+            <a:xfrm>
+              <a:off x="2664281" y="2722632"/>
+              <a:ext cx="310393" cy="310393"/>
+            </a:xfrm>
+            <a:prstGeom prst="diamond">
+              <a:avLst/>
+            </a:prstGeom>
+            <a:solidFill>
+              <a:srgbClr val="FF0000"/>
+            </a:solidFill>
+            <a:ln>
+              <a:solidFill>
+                <a:srgbClr val="00B050"/>
+              </a:solidFill>
+            </a:ln>
+          </p:spPr>
+          <p:style>
+            <a:lnRef idx="2">
+              <a:schemeClr val="accent1">
+                <a:shade val="50000"/>
+              </a:schemeClr>
+            </a:lnRef>
+            <a:fillRef idx="1">
+              <a:schemeClr val="accent1"/>
+            </a:fillRef>
+            <a:effectRef idx="0">
+              <a:schemeClr val="accent1"/>
+            </a:effectRef>
+            <a:fontRef idx="minor">
+              <a:schemeClr val="lt1"/>
+            </a:fontRef>
+          </p:style>
+          <p:txBody>
+            <a:bodyPr rtlCol="0" anchor="ctr"/>
+            <a:lstStyle/>
+            <a:p>
+              <a:pPr algn="ctr"/>
+              <a:endParaRPr lang="ru-RU"/>
+            </a:p>
+          </p:txBody>
+        </p:sp>
+        <p:sp>
+          <p:nvSpPr>
+            <p:cNvPr id="22" name="Ромб 21">
+              <a:extLst>
+                <a:ext uri="{FF2B5EF4-FFF2-40B4-BE49-F238E27FC236}">
+                  <a16:creationId xmlns:a16="http://schemas.microsoft.com/office/drawing/2014/main" id="{47D5B5AE-D75D-460F-99E7-E2C4F966EB8A}"/>
+                </a:ext>
+              </a:extLst>
+            </p:cNvPr>
+            <p:cNvSpPr/>
+            <p:nvPr/>
+          </p:nvSpPr>
+          <p:spPr>
+            <a:xfrm>
+              <a:off x="3296873" y="2096109"/>
+              <a:ext cx="310393" cy="310393"/>
+            </a:xfrm>
+            <a:prstGeom prst="diamond">
+              <a:avLst/>
+            </a:prstGeom>
+            <a:solidFill>
+              <a:srgbClr val="FF0000"/>
+            </a:solidFill>
+            <a:ln>
+              <a:solidFill>
+                <a:srgbClr val="00B050"/>
+              </a:solidFill>
+            </a:ln>
+          </p:spPr>
+          <p:style>
+            <a:lnRef idx="2">
+              <a:schemeClr val="accent1">
+                <a:shade val="50000"/>
+              </a:schemeClr>
+            </a:lnRef>
+            <a:fillRef idx="1">
+              <a:schemeClr val="accent1"/>
+            </a:fillRef>
+            <a:effectRef idx="0">
+              <a:schemeClr val="accent1"/>
+            </a:effectRef>
+            <a:fontRef idx="minor">
+              <a:schemeClr val="lt1"/>
+            </a:fontRef>
+          </p:style>
+          <p:txBody>
+            <a:bodyPr rtlCol="0" anchor="ctr"/>
+            <a:lstStyle/>
+            <a:p>
+              <a:pPr algn="ctr"/>
+              <a:endParaRPr lang="ru-RU"/>
+            </a:p>
+          </p:txBody>
+        </p:sp>
+        <p:sp>
+          <p:nvSpPr>
+            <p:cNvPr id="23" name="Ромб 22">
+              <a:extLst>
+                <a:ext uri="{FF2B5EF4-FFF2-40B4-BE49-F238E27FC236}">
+                  <a16:creationId xmlns:a16="http://schemas.microsoft.com/office/drawing/2014/main" id="{6250EE28-50BB-4C73-87ED-6465CF2859D4}"/>
+                </a:ext>
+              </a:extLst>
+            </p:cNvPr>
+            <p:cNvSpPr/>
+            <p:nvPr/>
+          </p:nvSpPr>
+          <p:spPr>
+            <a:xfrm>
+              <a:off x="2055303" y="2142705"/>
+              <a:ext cx="310393" cy="310393"/>
+            </a:xfrm>
+            <a:prstGeom prst="diamond">
+              <a:avLst/>
+            </a:prstGeom>
+            <a:solidFill>
+              <a:srgbClr val="FF0000"/>
+            </a:solidFill>
+            <a:ln>
+              <a:solidFill>
+                <a:srgbClr val="00B050"/>
+              </a:solidFill>
+            </a:ln>
+          </p:spPr>
+          <p:style>
+            <a:lnRef idx="2">
+              <a:schemeClr val="accent1">
+                <a:shade val="50000"/>
+              </a:schemeClr>
+            </a:lnRef>
+            <a:fillRef idx="1">
+              <a:schemeClr val="accent1"/>
+            </a:fillRef>
+            <a:effectRef idx="0">
+              <a:schemeClr val="accent1"/>
+            </a:effectRef>
+            <a:fontRef idx="minor">
+              <a:schemeClr val="lt1"/>
+            </a:fontRef>
+          </p:style>
+          <p:txBody>
+            <a:bodyPr rtlCol="0" anchor="ctr"/>
+            <a:lstStyle/>
+            <a:p>
+              <a:pPr algn="ctr"/>
+              <a:endParaRPr lang="ru-RU"/>
+            </a:p>
+          </p:txBody>
+        </p:sp>
+      </p:grpSp>
+      <p:grpSp>
+        <p:nvGrpSpPr>
+          <p:cNvPr id="25" name="Группа 24">
+            <a:extLst>
+              <a:ext uri="{FF2B5EF4-FFF2-40B4-BE49-F238E27FC236}">
+                <a16:creationId xmlns:a16="http://schemas.microsoft.com/office/drawing/2014/main" id="{9EC56620-D17F-43AE-AB8F-A2F1A360CDAA}"/>
+              </a:ext>
+            </a:extLst>
+          </p:cNvPr>
+          <p:cNvGrpSpPr/>
+          <p:nvPr/>
+        </p:nvGrpSpPr>
+        <p:grpSpPr>
+          <a:xfrm>
+            <a:off x="813733" y="2589645"/>
+            <a:ext cx="1551963" cy="1547287"/>
+            <a:chOff x="2055303" y="1485738"/>
+            <a:chExt cx="1551963" cy="1547287"/>
+          </a:xfrm>
+        </p:grpSpPr>
+        <p:sp>
+          <p:nvSpPr>
+            <p:cNvPr id="26" name="Овал 25">
+              <a:extLst>
+                <a:ext uri="{FF2B5EF4-FFF2-40B4-BE49-F238E27FC236}">
+                  <a16:creationId xmlns:a16="http://schemas.microsoft.com/office/drawing/2014/main" id="{37EA6124-62DB-4B11-917D-71F9670D87EB}"/>
+                </a:ext>
+              </a:extLst>
+            </p:cNvPr>
+            <p:cNvSpPr/>
+            <p:nvPr/>
+          </p:nvSpPr>
+          <p:spPr>
+            <a:xfrm>
+              <a:off x="2210499" y="1640935"/>
+              <a:ext cx="1241571" cy="1241571"/>
+            </a:xfrm>
+            <a:prstGeom prst="ellipse">
+              <a:avLst/>
+            </a:prstGeom>
+            <a:solidFill>
+              <a:srgbClr val="FFFF00"/>
+            </a:solidFill>
+          </p:spPr>
+          <p:style>
+            <a:lnRef idx="2">
+              <a:schemeClr val="accent1">
+                <a:shade val="50000"/>
+              </a:schemeClr>
+            </a:lnRef>
+            <a:fillRef idx="1">
+              <a:schemeClr val="accent1"/>
+            </a:fillRef>
+            <a:effectRef idx="0">
+              <a:schemeClr val="accent1"/>
+            </a:effectRef>
+            <a:fontRef idx="minor">
+              <a:schemeClr val="lt1"/>
+            </a:fontRef>
+          </p:style>
+          <p:txBody>
+            <a:bodyPr rtlCol="0" anchor="ctr"/>
+            <a:lstStyle/>
+            <a:p>
+              <a:pPr algn="ctr"/>
+              <a:endParaRPr lang="ru-RU"/>
+            </a:p>
+          </p:txBody>
+        </p:sp>
+        <p:sp>
+          <p:nvSpPr>
+            <p:cNvPr id="27" name="Ромб 26">
+              <a:extLst>
+                <a:ext uri="{FF2B5EF4-FFF2-40B4-BE49-F238E27FC236}">
+                  <a16:creationId xmlns:a16="http://schemas.microsoft.com/office/drawing/2014/main" id="{C88685B1-81C1-4747-8FEE-3218ABB468A3}"/>
+                </a:ext>
+              </a:extLst>
+            </p:cNvPr>
+            <p:cNvSpPr/>
+            <p:nvPr/>
+          </p:nvSpPr>
+          <p:spPr>
+            <a:xfrm>
+              <a:off x="2676087" y="1485738"/>
+              <a:ext cx="310393" cy="310393"/>
+            </a:xfrm>
+            <a:prstGeom prst="diamond">
+              <a:avLst/>
+            </a:prstGeom>
+            <a:solidFill>
+              <a:srgbClr val="FF0000"/>
+            </a:solidFill>
+            <a:ln>
+              <a:solidFill>
+                <a:srgbClr val="00B050"/>
+              </a:solidFill>
+            </a:ln>
+          </p:spPr>
+          <p:style>
+            <a:lnRef idx="2">
+              <a:schemeClr val="accent1">
+                <a:shade val="50000"/>
+              </a:schemeClr>
+            </a:lnRef>
+            <a:fillRef idx="1">
+              <a:schemeClr val="accent1"/>
+            </a:fillRef>
+            <a:effectRef idx="0">
+              <a:schemeClr val="accent1"/>
+            </a:effectRef>
+            <a:fontRef idx="minor">
+              <a:schemeClr val="lt1"/>
+            </a:fontRef>
+          </p:style>
+          <p:txBody>
+            <a:bodyPr rtlCol="0" anchor="ctr"/>
+            <a:lstStyle/>
+            <a:p>
+              <a:pPr algn="ctr"/>
+              <a:endParaRPr lang="ru-RU"/>
+            </a:p>
+          </p:txBody>
+        </p:sp>
+        <p:sp>
+          <p:nvSpPr>
+            <p:cNvPr id="28" name="Ромб 27">
+              <a:extLst>
+                <a:ext uri="{FF2B5EF4-FFF2-40B4-BE49-F238E27FC236}">
+                  <a16:creationId xmlns:a16="http://schemas.microsoft.com/office/drawing/2014/main" id="{BEED0D18-338C-40CB-B979-1CFF957D7ED7}"/>
+                </a:ext>
+              </a:extLst>
+            </p:cNvPr>
+            <p:cNvSpPr/>
+            <p:nvPr/>
+          </p:nvSpPr>
+          <p:spPr>
+            <a:xfrm>
+              <a:off x="2664281" y="2722632"/>
+              <a:ext cx="310393" cy="310393"/>
+            </a:xfrm>
+            <a:prstGeom prst="diamond">
+              <a:avLst/>
+            </a:prstGeom>
+            <a:solidFill>
+              <a:srgbClr val="FF0000"/>
+            </a:solidFill>
+            <a:ln>
+              <a:solidFill>
+                <a:srgbClr val="00B050"/>
+              </a:solidFill>
+            </a:ln>
+          </p:spPr>
+          <p:style>
+            <a:lnRef idx="2">
+              <a:schemeClr val="accent1">
+                <a:shade val="50000"/>
+              </a:schemeClr>
+            </a:lnRef>
+            <a:fillRef idx="1">
+              <a:schemeClr val="accent1"/>
+            </a:fillRef>
+            <a:effectRef idx="0">
+              <a:schemeClr val="accent1"/>
+            </a:effectRef>
+            <a:fontRef idx="minor">
+              <a:schemeClr val="lt1"/>
+            </a:fontRef>
+          </p:style>
+          <p:txBody>
+            <a:bodyPr rtlCol="0" anchor="ctr"/>
+            <a:lstStyle/>
+            <a:p>
+              <a:pPr algn="ctr"/>
+              <a:endParaRPr lang="ru-RU"/>
+            </a:p>
+          </p:txBody>
+        </p:sp>
+        <p:sp>
+          <p:nvSpPr>
+            <p:cNvPr id="29" name="Ромб 28">
+              <a:extLst>
+                <a:ext uri="{FF2B5EF4-FFF2-40B4-BE49-F238E27FC236}">
+                  <a16:creationId xmlns:a16="http://schemas.microsoft.com/office/drawing/2014/main" id="{7FB6E7AC-EEB9-498B-9768-E32FCE73C91E}"/>
+                </a:ext>
+              </a:extLst>
+            </p:cNvPr>
+            <p:cNvSpPr/>
+            <p:nvPr/>
+          </p:nvSpPr>
+          <p:spPr>
+            <a:xfrm>
+              <a:off x="3296873" y="2096109"/>
+              <a:ext cx="310393" cy="310393"/>
+            </a:xfrm>
+            <a:prstGeom prst="diamond">
+              <a:avLst/>
+            </a:prstGeom>
+            <a:solidFill>
+              <a:srgbClr val="FF0000"/>
+            </a:solidFill>
+            <a:ln>
+              <a:solidFill>
+                <a:srgbClr val="00B050"/>
+              </a:solidFill>
+            </a:ln>
+          </p:spPr>
+          <p:style>
+            <a:lnRef idx="2">
+              <a:schemeClr val="accent1">
+                <a:shade val="50000"/>
+              </a:schemeClr>
+            </a:lnRef>
+            <a:fillRef idx="1">
+              <a:schemeClr val="accent1"/>
+            </a:fillRef>
+            <a:effectRef idx="0">
+              <a:schemeClr val="accent1"/>
+            </a:effectRef>
+            <a:fontRef idx="minor">
+              <a:schemeClr val="lt1"/>
+            </a:fontRef>
+          </p:style>
+          <p:txBody>
+            <a:bodyPr rtlCol="0" anchor="ctr"/>
+            <a:lstStyle/>
+            <a:p>
+              <a:pPr algn="ctr"/>
+              <a:endParaRPr lang="ru-RU"/>
+            </a:p>
+          </p:txBody>
+        </p:sp>
+        <p:sp>
+          <p:nvSpPr>
+            <p:cNvPr id="30" name="Ромб 29">
+              <a:extLst>
+                <a:ext uri="{FF2B5EF4-FFF2-40B4-BE49-F238E27FC236}">
+                  <a16:creationId xmlns:a16="http://schemas.microsoft.com/office/drawing/2014/main" id="{0023A7EF-42D9-4694-8E60-BFC13258D1B2}"/>
+                </a:ext>
+              </a:extLst>
+            </p:cNvPr>
+            <p:cNvSpPr/>
+            <p:nvPr/>
+          </p:nvSpPr>
+          <p:spPr>
+            <a:xfrm>
+              <a:off x="2055303" y="2142705"/>
+              <a:ext cx="310393" cy="310393"/>
+            </a:xfrm>
+            <a:prstGeom prst="diamond">
+              <a:avLst/>
+            </a:prstGeom>
+            <a:solidFill>
+              <a:srgbClr val="FF0000"/>
+            </a:solidFill>
+            <a:ln>
+              <a:solidFill>
+                <a:srgbClr val="00B050"/>
+              </a:solidFill>
+            </a:ln>
+          </p:spPr>
+          <p:style>
+            <a:lnRef idx="2">
+              <a:schemeClr val="accent1">
+                <a:shade val="50000"/>
+              </a:schemeClr>
+            </a:lnRef>
+            <a:fillRef idx="1">
+              <a:schemeClr val="accent1"/>
+            </a:fillRef>
+            <a:effectRef idx="0">
+              <a:schemeClr val="accent1"/>
+            </a:effectRef>
+            <a:fontRef idx="minor">
+              <a:schemeClr val="lt1"/>
+            </a:fontRef>
+          </p:style>
+          <p:txBody>
+            <a:bodyPr rtlCol="0" anchor="ctr"/>
+            <a:lstStyle/>
+            <a:p>
+              <a:pPr algn="ctr"/>
+              <a:endParaRPr lang="ru-RU"/>
+            </a:p>
+          </p:txBody>
+        </p:sp>
+      </p:grpSp>
+      <p:grpSp>
+        <p:nvGrpSpPr>
+          <p:cNvPr id="31" name="Группа 30">
+            <a:extLst>
+              <a:ext uri="{FF2B5EF4-FFF2-40B4-BE49-F238E27FC236}">
+                <a16:creationId xmlns:a16="http://schemas.microsoft.com/office/drawing/2014/main" id="{E281840F-B10C-417B-B180-FF9A5F5C631A}"/>
+              </a:ext>
+            </a:extLst>
+          </p:cNvPr>
+          <p:cNvGrpSpPr/>
+          <p:nvPr/>
+        </p:nvGrpSpPr>
+        <p:grpSpPr>
+          <a:xfrm>
+            <a:off x="175393" y="1275153"/>
+            <a:ext cx="1551963" cy="1547287"/>
+            <a:chOff x="2055303" y="1485738"/>
+            <a:chExt cx="1551963" cy="1547287"/>
+          </a:xfrm>
+        </p:grpSpPr>
+        <p:sp>
+          <p:nvSpPr>
+            <p:cNvPr id="32" name="Овал 31">
+              <a:extLst>
+                <a:ext uri="{FF2B5EF4-FFF2-40B4-BE49-F238E27FC236}">
+                  <a16:creationId xmlns:a16="http://schemas.microsoft.com/office/drawing/2014/main" id="{BE02697C-48AE-4287-A09B-F1064B157A78}"/>
+                </a:ext>
+              </a:extLst>
+            </p:cNvPr>
+            <p:cNvSpPr/>
+            <p:nvPr/>
+          </p:nvSpPr>
+          <p:spPr>
+            <a:xfrm>
+              <a:off x="2210499" y="1640935"/>
+              <a:ext cx="1241571" cy="1241571"/>
+            </a:xfrm>
+            <a:prstGeom prst="ellipse">
+              <a:avLst/>
+            </a:prstGeom>
+            <a:solidFill>
+              <a:srgbClr val="FFFF00"/>
+            </a:solidFill>
+          </p:spPr>
+          <p:style>
+            <a:lnRef idx="2">
+              <a:schemeClr val="accent1">
+                <a:shade val="50000"/>
+              </a:schemeClr>
+            </a:lnRef>
+            <a:fillRef idx="1">
+              <a:schemeClr val="accent1"/>
+            </a:fillRef>
+            <a:effectRef idx="0">
+              <a:schemeClr val="accent1"/>
+            </a:effectRef>
+            <a:fontRef idx="minor">
+              <a:schemeClr val="lt1"/>
+            </a:fontRef>
+          </p:style>
+          <p:txBody>
+            <a:bodyPr rtlCol="0" anchor="ctr"/>
+            <a:lstStyle/>
+            <a:p>
+              <a:pPr algn="ctr"/>
+              <a:endParaRPr lang="ru-RU"/>
+            </a:p>
+          </p:txBody>
+        </p:sp>
+        <p:sp>
+          <p:nvSpPr>
+            <p:cNvPr id="33" name="Ромб 32">
+              <a:extLst>
+                <a:ext uri="{FF2B5EF4-FFF2-40B4-BE49-F238E27FC236}">
+                  <a16:creationId xmlns:a16="http://schemas.microsoft.com/office/drawing/2014/main" id="{BEFBEAE9-3E68-40C7-9255-8881724A2F04}"/>
+                </a:ext>
+              </a:extLst>
+            </p:cNvPr>
+            <p:cNvSpPr/>
+            <p:nvPr/>
+          </p:nvSpPr>
+          <p:spPr>
+            <a:xfrm>
+              <a:off x="2676087" y="1485738"/>
+              <a:ext cx="310393" cy="310393"/>
+            </a:xfrm>
+            <a:prstGeom prst="diamond">
+              <a:avLst/>
+            </a:prstGeom>
+            <a:solidFill>
+              <a:srgbClr val="FF0000"/>
+            </a:solidFill>
+            <a:ln>
+              <a:solidFill>
+                <a:srgbClr val="00B050"/>
+              </a:solidFill>
+            </a:ln>
+          </p:spPr>
+          <p:style>
+            <a:lnRef idx="2">
+              <a:schemeClr val="accent1">
+                <a:shade val="50000"/>
+              </a:schemeClr>
+            </a:lnRef>
+            <a:fillRef idx="1">
+              <a:schemeClr val="accent1"/>
+            </a:fillRef>
+            <a:effectRef idx="0">
+              <a:schemeClr val="accent1"/>
+            </a:effectRef>
+            <a:fontRef idx="minor">
+              <a:schemeClr val="lt1"/>
+            </a:fontRef>
+          </p:style>
+          <p:txBody>
+            <a:bodyPr rtlCol="0" anchor="ctr"/>
+            <a:lstStyle/>
+            <a:p>
+              <a:pPr algn="ctr"/>
+              <a:endParaRPr lang="ru-RU"/>
+            </a:p>
+          </p:txBody>
+        </p:sp>
+        <p:sp>
+          <p:nvSpPr>
+            <p:cNvPr id="34" name="Ромб 33">
+              <a:extLst>
+                <a:ext uri="{FF2B5EF4-FFF2-40B4-BE49-F238E27FC236}">
+                  <a16:creationId xmlns:a16="http://schemas.microsoft.com/office/drawing/2014/main" id="{1C041A95-5518-4036-A3BA-11B9842FD904}"/>
+                </a:ext>
+              </a:extLst>
+            </p:cNvPr>
+            <p:cNvSpPr/>
+            <p:nvPr/>
+          </p:nvSpPr>
+          <p:spPr>
+            <a:xfrm>
+              <a:off x="2664281" y="2722632"/>
+              <a:ext cx="310393" cy="310393"/>
+            </a:xfrm>
+            <a:prstGeom prst="diamond">
+              <a:avLst/>
+            </a:prstGeom>
+            <a:solidFill>
+              <a:srgbClr val="FF0000"/>
+            </a:solidFill>
+            <a:ln>
+              <a:solidFill>
+                <a:srgbClr val="00B050"/>
+              </a:solidFill>
+            </a:ln>
+          </p:spPr>
+          <p:style>
+            <a:lnRef idx="2">
+              <a:schemeClr val="accent1">
+                <a:shade val="50000"/>
+              </a:schemeClr>
+            </a:lnRef>
+            <a:fillRef idx="1">
+              <a:schemeClr val="accent1"/>
+            </a:fillRef>
+            <a:effectRef idx="0">
+              <a:schemeClr val="accent1"/>
+            </a:effectRef>
+            <a:fontRef idx="minor">
+              <a:schemeClr val="lt1"/>
+            </a:fontRef>
+          </p:style>
+          <p:txBody>
+            <a:bodyPr rtlCol="0" anchor="ctr"/>
+            <a:lstStyle/>
+            <a:p>
+              <a:pPr algn="ctr"/>
+              <a:endParaRPr lang="ru-RU"/>
+            </a:p>
+          </p:txBody>
+        </p:sp>
+        <p:sp>
+          <p:nvSpPr>
+            <p:cNvPr id="35" name="Ромб 34">
+              <a:extLst>
+                <a:ext uri="{FF2B5EF4-FFF2-40B4-BE49-F238E27FC236}">
+                  <a16:creationId xmlns:a16="http://schemas.microsoft.com/office/drawing/2014/main" id="{6224E67E-37E9-4E49-88BD-BD9F1371C0E2}"/>
+                </a:ext>
+              </a:extLst>
+            </p:cNvPr>
+            <p:cNvSpPr/>
+            <p:nvPr/>
+          </p:nvSpPr>
+          <p:spPr>
+            <a:xfrm>
+              <a:off x="3296873" y="2096109"/>
+              <a:ext cx="310393" cy="310393"/>
+            </a:xfrm>
+            <a:prstGeom prst="diamond">
+              <a:avLst/>
+            </a:prstGeom>
+            <a:solidFill>
+              <a:srgbClr val="FF0000"/>
+            </a:solidFill>
+            <a:ln>
+              <a:solidFill>
+                <a:srgbClr val="00B050"/>
+              </a:solidFill>
+            </a:ln>
+          </p:spPr>
+          <p:style>
+            <a:lnRef idx="2">
+              <a:schemeClr val="accent1">
+                <a:shade val="50000"/>
+              </a:schemeClr>
+            </a:lnRef>
+            <a:fillRef idx="1">
+              <a:schemeClr val="accent1"/>
+            </a:fillRef>
+            <a:effectRef idx="0">
+              <a:schemeClr val="accent1"/>
+            </a:effectRef>
+            <a:fontRef idx="minor">
+              <a:schemeClr val="lt1"/>
+            </a:fontRef>
+          </p:style>
+          <p:txBody>
+            <a:bodyPr rtlCol="0" anchor="ctr"/>
+            <a:lstStyle/>
+            <a:p>
+              <a:pPr algn="ctr"/>
+              <a:endParaRPr lang="ru-RU"/>
+            </a:p>
+          </p:txBody>
+        </p:sp>
+        <p:sp>
+          <p:nvSpPr>
+            <p:cNvPr id="36" name="Ромб 35">
+              <a:extLst>
+                <a:ext uri="{FF2B5EF4-FFF2-40B4-BE49-F238E27FC236}">
+                  <a16:creationId xmlns:a16="http://schemas.microsoft.com/office/drawing/2014/main" id="{FEB19099-A866-4016-A042-B750455305E4}"/>
+                </a:ext>
+              </a:extLst>
+            </p:cNvPr>
+            <p:cNvSpPr/>
+            <p:nvPr/>
+          </p:nvSpPr>
+          <p:spPr>
+            <a:xfrm>
+              <a:off x="2055303" y="2142705"/>
+              <a:ext cx="310393" cy="310393"/>
+            </a:xfrm>
+            <a:prstGeom prst="diamond">
+              <a:avLst/>
+            </a:prstGeom>
+            <a:solidFill>
+              <a:srgbClr val="FF0000"/>
+            </a:solidFill>
+            <a:ln>
+              <a:solidFill>
+                <a:srgbClr val="00B050"/>
+              </a:solidFill>
+            </a:ln>
+          </p:spPr>
+          <p:style>
+            <a:lnRef idx="2">
+              <a:schemeClr val="accent1">
+                <a:shade val="50000"/>
+              </a:schemeClr>
+            </a:lnRef>
+            <a:fillRef idx="1">
+              <a:schemeClr val="accent1"/>
+            </a:fillRef>
+            <a:effectRef idx="0">
+              <a:schemeClr val="accent1"/>
+            </a:effectRef>
+            <a:fontRef idx="minor">
+              <a:schemeClr val="lt1"/>
+            </a:fontRef>
+          </p:style>
+          <p:txBody>
+            <a:bodyPr rtlCol="0" anchor="ctr"/>
+            <a:lstStyle/>
+            <a:p>
+              <a:pPr algn="ctr"/>
+              <a:endParaRPr lang="ru-RU"/>
+            </a:p>
+          </p:txBody>
+        </p:sp>
+      </p:grpSp>
+      <p:cxnSp>
+        <p:nvCxnSpPr>
+          <p:cNvPr id="38" name="Прямая со стрелкой 37">
+            <a:extLst>
+              <a:ext uri="{FF2B5EF4-FFF2-40B4-BE49-F238E27FC236}">
+                <a16:creationId xmlns:a16="http://schemas.microsoft.com/office/drawing/2014/main" id="{DF6880C0-7FFE-4C76-86F0-34D171D59BDB}"/>
+              </a:ext>
+            </a:extLst>
+          </p:cNvPr>
+          <p:cNvCxnSpPr/>
+          <p:nvPr/>
+        </p:nvCxnSpPr>
+        <p:spPr>
+          <a:xfrm flipV="1">
+            <a:off x="2365696" y="3033025"/>
+            <a:ext cx="298585" cy="213587"/>
+          </a:xfrm>
+          <a:prstGeom prst="straightConnector1">
+            <a:avLst/>
+          </a:prstGeom>
+          <a:ln w="38100">
+            <a:tailEnd type="triangle"/>
+          </a:ln>
+        </p:spPr>
+        <p:style>
+          <a:lnRef idx="1">
+            <a:schemeClr val="accent1"/>
+          </a:lnRef>
+          <a:fillRef idx="0">
+            <a:schemeClr val="accent1"/>
+          </a:fillRef>
+          <a:effectRef idx="0">
+            <a:schemeClr val="accent1"/>
+          </a:effectRef>
+          <a:fontRef idx="minor">
+            <a:schemeClr val="tx1"/>
+          </a:fontRef>
+        </p:style>
+      </p:cxnSp>
+      <p:cxnSp>
+        <p:nvCxnSpPr>
+          <p:cNvPr id="39" name="Прямая со стрелкой 38">
+            <a:extLst>
+              <a:ext uri="{FF2B5EF4-FFF2-40B4-BE49-F238E27FC236}">
+                <a16:creationId xmlns:a16="http://schemas.microsoft.com/office/drawing/2014/main" id="{3591DB86-33F9-4F1E-8777-F87A8B846130}"/>
+              </a:ext>
+            </a:extLst>
+          </p:cNvPr>
+          <p:cNvCxnSpPr>
+            <a:cxnSpLocks/>
+          </p:cNvCxnSpPr>
+          <p:nvPr/>
+        </p:nvCxnSpPr>
+        <p:spPr>
+          <a:xfrm flipH="1">
+            <a:off x="796177" y="2818323"/>
+            <a:ext cx="88204" cy="501770"/>
+          </a:xfrm>
+          <a:prstGeom prst="straightConnector1">
+            <a:avLst/>
+          </a:prstGeom>
+          <a:ln w="38100">
+            <a:tailEnd type="triangle"/>
+          </a:ln>
+        </p:spPr>
+        <p:style>
+          <a:lnRef idx="1">
+            <a:schemeClr val="accent1"/>
+          </a:lnRef>
+          <a:fillRef idx="0">
+            <a:schemeClr val="accent1"/>
+          </a:fillRef>
+          <a:effectRef idx="0">
+            <a:schemeClr val="accent1"/>
+          </a:effectRef>
+          <a:fontRef idx="minor">
+            <a:schemeClr val="tx1"/>
+          </a:fontRef>
+        </p:style>
+      </p:cxnSp>
+      <p:cxnSp>
+        <p:nvCxnSpPr>
+          <p:cNvPr id="40" name="Прямая со стрелкой 39">
+            <a:extLst>
+              <a:ext uri="{FF2B5EF4-FFF2-40B4-BE49-F238E27FC236}">
+                <a16:creationId xmlns:a16="http://schemas.microsoft.com/office/drawing/2014/main" id="{8C433912-091C-430F-9ED8-353507B542CB}"/>
+              </a:ext>
+            </a:extLst>
+          </p:cNvPr>
+          <p:cNvCxnSpPr>
+            <a:cxnSpLocks/>
+          </p:cNvCxnSpPr>
+          <p:nvPr/>
+        </p:nvCxnSpPr>
+        <p:spPr>
+          <a:xfrm flipH="1">
+            <a:off x="1727356" y="1640934"/>
+            <a:ext cx="853346" cy="244591"/>
+          </a:xfrm>
+          <a:prstGeom prst="straightConnector1">
+            <a:avLst/>
+          </a:prstGeom>
+          <a:ln w="38100">
+            <a:tailEnd type="triangle"/>
+          </a:ln>
+        </p:spPr>
+        <p:style>
+          <a:lnRef idx="1">
+            <a:schemeClr val="accent1"/>
+          </a:lnRef>
+          <a:fillRef idx="0">
+            <a:schemeClr val="accent1"/>
+          </a:fillRef>
+          <a:effectRef idx="0">
+            <a:schemeClr val="accent1"/>
+          </a:effectRef>
+          <a:fontRef idx="minor">
+            <a:schemeClr val="tx1"/>
+          </a:fontRef>
+        </p:style>
+      </p:cxnSp>
+      <p:grpSp>
+        <p:nvGrpSpPr>
+          <p:cNvPr id="65" name="Группа 64">
+            <a:extLst>
+              <a:ext uri="{FF2B5EF4-FFF2-40B4-BE49-F238E27FC236}">
+                <a16:creationId xmlns:a16="http://schemas.microsoft.com/office/drawing/2014/main" id="{C2CCEB62-DDE6-4D5E-932C-D6BB4FEBF1E2}"/>
+              </a:ext>
+            </a:extLst>
+          </p:cNvPr>
+          <p:cNvGrpSpPr/>
+          <p:nvPr/>
+        </p:nvGrpSpPr>
+        <p:grpSpPr>
+          <a:xfrm>
+            <a:off x="346773" y="4378736"/>
+            <a:ext cx="777353" cy="785536"/>
+            <a:chOff x="806383" y="4857226"/>
+            <a:chExt cx="777353" cy="785536"/>
+          </a:xfrm>
+        </p:grpSpPr>
+        <p:sp>
+          <p:nvSpPr>
+            <p:cNvPr id="46" name="Овал 45">
+              <a:extLst>
+                <a:ext uri="{FF2B5EF4-FFF2-40B4-BE49-F238E27FC236}">
+                  <a16:creationId xmlns:a16="http://schemas.microsoft.com/office/drawing/2014/main" id="{4F63433E-5EB5-41DC-907A-354913B06993}"/>
+                </a:ext>
+              </a:extLst>
+            </p:cNvPr>
+            <p:cNvSpPr/>
+            <p:nvPr/>
+          </p:nvSpPr>
+          <p:spPr>
+            <a:xfrm>
+              <a:off x="1124126" y="4857226"/>
+              <a:ext cx="155995" cy="155995"/>
+            </a:xfrm>
+            <a:prstGeom prst="ellipse">
+              <a:avLst/>
+            </a:prstGeom>
+            <a:solidFill>
+              <a:schemeClr val="tx1"/>
+            </a:solidFill>
+            <a:ln>
+              <a:noFill/>
+            </a:ln>
+          </p:spPr>
+          <p:style>
+            <a:lnRef idx="2">
+              <a:schemeClr val="accent1">
+                <a:shade val="50000"/>
+              </a:schemeClr>
+            </a:lnRef>
+            <a:fillRef idx="1">
+              <a:schemeClr val="accent1"/>
+            </a:fillRef>
+            <a:effectRef idx="0">
+              <a:schemeClr val="accent1"/>
+            </a:effectRef>
+            <a:fontRef idx="minor">
+              <a:schemeClr val="lt1"/>
+            </a:fontRef>
+          </p:style>
+          <p:txBody>
+            <a:bodyPr rtlCol="0" anchor="ctr"/>
+            <a:lstStyle/>
+            <a:p>
+              <a:pPr algn="ctr"/>
+              <a:endParaRPr lang="ru-RU"/>
+            </a:p>
+          </p:txBody>
+        </p:sp>
+        <p:sp>
+          <p:nvSpPr>
+            <p:cNvPr id="47" name="Овал 46">
+              <a:extLst>
+                <a:ext uri="{FF2B5EF4-FFF2-40B4-BE49-F238E27FC236}">
+                  <a16:creationId xmlns:a16="http://schemas.microsoft.com/office/drawing/2014/main" id="{E322756E-19FB-4B95-AA24-2E9C9D710F25}"/>
+                </a:ext>
+              </a:extLst>
+            </p:cNvPr>
+            <p:cNvSpPr/>
+            <p:nvPr/>
+          </p:nvSpPr>
+          <p:spPr>
+            <a:xfrm>
+              <a:off x="1427741" y="5172693"/>
+              <a:ext cx="155995" cy="155995"/>
+            </a:xfrm>
+            <a:prstGeom prst="ellipse">
+              <a:avLst/>
+            </a:prstGeom>
+            <a:solidFill>
+              <a:schemeClr val="tx1"/>
+            </a:solidFill>
+            <a:ln>
+              <a:noFill/>
+            </a:ln>
+          </p:spPr>
+          <p:style>
+            <a:lnRef idx="2">
+              <a:schemeClr val="accent1">
+                <a:shade val="50000"/>
+              </a:schemeClr>
+            </a:lnRef>
+            <a:fillRef idx="1">
+              <a:schemeClr val="accent1"/>
+            </a:fillRef>
+            <a:effectRef idx="0">
+              <a:schemeClr val="accent1"/>
+            </a:effectRef>
+            <a:fontRef idx="minor">
+              <a:schemeClr val="lt1"/>
+            </a:fontRef>
+          </p:style>
+          <p:txBody>
+            <a:bodyPr rtlCol="0" anchor="ctr"/>
+            <a:lstStyle/>
+            <a:p>
+              <a:pPr algn="ctr"/>
+              <a:endParaRPr lang="ru-RU"/>
+            </a:p>
+          </p:txBody>
+        </p:sp>
+        <p:sp>
+          <p:nvSpPr>
+            <p:cNvPr id="48" name="Овал 47">
+              <a:extLst>
+                <a:ext uri="{FF2B5EF4-FFF2-40B4-BE49-F238E27FC236}">
+                  <a16:creationId xmlns:a16="http://schemas.microsoft.com/office/drawing/2014/main" id="{2D50528A-6A3E-4D61-ADBB-6620021826D8}"/>
+                </a:ext>
+              </a:extLst>
+            </p:cNvPr>
+            <p:cNvSpPr/>
+            <p:nvPr/>
+          </p:nvSpPr>
+          <p:spPr>
+            <a:xfrm>
+              <a:off x="806383" y="5161336"/>
+              <a:ext cx="155995" cy="155995"/>
+            </a:xfrm>
+            <a:prstGeom prst="ellipse">
+              <a:avLst/>
+            </a:prstGeom>
+            <a:solidFill>
+              <a:schemeClr val="tx1"/>
+            </a:solidFill>
+            <a:ln>
+              <a:noFill/>
+            </a:ln>
+          </p:spPr>
+          <p:style>
+            <a:lnRef idx="2">
+              <a:schemeClr val="accent1">
+                <a:shade val="50000"/>
+              </a:schemeClr>
+            </a:lnRef>
+            <a:fillRef idx="1">
+              <a:schemeClr val="accent1"/>
+            </a:fillRef>
+            <a:effectRef idx="0">
+              <a:schemeClr val="accent1"/>
+            </a:effectRef>
+            <a:fontRef idx="minor">
+              <a:schemeClr val="lt1"/>
+            </a:fontRef>
+          </p:style>
+          <p:txBody>
+            <a:bodyPr rtlCol="0" anchor="ctr"/>
+            <a:lstStyle/>
+            <a:p>
+              <a:pPr algn="ctr"/>
+              <a:endParaRPr lang="ru-RU"/>
+            </a:p>
+          </p:txBody>
+        </p:sp>
+        <p:sp>
+          <p:nvSpPr>
+            <p:cNvPr id="49" name="Овал 48">
+              <a:extLst>
+                <a:ext uri="{FF2B5EF4-FFF2-40B4-BE49-F238E27FC236}">
+                  <a16:creationId xmlns:a16="http://schemas.microsoft.com/office/drawing/2014/main" id="{1CE78DF2-74CF-45B0-A530-5355FD2EDCA6}"/>
+                </a:ext>
+              </a:extLst>
+            </p:cNvPr>
+            <p:cNvSpPr/>
+            <p:nvPr/>
+          </p:nvSpPr>
+          <p:spPr>
+            <a:xfrm>
+              <a:off x="1124126" y="5486767"/>
+              <a:ext cx="155995" cy="155995"/>
+            </a:xfrm>
+            <a:prstGeom prst="ellipse">
+              <a:avLst/>
+            </a:prstGeom>
+            <a:solidFill>
+              <a:schemeClr val="tx1"/>
+            </a:solidFill>
+            <a:ln>
+              <a:noFill/>
+            </a:ln>
+          </p:spPr>
+          <p:style>
+            <a:lnRef idx="2">
+              <a:schemeClr val="accent1">
+                <a:shade val="50000"/>
+              </a:schemeClr>
+            </a:lnRef>
+            <a:fillRef idx="1">
+              <a:schemeClr val="accent1"/>
+            </a:fillRef>
+            <a:effectRef idx="0">
+              <a:schemeClr val="accent1"/>
+            </a:effectRef>
+            <a:fontRef idx="minor">
+              <a:schemeClr val="lt1"/>
+            </a:fontRef>
+          </p:style>
+          <p:txBody>
+            <a:bodyPr rtlCol="0" anchor="ctr"/>
+            <a:lstStyle/>
+            <a:p>
+              <a:pPr algn="ctr"/>
+              <a:endParaRPr lang="ru-RU"/>
+            </a:p>
+          </p:txBody>
+        </p:sp>
+        <p:cxnSp>
+          <p:nvCxnSpPr>
+            <p:cNvPr id="51" name="Прямая со стрелкой 50">
+              <a:extLst>
+                <a:ext uri="{FF2B5EF4-FFF2-40B4-BE49-F238E27FC236}">
+                  <a16:creationId xmlns:a16="http://schemas.microsoft.com/office/drawing/2014/main" id="{9B1C5111-AA8E-4776-AA3C-411A7CD4E226}"/>
+                </a:ext>
+              </a:extLst>
+            </p:cNvPr>
+            <p:cNvCxnSpPr>
+              <a:cxnSpLocks/>
+              <a:endCxn id="46" idx="3"/>
+            </p:cNvCxnSpPr>
+            <p:nvPr/>
+          </p:nvCxnSpPr>
+          <p:spPr>
+            <a:xfrm flipV="1">
+              <a:off x="945471" y="4990376"/>
+              <a:ext cx="201500" cy="176826"/>
+            </a:xfrm>
+            <a:prstGeom prst="straightConnector1">
+              <a:avLst/>
+            </a:prstGeom>
+            <a:ln w="38100">
+              <a:solidFill>
+                <a:srgbClr val="00B050"/>
+              </a:solidFill>
+              <a:tailEnd type="triangle"/>
+            </a:ln>
+          </p:spPr>
+          <p:style>
+            <a:lnRef idx="1">
+              <a:schemeClr val="accent1"/>
+            </a:lnRef>
+            <a:fillRef idx="0">
+              <a:schemeClr val="accent1"/>
+            </a:fillRef>
+            <a:effectRef idx="0">
+              <a:schemeClr val="accent1"/>
+            </a:effectRef>
+            <a:fontRef idx="minor">
+              <a:schemeClr val="tx1"/>
+            </a:fontRef>
+          </p:style>
+        </p:cxnSp>
+        <p:cxnSp>
+          <p:nvCxnSpPr>
+            <p:cNvPr id="52" name="Прямая со стрелкой 51">
+              <a:extLst>
+                <a:ext uri="{FF2B5EF4-FFF2-40B4-BE49-F238E27FC236}">
+                  <a16:creationId xmlns:a16="http://schemas.microsoft.com/office/drawing/2014/main" id="{730FDB35-6EC0-43F6-9C42-2A9EFE4DE712}"/>
+                </a:ext>
+              </a:extLst>
+            </p:cNvPr>
+            <p:cNvCxnSpPr>
+              <a:cxnSpLocks/>
+              <a:endCxn id="47" idx="1"/>
+            </p:cNvCxnSpPr>
+            <p:nvPr/>
+          </p:nvCxnSpPr>
+          <p:spPr>
+            <a:xfrm>
+              <a:off x="1280121" y="5013221"/>
+              <a:ext cx="170465" cy="182317"/>
+            </a:xfrm>
+            <a:prstGeom prst="straightConnector1">
+              <a:avLst/>
+            </a:prstGeom>
+            <a:ln w="38100">
+              <a:solidFill>
+                <a:srgbClr val="00B050"/>
+              </a:solidFill>
+              <a:tailEnd type="triangle"/>
+            </a:ln>
+          </p:spPr>
+          <p:style>
+            <a:lnRef idx="1">
+              <a:schemeClr val="accent1"/>
+            </a:lnRef>
+            <a:fillRef idx="0">
+              <a:schemeClr val="accent1"/>
+            </a:fillRef>
+            <a:effectRef idx="0">
+              <a:schemeClr val="accent1"/>
+            </a:effectRef>
+            <a:fontRef idx="minor">
+              <a:schemeClr val="tx1"/>
+            </a:fontRef>
+          </p:style>
+        </p:cxnSp>
+        <p:cxnSp>
+          <p:nvCxnSpPr>
+            <p:cNvPr id="53" name="Прямая со стрелкой 52">
+              <a:extLst>
+                <a:ext uri="{FF2B5EF4-FFF2-40B4-BE49-F238E27FC236}">
+                  <a16:creationId xmlns:a16="http://schemas.microsoft.com/office/drawing/2014/main" id="{BF1B5942-69F5-40B1-A984-99027D2466BF}"/>
+                </a:ext>
+              </a:extLst>
+            </p:cNvPr>
+            <p:cNvCxnSpPr>
+              <a:cxnSpLocks/>
+              <a:stCxn id="47" idx="3"/>
+              <a:endCxn id="49" idx="7"/>
+            </p:cNvCxnSpPr>
+            <p:nvPr/>
+          </p:nvCxnSpPr>
+          <p:spPr>
+            <a:xfrm flipH="1">
+              <a:off x="1257276" y="5305843"/>
+              <a:ext cx="193310" cy="203769"/>
+            </a:xfrm>
+            <a:prstGeom prst="straightConnector1">
+              <a:avLst/>
+            </a:prstGeom>
+            <a:ln w="38100">
+              <a:solidFill>
+                <a:srgbClr val="00B050"/>
+              </a:solidFill>
+              <a:tailEnd type="triangle"/>
+            </a:ln>
+          </p:spPr>
+          <p:style>
+            <a:lnRef idx="1">
+              <a:schemeClr val="accent1"/>
+            </a:lnRef>
+            <a:fillRef idx="0">
+              <a:schemeClr val="accent1"/>
+            </a:fillRef>
+            <a:effectRef idx="0">
+              <a:schemeClr val="accent1"/>
+            </a:effectRef>
+            <a:fontRef idx="minor">
+              <a:schemeClr val="tx1"/>
+            </a:fontRef>
+          </p:style>
+        </p:cxnSp>
+        <p:cxnSp>
+          <p:nvCxnSpPr>
+            <p:cNvPr id="54" name="Прямая со стрелкой 53">
+              <a:extLst>
+                <a:ext uri="{FF2B5EF4-FFF2-40B4-BE49-F238E27FC236}">
+                  <a16:creationId xmlns:a16="http://schemas.microsoft.com/office/drawing/2014/main" id="{D56A162B-AC42-4613-8D71-FB481BF1C7B9}"/>
+                </a:ext>
+              </a:extLst>
+            </p:cNvPr>
+            <p:cNvCxnSpPr>
+              <a:cxnSpLocks/>
+              <a:endCxn id="48" idx="4"/>
+            </p:cNvCxnSpPr>
+            <p:nvPr/>
+          </p:nvCxnSpPr>
+          <p:spPr>
+            <a:xfrm flipH="1" flipV="1">
+              <a:off x="884381" y="5317331"/>
+              <a:ext cx="222190" cy="169436"/>
+            </a:xfrm>
+            <a:prstGeom prst="straightConnector1">
+              <a:avLst/>
+            </a:prstGeom>
+            <a:ln w="38100">
+              <a:solidFill>
+                <a:srgbClr val="00B050"/>
+              </a:solidFill>
+              <a:tailEnd type="triangle"/>
+            </a:ln>
+          </p:spPr>
+          <p:style>
+            <a:lnRef idx="1">
+              <a:schemeClr val="accent1"/>
+            </a:lnRef>
+            <a:fillRef idx="0">
+              <a:schemeClr val="accent1"/>
+            </a:fillRef>
+            <a:effectRef idx="0">
+              <a:schemeClr val="accent1"/>
+            </a:effectRef>
+            <a:fontRef idx="minor">
+              <a:schemeClr val="tx1"/>
+            </a:fontRef>
+          </p:style>
+        </p:cxnSp>
+      </p:grpSp>
+      <p:cxnSp>
+        <p:nvCxnSpPr>
+          <p:cNvPr id="57" name="Прямая со стрелкой 56">
+            <a:extLst>
+              <a:ext uri="{FF2B5EF4-FFF2-40B4-BE49-F238E27FC236}">
+                <a16:creationId xmlns:a16="http://schemas.microsoft.com/office/drawing/2014/main" id="{59DA9A48-9AE5-408A-934C-4CD1F4CB0478}"/>
+              </a:ext>
+            </a:extLst>
+          </p:cNvPr>
+          <p:cNvCxnSpPr>
+            <a:cxnSpLocks/>
+          </p:cNvCxnSpPr>
+          <p:nvPr/>
+        </p:nvCxnSpPr>
+        <p:spPr>
+          <a:xfrm flipH="1" flipV="1">
+            <a:off x="1161441" y="4791330"/>
+            <a:ext cx="661068" cy="47512"/>
+          </a:xfrm>
+          <a:prstGeom prst="straightConnector1">
+            <a:avLst/>
+          </a:prstGeom>
+          <a:ln w="38100">
+            <a:solidFill>
+              <a:srgbClr val="7030A0"/>
+            </a:solidFill>
+            <a:tailEnd type="triangle"/>
+          </a:ln>
+        </p:spPr>
+        <p:style>
+          <a:lnRef idx="1">
+            <a:schemeClr val="accent1"/>
+          </a:lnRef>
+          <a:fillRef idx="0">
+            <a:schemeClr val="accent1"/>
+          </a:fillRef>
+          <a:effectRef idx="0">
+            <a:schemeClr val="accent1"/>
+          </a:effectRef>
+          <a:fontRef idx="minor">
+            <a:schemeClr val="tx1"/>
+          </a:fontRef>
+        </p:style>
+      </p:cxnSp>
+      <p:grpSp>
+        <p:nvGrpSpPr>
+          <p:cNvPr id="66" name="Группа 65">
+            <a:extLst>
+              <a:ext uri="{FF2B5EF4-FFF2-40B4-BE49-F238E27FC236}">
+                <a16:creationId xmlns:a16="http://schemas.microsoft.com/office/drawing/2014/main" id="{71AD311B-21CE-4F78-989C-AA330C403BB0}"/>
+              </a:ext>
+            </a:extLst>
+          </p:cNvPr>
+          <p:cNvGrpSpPr/>
+          <p:nvPr/>
+        </p:nvGrpSpPr>
+        <p:grpSpPr>
+          <a:xfrm>
+            <a:off x="1899512" y="4464112"/>
+            <a:ext cx="777353" cy="785536"/>
+            <a:chOff x="806383" y="4857226"/>
+            <a:chExt cx="777353" cy="785536"/>
+          </a:xfrm>
+        </p:grpSpPr>
+        <p:sp>
+          <p:nvSpPr>
+            <p:cNvPr id="67" name="Овал 66">
+              <a:extLst>
+                <a:ext uri="{FF2B5EF4-FFF2-40B4-BE49-F238E27FC236}">
+                  <a16:creationId xmlns:a16="http://schemas.microsoft.com/office/drawing/2014/main" id="{7E6223E5-F224-4336-8FD1-9D9F9E13CAB8}"/>
+                </a:ext>
+              </a:extLst>
+            </p:cNvPr>
+            <p:cNvSpPr/>
+            <p:nvPr/>
+          </p:nvSpPr>
+          <p:spPr>
+            <a:xfrm>
+              <a:off x="1124126" y="4857226"/>
+              <a:ext cx="155995" cy="155995"/>
+            </a:xfrm>
+            <a:prstGeom prst="ellipse">
+              <a:avLst/>
+            </a:prstGeom>
+            <a:solidFill>
+              <a:schemeClr val="tx1"/>
+            </a:solidFill>
+            <a:ln>
+              <a:noFill/>
+            </a:ln>
+          </p:spPr>
+          <p:style>
+            <a:lnRef idx="2">
+              <a:schemeClr val="accent1">
+                <a:shade val="50000"/>
+              </a:schemeClr>
+            </a:lnRef>
+            <a:fillRef idx="1">
+              <a:schemeClr val="accent1"/>
+            </a:fillRef>
+            <a:effectRef idx="0">
+              <a:schemeClr val="accent1"/>
+            </a:effectRef>
+            <a:fontRef idx="minor">
+              <a:schemeClr val="lt1"/>
+            </a:fontRef>
+          </p:style>
+          <p:txBody>
+            <a:bodyPr rtlCol="0" anchor="ctr"/>
+            <a:lstStyle/>
+            <a:p>
+              <a:pPr algn="ctr"/>
+              <a:endParaRPr lang="ru-RU"/>
+            </a:p>
+          </p:txBody>
+        </p:sp>
+        <p:sp>
+          <p:nvSpPr>
+            <p:cNvPr id="68" name="Овал 67">
+              <a:extLst>
+                <a:ext uri="{FF2B5EF4-FFF2-40B4-BE49-F238E27FC236}">
+                  <a16:creationId xmlns:a16="http://schemas.microsoft.com/office/drawing/2014/main" id="{56180C98-7575-44FE-B439-D8C64324B820}"/>
+                </a:ext>
+              </a:extLst>
+            </p:cNvPr>
+            <p:cNvSpPr/>
+            <p:nvPr/>
+          </p:nvSpPr>
+          <p:spPr>
+            <a:xfrm>
+              <a:off x="1427741" y="5172693"/>
+              <a:ext cx="155995" cy="155995"/>
+            </a:xfrm>
+            <a:prstGeom prst="ellipse">
+              <a:avLst/>
+            </a:prstGeom>
+            <a:solidFill>
+              <a:schemeClr val="tx1"/>
+            </a:solidFill>
+            <a:ln>
+              <a:noFill/>
+            </a:ln>
+          </p:spPr>
+          <p:style>
+            <a:lnRef idx="2">
+              <a:schemeClr val="accent1">
+                <a:shade val="50000"/>
+              </a:schemeClr>
+            </a:lnRef>
+            <a:fillRef idx="1">
+              <a:schemeClr val="accent1"/>
+            </a:fillRef>
+            <a:effectRef idx="0">
+              <a:schemeClr val="accent1"/>
+            </a:effectRef>
+            <a:fontRef idx="minor">
+              <a:schemeClr val="lt1"/>
+            </a:fontRef>
+          </p:style>
+          <p:txBody>
+            <a:bodyPr rtlCol="0" anchor="ctr"/>
+            <a:lstStyle/>
+            <a:p>
+              <a:pPr algn="ctr"/>
+              <a:endParaRPr lang="ru-RU"/>
+            </a:p>
+          </p:txBody>
+        </p:sp>
+        <p:sp>
+          <p:nvSpPr>
+            <p:cNvPr id="69" name="Овал 68">
+              <a:extLst>
+                <a:ext uri="{FF2B5EF4-FFF2-40B4-BE49-F238E27FC236}">
+                  <a16:creationId xmlns:a16="http://schemas.microsoft.com/office/drawing/2014/main" id="{2AEA1891-F2BB-4EAC-B2F7-220CCDE897A9}"/>
+                </a:ext>
+              </a:extLst>
+            </p:cNvPr>
+            <p:cNvSpPr/>
+            <p:nvPr/>
+          </p:nvSpPr>
+          <p:spPr>
+            <a:xfrm>
+              <a:off x="806383" y="5161336"/>
+              <a:ext cx="155995" cy="155995"/>
+            </a:xfrm>
+            <a:prstGeom prst="ellipse">
+              <a:avLst/>
+            </a:prstGeom>
+            <a:solidFill>
+              <a:schemeClr val="tx1"/>
+            </a:solidFill>
+            <a:ln>
+              <a:noFill/>
+            </a:ln>
+          </p:spPr>
+          <p:style>
+            <a:lnRef idx="2">
+              <a:schemeClr val="accent1">
+                <a:shade val="50000"/>
+              </a:schemeClr>
+            </a:lnRef>
+            <a:fillRef idx="1">
+              <a:schemeClr val="accent1"/>
+            </a:fillRef>
+            <a:effectRef idx="0">
+              <a:schemeClr val="accent1"/>
+            </a:effectRef>
+            <a:fontRef idx="minor">
+              <a:schemeClr val="lt1"/>
+            </a:fontRef>
+          </p:style>
+          <p:txBody>
+            <a:bodyPr rtlCol="0" anchor="ctr"/>
+            <a:lstStyle/>
+            <a:p>
+              <a:pPr algn="ctr"/>
+              <a:endParaRPr lang="ru-RU"/>
+            </a:p>
+          </p:txBody>
+        </p:sp>
+        <p:sp>
+          <p:nvSpPr>
+            <p:cNvPr id="70" name="Овал 69">
+              <a:extLst>
+                <a:ext uri="{FF2B5EF4-FFF2-40B4-BE49-F238E27FC236}">
+                  <a16:creationId xmlns:a16="http://schemas.microsoft.com/office/drawing/2014/main" id="{77B14BB1-DCDB-46AC-85AE-8BA4CB1EAE5F}"/>
+                </a:ext>
+              </a:extLst>
+            </p:cNvPr>
+            <p:cNvSpPr/>
+            <p:nvPr/>
+          </p:nvSpPr>
+          <p:spPr>
+            <a:xfrm>
+              <a:off x="1124126" y="5486767"/>
+              <a:ext cx="155995" cy="155995"/>
+            </a:xfrm>
+            <a:prstGeom prst="ellipse">
+              <a:avLst/>
+            </a:prstGeom>
+            <a:solidFill>
+              <a:schemeClr val="tx1"/>
+            </a:solidFill>
+            <a:ln>
+              <a:noFill/>
+            </a:ln>
+          </p:spPr>
+          <p:style>
+            <a:lnRef idx="2">
+              <a:schemeClr val="accent1">
+                <a:shade val="50000"/>
+              </a:schemeClr>
+            </a:lnRef>
+            <a:fillRef idx="1">
+              <a:schemeClr val="accent1"/>
+            </a:fillRef>
+            <a:effectRef idx="0">
+              <a:schemeClr val="accent1"/>
+            </a:effectRef>
+            <a:fontRef idx="minor">
+              <a:schemeClr val="lt1"/>
+            </a:fontRef>
+          </p:style>
+          <p:txBody>
+            <a:bodyPr rtlCol="0" anchor="ctr"/>
+            <a:lstStyle/>
+            <a:p>
+              <a:pPr algn="ctr"/>
+              <a:endParaRPr lang="ru-RU"/>
+            </a:p>
+          </p:txBody>
+        </p:sp>
+        <p:cxnSp>
+          <p:nvCxnSpPr>
+            <p:cNvPr id="71" name="Прямая со стрелкой 70">
+              <a:extLst>
+                <a:ext uri="{FF2B5EF4-FFF2-40B4-BE49-F238E27FC236}">
+                  <a16:creationId xmlns:a16="http://schemas.microsoft.com/office/drawing/2014/main" id="{F4AD6B76-8AC7-4F21-A5B0-41862F0439EB}"/>
+                </a:ext>
+              </a:extLst>
+            </p:cNvPr>
+            <p:cNvCxnSpPr>
+              <a:cxnSpLocks/>
+              <a:endCxn id="67" idx="3"/>
+            </p:cNvCxnSpPr>
+            <p:nvPr/>
+          </p:nvCxnSpPr>
+          <p:spPr>
+            <a:xfrm flipV="1">
+              <a:off x="945471" y="4990376"/>
+              <a:ext cx="201500" cy="176826"/>
+            </a:xfrm>
+            <a:prstGeom prst="straightConnector1">
+              <a:avLst/>
+            </a:prstGeom>
+            <a:ln w="38100">
+              <a:solidFill>
+                <a:srgbClr val="00B050"/>
+              </a:solidFill>
+              <a:tailEnd type="triangle"/>
+            </a:ln>
+          </p:spPr>
+          <p:style>
+            <a:lnRef idx="1">
+              <a:schemeClr val="accent1"/>
+            </a:lnRef>
+            <a:fillRef idx="0">
+              <a:schemeClr val="accent1"/>
+            </a:fillRef>
+            <a:effectRef idx="0">
+              <a:schemeClr val="accent1"/>
+            </a:effectRef>
+            <a:fontRef idx="minor">
+              <a:schemeClr val="tx1"/>
+            </a:fontRef>
+          </p:style>
+        </p:cxnSp>
+        <p:cxnSp>
+          <p:nvCxnSpPr>
+            <p:cNvPr id="72" name="Прямая со стрелкой 71">
+              <a:extLst>
+                <a:ext uri="{FF2B5EF4-FFF2-40B4-BE49-F238E27FC236}">
+                  <a16:creationId xmlns:a16="http://schemas.microsoft.com/office/drawing/2014/main" id="{C643B8CB-48E9-40AC-940C-AF73629940E8}"/>
+                </a:ext>
+              </a:extLst>
+            </p:cNvPr>
+            <p:cNvCxnSpPr>
+              <a:cxnSpLocks/>
+              <a:endCxn id="68" idx="1"/>
+            </p:cNvCxnSpPr>
+            <p:nvPr/>
+          </p:nvCxnSpPr>
+          <p:spPr>
+            <a:xfrm>
+              <a:off x="1280121" y="5013221"/>
+              <a:ext cx="170465" cy="182317"/>
+            </a:xfrm>
+            <a:prstGeom prst="straightConnector1">
+              <a:avLst/>
+            </a:prstGeom>
+            <a:ln w="38100">
+              <a:solidFill>
+                <a:srgbClr val="00B050"/>
+              </a:solidFill>
+              <a:tailEnd type="triangle"/>
+            </a:ln>
+          </p:spPr>
+          <p:style>
+            <a:lnRef idx="1">
+              <a:schemeClr val="accent1"/>
+            </a:lnRef>
+            <a:fillRef idx="0">
+              <a:schemeClr val="accent1"/>
+            </a:fillRef>
+            <a:effectRef idx="0">
+              <a:schemeClr val="accent1"/>
+            </a:effectRef>
+            <a:fontRef idx="minor">
+              <a:schemeClr val="tx1"/>
+            </a:fontRef>
+          </p:style>
+        </p:cxnSp>
+        <p:cxnSp>
+          <p:nvCxnSpPr>
+            <p:cNvPr id="73" name="Прямая со стрелкой 72">
+              <a:extLst>
+                <a:ext uri="{FF2B5EF4-FFF2-40B4-BE49-F238E27FC236}">
+                  <a16:creationId xmlns:a16="http://schemas.microsoft.com/office/drawing/2014/main" id="{2144175E-959D-40F6-B362-85A087057B3D}"/>
+                </a:ext>
+              </a:extLst>
+            </p:cNvPr>
+            <p:cNvCxnSpPr>
+              <a:cxnSpLocks/>
+              <a:stCxn id="68" idx="3"/>
+              <a:endCxn id="70" idx="7"/>
+            </p:cNvCxnSpPr>
+            <p:nvPr/>
+          </p:nvCxnSpPr>
+          <p:spPr>
+            <a:xfrm flipH="1">
+              <a:off x="1257276" y="5305843"/>
+              <a:ext cx="193310" cy="203769"/>
+            </a:xfrm>
+            <a:prstGeom prst="straightConnector1">
+              <a:avLst/>
+            </a:prstGeom>
+            <a:ln w="38100">
+              <a:solidFill>
+                <a:srgbClr val="00B050"/>
+              </a:solidFill>
+              <a:tailEnd type="triangle"/>
+            </a:ln>
+          </p:spPr>
+          <p:style>
+            <a:lnRef idx="1">
+              <a:schemeClr val="accent1"/>
+            </a:lnRef>
+            <a:fillRef idx="0">
+              <a:schemeClr val="accent1"/>
+            </a:fillRef>
+            <a:effectRef idx="0">
+              <a:schemeClr val="accent1"/>
+            </a:effectRef>
+            <a:fontRef idx="minor">
+              <a:schemeClr val="tx1"/>
+            </a:fontRef>
+          </p:style>
+        </p:cxnSp>
+        <p:cxnSp>
+          <p:nvCxnSpPr>
+            <p:cNvPr id="74" name="Прямая со стрелкой 73">
+              <a:extLst>
+                <a:ext uri="{FF2B5EF4-FFF2-40B4-BE49-F238E27FC236}">
+                  <a16:creationId xmlns:a16="http://schemas.microsoft.com/office/drawing/2014/main" id="{9FB2C22A-A653-49A6-9935-0B1EAB5376D7}"/>
+                </a:ext>
+              </a:extLst>
+            </p:cNvPr>
+            <p:cNvCxnSpPr>
+              <a:cxnSpLocks/>
+              <a:endCxn id="69" idx="4"/>
+            </p:cNvCxnSpPr>
+            <p:nvPr/>
+          </p:nvCxnSpPr>
+          <p:spPr>
+            <a:xfrm flipH="1" flipV="1">
+              <a:off x="884381" y="5317331"/>
+              <a:ext cx="222190" cy="169436"/>
+            </a:xfrm>
+            <a:prstGeom prst="straightConnector1">
+              <a:avLst/>
+            </a:prstGeom>
+            <a:ln w="38100">
+              <a:solidFill>
+                <a:srgbClr val="00B050"/>
+              </a:solidFill>
+              <a:tailEnd type="triangle"/>
+            </a:ln>
+          </p:spPr>
+          <p:style>
+            <a:lnRef idx="1">
+              <a:schemeClr val="accent1"/>
+            </a:lnRef>
+            <a:fillRef idx="0">
+              <a:schemeClr val="accent1"/>
+            </a:fillRef>
+            <a:effectRef idx="0">
+              <a:schemeClr val="accent1"/>
+            </a:effectRef>
+            <a:fontRef idx="minor">
+              <a:schemeClr val="tx1"/>
+            </a:fontRef>
+          </p:style>
+        </p:cxnSp>
+      </p:grpSp>
+      <p:grpSp>
+        <p:nvGrpSpPr>
+          <p:cNvPr id="75" name="Группа 74">
+            <a:extLst>
+              <a:ext uri="{FF2B5EF4-FFF2-40B4-BE49-F238E27FC236}">
+                <a16:creationId xmlns:a16="http://schemas.microsoft.com/office/drawing/2014/main" id="{8FE0FB1C-B801-46EE-B86E-B8BE29F1CEA6}"/>
+              </a:ext>
+            </a:extLst>
+          </p:cNvPr>
+          <p:cNvGrpSpPr/>
+          <p:nvPr/>
+        </p:nvGrpSpPr>
+        <p:grpSpPr>
+          <a:xfrm>
+            <a:off x="967557" y="5177321"/>
+            <a:ext cx="777353" cy="785536"/>
+            <a:chOff x="806383" y="4857226"/>
+            <a:chExt cx="777353" cy="785536"/>
+          </a:xfrm>
+        </p:grpSpPr>
+        <p:sp>
+          <p:nvSpPr>
+            <p:cNvPr id="76" name="Овал 75">
+              <a:extLst>
+                <a:ext uri="{FF2B5EF4-FFF2-40B4-BE49-F238E27FC236}">
+                  <a16:creationId xmlns:a16="http://schemas.microsoft.com/office/drawing/2014/main" id="{986A8942-2F9C-457F-A19A-33D758130AF2}"/>
+                </a:ext>
+              </a:extLst>
+            </p:cNvPr>
+            <p:cNvSpPr/>
+            <p:nvPr/>
+          </p:nvSpPr>
+          <p:spPr>
+            <a:xfrm>
+              <a:off x="1124126" y="4857226"/>
+              <a:ext cx="155995" cy="155995"/>
+            </a:xfrm>
+            <a:prstGeom prst="ellipse">
+              <a:avLst/>
+            </a:prstGeom>
+            <a:solidFill>
+              <a:schemeClr val="tx1"/>
+            </a:solidFill>
+            <a:ln>
+              <a:noFill/>
+            </a:ln>
+          </p:spPr>
+          <p:style>
+            <a:lnRef idx="2">
+              <a:schemeClr val="accent1">
+                <a:shade val="50000"/>
+              </a:schemeClr>
+            </a:lnRef>
+            <a:fillRef idx="1">
+              <a:schemeClr val="accent1"/>
+            </a:fillRef>
+            <a:effectRef idx="0">
+              <a:schemeClr val="accent1"/>
+            </a:effectRef>
+            <a:fontRef idx="minor">
+              <a:schemeClr val="lt1"/>
+            </a:fontRef>
+          </p:style>
+          <p:txBody>
+            <a:bodyPr rtlCol="0" anchor="ctr"/>
+            <a:lstStyle/>
+            <a:p>
+              <a:pPr algn="ctr"/>
+              <a:endParaRPr lang="ru-RU"/>
+            </a:p>
+          </p:txBody>
+        </p:sp>
+        <p:sp>
+          <p:nvSpPr>
+            <p:cNvPr id="77" name="Овал 76">
+              <a:extLst>
+                <a:ext uri="{FF2B5EF4-FFF2-40B4-BE49-F238E27FC236}">
+                  <a16:creationId xmlns:a16="http://schemas.microsoft.com/office/drawing/2014/main" id="{7C69E77C-F9DB-43B0-AC82-A5F487C40190}"/>
+                </a:ext>
+              </a:extLst>
+            </p:cNvPr>
+            <p:cNvSpPr/>
+            <p:nvPr/>
+          </p:nvSpPr>
+          <p:spPr>
+            <a:xfrm>
+              <a:off x="1427741" y="5172693"/>
+              <a:ext cx="155995" cy="155995"/>
+            </a:xfrm>
+            <a:prstGeom prst="ellipse">
+              <a:avLst/>
+            </a:prstGeom>
+            <a:solidFill>
+              <a:schemeClr val="tx1"/>
+            </a:solidFill>
+            <a:ln>
+              <a:noFill/>
+            </a:ln>
+          </p:spPr>
+          <p:style>
+            <a:lnRef idx="2">
+              <a:schemeClr val="accent1">
+                <a:shade val="50000"/>
+              </a:schemeClr>
+            </a:lnRef>
+            <a:fillRef idx="1">
+              <a:schemeClr val="accent1"/>
+            </a:fillRef>
+            <a:effectRef idx="0">
+              <a:schemeClr val="accent1"/>
+            </a:effectRef>
+            <a:fontRef idx="minor">
+              <a:schemeClr val="lt1"/>
+            </a:fontRef>
+          </p:style>
+          <p:txBody>
+            <a:bodyPr rtlCol="0" anchor="ctr"/>
+            <a:lstStyle/>
+            <a:p>
+              <a:pPr algn="ctr"/>
+              <a:endParaRPr lang="ru-RU"/>
+            </a:p>
+          </p:txBody>
+        </p:sp>
+        <p:sp>
+          <p:nvSpPr>
+            <p:cNvPr id="78" name="Овал 77">
+              <a:extLst>
+                <a:ext uri="{FF2B5EF4-FFF2-40B4-BE49-F238E27FC236}">
+                  <a16:creationId xmlns:a16="http://schemas.microsoft.com/office/drawing/2014/main" id="{2B2676AB-88F2-456A-9EDD-68F5A64A4EF1}"/>
+                </a:ext>
+              </a:extLst>
+            </p:cNvPr>
+            <p:cNvSpPr/>
+            <p:nvPr/>
+          </p:nvSpPr>
+          <p:spPr>
+            <a:xfrm>
+              <a:off x="806383" y="5161336"/>
+              <a:ext cx="155995" cy="155995"/>
+            </a:xfrm>
+            <a:prstGeom prst="ellipse">
+              <a:avLst/>
+            </a:prstGeom>
+            <a:solidFill>
+              <a:schemeClr val="tx1"/>
+            </a:solidFill>
+            <a:ln>
+              <a:noFill/>
+            </a:ln>
+          </p:spPr>
+          <p:style>
+            <a:lnRef idx="2">
+              <a:schemeClr val="accent1">
+                <a:shade val="50000"/>
+              </a:schemeClr>
+            </a:lnRef>
+            <a:fillRef idx="1">
+              <a:schemeClr val="accent1"/>
+            </a:fillRef>
+            <a:effectRef idx="0">
+              <a:schemeClr val="accent1"/>
+            </a:effectRef>
+            <a:fontRef idx="minor">
+              <a:schemeClr val="lt1"/>
+            </a:fontRef>
+          </p:style>
+          <p:txBody>
+            <a:bodyPr rtlCol="0" anchor="ctr"/>
+            <a:lstStyle/>
+            <a:p>
+              <a:pPr algn="ctr"/>
+              <a:endParaRPr lang="ru-RU"/>
+            </a:p>
+          </p:txBody>
+        </p:sp>
+        <p:sp>
+          <p:nvSpPr>
+            <p:cNvPr id="79" name="Овал 78">
+              <a:extLst>
+                <a:ext uri="{FF2B5EF4-FFF2-40B4-BE49-F238E27FC236}">
+                  <a16:creationId xmlns:a16="http://schemas.microsoft.com/office/drawing/2014/main" id="{2289B252-EC79-441D-8E59-6A5653BE49EA}"/>
+                </a:ext>
+              </a:extLst>
+            </p:cNvPr>
+            <p:cNvSpPr/>
+            <p:nvPr/>
+          </p:nvSpPr>
+          <p:spPr>
+            <a:xfrm>
+              <a:off x="1124126" y="5486767"/>
+              <a:ext cx="155995" cy="155995"/>
+            </a:xfrm>
+            <a:prstGeom prst="ellipse">
+              <a:avLst/>
+            </a:prstGeom>
+            <a:solidFill>
+              <a:schemeClr val="tx1"/>
+            </a:solidFill>
+            <a:ln>
+              <a:noFill/>
+            </a:ln>
+          </p:spPr>
+          <p:style>
+            <a:lnRef idx="2">
+              <a:schemeClr val="accent1">
+                <a:shade val="50000"/>
+              </a:schemeClr>
+            </a:lnRef>
+            <a:fillRef idx="1">
+              <a:schemeClr val="accent1"/>
+            </a:fillRef>
+            <a:effectRef idx="0">
+              <a:schemeClr val="accent1"/>
+            </a:effectRef>
+            <a:fontRef idx="minor">
+              <a:schemeClr val="lt1"/>
+            </a:fontRef>
+          </p:style>
+          <p:txBody>
+            <a:bodyPr rtlCol="0" anchor="ctr"/>
+            <a:lstStyle/>
+            <a:p>
+              <a:pPr algn="ctr"/>
+              <a:endParaRPr lang="ru-RU"/>
+            </a:p>
+          </p:txBody>
+        </p:sp>
+        <p:cxnSp>
+          <p:nvCxnSpPr>
+            <p:cNvPr id="80" name="Прямая со стрелкой 79">
+              <a:extLst>
+                <a:ext uri="{FF2B5EF4-FFF2-40B4-BE49-F238E27FC236}">
+                  <a16:creationId xmlns:a16="http://schemas.microsoft.com/office/drawing/2014/main" id="{61BB9BA7-01BE-4388-9D80-414DC7306657}"/>
+                </a:ext>
+              </a:extLst>
+            </p:cNvPr>
+            <p:cNvCxnSpPr>
+              <a:cxnSpLocks/>
+              <a:endCxn id="76" idx="3"/>
+            </p:cNvCxnSpPr>
+            <p:nvPr/>
+          </p:nvCxnSpPr>
+          <p:spPr>
+            <a:xfrm flipV="1">
+              <a:off x="945471" y="4990376"/>
+              <a:ext cx="201500" cy="176826"/>
+            </a:xfrm>
+            <a:prstGeom prst="straightConnector1">
+              <a:avLst/>
+            </a:prstGeom>
+            <a:ln w="38100">
+              <a:solidFill>
+                <a:srgbClr val="00B050"/>
+              </a:solidFill>
+              <a:tailEnd type="triangle"/>
+            </a:ln>
+          </p:spPr>
+          <p:style>
+            <a:lnRef idx="1">
+              <a:schemeClr val="accent1"/>
+            </a:lnRef>
+            <a:fillRef idx="0">
+              <a:schemeClr val="accent1"/>
+            </a:fillRef>
+            <a:effectRef idx="0">
+              <a:schemeClr val="accent1"/>
+            </a:effectRef>
+            <a:fontRef idx="minor">
+              <a:schemeClr val="tx1"/>
+            </a:fontRef>
+          </p:style>
+        </p:cxnSp>
+        <p:cxnSp>
+          <p:nvCxnSpPr>
+            <p:cNvPr id="81" name="Прямая со стрелкой 80">
+              <a:extLst>
+                <a:ext uri="{FF2B5EF4-FFF2-40B4-BE49-F238E27FC236}">
+                  <a16:creationId xmlns:a16="http://schemas.microsoft.com/office/drawing/2014/main" id="{E17B478D-9CE6-473B-8E98-BCDBA73126AD}"/>
+                </a:ext>
+              </a:extLst>
+            </p:cNvPr>
+            <p:cNvCxnSpPr>
+              <a:cxnSpLocks/>
+              <a:endCxn id="77" idx="1"/>
+            </p:cNvCxnSpPr>
+            <p:nvPr/>
+          </p:nvCxnSpPr>
+          <p:spPr>
+            <a:xfrm>
+              <a:off x="1280121" y="5013221"/>
+              <a:ext cx="170465" cy="182317"/>
+            </a:xfrm>
+            <a:prstGeom prst="straightConnector1">
+              <a:avLst/>
+            </a:prstGeom>
+            <a:ln w="38100">
+              <a:solidFill>
+                <a:srgbClr val="00B050"/>
+              </a:solidFill>
+              <a:tailEnd type="triangle"/>
+            </a:ln>
+          </p:spPr>
+          <p:style>
+            <a:lnRef idx="1">
+              <a:schemeClr val="accent1"/>
+            </a:lnRef>
+            <a:fillRef idx="0">
+              <a:schemeClr val="accent1"/>
+            </a:fillRef>
+            <a:effectRef idx="0">
+              <a:schemeClr val="accent1"/>
+            </a:effectRef>
+            <a:fontRef idx="minor">
+              <a:schemeClr val="tx1"/>
+            </a:fontRef>
+          </p:style>
+        </p:cxnSp>
+        <p:cxnSp>
+          <p:nvCxnSpPr>
+            <p:cNvPr id="82" name="Прямая со стрелкой 81">
+              <a:extLst>
+                <a:ext uri="{FF2B5EF4-FFF2-40B4-BE49-F238E27FC236}">
+                  <a16:creationId xmlns:a16="http://schemas.microsoft.com/office/drawing/2014/main" id="{57FC083A-0A7C-44E8-A570-40AF3737441E}"/>
+                </a:ext>
+              </a:extLst>
+            </p:cNvPr>
+            <p:cNvCxnSpPr>
+              <a:cxnSpLocks/>
+              <a:stCxn id="77" idx="3"/>
+              <a:endCxn id="79" idx="7"/>
+            </p:cNvCxnSpPr>
+            <p:nvPr/>
+          </p:nvCxnSpPr>
+          <p:spPr>
+            <a:xfrm flipH="1">
+              <a:off x="1257276" y="5305843"/>
+              <a:ext cx="193310" cy="203769"/>
+            </a:xfrm>
+            <a:prstGeom prst="straightConnector1">
+              <a:avLst/>
+            </a:prstGeom>
+            <a:ln w="38100">
+              <a:solidFill>
+                <a:srgbClr val="00B050"/>
+              </a:solidFill>
+              <a:tailEnd type="triangle"/>
+            </a:ln>
+          </p:spPr>
+          <p:style>
+            <a:lnRef idx="1">
+              <a:schemeClr val="accent1"/>
+            </a:lnRef>
+            <a:fillRef idx="0">
+              <a:schemeClr val="accent1"/>
+            </a:fillRef>
+            <a:effectRef idx="0">
+              <a:schemeClr val="accent1"/>
+            </a:effectRef>
+            <a:fontRef idx="minor">
+              <a:schemeClr val="tx1"/>
+            </a:fontRef>
+          </p:style>
+        </p:cxnSp>
+        <p:cxnSp>
+          <p:nvCxnSpPr>
+            <p:cNvPr id="83" name="Прямая со стрелкой 82">
+              <a:extLst>
+                <a:ext uri="{FF2B5EF4-FFF2-40B4-BE49-F238E27FC236}">
+                  <a16:creationId xmlns:a16="http://schemas.microsoft.com/office/drawing/2014/main" id="{20F4A9E7-0708-4639-BC68-E1B3CB498600}"/>
+                </a:ext>
+              </a:extLst>
+            </p:cNvPr>
+            <p:cNvCxnSpPr>
+              <a:cxnSpLocks/>
+              <a:endCxn id="78" idx="4"/>
+            </p:cNvCxnSpPr>
+            <p:nvPr/>
+          </p:nvCxnSpPr>
+          <p:spPr>
+            <a:xfrm flipH="1" flipV="1">
+              <a:off x="884381" y="5317331"/>
+              <a:ext cx="222190" cy="169436"/>
+            </a:xfrm>
+            <a:prstGeom prst="straightConnector1">
+              <a:avLst/>
+            </a:prstGeom>
+            <a:ln w="38100">
+              <a:solidFill>
+                <a:srgbClr val="00B050"/>
+              </a:solidFill>
+              <a:tailEnd type="triangle"/>
+            </a:ln>
+          </p:spPr>
+          <p:style>
+            <a:lnRef idx="1">
+              <a:schemeClr val="accent1"/>
+            </a:lnRef>
+            <a:fillRef idx="0">
+              <a:schemeClr val="accent1"/>
+            </a:fillRef>
+            <a:effectRef idx="0">
+              <a:schemeClr val="accent1"/>
+            </a:effectRef>
+            <a:fontRef idx="minor">
+              <a:schemeClr val="tx1"/>
+            </a:fontRef>
+          </p:style>
+        </p:cxnSp>
+      </p:grpSp>
+      <p:cxnSp>
+        <p:nvCxnSpPr>
+          <p:cNvPr id="84" name="Прямая со стрелкой 83">
+            <a:extLst>
+              <a:ext uri="{FF2B5EF4-FFF2-40B4-BE49-F238E27FC236}">
+                <a16:creationId xmlns:a16="http://schemas.microsoft.com/office/drawing/2014/main" id="{825F95FA-4387-4147-BF44-2D8B4895C58F}"/>
+              </a:ext>
+            </a:extLst>
+          </p:cNvPr>
+          <p:cNvCxnSpPr>
+            <a:cxnSpLocks/>
+          </p:cNvCxnSpPr>
+          <p:nvPr/>
+        </p:nvCxnSpPr>
+        <p:spPr>
+          <a:xfrm>
+            <a:off x="1515105" y="5192303"/>
+            <a:ext cx="638924" cy="7863"/>
+          </a:xfrm>
+          <a:prstGeom prst="straightConnector1">
+            <a:avLst/>
+          </a:prstGeom>
+          <a:ln w="38100">
+            <a:solidFill>
+              <a:srgbClr val="7030A0"/>
+            </a:solidFill>
+            <a:tailEnd type="triangle"/>
+          </a:ln>
+        </p:spPr>
+        <p:style>
+          <a:lnRef idx="1">
+            <a:schemeClr val="accent1"/>
+          </a:lnRef>
+          <a:fillRef idx="0">
+            <a:schemeClr val="accent1"/>
+          </a:fillRef>
+          <a:effectRef idx="0">
+            <a:schemeClr val="accent1"/>
+          </a:effectRef>
+          <a:fontRef idx="minor">
+            <a:schemeClr val="tx1"/>
+          </a:fontRef>
+        </p:style>
+      </p:cxnSp>
+      <p:cxnSp>
+        <p:nvCxnSpPr>
+          <p:cNvPr id="85" name="Прямая со стрелкой 84">
+            <a:extLst>
+              <a:ext uri="{FF2B5EF4-FFF2-40B4-BE49-F238E27FC236}">
+                <a16:creationId xmlns:a16="http://schemas.microsoft.com/office/drawing/2014/main" id="{D27904F6-88CA-44DA-B57B-1396D5816361}"/>
+              </a:ext>
+            </a:extLst>
+          </p:cNvPr>
+          <p:cNvCxnSpPr>
+            <a:cxnSpLocks/>
+            <a:endCxn id="78" idx="0"/>
+          </p:cNvCxnSpPr>
+          <p:nvPr/>
+        </p:nvCxnSpPr>
+        <p:spPr>
+          <a:xfrm flipH="1">
+            <a:off x="1045555" y="4887461"/>
+            <a:ext cx="23420" cy="593970"/>
+          </a:xfrm>
+          <a:prstGeom prst="straightConnector1">
+            <a:avLst/>
+          </a:prstGeom>
+          <a:ln w="38100">
+            <a:solidFill>
+              <a:srgbClr val="7030A0"/>
+            </a:solidFill>
+            <a:tailEnd type="triangle"/>
+          </a:ln>
+        </p:spPr>
+        <p:style>
+          <a:lnRef idx="1">
+            <a:schemeClr val="accent1"/>
+          </a:lnRef>
+          <a:fillRef idx="0">
+            <a:schemeClr val="accent1"/>
+          </a:fillRef>
+          <a:effectRef idx="0">
+            <a:schemeClr val="accent1"/>
+          </a:effectRef>
+          <a:fontRef idx="minor">
+            <a:schemeClr val="tx1"/>
+          </a:fontRef>
+        </p:style>
+      </p:cxnSp>
+      <p:sp>
+        <p:nvSpPr>
+          <p:cNvPr id="96" name="Стрелка: изогнутая влево 95">
+            <a:extLst>
+              <a:ext uri="{FF2B5EF4-FFF2-40B4-BE49-F238E27FC236}">
+                <a16:creationId xmlns:a16="http://schemas.microsoft.com/office/drawing/2014/main" id="{52ED553C-7C5D-4046-A796-F2FE60AB8319}"/>
+              </a:ext>
+            </a:extLst>
+          </p:cNvPr>
+          <p:cNvSpPr/>
+          <p:nvPr/>
+        </p:nvSpPr>
+        <p:spPr>
+          <a:xfrm>
+            <a:off x="3019497" y="3105840"/>
+            <a:ext cx="872456" cy="1929555"/>
+          </a:xfrm>
+          <a:prstGeom prst="curvedLeftArrow">
+            <a:avLst/>
+          </a:prstGeom>
+        </p:spPr>
+        <p:style>
+          <a:lnRef idx="2">
+            <a:schemeClr val="accent1">
+              <a:shade val="50000"/>
+            </a:schemeClr>
+          </a:lnRef>
+          <a:fillRef idx="1">
+            <a:schemeClr val="accent1"/>
+          </a:fillRef>
+          <a:effectRef idx="0">
+            <a:schemeClr val="accent1"/>
+          </a:effectRef>
+          <a:fontRef idx="minor">
+            <a:schemeClr val="lt1"/>
+          </a:fontRef>
+        </p:style>
+        <p:txBody>
+          <a:bodyPr rtlCol="0" anchor="ctr"/>
+          <a:lstStyle/>
+          <a:p>
+            <a:pPr algn="ctr"/>
+            <a:endParaRPr lang="ru-RU">
+              <a:solidFill>
+                <a:schemeClr val="tx1"/>
+              </a:solidFill>
+            </a:endParaRPr>
+          </a:p>
+        </p:txBody>
+      </p:sp>
+    </p:spTree>
+    <p:extLst>
+      <p:ext uri="{BB962C8B-B14F-4D97-AF65-F5344CB8AC3E}">
+        <p14:creationId xmlns:p14="http://schemas.microsoft.com/office/powerpoint/2010/main" val="294324831"/>
+      </p:ext>
+    </p:extLst>
+  </p:cSld>
+  <p:clrMapOvr>
+    <a:masterClrMapping/>
+  </p:clrMapOvr>
+</p:sld>
+</file>
+
+<file path=ppt/slides/slide7.xml><?xml version="1.0" encoding="utf-8"?>
+<p:sld xmlns:a="http://schemas.openxmlformats.org/drawingml/2006/main" xmlns:r="http://schemas.openxmlformats.org/officeDocument/2006/relationships" xmlns:p="http://schemas.openxmlformats.org/presentationml/2006/main">
+  <p:cSld>
+    <p:spTree>
+      <p:nvGrpSpPr>
+        <p:cNvPr id="1" name=""/>
+        <p:cNvGrpSpPr/>
+        <p:nvPr/>
+      </p:nvGrpSpPr>
+      <p:grpSpPr>
+        <a:xfrm>
+          <a:off x="0" y="0"/>
+          <a:ext cx="0" cy="0"/>
+          <a:chOff x="0" y="0"/>
+          <a:chExt cx="0" cy="0"/>
+        </a:xfrm>
+      </p:grpSpPr>
+      <p:sp>
+        <p:nvSpPr>
+          <p:cNvPr id="4" name="TextBox 3">
+            <a:extLst>
+              <a:ext uri="{FF2B5EF4-FFF2-40B4-BE49-F238E27FC236}">
+                <a16:creationId xmlns:a16="http://schemas.microsoft.com/office/drawing/2014/main" id="{75782867-3D65-49FC-929A-789A3ABB5240}"/>
+              </a:ext>
+            </a:extLst>
+          </p:cNvPr>
+          <p:cNvSpPr txBox="1"/>
+          <p:nvPr/>
+        </p:nvSpPr>
+        <p:spPr>
+          <a:xfrm>
+            <a:off x="9580228" y="545284"/>
+            <a:ext cx="2045688" cy="369332"/>
+          </a:xfrm>
+          <a:prstGeom prst="rect">
+            <a:avLst/>
+          </a:prstGeom>
+          <a:noFill/>
+        </p:spPr>
+        <p:txBody>
+          <a:bodyPr wrap="none" rtlCol="0">
+            <a:spAutoFit/>
+          </a:bodyPr>
+          <a:lstStyle/>
+          <a:p>
+            <a:r>
+              <a:rPr lang="ru-RU" dirty="0"/>
+              <a:t>Вторая релаксация</a:t>
+            </a:r>
+          </a:p>
+        </p:txBody>
+      </p:sp>
+      <p:sp>
+        <p:nvSpPr>
+          <p:cNvPr id="2" name="TextBox 1">
+            <a:extLst>
+              <a:ext uri="{FF2B5EF4-FFF2-40B4-BE49-F238E27FC236}">
+                <a16:creationId xmlns:a16="http://schemas.microsoft.com/office/drawing/2014/main" id="{411CEE46-F2E5-407C-B06F-4E6F6BB1FB64}"/>
+              </a:ext>
+            </a:extLst>
+          </p:cNvPr>
+          <p:cNvSpPr txBox="1"/>
+          <p:nvPr/>
+        </p:nvSpPr>
+        <p:spPr>
+          <a:xfrm flipH="1">
+            <a:off x="221886" y="1207960"/>
+            <a:ext cx="3301489" cy="923330"/>
+          </a:xfrm>
+          <a:prstGeom prst="rect">
+            <a:avLst/>
+          </a:prstGeom>
+          <a:noFill/>
+        </p:spPr>
+        <p:txBody>
+          <a:bodyPr wrap="square" rtlCol="0">
+            <a:spAutoFit/>
+          </a:bodyPr>
+          <a:lstStyle/>
+          <a:p>
+            <a:r>
+              <a:rPr lang="en-US" dirty="0"/>
+              <a:t>MSAP</a:t>
+            </a:r>
+          </a:p>
+          <a:p>
+            <a:r>
+              <a:rPr lang="en-US" dirty="0"/>
+              <a:t>Minimal Spanning Arborescence</a:t>
+            </a:r>
+          </a:p>
+          <a:p>
+            <a:r>
+              <a:rPr lang="ru-RU" dirty="0"/>
+              <a:t>Минимальное </a:t>
+            </a:r>
+            <a:r>
+              <a:rPr lang="ru-RU" dirty="0" err="1"/>
+              <a:t>остовное</a:t>
+            </a:r>
+            <a:r>
+              <a:rPr lang="ru-RU" dirty="0"/>
+              <a:t> дерево</a:t>
+            </a:r>
+          </a:p>
+        </p:txBody>
+      </p:sp>
+      <p:sp>
+        <p:nvSpPr>
+          <p:cNvPr id="5" name="TextBox 4">
+            <a:extLst>
+              <a:ext uri="{FF2B5EF4-FFF2-40B4-BE49-F238E27FC236}">
+                <a16:creationId xmlns:a16="http://schemas.microsoft.com/office/drawing/2014/main" id="{66EE601D-6D00-4EF2-B155-9696B021A48E}"/>
+              </a:ext>
+            </a:extLst>
+          </p:cNvPr>
+          <p:cNvSpPr txBox="1"/>
+          <p:nvPr/>
+        </p:nvSpPr>
+        <p:spPr>
+          <a:xfrm flipH="1">
+            <a:off x="4366047" y="1207960"/>
+            <a:ext cx="3511214" cy="1200329"/>
+          </a:xfrm>
+          <a:prstGeom prst="rect">
+            <a:avLst/>
+          </a:prstGeom>
+          <a:noFill/>
+        </p:spPr>
+        <p:txBody>
+          <a:bodyPr wrap="square" rtlCol="0">
+            <a:spAutoFit/>
+          </a:bodyPr>
+          <a:lstStyle/>
+          <a:p>
+            <a:r>
+              <a:rPr lang="en-US" dirty="0"/>
+              <a:t>AP</a:t>
+            </a:r>
+          </a:p>
+          <a:p>
+            <a:r>
+              <a:rPr lang="en-US" dirty="0"/>
+              <a:t>Assignment Problem</a:t>
+            </a:r>
+          </a:p>
+          <a:p>
+            <a:r>
+              <a:rPr lang="ru-RU" dirty="0"/>
+              <a:t>Задача о назначениях</a:t>
+            </a:r>
+          </a:p>
+          <a:p>
+            <a:r>
+              <a:rPr lang="ru-RU" dirty="0"/>
+              <a:t>Построение циклового покрытия</a:t>
+            </a:r>
+          </a:p>
+        </p:txBody>
+      </p:sp>
+      <p:sp>
+        <p:nvSpPr>
+          <p:cNvPr id="6" name="TextBox 5">
+            <a:extLst>
+              <a:ext uri="{FF2B5EF4-FFF2-40B4-BE49-F238E27FC236}">
+                <a16:creationId xmlns:a16="http://schemas.microsoft.com/office/drawing/2014/main" id="{8960BCE5-345C-4808-9AC0-4E711F87DA7B}"/>
+              </a:ext>
+            </a:extLst>
+          </p:cNvPr>
+          <p:cNvSpPr txBox="1"/>
+          <p:nvPr/>
+        </p:nvSpPr>
+        <p:spPr>
+          <a:xfrm flipH="1">
+            <a:off x="8023647" y="1207960"/>
+            <a:ext cx="3511214" cy="646331"/>
+          </a:xfrm>
+          <a:prstGeom prst="rect">
+            <a:avLst/>
+          </a:prstGeom>
+          <a:noFill/>
+        </p:spPr>
+        <p:txBody>
+          <a:bodyPr wrap="square" rtlCol="0">
+            <a:spAutoFit/>
+          </a:bodyPr>
+          <a:lstStyle/>
+          <a:p>
+            <a:r>
+              <a:rPr lang="en-US" dirty="0" err="1"/>
+              <a:t>Gurobi</a:t>
+            </a:r>
+            <a:r>
+              <a:rPr lang="en-US" dirty="0"/>
+              <a:t> + ATSPxy</a:t>
+            </a:r>
+            <a:r>
+              <a:rPr lang="en-US" baseline="30000" dirty="0"/>
+              <a:t>1</a:t>
+            </a:r>
+          </a:p>
+          <a:p>
+            <a:r>
+              <a:rPr lang="ru-RU" dirty="0"/>
+              <a:t>Прямое решение задачи </a:t>
+            </a:r>
+            <a:r>
+              <a:rPr lang="en-US" dirty="0"/>
+              <a:t>ATSP</a:t>
+            </a:r>
+          </a:p>
+        </p:txBody>
+      </p:sp>
+      <p:sp>
+        <p:nvSpPr>
+          <p:cNvPr id="7" name="TextBox 6">
+            <a:extLst>
+              <a:ext uri="{FF2B5EF4-FFF2-40B4-BE49-F238E27FC236}">
+                <a16:creationId xmlns:a16="http://schemas.microsoft.com/office/drawing/2014/main" id="{1F5F42BE-32EA-494D-9074-E00C113E5F78}"/>
+              </a:ext>
+            </a:extLst>
+          </p:cNvPr>
+          <p:cNvSpPr txBox="1"/>
+          <p:nvPr/>
+        </p:nvSpPr>
+        <p:spPr>
+          <a:xfrm>
+            <a:off x="70884" y="6312716"/>
+            <a:ext cx="11757593" cy="415498"/>
+          </a:xfrm>
+          <a:prstGeom prst="rect">
+            <a:avLst/>
+          </a:prstGeom>
+          <a:noFill/>
+        </p:spPr>
+        <p:txBody>
+          <a:bodyPr wrap="square">
+            <a:spAutoFit/>
+          </a:bodyPr>
+          <a:lstStyle/>
+          <a:p>
+            <a:r>
+              <a:rPr lang="en-US" sz="1050" b="0" i="0" baseline="30000" dirty="0">
+                <a:solidFill>
+                  <a:srgbClr val="222222"/>
+                </a:solidFill>
+                <a:effectLst/>
+                <a:latin typeface="Arial" panose="020B0604020202020204" pitchFamily="34" charset="0"/>
+              </a:rPr>
+              <a:t>1</a:t>
+            </a:r>
+            <a:r>
+              <a:rPr lang="en-US" sz="1050" b="0" i="0" dirty="0">
+                <a:solidFill>
+                  <a:srgbClr val="222222"/>
+                </a:solidFill>
+                <a:effectLst/>
+                <a:latin typeface="Arial" panose="020B0604020202020204" pitchFamily="34" charset="0"/>
+              </a:rPr>
+              <a:t>Sarin S. C., </a:t>
+            </a:r>
+            <a:r>
+              <a:rPr lang="en-US" sz="1050" b="0" i="0" dirty="0" err="1">
+                <a:solidFill>
+                  <a:srgbClr val="222222"/>
+                </a:solidFill>
+                <a:effectLst/>
+                <a:latin typeface="Arial" panose="020B0604020202020204" pitchFamily="34" charset="0"/>
+              </a:rPr>
+              <a:t>Sherali</a:t>
+            </a:r>
+            <a:r>
+              <a:rPr lang="en-US" sz="1050" b="0" i="0" dirty="0">
+                <a:solidFill>
+                  <a:srgbClr val="222222"/>
+                </a:solidFill>
+                <a:effectLst/>
+                <a:latin typeface="Arial" panose="020B0604020202020204" pitchFamily="34" charset="0"/>
+              </a:rPr>
+              <a:t> H. D., </a:t>
+            </a:r>
+            <a:r>
+              <a:rPr lang="en-US" sz="1050" b="0" i="0" dirty="0" err="1">
+                <a:solidFill>
+                  <a:srgbClr val="222222"/>
+                </a:solidFill>
+                <a:effectLst/>
+                <a:latin typeface="Arial" panose="020B0604020202020204" pitchFamily="34" charset="0"/>
+              </a:rPr>
+              <a:t>Bhootra</a:t>
+            </a:r>
+            <a:r>
+              <a:rPr lang="en-US" sz="1050" b="0" i="0" dirty="0">
+                <a:solidFill>
+                  <a:srgbClr val="222222"/>
+                </a:solidFill>
+                <a:effectLst/>
+                <a:latin typeface="Arial" panose="020B0604020202020204" pitchFamily="34" charset="0"/>
+              </a:rPr>
+              <a:t> A. New tighter polynomial length formulations for the asymmetric traveling salesman problem with and without precedence constraints //Operations research letters. – 2005. – Т. 33. – №. 1. – С. 62-70.</a:t>
+            </a:r>
+            <a:endParaRPr lang="ru-RU" sz="1050" dirty="0"/>
+          </a:p>
+        </p:txBody>
+      </p:sp>
+    </p:spTree>
+    <p:extLst>
+      <p:ext uri="{BB962C8B-B14F-4D97-AF65-F5344CB8AC3E}">
+        <p14:creationId xmlns:p14="http://schemas.microsoft.com/office/powerpoint/2010/main" val="3211546401"/>
+      </p:ext>
+    </p:extLst>
+  </p:cSld>
+  <p:clrMapOvr>
+    <a:masterClrMapping/>
+  </p:clrMapOvr>
+</p:sld>
+</file>
+
 <file path=ppt/theme/theme1.xml><?xml version="1.0" encoding="utf-8"?>
 <a:theme xmlns:a="http://schemas.openxmlformats.org/drawingml/2006/main" name="Тема Office">
   <a:themeElements>

--- a/article/pcgtsp.pptx
+++ b/article/pcgtsp.pptx
@@ -12,6 +12,7 @@
     <p:sldId id="260" r:id="rId6"/>
     <p:sldId id="261" r:id="rId7"/>
     <p:sldId id="262" r:id="rId8"/>
+    <p:sldId id="263" r:id="rId9"/>
   </p:sldIdLst>
   <p:sldSz cx="12192000" cy="6858000"/>
   <p:notesSz cx="6858000" cy="9144000"/>
@@ -9044,8 +9045,8 @@
           </a:p>
         </p:txBody>
       </p:sp>
-      <mc:AlternateContent xmlns:mc="http://schemas.openxmlformats.org/markup-compatibility/2006">
-        <mc:Choice xmlns:a14="http://schemas.microsoft.com/office/drawing/2010/main" Requires="a14">
+      <mc:AlternateContent xmlns:mc="http://schemas.openxmlformats.org/markup-compatibility/2006" xmlns:a14="http://schemas.microsoft.com/office/drawing/2010/main">
+        <mc:Choice Requires="a14">
           <p:sp>
             <p:nvSpPr>
               <p:cNvPr id="5" name="TextBox 4">
@@ -9137,6 +9138,7 @@
                 </a:endParaRPr>
               </a:p>
               <a:p>
+                <a:pPr/>
                 <a14:m>
                   <m:oMathPara xmlns:m="http://schemas.openxmlformats.org/officeDocument/2006/math">
                     <m:oMathParaPr>
@@ -9480,7 +9482,9 @@
                 <a14:m>
                   <m:oMath xmlns:m="http://schemas.openxmlformats.org/officeDocument/2006/math">
                     <m:r>
-                      <a:rPr lang="ru-RU" i="1"/>
+                      <a:rPr lang="ru-RU" i="1">
+                        <a:latin typeface="Cambria Math" panose="02040503050406030204" pitchFamily="18" charset="0"/>
+                      </a:rPr>
                       <m:t>𝐿𝐵</m:t>
                     </m:r>
                   </m:oMath>
@@ -9551,7 +9555,7 @@
             </p:txBody>
           </p:sp>
         </mc:Choice>
-        <mc:Fallback>
+        <mc:Fallback xmlns="">
           <p:sp>
             <p:nvSpPr>
               <p:cNvPr id="5" name="TextBox 4">
@@ -9608,8 +9612,8 @@
           </p:sp>
         </mc:Fallback>
       </mc:AlternateContent>
-      <mc:AlternateContent xmlns:mc="http://schemas.openxmlformats.org/markup-compatibility/2006">
-        <mc:Choice xmlns:a14="http://schemas.microsoft.com/office/drawing/2010/main" Requires="a14">
+      <mc:AlternateContent xmlns:mc="http://schemas.openxmlformats.org/markup-compatibility/2006" xmlns:a14="http://schemas.microsoft.com/office/drawing/2010/main">
+        <mc:Choice Requires="a14">
           <p:sp>
             <p:nvSpPr>
               <p:cNvPr id="6" name="TextBox 5">
@@ -9770,7 +9774,7 @@
             </p:txBody>
           </p:sp>
         </mc:Choice>
-        <mc:Fallback>
+        <mc:Fallback xmlns="">
           <p:sp>
             <p:nvSpPr>
               <p:cNvPr id="6" name="TextBox 5">
@@ -9827,8 +9831,8 @@
           </p:sp>
         </mc:Fallback>
       </mc:AlternateContent>
-      <mc:AlternateContent xmlns:mc="http://schemas.openxmlformats.org/markup-compatibility/2006">
-        <mc:Choice xmlns:a14="http://schemas.microsoft.com/office/drawing/2010/main" Requires="a14">
+      <mc:AlternateContent xmlns:mc="http://schemas.openxmlformats.org/markup-compatibility/2006" xmlns:a14="http://schemas.microsoft.com/office/drawing/2010/main">
+        <mc:Choice Requires="a14">
           <p:sp>
             <p:nvSpPr>
               <p:cNvPr id="9" name="TextBox 8">
@@ -10367,18 +10371,24 @@
                         <m:sSup>
                           <m:sSupPr>
                             <m:ctrlPr>
-                              <a:rPr lang="ru-RU" i="1"/>
+                              <a:rPr lang="ru-RU" i="1">
+                                <a:latin typeface="Cambria Math" panose="02040503050406030204" pitchFamily="18" charset="0"/>
+                              </a:rPr>
                             </m:ctrlPr>
                           </m:sSupPr>
                           <m:e>
                             <m:r>
-                              <a:rPr lang="ru-RU" i="1"/>
+                              <a:rPr lang="ru-RU" i="1">
+                                <a:latin typeface="Cambria Math" panose="02040503050406030204" pitchFamily="18" charset="0"/>
+                              </a:rPr>
                               <m:t>𝑉</m:t>
                             </m:r>
                           </m:e>
                           <m:sup>
                             <m:r>
-                              <a:rPr lang="ru-RU" i="1"/>
+                              <a:rPr lang="ru-RU" i="1">
+                                <a:latin typeface="Cambria Math" panose="02040503050406030204" pitchFamily="18" charset="0"/>
+                              </a:rPr>
                               <m:t>+</m:t>
                             </m:r>
                           </m:sup>
@@ -10714,35 +10724,47 @@
                           <m:accPr>
                             <m:chr m:val="̃"/>
                             <m:ctrlPr>
-                              <a:rPr lang="ru-RU" i="1"/>
+                              <a:rPr lang="ru-RU" i="1">
+                                <a:latin typeface="Cambria Math" panose="02040503050406030204" pitchFamily="18" charset="0"/>
+                              </a:rPr>
                             </m:ctrlPr>
                           </m:accPr>
                           <m:e>
                             <m:r>
-                              <a:rPr lang="ru-RU" i="1"/>
+                              <a:rPr lang="ru-RU" i="1">
+                                <a:latin typeface="Cambria Math" panose="02040503050406030204" pitchFamily="18" charset="0"/>
+                              </a:rPr>
                               <m:t>𝑉</m:t>
                             </m:r>
                           </m:e>
                         </m:acc>
                         <m:r>
-                          <a:rPr lang="ru-RU" i="1"/>
+                          <a:rPr lang="ru-RU" i="1">
+                            <a:latin typeface="Cambria Math" panose="02040503050406030204" pitchFamily="18" charset="0"/>
+                          </a:rPr>
                           <m:t>,</m:t>
                         </m:r>
                         <m:sSup>
                           <m:sSupPr>
                             <m:ctrlPr>
-                              <a:rPr lang="ru-RU" i="1"/>
+                              <a:rPr lang="ru-RU" i="1">
+                                <a:latin typeface="Cambria Math" panose="02040503050406030204" pitchFamily="18" charset="0"/>
+                              </a:rPr>
                             </m:ctrlPr>
                           </m:sSupPr>
                           <m:e>
                             <m:r>
-                              <a:rPr lang="ru-RU" i="1"/>
+                              <a:rPr lang="ru-RU" i="1">
+                                <a:latin typeface="Cambria Math" panose="02040503050406030204" pitchFamily="18" charset="0"/>
+                              </a:rPr>
                               <m:t>𝑉</m:t>
                             </m:r>
                           </m:e>
                           <m:sup>
                             <m:r>
-                              <a:rPr lang="ru-RU" i="1"/>
+                              <a:rPr lang="ru-RU" i="1">
+                                <a:latin typeface="Cambria Math" panose="02040503050406030204" pitchFamily="18" charset="0"/>
+                              </a:rPr>
                               <m:t>+</m:t>
                             </m:r>
                           </m:sup>
@@ -10750,37 +10772,51 @@
                       </m:e>
                     </m:d>
                     <m:r>
-                      <a:rPr lang="ru-RU" i="1"/>
+                      <a:rPr lang="ru-RU" i="1">
+                        <a:latin typeface="Cambria Math" panose="02040503050406030204" pitchFamily="18" charset="0"/>
+                      </a:rPr>
                       <m:t>∈</m:t>
                     </m:r>
                     <m:r>
-                      <a:rPr lang="ru-RU" i="1"/>
+                      <a:rPr lang="ru-RU" i="1">
+                        <a:latin typeface="Cambria Math" panose="02040503050406030204" pitchFamily="18" charset="0"/>
+                      </a:rPr>
                       <m:t>𝐴</m:t>
                     </m:r>
                     <m:r>
-                      <a:rPr lang="ru-RU" i="1"/>
+                      <a:rPr lang="ru-RU" i="1">
+                        <a:latin typeface="Cambria Math" panose="02040503050406030204" pitchFamily="18" charset="0"/>
+                      </a:rPr>
                       <m:t>⇒</m:t>
                     </m:r>
                     <m:acc>
                       <m:accPr>
                         <m:chr m:val="̃"/>
                         <m:ctrlPr>
-                          <a:rPr lang="ru-RU" i="1"/>
+                          <a:rPr lang="ru-RU" i="1">
+                            <a:latin typeface="Cambria Math" panose="02040503050406030204" pitchFamily="18" charset="0"/>
+                          </a:rPr>
                         </m:ctrlPr>
                       </m:accPr>
                       <m:e>
                         <m:r>
-                          <a:rPr lang="ru-RU" i="1"/>
+                          <a:rPr lang="ru-RU" i="1">
+                            <a:latin typeface="Cambria Math" panose="02040503050406030204" pitchFamily="18" charset="0"/>
+                          </a:rPr>
                           <m:t>𝑉</m:t>
                         </m:r>
                       </m:e>
                     </m:acc>
                     <m:r>
-                      <a:rPr lang="ru-RU" i="1"/>
+                      <a:rPr lang="ru-RU" i="1">
+                        <a:latin typeface="Cambria Math" panose="02040503050406030204" pitchFamily="18" charset="0"/>
+                      </a:rPr>
                       <m:t>∈</m:t>
                     </m:r>
                     <m:r>
-                      <a:rPr lang="ru-RU" i="1"/>
+                      <a:rPr lang="ru-RU" i="1">
+                        <a:latin typeface="Cambria Math" panose="02040503050406030204" pitchFamily="18" charset="0"/>
+                      </a:rPr>
                       <m:t>𝜎</m:t>
                     </m:r>
                   </m:oMath>
@@ -10807,7 +10843,7 @@
             </p:txBody>
           </p:sp>
         </mc:Choice>
-        <mc:Fallback>
+        <mc:Fallback xmlns="">
           <p:sp>
             <p:nvSpPr>
               <p:cNvPr id="9" name="TextBox 8">
@@ -10894,8 +10930,8 @@
           <a:chExt cx="0" cy="0"/>
         </a:xfrm>
       </p:grpSpPr>
-      <mc:AlternateContent xmlns:mc="http://schemas.openxmlformats.org/markup-compatibility/2006">
-        <mc:Choice xmlns:a14="http://schemas.microsoft.com/office/drawing/2010/main" Requires="a14">
+      <mc:AlternateContent xmlns:mc="http://schemas.openxmlformats.org/markup-compatibility/2006" xmlns:a14="http://schemas.microsoft.com/office/drawing/2010/main">
+        <mc:Choice Requires="a14">
           <p:sp>
             <p:nvSpPr>
               <p:cNvPr id="4" name="TextBox 3">
@@ -10946,7 +10982,7 @@
             </p:txBody>
           </p:sp>
         </mc:Choice>
-        <mc:Fallback>
+        <mc:Fallback xmlns="">
           <p:sp>
             <p:nvSpPr>
               <p:cNvPr id="4" name="TextBox 3">
@@ -10991,8 +11027,8 @@
           </p:sp>
         </mc:Fallback>
       </mc:AlternateContent>
-      <mc:AlternateContent xmlns:mc="http://schemas.openxmlformats.org/markup-compatibility/2006">
-        <mc:Choice xmlns:a14="http://schemas.microsoft.com/office/drawing/2010/main" Requires="a14">
+      <mc:AlternateContent xmlns:mc="http://schemas.openxmlformats.org/markup-compatibility/2006" xmlns:a14="http://schemas.microsoft.com/office/drawing/2010/main">
+        <mc:Choice Requires="a14">
           <p:sp>
             <p:nvSpPr>
               <p:cNvPr id="6" name="TextBox 5">
@@ -12408,7 +12444,7 @@
             </p:txBody>
           </p:sp>
         </mc:Choice>
-        <mc:Fallback>
+        <mc:Fallback xmlns="">
           <p:sp>
             <p:nvSpPr>
               <p:cNvPr id="6" name="TextBox 5">
@@ -15841,8 +15877,8 @@
           </a:fontRef>
         </p:style>
       </p:cxnSp>
-      <mc:AlternateContent xmlns:mc="http://schemas.openxmlformats.org/markup-compatibility/2006">
-        <mc:Choice xmlns:a14="http://schemas.microsoft.com/office/drawing/2010/main" Requires="a14">
+      <mc:AlternateContent xmlns:mc="http://schemas.openxmlformats.org/markup-compatibility/2006" xmlns:a14="http://schemas.microsoft.com/office/drawing/2010/main">
+        <mc:Choice Requires="a14">
           <p:sp>
             <p:nvSpPr>
               <p:cNvPr id="100" name="TextBox 99">
@@ -15941,7 +15977,7 @@
             </p:txBody>
           </p:sp>
         </mc:Choice>
-        <mc:Fallback>
+        <mc:Fallback xmlns="">
           <p:sp>
             <p:nvSpPr>
               <p:cNvPr id="100" name="TextBox 99">
@@ -15986,8 +16022,8 @@
           </p:sp>
         </mc:Fallback>
       </mc:AlternateContent>
-      <mc:AlternateContent xmlns:mc="http://schemas.openxmlformats.org/markup-compatibility/2006">
-        <mc:Choice xmlns:a14="http://schemas.microsoft.com/office/drawing/2010/main" Requires="a14">
+      <mc:AlternateContent xmlns:mc="http://schemas.openxmlformats.org/markup-compatibility/2006" xmlns:a14="http://schemas.microsoft.com/office/drawing/2010/main">
+        <mc:Choice Requires="a14">
           <p:sp>
             <p:nvSpPr>
               <p:cNvPr id="101" name="TextBox 100">
@@ -16086,7 +16122,7 @@
             </p:txBody>
           </p:sp>
         </mc:Choice>
-        <mc:Fallback>
+        <mc:Fallback xmlns="">
           <p:sp>
             <p:nvSpPr>
               <p:cNvPr id="101" name="TextBox 100">
@@ -16131,8 +16167,8 @@
           </p:sp>
         </mc:Fallback>
       </mc:AlternateContent>
-      <mc:AlternateContent xmlns:mc="http://schemas.openxmlformats.org/markup-compatibility/2006">
-        <mc:Choice xmlns:a14="http://schemas.microsoft.com/office/drawing/2010/main" Requires="a14">
+      <mc:AlternateContent xmlns:mc="http://schemas.openxmlformats.org/markup-compatibility/2006" xmlns:a14="http://schemas.microsoft.com/office/drawing/2010/main">
+        <mc:Choice Requires="a14">
           <p:sp>
             <p:nvSpPr>
               <p:cNvPr id="102" name="TextBox 101">
@@ -16231,7 +16267,7 @@
             </p:txBody>
           </p:sp>
         </mc:Choice>
-        <mc:Fallback>
+        <mc:Fallback xmlns="">
           <p:sp>
             <p:nvSpPr>
               <p:cNvPr id="102" name="TextBox 101">
@@ -16276,8 +16312,8 @@
           </p:sp>
         </mc:Fallback>
       </mc:AlternateContent>
-      <mc:AlternateContent xmlns:mc="http://schemas.openxmlformats.org/markup-compatibility/2006">
-        <mc:Choice xmlns:a14="http://schemas.microsoft.com/office/drawing/2010/main" Requires="a14">
+      <mc:AlternateContent xmlns:mc="http://schemas.openxmlformats.org/markup-compatibility/2006" xmlns:a14="http://schemas.microsoft.com/office/drawing/2010/main">
+        <mc:Choice Requires="a14">
           <p:sp>
             <p:nvSpPr>
               <p:cNvPr id="103" name="TextBox 102">
@@ -16385,7 +16421,7 @@
             </p:txBody>
           </p:sp>
         </mc:Choice>
-        <mc:Fallback>
+        <mc:Fallback xmlns="">
           <p:sp>
             <p:nvSpPr>
               <p:cNvPr id="103" name="TextBox 102">
@@ -16430,8 +16466,8 @@
           </p:sp>
         </mc:Fallback>
       </mc:AlternateContent>
-      <mc:AlternateContent xmlns:mc="http://schemas.openxmlformats.org/markup-compatibility/2006">
-        <mc:Choice xmlns:a14="http://schemas.microsoft.com/office/drawing/2010/main" Requires="a14">
+      <mc:AlternateContent xmlns:mc="http://schemas.openxmlformats.org/markup-compatibility/2006" xmlns:a14="http://schemas.microsoft.com/office/drawing/2010/main">
+        <mc:Choice Requires="a14">
           <p:sp>
             <p:nvSpPr>
               <p:cNvPr id="104" name="Стрелка: вправо 103">
@@ -16542,7 +16578,7 @@
             </p:txBody>
           </p:sp>
         </mc:Choice>
-        <mc:Fallback>
+        <mc:Fallback xmlns="">
           <p:sp>
             <p:nvSpPr>
               <p:cNvPr id="104" name="Стрелка: вправо 103">
@@ -19567,6 +19603,1864 @@
 </p:sld>
 </file>
 
+<file path=ppt/slides/slide8.xml><?xml version="1.0" encoding="utf-8"?>
+<p:sld xmlns:a="http://schemas.openxmlformats.org/drawingml/2006/main" xmlns:r="http://schemas.openxmlformats.org/officeDocument/2006/relationships" xmlns:p="http://schemas.openxmlformats.org/presentationml/2006/main">
+  <p:cSld>
+    <p:spTree>
+      <p:nvGrpSpPr>
+        <p:cNvPr id="1" name=""/>
+        <p:cNvGrpSpPr/>
+        <p:nvPr/>
+      </p:nvGrpSpPr>
+      <p:grpSpPr>
+        <a:xfrm>
+          <a:off x="0" y="0"/>
+          <a:ext cx="0" cy="0"/>
+          <a:chOff x="0" y="0"/>
+          <a:chExt cx="0" cy="0"/>
+        </a:xfrm>
+      </p:grpSpPr>
+      <mc:AlternateContent xmlns:mc="http://schemas.openxmlformats.org/markup-compatibility/2006">
+        <mc:Choice xmlns:a14="http://schemas.microsoft.com/office/drawing/2010/main" Requires="a14">
+          <p:graphicFrame>
+            <p:nvGraphicFramePr>
+              <p:cNvPr id="5" name="Таблица 4">
+                <a:extLst>
+                  <a:ext uri="{FF2B5EF4-FFF2-40B4-BE49-F238E27FC236}">
+                    <a16:creationId xmlns:a16="http://schemas.microsoft.com/office/drawing/2014/main" id="{7F14A2A1-F454-4DA5-9257-44DB70D9AB2F}"/>
+                  </a:ext>
+                </a:extLst>
+              </p:cNvPr>
+              <p:cNvGraphicFramePr>
+                <a:graphicFrameLocks noGrp="1"/>
+              </p:cNvGraphicFramePr>
+              <p:nvPr>
+                <p:extLst>
+                  <p:ext uri="{D42A27DB-BD31-4B8C-83A1-F6EECF244321}">
+                    <p14:modId xmlns:p14="http://schemas.microsoft.com/office/powerpoint/2010/main" val="141294505"/>
+                  </p:ext>
+                </p:extLst>
+              </p:nvPr>
+            </p:nvGraphicFramePr>
+            <p:xfrm>
+              <a:off x="2606879" y="1291399"/>
+              <a:ext cx="7239444" cy="4275201"/>
+            </p:xfrm>
+            <a:graphic>
+              <a:graphicData uri="http://schemas.openxmlformats.org/drawingml/2006/table">
+                <a:tbl>
+                  <a:tblPr firstRow="1" firstCol="1" bandRow="1">
+                    <a:tableStyleId>{7DF18680-E054-41AD-8BC1-D1AEF772440D}</a:tableStyleId>
+                  </a:tblPr>
+                  <a:tblGrid>
+                    <a:gridCol w="1414907">
+                      <a:extLst>
+                        <a:ext uri="{9D8B030D-6E8A-4147-A177-3AD203B41FA5}">
+                          <a16:colId xmlns:a16="http://schemas.microsoft.com/office/drawing/2014/main" val="1048932553"/>
+                        </a:ext>
+                      </a:extLst>
+                    </a:gridCol>
+                    <a:gridCol w="1941512">
+                      <a:extLst>
+                        <a:ext uri="{9D8B030D-6E8A-4147-A177-3AD203B41FA5}">
+                          <a16:colId xmlns:a16="http://schemas.microsoft.com/office/drawing/2014/main" val="3784223047"/>
+                        </a:ext>
+                      </a:extLst>
+                    </a:gridCol>
+                    <a:gridCol w="1851025">
+                      <a:extLst>
+                        <a:ext uri="{9D8B030D-6E8A-4147-A177-3AD203B41FA5}">
+                          <a16:colId xmlns:a16="http://schemas.microsoft.com/office/drawing/2014/main" val="3790793589"/>
+                        </a:ext>
+                      </a:extLst>
+                    </a:gridCol>
+                    <a:gridCol w="2032000">
+                      <a:extLst>
+                        <a:ext uri="{9D8B030D-6E8A-4147-A177-3AD203B41FA5}">
+                          <a16:colId xmlns:a16="http://schemas.microsoft.com/office/drawing/2014/main" val="1137701391"/>
+                        </a:ext>
+                      </a:extLst>
+                    </a:gridCol>
+                  </a:tblGrid>
+                  <a:tr h="0">
+                    <a:tc>
+                      <a:txBody>
+                        <a:bodyPr/>
+                        <a:lstStyle/>
+                        <a:p>
+                          <a:pPr indent="180340" algn="ctr">
+                            <a:lnSpc>
+                              <a:spcPct val="150000"/>
+                            </a:lnSpc>
+                          </a:pPr>
+                          <a:r>
+                            <a:rPr lang="ru-RU" sz="2800" dirty="0">
+                              <a:effectLst/>
+                            </a:rPr>
+                            <a:t> </a:t>
+                          </a:r>
+                          <a:endParaRPr lang="ru-RU" sz="2800" dirty="0">
+                            <a:effectLst/>
+                            <a:latin typeface="Times New Roman" panose="02020603050405020304" pitchFamily="18" charset="0"/>
+                            <a:ea typeface="Calibri" panose="020F0502020204030204" pitchFamily="34" charset="0"/>
+                            <a:cs typeface="F"/>
+                          </a:endParaRPr>
+                        </a:p>
+                      </a:txBody>
+                      <a:tcPr marL="68580" marR="68580" marT="0" marB="0"/>
+                    </a:tc>
+                    <a:tc>
+                      <a:txBody>
+                        <a:bodyPr/>
+                        <a:lstStyle/>
+                        <a:p>
+                          <a:pPr indent="180340" algn="ctr">
+                            <a:lnSpc>
+                              <a:spcPct val="150000"/>
+                            </a:lnSpc>
+                          </a:pPr>
+                          <a:r>
+                            <a:rPr lang="ru-RU" sz="2800" dirty="0" err="1">
+                              <a:effectLst/>
+                            </a:rPr>
+                            <a:t>Нун</a:t>
+                          </a:r>
+                          <a:r>
+                            <a:rPr lang="ru-RU" sz="2800" dirty="0">
+                              <a:effectLst/>
+                            </a:rPr>
+                            <a:t> и Бин</a:t>
+                          </a:r>
+                          <a:endParaRPr lang="ru-RU" sz="2800" dirty="0">
+                            <a:effectLst/>
+                            <a:latin typeface="Times New Roman" panose="02020603050405020304" pitchFamily="18" charset="0"/>
+                            <a:ea typeface="Calibri" panose="020F0502020204030204" pitchFamily="34" charset="0"/>
+                            <a:cs typeface="F"/>
+                          </a:endParaRPr>
+                        </a:p>
+                      </a:txBody>
+                      <a:tcPr marL="68580" marR="68580" marT="0" marB="0" anchor="ctr"/>
+                    </a:tc>
+                    <a:tc>
+                      <a:txBody>
+                        <a:bodyPr/>
+                        <a:lstStyle/>
+                        <a:p>
+                          <a:pPr indent="180340" algn="ctr">
+                            <a:lnSpc>
+                              <a:spcPct val="150000"/>
+                            </a:lnSpc>
+                          </a:pPr>
+                          <a14:m>
+                            <m:oMathPara xmlns:m="http://schemas.openxmlformats.org/officeDocument/2006/math">
+                              <m:oMathParaPr>
+                                <m:jc m:val="centerGroup"/>
+                              </m:oMathParaPr>
+                              <m:oMath xmlns:m="http://schemas.openxmlformats.org/officeDocument/2006/math">
+                                <m:sSub>
+                                  <m:sSubPr>
+                                    <m:ctrlPr>
+                                      <a:rPr lang="ru-RU" sz="2800">
+                                        <a:effectLst/>
+                                      </a:rPr>
+                                    </m:ctrlPr>
+                                  </m:sSubPr>
+                                  <m:e>
+                                    <m:r>
+                                      <a:rPr lang="ru-RU" sz="2800">
+                                        <a:effectLst/>
+                                      </a:rPr>
+                                      <m:t>𝐻</m:t>
+                                    </m:r>
+                                  </m:e>
+                                  <m:sub>
+                                    <m:r>
+                                      <a:rPr lang="ru-RU" sz="2800">
+                                        <a:effectLst/>
+                                      </a:rPr>
+                                      <m:t>1</m:t>
+                                    </m:r>
+                                  </m:sub>
+                                </m:sSub>
+                              </m:oMath>
+                            </m:oMathPara>
+                          </a14:m>
+                          <a:endParaRPr lang="ru-RU" sz="2800">
+                            <a:effectLst/>
+                            <a:latin typeface="Times New Roman" panose="02020603050405020304" pitchFamily="18" charset="0"/>
+                            <a:ea typeface="Calibri" panose="020F0502020204030204" pitchFamily="34" charset="0"/>
+                            <a:cs typeface="F"/>
+                          </a:endParaRPr>
+                        </a:p>
+                      </a:txBody>
+                      <a:tcPr marL="68580" marR="68580" marT="0" marB="0" anchor="ctr"/>
+                    </a:tc>
+                    <a:tc>
+                      <a:txBody>
+                        <a:bodyPr/>
+                        <a:lstStyle/>
+                        <a:p>
+                          <a:pPr indent="180340" algn="ctr">
+                            <a:lnSpc>
+                              <a:spcPct val="150000"/>
+                            </a:lnSpc>
+                          </a:pPr>
+                          <a14:m>
+                            <m:oMathPara xmlns:m="http://schemas.openxmlformats.org/officeDocument/2006/math">
+                              <m:oMathParaPr>
+                                <m:jc m:val="centerGroup"/>
+                              </m:oMathParaPr>
+                              <m:oMath xmlns:m="http://schemas.openxmlformats.org/officeDocument/2006/math">
+                                <m:sSub>
+                                  <m:sSubPr>
+                                    <m:ctrlPr>
+                                      <a:rPr lang="ru-RU" sz="2800">
+                                        <a:effectLst/>
+                                      </a:rPr>
+                                    </m:ctrlPr>
+                                  </m:sSubPr>
+                                  <m:e>
+                                    <m:r>
+                                      <a:rPr lang="ru-RU" sz="2800">
+                                        <a:effectLst/>
+                                      </a:rPr>
+                                      <m:t>𝐻</m:t>
+                                    </m:r>
+                                  </m:e>
+                                  <m:sub>
+                                    <m:r>
+                                      <a:rPr lang="ru-RU" sz="2800">
+                                        <a:effectLst/>
+                                      </a:rPr>
+                                      <m:t>2</m:t>
+                                    </m:r>
+                                  </m:sub>
+                                </m:sSub>
+                              </m:oMath>
+                            </m:oMathPara>
+                          </a14:m>
+                          <a:endParaRPr lang="ru-RU" sz="2800" dirty="0">
+                            <a:effectLst/>
+                            <a:latin typeface="Times New Roman" panose="02020603050405020304" pitchFamily="18" charset="0"/>
+                            <a:ea typeface="Calibri" panose="020F0502020204030204" pitchFamily="34" charset="0"/>
+                            <a:cs typeface="F"/>
+                          </a:endParaRPr>
+                        </a:p>
+                      </a:txBody>
+                      <a:tcPr marL="68580" marR="68580" marT="0" marB="0" anchor="ctr"/>
+                    </a:tc>
+                    <a:extLst>
+                      <a:ext uri="{0D108BD9-81ED-4DB2-BD59-A6C34878D82A}">
+                        <a16:rowId xmlns:a16="http://schemas.microsoft.com/office/drawing/2014/main" val="3759698201"/>
+                      </a:ext>
+                    </a:extLst>
+                  </a:tr>
+                  <a:tr h="0">
+                    <a:tc>
+                      <a:txBody>
+                        <a:bodyPr/>
+                        <a:lstStyle/>
+                        <a:p>
+                          <a:pPr indent="180340" algn="ctr">
+                            <a:lnSpc>
+                              <a:spcPct val="150000"/>
+                            </a:lnSpc>
+                          </a:pPr>
+                          <a:r>
+                            <a:rPr lang="en-US" sz="2800" dirty="0">
+                              <a:effectLst/>
+                            </a:rPr>
+                            <a:t>AP</a:t>
+                          </a:r>
+                          <a:endParaRPr lang="ru-RU" sz="2800" dirty="0">
+                            <a:effectLst/>
+                            <a:latin typeface="Times New Roman" panose="02020603050405020304" pitchFamily="18" charset="0"/>
+                            <a:ea typeface="Calibri" panose="020F0502020204030204" pitchFamily="34" charset="0"/>
+                            <a:cs typeface="F"/>
+                          </a:endParaRPr>
+                        </a:p>
+                      </a:txBody>
+                      <a:tcPr marL="68580" marR="68580" marT="0" marB="0" anchor="ctr"/>
+                    </a:tc>
+                    <a:tc>
+                      <a:txBody>
+                        <a:bodyPr/>
+                        <a:lstStyle/>
+                        <a:p>
+                          <a:pPr indent="180340" algn="ctr">
+                            <a:lnSpc>
+                              <a:spcPct val="150000"/>
+                            </a:lnSpc>
+                          </a:pPr>
+                          <a:r>
+                            <a:rPr lang="en-US" sz="2800" dirty="0">
+                              <a:effectLst/>
+                            </a:rPr>
+                            <a:t>E</a:t>
+                          </a:r>
+                          <a:r>
+                            <a:rPr lang="en-US" sz="2800" baseline="-25000" dirty="0">
+                              <a:effectLst/>
+                            </a:rPr>
+                            <a:t>1</a:t>
+                          </a:r>
+                          <a:endParaRPr lang="ru-RU" sz="2800" dirty="0">
+                            <a:effectLst/>
+                          </a:endParaRPr>
+                        </a:p>
+                        <a:p>
+                          <a:pPr indent="180340" algn="ctr">
+                            <a:lnSpc>
+                              <a:spcPct val="150000"/>
+                            </a:lnSpc>
+                          </a:pPr>
+                          <a:r>
+                            <a:rPr lang="ru-RU" sz="2800" dirty="0">
+                              <a:solidFill>
+                                <a:srgbClr val="FF0000"/>
+                              </a:solidFill>
+                              <a:effectLst/>
+                            </a:rPr>
+                            <a:t>0.48±0.03</a:t>
+                          </a:r>
+                          <a:endParaRPr lang="ru-RU" sz="2800" dirty="0">
+                            <a:solidFill>
+                              <a:srgbClr val="FF0000"/>
+                            </a:solidFill>
+                            <a:effectLst/>
+                            <a:latin typeface="Times New Roman" panose="02020603050405020304" pitchFamily="18" charset="0"/>
+                            <a:ea typeface="Calibri" panose="020F0502020204030204" pitchFamily="34" charset="0"/>
+                            <a:cs typeface="F"/>
+                          </a:endParaRPr>
+                        </a:p>
+                      </a:txBody>
+                      <a:tcPr marL="68580" marR="68580" marT="0" marB="0"/>
+                    </a:tc>
+                    <a:tc>
+                      <a:txBody>
+                        <a:bodyPr/>
+                        <a:lstStyle/>
+                        <a:p>
+                          <a:pPr indent="180340" algn="ctr">
+                            <a:lnSpc>
+                              <a:spcPct val="150000"/>
+                            </a:lnSpc>
+                          </a:pPr>
+                          <a:r>
+                            <a:rPr lang="en-US" sz="2800" dirty="0">
+                              <a:effectLst/>
+                            </a:rPr>
+                            <a:t>L</a:t>
+                          </a:r>
+                          <a:r>
+                            <a:rPr lang="en-US" sz="2800" baseline="-25000" dirty="0">
+                              <a:effectLst/>
+                            </a:rPr>
+                            <a:t>1</a:t>
+                          </a:r>
+                          <a:endParaRPr lang="ru-RU" sz="2800" dirty="0">
+                            <a:effectLst/>
+                          </a:endParaRPr>
+                        </a:p>
+                        <a:p>
+                          <a:pPr indent="180340" algn="ctr">
+                            <a:lnSpc>
+                              <a:spcPct val="150000"/>
+                            </a:lnSpc>
+                          </a:pPr>
+                          <a:r>
+                            <a:rPr lang="ru-RU" sz="2800" dirty="0">
+                              <a:solidFill>
+                                <a:srgbClr val="00B050"/>
+                              </a:solidFill>
+                              <a:effectLst/>
+                            </a:rPr>
+                            <a:t>0.91±0.02</a:t>
+                          </a:r>
+                          <a:endParaRPr lang="ru-RU" sz="2800" dirty="0">
+                            <a:solidFill>
+                              <a:srgbClr val="00B050"/>
+                            </a:solidFill>
+                            <a:effectLst/>
+                            <a:latin typeface="Times New Roman" panose="02020603050405020304" pitchFamily="18" charset="0"/>
+                            <a:ea typeface="Calibri" panose="020F0502020204030204" pitchFamily="34" charset="0"/>
+                            <a:cs typeface="F"/>
+                          </a:endParaRPr>
+                        </a:p>
+                      </a:txBody>
+                      <a:tcPr marL="68580" marR="68580" marT="0" marB="0"/>
+                    </a:tc>
+                    <a:tc>
+                      <a:txBody>
+                        <a:bodyPr/>
+                        <a:lstStyle/>
+                        <a:p>
+                          <a:pPr indent="180340" algn="ctr">
+                            <a:lnSpc>
+                              <a:spcPct val="150000"/>
+                            </a:lnSpc>
+                          </a:pPr>
+                          <a:r>
+                            <a:rPr lang="en-US" sz="2800" dirty="0">
+                              <a:effectLst/>
+                            </a:rPr>
+                            <a:t>L</a:t>
+                          </a:r>
+                          <a:r>
+                            <a:rPr lang="en-US" sz="2800" baseline="-25000" dirty="0">
+                              <a:effectLst/>
+                            </a:rPr>
+                            <a:t>2</a:t>
+                          </a:r>
+                          <a:endParaRPr lang="ru-RU" sz="2800" dirty="0">
+                            <a:effectLst/>
+                          </a:endParaRPr>
+                        </a:p>
+                        <a:p>
+                          <a:pPr indent="180340" algn="ctr">
+                            <a:lnSpc>
+                              <a:spcPct val="150000"/>
+                            </a:lnSpc>
+                          </a:pPr>
+                          <a:r>
+                            <a:rPr lang="ru-RU" sz="2800" dirty="0">
+                              <a:solidFill>
+                                <a:srgbClr val="00B050"/>
+                              </a:solidFill>
+                              <a:effectLst/>
+                            </a:rPr>
+                            <a:t>0.97±0.02</a:t>
+                          </a:r>
+                          <a:endParaRPr lang="ru-RU" sz="2800" dirty="0">
+                            <a:solidFill>
+                              <a:srgbClr val="00B050"/>
+                            </a:solidFill>
+                            <a:effectLst/>
+                            <a:latin typeface="Times New Roman" panose="02020603050405020304" pitchFamily="18" charset="0"/>
+                            <a:ea typeface="Calibri" panose="020F0502020204030204" pitchFamily="34" charset="0"/>
+                            <a:cs typeface="F"/>
+                          </a:endParaRPr>
+                        </a:p>
+                      </a:txBody>
+                      <a:tcPr marL="68580" marR="68580" marT="0" marB="0"/>
+                    </a:tc>
+                    <a:extLst>
+                      <a:ext uri="{0D108BD9-81ED-4DB2-BD59-A6C34878D82A}">
+                        <a16:rowId xmlns:a16="http://schemas.microsoft.com/office/drawing/2014/main" val="3920108201"/>
+                      </a:ext>
+                    </a:extLst>
+                  </a:tr>
+                  <a:tr h="0">
+                    <a:tc>
+                      <a:txBody>
+                        <a:bodyPr/>
+                        <a:lstStyle/>
+                        <a:p>
+                          <a:pPr indent="180340" algn="ctr">
+                            <a:lnSpc>
+                              <a:spcPct val="150000"/>
+                            </a:lnSpc>
+                          </a:pPr>
+                          <a:r>
+                            <a:rPr lang="en-US" sz="2800">
+                              <a:effectLst/>
+                            </a:rPr>
+                            <a:t>MSAP</a:t>
+                          </a:r>
+                          <a:endParaRPr lang="ru-RU" sz="2800">
+                            <a:effectLst/>
+                            <a:latin typeface="Times New Roman" panose="02020603050405020304" pitchFamily="18" charset="0"/>
+                            <a:ea typeface="Calibri" panose="020F0502020204030204" pitchFamily="34" charset="0"/>
+                            <a:cs typeface="F"/>
+                          </a:endParaRPr>
+                        </a:p>
+                      </a:txBody>
+                      <a:tcPr marL="68580" marR="68580" marT="0" marB="0" anchor="ctr"/>
+                    </a:tc>
+                    <a:tc>
+                      <a:txBody>
+                        <a:bodyPr/>
+                        <a:lstStyle/>
+                        <a:p>
+                          <a:pPr indent="180340" algn="ctr">
+                            <a:lnSpc>
+                              <a:spcPct val="150000"/>
+                            </a:lnSpc>
+                          </a:pPr>
+                          <a:r>
+                            <a:rPr lang="en-US" sz="2800" dirty="0">
+                              <a:effectLst/>
+                            </a:rPr>
+                            <a:t>E</a:t>
+                          </a:r>
+                          <a:r>
+                            <a:rPr lang="en-US" sz="2800" baseline="-25000" dirty="0">
+                              <a:effectLst/>
+                            </a:rPr>
+                            <a:t>2</a:t>
+                          </a:r>
+                          <a:endParaRPr lang="ru-RU" sz="2800" dirty="0">
+                            <a:effectLst/>
+                          </a:endParaRPr>
+                        </a:p>
+                        <a:p>
+                          <a:pPr indent="180340" algn="ctr">
+                            <a:lnSpc>
+                              <a:spcPct val="150000"/>
+                            </a:lnSpc>
+                          </a:pPr>
+                          <a:r>
+                            <a:rPr lang="ru-RU" sz="2800" dirty="0">
+                              <a:solidFill>
+                                <a:srgbClr val="FF0000"/>
+                              </a:solidFill>
+                              <a:effectLst/>
+                            </a:rPr>
+                            <a:t>0.54±0.01</a:t>
+                          </a:r>
+                          <a:endParaRPr lang="ru-RU" sz="2800" dirty="0">
+                            <a:solidFill>
+                              <a:srgbClr val="FF0000"/>
+                            </a:solidFill>
+                            <a:effectLst/>
+                            <a:latin typeface="Times New Roman" panose="02020603050405020304" pitchFamily="18" charset="0"/>
+                            <a:ea typeface="Calibri" panose="020F0502020204030204" pitchFamily="34" charset="0"/>
+                            <a:cs typeface="F"/>
+                          </a:endParaRPr>
+                        </a:p>
+                      </a:txBody>
+                      <a:tcPr marL="68580" marR="68580" marT="0" marB="0"/>
+                    </a:tc>
+                    <a:tc>
+                      <a:txBody>
+                        <a:bodyPr/>
+                        <a:lstStyle/>
+                        <a:p>
+                          <a:pPr indent="180340" algn="ctr">
+                            <a:lnSpc>
+                              <a:spcPct val="150000"/>
+                            </a:lnSpc>
+                          </a:pPr>
+                          <a:r>
+                            <a:rPr lang="en-US" sz="2800" dirty="0">
+                              <a:effectLst/>
+                            </a:rPr>
+                            <a:t>E</a:t>
+                          </a:r>
+                          <a:r>
+                            <a:rPr lang="en-US" sz="2800" baseline="-25000" dirty="0">
+                              <a:effectLst/>
+                            </a:rPr>
+                            <a:t>3</a:t>
+                          </a:r>
+                          <a:endParaRPr lang="ru-RU" sz="2800" dirty="0">
+                            <a:effectLst/>
+                          </a:endParaRPr>
+                        </a:p>
+                        <a:p>
+                          <a:pPr indent="180340" algn="ctr">
+                            <a:lnSpc>
+                              <a:spcPct val="150000"/>
+                            </a:lnSpc>
+                          </a:pPr>
+                          <a:r>
+                            <a:rPr lang="ru-RU" sz="2800" dirty="0">
+                              <a:solidFill>
+                                <a:srgbClr val="FF0000"/>
+                              </a:solidFill>
+                              <a:effectLst/>
+                            </a:rPr>
+                            <a:t>0.54±0.01</a:t>
+                          </a:r>
+                          <a:endParaRPr lang="ru-RU" sz="2800" dirty="0">
+                            <a:solidFill>
+                              <a:srgbClr val="FF0000"/>
+                            </a:solidFill>
+                            <a:effectLst/>
+                            <a:latin typeface="Times New Roman" panose="02020603050405020304" pitchFamily="18" charset="0"/>
+                            <a:ea typeface="Calibri" panose="020F0502020204030204" pitchFamily="34" charset="0"/>
+                            <a:cs typeface="F"/>
+                          </a:endParaRPr>
+                        </a:p>
+                      </a:txBody>
+                      <a:tcPr marL="68580" marR="68580" marT="0" marB="0"/>
+                    </a:tc>
+                    <a:tc>
+                      <a:txBody>
+                        <a:bodyPr/>
+                        <a:lstStyle/>
+                        <a:p>
+                          <a:pPr indent="180340" algn="ctr">
+                            <a:lnSpc>
+                              <a:spcPct val="150000"/>
+                            </a:lnSpc>
+                          </a:pPr>
+                          <a:r>
+                            <a:rPr lang="en-US" sz="2800" dirty="0">
+                              <a:effectLst/>
+                            </a:rPr>
+                            <a:t>E</a:t>
+                          </a:r>
+                          <a:r>
+                            <a:rPr lang="en-US" sz="2800" baseline="-25000" dirty="0">
+                              <a:effectLst/>
+                            </a:rPr>
+                            <a:t>4</a:t>
+                          </a:r>
+                          <a:endParaRPr lang="ru-RU" sz="2800" dirty="0">
+                            <a:effectLst/>
+                          </a:endParaRPr>
+                        </a:p>
+                        <a:p>
+                          <a:pPr indent="180340" algn="ctr">
+                            <a:lnSpc>
+                              <a:spcPct val="150000"/>
+                            </a:lnSpc>
+                          </a:pPr>
+                          <a:r>
+                            <a:rPr lang="ru-RU" sz="2800" dirty="0">
+                              <a:solidFill>
+                                <a:srgbClr val="FF0000"/>
+                              </a:solidFill>
+                              <a:effectLst/>
+                            </a:rPr>
+                            <a:t>0.60±0.002</a:t>
+                          </a:r>
+                          <a:endParaRPr lang="ru-RU" sz="2800" dirty="0">
+                            <a:solidFill>
+                              <a:srgbClr val="FF0000"/>
+                            </a:solidFill>
+                            <a:effectLst/>
+                            <a:latin typeface="Times New Roman" panose="02020603050405020304" pitchFamily="18" charset="0"/>
+                            <a:ea typeface="Calibri" panose="020F0502020204030204" pitchFamily="34" charset="0"/>
+                            <a:cs typeface="F"/>
+                          </a:endParaRPr>
+                        </a:p>
+                      </a:txBody>
+                      <a:tcPr marL="68580" marR="68580" marT="0" marB="0"/>
+                    </a:tc>
+                    <a:extLst>
+                      <a:ext uri="{0D108BD9-81ED-4DB2-BD59-A6C34878D82A}">
+                        <a16:rowId xmlns:a16="http://schemas.microsoft.com/office/drawing/2014/main" val="3780467713"/>
+                      </a:ext>
+                    </a:extLst>
+                  </a:tr>
+                  <a:tr h="0">
+                    <a:tc>
+                      <a:txBody>
+                        <a:bodyPr/>
+                        <a:lstStyle/>
+                        <a:p>
+                          <a:pPr indent="180340" algn="ctr">
+                            <a:lnSpc>
+                              <a:spcPct val="150000"/>
+                            </a:lnSpc>
+                          </a:pPr>
+                          <a:r>
+                            <a:rPr lang="en-US" sz="2800">
+                              <a:effectLst/>
+                            </a:rPr>
+                            <a:t>Gurobi</a:t>
+                          </a:r>
+                          <a:endParaRPr lang="ru-RU" sz="2800">
+                            <a:effectLst/>
+                            <a:latin typeface="Times New Roman" panose="02020603050405020304" pitchFamily="18" charset="0"/>
+                            <a:ea typeface="Calibri" panose="020F0502020204030204" pitchFamily="34" charset="0"/>
+                            <a:cs typeface="F"/>
+                          </a:endParaRPr>
+                        </a:p>
+                      </a:txBody>
+                      <a:tcPr marL="68580" marR="68580" marT="0" marB="0" anchor="ctr"/>
+                    </a:tc>
+                    <a:tc>
+                      <a:txBody>
+                        <a:bodyPr/>
+                        <a:lstStyle/>
+                        <a:p>
+                          <a:pPr indent="180340" algn="ctr">
+                            <a:lnSpc>
+                              <a:spcPct val="150000"/>
+                            </a:lnSpc>
+                          </a:pPr>
+                          <a:r>
+                            <a:rPr lang="en-US" sz="2800" dirty="0">
+                              <a:effectLst/>
+                            </a:rPr>
+                            <a:t>E</a:t>
+                          </a:r>
+                          <a:r>
+                            <a:rPr lang="en-US" sz="2800" baseline="-25000" dirty="0">
+                              <a:effectLst/>
+                            </a:rPr>
+                            <a:t>5</a:t>
+                          </a:r>
+                          <a:endParaRPr lang="ru-RU" sz="2800" dirty="0">
+                            <a:effectLst/>
+                          </a:endParaRPr>
+                        </a:p>
+                        <a:p>
+                          <a:pPr indent="180340" algn="ctr">
+                            <a:lnSpc>
+                              <a:spcPct val="150000"/>
+                            </a:lnSpc>
+                          </a:pPr>
+                          <a:r>
+                            <a:rPr lang="ru-RU" sz="2800" dirty="0">
+                              <a:effectLst/>
+                            </a:rPr>
+                            <a:t> </a:t>
+                          </a:r>
+                          <a:endParaRPr lang="ru-RU" sz="2800" dirty="0">
+                            <a:effectLst/>
+                            <a:latin typeface="Times New Roman" panose="02020603050405020304" pitchFamily="18" charset="0"/>
+                            <a:ea typeface="Calibri" panose="020F0502020204030204" pitchFamily="34" charset="0"/>
+                            <a:cs typeface="F"/>
+                          </a:endParaRPr>
+                        </a:p>
+                      </a:txBody>
+                      <a:tcPr marL="68580" marR="68580" marT="0" marB="0"/>
+                    </a:tc>
+                    <a:tc>
+                      <a:txBody>
+                        <a:bodyPr/>
+                        <a:lstStyle/>
+                        <a:p>
+                          <a:pPr indent="180340" algn="ctr">
+                            <a:lnSpc>
+                              <a:spcPct val="150000"/>
+                            </a:lnSpc>
+                          </a:pPr>
+                          <a:r>
+                            <a:rPr lang="en-US" sz="2800" dirty="0">
+                              <a:effectLst/>
+                            </a:rPr>
+                            <a:t>L</a:t>
+                          </a:r>
+                          <a:r>
+                            <a:rPr lang="en-US" sz="2800" baseline="-25000" dirty="0">
+                              <a:effectLst/>
+                            </a:rPr>
+                            <a:t>3</a:t>
+                          </a:r>
+                          <a:endParaRPr lang="ru-RU" sz="2800" dirty="0">
+                            <a:effectLst/>
+                          </a:endParaRPr>
+                        </a:p>
+                        <a:p>
+                          <a:pPr indent="180340" algn="ctr">
+                            <a:lnSpc>
+                              <a:spcPct val="150000"/>
+                            </a:lnSpc>
+                          </a:pPr>
+                          <a:r>
+                            <a:rPr lang="en-US" sz="2800" dirty="0">
+                              <a:solidFill>
+                                <a:srgbClr val="00B050"/>
+                              </a:solidFill>
+                              <a:effectLst/>
+                            </a:rPr>
+                            <a:t>1.00</a:t>
+                          </a:r>
+                          <a:endParaRPr lang="ru-RU" sz="2800" dirty="0">
+                            <a:solidFill>
+                              <a:srgbClr val="00B050"/>
+                            </a:solidFill>
+                            <a:effectLst/>
+                            <a:latin typeface="Times New Roman" panose="02020603050405020304" pitchFamily="18" charset="0"/>
+                            <a:ea typeface="Calibri" panose="020F0502020204030204" pitchFamily="34" charset="0"/>
+                            <a:cs typeface="F"/>
+                          </a:endParaRPr>
+                        </a:p>
+                      </a:txBody>
+                      <a:tcPr marL="68580" marR="68580" marT="0" marB="0"/>
+                    </a:tc>
+                    <a:tc>
+                      <a:txBody>
+                        <a:bodyPr/>
+                        <a:lstStyle/>
+                        <a:p>
+                          <a:pPr indent="180340" algn="ctr">
+                            <a:lnSpc>
+                              <a:spcPct val="150000"/>
+                            </a:lnSpc>
+                          </a:pPr>
+                          <a:r>
+                            <a:rPr lang="en-US" sz="2800" dirty="0">
+                              <a:effectLst/>
+                            </a:rPr>
+                            <a:t>E</a:t>
+                          </a:r>
+                          <a:r>
+                            <a:rPr lang="en-US" sz="2800" baseline="-25000" dirty="0">
+                              <a:effectLst/>
+                            </a:rPr>
+                            <a:t>6</a:t>
+                          </a:r>
+                          <a:endParaRPr lang="ru-RU" sz="2800" dirty="0">
+                            <a:effectLst/>
+                          </a:endParaRPr>
+                        </a:p>
+                        <a:p>
+                          <a:pPr indent="180340" algn="ctr">
+                            <a:lnSpc>
+                              <a:spcPct val="150000"/>
+                            </a:lnSpc>
+                          </a:pPr>
+                          <a:r>
+                            <a:rPr lang="ru-RU" sz="2800" dirty="0">
+                              <a:effectLst/>
+                            </a:rPr>
+                            <a:t> </a:t>
+                          </a:r>
+                          <a:endParaRPr lang="ru-RU" sz="2800" dirty="0">
+                            <a:effectLst/>
+                            <a:latin typeface="Times New Roman" panose="02020603050405020304" pitchFamily="18" charset="0"/>
+                            <a:ea typeface="Calibri" panose="020F0502020204030204" pitchFamily="34" charset="0"/>
+                            <a:cs typeface="F"/>
+                          </a:endParaRPr>
+                        </a:p>
+                      </a:txBody>
+                      <a:tcPr marL="68580" marR="68580" marT="0" marB="0"/>
+                    </a:tc>
+                    <a:extLst>
+                      <a:ext uri="{0D108BD9-81ED-4DB2-BD59-A6C34878D82A}">
+                        <a16:rowId xmlns:a16="http://schemas.microsoft.com/office/drawing/2014/main" val="3215205310"/>
+                      </a:ext>
+                    </a:extLst>
+                  </a:tr>
+                </a:tbl>
+              </a:graphicData>
+            </a:graphic>
+          </p:graphicFrame>
+        </mc:Choice>
+        <mc:Fallback>
+          <p:graphicFrame>
+            <p:nvGraphicFramePr>
+              <p:cNvPr id="5" name="Таблица 4">
+                <a:extLst>
+                  <a:ext uri="{FF2B5EF4-FFF2-40B4-BE49-F238E27FC236}">
+                    <a16:creationId xmlns:a16="http://schemas.microsoft.com/office/drawing/2014/main" id="{7F14A2A1-F454-4DA5-9257-44DB70D9AB2F}"/>
+                  </a:ext>
+                </a:extLst>
+              </p:cNvPr>
+              <p:cNvGraphicFramePr>
+                <a:graphicFrameLocks noGrp="1"/>
+              </p:cNvGraphicFramePr>
+              <p:nvPr>
+                <p:extLst>
+                  <p:ext uri="{D42A27DB-BD31-4B8C-83A1-F6EECF244321}">
+                    <p14:modId xmlns:p14="http://schemas.microsoft.com/office/powerpoint/2010/main" val="141294505"/>
+                  </p:ext>
+                </p:extLst>
+              </p:nvPr>
+            </p:nvGraphicFramePr>
+            <p:xfrm>
+              <a:off x="2606879" y="1291399"/>
+              <a:ext cx="7239444" cy="4275201"/>
+            </p:xfrm>
+            <a:graphic>
+              <a:graphicData uri="http://schemas.openxmlformats.org/drawingml/2006/table">
+                <a:tbl>
+                  <a:tblPr firstRow="1" firstCol="1" bandRow="1">
+                    <a:tableStyleId>{7DF18680-E054-41AD-8BC1-D1AEF772440D}</a:tableStyleId>
+                  </a:tblPr>
+                  <a:tblGrid>
+                    <a:gridCol w="1414907">
+                      <a:extLst>
+                        <a:ext uri="{9D8B030D-6E8A-4147-A177-3AD203B41FA5}">
+                          <a16:colId xmlns:a16="http://schemas.microsoft.com/office/drawing/2014/main" val="1048932553"/>
+                        </a:ext>
+                      </a:extLst>
+                    </a:gridCol>
+                    <a:gridCol w="1941512">
+                      <a:extLst>
+                        <a:ext uri="{9D8B030D-6E8A-4147-A177-3AD203B41FA5}">
+                          <a16:colId xmlns:a16="http://schemas.microsoft.com/office/drawing/2014/main" val="3784223047"/>
+                        </a:ext>
+                      </a:extLst>
+                    </a:gridCol>
+                    <a:gridCol w="1851025">
+                      <a:extLst>
+                        <a:ext uri="{9D8B030D-6E8A-4147-A177-3AD203B41FA5}">
+                          <a16:colId xmlns:a16="http://schemas.microsoft.com/office/drawing/2014/main" val="3790793589"/>
+                        </a:ext>
+                      </a:extLst>
+                    </a:gridCol>
+                    <a:gridCol w="2032000">
+                      <a:extLst>
+                        <a:ext uri="{9D8B030D-6E8A-4147-A177-3AD203B41FA5}">
+                          <a16:colId xmlns:a16="http://schemas.microsoft.com/office/drawing/2014/main" val="1137701391"/>
+                        </a:ext>
+                      </a:extLst>
+                    </a:gridCol>
+                  </a:tblGrid>
+                  <a:tr h="640080">
+                    <a:tc>
+                      <a:txBody>
+                        <a:bodyPr/>
+                        <a:lstStyle/>
+                        <a:p>
+                          <a:pPr indent="180340" algn="ctr">
+                            <a:lnSpc>
+                              <a:spcPct val="150000"/>
+                            </a:lnSpc>
+                          </a:pPr>
+                          <a:r>
+                            <a:rPr lang="ru-RU" sz="2800" dirty="0">
+                              <a:effectLst/>
+                            </a:rPr>
+                            <a:t> </a:t>
+                          </a:r>
+                          <a:endParaRPr lang="ru-RU" sz="2800" dirty="0">
+                            <a:effectLst/>
+                            <a:latin typeface="Times New Roman" panose="02020603050405020304" pitchFamily="18" charset="0"/>
+                            <a:ea typeface="Calibri" panose="020F0502020204030204" pitchFamily="34" charset="0"/>
+                            <a:cs typeface="F"/>
+                          </a:endParaRPr>
+                        </a:p>
+                      </a:txBody>
+                      <a:tcPr marL="68580" marR="68580" marT="0" marB="0"/>
+                    </a:tc>
+                    <a:tc>
+                      <a:txBody>
+                        <a:bodyPr/>
+                        <a:lstStyle/>
+                        <a:p>
+                          <a:pPr indent="180340" algn="ctr">
+                            <a:lnSpc>
+                              <a:spcPct val="150000"/>
+                            </a:lnSpc>
+                          </a:pPr>
+                          <a:r>
+                            <a:rPr lang="ru-RU" sz="2800" dirty="0" err="1">
+                              <a:effectLst/>
+                            </a:rPr>
+                            <a:t>Нун</a:t>
+                          </a:r>
+                          <a:r>
+                            <a:rPr lang="ru-RU" sz="2800" dirty="0">
+                              <a:effectLst/>
+                            </a:rPr>
+                            <a:t> и Бин</a:t>
+                          </a:r>
+                          <a:endParaRPr lang="ru-RU" sz="2800" dirty="0">
+                            <a:effectLst/>
+                            <a:latin typeface="Times New Roman" panose="02020603050405020304" pitchFamily="18" charset="0"/>
+                            <a:ea typeface="Calibri" panose="020F0502020204030204" pitchFamily="34" charset="0"/>
+                            <a:cs typeface="F"/>
+                          </a:endParaRPr>
+                        </a:p>
+                      </a:txBody>
+                      <a:tcPr marL="68580" marR="68580" marT="0" marB="0" anchor="ctr"/>
+                    </a:tc>
+                    <a:tc>
+                      <a:txBody>
+                        <a:bodyPr/>
+                        <a:lstStyle/>
+                        <a:p>
+                          <a:endParaRPr lang="ru-RU"/>
+                        </a:p>
+                      </a:txBody>
+                      <a:tcPr marL="68580" marR="68580" marT="0" marB="0" anchor="ctr">
+                        <a:blipFill>
+                          <a:blip r:embed="rId2"/>
+                          <a:stretch>
+                            <a:fillRect l="-181579" t="-952" r="-111184" b="-603810"/>
+                          </a:stretch>
+                        </a:blipFill>
+                      </a:tcPr>
+                    </a:tc>
+                    <a:tc>
+                      <a:txBody>
+                        <a:bodyPr/>
+                        <a:lstStyle/>
+                        <a:p>
+                          <a:endParaRPr lang="ru-RU"/>
+                        </a:p>
+                      </a:txBody>
+                      <a:tcPr marL="68580" marR="68580" marT="0" marB="0" anchor="ctr">
+                        <a:blipFill>
+                          <a:blip r:embed="rId2"/>
+                          <a:stretch>
+                            <a:fillRect l="-256287" t="-952" r="-1198" b="-603810"/>
+                          </a:stretch>
+                        </a:blipFill>
+                      </a:tcPr>
+                    </a:tc>
+                    <a:extLst>
+                      <a:ext uri="{0D108BD9-81ED-4DB2-BD59-A6C34878D82A}">
+                        <a16:rowId xmlns:a16="http://schemas.microsoft.com/office/drawing/2014/main" val="3759698201"/>
+                      </a:ext>
+                    </a:extLst>
+                  </a:tr>
+                  <a:tr h="1211707">
+                    <a:tc>
+                      <a:txBody>
+                        <a:bodyPr/>
+                        <a:lstStyle/>
+                        <a:p>
+                          <a:pPr indent="180340" algn="ctr">
+                            <a:lnSpc>
+                              <a:spcPct val="150000"/>
+                            </a:lnSpc>
+                          </a:pPr>
+                          <a:r>
+                            <a:rPr lang="en-US" sz="2800" dirty="0">
+                              <a:effectLst/>
+                            </a:rPr>
+                            <a:t>AP</a:t>
+                          </a:r>
+                          <a:endParaRPr lang="ru-RU" sz="2800" dirty="0">
+                            <a:effectLst/>
+                            <a:latin typeface="Times New Roman" panose="02020603050405020304" pitchFamily="18" charset="0"/>
+                            <a:ea typeface="Calibri" panose="020F0502020204030204" pitchFamily="34" charset="0"/>
+                            <a:cs typeface="F"/>
+                          </a:endParaRPr>
+                        </a:p>
+                      </a:txBody>
+                      <a:tcPr marL="68580" marR="68580" marT="0" marB="0" anchor="ctr"/>
+                    </a:tc>
+                    <a:tc>
+                      <a:txBody>
+                        <a:bodyPr/>
+                        <a:lstStyle/>
+                        <a:p>
+                          <a:pPr indent="180340" algn="ctr">
+                            <a:lnSpc>
+                              <a:spcPct val="150000"/>
+                            </a:lnSpc>
+                          </a:pPr>
+                          <a:r>
+                            <a:rPr lang="en-US" sz="2800" dirty="0">
+                              <a:effectLst/>
+                            </a:rPr>
+                            <a:t>E</a:t>
+                          </a:r>
+                          <a:r>
+                            <a:rPr lang="en-US" sz="2800" baseline="-25000" dirty="0">
+                              <a:effectLst/>
+                            </a:rPr>
+                            <a:t>1</a:t>
+                          </a:r>
+                          <a:endParaRPr lang="ru-RU" sz="2800" dirty="0">
+                            <a:effectLst/>
+                          </a:endParaRPr>
+                        </a:p>
+                        <a:p>
+                          <a:pPr indent="180340" algn="ctr">
+                            <a:lnSpc>
+                              <a:spcPct val="150000"/>
+                            </a:lnSpc>
+                          </a:pPr>
+                          <a:r>
+                            <a:rPr lang="ru-RU" sz="2800" dirty="0">
+                              <a:solidFill>
+                                <a:srgbClr val="FF0000"/>
+                              </a:solidFill>
+                              <a:effectLst/>
+                            </a:rPr>
+                            <a:t>0.48±0.03</a:t>
+                          </a:r>
+                          <a:endParaRPr lang="ru-RU" sz="2800" dirty="0">
+                            <a:solidFill>
+                              <a:srgbClr val="FF0000"/>
+                            </a:solidFill>
+                            <a:effectLst/>
+                            <a:latin typeface="Times New Roman" panose="02020603050405020304" pitchFamily="18" charset="0"/>
+                            <a:ea typeface="Calibri" panose="020F0502020204030204" pitchFamily="34" charset="0"/>
+                            <a:cs typeface="F"/>
+                          </a:endParaRPr>
+                        </a:p>
+                      </a:txBody>
+                      <a:tcPr marL="68580" marR="68580" marT="0" marB="0"/>
+                    </a:tc>
+                    <a:tc>
+                      <a:txBody>
+                        <a:bodyPr/>
+                        <a:lstStyle/>
+                        <a:p>
+                          <a:pPr indent="180340" algn="ctr">
+                            <a:lnSpc>
+                              <a:spcPct val="150000"/>
+                            </a:lnSpc>
+                          </a:pPr>
+                          <a:r>
+                            <a:rPr lang="en-US" sz="2800" dirty="0">
+                              <a:effectLst/>
+                            </a:rPr>
+                            <a:t>L</a:t>
+                          </a:r>
+                          <a:r>
+                            <a:rPr lang="en-US" sz="2800" baseline="-25000" dirty="0">
+                              <a:effectLst/>
+                            </a:rPr>
+                            <a:t>1</a:t>
+                          </a:r>
+                          <a:endParaRPr lang="ru-RU" sz="2800" dirty="0">
+                            <a:effectLst/>
+                          </a:endParaRPr>
+                        </a:p>
+                        <a:p>
+                          <a:pPr indent="180340" algn="ctr">
+                            <a:lnSpc>
+                              <a:spcPct val="150000"/>
+                            </a:lnSpc>
+                          </a:pPr>
+                          <a:r>
+                            <a:rPr lang="ru-RU" sz="2800" dirty="0">
+                              <a:solidFill>
+                                <a:srgbClr val="00B050"/>
+                              </a:solidFill>
+                              <a:effectLst/>
+                            </a:rPr>
+                            <a:t>0.91±0.02</a:t>
+                          </a:r>
+                          <a:endParaRPr lang="ru-RU" sz="2800" dirty="0">
+                            <a:solidFill>
+                              <a:srgbClr val="00B050"/>
+                            </a:solidFill>
+                            <a:effectLst/>
+                            <a:latin typeface="Times New Roman" panose="02020603050405020304" pitchFamily="18" charset="0"/>
+                            <a:ea typeface="Calibri" panose="020F0502020204030204" pitchFamily="34" charset="0"/>
+                            <a:cs typeface="F"/>
+                          </a:endParaRPr>
+                        </a:p>
+                      </a:txBody>
+                      <a:tcPr marL="68580" marR="68580" marT="0" marB="0"/>
+                    </a:tc>
+                    <a:tc>
+                      <a:txBody>
+                        <a:bodyPr/>
+                        <a:lstStyle/>
+                        <a:p>
+                          <a:pPr indent="180340" algn="ctr">
+                            <a:lnSpc>
+                              <a:spcPct val="150000"/>
+                            </a:lnSpc>
+                          </a:pPr>
+                          <a:r>
+                            <a:rPr lang="en-US" sz="2800" dirty="0">
+                              <a:effectLst/>
+                            </a:rPr>
+                            <a:t>L</a:t>
+                          </a:r>
+                          <a:r>
+                            <a:rPr lang="en-US" sz="2800" baseline="-25000" dirty="0">
+                              <a:effectLst/>
+                            </a:rPr>
+                            <a:t>2</a:t>
+                          </a:r>
+                          <a:endParaRPr lang="ru-RU" sz="2800" dirty="0">
+                            <a:effectLst/>
+                          </a:endParaRPr>
+                        </a:p>
+                        <a:p>
+                          <a:pPr indent="180340" algn="ctr">
+                            <a:lnSpc>
+                              <a:spcPct val="150000"/>
+                            </a:lnSpc>
+                          </a:pPr>
+                          <a:r>
+                            <a:rPr lang="ru-RU" sz="2800" dirty="0">
+                              <a:solidFill>
+                                <a:srgbClr val="00B050"/>
+                              </a:solidFill>
+                              <a:effectLst/>
+                            </a:rPr>
+                            <a:t>0.97±0.02</a:t>
+                          </a:r>
+                          <a:endParaRPr lang="ru-RU" sz="2800" dirty="0">
+                            <a:solidFill>
+                              <a:srgbClr val="00B050"/>
+                            </a:solidFill>
+                            <a:effectLst/>
+                            <a:latin typeface="Times New Roman" panose="02020603050405020304" pitchFamily="18" charset="0"/>
+                            <a:ea typeface="Calibri" panose="020F0502020204030204" pitchFamily="34" charset="0"/>
+                            <a:cs typeface="F"/>
+                          </a:endParaRPr>
+                        </a:p>
+                      </a:txBody>
+                      <a:tcPr marL="68580" marR="68580" marT="0" marB="0"/>
+                    </a:tc>
+                    <a:extLst>
+                      <a:ext uri="{0D108BD9-81ED-4DB2-BD59-A6C34878D82A}">
+                        <a16:rowId xmlns:a16="http://schemas.microsoft.com/office/drawing/2014/main" val="3920108201"/>
+                      </a:ext>
+                    </a:extLst>
+                  </a:tr>
+                  <a:tr h="1211707">
+                    <a:tc>
+                      <a:txBody>
+                        <a:bodyPr/>
+                        <a:lstStyle/>
+                        <a:p>
+                          <a:pPr indent="180340" algn="ctr">
+                            <a:lnSpc>
+                              <a:spcPct val="150000"/>
+                            </a:lnSpc>
+                          </a:pPr>
+                          <a:r>
+                            <a:rPr lang="en-US" sz="2800">
+                              <a:effectLst/>
+                            </a:rPr>
+                            <a:t>MSAP</a:t>
+                          </a:r>
+                          <a:endParaRPr lang="ru-RU" sz="2800">
+                            <a:effectLst/>
+                            <a:latin typeface="Times New Roman" panose="02020603050405020304" pitchFamily="18" charset="0"/>
+                            <a:ea typeface="Calibri" panose="020F0502020204030204" pitchFamily="34" charset="0"/>
+                            <a:cs typeface="F"/>
+                          </a:endParaRPr>
+                        </a:p>
+                      </a:txBody>
+                      <a:tcPr marL="68580" marR="68580" marT="0" marB="0" anchor="ctr"/>
+                    </a:tc>
+                    <a:tc>
+                      <a:txBody>
+                        <a:bodyPr/>
+                        <a:lstStyle/>
+                        <a:p>
+                          <a:pPr indent="180340" algn="ctr">
+                            <a:lnSpc>
+                              <a:spcPct val="150000"/>
+                            </a:lnSpc>
+                          </a:pPr>
+                          <a:r>
+                            <a:rPr lang="en-US" sz="2800" dirty="0">
+                              <a:effectLst/>
+                            </a:rPr>
+                            <a:t>E</a:t>
+                          </a:r>
+                          <a:r>
+                            <a:rPr lang="en-US" sz="2800" baseline="-25000" dirty="0">
+                              <a:effectLst/>
+                            </a:rPr>
+                            <a:t>2</a:t>
+                          </a:r>
+                          <a:endParaRPr lang="ru-RU" sz="2800" dirty="0">
+                            <a:effectLst/>
+                          </a:endParaRPr>
+                        </a:p>
+                        <a:p>
+                          <a:pPr indent="180340" algn="ctr">
+                            <a:lnSpc>
+                              <a:spcPct val="150000"/>
+                            </a:lnSpc>
+                          </a:pPr>
+                          <a:r>
+                            <a:rPr lang="ru-RU" sz="2800" dirty="0">
+                              <a:solidFill>
+                                <a:srgbClr val="FF0000"/>
+                              </a:solidFill>
+                              <a:effectLst/>
+                            </a:rPr>
+                            <a:t>0.54±0.01</a:t>
+                          </a:r>
+                          <a:endParaRPr lang="ru-RU" sz="2800" dirty="0">
+                            <a:solidFill>
+                              <a:srgbClr val="FF0000"/>
+                            </a:solidFill>
+                            <a:effectLst/>
+                            <a:latin typeface="Times New Roman" panose="02020603050405020304" pitchFamily="18" charset="0"/>
+                            <a:ea typeface="Calibri" panose="020F0502020204030204" pitchFamily="34" charset="0"/>
+                            <a:cs typeface="F"/>
+                          </a:endParaRPr>
+                        </a:p>
+                      </a:txBody>
+                      <a:tcPr marL="68580" marR="68580" marT="0" marB="0"/>
+                    </a:tc>
+                    <a:tc>
+                      <a:txBody>
+                        <a:bodyPr/>
+                        <a:lstStyle/>
+                        <a:p>
+                          <a:pPr indent="180340" algn="ctr">
+                            <a:lnSpc>
+                              <a:spcPct val="150000"/>
+                            </a:lnSpc>
+                          </a:pPr>
+                          <a:r>
+                            <a:rPr lang="en-US" sz="2800" dirty="0">
+                              <a:effectLst/>
+                            </a:rPr>
+                            <a:t>E</a:t>
+                          </a:r>
+                          <a:r>
+                            <a:rPr lang="en-US" sz="2800" baseline="-25000" dirty="0">
+                              <a:effectLst/>
+                            </a:rPr>
+                            <a:t>3</a:t>
+                          </a:r>
+                          <a:endParaRPr lang="ru-RU" sz="2800" dirty="0">
+                            <a:effectLst/>
+                          </a:endParaRPr>
+                        </a:p>
+                        <a:p>
+                          <a:pPr indent="180340" algn="ctr">
+                            <a:lnSpc>
+                              <a:spcPct val="150000"/>
+                            </a:lnSpc>
+                          </a:pPr>
+                          <a:r>
+                            <a:rPr lang="ru-RU" sz="2800" dirty="0">
+                              <a:solidFill>
+                                <a:srgbClr val="FF0000"/>
+                              </a:solidFill>
+                              <a:effectLst/>
+                            </a:rPr>
+                            <a:t>0.54±0.01</a:t>
+                          </a:r>
+                          <a:endParaRPr lang="ru-RU" sz="2800" dirty="0">
+                            <a:solidFill>
+                              <a:srgbClr val="FF0000"/>
+                            </a:solidFill>
+                            <a:effectLst/>
+                            <a:latin typeface="Times New Roman" panose="02020603050405020304" pitchFamily="18" charset="0"/>
+                            <a:ea typeface="Calibri" panose="020F0502020204030204" pitchFamily="34" charset="0"/>
+                            <a:cs typeface="F"/>
+                          </a:endParaRPr>
+                        </a:p>
+                      </a:txBody>
+                      <a:tcPr marL="68580" marR="68580" marT="0" marB="0"/>
+                    </a:tc>
+                    <a:tc>
+                      <a:txBody>
+                        <a:bodyPr/>
+                        <a:lstStyle/>
+                        <a:p>
+                          <a:pPr indent="180340" algn="ctr">
+                            <a:lnSpc>
+                              <a:spcPct val="150000"/>
+                            </a:lnSpc>
+                          </a:pPr>
+                          <a:r>
+                            <a:rPr lang="en-US" sz="2800" dirty="0">
+                              <a:effectLst/>
+                            </a:rPr>
+                            <a:t>E</a:t>
+                          </a:r>
+                          <a:r>
+                            <a:rPr lang="en-US" sz="2800" baseline="-25000" dirty="0">
+                              <a:effectLst/>
+                            </a:rPr>
+                            <a:t>4</a:t>
+                          </a:r>
+                          <a:endParaRPr lang="ru-RU" sz="2800" dirty="0">
+                            <a:effectLst/>
+                          </a:endParaRPr>
+                        </a:p>
+                        <a:p>
+                          <a:pPr indent="180340" algn="ctr">
+                            <a:lnSpc>
+                              <a:spcPct val="150000"/>
+                            </a:lnSpc>
+                          </a:pPr>
+                          <a:r>
+                            <a:rPr lang="ru-RU" sz="2800" dirty="0">
+                              <a:solidFill>
+                                <a:srgbClr val="FF0000"/>
+                              </a:solidFill>
+                              <a:effectLst/>
+                            </a:rPr>
+                            <a:t>0.60±0.002</a:t>
+                          </a:r>
+                          <a:endParaRPr lang="ru-RU" sz="2800" dirty="0">
+                            <a:solidFill>
+                              <a:srgbClr val="FF0000"/>
+                            </a:solidFill>
+                            <a:effectLst/>
+                            <a:latin typeface="Times New Roman" panose="02020603050405020304" pitchFamily="18" charset="0"/>
+                            <a:ea typeface="Calibri" panose="020F0502020204030204" pitchFamily="34" charset="0"/>
+                            <a:cs typeface="F"/>
+                          </a:endParaRPr>
+                        </a:p>
+                      </a:txBody>
+                      <a:tcPr marL="68580" marR="68580" marT="0" marB="0"/>
+                    </a:tc>
+                    <a:extLst>
+                      <a:ext uri="{0D108BD9-81ED-4DB2-BD59-A6C34878D82A}">
+                        <a16:rowId xmlns:a16="http://schemas.microsoft.com/office/drawing/2014/main" val="3780467713"/>
+                      </a:ext>
+                    </a:extLst>
+                  </a:tr>
+                  <a:tr h="1211707">
+                    <a:tc>
+                      <a:txBody>
+                        <a:bodyPr/>
+                        <a:lstStyle/>
+                        <a:p>
+                          <a:pPr indent="180340" algn="ctr">
+                            <a:lnSpc>
+                              <a:spcPct val="150000"/>
+                            </a:lnSpc>
+                          </a:pPr>
+                          <a:r>
+                            <a:rPr lang="en-US" sz="2800">
+                              <a:effectLst/>
+                            </a:rPr>
+                            <a:t>Gurobi</a:t>
+                          </a:r>
+                          <a:endParaRPr lang="ru-RU" sz="2800">
+                            <a:effectLst/>
+                            <a:latin typeface="Times New Roman" panose="02020603050405020304" pitchFamily="18" charset="0"/>
+                            <a:ea typeface="Calibri" panose="020F0502020204030204" pitchFamily="34" charset="0"/>
+                            <a:cs typeface="F"/>
+                          </a:endParaRPr>
+                        </a:p>
+                      </a:txBody>
+                      <a:tcPr marL="68580" marR="68580" marT="0" marB="0" anchor="ctr"/>
+                    </a:tc>
+                    <a:tc>
+                      <a:txBody>
+                        <a:bodyPr/>
+                        <a:lstStyle/>
+                        <a:p>
+                          <a:pPr indent="180340" algn="ctr">
+                            <a:lnSpc>
+                              <a:spcPct val="150000"/>
+                            </a:lnSpc>
+                          </a:pPr>
+                          <a:r>
+                            <a:rPr lang="en-US" sz="2800" dirty="0">
+                              <a:effectLst/>
+                            </a:rPr>
+                            <a:t>E</a:t>
+                          </a:r>
+                          <a:r>
+                            <a:rPr lang="en-US" sz="2800" baseline="-25000" dirty="0">
+                              <a:effectLst/>
+                            </a:rPr>
+                            <a:t>5</a:t>
+                          </a:r>
+                          <a:endParaRPr lang="ru-RU" sz="2800" dirty="0">
+                            <a:effectLst/>
+                          </a:endParaRPr>
+                        </a:p>
+                        <a:p>
+                          <a:pPr indent="180340" algn="ctr">
+                            <a:lnSpc>
+                              <a:spcPct val="150000"/>
+                            </a:lnSpc>
+                          </a:pPr>
+                          <a:r>
+                            <a:rPr lang="ru-RU" sz="2800" dirty="0">
+                              <a:effectLst/>
+                            </a:rPr>
+                            <a:t> </a:t>
+                          </a:r>
+                          <a:endParaRPr lang="ru-RU" sz="2800" dirty="0">
+                            <a:effectLst/>
+                            <a:latin typeface="Times New Roman" panose="02020603050405020304" pitchFamily="18" charset="0"/>
+                            <a:ea typeface="Calibri" panose="020F0502020204030204" pitchFamily="34" charset="0"/>
+                            <a:cs typeface="F"/>
+                          </a:endParaRPr>
+                        </a:p>
+                      </a:txBody>
+                      <a:tcPr marL="68580" marR="68580" marT="0" marB="0"/>
+                    </a:tc>
+                    <a:tc>
+                      <a:txBody>
+                        <a:bodyPr/>
+                        <a:lstStyle/>
+                        <a:p>
+                          <a:pPr indent="180340" algn="ctr">
+                            <a:lnSpc>
+                              <a:spcPct val="150000"/>
+                            </a:lnSpc>
+                          </a:pPr>
+                          <a:r>
+                            <a:rPr lang="en-US" sz="2800" dirty="0">
+                              <a:effectLst/>
+                            </a:rPr>
+                            <a:t>L</a:t>
+                          </a:r>
+                          <a:r>
+                            <a:rPr lang="en-US" sz="2800" baseline="-25000" dirty="0">
+                              <a:effectLst/>
+                            </a:rPr>
+                            <a:t>3</a:t>
+                          </a:r>
+                          <a:endParaRPr lang="ru-RU" sz="2800" dirty="0">
+                            <a:effectLst/>
+                          </a:endParaRPr>
+                        </a:p>
+                        <a:p>
+                          <a:pPr indent="180340" algn="ctr">
+                            <a:lnSpc>
+                              <a:spcPct val="150000"/>
+                            </a:lnSpc>
+                          </a:pPr>
+                          <a:r>
+                            <a:rPr lang="en-US" sz="2800" dirty="0">
+                              <a:solidFill>
+                                <a:srgbClr val="00B050"/>
+                              </a:solidFill>
+                              <a:effectLst/>
+                            </a:rPr>
+                            <a:t>1.00</a:t>
+                          </a:r>
+                          <a:endParaRPr lang="ru-RU" sz="2800" dirty="0">
+                            <a:solidFill>
+                              <a:srgbClr val="00B050"/>
+                            </a:solidFill>
+                            <a:effectLst/>
+                            <a:latin typeface="Times New Roman" panose="02020603050405020304" pitchFamily="18" charset="0"/>
+                            <a:ea typeface="Calibri" panose="020F0502020204030204" pitchFamily="34" charset="0"/>
+                            <a:cs typeface="F"/>
+                          </a:endParaRPr>
+                        </a:p>
+                      </a:txBody>
+                      <a:tcPr marL="68580" marR="68580" marT="0" marB="0"/>
+                    </a:tc>
+                    <a:tc>
+                      <a:txBody>
+                        <a:bodyPr/>
+                        <a:lstStyle/>
+                        <a:p>
+                          <a:pPr indent="180340" algn="ctr">
+                            <a:lnSpc>
+                              <a:spcPct val="150000"/>
+                            </a:lnSpc>
+                          </a:pPr>
+                          <a:r>
+                            <a:rPr lang="en-US" sz="2800" dirty="0">
+                              <a:effectLst/>
+                            </a:rPr>
+                            <a:t>E</a:t>
+                          </a:r>
+                          <a:r>
+                            <a:rPr lang="en-US" sz="2800" baseline="-25000" dirty="0">
+                              <a:effectLst/>
+                            </a:rPr>
+                            <a:t>6</a:t>
+                          </a:r>
+                          <a:endParaRPr lang="ru-RU" sz="2800" dirty="0">
+                            <a:effectLst/>
+                          </a:endParaRPr>
+                        </a:p>
+                        <a:p>
+                          <a:pPr indent="180340" algn="ctr">
+                            <a:lnSpc>
+                              <a:spcPct val="150000"/>
+                            </a:lnSpc>
+                          </a:pPr>
+                          <a:r>
+                            <a:rPr lang="ru-RU" sz="2800" dirty="0">
+                              <a:effectLst/>
+                            </a:rPr>
+                            <a:t> </a:t>
+                          </a:r>
+                          <a:endParaRPr lang="ru-RU" sz="2800" dirty="0">
+                            <a:effectLst/>
+                            <a:latin typeface="Times New Roman" panose="02020603050405020304" pitchFamily="18" charset="0"/>
+                            <a:ea typeface="Calibri" panose="020F0502020204030204" pitchFamily="34" charset="0"/>
+                            <a:cs typeface="F"/>
+                          </a:endParaRPr>
+                        </a:p>
+                      </a:txBody>
+                      <a:tcPr marL="68580" marR="68580" marT="0" marB="0"/>
+                    </a:tc>
+                    <a:extLst>
+                      <a:ext uri="{0D108BD9-81ED-4DB2-BD59-A6C34878D82A}">
+                        <a16:rowId xmlns:a16="http://schemas.microsoft.com/office/drawing/2014/main" val="3215205310"/>
+                      </a:ext>
+                    </a:extLst>
+                  </a:tr>
+                </a:tbl>
+              </a:graphicData>
+            </a:graphic>
+          </p:graphicFrame>
+        </mc:Fallback>
+      </mc:AlternateContent>
+      <mc:AlternateContent xmlns:mc="http://schemas.openxmlformats.org/markup-compatibility/2006">
+        <mc:Choice xmlns:a14="http://schemas.microsoft.com/office/drawing/2010/main" Requires="a14">
+          <p:sp>
+            <p:nvSpPr>
+              <p:cNvPr id="7" name="TextBox 6">
+                <a:extLst>
+                  <a:ext uri="{FF2B5EF4-FFF2-40B4-BE49-F238E27FC236}">
+                    <a16:creationId xmlns:a16="http://schemas.microsoft.com/office/drawing/2014/main" id="{38A29CB2-BB2D-4BCC-9A42-B48365D0469F}"/>
+                  </a:ext>
+                </a:extLst>
+              </p:cNvPr>
+              <p:cNvSpPr txBox="1"/>
+              <p:nvPr/>
+            </p:nvSpPr>
+            <p:spPr>
+              <a:xfrm>
+                <a:off x="3315748" y="5922520"/>
+                <a:ext cx="6094602" cy="369332"/>
+              </a:xfrm>
+              <a:prstGeom prst="rect">
+                <a:avLst/>
+              </a:prstGeom>
+              <a:noFill/>
+            </p:spPr>
+            <p:txBody>
+              <a:bodyPr wrap="square">
+                <a:spAutoFit/>
+              </a:bodyPr>
+              <a:lstStyle/>
+              <a:p>
+                <a:pPr/>
+                <a14:m>
+                  <m:oMathPara xmlns:m="http://schemas.openxmlformats.org/officeDocument/2006/math">
+                    <m:oMathParaPr>
+                      <m:jc m:val="centerGroup"/>
+                    </m:oMathParaPr>
+                    <m:oMath xmlns:m="http://schemas.openxmlformats.org/officeDocument/2006/math">
+                      <m:r>
+                        <a:rPr lang="ru-RU" i="1" smtClean="0">
+                          <a:latin typeface="Cambria Math" panose="02040503050406030204" pitchFamily="18" charset="0"/>
+                        </a:rPr>
+                        <m:t>𝐿</m:t>
+                      </m:r>
+                      <m:sSub>
+                        <m:sSubPr>
+                          <m:ctrlPr>
+                            <a:rPr lang="ru-RU" i="1">
+                              <a:solidFill>
+                                <a:srgbClr val="836967"/>
+                              </a:solidFill>
+                              <a:latin typeface="Cambria Math" panose="02040503050406030204" pitchFamily="18" charset="0"/>
+                            </a:rPr>
+                          </m:ctrlPr>
+                        </m:sSubPr>
+                        <m:e>
+                          <m:r>
+                            <a:rPr lang="ru-RU" i="1">
+                              <a:latin typeface="Cambria Math" panose="02040503050406030204" pitchFamily="18" charset="0"/>
+                            </a:rPr>
+                            <m:t>𝐵</m:t>
+                          </m:r>
+                        </m:e>
+                        <m:sub>
+                          <m:r>
+                            <a:rPr lang="ru-RU" i="1">
+                              <a:latin typeface="Cambria Math" panose="02040503050406030204" pitchFamily="18" charset="0"/>
+                            </a:rPr>
+                            <m:t>𝑖</m:t>
+                          </m:r>
+                        </m:sub>
+                      </m:sSub>
+                      <m:r>
+                        <a:rPr lang="ru-RU" i="0">
+                          <a:latin typeface="Cambria Math" panose="02040503050406030204" pitchFamily="18" charset="0"/>
+                        </a:rPr>
+                        <m:t>=</m:t>
+                      </m:r>
+                      <m:sSub>
+                        <m:sSubPr>
+                          <m:ctrlPr>
+                            <a:rPr lang="ru-RU" i="1">
+                              <a:solidFill>
+                                <a:srgbClr val="836967"/>
+                              </a:solidFill>
+                              <a:latin typeface="Cambria Math" panose="02040503050406030204" pitchFamily="18" charset="0"/>
+                            </a:rPr>
+                          </m:ctrlPr>
+                        </m:sSubPr>
+                        <m:e>
+                          <m:r>
+                            <a:rPr lang="ru-RU" i="1">
+                              <a:latin typeface="Cambria Math" panose="02040503050406030204" pitchFamily="18" charset="0"/>
+                            </a:rPr>
+                            <m:t>𝑐</m:t>
+                          </m:r>
+                        </m:e>
+                        <m:sub>
+                          <m:r>
+                            <m:rPr>
+                              <m:sty m:val="p"/>
+                            </m:rPr>
+                            <a:rPr lang="ru-RU" i="0">
+                              <a:latin typeface="Cambria Math" panose="02040503050406030204" pitchFamily="18" charset="0"/>
+                            </a:rPr>
+                            <m:t>min</m:t>
+                          </m:r>
+                        </m:sub>
+                      </m:sSub>
+                      <m:r>
+                        <a:rPr lang="ru-RU" i="0">
+                          <a:latin typeface="Cambria Math" panose="02040503050406030204" pitchFamily="18" charset="0"/>
+                        </a:rPr>
+                        <m:t>+</m:t>
+                      </m:r>
+                      <m:sSub>
+                        <m:sSubPr>
+                          <m:ctrlPr>
+                            <a:rPr lang="ru-RU" i="1">
+                              <a:solidFill>
+                                <a:srgbClr val="836967"/>
+                              </a:solidFill>
+                              <a:latin typeface="Cambria Math" panose="02040503050406030204" pitchFamily="18" charset="0"/>
+                            </a:rPr>
+                          </m:ctrlPr>
+                        </m:sSubPr>
+                        <m:e>
+                          <m:r>
+                            <a:rPr lang="ru-RU" i="1">
+                              <a:latin typeface="Cambria Math" panose="02040503050406030204" pitchFamily="18" charset="0"/>
+                            </a:rPr>
+                            <m:t>𝐿</m:t>
+                          </m:r>
+                        </m:e>
+                        <m:sub>
+                          <m:r>
+                            <a:rPr lang="ru-RU" i="1">
+                              <a:latin typeface="Cambria Math" panose="02040503050406030204" pitchFamily="18" charset="0"/>
+                            </a:rPr>
+                            <m:t>𝑖</m:t>
+                          </m:r>
+                        </m:sub>
+                      </m:sSub>
+                      <m:r>
+                        <a:rPr lang="ru-RU" i="0">
+                          <a:latin typeface="Cambria Math" panose="02040503050406030204" pitchFamily="18" charset="0"/>
+                        </a:rPr>
+                        <m:t>,</m:t>
+                      </m:r>
+                      <m:r>
+                        <a:rPr lang="ru-RU" i="1">
+                          <a:latin typeface="Cambria Math" panose="02040503050406030204" pitchFamily="18" charset="0"/>
+                        </a:rPr>
+                        <m:t>𝑖</m:t>
+                      </m:r>
+                      <m:r>
+                        <a:rPr lang="ru-RU" i="0">
+                          <a:latin typeface="Cambria Math" panose="02040503050406030204" pitchFamily="18" charset="0"/>
+                        </a:rPr>
+                        <m:t>∈</m:t>
+                      </m:r>
+                      <m:d>
+                        <m:dPr>
+                          <m:begChr m:val="{"/>
+                          <m:endChr m:val="}"/>
+                          <m:sepChr m:val=","/>
+                          <m:ctrlPr>
+                            <a:rPr lang="ru-RU" i="1">
+                              <a:latin typeface="Cambria Math" panose="02040503050406030204" pitchFamily="18" charset="0"/>
+                            </a:rPr>
+                          </m:ctrlPr>
+                        </m:dPr>
+                        <m:e>
+                          <m:r>
+                            <a:rPr lang="ru-RU" i="0">
+                              <a:latin typeface="Cambria Math" panose="02040503050406030204" pitchFamily="18" charset="0"/>
+                            </a:rPr>
+                            <m:t>1,2</m:t>
+                          </m:r>
+                        </m:e>
+                        <m:e>
+                          <m:r>
+                            <a:rPr lang="ru-RU" i="0">
+                              <a:latin typeface="Cambria Math" panose="02040503050406030204" pitchFamily="18" charset="0"/>
+                            </a:rPr>
+                            <m:t>3</m:t>
+                          </m:r>
+                        </m:e>
+                      </m:d>
+                    </m:oMath>
+                  </m:oMathPara>
+                </a14:m>
+                <a:endParaRPr lang="ru-RU" dirty="0"/>
+              </a:p>
+            </p:txBody>
+          </p:sp>
+        </mc:Choice>
+        <mc:Fallback>
+          <p:sp>
+            <p:nvSpPr>
+              <p:cNvPr id="7" name="TextBox 6">
+                <a:extLst>
+                  <a:ext uri="{FF2B5EF4-FFF2-40B4-BE49-F238E27FC236}">
+                    <a16:creationId xmlns:a16="http://schemas.microsoft.com/office/drawing/2014/main" id="{38A29CB2-BB2D-4BCC-9A42-B48365D0469F}"/>
+                  </a:ext>
+                </a:extLst>
+              </p:cNvPr>
+              <p:cNvSpPr txBox="1">
+                <a:spLocks noRot="1" noChangeAspect="1" noMove="1" noResize="1" noEditPoints="1" noAdjustHandles="1" noChangeArrowheads="1" noChangeShapeType="1" noTextEdit="1"/>
+              </p:cNvSpPr>
+              <p:nvPr/>
+            </p:nvSpPr>
+            <p:spPr>
+              <a:xfrm>
+                <a:off x="3315748" y="5922520"/>
+                <a:ext cx="6094602" cy="369332"/>
+              </a:xfrm>
+              <a:prstGeom prst="rect">
+                <a:avLst/>
+              </a:prstGeom>
+              <a:blipFill>
+                <a:blip r:embed="rId3"/>
+                <a:stretch>
+                  <a:fillRect b="-1667"/>
+                </a:stretch>
+              </a:blipFill>
+            </p:spPr>
+            <p:txBody>
+              <a:bodyPr/>
+              <a:lstStyle/>
+              <a:p>
+                <a:r>
+                  <a:rPr lang="ru-RU">
+                    <a:noFill/>
+                  </a:rPr>
+                  <a:t> </a:t>
+                </a:r>
+              </a:p>
+            </p:txBody>
+          </p:sp>
+        </mc:Fallback>
+      </mc:AlternateContent>
+      <p:sp>
+        <p:nvSpPr>
+          <p:cNvPr id="8" name="TextBox 7">
+            <a:extLst>
+              <a:ext uri="{FF2B5EF4-FFF2-40B4-BE49-F238E27FC236}">
+                <a16:creationId xmlns:a16="http://schemas.microsoft.com/office/drawing/2014/main" id="{AD1205F5-7673-4257-87DE-8E8883161FAA}"/>
+              </a:ext>
+            </a:extLst>
+          </p:cNvPr>
+          <p:cNvSpPr txBox="1"/>
+          <p:nvPr/>
+        </p:nvSpPr>
+        <p:spPr>
+          <a:xfrm>
+            <a:off x="9949343" y="159391"/>
+            <a:ext cx="1869423" cy="369332"/>
+          </a:xfrm>
+          <a:prstGeom prst="rect">
+            <a:avLst/>
+          </a:prstGeom>
+          <a:noFill/>
+        </p:spPr>
+        <p:txBody>
+          <a:bodyPr wrap="none" rtlCol="0">
+            <a:spAutoFit/>
+          </a:bodyPr>
+          <a:lstStyle/>
+          <a:p>
+            <a:r>
+              <a:rPr lang="ru-RU" dirty="0"/>
+              <a:t>Нижние границы</a:t>
+            </a:r>
+          </a:p>
+        </p:txBody>
+      </p:sp>
+    </p:spTree>
+    <p:extLst>
+      <p:ext uri="{BB962C8B-B14F-4D97-AF65-F5344CB8AC3E}">
+        <p14:creationId xmlns:p14="http://schemas.microsoft.com/office/powerpoint/2010/main" val="2094779216"/>
+      </p:ext>
+    </p:extLst>
+  </p:cSld>
+  <p:clrMapOvr>
+    <a:masterClrMapping/>
+  </p:clrMapOvr>
+</p:sld>
+</file>
+
 <file path=ppt/theme/theme1.xml><?xml version="1.0" encoding="utf-8"?>
 <a:theme xmlns:a="http://schemas.openxmlformats.org/drawingml/2006/main" name="Тема Office">
   <a:themeElements>

--- a/article/pcgtsp.pptx
+++ b/article/pcgtsp.pptx
@@ -15,6 +15,7 @@
     <p:sldId id="262" r:id="rId9"/>
     <p:sldId id="263" r:id="rId10"/>
     <p:sldId id="264" r:id="rId11"/>
+    <p:sldId id="266" r:id="rId12"/>
   </p:sldIdLst>
   <p:sldSz cx="12192000" cy="6858000"/>
   <p:notesSz cx="6858000" cy="9144000"/>
@@ -22681,8 +22682,8 @@
         </p:nvSpPr>
         <p:spPr>
           <a:xfrm>
-            <a:off x="8883941" y="192947"/>
-            <a:ext cx="3308059" cy="369332"/>
+            <a:off x="6346479" y="0"/>
+            <a:ext cx="5845521" cy="461665"/>
           </a:xfrm>
           <a:prstGeom prst="rect">
             <a:avLst/>
@@ -22695,9 +22696,378 @@
           </a:bodyPr>
           <a:lstStyle/>
           <a:p>
+            <a:pPr algn="r"/>
             <a:r>
-              <a:rPr lang="ru-RU" dirty="0"/>
+              <a:rPr lang="ru-RU" sz="2400" dirty="0"/>
               <a:t>Результаты экспериментов</a:t>
+            </a:r>
+          </a:p>
+        </p:txBody>
+      </p:sp>
+      <mc:AlternateContent xmlns:mc="http://schemas.openxmlformats.org/markup-compatibility/2006">
+        <mc:Choice xmlns:a14="http://schemas.microsoft.com/office/drawing/2010/main" Requires="a14">
+          <p:sp>
+            <p:nvSpPr>
+              <p:cNvPr id="2" name="TextBox 1">
+                <a:extLst>
+                  <a:ext uri="{FF2B5EF4-FFF2-40B4-BE49-F238E27FC236}">
+                    <a16:creationId xmlns:a16="http://schemas.microsoft.com/office/drawing/2014/main" id="{0AE2C6A8-1FEB-4749-A76E-D2ECB3E0E9C5}"/>
+                  </a:ext>
+                </a:extLst>
+              </p:cNvPr>
+              <p:cNvSpPr txBox="1"/>
+              <p:nvPr/>
+            </p:nvSpPr>
+            <p:spPr>
+              <a:xfrm>
+                <a:off x="5549774" y="633742"/>
+                <a:ext cx="6642226" cy="3933064"/>
+              </a:xfrm>
+              <a:prstGeom prst="rect">
+                <a:avLst/>
+              </a:prstGeom>
+              <a:noFill/>
+            </p:spPr>
+            <p:txBody>
+              <a:bodyPr wrap="square" rtlCol="0">
+                <a:spAutoFit/>
+              </a:bodyPr>
+              <a:lstStyle/>
+              <a:p>
+                <a:pPr marL="285750" indent="-285750">
+                  <a:buFont typeface="Arial" panose="020B0604020202020204" pitchFamily="34" charset="0"/>
+                  <a:buChar char="•"/>
+                </a:pPr>
+                <a:r>
+                  <a:rPr lang="ru-RU" dirty="0"/>
+                  <a:t>Использована общедоступная библиотека </a:t>
+                </a:r>
+                <a:r>
+                  <a:rPr lang="en-US" dirty="0"/>
+                  <a:t>PCGTSPLIB</a:t>
+                </a:r>
+                <a:r>
+                  <a:rPr lang="en-US" baseline="30000" dirty="0"/>
+                  <a:t>1</a:t>
+                </a:r>
+              </a:p>
+              <a:p>
+                <a:pPr marL="285750" indent="-285750">
+                  <a:buFont typeface="Arial" panose="020B0604020202020204" pitchFamily="34" charset="0"/>
+                  <a:buChar char="•"/>
+                </a:pPr>
+                <a:r>
+                  <a:rPr lang="ru-RU" dirty="0"/>
+                  <a:t>16-ядерный </a:t>
+                </a:r>
+                <a:r>
+                  <a:rPr lang="ru-RU" dirty="0" err="1"/>
+                  <a:t>Intel</a:t>
+                </a:r>
+                <a:r>
+                  <a:rPr lang="ru-RU" dirty="0"/>
+                  <a:t> </a:t>
+                </a:r>
+                <a:r>
+                  <a:rPr lang="ru-RU" dirty="0" err="1"/>
+                  <a:t>Xeon</a:t>
+                </a:r>
+                <a:r>
+                  <a:rPr lang="ru-RU" dirty="0"/>
+                  <a:t>, 128G RAM</a:t>
+                </a:r>
+                <a:endParaRPr lang="en-US" dirty="0"/>
+              </a:p>
+              <a:p>
+                <a:pPr marL="285750" indent="-285750">
+                  <a:buFont typeface="Arial" panose="020B0604020202020204" pitchFamily="34" charset="0"/>
+                  <a:buChar char="•"/>
+                </a:pPr>
+                <a:r>
+                  <a:rPr lang="ru-RU" dirty="0"/>
+                  <a:t>Суперкомпьютер «Уран» Института математики и механики им. Н. Н. Красовского Уральского отделения Российской академии наук</a:t>
+                </a:r>
+                <a:endParaRPr lang="en-US" dirty="0"/>
+              </a:p>
+              <a:p>
+                <a:pPr marL="285750" indent="-285750">
+                  <a:buFont typeface="Arial" panose="020B0604020202020204" pitchFamily="34" charset="0"/>
+                  <a:buChar char="•"/>
+                </a:pPr>
+                <a:r>
+                  <a:rPr lang="ru-RU" dirty="0"/>
+                  <a:t>Время счёта 10 часов; Относительная погрешность 5%</a:t>
+                </a:r>
+              </a:p>
+              <a:p>
+                <a14:m>
+                  <m:oMathPara xmlns:m="http://schemas.openxmlformats.org/officeDocument/2006/math">
+                    <m:oMathParaPr>
+                      <m:jc m:val="centerGroup"/>
+                    </m:oMathParaPr>
+                    <m:oMath xmlns:m="http://schemas.openxmlformats.org/officeDocument/2006/math">
+                      <m:r>
+                        <a:rPr lang="ru-RU" i="1"/>
+                        <m:t>𝑔𝑎𝑝</m:t>
+                      </m:r>
+                      <m:r>
+                        <a:rPr lang="ru-RU"/>
+                        <m:t>=</m:t>
+                      </m:r>
+                      <m:f>
+                        <m:fPr>
+                          <m:ctrlPr>
+                            <a:rPr lang="ru-RU" i="1"/>
+                          </m:ctrlPr>
+                        </m:fPr>
+                        <m:num>
+                          <m:r>
+                            <a:rPr lang="ru-RU" i="1"/>
+                            <m:t>𝑈𝐵</m:t>
+                          </m:r>
+                          <m:r>
+                            <a:rPr lang="ru-RU" i="1"/>
+                            <m:t>−</m:t>
+                          </m:r>
+                          <m:r>
+                            <a:rPr lang="ru-RU" i="1"/>
+                            <m:t>𝐿𝐵</m:t>
+                          </m:r>
+                        </m:num>
+                        <m:den>
+                          <m:r>
+                            <a:rPr lang="ru-RU" i="1"/>
+                            <m:t>𝐿𝐵</m:t>
+                          </m:r>
+                        </m:den>
+                      </m:f>
+                    </m:oMath>
+                  </m:oMathPara>
+                </a14:m>
+                <a:endParaRPr lang="ru-RU" dirty="0"/>
+              </a:p>
+              <a:p>
+                <a:pPr marL="285750" indent="-285750">
+                  <a:buFont typeface="Arial" panose="020B0604020202020204" pitchFamily="34" charset="0"/>
+                  <a:buChar char="•"/>
+                </a:pPr>
+                <a:r>
+                  <a:rPr lang="ru-RU" dirty="0"/>
+                  <a:t>Сравнение с решением, </a:t>
+                </a:r>
+                <a:r>
+                  <a:rPr lang="ru-RU" dirty="0" err="1"/>
+                  <a:t>найденым</a:t>
+                </a:r>
+                <a:r>
+                  <a:rPr lang="ru-RU" dirty="0"/>
+                  <a:t> </a:t>
+                </a:r>
+                <a:r>
+                  <a:rPr lang="ru-RU" dirty="0" err="1"/>
+                  <a:t>солвером</a:t>
+                </a:r>
+                <a:r>
+                  <a:rPr lang="ru-RU" dirty="0"/>
+                  <a:t> </a:t>
+                </a:r>
+                <a:r>
+                  <a:rPr lang="en-US" dirty="0" err="1"/>
+                  <a:t>Gurobi</a:t>
+                </a:r>
+                <a:endParaRPr lang="ru-RU" dirty="0"/>
+              </a:p>
+              <a:p>
+                <a:pPr marL="285750" indent="-285750">
+                  <a:buFont typeface="Arial" panose="020B0604020202020204" pitchFamily="34" charset="0"/>
+                  <a:buChar char="•"/>
+                </a:pPr>
+                <a:r>
+                  <a:rPr lang="ru-RU" dirty="0"/>
+                  <a:t>В 13 из 39 задач – лучшее решение (12 – по времени; 7 – по точности)</a:t>
+                </a:r>
+              </a:p>
+              <a:p>
+                <a:pPr marL="285750" indent="-285750">
+                  <a:buFont typeface="Arial" panose="020B0604020202020204" pitchFamily="34" charset="0"/>
+                  <a:buChar char="•"/>
+                </a:pPr>
+                <a:r>
+                  <a:rPr lang="ru-RU" dirty="0"/>
+                  <a:t>Оптимальное решение найдено в 6 случаях</a:t>
+                </a:r>
+              </a:p>
+              <a:p>
+                <a:pPr marL="285750" indent="-285750">
+                  <a:buFont typeface="Arial" panose="020B0604020202020204" pitchFamily="34" charset="0"/>
+                  <a:buChar char="•"/>
+                </a:pPr>
+                <a:r>
+                  <a:rPr lang="ru-RU" dirty="0"/>
+                  <a:t>Иногда (</a:t>
+                </a:r>
+                <a:r>
+                  <a:rPr lang="ru-RU" i="1" dirty="0"/>
+                  <a:t>p43.1</a:t>
+                </a:r>
+                <a:r>
+                  <a:rPr lang="ru-RU" dirty="0"/>
+                  <a:t>, </a:t>
+                </a:r>
+                <a:r>
+                  <a:rPr lang="ru-RU" i="1" dirty="0"/>
+                  <a:t>p43.2</a:t>
+                </a:r>
+                <a:r>
+                  <a:rPr lang="ru-RU" dirty="0"/>
+                  <a:t> и </a:t>
+                </a:r>
+                <a:r>
+                  <a:rPr lang="ru-RU" i="1" dirty="0"/>
+                  <a:t>p43.3</a:t>
+                </a:r>
+                <a:r>
+                  <a:rPr lang="ru-RU" dirty="0"/>
+                  <a:t>) сильно уступают </a:t>
+                </a:r>
+                <a:r>
+                  <a:rPr lang="en-US" dirty="0" err="1"/>
+                  <a:t>Gurobi</a:t>
+                </a:r>
+                <a:endParaRPr lang="en-US" dirty="0"/>
+              </a:p>
+              <a:p>
+                <a:pPr marL="285750" indent="-285750">
+                  <a:buFont typeface="Arial" panose="020B0604020202020204" pitchFamily="34" charset="0"/>
+                  <a:buChar char="•"/>
+                </a:pPr>
+                <a:r>
+                  <a:rPr lang="ru-RU" dirty="0"/>
+                  <a:t>Иногда</a:t>
+                </a:r>
+                <a:r>
+                  <a:rPr lang="en-US" dirty="0"/>
+                  <a:t> (</a:t>
+                </a:r>
+                <a:r>
+                  <a:rPr lang="ru-RU" i="1" dirty="0"/>
+                  <a:t>p43.4</a:t>
+                </a:r>
+                <a:r>
+                  <a:rPr lang="ru-RU" dirty="0"/>
+                  <a:t> и </a:t>
+                </a:r>
+                <a:r>
+                  <a:rPr lang="ru-RU" i="1" dirty="0"/>
+                  <a:t>ry48p.4</a:t>
+                </a:r>
+                <a:r>
+                  <a:rPr lang="en-US" dirty="0"/>
+                  <a:t>) </a:t>
+                </a:r>
+                <a:r>
+                  <a:rPr lang="ru-RU" dirty="0"/>
+                  <a:t>наоборот сильно превосходят</a:t>
+                </a:r>
+              </a:p>
+            </p:txBody>
+          </p:sp>
+        </mc:Choice>
+        <mc:Fallback>
+          <p:sp>
+            <p:nvSpPr>
+              <p:cNvPr id="2" name="TextBox 1">
+                <a:extLst>
+                  <a:ext uri="{FF2B5EF4-FFF2-40B4-BE49-F238E27FC236}">
+                    <a16:creationId xmlns:a16="http://schemas.microsoft.com/office/drawing/2014/main" id="{0AE2C6A8-1FEB-4749-A76E-D2ECB3E0E9C5}"/>
+                  </a:ext>
+                </a:extLst>
+              </p:cNvPr>
+              <p:cNvSpPr txBox="1">
+                <a:spLocks noRot="1" noChangeAspect="1" noMove="1" noResize="1" noEditPoints="1" noAdjustHandles="1" noChangeArrowheads="1" noChangeShapeType="1" noTextEdit="1"/>
+              </p:cNvSpPr>
+              <p:nvPr/>
+            </p:nvSpPr>
+            <p:spPr>
+              <a:xfrm>
+                <a:off x="5549774" y="633742"/>
+                <a:ext cx="6642226" cy="3933064"/>
+              </a:xfrm>
+              <a:prstGeom prst="rect">
+                <a:avLst/>
+              </a:prstGeom>
+              <a:blipFill>
+                <a:blip r:embed="rId2"/>
+                <a:stretch>
+                  <a:fillRect l="-550" t="-930" b="-1550"/>
+                </a:stretch>
+              </a:blipFill>
+            </p:spPr>
+            <p:txBody>
+              <a:bodyPr/>
+              <a:lstStyle/>
+              <a:p>
+                <a:r>
+                  <a:rPr lang="ru-RU">
+                    <a:noFill/>
+                  </a:rPr>
+                  <a:t> </a:t>
+                </a:r>
+              </a:p>
+            </p:txBody>
+          </p:sp>
+        </mc:Fallback>
+      </mc:AlternateContent>
+      <p:sp>
+        <p:nvSpPr>
+          <p:cNvPr id="6" name="Прямоугольник 5">
+            <a:extLst>
+              <a:ext uri="{FF2B5EF4-FFF2-40B4-BE49-F238E27FC236}">
+                <a16:creationId xmlns:a16="http://schemas.microsoft.com/office/drawing/2014/main" id="{0AF9FAA6-215A-4B12-A7D7-60E301B3A7CF}"/>
+              </a:ext>
+            </a:extLst>
+          </p:cNvPr>
+          <p:cNvSpPr/>
+          <p:nvPr/>
+        </p:nvSpPr>
+        <p:spPr>
+          <a:xfrm>
+            <a:off x="-84500" y="6611872"/>
+            <a:ext cx="12276500" cy="246221"/>
+          </a:xfrm>
+          <a:prstGeom prst="rect">
+            <a:avLst/>
+          </a:prstGeom>
+        </p:spPr>
+        <p:txBody>
+          <a:bodyPr wrap="square">
+            <a:spAutoFit/>
+          </a:bodyPr>
+          <a:lstStyle/>
+          <a:p>
+            <a:r>
+              <a:rPr lang="en-US" sz="1000" baseline="30000" dirty="0"/>
+              <a:t>1</a:t>
+            </a:r>
+            <a:r>
+              <a:rPr lang="en-US" sz="1000" dirty="0"/>
+              <a:t>Salman R., </a:t>
+            </a:r>
+            <a:r>
+              <a:rPr lang="en-US" sz="1000" dirty="0" err="1"/>
+              <a:t>Ekstedt</a:t>
+            </a:r>
+            <a:r>
+              <a:rPr lang="en-US" sz="1000" dirty="0"/>
+              <a:t> F., </a:t>
+            </a:r>
+            <a:r>
+              <a:rPr lang="en-US" sz="1000" dirty="0" err="1"/>
+              <a:t>Damaschke</a:t>
+            </a:r>
+            <a:r>
+              <a:rPr lang="en-US" sz="1000" dirty="0"/>
+              <a:t> P. Branch-and-bound for the Precedence Constrained Generalized Traveling Salesman Problem // Operations Research Letters. — 2020. — Т. 48, No 2. — С. 163—166. </a:t>
             </a:r>
           </a:p>
         </p:txBody>
@@ -22706,6 +23076,244 @@
     <p:extLst>
       <p:ext uri="{BB962C8B-B14F-4D97-AF65-F5344CB8AC3E}">
         <p14:creationId xmlns:p14="http://schemas.microsoft.com/office/powerpoint/2010/main" val="46584997"/>
+      </p:ext>
+    </p:extLst>
+  </p:cSld>
+  <p:clrMapOvr>
+    <a:masterClrMapping/>
+  </p:clrMapOvr>
+</p:sld>
+</file>
+
+<file path=ppt/slides/slide11.xml><?xml version="1.0" encoding="utf-8"?>
+<p:sld xmlns:a="http://schemas.openxmlformats.org/drawingml/2006/main" xmlns:r="http://schemas.openxmlformats.org/officeDocument/2006/relationships" xmlns:p="http://schemas.openxmlformats.org/presentationml/2006/main">
+  <p:cSld>
+    <p:spTree>
+      <p:nvGrpSpPr>
+        <p:cNvPr id="1" name=""/>
+        <p:cNvGrpSpPr/>
+        <p:nvPr/>
+      </p:nvGrpSpPr>
+      <p:grpSpPr>
+        <a:xfrm>
+          <a:off x="0" y="0"/>
+          <a:ext cx="0" cy="0"/>
+          <a:chOff x="0" y="0"/>
+          <a:chExt cx="0" cy="0"/>
+        </a:xfrm>
+      </p:grpSpPr>
+      <p:sp>
+        <p:nvSpPr>
+          <p:cNvPr id="4" name="TextBox 3">
+            <a:extLst>
+              <a:ext uri="{FF2B5EF4-FFF2-40B4-BE49-F238E27FC236}">
+                <a16:creationId xmlns:a16="http://schemas.microsoft.com/office/drawing/2014/main" id="{D4881ABC-1797-4F82-BAE7-9D42F60688CF}"/>
+              </a:ext>
+            </a:extLst>
+          </p:cNvPr>
+          <p:cNvSpPr txBox="1"/>
+          <p:nvPr/>
+        </p:nvSpPr>
+        <p:spPr>
+          <a:xfrm>
+            <a:off x="6346479" y="0"/>
+            <a:ext cx="5845521" cy="461665"/>
+          </a:xfrm>
+          <a:prstGeom prst="rect">
+            <a:avLst/>
+          </a:prstGeom>
+          <a:noFill/>
+        </p:spPr>
+        <p:txBody>
+          <a:bodyPr wrap="square" rtlCol="0">
+            <a:spAutoFit/>
+          </a:bodyPr>
+          <a:lstStyle/>
+          <a:p>
+            <a:pPr algn="r"/>
+            <a:r>
+              <a:rPr lang="ru-RU" sz="2400" dirty="0"/>
+              <a:t>Заключение</a:t>
+            </a:r>
+          </a:p>
+        </p:txBody>
+      </p:sp>
+      <p:sp>
+        <p:nvSpPr>
+          <p:cNvPr id="5" name="TextBox 4">
+            <a:extLst>
+              <a:ext uri="{FF2B5EF4-FFF2-40B4-BE49-F238E27FC236}">
+                <a16:creationId xmlns:a16="http://schemas.microsoft.com/office/drawing/2014/main" id="{FEB6A687-83AC-479B-BD68-3F6E2FCA650F}"/>
+              </a:ext>
+            </a:extLst>
+          </p:cNvPr>
+          <p:cNvSpPr txBox="1"/>
+          <p:nvPr/>
+        </p:nvSpPr>
+        <p:spPr>
+          <a:xfrm>
+            <a:off x="199176" y="851024"/>
+            <a:ext cx="11992824" cy="4524315"/>
+          </a:xfrm>
+          <a:prstGeom prst="rect">
+            <a:avLst/>
+          </a:prstGeom>
+          <a:noFill/>
+        </p:spPr>
+        <p:txBody>
+          <a:bodyPr wrap="square" rtlCol="0">
+            <a:spAutoFit/>
+          </a:bodyPr>
+          <a:lstStyle/>
+          <a:p>
+            <a:pPr marL="285750" indent="-285750">
+              <a:buFont typeface="Arial" panose="020B0604020202020204" pitchFamily="34" charset="0"/>
+              <a:buChar char="•"/>
+            </a:pPr>
+            <a:r>
+              <a:rPr lang="ru-RU" dirty="0"/>
+              <a:t>Разработан первый специализированный алгоритм ветвей и границ для обобщенной задачи коммивояжера с ограничениями предшествования </a:t>
+            </a:r>
+            <a:r>
+              <a:rPr lang="en-US" dirty="0"/>
+              <a:t>(PCGTSP)</a:t>
+            </a:r>
+            <a:endParaRPr lang="ru-RU" dirty="0"/>
+          </a:p>
+          <a:p>
+            <a:pPr marL="285750" indent="-285750">
+              <a:buFont typeface="Arial" panose="020B0604020202020204" pitchFamily="34" charset="0"/>
+              <a:buChar char="•"/>
+            </a:pPr>
+            <a:r>
+              <a:rPr lang="ru-RU" dirty="0"/>
+              <a:t>Реализовано две версии алгоритма: </a:t>
+            </a:r>
+          </a:p>
+          <a:p>
+            <a:pPr marL="800100" lvl="1" indent="-342900">
+              <a:buFont typeface="+mj-lt"/>
+              <a:buAutoNum type="arabicPeriod"/>
+            </a:pPr>
+            <a:r>
+              <a:rPr lang="ru-RU" dirty="0"/>
+              <a:t>Классический метод ветвей и границ </a:t>
+            </a:r>
+          </a:p>
+          <a:p>
+            <a:pPr marL="800100" lvl="1" indent="-342900">
+              <a:buFont typeface="+mj-lt"/>
+              <a:buAutoNum type="arabicPeriod"/>
+            </a:pPr>
+            <a:r>
+              <a:rPr lang="ru-RU" dirty="0"/>
+              <a:t>Динамическое программирование, схема </a:t>
+            </a:r>
+            <a:r>
+              <a:rPr lang="ru-RU" dirty="0" err="1"/>
+              <a:t>Хелда</a:t>
+            </a:r>
+            <a:r>
+              <a:rPr lang="ru-RU" dirty="0"/>
+              <a:t> и Карпа, демонстрирующее лучшую производительность, в том числе за счёт параллельных вычислений</a:t>
+            </a:r>
+            <a:endParaRPr lang="en-US" dirty="0"/>
+          </a:p>
+          <a:p>
+            <a:pPr marL="285750" indent="-285750">
+              <a:buFont typeface="Arial" panose="020B0604020202020204" pitchFamily="34" charset="0"/>
+              <a:buChar char="•"/>
+            </a:pPr>
+            <a:r>
+              <a:rPr lang="ru-RU" dirty="0"/>
+              <a:t>Реализация </a:t>
+            </a:r>
+            <a:r>
+              <a:rPr lang="ru-RU" dirty="0" err="1"/>
+              <a:t>кросплатформенна</a:t>
+            </a:r>
+            <a:r>
+              <a:rPr lang="ru-RU" dirty="0"/>
+              <a:t> за счет использования языка </a:t>
+            </a:r>
+            <a:r>
+              <a:rPr lang="en-US" dirty="0"/>
+              <a:t>Python 3</a:t>
+            </a:r>
+          </a:p>
+          <a:p>
+            <a:pPr marL="285750" indent="-285750">
+              <a:buFont typeface="Arial" panose="020B0604020202020204" pitchFamily="34" charset="0"/>
+              <a:buChar char="•"/>
+            </a:pPr>
+            <a:r>
+              <a:rPr lang="ru-RU" dirty="0"/>
+              <a:t>Для оценки производительности алгоритмов проведены численные эксперименты, в которых для сравнения использовался передовой коммерческий </a:t>
+            </a:r>
+            <a:r>
+              <a:rPr lang="ru-RU" dirty="0" err="1"/>
+              <a:t>солвер</a:t>
+            </a:r>
+            <a:r>
+              <a:rPr lang="ru-RU" dirty="0"/>
+              <a:t> </a:t>
+            </a:r>
+            <a:r>
+              <a:rPr lang="ru-RU" dirty="0" err="1"/>
+              <a:t>Gurobi</a:t>
+            </a:r>
+            <a:r>
+              <a:rPr lang="ru-RU" dirty="0"/>
+              <a:t>, и которые продемонстрировали конкурентоспособность предложенных алгоритмов</a:t>
+            </a:r>
+          </a:p>
+          <a:p>
+            <a:endParaRPr lang="ru-RU" dirty="0"/>
+          </a:p>
+          <a:p>
+            <a:pPr algn="ctr"/>
+            <a:r>
+              <a:rPr lang="ru-RU" b="1" dirty="0"/>
+              <a:t>Направление дальнейших исследований</a:t>
+            </a:r>
+            <a:endParaRPr lang="ru-RU" dirty="0"/>
+          </a:p>
+          <a:p>
+            <a:pPr marL="285750" indent="-285750">
+              <a:buFont typeface="Arial" panose="020B0604020202020204" pitchFamily="34" charset="0"/>
+              <a:buChar char="•"/>
+            </a:pPr>
+            <a:r>
+              <a:rPr lang="ru-RU" dirty="0"/>
+              <a:t>Разработка более точных нижних оценок</a:t>
+            </a:r>
+          </a:p>
+          <a:p>
+            <a:pPr marL="285750" indent="-285750">
+              <a:buFont typeface="Arial" panose="020B0604020202020204" pitchFamily="34" charset="0"/>
+              <a:buChar char="•"/>
+            </a:pPr>
+            <a:r>
+              <a:rPr lang="ru-RU" dirty="0"/>
+              <a:t>Оптимизация и распараллеливание</a:t>
+            </a:r>
+          </a:p>
+          <a:p>
+            <a:pPr marL="285750" indent="-285750">
+              <a:buFont typeface="Arial" panose="020B0604020202020204" pitchFamily="34" charset="0"/>
+              <a:buChar char="•"/>
+            </a:pPr>
+            <a:r>
+              <a:rPr lang="ru-RU" dirty="0"/>
+              <a:t>Интеграция с системой автоматизированного проектирования СИРИУС, предназначенной для оптимизации раскроя листового материала на фигурные заготовки и подготовки управляющих программ для машин листовой резки с ЧПУ</a:t>
+            </a:r>
+          </a:p>
+        </p:txBody>
+      </p:sp>
+    </p:spTree>
+    <p:extLst>
+      <p:ext uri="{BB962C8B-B14F-4D97-AF65-F5344CB8AC3E}">
+        <p14:creationId xmlns:p14="http://schemas.microsoft.com/office/powerpoint/2010/main" val="4035784199"/>
       </p:ext>
     </p:extLst>
   </p:cSld>

--- a/article/pcgtsp.pptx
+++ b/article/pcgtsp.pptx
@@ -23207,7 +23207,7 @@
             </a:pPr>
             <a:r>
               <a:rPr lang="ru-RU" dirty="0"/>
-              <a:t>Динамическое программирование, схема </a:t>
+              <a:t>Динамическое программирование (схема </a:t>
             </a:r>
             <a:r>
               <a:rPr lang="ru-RU" dirty="0" err="1"/>
@@ -23215,7 +23215,15 @@
             </a:r>
             <a:r>
               <a:rPr lang="ru-RU" dirty="0"/>
-              <a:t> и Карпа, демонстрирующее лучшую производительность, в том числе за счёт параллельных вычислений</a:t>
+              <a:t> </a:t>
+            </a:r>
+            <a:r>
+              <a:rPr lang="ru-RU"/>
+              <a:t>и Карпа) </a:t>
+            </a:r>
+            <a:r>
+              <a:rPr lang="ru-RU" dirty="0"/>
+              <a:t>демонстрирующее лучшую производительность, в том числе за счёт параллельных вычислений</a:t>
             </a:r>
             <a:endParaRPr lang="en-US" dirty="0"/>
           </a:p>
@@ -23381,8 +23389,8 @@
           </a:p>
         </p:txBody>
       </p:sp>
-      <mc:AlternateContent xmlns:mc="http://schemas.openxmlformats.org/markup-compatibility/2006" xmlns:a14="http://schemas.microsoft.com/office/drawing/2010/main">
-        <mc:Choice Requires="a14">
+      <mc:AlternateContent xmlns:mc="http://schemas.openxmlformats.org/markup-compatibility/2006">
+        <mc:Choice xmlns:a14="http://schemas.microsoft.com/office/drawing/2010/main" Requires="a14">
           <p:sp>
             <p:nvSpPr>
               <p:cNvPr id="5" name="TextBox 4">
@@ -23397,8 +23405,8 @@
             </p:nvSpPr>
             <p:spPr>
               <a:xfrm>
-                <a:off x="864066" y="872455"/>
-                <a:ext cx="8438016" cy="2585644"/>
+                <a:off x="474767" y="892604"/>
+                <a:ext cx="11148821" cy="2169889"/>
               </a:xfrm>
               <a:prstGeom prst="rect">
                 <a:avLst/>
@@ -23412,13 +23420,13 @@
               <a:lstStyle/>
               <a:p>
                 <a:r>
-                  <a:rPr lang="ru-RU" sz="2400" dirty="0"/>
+                  <a:rPr lang="ru-RU" sz="2000" dirty="0"/>
                   <a:t>Допустимый </a:t>
                 </a:r>
                 <a14:m>
                   <m:oMath xmlns:m="http://schemas.openxmlformats.org/officeDocument/2006/math">
                     <m:r>
-                      <a:rPr lang="ru-RU" sz="2400" i="1" smtClean="0">
+                      <a:rPr lang="ru-RU" sz="2000" i="1" smtClean="0">
                         <a:effectLst/>
                         <a:latin typeface="Cambria Math" panose="02040503050406030204" pitchFamily="18" charset="0"/>
                         <a:ea typeface="Times New Roman" panose="02020603050405020304" pitchFamily="18" charset="0"/>
@@ -23429,24 +23437,24 @@
                   </m:oMath>
                 </a14:m>
                 <a:r>
-                  <a:rPr lang="ru-RU" sz="2400" dirty="0"/>
+                  <a:rPr lang="ru-RU" sz="2000" dirty="0"/>
                   <a:t>-тур</a:t>
                 </a:r>
                 <a:r>
-                  <a:rPr lang="en-US" sz="2400" dirty="0"/>
+                  <a:rPr lang="en-US" sz="2000" dirty="0"/>
                   <a:t> </a:t>
                 </a:r>
                 <a14:m>
                   <m:oMath xmlns:m="http://schemas.openxmlformats.org/officeDocument/2006/math">
                     <m:r>
-                      <a:rPr lang="ru-RU" sz="2400" i="1">
+                      <a:rPr lang="ru-RU" sz="2000" i="1">
                         <a:latin typeface="Cambria Math" panose="02040503050406030204" pitchFamily="18" charset="0"/>
                       </a:rPr>
                       <m:t>𝑇</m:t>
                     </m:r>
                   </m:oMath>
                 </a14:m>
-                <a:endParaRPr lang="en-US" sz="2400" dirty="0">
+                <a:endParaRPr lang="en-US" sz="2000" dirty="0">
                   <a:effectLst/>
                   <a:latin typeface="Cambria Math" panose="02040503050406030204" pitchFamily="18" charset="0"/>
                   <a:ea typeface="Times New Roman" panose="02020603050405020304" pitchFamily="18" charset="0"/>
@@ -23461,7 +23469,7 @@
                 <a14:m>
                   <m:oMath xmlns:m="http://schemas.openxmlformats.org/officeDocument/2006/math">
                     <m:r>
-                      <a:rPr lang="ru-RU" sz="2400" smtClean="0">
+                      <a:rPr lang="ru-RU" sz="2000" smtClean="0">
                         <a:effectLst/>
                         <a:latin typeface="Cambria Math" panose="02040503050406030204" pitchFamily="18" charset="0"/>
                         <a:ea typeface="Times New Roman" panose="02020603050405020304" pitchFamily="18" charset="0"/>
@@ -23470,7 +23478,7 @@
                       <m:t>∣</m:t>
                     </m:r>
                     <m:r>
-                      <a:rPr lang="ru-RU" sz="2400" i="1">
+                      <a:rPr lang="ru-RU" sz="2000" i="1">
                         <a:effectLst/>
                         <a:latin typeface="Cambria Math" panose="02040503050406030204" pitchFamily="18" charset="0"/>
                         <a:ea typeface="Times New Roman" panose="02020603050405020304" pitchFamily="18" charset="0"/>
@@ -23479,7 +23487,7 @@
                       <m:t>𝑇</m:t>
                     </m:r>
                     <m:r>
-                      <a:rPr lang="ru-RU" sz="2400">
+                      <a:rPr lang="ru-RU" sz="2000">
                         <a:effectLst/>
                         <a:latin typeface="Cambria Math" panose="02040503050406030204" pitchFamily="18" charset="0"/>
                         <a:ea typeface="Times New Roman" panose="02020603050405020304" pitchFamily="18" charset="0"/>
@@ -23488,7 +23496,7 @@
                       <m:t>∣</m:t>
                     </m:r>
                     <m:r>
-                      <a:rPr lang="ru-RU" sz="2400" i="1">
+                      <a:rPr lang="ru-RU" sz="2000" i="1">
                         <a:effectLst/>
                         <a:latin typeface="Cambria Math" panose="02040503050406030204" pitchFamily="18" charset="0"/>
                         <a:ea typeface="Times New Roman" panose="02020603050405020304" pitchFamily="18" charset="0"/>
@@ -23497,7 +23505,7 @@
                       <m:t>=</m:t>
                     </m:r>
                     <m:r>
-                      <a:rPr lang="ru-RU" sz="2400" i="1">
+                      <a:rPr lang="ru-RU" sz="2000" i="1">
                         <a:effectLst/>
                         <a:latin typeface="Cambria Math" panose="02040503050406030204" pitchFamily="18" charset="0"/>
                         <a:ea typeface="Times New Roman" panose="02020603050405020304" pitchFamily="18" charset="0"/>
@@ -23508,7 +23516,7 @@
                   </m:oMath>
                 </a14:m>
                 <a:r>
-                  <a:rPr lang="en-US" sz="2400" dirty="0">
+                  <a:rPr lang="en-US" sz="2000" dirty="0">
                     <a:effectLst/>
                     <a:latin typeface="Calibri" panose="020F0502020204030204" pitchFamily="34" charset="0"/>
                     <a:ea typeface="Calibri" panose="020F0502020204030204" pitchFamily="34" charset="0"/>
@@ -23517,7 +23525,7 @@
                   <a:t> – </a:t>
                 </a:r>
                 <a:r>
-                  <a:rPr lang="ru-RU" sz="2400" dirty="0">
+                  <a:rPr lang="ru-RU" sz="2000" dirty="0">
                     <a:effectLst/>
                     <a:latin typeface="Calibri" panose="020F0502020204030204" pitchFamily="34" charset="0"/>
                     <a:ea typeface="Calibri" panose="020F0502020204030204" pitchFamily="34" charset="0"/>
@@ -23534,7 +23542,7 @@
                 <a14:m>
                   <m:oMath xmlns:m="http://schemas.openxmlformats.org/officeDocument/2006/math">
                     <m:r>
-                      <a:rPr lang="ru-RU" sz="2400" smtClean="0">
+                      <a:rPr lang="ru-RU" sz="2000" smtClean="0">
                         <a:effectLst/>
                         <a:latin typeface="Cambria Math" panose="02040503050406030204" pitchFamily="18" charset="0"/>
                         <a:ea typeface="Times New Roman" panose="02020603050405020304" pitchFamily="18" charset="0"/>
@@ -23543,7 +23551,7 @@
                       <m:t>∣</m:t>
                     </m:r>
                     <m:r>
-                      <a:rPr lang="ru-RU" sz="2400" i="1">
+                      <a:rPr lang="ru-RU" sz="2000" i="1">
                         <a:effectLst/>
                         <a:latin typeface="Cambria Math" panose="02040503050406030204" pitchFamily="18" charset="0"/>
                         <a:ea typeface="Times New Roman" panose="02020603050405020304" pitchFamily="18" charset="0"/>
@@ -23552,7 +23560,7 @@
                       <m:t>𝑇</m:t>
                     </m:r>
                     <m:r>
-                      <a:rPr lang="ru-RU" sz="2400">
+                      <a:rPr lang="ru-RU" sz="2000">
                         <a:effectLst/>
                         <a:latin typeface="Cambria Math" panose="02040503050406030204" pitchFamily="18" charset="0"/>
                         <a:ea typeface="Times New Roman" panose="02020603050405020304" pitchFamily="18" charset="0"/>
@@ -23561,7 +23569,7 @@
                       <m:t>∣</m:t>
                     </m:r>
                     <m:r>
-                      <a:rPr lang="ru-RU" sz="2400" i="1">
+                      <a:rPr lang="ru-RU" sz="2000" i="1">
                         <a:effectLst/>
                         <a:latin typeface="Cambria Math" panose="02040503050406030204" pitchFamily="18" charset="0"/>
                         <a:ea typeface="Times New Roman" panose="02020603050405020304" pitchFamily="18" charset="0"/>
@@ -23572,7 +23580,7 @@
                     <m:sSub>
                       <m:sSubPr>
                         <m:ctrlPr>
-                          <a:rPr lang="ru-RU" sz="2400" i="1">
+                          <a:rPr lang="ru-RU" sz="2000" i="1">
                             <a:effectLst/>
                             <a:latin typeface="Cambria Math" panose="02040503050406030204" pitchFamily="18" charset="0"/>
                             <a:ea typeface="Times New Roman" panose="02020603050405020304" pitchFamily="18" charset="0"/>
@@ -23582,7 +23590,7 @@
                       </m:sSubPr>
                       <m:e>
                         <m:r>
-                          <a:rPr lang="ru-RU" sz="2400" i="1">
+                          <a:rPr lang="ru-RU" sz="2000" i="1">
                             <a:effectLst/>
                             <a:latin typeface="Cambria Math" panose="02040503050406030204" pitchFamily="18" charset="0"/>
                             <a:ea typeface="Times New Roman" panose="02020603050405020304" pitchFamily="18" charset="0"/>
@@ -23595,7 +23603,7 @@
                         <m:sSub>
                           <m:sSubPr>
                             <m:ctrlPr>
-                              <a:rPr lang="ru-RU" sz="2400" i="1">
+                              <a:rPr lang="ru-RU" sz="2000" i="1">
                                 <a:effectLst/>
                                 <a:latin typeface="Cambria Math" panose="02040503050406030204" pitchFamily="18" charset="0"/>
                                 <a:ea typeface="Times New Roman" panose="02020603050405020304" pitchFamily="18" charset="0"/>
@@ -23605,7 +23613,7 @@
                           </m:sSubPr>
                           <m:e>
                             <m:r>
-                              <a:rPr lang="ru-RU" sz="2400" i="1">
+                              <a:rPr lang="ru-RU" sz="2000" i="1">
                                 <a:effectLst/>
                                 <a:latin typeface="Cambria Math" panose="02040503050406030204" pitchFamily="18" charset="0"/>
                                 <a:ea typeface="Times New Roman" panose="02020603050405020304" pitchFamily="18" charset="0"/>
@@ -23616,7 +23624,7 @@
                           </m:e>
                           <m:sub>
                             <m:r>
-                              <a:rPr lang="ru-RU" sz="2400" i="1">
+                              <a:rPr lang="ru-RU" sz="2000" i="1">
                                 <a:effectLst/>
                                 <a:latin typeface="Cambria Math" panose="02040503050406030204" pitchFamily="18" charset="0"/>
                                 <a:ea typeface="Times New Roman" panose="02020603050405020304" pitchFamily="18" charset="0"/>
@@ -23629,7 +23637,7 @@
                       </m:sub>
                     </m:sSub>
                     <m:r>
-                      <a:rPr lang="ru-RU" sz="2400" i="1">
+                      <a:rPr lang="ru-RU" sz="2000" i="1">
                         <a:effectLst/>
                         <a:latin typeface="Cambria Math" panose="02040503050406030204" pitchFamily="18" charset="0"/>
                         <a:ea typeface="Times New Roman" panose="02020603050405020304" pitchFamily="18" charset="0"/>
@@ -23640,7 +23648,7 @@
                     <m:sSub>
                       <m:sSubPr>
                         <m:ctrlPr>
-                          <a:rPr lang="ru-RU" sz="2400" i="1">
+                          <a:rPr lang="ru-RU" sz="2000" i="1">
                             <a:effectLst/>
                             <a:latin typeface="Cambria Math" panose="02040503050406030204" pitchFamily="18" charset="0"/>
                             <a:ea typeface="Times New Roman" panose="02020603050405020304" pitchFamily="18" charset="0"/>
@@ -23650,7 +23658,7 @@
                       </m:sSubPr>
                       <m:e>
                         <m:r>
-                          <a:rPr lang="ru-RU" sz="2400" i="1">
+                          <a:rPr lang="ru-RU" sz="2000" i="1">
                             <a:effectLst/>
                             <a:latin typeface="Cambria Math" panose="02040503050406030204" pitchFamily="18" charset="0"/>
                             <a:ea typeface="Times New Roman" panose="02020603050405020304" pitchFamily="18" charset="0"/>
@@ -23663,7 +23671,7 @@
                         <m:sSub>
                           <m:sSubPr>
                             <m:ctrlPr>
-                              <a:rPr lang="ru-RU" sz="2400" i="1">
+                              <a:rPr lang="ru-RU" sz="2000" i="1">
                                 <a:effectLst/>
                                 <a:latin typeface="Cambria Math" panose="02040503050406030204" pitchFamily="18" charset="0"/>
                                 <a:ea typeface="Times New Roman" panose="02020603050405020304" pitchFamily="18" charset="0"/>
@@ -23673,7 +23681,7 @@
                           </m:sSubPr>
                           <m:e>
                             <m:r>
-                              <a:rPr lang="ru-RU" sz="2400" i="1">
+                              <a:rPr lang="ru-RU" sz="2000" i="1">
                                 <a:effectLst/>
                                 <a:latin typeface="Cambria Math" panose="02040503050406030204" pitchFamily="18" charset="0"/>
                                 <a:ea typeface="Times New Roman" panose="02020603050405020304" pitchFamily="18" charset="0"/>
@@ -23684,7 +23692,7 @@
                           </m:e>
                           <m:sub>
                             <m:r>
-                              <a:rPr lang="ru-RU" sz="2400" i="1">
+                              <a:rPr lang="ru-RU" sz="2000" i="1">
                                 <a:effectLst/>
                                 <a:latin typeface="Cambria Math" panose="02040503050406030204" pitchFamily="18" charset="0"/>
                                 <a:ea typeface="Times New Roman" panose="02020603050405020304" pitchFamily="18" charset="0"/>
@@ -23697,7 +23705,7 @@
                       </m:sub>
                     </m:sSub>
                     <m:r>
-                      <a:rPr lang="ru-RU" sz="2400" i="1">
+                      <a:rPr lang="ru-RU" sz="2000" i="1">
                         <a:effectLst/>
                         <a:latin typeface="Cambria Math" panose="02040503050406030204" pitchFamily="18" charset="0"/>
                         <a:ea typeface="Times New Roman" panose="02020603050405020304" pitchFamily="18" charset="0"/>
@@ -23708,7 +23716,7 @@
                     <m:sSub>
                       <m:sSubPr>
                         <m:ctrlPr>
-                          <a:rPr lang="ru-RU" sz="2400" i="1">
+                          <a:rPr lang="ru-RU" sz="2000" i="1">
                             <a:effectLst/>
                             <a:latin typeface="Cambria Math" panose="02040503050406030204" pitchFamily="18" charset="0"/>
                             <a:ea typeface="Times New Roman" panose="02020603050405020304" pitchFamily="18" charset="0"/>
@@ -23718,7 +23726,7 @@
                       </m:sSubPr>
                       <m:e>
                         <m:r>
-                          <a:rPr lang="ru-RU" sz="2400" i="1">
+                          <a:rPr lang="ru-RU" sz="2000" i="1">
                             <a:effectLst/>
                             <a:latin typeface="Cambria Math" panose="02040503050406030204" pitchFamily="18" charset="0"/>
                             <a:ea typeface="Times New Roman" panose="02020603050405020304" pitchFamily="18" charset="0"/>
@@ -23731,7 +23739,7 @@
                         <m:sSub>
                           <m:sSubPr>
                             <m:ctrlPr>
-                              <a:rPr lang="ru-RU" sz="2400" i="1">
+                              <a:rPr lang="ru-RU" sz="2000" i="1">
                                 <a:effectLst/>
                                 <a:latin typeface="Cambria Math" panose="02040503050406030204" pitchFamily="18" charset="0"/>
                                 <a:ea typeface="Times New Roman" panose="02020603050405020304" pitchFamily="18" charset="0"/>
@@ -23741,7 +23749,7 @@
                           </m:sSubPr>
                           <m:e>
                             <m:r>
-                              <a:rPr lang="ru-RU" sz="2400" i="1">
+                              <a:rPr lang="ru-RU" sz="2000" i="1">
                                 <a:effectLst/>
                                 <a:latin typeface="Cambria Math" panose="02040503050406030204" pitchFamily="18" charset="0"/>
                                 <a:ea typeface="Times New Roman" panose="02020603050405020304" pitchFamily="18" charset="0"/>
@@ -23752,7 +23760,7 @@
                           </m:e>
                           <m:sub>
                             <m:r>
-                              <a:rPr lang="ru-RU" sz="2400" i="1">
+                              <a:rPr lang="ru-RU" sz="2000" i="1">
                                 <a:effectLst/>
                                 <a:latin typeface="Cambria Math" panose="02040503050406030204" pitchFamily="18" charset="0"/>
                                 <a:ea typeface="Times New Roman" panose="02020603050405020304" pitchFamily="18" charset="0"/>
@@ -23765,7 +23773,7 @@
                       </m:sub>
                     </m:sSub>
                     <m:r>
-                      <a:rPr lang="en-US" sz="2400" b="0" i="1" smtClean="0">
+                      <a:rPr lang="en-US" sz="2000" b="0" i="1" smtClean="0">
                         <a:effectLst/>
                         <a:latin typeface="Cambria Math" panose="02040503050406030204" pitchFamily="18" charset="0"/>
                         <a:ea typeface="Times New Roman" panose="02020603050405020304" pitchFamily="18" charset="0"/>
@@ -23776,7 +23784,7 @@
                     <m:sSub>
                       <m:sSubPr>
                         <m:ctrlPr>
-                          <a:rPr lang="ru-RU" sz="2400" i="1">
+                          <a:rPr lang="ru-RU" sz="2000" i="1">
                             <a:latin typeface="Cambria Math" panose="02040503050406030204" pitchFamily="18" charset="0"/>
                             <a:ea typeface="Times New Roman" panose="02020603050405020304" pitchFamily="18" charset="0"/>
                             <a:cs typeface="Times New Roman" panose="02020603050405020304" pitchFamily="18" charset="0"/>
@@ -23785,7 +23793,7 @@
                       </m:sSubPr>
                       <m:e>
                         <m:r>
-                          <a:rPr lang="ru-RU" sz="2400" i="1">
+                          <a:rPr lang="ru-RU" sz="2000" i="1">
                             <a:latin typeface="Cambria Math" panose="02040503050406030204" pitchFamily="18" charset="0"/>
                             <a:ea typeface="Times New Roman" panose="02020603050405020304" pitchFamily="18" charset="0"/>
                             <a:cs typeface="Times New Roman" panose="02020603050405020304" pitchFamily="18" charset="0"/>
@@ -23797,7 +23805,7 @@
                         <m:sSub>
                           <m:sSubPr>
                             <m:ctrlPr>
-                              <a:rPr lang="ru-RU" sz="2400" i="1">
+                              <a:rPr lang="ru-RU" sz="2000" i="1">
                                 <a:latin typeface="Cambria Math" panose="02040503050406030204" pitchFamily="18" charset="0"/>
                                 <a:ea typeface="Times New Roman" panose="02020603050405020304" pitchFamily="18" charset="0"/>
                                 <a:cs typeface="Times New Roman" panose="02020603050405020304" pitchFamily="18" charset="0"/>
@@ -23806,7 +23814,7 @@
                           </m:sSubPr>
                           <m:e>
                             <m:r>
-                              <a:rPr lang="ru-RU" sz="2400" i="1">
+                              <a:rPr lang="ru-RU" sz="2000" i="1">
                                 <a:latin typeface="Cambria Math" panose="02040503050406030204" pitchFamily="18" charset="0"/>
                                 <a:ea typeface="Times New Roman" panose="02020603050405020304" pitchFamily="18" charset="0"/>
                                 <a:cs typeface="Times New Roman" panose="02020603050405020304" pitchFamily="18" charset="0"/>
@@ -23816,7 +23824,7 @@
                           </m:e>
                           <m:sub>
                             <m:r>
-                              <a:rPr lang="ru-RU" sz="2400" i="1">
+                              <a:rPr lang="ru-RU" sz="2000" i="1">
                                 <a:latin typeface="Cambria Math" panose="02040503050406030204" pitchFamily="18" charset="0"/>
                                 <a:ea typeface="Times New Roman" panose="02020603050405020304" pitchFamily="18" charset="0"/>
                                 <a:cs typeface="Times New Roman" panose="02020603050405020304" pitchFamily="18" charset="0"/>
@@ -23828,7 +23836,7 @@
                       </m:sub>
                     </m:sSub>
                     <m:r>
-                      <a:rPr lang="ru-RU" sz="2400" i="1">
+                      <a:rPr lang="ru-RU" sz="2000" i="1">
                         <a:effectLst/>
                         <a:latin typeface="Cambria Math" panose="02040503050406030204" pitchFamily="18" charset="0"/>
                         <a:ea typeface="Times New Roman" panose="02020603050405020304" pitchFamily="18" charset="0"/>
@@ -23839,7 +23847,7 @@
                   </m:oMath>
                 </a14:m>
                 <a:r>
-                  <a:rPr lang="en-US" sz="2400" dirty="0">
+                  <a:rPr lang="en-US" sz="2000" dirty="0">
                     <a:effectLst/>
                     <a:latin typeface="Calibri" panose="020F0502020204030204" pitchFamily="34" charset="0"/>
                     <a:ea typeface="Calibri" panose="020F0502020204030204" pitchFamily="34" charset="0"/>
@@ -23848,14 +23856,14 @@
                   <a:t> </a:t>
                 </a:r>
                 <a:r>
-                  <a:rPr lang="ru-RU" sz="2400" dirty="0">
+                  <a:rPr lang="ru-RU" sz="2000" dirty="0">
                     <a:latin typeface="Calibri" panose="020F0502020204030204" pitchFamily="34" charset="0"/>
                     <a:ea typeface="Calibri" panose="020F0502020204030204" pitchFamily="34" charset="0"/>
                     <a:cs typeface="Times New Roman" panose="02020603050405020304" pitchFamily="18" charset="0"/>
                   </a:rPr>
                   <a:t>– замкнут</a:t>
                 </a:r>
-                <a:endParaRPr lang="ru-RU" sz="2400" dirty="0">
+                <a:endParaRPr lang="ru-RU" sz="2000" dirty="0">
                   <a:effectLst/>
                   <a:latin typeface="Calibri" panose="020F0502020204030204" pitchFamily="34" charset="0"/>
                   <a:ea typeface="Calibri" panose="020F0502020204030204" pitchFamily="34" charset="0"/>
@@ -23870,7 +23878,7 @@
                 <a14:m>
                   <m:oMath xmlns:m="http://schemas.openxmlformats.org/officeDocument/2006/math">
                     <m:r>
-                      <a:rPr lang="ru-RU" sz="2400" i="1" smtClean="0">
+                      <a:rPr lang="ru-RU" sz="2000" i="1" smtClean="0">
                         <a:effectLst/>
                         <a:latin typeface="Cambria Math" panose="02040503050406030204" pitchFamily="18" charset="0"/>
                         <a:ea typeface="Times New Roman" panose="02020603050405020304" pitchFamily="18" charset="0"/>
@@ -23879,7 +23887,7 @@
                       <m:t>𝑉</m:t>
                     </m:r>
                     <m:r>
-                      <a:rPr lang="ru-RU" sz="2400" i="1" smtClean="0">
+                      <a:rPr lang="ru-RU" sz="2000" i="1" smtClean="0">
                         <a:effectLst/>
                         <a:latin typeface="Cambria Math" panose="02040503050406030204" pitchFamily="18" charset="0"/>
                         <a:ea typeface="Times New Roman" panose="02020603050405020304" pitchFamily="18" charset="0"/>
@@ -23890,7 +23898,7 @@
                     <m:sSub>
                       <m:sSubPr>
                         <m:ctrlPr>
-                          <a:rPr lang="ru-RU" sz="2400" i="1" smtClean="0">
+                          <a:rPr lang="ru-RU" sz="2000" i="1" smtClean="0">
                             <a:effectLst/>
                             <a:latin typeface="Cambria Math" panose="02040503050406030204" pitchFamily="18" charset="0"/>
                             <a:ea typeface="Times New Roman" panose="02020603050405020304" pitchFamily="18" charset="0"/>
@@ -23900,7 +23908,7 @@
                       </m:sSubPr>
                       <m:e>
                         <m:r>
-                          <a:rPr lang="ru-RU" sz="2400" i="1">
+                          <a:rPr lang="ru-RU" sz="2000" i="1">
                             <a:effectLst/>
                             <a:latin typeface="Cambria Math" panose="02040503050406030204" pitchFamily="18" charset="0"/>
                             <a:ea typeface="Times New Roman" panose="02020603050405020304" pitchFamily="18" charset="0"/>
@@ -23913,7 +23921,7 @@
                         <m:sSub>
                           <m:sSubPr>
                             <m:ctrlPr>
-                              <a:rPr lang="ru-RU" sz="2400" i="1">
+                              <a:rPr lang="ru-RU" sz="2000" i="1">
                                 <a:effectLst/>
                                 <a:latin typeface="Cambria Math" panose="02040503050406030204" pitchFamily="18" charset="0"/>
                                 <a:ea typeface="Times New Roman" panose="02020603050405020304" pitchFamily="18" charset="0"/>
@@ -23923,7 +23931,7 @@
                           </m:sSubPr>
                           <m:e>
                             <m:r>
-                              <a:rPr lang="ru-RU" sz="2400" i="1">
+                              <a:rPr lang="ru-RU" sz="2000" i="1">
                                 <a:effectLst/>
                                 <a:latin typeface="Cambria Math" panose="02040503050406030204" pitchFamily="18" charset="0"/>
                                 <a:ea typeface="Times New Roman" panose="02020603050405020304" pitchFamily="18" charset="0"/>
@@ -23934,7 +23942,7 @@
                           </m:e>
                           <m:sub>
                             <m:r>
-                              <a:rPr lang="ru-RU" sz="2400" i="1">
+                              <a:rPr lang="ru-RU" sz="2000" i="1">
                                 <a:effectLst/>
                                 <a:latin typeface="Cambria Math" panose="02040503050406030204" pitchFamily="18" charset="0"/>
                                 <a:ea typeface="Times New Roman" panose="02020603050405020304" pitchFamily="18" charset="0"/>
@@ -23947,7 +23955,7 @@
                       </m:sub>
                     </m:sSub>
                     <m:r>
-                      <a:rPr lang="ru-RU" sz="2400" i="1">
+                      <a:rPr lang="ru-RU" sz="2000" i="1">
                         <a:effectLst/>
                         <a:latin typeface="Cambria Math" panose="02040503050406030204" pitchFamily="18" charset="0"/>
                         <a:ea typeface="Times New Roman" panose="02020603050405020304" pitchFamily="18" charset="0"/>
@@ -23958,7 +23966,7 @@
                     <m:sSub>
                       <m:sSubPr>
                         <m:ctrlPr>
-                          <a:rPr lang="ru-RU" sz="2400" i="1">
+                          <a:rPr lang="ru-RU" sz="2000" i="1">
                             <a:effectLst/>
                             <a:latin typeface="Cambria Math" panose="02040503050406030204" pitchFamily="18" charset="0"/>
                             <a:ea typeface="Times New Roman" panose="02020603050405020304" pitchFamily="18" charset="0"/>
@@ -23967,7 +23975,7 @@
                       </m:sSubPr>
                       <m:e>
                         <m:r>
-                          <a:rPr lang="ru-RU" sz="2400" i="1">
+                          <a:rPr lang="ru-RU" sz="2000" i="1">
                             <a:effectLst/>
                             <a:latin typeface="Cambria Math" panose="02040503050406030204" pitchFamily="18" charset="0"/>
                             <a:ea typeface="Times New Roman" panose="02020603050405020304" pitchFamily="18" charset="0"/>
@@ -23978,7 +23986,7 @@
                       </m:e>
                       <m:sub>
                         <m:r>
-                          <a:rPr lang="ru-RU" sz="2400" i="1">
+                          <a:rPr lang="ru-RU" sz="2000" i="1">
                             <a:effectLst/>
                             <a:latin typeface="Cambria Math" panose="02040503050406030204" pitchFamily="18" charset="0"/>
                             <a:ea typeface="Times New Roman" panose="02020603050405020304" pitchFamily="18" charset="0"/>
@@ -23991,7 +23999,7 @@
                   </m:oMath>
                 </a14:m>
                 <a:r>
-                  <a:rPr lang="ru-RU" sz="2400" dirty="0"/>
+                  <a:rPr lang="ru-RU" sz="2000" dirty="0"/>
                   <a:t> - начинается и заканчивается в первом кластере</a:t>
                 </a:r>
               </a:p>
@@ -24001,7 +24009,7 @@
                   <a:buChar char="•"/>
                 </a:pPr>
                 <a:r>
-                  <a:rPr lang="ru-RU" sz="2400" dirty="0"/>
+                  <a:rPr lang="ru-RU" sz="2000" dirty="0"/>
                   <a:t>Посещает каждый кластер </a:t>
                 </a:r>
                 <a14:m>
@@ -24009,7 +24017,7 @@
                     <m:sSub>
                       <m:sSubPr>
                         <m:ctrlPr>
-                          <a:rPr lang="ru-RU" sz="2400" i="1" smtClean="0">
+                          <a:rPr lang="ru-RU" sz="2000" i="1" smtClean="0">
                             <a:effectLst/>
                             <a:latin typeface="Cambria Math" panose="02040503050406030204" pitchFamily="18" charset="0"/>
                             <a:cs typeface="Cambria Math" panose="02040503050406030204" pitchFamily="18" charset="0"/>
@@ -24018,7 +24026,7 @@
                       </m:sSubPr>
                       <m:e>
                         <m:r>
-                          <a:rPr lang="en-US" sz="2400" i="1">
+                          <a:rPr lang="en-US" sz="2000" i="1">
                             <a:effectLst/>
                             <a:latin typeface="Cambria Math" panose="02040503050406030204" pitchFamily="18" charset="0"/>
                             <a:ea typeface="Calibri" panose="020F0502020204030204" pitchFamily="34" charset="0"/>
@@ -24029,7 +24037,7 @@
                       </m:e>
                       <m:sub>
                         <m:r>
-                          <a:rPr lang="en-US" sz="2400" i="1">
+                          <a:rPr lang="en-US" sz="2000" i="1">
                             <a:effectLst/>
                             <a:latin typeface="Cambria Math" panose="02040503050406030204" pitchFamily="18" charset="0"/>
                             <a:ea typeface="Calibri" panose="020F0502020204030204" pitchFamily="34" charset="0"/>
@@ -24040,7 +24048,7 @@
                       </m:sub>
                     </m:sSub>
                     <m:r>
-                      <a:rPr lang="ru-RU" sz="2400" i="1">
+                      <a:rPr lang="ru-RU" sz="2000" i="1">
                         <a:effectLst/>
                         <a:latin typeface="Cambria Math" panose="02040503050406030204" pitchFamily="18" charset="0"/>
                         <a:ea typeface="Calibri" panose="020F0502020204030204" pitchFamily="34" charset="0"/>
@@ -24049,7 +24057,7 @@
                       <m:t>∈</m:t>
                     </m:r>
                     <m:r>
-                      <a:rPr lang="en-US" sz="2400" i="1">
+                      <a:rPr lang="en-US" sz="2000" i="1">
                         <a:effectLst/>
                         <a:latin typeface="Cambria Math" panose="02040503050406030204" pitchFamily="18" charset="0"/>
                         <a:ea typeface="Calibri" panose="020F0502020204030204" pitchFamily="34" charset="0"/>
@@ -24060,7 +24068,7 @@
                   </m:oMath>
                 </a14:m>
                 <a:r>
-                  <a:rPr lang="ru-RU" sz="2400" dirty="0"/>
+                  <a:rPr lang="ru-RU" sz="2000" dirty="0"/>
                   <a:t> ровно в одной вершине </a:t>
                 </a:r>
                 <a14:m>
@@ -24068,7 +24076,7 @@
                     <m:sSub>
                       <m:sSubPr>
                         <m:ctrlPr>
-                          <a:rPr lang="ru-RU" sz="2400" i="1" smtClean="0">
+                          <a:rPr lang="ru-RU" sz="2000" i="1" smtClean="0">
                             <a:effectLst/>
                             <a:latin typeface="Cambria Math" panose="02040503050406030204" pitchFamily="18" charset="0"/>
                             <a:ea typeface="Times New Roman" panose="02020603050405020304" pitchFamily="18" charset="0"/>
@@ -24077,7 +24085,7 @@
                       </m:sSubPr>
                       <m:e>
                         <m:r>
-                          <a:rPr lang="ru-RU" sz="2400" i="1">
+                          <a:rPr lang="ru-RU" sz="2000" i="1">
                             <a:latin typeface="Cambria Math" panose="02040503050406030204" pitchFamily="18" charset="0"/>
                             <a:ea typeface="Times New Roman" panose="02020603050405020304" pitchFamily="18" charset="0"/>
                             <a:cs typeface="Times New Roman" panose="02020603050405020304" pitchFamily="18" charset="0"/>
@@ -24087,7 +24095,7 @@
                       </m:e>
                       <m:sub>
                         <m:r>
-                          <a:rPr lang="en-US" sz="2400" b="0" i="1" smtClean="0">
+                          <a:rPr lang="en-US" sz="2000" b="0" i="1" smtClean="0">
                             <a:latin typeface="Cambria Math" panose="02040503050406030204" pitchFamily="18" charset="0"/>
                             <a:ea typeface="Times New Roman" panose="02020603050405020304" pitchFamily="18" charset="0"/>
                             <a:cs typeface="Times New Roman" panose="02020603050405020304" pitchFamily="18" charset="0"/>
@@ -24096,9 +24104,47 @@
                         </m:r>
                       </m:sub>
                     </m:sSub>
+                    <m:r>
+                      <a:rPr lang="ru-RU" sz="2000" i="1">
+                        <a:latin typeface="Cambria Math" panose="02040503050406030204" pitchFamily="18" charset="0"/>
+                        <a:ea typeface="Calibri" panose="020F0502020204030204" pitchFamily="34" charset="0"/>
+                        <a:cs typeface="Cambria Math" panose="02040503050406030204" pitchFamily="18" charset="0"/>
+                      </a:rPr>
+                      <m:t>∈</m:t>
+                    </m:r>
+                    <m:sSub>
+                      <m:sSubPr>
+                        <m:ctrlPr>
+                          <a:rPr lang="ru-RU" sz="2000" i="1">
+                            <a:latin typeface="Cambria Math" panose="02040503050406030204" pitchFamily="18" charset="0"/>
+                            <a:cs typeface="Cambria Math" panose="02040503050406030204" pitchFamily="18" charset="0"/>
+                          </a:rPr>
+                        </m:ctrlPr>
+                      </m:sSubPr>
+                      <m:e>
+                        <m:r>
+                          <a:rPr lang="en-US" sz="2000" i="1">
+                            <a:latin typeface="Cambria Math" panose="02040503050406030204" pitchFamily="18" charset="0"/>
+                            <a:ea typeface="Calibri" panose="020F0502020204030204" pitchFamily="34" charset="0"/>
+                            <a:cs typeface="Cambria Math" panose="02040503050406030204" pitchFamily="18" charset="0"/>
+                          </a:rPr>
+                          <m:t>𝑉</m:t>
+                        </m:r>
+                      </m:e>
+                      <m:sub>
+                        <m:r>
+                          <a:rPr lang="en-US" sz="2000" i="1">
+                            <a:latin typeface="Cambria Math" panose="02040503050406030204" pitchFamily="18" charset="0"/>
+                            <a:ea typeface="Calibri" panose="020F0502020204030204" pitchFamily="34" charset="0"/>
+                            <a:cs typeface="Cambria Math" panose="02040503050406030204" pitchFamily="18" charset="0"/>
+                          </a:rPr>
+                          <m:t>𝑝</m:t>
+                        </m:r>
+                      </m:sub>
+                    </m:sSub>
                   </m:oMath>
                 </a14:m>
-                <a:endParaRPr lang="ru-RU" sz="2400" dirty="0"/>
+                <a:endParaRPr lang="ru-RU" sz="2000" dirty="0"/>
               </a:p>
               <a:p>
                 <a:pPr marL="285750" indent="-285750">
@@ -24106,13 +24152,13 @@
                   <a:buChar char="•"/>
                 </a:pPr>
                 <a:r>
-                  <a:rPr lang="ru-RU" sz="2400" dirty="0"/>
+                  <a:rPr lang="ru-RU" sz="2000" dirty="0"/>
                   <a:t>Каждое ребро </a:t>
                 </a:r>
                 <a14:m>
                   <m:oMath xmlns:m="http://schemas.openxmlformats.org/officeDocument/2006/math">
                     <m:r>
-                      <a:rPr lang="ru-RU" sz="2400" i="1" smtClean="0">
+                      <a:rPr lang="ru-RU" sz="2000" i="1" smtClean="0">
                         <a:effectLst/>
                         <a:latin typeface="Cambria Math" panose="02040503050406030204" pitchFamily="18" charset="0"/>
                         <a:ea typeface="Calibri" panose="020F0502020204030204" pitchFamily="34" charset="0"/>
@@ -24123,7 +24169,7 @@
                     <m:sSub>
                       <m:sSubPr>
                         <m:ctrlPr>
-                          <a:rPr lang="ru-RU" sz="2400" i="1">
+                          <a:rPr lang="ru-RU" sz="2000" i="1">
                             <a:effectLst/>
                             <a:latin typeface="Cambria Math" panose="02040503050406030204" pitchFamily="18" charset="0"/>
                           </a:rPr>
@@ -24131,7 +24177,7 @@
                       </m:sSubPr>
                       <m:e>
                         <m:r>
-                          <a:rPr lang="ru-RU" sz="2400" i="1">
+                          <a:rPr lang="ru-RU" sz="2000" i="1">
                             <a:effectLst/>
                             <a:latin typeface="Cambria Math" panose="02040503050406030204" pitchFamily="18" charset="0"/>
                             <a:ea typeface="Calibri" panose="020F0502020204030204" pitchFamily="34" charset="0"/>
@@ -24142,7 +24188,7 @@
                       </m:e>
                       <m:sub>
                         <m:r>
-                          <a:rPr lang="ru-RU" sz="2400" i="1">
+                          <a:rPr lang="ru-RU" sz="2000" i="1">
                             <a:effectLst/>
                             <a:latin typeface="Cambria Math" panose="02040503050406030204" pitchFamily="18" charset="0"/>
                             <a:ea typeface="Calibri" panose="020F0502020204030204" pitchFamily="34" charset="0"/>
@@ -24153,7 +24199,7 @@
                       </m:sub>
                     </m:sSub>
                     <m:r>
-                      <a:rPr lang="ru-RU" sz="2400" i="1">
+                      <a:rPr lang="ru-RU" sz="2000" i="1">
                         <a:effectLst/>
                         <a:latin typeface="Cambria Math" panose="02040503050406030204" pitchFamily="18" charset="0"/>
                         <a:ea typeface="Calibri" panose="020F0502020204030204" pitchFamily="34" charset="0"/>
@@ -24164,7 +24210,7 @@
                     <m:sSub>
                       <m:sSubPr>
                         <m:ctrlPr>
-                          <a:rPr lang="ru-RU" sz="2400" i="1">
+                          <a:rPr lang="ru-RU" sz="2000" i="1">
                             <a:effectLst/>
                             <a:latin typeface="Cambria Math" panose="02040503050406030204" pitchFamily="18" charset="0"/>
                           </a:rPr>
@@ -24172,7 +24218,7 @@
                       </m:sSubPr>
                       <m:e>
                         <m:r>
-                          <a:rPr lang="ru-RU" sz="2400" i="1">
+                          <a:rPr lang="ru-RU" sz="2000" i="1">
                             <a:effectLst/>
                             <a:latin typeface="Cambria Math" panose="02040503050406030204" pitchFamily="18" charset="0"/>
                             <a:ea typeface="Calibri" panose="020F0502020204030204" pitchFamily="34" charset="0"/>
@@ -24183,7 +24229,7 @@
                       </m:e>
                       <m:sub>
                         <m:r>
-                          <a:rPr lang="ru-RU" sz="2400" i="1">
+                          <a:rPr lang="ru-RU" sz="2000" i="1">
                             <a:effectLst/>
                             <a:latin typeface="Cambria Math" panose="02040503050406030204" pitchFamily="18" charset="0"/>
                             <a:ea typeface="Calibri" panose="020F0502020204030204" pitchFamily="34" charset="0"/>
@@ -24194,7 +24240,7 @@
                       </m:sub>
                     </m:sSub>
                     <m:r>
-                      <a:rPr lang="ru-RU" sz="2400" i="1">
+                      <a:rPr lang="ru-RU" sz="2000" i="1">
                         <a:effectLst/>
                         <a:latin typeface="Cambria Math" panose="02040503050406030204" pitchFamily="18" charset="0"/>
                         <a:ea typeface="Calibri" panose="020F0502020204030204" pitchFamily="34" charset="0"/>
@@ -24205,23 +24251,29 @@
                   </m:oMath>
                 </a14:m>
                 <a:r>
-                  <a:rPr lang="en-US" sz="2400" dirty="0"/>
+                  <a:rPr lang="en-US" sz="2000" dirty="0"/>
                   <a:t> </a:t>
                 </a:r>
                 <a:r>
-                  <a:rPr lang="ru-RU" sz="2400" dirty="0"/>
+                  <a:rPr lang="ru-RU" sz="2000" dirty="0"/>
                   <a:t>в </a:t>
                 </a:r>
                 <a14:m>
                   <m:oMath xmlns:m="http://schemas.openxmlformats.org/officeDocument/2006/math">
                     <m:r>
-                      <a:rPr lang="ru-RU" sz="2400" i="1">
+                      <a:rPr lang="ru-RU" sz="2000" i="1">
                         <a:latin typeface="Cambria Math" panose="02040503050406030204" pitchFamily="18" charset="0"/>
                       </a:rPr>
                       <m:t>𝑇</m:t>
                     </m:r>
                     <m:r>
-                      <a:rPr lang="en-US" sz="2400" b="0" i="0" smtClean="0">
+                      <a:rPr lang="ru-RU" sz="2000" b="0" i="0" smtClean="0">
+                        <a:latin typeface="Cambria Math" panose="02040503050406030204" pitchFamily="18" charset="0"/>
+                      </a:rPr>
+                      <m:t> удовлетворяет ограничениям предшествования</m:t>
+                    </m:r>
+                    <m:r>
+                      <a:rPr lang="en-US" sz="2000" b="0" i="0" smtClean="0">
                         <a:latin typeface="Cambria Math" panose="02040503050406030204" pitchFamily="18" charset="0"/>
                       </a:rPr>
                       <m:t>: </m:t>
@@ -24229,14 +24281,14 @@
                     <m:d>
                       <m:dPr>
                         <m:ctrlPr>
-                          <a:rPr lang="ru-RU" sz="2400" i="1">
+                          <a:rPr lang="ru-RU" sz="2000" i="1">
                             <a:latin typeface="Cambria Math" panose="02040503050406030204" pitchFamily="18" charset="0"/>
                           </a:rPr>
                         </m:ctrlPr>
                       </m:dPr>
                       <m:e>
                         <m:r>
-                          <a:rPr lang="ru-RU" sz="2400" i="1">
+                          <a:rPr lang="ru-RU" sz="2000" i="1">
                             <a:latin typeface="Cambria Math" panose="02040503050406030204" pitchFamily="18" charset="0"/>
                           </a:rPr>
                           <m:t>𝑉</m:t>
@@ -24244,7 +24296,7 @@
                         <m:d>
                           <m:dPr>
                             <m:ctrlPr>
-                              <a:rPr lang="ru-RU" sz="2400" i="1">
+                              <a:rPr lang="ru-RU" sz="2000" i="1">
                                 <a:latin typeface="Cambria Math" panose="02040503050406030204" pitchFamily="18" charset="0"/>
                               </a:rPr>
                             </m:ctrlPr>
@@ -24253,14 +24305,14 @@
                             <m:sSub>
                               <m:sSubPr>
                                 <m:ctrlPr>
-                                  <a:rPr lang="ru-RU" sz="2400" i="1">
+                                  <a:rPr lang="ru-RU" sz="2000" i="1">
                                     <a:latin typeface="Cambria Math" panose="02040503050406030204" pitchFamily="18" charset="0"/>
                                   </a:rPr>
                                 </m:ctrlPr>
                               </m:sSubPr>
                               <m:e>
                                 <m:r>
-                                  <a:rPr lang="ru-RU" sz="2400" i="1">
+                                  <a:rPr lang="ru-RU" sz="2000" i="1">
                                     <a:latin typeface="Cambria Math" panose="02040503050406030204" pitchFamily="18" charset="0"/>
                                   </a:rPr>
                                   <m:t>𝑣</m:t>
@@ -24268,7 +24320,7 @@
                               </m:e>
                               <m:sub>
                                 <m:r>
-                                  <a:rPr lang="ru-RU" sz="2400" i="1">
+                                  <a:rPr lang="ru-RU" sz="2000" i="1">
                                     <a:latin typeface="Cambria Math" panose="02040503050406030204" pitchFamily="18" charset="0"/>
                                   </a:rPr>
                                   <m:t>𝑖</m:t>
@@ -24278,13 +24330,13 @@
                           </m:e>
                         </m:d>
                         <m:r>
-                          <a:rPr lang="ru-RU" sz="2400" i="1">
+                          <a:rPr lang="ru-RU" sz="2000" i="1">
                             <a:latin typeface="Cambria Math" panose="02040503050406030204" pitchFamily="18" charset="0"/>
                           </a:rPr>
                           <m:t>,</m:t>
                         </m:r>
                         <m:r>
-                          <a:rPr lang="ru-RU" sz="2400" i="1">
+                          <a:rPr lang="ru-RU" sz="2000" i="1">
                             <a:latin typeface="Cambria Math" panose="02040503050406030204" pitchFamily="18" charset="0"/>
                           </a:rPr>
                           <m:t>𝑉</m:t>
@@ -24292,7 +24344,7 @@
                         <m:d>
                           <m:dPr>
                             <m:ctrlPr>
-                              <a:rPr lang="ru-RU" sz="2400" i="1">
+                              <a:rPr lang="ru-RU" sz="2000" i="1">
                                 <a:latin typeface="Cambria Math" panose="02040503050406030204" pitchFamily="18" charset="0"/>
                               </a:rPr>
                             </m:ctrlPr>
@@ -24301,14 +24353,14 @@
                             <m:sSub>
                               <m:sSubPr>
                                 <m:ctrlPr>
-                                  <a:rPr lang="ru-RU" sz="2400" i="1">
+                                  <a:rPr lang="ru-RU" sz="2000" i="1">
                                     <a:latin typeface="Cambria Math" panose="02040503050406030204" pitchFamily="18" charset="0"/>
                                   </a:rPr>
                                 </m:ctrlPr>
                               </m:sSubPr>
                               <m:e>
                                 <m:r>
-                                  <a:rPr lang="ru-RU" sz="2400" i="1">
+                                  <a:rPr lang="ru-RU" sz="2000" i="1">
                                     <a:latin typeface="Cambria Math" panose="02040503050406030204" pitchFamily="18" charset="0"/>
                                   </a:rPr>
                                   <m:t>𝑣</m:t>
@@ -24316,7 +24368,7 @@
                               </m:e>
                               <m:sub>
                                 <m:r>
-                                  <a:rPr lang="ru-RU" sz="2400" i="1">
+                                  <a:rPr lang="ru-RU" sz="2000" i="1">
                                     <a:latin typeface="Cambria Math" panose="02040503050406030204" pitchFamily="18" charset="0"/>
                                   </a:rPr>
                                   <m:t>𝑗</m:t>
@@ -24328,25 +24380,25 @@
                       </m:e>
                     </m:d>
                     <m:r>
-                      <a:rPr lang="ru-RU" sz="2400" i="1">
+                      <a:rPr lang="ru-RU" sz="2000" i="1">
                         <a:latin typeface="Cambria Math" panose="02040503050406030204" pitchFamily="18" charset="0"/>
                       </a:rPr>
                       <m:t>∈</m:t>
                     </m:r>
                     <m:r>
-                      <a:rPr lang="ru-RU" sz="2400" i="1">
+                      <a:rPr lang="ru-RU" sz="2000" i="1">
                         <a:latin typeface="Cambria Math" panose="02040503050406030204" pitchFamily="18" charset="0"/>
                       </a:rPr>
                       <m:t>𝐴</m:t>
                     </m:r>
                   </m:oMath>
                 </a14:m>
-                <a:endParaRPr lang="ru-RU" sz="2400" dirty="0"/>
+                <a:endParaRPr lang="ru-RU" sz="2000" dirty="0"/>
               </a:p>
             </p:txBody>
           </p:sp>
         </mc:Choice>
-        <mc:Fallback xmlns="">
+        <mc:Fallback>
           <p:sp>
             <p:nvSpPr>
               <p:cNvPr id="5" name="TextBox 4">
@@ -24363,8 +24415,8 @@
             </p:nvSpPr>
             <p:spPr>
               <a:xfrm>
-                <a:off x="864066" y="872455"/>
-                <a:ext cx="8438016" cy="2585644"/>
+                <a:off x="474767" y="892604"/>
+                <a:ext cx="11148821" cy="2169889"/>
               </a:xfrm>
               <a:prstGeom prst="rect">
                 <a:avLst/>
@@ -24372,7 +24424,7 @@
               <a:blipFill>
                 <a:blip r:embed="rId2"/>
                 <a:stretch>
-                  <a:fillRect l="-1156" t="-1887" b="-1179"/>
+                  <a:fillRect l="-601" t="-1404" b="-843"/>
                 </a:stretch>
               </a:blipFill>
             </p:spPr>
@@ -24944,8 +24996,8 @@
         </p:nvSpPr>
         <p:spPr>
           <a:xfrm>
-            <a:off x="679009" y="1140737"/>
-            <a:ext cx="6319319" cy="1477328"/>
+            <a:off x="443619" y="778598"/>
+            <a:ext cx="7559644" cy="2554545"/>
           </a:xfrm>
           <a:prstGeom prst="rect">
             <a:avLst/>
@@ -24958,20 +25010,42 @@
           </a:bodyPr>
           <a:lstStyle/>
           <a:p>
+            <a:r>
+              <a:rPr lang="ru-RU" sz="2000" dirty="0"/>
+              <a:t>В отличие от обобщенной задачи коммивояжера </a:t>
+            </a:r>
+            <a:r>
+              <a:rPr lang="en-US" sz="2000" dirty="0"/>
+              <a:t>(GTSP)</a:t>
+            </a:r>
+            <a:r>
+              <a:rPr lang="ru-RU" sz="2000" dirty="0"/>
+              <a:t>, которая хорошо исследована, подходы к решению </a:t>
+            </a:r>
+            <a:r>
+              <a:rPr lang="en-US" sz="2000" dirty="0"/>
+              <a:t>PCGTSP </a:t>
+            </a:r>
+            <a:r>
+              <a:rPr lang="ru-RU" sz="2000" dirty="0"/>
+              <a:t>исчерпываются следующими:</a:t>
+            </a:r>
+          </a:p>
+          <a:p>
             <a:pPr marL="342900" indent="-342900">
               <a:buFont typeface="+mj-lt"/>
               <a:buAutoNum type="arabicPeriod"/>
             </a:pPr>
             <a:r>
-              <a:rPr lang="ru-RU" dirty="0"/>
+              <a:rPr lang="ru-RU" sz="2000" dirty="0"/>
               <a:t>Эффективные алгоритмы для специальных ограничений предшествования типа Баласа</a:t>
             </a:r>
             <a:r>
-              <a:rPr lang="ru-RU" baseline="30000" dirty="0"/>
+              <a:rPr lang="ru-RU" sz="2000" baseline="30000" dirty="0"/>
               <a:t>1</a:t>
             </a:r>
             <a:r>
-              <a:rPr lang="ru-RU" dirty="0"/>
+              <a:rPr lang="ru-RU" sz="2000" dirty="0"/>
               <a:t> </a:t>
             </a:r>
           </a:p>
@@ -24981,15 +25055,15 @@
               <a:buAutoNum type="arabicPeriod"/>
             </a:pPr>
             <a:r>
-              <a:rPr lang="ru-RU" dirty="0"/>
+              <a:rPr lang="ru-RU" sz="2000" dirty="0"/>
               <a:t>Общий подход к выводу нижних оценок в методе ветвей и границ</a:t>
             </a:r>
             <a:r>
-              <a:rPr lang="ru-RU" baseline="30000" dirty="0"/>
+              <a:rPr lang="ru-RU" sz="2000" baseline="30000" dirty="0"/>
               <a:t>2</a:t>
             </a:r>
             <a:r>
-              <a:rPr lang="ru-RU" dirty="0"/>
+              <a:rPr lang="ru-RU" sz="2000" dirty="0"/>
               <a:t> </a:t>
             </a:r>
           </a:p>
@@ -24999,27 +25073,27 @@
               <a:buAutoNum type="arabicPeriod"/>
             </a:pPr>
             <a:r>
-              <a:rPr lang="ru-RU" dirty="0" err="1"/>
+              <a:rPr lang="ru-RU" sz="2000" dirty="0" err="1"/>
               <a:t>Метаэвристический</a:t>
             </a:r>
             <a:r>
-              <a:rPr lang="ru-RU" dirty="0"/>
+              <a:rPr lang="ru-RU" sz="2000" dirty="0"/>
               <a:t> </a:t>
             </a:r>
             <a:r>
-              <a:rPr lang="ru-RU" dirty="0" err="1"/>
+              <a:rPr lang="ru-RU" sz="2000" dirty="0" err="1"/>
               <a:t>солвер</a:t>
             </a:r>
             <a:r>
-              <a:rPr lang="ru-RU" dirty="0"/>
+              <a:rPr lang="ru-RU" sz="2000" dirty="0"/>
               <a:t> PCGLNS</a:t>
             </a:r>
             <a:r>
-              <a:rPr lang="ru-RU" baseline="30000" dirty="0"/>
+              <a:rPr lang="ru-RU" sz="2000" baseline="30000" dirty="0"/>
               <a:t>3</a:t>
             </a:r>
             <a:r>
-              <a:rPr lang="ru-RU" dirty="0"/>
+              <a:rPr lang="ru-RU" sz="2000" dirty="0"/>
               <a:t> </a:t>
             </a:r>
           </a:p>
@@ -26057,8 +26131,8 @@
           </p:sp>
         </mc:Fallback>
       </mc:AlternateContent>
-      <mc:AlternateContent xmlns:mc="http://schemas.openxmlformats.org/markup-compatibility/2006" xmlns:a14="http://schemas.microsoft.com/office/drawing/2010/main">
-        <mc:Choice Requires="a14">
+      <mc:AlternateContent xmlns:mc="http://schemas.openxmlformats.org/markup-compatibility/2006">
+        <mc:Choice xmlns:a14="http://schemas.microsoft.com/office/drawing/2010/main" Requires="a14">
           <p:sp>
             <p:nvSpPr>
               <p:cNvPr id="6" name="TextBox 5">
@@ -26074,7 +26148,7 @@
             <p:spPr>
               <a:xfrm>
                 <a:off x="6165908" y="1098958"/>
-                <a:ext cx="5847126" cy="2031325"/>
+                <a:ext cx="5847126" cy="2308324"/>
               </a:xfrm>
               <a:prstGeom prst="rect">
                 <a:avLst/>
@@ -26216,10 +26290,20 @@
                 </a:r>
                 <a:endParaRPr lang="ru-RU" dirty="0"/>
               </a:p>
+              <a:p>
+                <a:pPr marL="285750" indent="-285750">
+                  <a:buFont typeface="Arial" panose="020B0604020202020204" pitchFamily="34" charset="0"/>
+                  <a:buChar char="•"/>
+                </a:pPr>
+                <a:r>
+                  <a:rPr lang="ru-RU" dirty="0"/>
+                  <a:t>Позволяет отсекать 50-90% узлов дерева поиска</a:t>
+                </a:r>
+              </a:p>
             </p:txBody>
           </p:sp>
         </mc:Choice>
-        <mc:Fallback xmlns="">
+        <mc:Fallback>
           <p:sp>
             <p:nvSpPr>
               <p:cNvPr id="6" name="TextBox 5">
@@ -26237,7 +26321,7 @@
             <p:spPr>
               <a:xfrm>
                 <a:off x="6165908" y="1098958"/>
-                <a:ext cx="5847126" cy="2031325"/>
+                <a:ext cx="5847126" cy="2308324"/>
               </a:xfrm>
               <a:prstGeom prst="rect">
                 <a:avLst/>
@@ -26276,8 +26360,8 @@
           </p:sp>
         </mc:Fallback>
       </mc:AlternateContent>
-      <mc:AlternateContent xmlns:mc="http://schemas.openxmlformats.org/markup-compatibility/2006" xmlns:a14="http://schemas.microsoft.com/office/drawing/2010/main">
-        <mc:Choice Requires="a14">
+      <mc:AlternateContent xmlns:mc="http://schemas.openxmlformats.org/markup-compatibility/2006">
+        <mc:Choice xmlns:a14="http://schemas.microsoft.com/office/drawing/2010/main" Requires="a14">
           <p:sp>
             <p:nvSpPr>
               <p:cNvPr id="9" name="TextBox 8">
@@ -26292,7 +26376,7 @@
             </p:nvSpPr>
             <p:spPr>
               <a:xfrm>
-                <a:off x="6165908" y="3196205"/>
+                <a:off x="6165908" y="3576450"/>
                 <a:ext cx="5847126" cy="3020314"/>
               </a:xfrm>
               <a:prstGeom prst="rect">
@@ -27288,7 +27372,7 @@
             </p:txBody>
           </p:sp>
         </mc:Choice>
-        <mc:Fallback xmlns="">
+        <mc:Fallback>
           <p:sp>
             <p:nvSpPr>
               <p:cNvPr id="9" name="TextBox 8">
@@ -27305,7 +27389,7 @@
             </p:nvSpPr>
             <p:spPr>
               <a:xfrm>
-                <a:off x="6165908" y="3196205"/>
+                <a:off x="6165908" y="3576450"/>
                 <a:ext cx="5847126" cy="3020314"/>
               </a:xfrm>
               <a:prstGeom prst="rect">

--- a/article/pcgtsp.pptx
+++ b/article/pcgtsp.pptx
@@ -6541,8 +6541,8 @@
           <a:chExt cx="0" cy="0"/>
         </a:xfrm>
       </p:grpSpPr>
-      <mc:AlternateContent xmlns:mc="http://schemas.openxmlformats.org/markup-compatibility/2006">
-        <mc:Choice xmlns:a14="http://schemas.microsoft.com/office/drawing/2010/main" Requires="a14">
+      <mc:AlternateContent xmlns:mc="http://schemas.openxmlformats.org/markup-compatibility/2006" xmlns:a14="http://schemas.microsoft.com/office/drawing/2010/main">
+        <mc:Choice Requires="a14">
           <p:graphicFrame>
             <p:nvGraphicFramePr>
               <p:cNvPr id="5" name="Таблица 4">
@@ -7360,7 +7360,7 @@
             </a:graphic>
           </p:graphicFrame>
         </mc:Choice>
-        <mc:Fallback>
+        <mc:Fallback xmlns="">
           <p:graphicFrame>
             <p:nvGraphicFramePr>
               <p:cNvPr id="5" name="Таблица 4">
@@ -8099,8 +8099,8 @@
           </p:graphicFrame>
         </mc:Fallback>
       </mc:AlternateContent>
-      <mc:AlternateContent xmlns:mc="http://schemas.openxmlformats.org/markup-compatibility/2006">
-        <mc:Choice xmlns:a14="http://schemas.microsoft.com/office/drawing/2010/main" Requires="a14">
+      <mc:AlternateContent xmlns:mc="http://schemas.openxmlformats.org/markup-compatibility/2006" xmlns:a14="http://schemas.microsoft.com/office/drawing/2010/main">
+        <mc:Choice Requires="a14">
           <p:sp>
             <p:nvSpPr>
               <p:cNvPr id="7" name="TextBox 6">
@@ -8431,11 +8431,15 @@
                 <a14:m>
                   <m:oMath xmlns:m="http://schemas.openxmlformats.org/officeDocument/2006/math">
                     <m:r>
-                      <a:rPr lang="ru-RU" i="1"/>
+                      <a:rPr lang="ru-RU" i="1">
+                        <a:latin typeface="Cambria Math" panose="02040503050406030204" pitchFamily="18" charset="0"/>
+                      </a:rPr>
                       <m:t>≈1</m:t>
                     </m:r>
                     <m:r>
-                      <a:rPr lang="ru-RU"/>
+                      <a:rPr lang="ru-RU">
+                        <a:latin typeface="Cambria Math" panose="02040503050406030204" pitchFamily="18" charset="0"/>
+                      </a:rPr>
                       <m:t>%</m:t>
                     </m:r>
                   </m:oMath>
@@ -8474,13 +8478,12 @@
                 </a:r>
               </a:p>
               <a:p>
-                <a:pPr/>
                 <a:endParaRPr lang="ru-RU" baseline="-25000" dirty="0"/>
               </a:p>
             </p:txBody>
           </p:sp>
         </mc:Choice>
-        <mc:Fallback>
+        <mc:Fallback xmlns="">
           <p:sp>
             <p:nvSpPr>
               <p:cNvPr id="7" name="TextBox 6">
@@ -8627,6 +8630,2960 @@
           </a:p>
         </p:txBody>
       </p:sp>
+      <mc:AlternateContent xmlns:mc="http://schemas.openxmlformats.org/markup-compatibility/2006">
+        <mc:Choice xmlns:a14="http://schemas.microsoft.com/office/drawing/2010/main" Requires="a14">
+          <p:graphicFrame>
+            <p:nvGraphicFramePr>
+              <p:cNvPr id="2" name="Таблица 1">
+                <a:extLst>
+                  <a:ext uri="{FF2B5EF4-FFF2-40B4-BE49-F238E27FC236}">
+                    <a16:creationId xmlns:a16="http://schemas.microsoft.com/office/drawing/2014/main" id="{BC1DB471-CD71-4286-A5EB-D37A4E97630E}"/>
+                  </a:ext>
+                </a:extLst>
+              </p:cNvPr>
+              <p:cNvGraphicFramePr>
+                <a:graphicFrameLocks noGrp="1"/>
+              </p:cNvGraphicFramePr>
+              <p:nvPr>
+                <p:extLst>
+                  <p:ext uri="{D42A27DB-BD31-4B8C-83A1-F6EECF244321}">
+                    <p14:modId xmlns:p14="http://schemas.microsoft.com/office/powerpoint/2010/main" val="2256080651"/>
+                  </p:ext>
+                </p:extLst>
+              </p:nvPr>
+            </p:nvGraphicFramePr>
+            <p:xfrm>
+              <a:off x="643078" y="677774"/>
+              <a:ext cx="7378292" cy="4893064"/>
+            </p:xfrm>
+            <a:graphic>
+              <a:graphicData uri="http://schemas.openxmlformats.org/drawingml/2006/table">
+                <a:tbl>
+                  <a:tblPr firstRow="1" firstCol="1" bandRow="1">
+                    <a:tableStyleId>{5C22544A-7EE6-4342-B048-85BDC9FD1C3A}</a:tableStyleId>
+                  </a:tblPr>
+                  <a:tblGrid>
+                    <a:gridCol w="896936">
+                      <a:extLst>
+                        <a:ext uri="{9D8B030D-6E8A-4147-A177-3AD203B41FA5}">
+                          <a16:colId xmlns:a16="http://schemas.microsoft.com/office/drawing/2014/main" val="3394523577"/>
+                        </a:ext>
+                      </a:extLst>
+                    </a:gridCol>
+                    <a:gridCol w="6481356">
+                      <a:extLst>
+                        <a:ext uri="{9D8B030D-6E8A-4147-A177-3AD203B41FA5}">
+                          <a16:colId xmlns:a16="http://schemas.microsoft.com/office/drawing/2014/main" val="3748859221"/>
+                        </a:ext>
+                      </a:extLst>
+                    </a:gridCol>
+                  </a:tblGrid>
+                  <a:tr h="0">
+                    <a:tc gridSpan="2">
+                      <a:txBody>
+                        <a:bodyPr/>
+                        <a:lstStyle/>
+                        <a:p>
+                          <a:pPr indent="180340" algn="just">
+                            <a:lnSpc>
+                              <a:spcPct val="150000"/>
+                            </a:lnSpc>
+                            <a:spcAft>
+                              <a:spcPts val="0"/>
+                            </a:spcAft>
+                          </a:pPr>
+                          <a:r>
+                            <a:rPr lang="ru-RU" sz="1400" dirty="0">
+                              <a:effectLst/>
+                            </a:rPr>
+                            <a:t>Метод ветвей и границ :: Главная процедура</a:t>
+                          </a:r>
+                          <a:endParaRPr lang="ru-RU" sz="1400" dirty="0">
+                            <a:effectLst/>
+                            <a:latin typeface="Times New Roman" panose="02020603050405020304" pitchFamily="18" charset="0"/>
+                            <a:ea typeface="Calibri" panose="020F0502020204030204" pitchFamily="34" charset="0"/>
+                            <a:cs typeface="F"/>
+                          </a:endParaRPr>
+                        </a:p>
+                      </a:txBody>
+                      <a:tcPr marL="68580" marR="68580" marT="0" marB="0"/>
+                    </a:tc>
+                    <a:tc hMerge="1">
+                      <a:txBody>
+                        <a:bodyPr/>
+                        <a:lstStyle/>
+                        <a:p>
+                          <a:endParaRPr lang="ru-RU"/>
+                        </a:p>
+                      </a:txBody>
+                      <a:tcPr/>
+                    </a:tc>
+                    <a:extLst>
+                      <a:ext uri="{0D108BD9-81ED-4DB2-BD59-A6C34878D82A}">
+                        <a16:rowId xmlns:a16="http://schemas.microsoft.com/office/drawing/2014/main" val="293592422"/>
+                      </a:ext>
+                    </a:extLst>
+                  </a:tr>
+                  <a:tr h="0">
+                    <a:tc>
+                      <a:txBody>
+                        <a:bodyPr/>
+                        <a:lstStyle/>
+                        <a:p>
+                          <a:pPr indent="180340" algn="r">
+                            <a:lnSpc>
+                              <a:spcPct val="150000"/>
+                            </a:lnSpc>
+                            <a:spcAft>
+                              <a:spcPts val="0"/>
+                            </a:spcAft>
+                          </a:pPr>
+                          <a:r>
+                            <a:rPr lang="ru-RU" sz="1400" dirty="0">
+                              <a:effectLst/>
+                            </a:rPr>
+                            <a:t>Вход:</a:t>
+                          </a:r>
+                          <a:endParaRPr lang="ru-RU" sz="1400" dirty="0">
+                            <a:effectLst/>
+                            <a:latin typeface="Times New Roman" panose="02020603050405020304" pitchFamily="18" charset="0"/>
+                            <a:ea typeface="Calibri" panose="020F0502020204030204" pitchFamily="34" charset="0"/>
+                            <a:cs typeface="F"/>
+                          </a:endParaRPr>
+                        </a:p>
+                      </a:txBody>
+                      <a:tcPr marL="68580" marR="68580" marT="0" marB="0"/>
+                    </a:tc>
+                    <a:tc>
+                      <a:txBody>
+                        <a:bodyPr/>
+                        <a:lstStyle/>
+                        <a:p>
+                          <a:pPr indent="180340" algn="just">
+                            <a:lnSpc>
+                              <a:spcPct val="150000"/>
+                            </a:lnSpc>
+                            <a:spcAft>
+                              <a:spcPts val="0"/>
+                            </a:spcAft>
+                          </a:pPr>
+                          <a:r>
+                            <a:rPr lang="ru-RU" sz="1400" dirty="0">
+                              <a:effectLst/>
+                            </a:rPr>
+                            <a:t>орграф </a:t>
+                          </a:r>
+                          <a14:m>
+                            <m:oMath xmlns:m="http://schemas.openxmlformats.org/officeDocument/2006/math">
+                              <m:r>
+                                <a:rPr lang="ru-RU" sz="1400">
+                                  <a:effectLst/>
+                                </a:rPr>
+                                <m:t>𝐺</m:t>
+                              </m:r>
+                            </m:oMath>
+                          </a14:m>
+                          <a:r>
+                            <a:rPr lang="ru-RU" sz="1400" dirty="0">
+                              <a:effectLst/>
+                            </a:rPr>
+                            <a:t>, кластеры </a:t>
+                          </a:r>
+                          <a14:m>
+                            <m:oMath xmlns:m="http://schemas.openxmlformats.org/officeDocument/2006/math">
+                              <m:r>
+                                <a:rPr lang="ru-RU" sz="1400">
+                                  <a:effectLst/>
+                                </a:rPr>
+                                <m:t>𝒞</m:t>
+                              </m:r>
+                            </m:oMath>
+                          </a14:m>
+                          <a:r>
+                            <a:rPr lang="ru-RU" sz="1400" dirty="0">
+                              <a:effectLst/>
+                            </a:rPr>
+                            <a:t>, частичный порядок </a:t>
+                          </a:r>
+                          <a14:m>
+                            <m:oMath xmlns:m="http://schemas.openxmlformats.org/officeDocument/2006/math">
+                              <m:r>
+                                <a:rPr lang="ru-RU" sz="1400">
+                                  <a:effectLst/>
+                                </a:rPr>
+                                <m:t>𝛱</m:t>
+                              </m:r>
+                            </m:oMath>
+                          </a14:m>
+                          <a:r>
+                            <a:rPr lang="ru-RU" sz="1400" dirty="0">
+                              <a:effectLst/>
+                              <a:latin typeface="Times New Roman" panose="02020603050405020304" pitchFamily="18" charset="0"/>
+                              <a:ea typeface="Calibri" panose="020F0502020204030204" pitchFamily="34" charset="0"/>
+                              <a:cs typeface="F"/>
+                            </a:rPr>
+                            <a:t>, верхняя граница 𝑈𝐵</a:t>
+                          </a:r>
+                        </a:p>
+                      </a:txBody>
+                      <a:tcPr marL="68580" marR="68580" marT="0" marB="0"/>
+                    </a:tc>
+                    <a:extLst>
+                      <a:ext uri="{0D108BD9-81ED-4DB2-BD59-A6C34878D82A}">
+                        <a16:rowId xmlns:a16="http://schemas.microsoft.com/office/drawing/2014/main" val="454614826"/>
+                      </a:ext>
+                    </a:extLst>
+                  </a:tr>
+                  <a:tr h="0">
+                    <a:tc>
+                      <a:txBody>
+                        <a:bodyPr/>
+                        <a:lstStyle/>
+                        <a:p>
+                          <a:pPr indent="180340" algn="r">
+                            <a:lnSpc>
+                              <a:spcPct val="150000"/>
+                            </a:lnSpc>
+                            <a:spcAft>
+                              <a:spcPts val="0"/>
+                            </a:spcAft>
+                          </a:pPr>
+                          <a:r>
+                            <a:rPr lang="ru-RU" sz="1400">
+                              <a:effectLst/>
+                            </a:rPr>
+                            <a:t>Выход:</a:t>
+                          </a:r>
+                          <a:endParaRPr lang="ru-RU" sz="1400">
+                            <a:effectLst/>
+                            <a:latin typeface="Times New Roman" panose="02020603050405020304" pitchFamily="18" charset="0"/>
+                            <a:ea typeface="Calibri" panose="020F0502020204030204" pitchFamily="34" charset="0"/>
+                            <a:cs typeface="F"/>
+                          </a:endParaRPr>
+                        </a:p>
+                      </a:txBody>
+                      <a:tcPr marL="68580" marR="68580" marT="0" marB="0"/>
+                    </a:tc>
+                    <a:tc>
+                      <a:txBody>
+                        <a:bodyPr/>
+                        <a:lstStyle/>
+                        <a:p>
+                          <a:pPr indent="180340" algn="just">
+                            <a:lnSpc>
+                              <a:spcPct val="150000"/>
+                            </a:lnSpc>
+                            <a:spcAft>
+                              <a:spcPts val="0"/>
+                            </a:spcAft>
+                          </a:pPr>
+                          <a:r>
+                            <a:rPr lang="ru-RU" sz="1400" dirty="0">
+                              <a:effectLst/>
+                            </a:rPr>
+                            <a:t>маршрут и его стоимость</a:t>
+                          </a:r>
+                          <a:endParaRPr lang="ru-RU" sz="1400" dirty="0">
+                            <a:effectLst/>
+                            <a:latin typeface="Times New Roman" panose="02020603050405020304" pitchFamily="18" charset="0"/>
+                            <a:ea typeface="Calibri" panose="020F0502020204030204" pitchFamily="34" charset="0"/>
+                            <a:cs typeface="F"/>
+                          </a:endParaRPr>
+                        </a:p>
+                      </a:txBody>
+                      <a:tcPr marL="68580" marR="68580" marT="0" marB="0"/>
+                    </a:tc>
+                    <a:extLst>
+                      <a:ext uri="{0D108BD9-81ED-4DB2-BD59-A6C34878D82A}">
+                        <a16:rowId xmlns:a16="http://schemas.microsoft.com/office/drawing/2014/main" val="2629015952"/>
+                      </a:ext>
+                    </a:extLst>
+                  </a:tr>
+                  <a:tr h="0">
+                    <a:tc>
+                      <a:txBody>
+                        <a:bodyPr/>
+                        <a:lstStyle/>
+                        <a:p>
+                          <a:pPr marL="0" lvl="0" indent="0" algn="r">
+                            <a:lnSpc>
+                              <a:spcPct val="150000"/>
+                            </a:lnSpc>
+                            <a:spcAft>
+                              <a:spcPts val="0"/>
+                            </a:spcAft>
+                            <a:buFont typeface="+mj-lt"/>
+                            <a:buNone/>
+                          </a:pPr>
+                          <a:r>
+                            <a:rPr lang="en-US" sz="1400" dirty="0">
+                              <a:effectLst/>
+                            </a:rPr>
+                            <a:t>1</a:t>
+                          </a:r>
+                          <a:r>
+                            <a:rPr lang="ru-RU" sz="1400" dirty="0">
+                              <a:effectLst/>
+                            </a:rPr>
+                            <a:t> </a:t>
+                          </a:r>
+                          <a:endParaRPr lang="ru-RU" sz="1400" dirty="0">
+                            <a:effectLst/>
+                            <a:latin typeface="Times New Roman" panose="02020603050405020304" pitchFamily="18" charset="0"/>
+                            <a:ea typeface="Calibri" panose="020F0502020204030204" pitchFamily="34" charset="0"/>
+                            <a:cs typeface="F"/>
+                          </a:endParaRPr>
+                        </a:p>
+                      </a:txBody>
+                      <a:tcPr marL="68580" marR="68580" marT="0" marB="0"/>
+                    </a:tc>
+                    <a:tc>
+                      <a:txBody>
+                        <a:bodyPr/>
+                        <a:lstStyle/>
+                        <a:p>
+                          <a:pPr indent="180340" algn="just">
+                            <a:lnSpc>
+                              <a:spcPct val="150000"/>
+                            </a:lnSpc>
+                            <a:spcAft>
+                              <a:spcPts val="0"/>
+                            </a:spcAft>
+                          </a:pPr>
+                          <a:r>
+                            <a:rPr lang="ru-RU" sz="1400">
+                              <a:effectLst/>
+                            </a:rPr>
+                            <a:t>Инициализация </a:t>
+                          </a:r>
+                          <a14:m>
+                            <m:oMath xmlns:m="http://schemas.openxmlformats.org/officeDocument/2006/math">
+                              <m:r>
+                                <a:rPr lang="ru-RU" sz="1400">
+                                  <a:effectLst/>
+                                </a:rPr>
+                                <m:t>𝑄</m:t>
+                              </m:r>
+                              <m:r>
+                                <a:rPr lang="ru-RU" sz="1400">
+                                  <a:effectLst/>
+                                </a:rPr>
+                                <m:t>= </m:t>
+                              </m:r>
+                            </m:oMath>
+                          </a14:m>
+                          <a:r>
+                            <a:rPr lang="en-US" sz="1400">
+                              <a:effectLst/>
+                            </a:rPr>
+                            <a:t>empty queue</a:t>
+                          </a:r>
+                          <a:endParaRPr lang="ru-RU" sz="1400">
+                            <a:effectLst/>
+                            <a:latin typeface="Times New Roman" panose="02020603050405020304" pitchFamily="18" charset="0"/>
+                            <a:ea typeface="Calibri" panose="020F0502020204030204" pitchFamily="34" charset="0"/>
+                            <a:cs typeface="F"/>
+                          </a:endParaRPr>
+                        </a:p>
+                      </a:txBody>
+                      <a:tcPr marL="68580" marR="68580" marT="0" marB="0"/>
+                    </a:tc>
+                    <a:extLst>
+                      <a:ext uri="{0D108BD9-81ED-4DB2-BD59-A6C34878D82A}">
+                        <a16:rowId xmlns:a16="http://schemas.microsoft.com/office/drawing/2014/main" val="747659049"/>
+                      </a:ext>
+                    </a:extLst>
+                  </a:tr>
+                  <a:tr h="0">
+                    <a:tc>
+                      <a:txBody>
+                        <a:bodyPr/>
+                        <a:lstStyle/>
+                        <a:p>
+                          <a:pPr marL="0" lvl="0" indent="0" algn="r">
+                            <a:lnSpc>
+                              <a:spcPct val="150000"/>
+                            </a:lnSpc>
+                            <a:spcAft>
+                              <a:spcPts val="0"/>
+                            </a:spcAft>
+                            <a:buFont typeface="+mj-lt"/>
+                            <a:buNone/>
+                          </a:pPr>
+                          <a:r>
+                            <a:rPr lang="en-US" sz="1400" dirty="0">
+                              <a:effectLst/>
+                            </a:rPr>
+                            <a:t>2</a:t>
+                          </a:r>
+                          <a:r>
+                            <a:rPr lang="ru-RU" sz="1400" dirty="0">
+                              <a:effectLst/>
+                            </a:rPr>
+                            <a:t> </a:t>
+                          </a:r>
+                          <a:endParaRPr lang="ru-RU" sz="1400" dirty="0">
+                            <a:effectLst/>
+                            <a:latin typeface="Times New Roman" panose="02020603050405020304" pitchFamily="18" charset="0"/>
+                            <a:ea typeface="Calibri" panose="020F0502020204030204" pitchFamily="34" charset="0"/>
+                            <a:cs typeface="F"/>
+                          </a:endParaRPr>
+                        </a:p>
+                      </a:txBody>
+                      <a:tcPr marL="68580" marR="68580" marT="0" marB="0"/>
+                    </a:tc>
+                    <a:tc>
+                      <a:txBody>
+                        <a:bodyPr/>
+                        <a:lstStyle/>
+                        <a:p>
+                          <a:pPr indent="180340" algn="just">
+                            <a:lnSpc>
+                              <a:spcPct val="150000"/>
+                            </a:lnSpc>
+                            <a:spcAft>
+                              <a:spcPts val="0"/>
+                            </a:spcAft>
+                          </a:pPr>
+                          <a:r>
+                            <a:rPr lang="ru-RU" sz="1400" dirty="0">
+                              <a:effectLst/>
+                            </a:rPr>
+                            <a:t>Начинаем с </a:t>
+                          </a:r>
+                          <a14:m>
+                            <m:oMath xmlns:m="http://schemas.openxmlformats.org/officeDocument/2006/math">
+                              <m:r>
+                                <a:rPr lang="ru-RU" sz="1400">
+                                  <a:effectLst/>
+                                </a:rPr>
+                                <m:t>𝑅𝑜𝑜𝑡</m:t>
+                              </m:r>
+                              <m:r>
+                                <a:rPr lang="ru-RU" sz="1400">
+                                  <a:effectLst/>
+                                </a:rPr>
+                                <m:t>=</m:t>
+                              </m:r>
+                              <m:sSub>
+                                <m:sSubPr>
+                                  <m:ctrlPr>
+                                    <a:rPr lang="ru-RU" sz="1400">
+                                      <a:effectLst/>
+                                    </a:rPr>
+                                  </m:ctrlPr>
+                                </m:sSubPr>
+                                <m:e>
+                                  <m:r>
+                                    <a:rPr lang="ru-RU" sz="1400">
+                                      <a:effectLst/>
+                                    </a:rPr>
+                                    <m:t>𝑉</m:t>
+                                  </m:r>
+                                </m:e>
+                                <m:sub>
+                                  <m:r>
+                                    <a:rPr lang="ru-RU" sz="1400">
+                                      <a:effectLst/>
+                                    </a:rPr>
+                                    <m:t>1</m:t>
+                                  </m:r>
+                                </m:sub>
+                              </m:sSub>
+                            </m:oMath>
+                          </a14:m>
+                          <a:endParaRPr lang="ru-RU" sz="1400" dirty="0">
+                            <a:effectLst/>
+                            <a:latin typeface="Times New Roman" panose="02020603050405020304" pitchFamily="18" charset="0"/>
+                            <a:ea typeface="Calibri" panose="020F0502020204030204" pitchFamily="34" charset="0"/>
+                            <a:cs typeface="F"/>
+                          </a:endParaRPr>
+                        </a:p>
+                      </a:txBody>
+                      <a:tcPr marL="68580" marR="68580" marT="0" marB="0"/>
+                    </a:tc>
+                    <a:extLst>
+                      <a:ext uri="{0D108BD9-81ED-4DB2-BD59-A6C34878D82A}">
+                        <a16:rowId xmlns:a16="http://schemas.microsoft.com/office/drawing/2014/main" val="1583166810"/>
+                      </a:ext>
+                    </a:extLst>
+                  </a:tr>
+                  <a:tr h="0">
+                    <a:tc>
+                      <a:txBody>
+                        <a:bodyPr/>
+                        <a:lstStyle/>
+                        <a:p>
+                          <a:pPr marL="0" lvl="0" indent="0" algn="r">
+                            <a:lnSpc>
+                              <a:spcPct val="150000"/>
+                            </a:lnSpc>
+                            <a:spcAft>
+                              <a:spcPts val="0"/>
+                            </a:spcAft>
+                            <a:buFont typeface="+mj-lt"/>
+                            <a:buNone/>
+                          </a:pPr>
+                          <a:r>
+                            <a:rPr lang="en-US" sz="1400" dirty="0">
+                              <a:effectLst/>
+                            </a:rPr>
+                            <a:t>3</a:t>
+                          </a:r>
+                          <a:r>
+                            <a:rPr lang="ru-RU" sz="1400" dirty="0">
+                              <a:effectLst/>
+                            </a:rPr>
+                            <a:t> </a:t>
+                          </a:r>
+                          <a:endParaRPr lang="ru-RU" sz="1400" dirty="0">
+                            <a:effectLst/>
+                            <a:latin typeface="Times New Roman" panose="02020603050405020304" pitchFamily="18" charset="0"/>
+                            <a:ea typeface="Calibri" panose="020F0502020204030204" pitchFamily="34" charset="0"/>
+                            <a:cs typeface="F"/>
+                          </a:endParaRPr>
+                        </a:p>
+                      </a:txBody>
+                      <a:tcPr marL="68580" marR="68580" marT="0" marB="0"/>
+                    </a:tc>
+                    <a:tc>
+                      <a:txBody>
+                        <a:bodyPr/>
+                        <a:lstStyle/>
+                        <a:p>
+                          <a:pPr indent="180340" algn="l">
+                            <a:lnSpc>
+                              <a:spcPct val="150000"/>
+                            </a:lnSpc>
+                            <a:spcAft>
+                              <a:spcPts val="0"/>
+                            </a:spcAft>
+                          </a:pPr>
+                          <a14:m>
+                            <m:oMathPara xmlns:m="http://schemas.openxmlformats.org/officeDocument/2006/math">
+                              <m:oMathParaPr>
+                                <m:jc m:val="left"/>
+                              </m:oMathParaPr>
+                              <m:oMath xmlns:m="http://schemas.openxmlformats.org/officeDocument/2006/math">
+                                <m:r>
+                                  <a:rPr lang="ru-RU" sz="1400">
+                                    <a:effectLst/>
+                                  </a:rPr>
+                                  <m:t>𝑄</m:t>
+                                </m:r>
+                                <m:r>
+                                  <a:rPr lang="en-US" sz="1400">
+                                    <a:effectLst/>
+                                  </a:rPr>
+                                  <m:t>.</m:t>
+                                </m:r>
+                                <m:r>
+                                  <a:rPr lang="en-US" sz="1400">
+                                    <a:effectLst/>
+                                  </a:rPr>
+                                  <m:t>𝑝𝑢𝑠h</m:t>
+                                </m:r>
+                                <m:r>
+                                  <a:rPr lang="en-US" sz="1400">
+                                    <a:effectLst/>
+                                  </a:rPr>
+                                  <m:t>(</m:t>
+                                </m:r>
+                                <m:r>
+                                  <a:rPr lang="ru-RU" sz="1400">
+                                    <a:effectLst/>
+                                  </a:rPr>
+                                  <m:t>𝑅𝑜𝑜𝑡</m:t>
+                                </m:r>
+                                <m:r>
+                                  <a:rPr lang="en-US" sz="1400">
+                                    <a:effectLst/>
+                                  </a:rPr>
+                                  <m:t>)</m:t>
+                                </m:r>
+                              </m:oMath>
+                            </m:oMathPara>
+                          </a14:m>
+                          <a:endParaRPr lang="ru-RU" sz="1400" dirty="0">
+                            <a:effectLst/>
+                            <a:latin typeface="Times New Roman" panose="02020603050405020304" pitchFamily="18" charset="0"/>
+                            <a:ea typeface="Calibri" panose="020F0502020204030204" pitchFamily="34" charset="0"/>
+                            <a:cs typeface="F"/>
+                          </a:endParaRPr>
+                        </a:p>
+                      </a:txBody>
+                      <a:tcPr marL="68580" marR="68580" marT="0" marB="0"/>
+                    </a:tc>
+                    <a:extLst>
+                      <a:ext uri="{0D108BD9-81ED-4DB2-BD59-A6C34878D82A}">
+                        <a16:rowId xmlns:a16="http://schemas.microsoft.com/office/drawing/2014/main" val="2877980006"/>
+                      </a:ext>
+                    </a:extLst>
+                  </a:tr>
+                  <a:tr h="0">
+                    <a:tc>
+                      <a:txBody>
+                        <a:bodyPr/>
+                        <a:lstStyle/>
+                        <a:p>
+                          <a:pPr marL="0" lvl="0" indent="0" algn="r">
+                            <a:lnSpc>
+                              <a:spcPct val="150000"/>
+                            </a:lnSpc>
+                            <a:spcAft>
+                              <a:spcPts val="0"/>
+                            </a:spcAft>
+                            <a:buFont typeface="+mj-lt"/>
+                            <a:buNone/>
+                          </a:pPr>
+                          <a:r>
+                            <a:rPr lang="en-US" sz="1400" dirty="0">
+                              <a:effectLst/>
+                            </a:rPr>
+                            <a:t>4</a:t>
+                          </a:r>
+                          <a:r>
+                            <a:rPr lang="ru-RU" sz="1400" dirty="0">
+                              <a:effectLst/>
+                            </a:rPr>
+                            <a:t> </a:t>
+                          </a:r>
+                          <a:endParaRPr lang="ru-RU" sz="1400" dirty="0">
+                            <a:effectLst/>
+                            <a:latin typeface="Times New Roman" panose="02020603050405020304" pitchFamily="18" charset="0"/>
+                            <a:ea typeface="Calibri" panose="020F0502020204030204" pitchFamily="34" charset="0"/>
+                            <a:cs typeface="F"/>
+                          </a:endParaRPr>
+                        </a:p>
+                      </a:txBody>
+                      <a:tcPr marL="68580" marR="68580" marT="0" marB="0"/>
+                    </a:tc>
+                    <a:tc>
+                      <a:txBody>
+                        <a:bodyPr/>
+                        <a:lstStyle/>
+                        <a:p>
+                          <a:pPr indent="180340" algn="just">
+                            <a:lnSpc>
+                              <a:spcPct val="150000"/>
+                            </a:lnSpc>
+                            <a:spcAft>
+                              <a:spcPts val="0"/>
+                            </a:spcAft>
+                          </a:pPr>
+                          <a:r>
+                            <a:rPr lang="en-US" sz="1400" b="1" dirty="0">
+                              <a:effectLst/>
+                            </a:rPr>
+                            <a:t>while</a:t>
+                          </a:r>
+                          <a:r>
+                            <a:rPr lang="en-US" sz="1400" dirty="0">
+                              <a:effectLst/>
+                            </a:rPr>
+                            <a:t> </a:t>
+                          </a:r>
+                          <a:r>
+                            <a:rPr lang="en-US" sz="1400" b="1" dirty="0">
+                              <a:effectLst/>
+                            </a:rPr>
+                            <a:t>not</a:t>
+                          </a:r>
+                          <a:r>
+                            <a:rPr lang="en-US" sz="1400" dirty="0">
+                              <a:effectLst/>
+                            </a:rPr>
+                            <a:t> </a:t>
+                          </a:r>
+                          <a14:m>
+                            <m:oMath xmlns:m="http://schemas.openxmlformats.org/officeDocument/2006/math">
+                              <m:r>
+                                <a:rPr lang="ru-RU" sz="1400">
+                                  <a:effectLst/>
+                                </a:rPr>
+                                <m:t>𝑄</m:t>
+                              </m:r>
+                            </m:oMath>
+                          </a14:m>
+                          <a:r>
+                            <a:rPr lang="en-US" sz="1400" dirty="0">
+                              <a:effectLst/>
+                            </a:rPr>
+                            <a:t>.empty()</a:t>
+                          </a:r>
+                          <a:endParaRPr lang="ru-RU" sz="1400" dirty="0">
+                            <a:effectLst/>
+                            <a:latin typeface="Times New Roman" panose="02020603050405020304" pitchFamily="18" charset="0"/>
+                            <a:ea typeface="Calibri" panose="020F0502020204030204" pitchFamily="34" charset="0"/>
+                            <a:cs typeface="F"/>
+                          </a:endParaRPr>
+                        </a:p>
+                      </a:txBody>
+                      <a:tcPr marL="68580" marR="68580" marT="0" marB="0"/>
+                    </a:tc>
+                    <a:extLst>
+                      <a:ext uri="{0D108BD9-81ED-4DB2-BD59-A6C34878D82A}">
+                        <a16:rowId xmlns:a16="http://schemas.microsoft.com/office/drawing/2014/main" val="2119870380"/>
+                      </a:ext>
+                    </a:extLst>
+                  </a:tr>
+                  <a:tr h="0">
+                    <a:tc>
+                      <a:txBody>
+                        <a:bodyPr/>
+                        <a:lstStyle/>
+                        <a:p>
+                          <a:pPr marL="0" lvl="0" indent="0" algn="r">
+                            <a:lnSpc>
+                              <a:spcPct val="150000"/>
+                            </a:lnSpc>
+                            <a:spcAft>
+                              <a:spcPts val="0"/>
+                            </a:spcAft>
+                            <a:buFont typeface="+mj-lt"/>
+                            <a:buNone/>
+                          </a:pPr>
+                          <a:r>
+                            <a:rPr lang="en-US" sz="1400" dirty="0">
+                              <a:effectLst/>
+                            </a:rPr>
+                            <a:t>5</a:t>
+                          </a:r>
+                          <a:r>
+                            <a:rPr lang="ru-RU" sz="1400" dirty="0">
+                              <a:effectLst/>
+                            </a:rPr>
+                            <a:t> </a:t>
+                          </a:r>
+                          <a:endParaRPr lang="ru-RU" sz="1400" dirty="0">
+                            <a:effectLst/>
+                            <a:latin typeface="Times New Roman" panose="02020603050405020304" pitchFamily="18" charset="0"/>
+                            <a:ea typeface="Calibri" panose="020F0502020204030204" pitchFamily="34" charset="0"/>
+                            <a:cs typeface="F"/>
+                          </a:endParaRPr>
+                        </a:p>
+                      </a:txBody>
+                      <a:tcPr marL="68580" marR="68580" marT="0" marB="0"/>
+                    </a:tc>
+                    <a:tc>
+                      <a:txBody>
+                        <a:bodyPr/>
+                        <a:lstStyle/>
+                        <a:p>
+                          <a:pPr indent="180340" algn="just">
+                            <a:lnSpc>
+                              <a:spcPct val="150000"/>
+                            </a:lnSpc>
+                            <a:spcAft>
+                              <a:spcPts val="0"/>
+                            </a:spcAft>
+                          </a:pPr>
+                          <a:r>
+                            <a:rPr lang="ru-RU" sz="1400">
+                              <a:effectLst/>
+                            </a:rPr>
+                            <a:t>	Берем следующий префикс для обработки </a:t>
+                          </a:r>
+                          <a14:m>
+                            <m:oMath xmlns:m="http://schemas.openxmlformats.org/officeDocument/2006/math">
+                              <m:r>
+                                <a:rPr lang="ru-RU" sz="1400">
+                                  <a:effectLst/>
+                                </a:rPr>
+                                <m:t>𝜎</m:t>
+                              </m:r>
+                              <m:r>
+                                <a:rPr lang="ru-RU" sz="1400">
+                                  <a:effectLst/>
+                                </a:rPr>
+                                <m:t>=</m:t>
+                              </m:r>
+                              <m:r>
+                                <a:rPr lang="ru-RU" sz="1400">
+                                  <a:effectLst/>
+                                </a:rPr>
+                                <m:t>𝑄</m:t>
+                              </m:r>
+                              <m:r>
+                                <a:rPr lang="ru-RU" sz="1400">
+                                  <a:effectLst/>
+                                </a:rPr>
+                                <m:t>.</m:t>
+                              </m:r>
+                              <m:r>
+                                <a:rPr lang="ru-RU" sz="1400">
+                                  <a:effectLst/>
+                                </a:rPr>
+                                <m:t>𝑝𝑜𝑝</m:t>
+                              </m:r>
+                              <m:d>
+                                <m:dPr>
+                                  <m:ctrlPr>
+                                    <a:rPr lang="ru-RU" sz="1400">
+                                      <a:effectLst/>
+                                    </a:rPr>
+                                  </m:ctrlPr>
+                                </m:dPr>
+                                <m:e/>
+                              </m:d>
+                            </m:oMath>
+                          </a14:m>
+                          <a:endParaRPr lang="ru-RU" sz="1400">
+                            <a:effectLst/>
+                            <a:latin typeface="Times New Roman" panose="02020603050405020304" pitchFamily="18" charset="0"/>
+                            <a:ea typeface="Calibri" panose="020F0502020204030204" pitchFamily="34" charset="0"/>
+                            <a:cs typeface="F"/>
+                          </a:endParaRPr>
+                        </a:p>
+                      </a:txBody>
+                      <a:tcPr marL="68580" marR="68580" marT="0" marB="0"/>
+                    </a:tc>
+                    <a:extLst>
+                      <a:ext uri="{0D108BD9-81ED-4DB2-BD59-A6C34878D82A}">
+                        <a16:rowId xmlns:a16="http://schemas.microsoft.com/office/drawing/2014/main" val="2814385472"/>
+                      </a:ext>
+                    </a:extLst>
+                  </a:tr>
+                  <a:tr h="0">
+                    <a:tc>
+                      <a:txBody>
+                        <a:bodyPr/>
+                        <a:lstStyle/>
+                        <a:p>
+                          <a:pPr marL="0" lvl="0" indent="0" algn="r">
+                            <a:lnSpc>
+                              <a:spcPct val="150000"/>
+                            </a:lnSpc>
+                            <a:spcAft>
+                              <a:spcPts val="0"/>
+                            </a:spcAft>
+                            <a:buFont typeface="+mj-lt"/>
+                            <a:buNone/>
+                          </a:pPr>
+                          <a:r>
+                            <a:rPr lang="en-US" sz="1400" dirty="0">
+                              <a:effectLst/>
+                            </a:rPr>
+                            <a:t>6</a:t>
+                          </a:r>
+                          <a:r>
+                            <a:rPr lang="ru-RU" sz="1400" dirty="0">
+                              <a:effectLst/>
+                            </a:rPr>
+                            <a:t> </a:t>
+                          </a:r>
+                          <a:endParaRPr lang="ru-RU" sz="1400" dirty="0">
+                            <a:effectLst/>
+                            <a:latin typeface="Times New Roman" panose="02020603050405020304" pitchFamily="18" charset="0"/>
+                            <a:ea typeface="Calibri" panose="020F0502020204030204" pitchFamily="34" charset="0"/>
+                            <a:cs typeface="F"/>
+                          </a:endParaRPr>
+                        </a:p>
+                      </a:txBody>
+                      <a:tcPr marL="68580" marR="68580" marT="0" marB="0"/>
+                    </a:tc>
+                    <a:tc>
+                      <a:txBody>
+                        <a:bodyPr/>
+                        <a:lstStyle/>
+                        <a:p>
+                          <a:pPr indent="180340" algn="just">
+                            <a:lnSpc>
+                              <a:spcPct val="150000"/>
+                            </a:lnSpc>
+                            <a:spcAft>
+                              <a:spcPts val="0"/>
+                            </a:spcAft>
+                          </a:pPr>
+                          <a:r>
+                            <a:rPr lang="ru-RU" sz="1400">
+                              <a:effectLst/>
+                            </a:rPr>
+                            <a:t>	</a:t>
+                          </a:r>
+                          <a14:m>
+                            <m:oMath xmlns:m="http://schemas.openxmlformats.org/officeDocument/2006/math">
+                              <m:r>
+                                <a:rPr lang="en-US" sz="1400">
+                                  <a:effectLst/>
+                                </a:rPr>
+                                <m:t>𝑝𝑟𝑜𝑐𝑒𝑠𝑠</m:t>
+                              </m:r>
+                              <m:r>
+                                <a:rPr lang="en-US" sz="1400">
+                                  <a:effectLst/>
+                                </a:rPr>
+                                <m:t>=</m:t>
+                              </m:r>
+                              <m:r>
+                                <a:rPr lang="en-US" sz="1400">
+                                  <a:effectLst/>
+                                </a:rPr>
+                                <m:t>𝐵𝑜𝑢𝑛𝑑</m:t>
+                              </m:r>
+                              <m:r>
+                                <a:rPr lang="en-US" sz="1400">
+                                  <a:effectLst/>
+                                </a:rPr>
+                                <m:t>(</m:t>
+                              </m:r>
+                              <m:r>
+                                <a:rPr lang="en-US" sz="1400">
+                                  <a:effectLst/>
+                                </a:rPr>
+                                <m:t>𝜎</m:t>
+                              </m:r>
+                              <m:r>
+                                <a:rPr lang="en-US" sz="1400">
+                                  <a:effectLst/>
+                                </a:rPr>
+                                <m:t>)</m:t>
+                              </m:r>
+                            </m:oMath>
+                          </a14:m>
+                          <a:endParaRPr lang="ru-RU" sz="1400">
+                            <a:effectLst/>
+                            <a:latin typeface="Times New Roman" panose="02020603050405020304" pitchFamily="18" charset="0"/>
+                            <a:ea typeface="Calibri" panose="020F0502020204030204" pitchFamily="34" charset="0"/>
+                            <a:cs typeface="F"/>
+                          </a:endParaRPr>
+                        </a:p>
+                      </a:txBody>
+                      <a:tcPr marL="68580" marR="68580" marT="0" marB="0"/>
+                    </a:tc>
+                    <a:extLst>
+                      <a:ext uri="{0D108BD9-81ED-4DB2-BD59-A6C34878D82A}">
+                        <a16:rowId xmlns:a16="http://schemas.microsoft.com/office/drawing/2014/main" val="1357895569"/>
+                      </a:ext>
+                    </a:extLst>
+                  </a:tr>
+                  <a:tr h="0">
+                    <a:tc>
+                      <a:txBody>
+                        <a:bodyPr/>
+                        <a:lstStyle/>
+                        <a:p>
+                          <a:pPr marL="0" lvl="0" indent="0" algn="r">
+                            <a:lnSpc>
+                              <a:spcPct val="150000"/>
+                            </a:lnSpc>
+                            <a:spcAft>
+                              <a:spcPts val="0"/>
+                            </a:spcAft>
+                            <a:buFont typeface="+mj-lt"/>
+                            <a:buNone/>
+                          </a:pPr>
+                          <a:r>
+                            <a:rPr lang="en-US" sz="1400" dirty="0">
+                              <a:effectLst/>
+                            </a:rPr>
+                            <a:t>7</a:t>
+                          </a:r>
+                          <a:r>
+                            <a:rPr lang="ru-RU" sz="1400" dirty="0">
+                              <a:effectLst/>
+                            </a:rPr>
+                            <a:t> </a:t>
+                          </a:r>
+                          <a:endParaRPr lang="ru-RU" sz="1400" dirty="0">
+                            <a:effectLst/>
+                            <a:latin typeface="Times New Roman" panose="02020603050405020304" pitchFamily="18" charset="0"/>
+                            <a:ea typeface="Calibri" panose="020F0502020204030204" pitchFamily="34" charset="0"/>
+                            <a:cs typeface="F"/>
+                          </a:endParaRPr>
+                        </a:p>
+                      </a:txBody>
+                      <a:tcPr marL="68580" marR="68580" marT="0" marB="0"/>
+                    </a:tc>
+                    <a:tc>
+                      <a:txBody>
+                        <a:bodyPr/>
+                        <a:lstStyle/>
+                        <a:p>
+                          <a:pPr indent="180340" algn="just">
+                            <a:lnSpc>
+                              <a:spcPct val="150000"/>
+                            </a:lnSpc>
+                            <a:spcAft>
+                              <a:spcPts val="0"/>
+                            </a:spcAft>
+                          </a:pPr>
+                          <a:r>
+                            <a:rPr lang="en-US" sz="1400" dirty="0">
+                              <a:effectLst/>
+                            </a:rPr>
+                            <a:t>	</a:t>
+                          </a:r>
+                          <a:r>
+                            <a:rPr lang="en-US" sz="1400" b="1" dirty="0">
+                              <a:effectLst/>
+                            </a:rPr>
+                            <a:t>if</a:t>
+                          </a:r>
+                          <a:r>
+                            <a:rPr lang="en-US" sz="1400" dirty="0">
+                              <a:effectLst/>
+                            </a:rPr>
+                            <a:t> </a:t>
+                          </a:r>
+                          <a:r>
+                            <a:rPr lang="en-US" sz="1400" b="1" dirty="0">
+                              <a:effectLst/>
+                            </a:rPr>
+                            <a:t>not</a:t>
+                          </a:r>
+                          <a:r>
+                            <a:rPr lang="en-US" sz="1400" dirty="0">
+                              <a:effectLst/>
+                            </a:rPr>
+                            <a:t> </a:t>
+                          </a:r>
+                          <a14:m>
+                            <m:oMath xmlns:m="http://schemas.openxmlformats.org/officeDocument/2006/math">
+                              <m:r>
+                                <a:rPr lang="ru-RU" sz="1400">
+                                  <a:effectLst/>
+                                </a:rPr>
+                                <m:t>𝑝𝑟𝑜𝑐𝑒𝑠𝑠</m:t>
+                              </m:r>
+                            </m:oMath>
+                          </a14:m>
+                          <a:r>
+                            <a:rPr lang="ru-RU" sz="1400" dirty="0">
+                              <a:effectLst/>
+                            </a:rPr>
+                            <a:t> </a:t>
+                          </a:r>
+                          <a:r>
+                            <a:rPr lang="en-US" sz="1400" b="1" dirty="0">
+                              <a:effectLst/>
+                            </a:rPr>
+                            <a:t>then</a:t>
+                          </a:r>
+                          <a:endParaRPr lang="ru-RU" sz="1400" b="1" dirty="0">
+                            <a:effectLst/>
+                            <a:latin typeface="Times New Roman" panose="02020603050405020304" pitchFamily="18" charset="0"/>
+                            <a:ea typeface="Calibri" panose="020F0502020204030204" pitchFamily="34" charset="0"/>
+                            <a:cs typeface="F"/>
+                          </a:endParaRPr>
+                        </a:p>
+                      </a:txBody>
+                      <a:tcPr marL="68580" marR="68580" marT="0" marB="0"/>
+                    </a:tc>
+                    <a:extLst>
+                      <a:ext uri="{0D108BD9-81ED-4DB2-BD59-A6C34878D82A}">
+                        <a16:rowId xmlns:a16="http://schemas.microsoft.com/office/drawing/2014/main" val="3569219187"/>
+                      </a:ext>
+                    </a:extLst>
+                  </a:tr>
+                  <a:tr h="0">
+                    <a:tc>
+                      <a:txBody>
+                        <a:bodyPr/>
+                        <a:lstStyle/>
+                        <a:p>
+                          <a:pPr marL="0" lvl="0" indent="0" algn="r">
+                            <a:lnSpc>
+                              <a:spcPct val="150000"/>
+                            </a:lnSpc>
+                            <a:spcAft>
+                              <a:spcPts val="0"/>
+                            </a:spcAft>
+                            <a:buFont typeface="+mj-lt"/>
+                            <a:buNone/>
+                          </a:pPr>
+                          <a:r>
+                            <a:rPr lang="en-US" sz="1400" dirty="0">
+                              <a:effectLst/>
+                            </a:rPr>
+                            <a:t>8</a:t>
+                          </a:r>
+                          <a:r>
+                            <a:rPr lang="ru-RU" sz="1400" dirty="0">
+                              <a:effectLst/>
+                            </a:rPr>
+                            <a:t> </a:t>
+                          </a:r>
+                          <a:endParaRPr lang="ru-RU" sz="1400" dirty="0">
+                            <a:effectLst/>
+                            <a:latin typeface="Times New Roman" panose="02020603050405020304" pitchFamily="18" charset="0"/>
+                            <a:ea typeface="Calibri" panose="020F0502020204030204" pitchFamily="34" charset="0"/>
+                            <a:cs typeface="F"/>
+                          </a:endParaRPr>
+                        </a:p>
+                      </a:txBody>
+                      <a:tcPr marL="68580" marR="68580" marT="0" marB="0"/>
+                    </a:tc>
+                    <a:tc>
+                      <a:txBody>
+                        <a:bodyPr/>
+                        <a:lstStyle/>
+                        <a:p>
+                          <a:pPr indent="180340" algn="just">
+                            <a:lnSpc>
+                              <a:spcPct val="150000"/>
+                            </a:lnSpc>
+                            <a:spcAft>
+                              <a:spcPts val="0"/>
+                            </a:spcAft>
+                          </a:pPr>
+                          <a:r>
+                            <a:rPr lang="en-US" sz="1400">
+                              <a:effectLst/>
+                            </a:rPr>
+                            <a:t>		</a:t>
+                          </a:r>
+                          <a:r>
+                            <a:rPr lang="ru-RU" sz="1400">
+                              <a:effectLst/>
+                            </a:rPr>
+                            <a:t>Префикс отсекается</a:t>
+                          </a:r>
+                          <a:r>
+                            <a:rPr lang="en-US" sz="1400">
+                              <a:effectLst/>
+                            </a:rPr>
+                            <a:t>; continue</a:t>
+                          </a:r>
+                          <a:endParaRPr lang="ru-RU" sz="1400">
+                            <a:effectLst/>
+                            <a:latin typeface="Times New Roman" panose="02020603050405020304" pitchFamily="18" charset="0"/>
+                            <a:ea typeface="Calibri" panose="020F0502020204030204" pitchFamily="34" charset="0"/>
+                            <a:cs typeface="F"/>
+                          </a:endParaRPr>
+                        </a:p>
+                      </a:txBody>
+                      <a:tcPr marL="68580" marR="68580" marT="0" marB="0"/>
+                    </a:tc>
+                    <a:extLst>
+                      <a:ext uri="{0D108BD9-81ED-4DB2-BD59-A6C34878D82A}">
+                        <a16:rowId xmlns:a16="http://schemas.microsoft.com/office/drawing/2014/main" val="3312944662"/>
+                      </a:ext>
+                    </a:extLst>
+                  </a:tr>
+                  <a:tr h="0">
+                    <a:tc>
+                      <a:txBody>
+                        <a:bodyPr/>
+                        <a:lstStyle/>
+                        <a:p>
+                          <a:pPr marL="0" lvl="0" indent="0" algn="r">
+                            <a:lnSpc>
+                              <a:spcPct val="150000"/>
+                            </a:lnSpc>
+                            <a:spcAft>
+                              <a:spcPts val="0"/>
+                            </a:spcAft>
+                            <a:buFont typeface="+mj-lt"/>
+                            <a:buNone/>
+                          </a:pPr>
+                          <a:r>
+                            <a:rPr lang="en-US" sz="1400" dirty="0">
+                              <a:effectLst/>
+                            </a:rPr>
+                            <a:t>9</a:t>
+                          </a:r>
+                          <a:r>
+                            <a:rPr lang="ru-RU" sz="1400" dirty="0">
+                              <a:effectLst/>
+                            </a:rPr>
+                            <a:t> </a:t>
+                          </a:r>
+                          <a:endParaRPr lang="ru-RU" sz="1400" dirty="0">
+                            <a:effectLst/>
+                            <a:latin typeface="Times New Roman" panose="02020603050405020304" pitchFamily="18" charset="0"/>
+                            <a:ea typeface="Calibri" panose="020F0502020204030204" pitchFamily="34" charset="0"/>
+                            <a:cs typeface="F"/>
+                          </a:endParaRPr>
+                        </a:p>
+                      </a:txBody>
+                      <a:tcPr marL="68580" marR="68580" marT="0" marB="0"/>
+                    </a:tc>
+                    <a:tc>
+                      <a:txBody>
+                        <a:bodyPr/>
+                        <a:lstStyle/>
+                        <a:p>
+                          <a:pPr indent="180340" algn="just">
+                            <a:lnSpc>
+                              <a:spcPct val="150000"/>
+                            </a:lnSpc>
+                            <a:spcAft>
+                              <a:spcPts val="0"/>
+                            </a:spcAft>
+                          </a:pPr>
+                          <a:r>
+                            <a:rPr lang="en-US" sz="1400" dirty="0">
+                              <a:effectLst/>
+                            </a:rPr>
+                            <a:t>	</a:t>
+                          </a:r>
+                          <a:r>
+                            <a:rPr lang="en-US" sz="1400" b="1" dirty="0">
+                              <a:effectLst/>
+                            </a:rPr>
+                            <a:t>end</a:t>
+                          </a:r>
+                          <a:r>
+                            <a:rPr lang="en-US" sz="1400" dirty="0">
+                              <a:effectLst/>
+                            </a:rPr>
+                            <a:t> </a:t>
+                          </a:r>
+                          <a:r>
+                            <a:rPr lang="en-US" sz="1400" b="1" dirty="0">
+                              <a:effectLst/>
+                            </a:rPr>
+                            <a:t>if</a:t>
+                          </a:r>
+                          <a:endParaRPr lang="ru-RU" sz="1400" b="1" dirty="0">
+                            <a:effectLst/>
+                            <a:latin typeface="Times New Roman" panose="02020603050405020304" pitchFamily="18" charset="0"/>
+                            <a:ea typeface="Calibri" panose="020F0502020204030204" pitchFamily="34" charset="0"/>
+                            <a:cs typeface="F"/>
+                          </a:endParaRPr>
+                        </a:p>
+                      </a:txBody>
+                      <a:tcPr marL="68580" marR="68580" marT="0" marB="0"/>
+                    </a:tc>
+                    <a:extLst>
+                      <a:ext uri="{0D108BD9-81ED-4DB2-BD59-A6C34878D82A}">
+                        <a16:rowId xmlns:a16="http://schemas.microsoft.com/office/drawing/2014/main" val="3547983431"/>
+                      </a:ext>
+                    </a:extLst>
+                  </a:tr>
+                  <a:tr h="0">
+                    <a:tc>
+                      <a:txBody>
+                        <a:bodyPr/>
+                        <a:lstStyle/>
+                        <a:p>
+                          <a:pPr marL="0" lvl="0" indent="0" algn="r">
+                            <a:lnSpc>
+                              <a:spcPct val="150000"/>
+                            </a:lnSpc>
+                            <a:spcAft>
+                              <a:spcPts val="0"/>
+                            </a:spcAft>
+                            <a:buFont typeface="+mj-lt"/>
+                            <a:buNone/>
+                          </a:pPr>
+                          <a:r>
+                            <a:rPr lang="en-US" sz="1400" dirty="0">
+                              <a:effectLst/>
+                            </a:rPr>
+                            <a:t>10</a:t>
+                          </a:r>
+                          <a:r>
+                            <a:rPr lang="ru-RU" sz="1400" dirty="0">
+                              <a:effectLst/>
+                            </a:rPr>
+                            <a:t> </a:t>
+                          </a:r>
+                          <a:endParaRPr lang="ru-RU" sz="1400" dirty="0">
+                            <a:effectLst/>
+                            <a:latin typeface="Times New Roman" panose="02020603050405020304" pitchFamily="18" charset="0"/>
+                            <a:ea typeface="Calibri" panose="020F0502020204030204" pitchFamily="34" charset="0"/>
+                            <a:cs typeface="F"/>
+                          </a:endParaRPr>
+                        </a:p>
+                      </a:txBody>
+                      <a:tcPr marL="68580" marR="68580" marT="0" marB="0"/>
+                    </a:tc>
+                    <a:tc>
+                      <a:txBody>
+                        <a:bodyPr/>
+                        <a:lstStyle/>
+                        <a:p>
+                          <a:pPr indent="180340" algn="just">
+                            <a:lnSpc>
+                              <a:spcPct val="150000"/>
+                            </a:lnSpc>
+                            <a:spcAft>
+                              <a:spcPts val="0"/>
+                            </a:spcAft>
+                          </a:pPr>
+                          <a:r>
+                            <a:rPr lang="en-US" sz="1400">
+                              <a:effectLst/>
+                            </a:rPr>
+                            <a:t>	</a:t>
+                          </a:r>
+                          <a14:m>
+                            <m:oMath xmlns:m="http://schemas.openxmlformats.org/officeDocument/2006/math">
+                              <m:r>
+                                <a:rPr lang="en-US" sz="1400">
+                                  <a:effectLst/>
+                                </a:rPr>
+                                <m:t>𝑈𝑝𝑑𝑎𝑡𝑒𝐿𝑜𝑤𝑒𝑟𝐵𝑜𝑢𝑛𝑑</m:t>
+                              </m:r>
+                              <m:d>
+                                <m:dPr>
+                                  <m:ctrlPr>
+                                    <a:rPr lang="ru-RU" sz="1400">
+                                      <a:effectLst/>
+                                    </a:rPr>
+                                  </m:ctrlPr>
+                                </m:dPr>
+                                <m:e>
+                                  <m:r>
+                                    <a:rPr lang="en-US" sz="1400">
+                                      <a:effectLst/>
+                                    </a:rPr>
+                                    <m:t>𝜎</m:t>
+                                  </m:r>
+                                </m:e>
+                              </m:d>
+                            </m:oMath>
+                          </a14:m>
+                          <a:endParaRPr lang="ru-RU" sz="1400">
+                            <a:effectLst/>
+                            <a:latin typeface="Times New Roman" panose="02020603050405020304" pitchFamily="18" charset="0"/>
+                            <a:ea typeface="Calibri" panose="020F0502020204030204" pitchFamily="34" charset="0"/>
+                            <a:cs typeface="F"/>
+                          </a:endParaRPr>
+                        </a:p>
+                      </a:txBody>
+                      <a:tcPr marL="68580" marR="68580" marT="0" marB="0"/>
+                    </a:tc>
+                    <a:extLst>
+                      <a:ext uri="{0D108BD9-81ED-4DB2-BD59-A6C34878D82A}">
+                        <a16:rowId xmlns:a16="http://schemas.microsoft.com/office/drawing/2014/main" val="3478122721"/>
+                      </a:ext>
+                    </a:extLst>
+                  </a:tr>
+                  <a:tr h="0">
+                    <a:tc>
+                      <a:txBody>
+                        <a:bodyPr/>
+                        <a:lstStyle/>
+                        <a:p>
+                          <a:pPr marL="0" lvl="0" indent="0" algn="r">
+                            <a:lnSpc>
+                              <a:spcPct val="150000"/>
+                            </a:lnSpc>
+                            <a:spcAft>
+                              <a:spcPts val="0"/>
+                            </a:spcAft>
+                            <a:buFont typeface="+mj-lt"/>
+                            <a:buNone/>
+                          </a:pPr>
+                          <a:r>
+                            <a:rPr lang="en-US" sz="1400" dirty="0">
+                              <a:effectLst/>
+                            </a:rPr>
+                            <a:t>11</a:t>
+                          </a:r>
+                          <a:r>
+                            <a:rPr lang="ru-RU" sz="1400" dirty="0">
+                              <a:effectLst/>
+                            </a:rPr>
+                            <a:t> </a:t>
+                          </a:r>
+                          <a:endParaRPr lang="ru-RU" sz="1400" dirty="0">
+                            <a:effectLst/>
+                            <a:latin typeface="Times New Roman" panose="02020603050405020304" pitchFamily="18" charset="0"/>
+                            <a:ea typeface="Calibri" panose="020F0502020204030204" pitchFamily="34" charset="0"/>
+                            <a:cs typeface="F"/>
+                          </a:endParaRPr>
+                        </a:p>
+                      </a:txBody>
+                      <a:tcPr marL="68580" marR="68580" marT="0" marB="0"/>
+                    </a:tc>
+                    <a:tc>
+                      <a:txBody>
+                        <a:bodyPr/>
+                        <a:lstStyle/>
+                        <a:p>
+                          <a:pPr indent="180340" algn="just">
+                            <a:lnSpc>
+                              <a:spcPct val="150000"/>
+                            </a:lnSpc>
+                            <a:spcAft>
+                              <a:spcPts val="0"/>
+                            </a:spcAft>
+                          </a:pPr>
+                          <a:r>
+                            <a:rPr lang="en-US" sz="1400" dirty="0">
+                              <a:effectLst/>
+                            </a:rPr>
+                            <a:t>	</a:t>
+                          </a:r>
+                          <a:r>
+                            <a:rPr lang="en-US" sz="1400" b="1" dirty="0">
+                              <a:effectLst/>
+                            </a:rPr>
+                            <a:t>for</a:t>
+                          </a:r>
+                          <a:r>
+                            <a:rPr lang="en-US" sz="1400" dirty="0">
+                              <a:effectLst/>
+                            </a:rPr>
+                            <a:t> </a:t>
+                          </a:r>
+                          <a:r>
+                            <a:rPr lang="en-US" sz="1400" b="1" dirty="0">
+                              <a:effectLst/>
+                            </a:rPr>
+                            <a:t>all</a:t>
+                          </a:r>
+                          <a:r>
+                            <a:rPr lang="en-US" sz="1400" dirty="0">
+                              <a:effectLst/>
+                            </a:rPr>
+                            <a:t> </a:t>
+                          </a:r>
+                          <a14:m>
+                            <m:oMath xmlns:m="http://schemas.openxmlformats.org/officeDocument/2006/math">
+                              <m:r>
+                                <a:rPr lang="en-US" sz="1400">
+                                  <a:effectLst/>
+                                </a:rPr>
+                                <m:t>𝑐h𝑖𝑙𝑑</m:t>
+                              </m:r>
+                              <m:r>
+                                <a:rPr lang="en-US" sz="1400">
+                                  <a:effectLst/>
+                                </a:rPr>
+                                <m:t>∈</m:t>
+                              </m:r>
+                              <m:r>
+                                <a:rPr lang="en-US" sz="1400">
+                                  <a:effectLst/>
+                                </a:rPr>
+                                <m:t>𝐵𝑟𝑎𝑛𝑐h</m:t>
+                              </m:r>
+                              <m:r>
+                                <a:rPr lang="en-US" sz="1400">
+                                  <a:effectLst/>
+                                </a:rPr>
+                                <m:t>(</m:t>
+                              </m:r>
+                              <m:r>
+                                <a:rPr lang="en-US" sz="1400">
+                                  <a:effectLst/>
+                                </a:rPr>
+                                <m:t>𝜎</m:t>
+                              </m:r>
+                              <m:r>
+                                <a:rPr lang="en-US" sz="1400">
+                                  <a:effectLst/>
+                                </a:rPr>
+                                <m:t>)</m:t>
+                              </m:r>
+                            </m:oMath>
+                          </a14:m>
+                          <a:r>
+                            <a:rPr lang="en-US" sz="1400" dirty="0">
+                              <a:effectLst/>
+                            </a:rPr>
+                            <a:t> </a:t>
+                          </a:r>
+                          <a:r>
+                            <a:rPr lang="en-US" sz="1400" b="1" dirty="0">
+                              <a:effectLst/>
+                            </a:rPr>
+                            <a:t>do</a:t>
+                          </a:r>
+                          <a:endParaRPr lang="ru-RU" sz="1400" b="1" dirty="0">
+                            <a:effectLst/>
+                            <a:latin typeface="Times New Roman" panose="02020603050405020304" pitchFamily="18" charset="0"/>
+                            <a:ea typeface="Calibri" panose="020F0502020204030204" pitchFamily="34" charset="0"/>
+                            <a:cs typeface="F"/>
+                          </a:endParaRPr>
+                        </a:p>
+                      </a:txBody>
+                      <a:tcPr marL="68580" marR="68580" marT="0" marB="0"/>
+                    </a:tc>
+                    <a:extLst>
+                      <a:ext uri="{0D108BD9-81ED-4DB2-BD59-A6C34878D82A}">
+                        <a16:rowId xmlns:a16="http://schemas.microsoft.com/office/drawing/2014/main" val="3052885238"/>
+                      </a:ext>
+                    </a:extLst>
+                  </a:tr>
+                  <a:tr h="0">
+                    <a:tc>
+                      <a:txBody>
+                        <a:bodyPr/>
+                        <a:lstStyle/>
+                        <a:p>
+                          <a:pPr marL="0" lvl="0" indent="0" algn="r">
+                            <a:lnSpc>
+                              <a:spcPct val="150000"/>
+                            </a:lnSpc>
+                            <a:spcAft>
+                              <a:spcPts val="0"/>
+                            </a:spcAft>
+                            <a:buFont typeface="+mj-lt"/>
+                            <a:buNone/>
+                          </a:pPr>
+                          <a:r>
+                            <a:rPr lang="en-US" sz="1400" dirty="0">
+                              <a:effectLst/>
+                            </a:rPr>
+                            <a:t>12 </a:t>
+                          </a:r>
+                          <a:endParaRPr lang="ru-RU" sz="1400" dirty="0">
+                            <a:effectLst/>
+                            <a:latin typeface="Times New Roman" panose="02020603050405020304" pitchFamily="18" charset="0"/>
+                            <a:ea typeface="Calibri" panose="020F0502020204030204" pitchFamily="34" charset="0"/>
+                            <a:cs typeface="F"/>
+                          </a:endParaRPr>
+                        </a:p>
+                      </a:txBody>
+                      <a:tcPr marL="68580" marR="68580" marT="0" marB="0"/>
+                    </a:tc>
+                    <a:tc>
+                      <a:txBody>
+                        <a:bodyPr/>
+                        <a:lstStyle/>
+                        <a:p>
+                          <a:pPr indent="180340" algn="just">
+                            <a:lnSpc>
+                              <a:spcPct val="150000"/>
+                            </a:lnSpc>
+                            <a:spcAft>
+                              <a:spcPts val="0"/>
+                            </a:spcAft>
+                          </a:pPr>
+                          <a:r>
+                            <a:rPr lang="en-US" sz="1400">
+                              <a:effectLst/>
+                            </a:rPr>
+                            <a:t>		</a:t>
+                          </a:r>
+                          <a:r>
+                            <a:rPr lang="ru-RU" sz="1400">
+                              <a:effectLst/>
+                            </a:rPr>
+                            <a:t>Помещаем префикс в очередь на обработку </a:t>
+                          </a:r>
+                          <a14:m>
+                            <m:oMath xmlns:m="http://schemas.openxmlformats.org/officeDocument/2006/math">
+                              <m:r>
+                                <a:rPr lang="ru-RU" sz="1400">
+                                  <a:effectLst/>
+                                </a:rPr>
+                                <m:t>𝑄</m:t>
+                              </m:r>
+                            </m:oMath>
+                          </a14:m>
+                          <a:r>
+                            <a:rPr lang="ru-RU" sz="1400">
+                              <a:effectLst/>
+                            </a:rPr>
+                            <a:t>.</a:t>
+                          </a:r>
+                          <a:r>
+                            <a:rPr lang="en-US" sz="1400">
+                              <a:effectLst/>
+                            </a:rPr>
+                            <a:t>push</a:t>
+                          </a:r>
+                          <a:r>
+                            <a:rPr lang="ru-RU" sz="1400">
+                              <a:effectLst/>
+                            </a:rPr>
+                            <a:t>(</a:t>
+                          </a:r>
+                          <a14:m>
+                            <m:oMath xmlns:m="http://schemas.openxmlformats.org/officeDocument/2006/math">
+                              <m:r>
+                                <a:rPr lang="en-US" sz="1400">
+                                  <a:effectLst/>
+                                </a:rPr>
+                                <m:t>𝑐</m:t>
+                              </m:r>
+                              <m:r>
+                                <a:rPr lang="ru-RU" sz="1400">
+                                  <a:effectLst/>
+                                </a:rPr>
+                                <m:t>h</m:t>
+                              </m:r>
+                              <m:r>
+                                <a:rPr lang="en-US" sz="1400">
+                                  <a:effectLst/>
+                                </a:rPr>
+                                <m:t>𝑖𝑙𝑑</m:t>
+                              </m:r>
+                            </m:oMath>
+                          </a14:m>
+                          <a:r>
+                            <a:rPr lang="ru-RU" sz="1400">
+                              <a:effectLst/>
+                            </a:rPr>
+                            <a:t>)</a:t>
+                          </a:r>
+                          <a:endParaRPr lang="ru-RU" sz="1400">
+                            <a:effectLst/>
+                            <a:latin typeface="Times New Roman" panose="02020603050405020304" pitchFamily="18" charset="0"/>
+                            <a:ea typeface="Calibri" panose="020F0502020204030204" pitchFamily="34" charset="0"/>
+                            <a:cs typeface="F"/>
+                          </a:endParaRPr>
+                        </a:p>
+                      </a:txBody>
+                      <a:tcPr marL="68580" marR="68580" marT="0" marB="0"/>
+                    </a:tc>
+                    <a:extLst>
+                      <a:ext uri="{0D108BD9-81ED-4DB2-BD59-A6C34878D82A}">
+                        <a16:rowId xmlns:a16="http://schemas.microsoft.com/office/drawing/2014/main" val="463240187"/>
+                      </a:ext>
+                    </a:extLst>
+                  </a:tr>
+                  <a:tr h="0">
+                    <a:tc>
+                      <a:txBody>
+                        <a:bodyPr/>
+                        <a:lstStyle/>
+                        <a:p>
+                          <a:pPr marL="0" lvl="0" indent="0" algn="r">
+                            <a:lnSpc>
+                              <a:spcPct val="150000"/>
+                            </a:lnSpc>
+                            <a:spcAft>
+                              <a:spcPts val="0"/>
+                            </a:spcAft>
+                            <a:buFont typeface="+mj-lt"/>
+                            <a:buNone/>
+                          </a:pPr>
+                          <a:r>
+                            <a:rPr lang="en-US" sz="1400" dirty="0">
+                              <a:effectLst/>
+                            </a:rPr>
+                            <a:t>13</a:t>
+                          </a:r>
+                          <a:r>
+                            <a:rPr lang="ru-RU" sz="1400" dirty="0">
+                              <a:effectLst/>
+                            </a:rPr>
+                            <a:t> </a:t>
+                          </a:r>
+                          <a:endParaRPr lang="ru-RU" sz="1400" dirty="0">
+                            <a:effectLst/>
+                            <a:latin typeface="Times New Roman" panose="02020603050405020304" pitchFamily="18" charset="0"/>
+                            <a:ea typeface="Calibri" panose="020F0502020204030204" pitchFamily="34" charset="0"/>
+                            <a:cs typeface="F"/>
+                          </a:endParaRPr>
+                        </a:p>
+                      </a:txBody>
+                      <a:tcPr marL="68580" marR="68580" marT="0" marB="0"/>
+                    </a:tc>
+                    <a:tc>
+                      <a:txBody>
+                        <a:bodyPr/>
+                        <a:lstStyle/>
+                        <a:p>
+                          <a:pPr indent="180340" algn="just">
+                            <a:lnSpc>
+                              <a:spcPct val="150000"/>
+                            </a:lnSpc>
+                            <a:spcAft>
+                              <a:spcPts val="0"/>
+                            </a:spcAft>
+                          </a:pPr>
+                          <a:r>
+                            <a:rPr lang="ru-RU" sz="1400" dirty="0">
+                              <a:effectLst/>
+                            </a:rPr>
+                            <a:t>	</a:t>
+                          </a:r>
+                          <a:r>
+                            <a:rPr lang="en-US" sz="1400" b="1" dirty="0">
+                              <a:effectLst/>
+                            </a:rPr>
+                            <a:t>end</a:t>
+                          </a:r>
+                          <a:r>
+                            <a:rPr lang="en-US" sz="1400" dirty="0">
+                              <a:effectLst/>
+                            </a:rPr>
+                            <a:t> </a:t>
+                          </a:r>
+                          <a:r>
+                            <a:rPr lang="en-US" sz="1400" b="1" dirty="0">
+                              <a:effectLst/>
+                            </a:rPr>
+                            <a:t>for</a:t>
+                          </a:r>
+                          <a:endParaRPr lang="ru-RU" sz="1400" b="1" dirty="0">
+                            <a:effectLst/>
+                            <a:latin typeface="Times New Roman" panose="02020603050405020304" pitchFamily="18" charset="0"/>
+                            <a:ea typeface="Calibri" panose="020F0502020204030204" pitchFamily="34" charset="0"/>
+                            <a:cs typeface="F"/>
+                          </a:endParaRPr>
+                        </a:p>
+                      </a:txBody>
+                      <a:tcPr marL="68580" marR="68580" marT="0" marB="0"/>
+                    </a:tc>
+                    <a:extLst>
+                      <a:ext uri="{0D108BD9-81ED-4DB2-BD59-A6C34878D82A}">
+                        <a16:rowId xmlns:a16="http://schemas.microsoft.com/office/drawing/2014/main" val="4245688468"/>
+                      </a:ext>
+                    </a:extLst>
+                  </a:tr>
+                  <a:tr h="0">
+                    <a:tc>
+                      <a:txBody>
+                        <a:bodyPr/>
+                        <a:lstStyle/>
+                        <a:p>
+                          <a:pPr marL="0" lvl="0" indent="0" algn="r">
+                            <a:lnSpc>
+                              <a:spcPct val="150000"/>
+                            </a:lnSpc>
+                            <a:spcAft>
+                              <a:spcPts val="0"/>
+                            </a:spcAft>
+                            <a:buFont typeface="+mj-lt"/>
+                            <a:buNone/>
+                          </a:pPr>
+                          <a:r>
+                            <a:rPr lang="en-US" sz="1400" dirty="0">
+                              <a:effectLst/>
+                            </a:rPr>
+                            <a:t>14</a:t>
+                          </a:r>
+                          <a:r>
+                            <a:rPr lang="ru-RU" sz="1400" dirty="0">
+                              <a:effectLst/>
+                            </a:rPr>
+                            <a:t> </a:t>
+                          </a:r>
+                          <a:endParaRPr lang="ru-RU" sz="1400" dirty="0">
+                            <a:effectLst/>
+                            <a:latin typeface="Times New Roman" panose="02020603050405020304" pitchFamily="18" charset="0"/>
+                            <a:ea typeface="Calibri" panose="020F0502020204030204" pitchFamily="34" charset="0"/>
+                            <a:cs typeface="F"/>
+                          </a:endParaRPr>
+                        </a:p>
+                      </a:txBody>
+                      <a:tcPr marL="68580" marR="68580" marT="0" marB="0"/>
+                    </a:tc>
+                    <a:tc>
+                      <a:txBody>
+                        <a:bodyPr/>
+                        <a:lstStyle/>
+                        <a:p>
+                          <a:pPr indent="180340" algn="just">
+                            <a:lnSpc>
+                              <a:spcPct val="150000"/>
+                            </a:lnSpc>
+                            <a:spcAft>
+                              <a:spcPts val="0"/>
+                            </a:spcAft>
+                          </a:pPr>
+                          <a:r>
+                            <a:rPr lang="en-US" sz="1400" b="1" dirty="0">
+                              <a:effectLst/>
+                            </a:rPr>
+                            <a:t>end</a:t>
+                          </a:r>
+                          <a:r>
+                            <a:rPr lang="en-US" sz="1400" dirty="0">
+                              <a:effectLst/>
+                            </a:rPr>
+                            <a:t> </a:t>
+                          </a:r>
+                          <a:r>
+                            <a:rPr lang="en-US" sz="1400" b="1" dirty="0">
+                              <a:effectLst/>
+                            </a:rPr>
+                            <a:t>while</a:t>
+                          </a:r>
+                          <a:endParaRPr lang="ru-RU" sz="1400" b="1" dirty="0">
+                            <a:effectLst/>
+                            <a:latin typeface="Times New Roman" panose="02020603050405020304" pitchFamily="18" charset="0"/>
+                            <a:ea typeface="Calibri" panose="020F0502020204030204" pitchFamily="34" charset="0"/>
+                            <a:cs typeface="F"/>
+                          </a:endParaRPr>
+                        </a:p>
+                      </a:txBody>
+                      <a:tcPr marL="68580" marR="68580" marT="0" marB="0"/>
+                    </a:tc>
+                    <a:extLst>
+                      <a:ext uri="{0D108BD9-81ED-4DB2-BD59-A6C34878D82A}">
+                        <a16:rowId xmlns:a16="http://schemas.microsoft.com/office/drawing/2014/main" val="3974674475"/>
+                      </a:ext>
+                    </a:extLst>
+                  </a:tr>
+                </a:tbl>
+              </a:graphicData>
+            </a:graphic>
+          </p:graphicFrame>
+        </mc:Choice>
+        <mc:Fallback>
+          <p:graphicFrame>
+            <p:nvGraphicFramePr>
+              <p:cNvPr id="2" name="Таблица 1">
+                <a:extLst>
+                  <a:ext uri="{FF2B5EF4-FFF2-40B4-BE49-F238E27FC236}">
+                    <a16:creationId xmlns:a16="http://schemas.microsoft.com/office/drawing/2014/main" id="{BC1DB471-CD71-4286-A5EB-D37A4E97630E}"/>
+                  </a:ext>
+                </a:extLst>
+              </p:cNvPr>
+              <p:cNvGraphicFramePr>
+                <a:graphicFrameLocks noGrp="1"/>
+              </p:cNvGraphicFramePr>
+              <p:nvPr>
+                <p:extLst>
+                  <p:ext uri="{D42A27DB-BD31-4B8C-83A1-F6EECF244321}">
+                    <p14:modId xmlns:p14="http://schemas.microsoft.com/office/powerpoint/2010/main" val="2256080651"/>
+                  </p:ext>
+                </p:extLst>
+              </p:nvPr>
+            </p:nvGraphicFramePr>
+            <p:xfrm>
+              <a:off x="643078" y="677774"/>
+              <a:ext cx="7378292" cy="4893064"/>
+            </p:xfrm>
+            <a:graphic>
+              <a:graphicData uri="http://schemas.openxmlformats.org/drawingml/2006/table">
+                <a:tbl>
+                  <a:tblPr firstRow="1" firstCol="1" bandRow="1">
+                    <a:tableStyleId>{5C22544A-7EE6-4342-B048-85BDC9FD1C3A}</a:tableStyleId>
+                  </a:tblPr>
+                  <a:tblGrid>
+                    <a:gridCol w="896936">
+                      <a:extLst>
+                        <a:ext uri="{9D8B030D-6E8A-4147-A177-3AD203B41FA5}">
+                          <a16:colId xmlns:a16="http://schemas.microsoft.com/office/drawing/2014/main" val="3394523577"/>
+                        </a:ext>
+                      </a:extLst>
+                    </a:gridCol>
+                    <a:gridCol w="6481356">
+                      <a:extLst>
+                        <a:ext uri="{9D8B030D-6E8A-4147-A177-3AD203B41FA5}">
+                          <a16:colId xmlns:a16="http://schemas.microsoft.com/office/drawing/2014/main" val="3748859221"/>
+                        </a:ext>
+                      </a:extLst>
+                    </a:gridCol>
+                  </a:tblGrid>
+                  <a:tr h="285814">
+                    <a:tc gridSpan="2">
+                      <a:txBody>
+                        <a:bodyPr/>
+                        <a:lstStyle/>
+                        <a:p>
+                          <a:pPr indent="180340" algn="just">
+                            <a:lnSpc>
+                              <a:spcPct val="150000"/>
+                            </a:lnSpc>
+                            <a:spcAft>
+                              <a:spcPts val="0"/>
+                            </a:spcAft>
+                          </a:pPr>
+                          <a:r>
+                            <a:rPr lang="ru-RU" sz="1400" dirty="0">
+                              <a:effectLst/>
+                            </a:rPr>
+                            <a:t>Метод ветвей и границ :: Главная процедура</a:t>
+                          </a:r>
+                          <a:endParaRPr lang="ru-RU" sz="1400" dirty="0">
+                            <a:effectLst/>
+                            <a:latin typeface="Times New Roman" panose="02020603050405020304" pitchFamily="18" charset="0"/>
+                            <a:ea typeface="Calibri" panose="020F0502020204030204" pitchFamily="34" charset="0"/>
+                            <a:cs typeface="F"/>
+                          </a:endParaRPr>
+                        </a:p>
+                      </a:txBody>
+                      <a:tcPr marL="68580" marR="68580" marT="0" marB="0"/>
+                    </a:tc>
+                    <a:tc hMerge="1">
+                      <a:txBody>
+                        <a:bodyPr/>
+                        <a:lstStyle/>
+                        <a:p>
+                          <a:endParaRPr lang="ru-RU"/>
+                        </a:p>
+                      </a:txBody>
+                      <a:tcPr/>
+                    </a:tc>
+                    <a:extLst>
+                      <a:ext uri="{0D108BD9-81ED-4DB2-BD59-A6C34878D82A}">
+                        <a16:rowId xmlns:a16="http://schemas.microsoft.com/office/drawing/2014/main" val="293592422"/>
+                      </a:ext>
+                    </a:extLst>
+                  </a:tr>
+                  <a:tr h="285814">
+                    <a:tc>
+                      <a:txBody>
+                        <a:bodyPr/>
+                        <a:lstStyle/>
+                        <a:p>
+                          <a:pPr indent="180340" algn="r">
+                            <a:lnSpc>
+                              <a:spcPct val="150000"/>
+                            </a:lnSpc>
+                            <a:spcAft>
+                              <a:spcPts val="0"/>
+                            </a:spcAft>
+                          </a:pPr>
+                          <a:r>
+                            <a:rPr lang="ru-RU" sz="1400" dirty="0">
+                              <a:effectLst/>
+                            </a:rPr>
+                            <a:t>Вход:</a:t>
+                          </a:r>
+                          <a:endParaRPr lang="ru-RU" sz="1400" dirty="0">
+                            <a:effectLst/>
+                            <a:latin typeface="Times New Roman" panose="02020603050405020304" pitchFamily="18" charset="0"/>
+                            <a:ea typeface="Calibri" panose="020F0502020204030204" pitchFamily="34" charset="0"/>
+                            <a:cs typeface="F"/>
+                          </a:endParaRPr>
+                        </a:p>
+                      </a:txBody>
+                      <a:tcPr marL="68580" marR="68580" marT="0" marB="0"/>
+                    </a:tc>
+                    <a:tc>
+                      <a:txBody>
+                        <a:bodyPr/>
+                        <a:lstStyle/>
+                        <a:p>
+                          <a:endParaRPr lang="ru-RU"/>
+                        </a:p>
+                      </a:txBody>
+                      <a:tcPr marL="68580" marR="68580" marT="0" marB="0">
+                        <a:blipFill>
+                          <a:blip r:embed="rId2"/>
+                          <a:stretch>
+                            <a:fillRect l="-13910" t="-102128" r="-470" b="-1546809"/>
+                          </a:stretch>
+                        </a:blipFill>
+                      </a:tcPr>
+                    </a:tc>
+                    <a:extLst>
+                      <a:ext uri="{0D108BD9-81ED-4DB2-BD59-A6C34878D82A}">
+                        <a16:rowId xmlns:a16="http://schemas.microsoft.com/office/drawing/2014/main" val="454614826"/>
+                      </a:ext>
+                    </a:extLst>
+                  </a:tr>
+                  <a:tr h="285814">
+                    <a:tc>
+                      <a:txBody>
+                        <a:bodyPr/>
+                        <a:lstStyle/>
+                        <a:p>
+                          <a:pPr indent="180340" algn="r">
+                            <a:lnSpc>
+                              <a:spcPct val="150000"/>
+                            </a:lnSpc>
+                            <a:spcAft>
+                              <a:spcPts val="0"/>
+                            </a:spcAft>
+                          </a:pPr>
+                          <a:r>
+                            <a:rPr lang="ru-RU" sz="1400">
+                              <a:effectLst/>
+                            </a:rPr>
+                            <a:t>Выход:</a:t>
+                          </a:r>
+                          <a:endParaRPr lang="ru-RU" sz="1400">
+                            <a:effectLst/>
+                            <a:latin typeface="Times New Roman" panose="02020603050405020304" pitchFamily="18" charset="0"/>
+                            <a:ea typeface="Calibri" panose="020F0502020204030204" pitchFamily="34" charset="0"/>
+                            <a:cs typeface="F"/>
+                          </a:endParaRPr>
+                        </a:p>
+                      </a:txBody>
+                      <a:tcPr marL="68580" marR="68580" marT="0" marB="0"/>
+                    </a:tc>
+                    <a:tc>
+                      <a:txBody>
+                        <a:bodyPr/>
+                        <a:lstStyle/>
+                        <a:p>
+                          <a:pPr indent="180340" algn="just">
+                            <a:lnSpc>
+                              <a:spcPct val="150000"/>
+                            </a:lnSpc>
+                            <a:spcAft>
+                              <a:spcPts val="0"/>
+                            </a:spcAft>
+                          </a:pPr>
+                          <a:r>
+                            <a:rPr lang="ru-RU" sz="1400" dirty="0">
+                              <a:effectLst/>
+                            </a:rPr>
+                            <a:t>маршрут и его стоимость</a:t>
+                          </a:r>
+                          <a:endParaRPr lang="ru-RU" sz="1400" dirty="0">
+                            <a:effectLst/>
+                            <a:latin typeface="Times New Roman" panose="02020603050405020304" pitchFamily="18" charset="0"/>
+                            <a:ea typeface="Calibri" panose="020F0502020204030204" pitchFamily="34" charset="0"/>
+                            <a:cs typeface="F"/>
+                          </a:endParaRPr>
+                        </a:p>
+                      </a:txBody>
+                      <a:tcPr marL="68580" marR="68580" marT="0" marB="0"/>
+                    </a:tc>
+                    <a:extLst>
+                      <a:ext uri="{0D108BD9-81ED-4DB2-BD59-A6C34878D82A}">
+                        <a16:rowId xmlns:a16="http://schemas.microsoft.com/office/drawing/2014/main" val="2629015952"/>
+                      </a:ext>
+                    </a:extLst>
+                  </a:tr>
+                  <a:tr h="285814">
+                    <a:tc>
+                      <a:txBody>
+                        <a:bodyPr/>
+                        <a:lstStyle/>
+                        <a:p>
+                          <a:pPr marL="0" lvl="0" indent="0" algn="r">
+                            <a:lnSpc>
+                              <a:spcPct val="150000"/>
+                            </a:lnSpc>
+                            <a:spcAft>
+                              <a:spcPts val="0"/>
+                            </a:spcAft>
+                            <a:buFont typeface="+mj-lt"/>
+                            <a:buNone/>
+                          </a:pPr>
+                          <a:r>
+                            <a:rPr lang="en-US" sz="1400" dirty="0">
+                              <a:effectLst/>
+                            </a:rPr>
+                            <a:t>1</a:t>
+                          </a:r>
+                          <a:r>
+                            <a:rPr lang="ru-RU" sz="1400" dirty="0">
+                              <a:effectLst/>
+                            </a:rPr>
+                            <a:t> </a:t>
+                          </a:r>
+                          <a:endParaRPr lang="ru-RU" sz="1400" dirty="0">
+                            <a:effectLst/>
+                            <a:latin typeface="Times New Roman" panose="02020603050405020304" pitchFamily="18" charset="0"/>
+                            <a:ea typeface="Calibri" panose="020F0502020204030204" pitchFamily="34" charset="0"/>
+                            <a:cs typeface="F"/>
+                          </a:endParaRPr>
+                        </a:p>
+                      </a:txBody>
+                      <a:tcPr marL="68580" marR="68580" marT="0" marB="0"/>
+                    </a:tc>
+                    <a:tc>
+                      <a:txBody>
+                        <a:bodyPr/>
+                        <a:lstStyle/>
+                        <a:p>
+                          <a:endParaRPr lang="ru-RU"/>
+                        </a:p>
+                      </a:txBody>
+                      <a:tcPr marL="68580" marR="68580" marT="0" marB="0">
+                        <a:blipFill>
+                          <a:blip r:embed="rId2"/>
+                          <a:stretch>
+                            <a:fillRect l="-13910" t="-302128" r="-470" b="-1346809"/>
+                          </a:stretch>
+                        </a:blipFill>
+                      </a:tcPr>
+                    </a:tc>
+                    <a:extLst>
+                      <a:ext uri="{0D108BD9-81ED-4DB2-BD59-A6C34878D82A}">
+                        <a16:rowId xmlns:a16="http://schemas.microsoft.com/office/drawing/2014/main" val="747659049"/>
+                      </a:ext>
+                    </a:extLst>
+                  </a:tr>
+                  <a:tr h="285814">
+                    <a:tc>
+                      <a:txBody>
+                        <a:bodyPr/>
+                        <a:lstStyle/>
+                        <a:p>
+                          <a:pPr marL="0" lvl="0" indent="0" algn="r">
+                            <a:lnSpc>
+                              <a:spcPct val="150000"/>
+                            </a:lnSpc>
+                            <a:spcAft>
+                              <a:spcPts val="0"/>
+                            </a:spcAft>
+                            <a:buFont typeface="+mj-lt"/>
+                            <a:buNone/>
+                          </a:pPr>
+                          <a:r>
+                            <a:rPr lang="en-US" sz="1400" dirty="0">
+                              <a:effectLst/>
+                            </a:rPr>
+                            <a:t>2</a:t>
+                          </a:r>
+                          <a:r>
+                            <a:rPr lang="ru-RU" sz="1400" dirty="0">
+                              <a:effectLst/>
+                            </a:rPr>
+                            <a:t> </a:t>
+                          </a:r>
+                          <a:endParaRPr lang="ru-RU" sz="1400" dirty="0">
+                            <a:effectLst/>
+                            <a:latin typeface="Times New Roman" panose="02020603050405020304" pitchFamily="18" charset="0"/>
+                            <a:ea typeface="Calibri" panose="020F0502020204030204" pitchFamily="34" charset="0"/>
+                            <a:cs typeface="F"/>
+                          </a:endParaRPr>
+                        </a:p>
+                      </a:txBody>
+                      <a:tcPr marL="68580" marR="68580" marT="0" marB="0"/>
+                    </a:tc>
+                    <a:tc>
+                      <a:txBody>
+                        <a:bodyPr/>
+                        <a:lstStyle/>
+                        <a:p>
+                          <a:endParaRPr lang="ru-RU"/>
+                        </a:p>
+                      </a:txBody>
+                      <a:tcPr marL="68580" marR="68580" marT="0" marB="0">
+                        <a:blipFill>
+                          <a:blip r:embed="rId2"/>
+                          <a:stretch>
+                            <a:fillRect l="-13910" t="-402128" r="-470" b="-1246809"/>
+                          </a:stretch>
+                        </a:blipFill>
+                      </a:tcPr>
+                    </a:tc>
+                    <a:extLst>
+                      <a:ext uri="{0D108BD9-81ED-4DB2-BD59-A6C34878D82A}">
+                        <a16:rowId xmlns:a16="http://schemas.microsoft.com/office/drawing/2014/main" val="1583166810"/>
+                      </a:ext>
+                    </a:extLst>
+                  </a:tr>
+                  <a:tr h="320040">
+                    <a:tc>
+                      <a:txBody>
+                        <a:bodyPr/>
+                        <a:lstStyle/>
+                        <a:p>
+                          <a:pPr marL="0" lvl="0" indent="0" algn="r">
+                            <a:lnSpc>
+                              <a:spcPct val="150000"/>
+                            </a:lnSpc>
+                            <a:spcAft>
+                              <a:spcPts val="0"/>
+                            </a:spcAft>
+                            <a:buFont typeface="+mj-lt"/>
+                            <a:buNone/>
+                          </a:pPr>
+                          <a:r>
+                            <a:rPr lang="en-US" sz="1400" dirty="0">
+                              <a:effectLst/>
+                            </a:rPr>
+                            <a:t>3</a:t>
+                          </a:r>
+                          <a:r>
+                            <a:rPr lang="ru-RU" sz="1400" dirty="0">
+                              <a:effectLst/>
+                            </a:rPr>
+                            <a:t> </a:t>
+                          </a:r>
+                          <a:endParaRPr lang="ru-RU" sz="1400" dirty="0">
+                            <a:effectLst/>
+                            <a:latin typeface="Times New Roman" panose="02020603050405020304" pitchFamily="18" charset="0"/>
+                            <a:ea typeface="Calibri" panose="020F0502020204030204" pitchFamily="34" charset="0"/>
+                            <a:cs typeface="F"/>
+                          </a:endParaRPr>
+                        </a:p>
+                      </a:txBody>
+                      <a:tcPr marL="68580" marR="68580" marT="0" marB="0"/>
+                    </a:tc>
+                    <a:tc>
+                      <a:txBody>
+                        <a:bodyPr/>
+                        <a:lstStyle/>
+                        <a:p>
+                          <a:endParaRPr lang="ru-RU"/>
+                        </a:p>
+                      </a:txBody>
+                      <a:tcPr marL="68580" marR="68580" marT="0" marB="0">
+                        <a:blipFill>
+                          <a:blip r:embed="rId2"/>
+                          <a:stretch>
+                            <a:fillRect l="-13910" t="-453846" r="-470" b="-1026923"/>
+                          </a:stretch>
+                        </a:blipFill>
+                      </a:tcPr>
+                    </a:tc>
+                    <a:extLst>
+                      <a:ext uri="{0D108BD9-81ED-4DB2-BD59-A6C34878D82A}">
+                        <a16:rowId xmlns:a16="http://schemas.microsoft.com/office/drawing/2014/main" val="2877980006"/>
+                      </a:ext>
+                    </a:extLst>
+                  </a:tr>
+                  <a:tr h="285814">
+                    <a:tc>
+                      <a:txBody>
+                        <a:bodyPr/>
+                        <a:lstStyle/>
+                        <a:p>
+                          <a:pPr marL="0" lvl="0" indent="0" algn="r">
+                            <a:lnSpc>
+                              <a:spcPct val="150000"/>
+                            </a:lnSpc>
+                            <a:spcAft>
+                              <a:spcPts val="0"/>
+                            </a:spcAft>
+                            <a:buFont typeface="+mj-lt"/>
+                            <a:buNone/>
+                          </a:pPr>
+                          <a:r>
+                            <a:rPr lang="en-US" sz="1400" dirty="0">
+                              <a:effectLst/>
+                            </a:rPr>
+                            <a:t>4</a:t>
+                          </a:r>
+                          <a:r>
+                            <a:rPr lang="ru-RU" sz="1400" dirty="0">
+                              <a:effectLst/>
+                            </a:rPr>
+                            <a:t> </a:t>
+                          </a:r>
+                          <a:endParaRPr lang="ru-RU" sz="1400" dirty="0">
+                            <a:effectLst/>
+                            <a:latin typeface="Times New Roman" panose="02020603050405020304" pitchFamily="18" charset="0"/>
+                            <a:ea typeface="Calibri" panose="020F0502020204030204" pitchFamily="34" charset="0"/>
+                            <a:cs typeface="F"/>
+                          </a:endParaRPr>
+                        </a:p>
+                      </a:txBody>
+                      <a:tcPr marL="68580" marR="68580" marT="0" marB="0"/>
+                    </a:tc>
+                    <a:tc>
+                      <a:txBody>
+                        <a:bodyPr/>
+                        <a:lstStyle/>
+                        <a:p>
+                          <a:endParaRPr lang="ru-RU"/>
+                        </a:p>
+                      </a:txBody>
+                      <a:tcPr marL="68580" marR="68580" marT="0" marB="0">
+                        <a:blipFill>
+                          <a:blip r:embed="rId2"/>
+                          <a:stretch>
+                            <a:fillRect l="-13910" t="-612766" r="-470" b="-1036170"/>
+                          </a:stretch>
+                        </a:blipFill>
+                      </a:tcPr>
+                    </a:tc>
+                    <a:extLst>
+                      <a:ext uri="{0D108BD9-81ED-4DB2-BD59-A6C34878D82A}">
+                        <a16:rowId xmlns:a16="http://schemas.microsoft.com/office/drawing/2014/main" val="2119870380"/>
+                      </a:ext>
+                    </a:extLst>
+                  </a:tr>
+                  <a:tr h="285814">
+                    <a:tc>
+                      <a:txBody>
+                        <a:bodyPr/>
+                        <a:lstStyle/>
+                        <a:p>
+                          <a:pPr marL="0" lvl="0" indent="0" algn="r">
+                            <a:lnSpc>
+                              <a:spcPct val="150000"/>
+                            </a:lnSpc>
+                            <a:spcAft>
+                              <a:spcPts val="0"/>
+                            </a:spcAft>
+                            <a:buFont typeface="+mj-lt"/>
+                            <a:buNone/>
+                          </a:pPr>
+                          <a:r>
+                            <a:rPr lang="en-US" sz="1400" dirty="0">
+                              <a:effectLst/>
+                            </a:rPr>
+                            <a:t>5</a:t>
+                          </a:r>
+                          <a:r>
+                            <a:rPr lang="ru-RU" sz="1400" dirty="0">
+                              <a:effectLst/>
+                            </a:rPr>
+                            <a:t> </a:t>
+                          </a:r>
+                          <a:endParaRPr lang="ru-RU" sz="1400" dirty="0">
+                            <a:effectLst/>
+                            <a:latin typeface="Times New Roman" panose="02020603050405020304" pitchFamily="18" charset="0"/>
+                            <a:ea typeface="Calibri" panose="020F0502020204030204" pitchFamily="34" charset="0"/>
+                            <a:cs typeface="F"/>
+                          </a:endParaRPr>
+                        </a:p>
+                      </a:txBody>
+                      <a:tcPr marL="68580" marR="68580" marT="0" marB="0"/>
+                    </a:tc>
+                    <a:tc>
+                      <a:txBody>
+                        <a:bodyPr/>
+                        <a:lstStyle/>
+                        <a:p>
+                          <a:endParaRPr lang="ru-RU"/>
+                        </a:p>
+                      </a:txBody>
+                      <a:tcPr marL="68580" marR="68580" marT="0" marB="0">
+                        <a:blipFill>
+                          <a:blip r:embed="rId2"/>
+                          <a:stretch>
+                            <a:fillRect l="-13910" t="-712766" r="-470" b="-936170"/>
+                          </a:stretch>
+                        </a:blipFill>
+                      </a:tcPr>
+                    </a:tc>
+                    <a:extLst>
+                      <a:ext uri="{0D108BD9-81ED-4DB2-BD59-A6C34878D82A}">
+                        <a16:rowId xmlns:a16="http://schemas.microsoft.com/office/drawing/2014/main" val="2814385472"/>
+                      </a:ext>
+                    </a:extLst>
+                  </a:tr>
+                  <a:tr h="285814">
+                    <a:tc>
+                      <a:txBody>
+                        <a:bodyPr/>
+                        <a:lstStyle/>
+                        <a:p>
+                          <a:pPr marL="0" lvl="0" indent="0" algn="r">
+                            <a:lnSpc>
+                              <a:spcPct val="150000"/>
+                            </a:lnSpc>
+                            <a:spcAft>
+                              <a:spcPts val="0"/>
+                            </a:spcAft>
+                            <a:buFont typeface="+mj-lt"/>
+                            <a:buNone/>
+                          </a:pPr>
+                          <a:r>
+                            <a:rPr lang="en-US" sz="1400" dirty="0">
+                              <a:effectLst/>
+                            </a:rPr>
+                            <a:t>6</a:t>
+                          </a:r>
+                          <a:r>
+                            <a:rPr lang="ru-RU" sz="1400" dirty="0">
+                              <a:effectLst/>
+                            </a:rPr>
+                            <a:t> </a:t>
+                          </a:r>
+                          <a:endParaRPr lang="ru-RU" sz="1400" dirty="0">
+                            <a:effectLst/>
+                            <a:latin typeface="Times New Roman" panose="02020603050405020304" pitchFamily="18" charset="0"/>
+                            <a:ea typeface="Calibri" panose="020F0502020204030204" pitchFamily="34" charset="0"/>
+                            <a:cs typeface="F"/>
+                          </a:endParaRPr>
+                        </a:p>
+                      </a:txBody>
+                      <a:tcPr marL="68580" marR="68580" marT="0" marB="0"/>
+                    </a:tc>
+                    <a:tc>
+                      <a:txBody>
+                        <a:bodyPr/>
+                        <a:lstStyle/>
+                        <a:p>
+                          <a:endParaRPr lang="ru-RU"/>
+                        </a:p>
+                      </a:txBody>
+                      <a:tcPr marL="68580" marR="68580" marT="0" marB="0">
+                        <a:blipFill>
+                          <a:blip r:embed="rId2"/>
+                          <a:stretch>
+                            <a:fillRect l="-13910" t="-812766" r="-470" b="-836170"/>
+                          </a:stretch>
+                        </a:blipFill>
+                      </a:tcPr>
+                    </a:tc>
+                    <a:extLst>
+                      <a:ext uri="{0D108BD9-81ED-4DB2-BD59-A6C34878D82A}">
+                        <a16:rowId xmlns:a16="http://schemas.microsoft.com/office/drawing/2014/main" val="1357895569"/>
+                      </a:ext>
+                    </a:extLst>
+                  </a:tr>
+                  <a:tr h="285814">
+                    <a:tc>
+                      <a:txBody>
+                        <a:bodyPr/>
+                        <a:lstStyle/>
+                        <a:p>
+                          <a:pPr marL="0" lvl="0" indent="0" algn="r">
+                            <a:lnSpc>
+                              <a:spcPct val="150000"/>
+                            </a:lnSpc>
+                            <a:spcAft>
+                              <a:spcPts val="0"/>
+                            </a:spcAft>
+                            <a:buFont typeface="+mj-lt"/>
+                            <a:buNone/>
+                          </a:pPr>
+                          <a:r>
+                            <a:rPr lang="en-US" sz="1400" dirty="0">
+                              <a:effectLst/>
+                            </a:rPr>
+                            <a:t>7</a:t>
+                          </a:r>
+                          <a:r>
+                            <a:rPr lang="ru-RU" sz="1400" dirty="0">
+                              <a:effectLst/>
+                            </a:rPr>
+                            <a:t> </a:t>
+                          </a:r>
+                          <a:endParaRPr lang="ru-RU" sz="1400" dirty="0">
+                            <a:effectLst/>
+                            <a:latin typeface="Times New Roman" panose="02020603050405020304" pitchFamily="18" charset="0"/>
+                            <a:ea typeface="Calibri" panose="020F0502020204030204" pitchFamily="34" charset="0"/>
+                            <a:cs typeface="F"/>
+                          </a:endParaRPr>
+                        </a:p>
+                      </a:txBody>
+                      <a:tcPr marL="68580" marR="68580" marT="0" marB="0"/>
+                    </a:tc>
+                    <a:tc>
+                      <a:txBody>
+                        <a:bodyPr/>
+                        <a:lstStyle/>
+                        <a:p>
+                          <a:endParaRPr lang="ru-RU"/>
+                        </a:p>
+                      </a:txBody>
+                      <a:tcPr marL="68580" marR="68580" marT="0" marB="0">
+                        <a:blipFill>
+                          <a:blip r:embed="rId2"/>
+                          <a:stretch>
+                            <a:fillRect l="-13910" t="-912766" r="-470" b="-736170"/>
+                          </a:stretch>
+                        </a:blipFill>
+                      </a:tcPr>
+                    </a:tc>
+                    <a:extLst>
+                      <a:ext uri="{0D108BD9-81ED-4DB2-BD59-A6C34878D82A}">
+                        <a16:rowId xmlns:a16="http://schemas.microsoft.com/office/drawing/2014/main" val="3569219187"/>
+                      </a:ext>
+                    </a:extLst>
+                  </a:tr>
+                  <a:tr h="285814">
+                    <a:tc>
+                      <a:txBody>
+                        <a:bodyPr/>
+                        <a:lstStyle/>
+                        <a:p>
+                          <a:pPr marL="0" lvl="0" indent="0" algn="r">
+                            <a:lnSpc>
+                              <a:spcPct val="150000"/>
+                            </a:lnSpc>
+                            <a:spcAft>
+                              <a:spcPts val="0"/>
+                            </a:spcAft>
+                            <a:buFont typeface="+mj-lt"/>
+                            <a:buNone/>
+                          </a:pPr>
+                          <a:r>
+                            <a:rPr lang="en-US" sz="1400" dirty="0">
+                              <a:effectLst/>
+                            </a:rPr>
+                            <a:t>8</a:t>
+                          </a:r>
+                          <a:r>
+                            <a:rPr lang="ru-RU" sz="1400" dirty="0">
+                              <a:effectLst/>
+                            </a:rPr>
+                            <a:t> </a:t>
+                          </a:r>
+                          <a:endParaRPr lang="ru-RU" sz="1400" dirty="0">
+                            <a:effectLst/>
+                            <a:latin typeface="Times New Roman" panose="02020603050405020304" pitchFamily="18" charset="0"/>
+                            <a:ea typeface="Calibri" panose="020F0502020204030204" pitchFamily="34" charset="0"/>
+                            <a:cs typeface="F"/>
+                          </a:endParaRPr>
+                        </a:p>
+                      </a:txBody>
+                      <a:tcPr marL="68580" marR="68580" marT="0" marB="0"/>
+                    </a:tc>
+                    <a:tc>
+                      <a:txBody>
+                        <a:bodyPr/>
+                        <a:lstStyle/>
+                        <a:p>
+                          <a:pPr indent="180340" algn="just">
+                            <a:lnSpc>
+                              <a:spcPct val="150000"/>
+                            </a:lnSpc>
+                            <a:spcAft>
+                              <a:spcPts val="0"/>
+                            </a:spcAft>
+                          </a:pPr>
+                          <a:r>
+                            <a:rPr lang="en-US" sz="1400">
+                              <a:effectLst/>
+                            </a:rPr>
+                            <a:t>		</a:t>
+                          </a:r>
+                          <a:r>
+                            <a:rPr lang="ru-RU" sz="1400">
+                              <a:effectLst/>
+                            </a:rPr>
+                            <a:t>Префикс отсекается</a:t>
+                          </a:r>
+                          <a:r>
+                            <a:rPr lang="en-US" sz="1400">
+                              <a:effectLst/>
+                            </a:rPr>
+                            <a:t>; continue</a:t>
+                          </a:r>
+                          <a:endParaRPr lang="ru-RU" sz="1400">
+                            <a:effectLst/>
+                            <a:latin typeface="Times New Roman" panose="02020603050405020304" pitchFamily="18" charset="0"/>
+                            <a:ea typeface="Calibri" panose="020F0502020204030204" pitchFamily="34" charset="0"/>
+                            <a:cs typeface="F"/>
+                          </a:endParaRPr>
+                        </a:p>
+                      </a:txBody>
+                      <a:tcPr marL="68580" marR="68580" marT="0" marB="0"/>
+                    </a:tc>
+                    <a:extLst>
+                      <a:ext uri="{0D108BD9-81ED-4DB2-BD59-A6C34878D82A}">
+                        <a16:rowId xmlns:a16="http://schemas.microsoft.com/office/drawing/2014/main" val="3312944662"/>
+                      </a:ext>
+                    </a:extLst>
+                  </a:tr>
+                  <a:tr h="285814">
+                    <a:tc>
+                      <a:txBody>
+                        <a:bodyPr/>
+                        <a:lstStyle/>
+                        <a:p>
+                          <a:pPr marL="0" lvl="0" indent="0" algn="r">
+                            <a:lnSpc>
+                              <a:spcPct val="150000"/>
+                            </a:lnSpc>
+                            <a:spcAft>
+                              <a:spcPts val="0"/>
+                            </a:spcAft>
+                            <a:buFont typeface="+mj-lt"/>
+                            <a:buNone/>
+                          </a:pPr>
+                          <a:r>
+                            <a:rPr lang="en-US" sz="1400" dirty="0">
+                              <a:effectLst/>
+                            </a:rPr>
+                            <a:t>9</a:t>
+                          </a:r>
+                          <a:r>
+                            <a:rPr lang="ru-RU" sz="1400" dirty="0">
+                              <a:effectLst/>
+                            </a:rPr>
+                            <a:t> </a:t>
+                          </a:r>
+                          <a:endParaRPr lang="ru-RU" sz="1400" dirty="0">
+                            <a:effectLst/>
+                            <a:latin typeface="Times New Roman" panose="02020603050405020304" pitchFamily="18" charset="0"/>
+                            <a:ea typeface="Calibri" panose="020F0502020204030204" pitchFamily="34" charset="0"/>
+                            <a:cs typeface="F"/>
+                          </a:endParaRPr>
+                        </a:p>
+                      </a:txBody>
+                      <a:tcPr marL="68580" marR="68580" marT="0" marB="0"/>
+                    </a:tc>
+                    <a:tc>
+                      <a:txBody>
+                        <a:bodyPr/>
+                        <a:lstStyle/>
+                        <a:p>
+                          <a:pPr indent="180340" algn="just">
+                            <a:lnSpc>
+                              <a:spcPct val="150000"/>
+                            </a:lnSpc>
+                            <a:spcAft>
+                              <a:spcPts val="0"/>
+                            </a:spcAft>
+                          </a:pPr>
+                          <a:r>
+                            <a:rPr lang="en-US" sz="1400" dirty="0">
+                              <a:effectLst/>
+                            </a:rPr>
+                            <a:t>	</a:t>
+                          </a:r>
+                          <a:r>
+                            <a:rPr lang="en-US" sz="1400" b="1" dirty="0">
+                              <a:effectLst/>
+                            </a:rPr>
+                            <a:t>end</a:t>
+                          </a:r>
+                          <a:r>
+                            <a:rPr lang="en-US" sz="1400" dirty="0">
+                              <a:effectLst/>
+                            </a:rPr>
+                            <a:t> </a:t>
+                          </a:r>
+                          <a:r>
+                            <a:rPr lang="en-US" sz="1400" b="1" dirty="0">
+                              <a:effectLst/>
+                            </a:rPr>
+                            <a:t>if</a:t>
+                          </a:r>
+                          <a:endParaRPr lang="ru-RU" sz="1400" b="1" dirty="0">
+                            <a:effectLst/>
+                            <a:latin typeface="Times New Roman" panose="02020603050405020304" pitchFamily="18" charset="0"/>
+                            <a:ea typeface="Calibri" panose="020F0502020204030204" pitchFamily="34" charset="0"/>
+                            <a:cs typeface="F"/>
+                          </a:endParaRPr>
+                        </a:p>
+                      </a:txBody>
+                      <a:tcPr marL="68580" marR="68580" marT="0" marB="0"/>
+                    </a:tc>
+                    <a:extLst>
+                      <a:ext uri="{0D108BD9-81ED-4DB2-BD59-A6C34878D82A}">
+                        <a16:rowId xmlns:a16="http://schemas.microsoft.com/office/drawing/2014/main" val="3547983431"/>
+                      </a:ext>
+                    </a:extLst>
+                  </a:tr>
+                  <a:tr h="285814">
+                    <a:tc>
+                      <a:txBody>
+                        <a:bodyPr/>
+                        <a:lstStyle/>
+                        <a:p>
+                          <a:pPr marL="0" lvl="0" indent="0" algn="r">
+                            <a:lnSpc>
+                              <a:spcPct val="150000"/>
+                            </a:lnSpc>
+                            <a:spcAft>
+                              <a:spcPts val="0"/>
+                            </a:spcAft>
+                            <a:buFont typeface="+mj-lt"/>
+                            <a:buNone/>
+                          </a:pPr>
+                          <a:r>
+                            <a:rPr lang="en-US" sz="1400" dirty="0">
+                              <a:effectLst/>
+                            </a:rPr>
+                            <a:t>10</a:t>
+                          </a:r>
+                          <a:r>
+                            <a:rPr lang="ru-RU" sz="1400" dirty="0">
+                              <a:effectLst/>
+                            </a:rPr>
+                            <a:t> </a:t>
+                          </a:r>
+                          <a:endParaRPr lang="ru-RU" sz="1400" dirty="0">
+                            <a:effectLst/>
+                            <a:latin typeface="Times New Roman" panose="02020603050405020304" pitchFamily="18" charset="0"/>
+                            <a:ea typeface="Calibri" panose="020F0502020204030204" pitchFamily="34" charset="0"/>
+                            <a:cs typeface="F"/>
+                          </a:endParaRPr>
+                        </a:p>
+                      </a:txBody>
+                      <a:tcPr marL="68580" marR="68580" marT="0" marB="0"/>
+                    </a:tc>
+                    <a:tc>
+                      <a:txBody>
+                        <a:bodyPr/>
+                        <a:lstStyle/>
+                        <a:p>
+                          <a:endParaRPr lang="ru-RU"/>
+                        </a:p>
+                      </a:txBody>
+                      <a:tcPr marL="68580" marR="68580" marT="0" marB="0">
+                        <a:blipFill>
+                          <a:blip r:embed="rId2"/>
+                          <a:stretch>
+                            <a:fillRect l="-13910" t="-1210638" r="-470" b="-438298"/>
+                          </a:stretch>
+                        </a:blipFill>
+                      </a:tcPr>
+                    </a:tc>
+                    <a:extLst>
+                      <a:ext uri="{0D108BD9-81ED-4DB2-BD59-A6C34878D82A}">
+                        <a16:rowId xmlns:a16="http://schemas.microsoft.com/office/drawing/2014/main" val="3478122721"/>
+                      </a:ext>
+                    </a:extLst>
+                  </a:tr>
+                  <a:tr h="285814">
+                    <a:tc>
+                      <a:txBody>
+                        <a:bodyPr/>
+                        <a:lstStyle/>
+                        <a:p>
+                          <a:pPr marL="0" lvl="0" indent="0" algn="r">
+                            <a:lnSpc>
+                              <a:spcPct val="150000"/>
+                            </a:lnSpc>
+                            <a:spcAft>
+                              <a:spcPts val="0"/>
+                            </a:spcAft>
+                            <a:buFont typeface="+mj-lt"/>
+                            <a:buNone/>
+                          </a:pPr>
+                          <a:r>
+                            <a:rPr lang="en-US" sz="1400" dirty="0">
+                              <a:effectLst/>
+                            </a:rPr>
+                            <a:t>11</a:t>
+                          </a:r>
+                          <a:r>
+                            <a:rPr lang="ru-RU" sz="1400" dirty="0">
+                              <a:effectLst/>
+                            </a:rPr>
+                            <a:t> </a:t>
+                          </a:r>
+                          <a:endParaRPr lang="ru-RU" sz="1400" dirty="0">
+                            <a:effectLst/>
+                            <a:latin typeface="Times New Roman" panose="02020603050405020304" pitchFamily="18" charset="0"/>
+                            <a:ea typeface="Calibri" panose="020F0502020204030204" pitchFamily="34" charset="0"/>
+                            <a:cs typeface="F"/>
+                          </a:endParaRPr>
+                        </a:p>
+                      </a:txBody>
+                      <a:tcPr marL="68580" marR="68580" marT="0" marB="0"/>
+                    </a:tc>
+                    <a:tc>
+                      <a:txBody>
+                        <a:bodyPr/>
+                        <a:lstStyle/>
+                        <a:p>
+                          <a:endParaRPr lang="ru-RU"/>
+                        </a:p>
+                      </a:txBody>
+                      <a:tcPr marL="68580" marR="68580" marT="0" marB="0">
+                        <a:blipFill>
+                          <a:blip r:embed="rId2"/>
+                          <a:stretch>
+                            <a:fillRect l="-13910" t="-1310638" r="-470" b="-338298"/>
+                          </a:stretch>
+                        </a:blipFill>
+                      </a:tcPr>
+                    </a:tc>
+                    <a:extLst>
+                      <a:ext uri="{0D108BD9-81ED-4DB2-BD59-A6C34878D82A}">
+                        <a16:rowId xmlns:a16="http://schemas.microsoft.com/office/drawing/2014/main" val="3052885238"/>
+                      </a:ext>
+                    </a:extLst>
+                  </a:tr>
+                  <a:tr h="285814">
+                    <a:tc>
+                      <a:txBody>
+                        <a:bodyPr/>
+                        <a:lstStyle/>
+                        <a:p>
+                          <a:pPr marL="0" lvl="0" indent="0" algn="r">
+                            <a:lnSpc>
+                              <a:spcPct val="150000"/>
+                            </a:lnSpc>
+                            <a:spcAft>
+                              <a:spcPts val="0"/>
+                            </a:spcAft>
+                            <a:buFont typeface="+mj-lt"/>
+                            <a:buNone/>
+                          </a:pPr>
+                          <a:r>
+                            <a:rPr lang="en-US" sz="1400" dirty="0">
+                              <a:effectLst/>
+                            </a:rPr>
+                            <a:t>12 </a:t>
+                          </a:r>
+                          <a:endParaRPr lang="ru-RU" sz="1400" dirty="0">
+                            <a:effectLst/>
+                            <a:latin typeface="Times New Roman" panose="02020603050405020304" pitchFamily="18" charset="0"/>
+                            <a:ea typeface="Calibri" panose="020F0502020204030204" pitchFamily="34" charset="0"/>
+                            <a:cs typeface="F"/>
+                          </a:endParaRPr>
+                        </a:p>
+                      </a:txBody>
+                      <a:tcPr marL="68580" marR="68580" marT="0" marB="0"/>
+                    </a:tc>
+                    <a:tc>
+                      <a:txBody>
+                        <a:bodyPr/>
+                        <a:lstStyle/>
+                        <a:p>
+                          <a:endParaRPr lang="ru-RU"/>
+                        </a:p>
+                      </a:txBody>
+                      <a:tcPr marL="68580" marR="68580" marT="0" marB="0">
+                        <a:blipFill>
+                          <a:blip r:embed="rId2"/>
+                          <a:stretch>
+                            <a:fillRect l="-13910" t="-1410638" r="-470" b="-238298"/>
+                          </a:stretch>
+                        </a:blipFill>
+                      </a:tcPr>
+                    </a:tc>
+                    <a:extLst>
+                      <a:ext uri="{0D108BD9-81ED-4DB2-BD59-A6C34878D82A}">
+                        <a16:rowId xmlns:a16="http://schemas.microsoft.com/office/drawing/2014/main" val="463240187"/>
+                      </a:ext>
+                    </a:extLst>
+                  </a:tr>
+                  <a:tr h="285814">
+                    <a:tc>
+                      <a:txBody>
+                        <a:bodyPr/>
+                        <a:lstStyle/>
+                        <a:p>
+                          <a:pPr marL="0" lvl="0" indent="0" algn="r">
+                            <a:lnSpc>
+                              <a:spcPct val="150000"/>
+                            </a:lnSpc>
+                            <a:spcAft>
+                              <a:spcPts val="0"/>
+                            </a:spcAft>
+                            <a:buFont typeface="+mj-lt"/>
+                            <a:buNone/>
+                          </a:pPr>
+                          <a:r>
+                            <a:rPr lang="en-US" sz="1400" dirty="0">
+                              <a:effectLst/>
+                            </a:rPr>
+                            <a:t>13</a:t>
+                          </a:r>
+                          <a:r>
+                            <a:rPr lang="ru-RU" sz="1400" dirty="0">
+                              <a:effectLst/>
+                            </a:rPr>
+                            <a:t> </a:t>
+                          </a:r>
+                          <a:endParaRPr lang="ru-RU" sz="1400" dirty="0">
+                            <a:effectLst/>
+                            <a:latin typeface="Times New Roman" panose="02020603050405020304" pitchFamily="18" charset="0"/>
+                            <a:ea typeface="Calibri" panose="020F0502020204030204" pitchFamily="34" charset="0"/>
+                            <a:cs typeface="F"/>
+                          </a:endParaRPr>
+                        </a:p>
+                      </a:txBody>
+                      <a:tcPr marL="68580" marR="68580" marT="0" marB="0"/>
+                    </a:tc>
+                    <a:tc>
+                      <a:txBody>
+                        <a:bodyPr/>
+                        <a:lstStyle/>
+                        <a:p>
+                          <a:pPr indent="180340" algn="just">
+                            <a:lnSpc>
+                              <a:spcPct val="150000"/>
+                            </a:lnSpc>
+                            <a:spcAft>
+                              <a:spcPts val="0"/>
+                            </a:spcAft>
+                          </a:pPr>
+                          <a:r>
+                            <a:rPr lang="ru-RU" sz="1400" dirty="0">
+                              <a:effectLst/>
+                            </a:rPr>
+                            <a:t>	</a:t>
+                          </a:r>
+                          <a:r>
+                            <a:rPr lang="en-US" sz="1400" b="1" dirty="0">
+                              <a:effectLst/>
+                            </a:rPr>
+                            <a:t>end</a:t>
+                          </a:r>
+                          <a:r>
+                            <a:rPr lang="en-US" sz="1400" dirty="0">
+                              <a:effectLst/>
+                            </a:rPr>
+                            <a:t> </a:t>
+                          </a:r>
+                          <a:r>
+                            <a:rPr lang="en-US" sz="1400" b="1" dirty="0">
+                              <a:effectLst/>
+                            </a:rPr>
+                            <a:t>for</a:t>
+                          </a:r>
+                          <a:endParaRPr lang="ru-RU" sz="1400" b="1" dirty="0">
+                            <a:effectLst/>
+                            <a:latin typeface="Times New Roman" panose="02020603050405020304" pitchFamily="18" charset="0"/>
+                            <a:ea typeface="Calibri" panose="020F0502020204030204" pitchFamily="34" charset="0"/>
+                            <a:cs typeface="F"/>
+                          </a:endParaRPr>
+                        </a:p>
+                      </a:txBody>
+                      <a:tcPr marL="68580" marR="68580" marT="0" marB="0"/>
+                    </a:tc>
+                    <a:extLst>
+                      <a:ext uri="{0D108BD9-81ED-4DB2-BD59-A6C34878D82A}">
+                        <a16:rowId xmlns:a16="http://schemas.microsoft.com/office/drawing/2014/main" val="4245688468"/>
+                      </a:ext>
+                    </a:extLst>
+                  </a:tr>
+                  <a:tr h="285814">
+                    <a:tc>
+                      <a:txBody>
+                        <a:bodyPr/>
+                        <a:lstStyle/>
+                        <a:p>
+                          <a:pPr marL="0" lvl="0" indent="0" algn="r">
+                            <a:lnSpc>
+                              <a:spcPct val="150000"/>
+                            </a:lnSpc>
+                            <a:spcAft>
+                              <a:spcPts val="0"/>
+                            </a:spcAft>
+                            <a:buFont typeface="+mj-lt"/>
+                            <a:buNone/>
+                          </a:pPr>
+                          <a:r>
+                            <a:rPr lang="en-US" sz="1400" dirty="0">
+                              <a:effectLst/>
+                            </a:rPr>
+                            <a:t>14</a:t>
+                          </a:r>
+                          <a:r>
+                            <a:rPr lang="ru-RU" sz="1400" dirty="0">
+                              <a:effectLst/>
+                            </a:rPr>
+                            <a:t> </a:t>
+                          </a:r>
+                          <a:endParaRPr lang="ru-RU" sz="1400" dirty="0">
+                            <a:effectLst/>
+                            <a:latin typeface="Times New Roman" panose="02020603050405020304" pitchFamily="18" charset="0"/>
+                            <a:ea typeface="Calibri" panose="020F0502020204030204" pitchFamily="34" charset="0"/>
+                            <a:cs typeface="F"/>
+                          </a:endParaRPr>
+                        </a:p>
+                      </a:txBody>
+                      <a:tcPr marL="68580" marR="68580" marT="0" marB="0"/>
+                    </a:tc>
+                    <a:tc>
+                      <a:txBody>
+                        <a:bodyPr/>
+                        <a:lstStyle/>
+                        <a:p>
+                          <a:pPr indent="180340" algn="just">
+                            <a:lnSpc>
+                              <a:spcPct val="150000"/>
+                            </a:lnSpc>
+                            <a:spcAft>
+                              <a:spcPts val="0"/>
+                            </a:spcAft>
+                          </a:pPr>
+                          <a:r>
+                            <a:rPr lang="en-US" sz="1400" b="1" dirty="0">
+                              <a:effectLst/>
+                            </a:rPr>
+                            <a:t>end</a:t>
+                          </a:r>
+                          <a:r>
+                            <a:rPr lang="en-US" sz="1400" dirty="0">
+                              <a:effectLst/>
+                            </a:rPr>
+                            <a:t> </a:t>
+                          </a:r>
+                          <a:r>
+                            <a:rPr lang="en-US" sz="1400" b="1" dirty="0">
+                              <a:effectLst/>
+                            </a:rPr>
+                            <a:t>while</a:t>
+                          </a:r>
+                          <a:endParaRPr lang="ru-RU" sz="1400" b="1" dirty="0">
+                            <a:effectLst/>
+                            <a:latin typeface="Times New Roman" panose="02020603050405020304" pitchFamily="18" charset="0"/>
+                            <a:ea typeface="Calibri" panose="020F0502020204030204" pitchFamily="34" charset="0"/>
+                            <a:cs typeface="F"/>
+                          </a:endParaRPr>
+                        </a:p>
+                      </a:txBody>
+                      <a:tcPr marL="68580" marR="68580" marT="0" marB="0"/>
+                    </a:tc>
+                    <a:extLst>
+                      <a:ext uri="{0D108BD9-81ED-4DB2-BD59-A6C34878D82A}">
+                        <a16:rowId xmlns:a16="http://schemas.microsoft.com/office/drawing/2014/main" val="3974674475"/>
+                      </a:ext>
+                    </a:extLst>
+                  </a:tr>
+                </a:tbl>
+              </a:graphicData>
+            </a:graphic>
+          </p:graphicFrame>
+        </mc:Fallback>
+      </mc:AlternateContent>
     </p:spTree>
     <p:extLst>
       <p:ext uri="{BB962C8B-B14F-4D97-AF65-F5344CB8AC3E}">
@@ -8693,6 +11650,4669 @@
           </a:p>
         </p:txBody>
       </p:sp>
+      <mc:AlternateContent xmlns:mc="http://schemas.openxmlformats.org/markup-compatibility/2006">
+        <mc:Choice xmlns:a14="http://schemas.microsoft.com/office/drawing/2010/main" Requires="a14">
+          <p:graphicFrame>
+            <p:nvGraphicFramePr>
+              <p:cNvPr id="2" name="Таблица 1">
+                <a:extLst>
+                  <a:ext uri="{FF2B5EF4-FFF2-40B4-BE49-F238E27FC236}">
+                    <a16:creationId xmlns:a16="http://schemas.microsoft.com/office/drawing/2014/main" id="{C0DAAFE9-24C7-44A4-A8B3-6A8E51D3C050}"/>
+                  </a:ext>
+                </a:extLst>
+              </p:cNvPr>
+              <p:cNvGraphicFramePr>
+                <a:graphicFrameLocks noGrp="1"/>
+              </p:cNvGraphicFramePr>
+              <p:nvPr>
+                <p:extLst>
+                  <p:ext uri="{D42A27DB-BD31-4B8C-83A1-F6EECF244321}">
+                    <p14:modId xmlns:p14="http://schemas.microsoft.com/office/powerpoint/2010/main" val="1836502720"/>
+                  </p:ext>
+                </p:extLst>
+              </p:nvPr>
+            </p:nvGraphicFramePr>
+            <p:xfrm>
+              <a:off x="231231" y="667000"/>
+              <a:ext cx="8831287" cy="5524000"/>
+            </p:xfrm>
+            <a:graphic>
+              <a:graphicData uri="http://schemas.openxmlformats.org/drawingml/2006/table">
+                <a:tbl>
+                  <a:tblPr firstRow="1" firstCol="1" bandRow="1">
+                    <a:tableStyleId>{5C22544A-7EE6-4342-B048-85BDC9FD1C3A}</a:tableStyleId>
+                  </a:tblPr>
+                  <a:tblGrid>
+                    <a:gridCol w="800108">
+                      <a:extLst>
+                        <a:ext uri="{9D8B030D-6E8A-4147-A177-3AD203B41FA5}">
+                          <a16:colId xmlns:a16="http://schemas.microsoft.com/office/drawing/2014/main" val="938134955"/>
+                        </a:ext>
+                      </a:extLst>
+                    </a:gridCol>
+                    <a:gridCol w="8031179">
+                      <a:extLst>
+                        <a:ext uri="{9D8B030D-6E8A-4147-A177-3AD203B41FA5}">
+                          <a16:colId xmlns:a16="http://schemas.microsoft.com/office/drawing/2014/main" val="4280214753"/>
+                        </a:ext>
+                      </a:extLst>
+                    </a:gridCol>
+                  </a:tblGrid>
+                  <a:tr h="163208">
+                    <a:tc gridSpan="2">
+                      <a:txBody>
+                        <a:bodyPr/>
+                        <a:lstStyle/>
+                        <a:p>
+                          <a:pPr indent="180340" algn="just">
+                            <a:lnSpc>
+                              <a:spcPct val="150000"/>
+                            </a:lnSpc>
+                            <a:spcAft>
+                              <a:spcPts val="0"/>
+                            </a:spcAft>
+                          </a:pPr>
+                          <a:r>
+                            <a:rPr lang="ru-RU" sz="1200" dirty="0">
+                              <a:effectLst/>
+                            </a:rPr>
+                            <a:t>DP :: индуктивное построение таблицы динамического программирования</a:t>
+                          </a:r>
+                          <a:endParaRPr lang="ru-RU" sz="1200" dirty="0">
+                            <a:effectLst/>
+                            <a:latin typeface="Times New Roman" panose="02020603050405020304" pitchFamily="18" charset="0"/>
+                            <a:ea typeface="Calibri" panose="020F0502020204030204" pitchFamily="34" charset="0"/>
+                            <a:cs typeface="F"/>
+                          </a:endParaRPr>
+                        </a:p>
+                      </a:txBody>
+                      <a:tcPr marL="50564" marR="50564" marT="0" marB="0"/>
+                    </a:tc>
+                    <a:tc hMerge="1">
+                      <a:txBody>
+                        <a:bodyPr/>
+                        <a:lstStyle/>
+                        <a:p>
+                          <a:endParaRPr lang="ru-RU"/>
+                        </a:p>
+                      </a:txBody>
+                      <a:tcPr/>
+                    </a:tc>
+                    <a:extLst>
+                      <a:ext uri="{0D108BD9-81ED-4DB2-BD59-A6C34878D82A}">
+                        <a16:rowId xmlns:a16="http://schemas.microsoft.com/office/drawing/2014/main" val="65800711"/>
+                      </a:ext>
+                    </a:extLst>
+                  </a:tr>
+                  <a:tr h="316913">
+                    <a:tc>
+                      <a:txBody>
+                        <a:bodyPr/>
+                        <a:lstStyle/>
+                        <a:p>
+                          <a:pPr indent="180340" algn="r">
+                            <a:lnSpc>
+                              <a:spcPct val="150000"/>
+                            </a:lnSpc>
+                            <a:spcAft>
+                              <a:spcPts val="0"/>
+                            </a:spcAft>
+                          </a:pPr>
+                          <a:r>
+                            <a:rPr lang="ru-RU" sz="1200">
+                              <a:effectLst/>
+                            </a:rPr>
+                            <a:t>Вход:</a:t>
+                          </a:r>
+                          <a:endParaRPr lang="ru-RU" sz="1200">
+                            <a:effectLst/>
+                            <a:latin typeface="Times New Roman" panose="02020603050405020304" pitchFamily="18" charset="0"/>
+                            <a:ea typeface="Calibri" panose="020F0502020204030204" pitchFamily="34" charset="0"/>
+                            <a:cs typeface="F"/>
+                          </a:endParaRPr>
+                        </a:p>
+                      </a:txBody>
+                      <a:tcPr marL="50564" marR="50564" marT="0" marB="0"/>
+                    </a:tc>
+                    <a:tc>
+                      <a:txBody>
+                        <a:bodyPr/>
+                        <a:lstStyle/>
+                        <a:p>
+                          <a:pPr indent="180340" algn="just">
+                            <a:lnSpc>
+                              <a:spcPct val="150000"/>
+                            </a:lnSpc>
+                            <a:spcAft>
+                              <a:spcPts val="0"/>
+                            </a:spcAft>
+                          </a:pPr>
+                          <a:r>
+                            <a:rPr lang="ru-RU" sz="1200" dirty="0">
+                              <a:effectLst/>
+                            </a:rPr>
+                            <a:t>орграф </a:t>
+                          </a:r>
+                          <a14:m>
+                            <m:oMath xmlns:m="http://schemas.openxmlformats.org/officeDocument/2006/math">
+                              <m:r>
+                                <a:rPr lang="ru-RU" sz="1200">
+                                  <a:effectLst/>
+                                </a:rPr>
+                                <m:t>𝐺</m:t>
+                              </m:r>
+                            </m:oMath>
+                          </a14:m>
+                          <a:r>
+                            <a:rPr lang="ru-RU" sz="1200" dirty="0">
+                              <a:effectLst/>
+                            </a:rPr>
+                            <a:t>, частичный порядок </a:t>
+                          </a:r>
+                          <a14:m>
+                            <m:oMath xmlns:m="http://schemas.openxmlformats.org/officeDocument/2006/math">
+                              <m:r>
+                                <m:rPr>
+                                  <m:sty m:val="p"/>
+                                </m:rPr>
+                                <a:rPr lang="ru-RU" sz="1200">
+                                  <a:effectLst/>
+                                </a:rPr>
+                                <m:t>Π</m:t>
+                              </m:r>
+                            </m:oMath>
+                          </a14:m>
+                          <a:r>
+                            <a:rPr lang="ru-RU" sz="1200" dirty="0">
+                              <a:effectLst/>
+                            </a:rPr>
+                            <a:t>, слой таблицы  </a:t>
+                          </a:r>
+                          <a:r>
+                            <a:rPr lang="en-US" sz="1200" dirty="0">
+                              <a:effectLst/>
+                            </a:rPr>
+                            <a:t>DP </a:t>
+                          </a:r>
+                          <a14:m>
+                            <m:oMath xmlns:m="http://schemas.openxmlformats.org/officeDocument/2006/math">
+                              <m:sSub>
+                                <m:sSubPr>
+                                  <m:ctrlPr>
+                                    <a:rPr lang="ru-RU" sz="1200">
+                                      <a:effectLst/>
+                                    </a:rPr>
+                                  </m:ctrlPr>
+                                </m:sSubPr>
+                                <m:e>
+                                  <m:r>
+                                    <a:rPr lang="ru-RU" sz="1200">
+                                      <a:effectLst/>
+                                    </a:rPr>
+                                    <m:t>ℒ</m:t>
+                                  </m:r>
+                                </m:e>
+                                <m:sub>
+                                  <m:r>
+                                    <a:rPr lang="ru-RU" sz="1200">
+                                      <a:effectLst/>
+                                    </a:rPr>
+                                    <m:t>𝑘</m:t>
+                                  </m:r>
+                                </m:sub>
+                              </m:sSub>
+                            </m:oMath>
+                          </a14:m>
+                          <a:r>
+                            <a:rPr lang="ru-RU" sz="1200" dirty="0">
+                              <a:effectLst/>
+                            </a:rPr>
+                            <a:t>, верхняя граница </a:t>
+                          </a:r>
+                          <a14:m>
+                            <m:oMath xmlns:m="http://schemas.openxmlformats.org/officeDocument/2006/math">
+                              <m:r>
+                                <a:rPr lang="ru-RU" sz="1200">
+                                  <a:effectLst/>
+                                </a:rPr>
+                                <m:t>𝑈𝐵</m:t>
+                              </m:r>
+                            </m:oMath>
+                          </a14:m>
+                          <a:endParaRPr lang="ru-RU" sz="1200" dirty="0">
+                            <a:effectLst/>
+                            <a:latin typeface="Times New Roman" panose="02020603050405020304" pitchFamily="18" charset="0"/>
+                            <a:ea typeface="Calibri" panose="020F0502020204030204" pitchFamily="34" charset="0"/>
+                            <a:cs typeface="F"/>
+                          </a:endParaRPr>
+                        </a:p>
+                      </a:txBody>
+                      <a:tcPr marL="50564" marR="50564" marT="0" marB="0"/>
+                    </a:tc>
+                    <a:extLst>
+                      <a:ext uri="{0D108BD9-81ED-4DB2-BD59-A6C34878D82A}">
+                        <a16:rowId xmlns:a16="http://schemas.microsoft.com/office/drawing/2014/main" val="4275281189"/>
+                      </a:ext>
+                    </a:extLst>
+                  </a:tr>
+                  <a:tr h="316913">
+                    <a:tc>
+                      <a:txBody>
+                        <a:bodyPr/>
+                        <a:lstStyle/>
+                        <a:p>
+                          <a:pPr indent="180340" algn="r">
+                            <a:lnSpc>
+                              <a:spcPct val="150000"/>
+                            </a:lnSpc>
+                            <a:spcAft>
+                              <a:spcPts val="0"/>
+                            </a:spcAft>
+                          </a:pPr>
+                          <a:r>
+                            <a:rPr lang="ru-RU" sz="1200">
+                              <a:effectLst/>
+                            </a:rPr>
+                            <a:t>Выход:</a:t>
+                          </a:r>
+                          <a:endParaRPr lang="ru-RU" sz="1200">
+                            <a:effectLst/>
+                            <a:latin typeface="Times New Roman" panose="02020603050405020304" pitchFamily="18" charset="0"/>
+                            <a:ea typeface="Calibri" panose="020F0502020204030204" pitchFamily="34" charset="0"/>
+                            <a:cs typeface="F"/>
+                          </a:endParaRPr>
+                        </a:p>
+                      </a:txBody>
+                      <a:tcPr marL="50564" marR="50564" marT="0" marB="0"/>
+                    </a:tc>
+                    <a:tc>
+                      <a:txBody>
+                        <a:bodyPr/>
+                        <a:lstStyle/>
+                        <a:p>
+                          <a:pPr indent="180340" algn="just">
+                            <a:lnSpc>
+                              <a:spcPct val="150000"/>
+                            </a:lnSpc>
+                            <a:spcAft>
+                              <a:spcPts val="0"/>
+                            </a:spcAft>
+                          </a:pPr>
+                          <a14:m>
+                            <m:oMath xmlns:m="http://schemas.openxmlformats.org/officeDocument/2006/math">
+                              <m:r>
+                                <a:rPr lang="ru-RU" sz="1200">
+                                  <a:effectLst/>
+                                </a:rPr>
+                                <m:t>(</m:t>
+                              </m:r>
+                              <m:r>
+                                <a:rPr lang="ru-RU" sz="1200">
+                                  <a:effectLst/>
+                                </a:rPr>
+                                <m:t>𝑘</m:t>
+                              </m:r>
+                              <m:r>
+                                <a:rPr lang="ru-RU" sz="1200">
+                                  <a:effectLst/>
+                                </a:rPr>
+                                <m:t>+1)</m:t>
+                              </m:r>
+                            </m:oMath>
+                          </a14:m>
+                          <a:r>
+                            <a:rPr lang="ru-RU" sz="1200">
+                              <a:effectLst/>
+                            </a:rPr>
+                            <a:t>-ый слой </a:t>
+                          </a:r>
+                          <a14:m>
+                            <m:oMath xmlns:m="http://schemas.openxmlformats.org/officeDocument/2006/math">
+                              <m:sSub>
+                                <m:sSubPr>
+                                  <m:ctrlPr>
+                                    <a:rPr lang="ru-RU" sz="1200">
+                                      <a:effectLst/>
+                                    </a:rPr>
+                                  </m:ctrlPr>
+                                </m:sSubPr>
+                                <m:e>
+                                  <m:r>
+                                    <a:rPr lang="en-US" sz="1200">
+                                      <a:effectLst/>
+                                    </a:rPr>
+                                    <m:t>ℒ</m:t>
+                                  </m:r>
+                                </m:e>
+                                <m:sub>
+                                  <m:r>
+                                    <a:rPr lang="en-US" sz="1200">
+                                      <a:effectLst/>
+                                    </a:rPr>
+                                    <m:t>𝑘</m:t>
+                                  </m:r>
+                                  <m:r>
+                                    <a:rPr lang="en-US" sz="1200">
+                                      <a:effectLst/>
+                                    </a:rPr>
+                                    <m:t>+1</m:t>
+                                  </m:r>
+                                </m:sub>
+                              </m:sSub>
+                            </m:oMath>
+                          </a14:m>
+                          <a:endParaRPr lang="ru-RU" sz="1200">
+                            <a:effectLst/>
+                            <a:latin typeface="Times New Roman" panose="02020603050405020304" pitchFamily="18" charset="0"/>
+                            <a:ea typeface="Calibri" panose="020F0502020204030204" pitchFamily="34" charset="0"/>
+                            <a:cs typeface="F"/>
+                          </a:endParaRPr>
+                        </a:p>
+                      </a:txBody>
+                      <a:tcPr marL="50564" marR="50564" marT="0" marB="0"/>
+                    </a:tc>
+                    <a:extLst>
+                      <a:ext uri="{0D108BD9-81ED-4DB2-BD59-A6C34878D82A}">
+                        <a16:rowId xmlns:a16="http://schemas.microsoft.com/office/drawing/2014/main" val="1198089446"/>
+                      </a:ext>
+                    </a:extLst>
+                  </a:tr>
+                  <a:tr h="148367">
+                    <a:tc>
+                      <a:txBody>
+                        <a:bodyPr/>
+                        <a:lstStyle/>
+                        <a:p>
+                          <a:pPr marL="0" lvl="0" indent="0" algn="r">
+                            <a:lnSpc>
+                              <a:spcPct val="150000"/>
+                            </a:lnSpc>
+                            <a:spcAft>
+                              <a:spcPts val="0"/>
+                            </a:spcAft>
+                            <a:buFont typeface="+mj-lt"/>
+                            <a:buNone/>
+                          </a:pPr>
+                          <a:r>
+                            <a:rPr lang="en-US" sz="1200" dirty="0">
+                              <a:effectLst/>
+                            </a:rPr>
+                            <a:t>1</a:t>
+                          </a:r>
+                          <a:r>
+                            <a:rPr lang="ru-RU" sz="1200" dirty="0">
+                              <a:effectLst/>
+                            </a:rPr>
+                            <a:t> </a:t>
+                          </a:r>
+                          <a:endParaRPr lang="ru-RU" sz="1200" dirty="0">
+                            <a:effectLst/>
+                            <a:latin typeface="Times New Roman" panose="02020603050405020304" pitchFamily="18" charset="0"/>
+                            <a:ea typeface="Calibri" panose="020F0502020204030204" pitchFamily="34" charset="0"/>
+                            <a:cs typeface="F"/>
+                          </a:endParaRPr>
+                        </a:p>
+                      </a:txBody>
+                      <a:tcPr marL="50564" marR="50564" marT="0" marB="0"/>
+                    </a:tc>
+                    <a:tc>
+                      <a:txBody>
+                        <a:bodyPr/>
+                        <a:lstStyle/>
+                        <a:p>
+                          <a:pPr indent="180340" algn="just">
+                            <a:lnSpc>
+                              <a:spcPct val="150000"/>
+                            </a:lnSpc>
+                            <a:spcAft>
+                              <a:spcPts val="0"/>
+                            </a:spcAft>
+                          </a:pPr>
+                          <a:r>
+                            <a:rPr lang="en-US" sz="1200">
+                              <a:effectLst/>
+                            </a:rPr>
+                            <a:t>Инициализация </a:t>
+                          </a:r>
+                          <a14:m>
+                            <m:oMath xmlns:m="http://schemas.openxmlformats.org/officeDocument/2006/math">
+                              <m:sSub>
+                                <m:sSubPr>
+                                  <m:ctrlPr>
+                                    <a:rPr lang="ru-RU" sz="1200">
+                                      <a:effectLst/>
+                                    </a:rPr>
+                                  </m:ctrlPr>
+                                </m:sSubPr>
+                                <m:e>
+                                  <m:r>
+                                    <a:rPr lang="en-US" sz="1200">
+                                      <a:effectLst/>
+                                    </a:rPr>
+                                    <m:t>ℒ</m:t>
+                                  </m:r>
+                                </m:e>
+                                <m:sub>
+                                  <m:r>
+                                    <a:rPr lang="en-US" sz="1200">
+                                      <a:effectLst/>
+                                    </a:rPr>
+                                    <m:t>𝑘</m:t>
+                                  </m:r>
+                                  <m:r>
+                                    <a:rPr lang="en-US" sz="1200">
+                                      <a:effectLst/>
+                                    </a:rPr>
+                                    <m:t>+1</m:t>
+                                  </m:r>
+                                </m:sub>
+                              </m:sSub>
+                              <m:r>
+                                <a:rPr lang="en-US" sz="1200">
+                                  <a:effectLst/>
+                                </a:rPr>
+                                <m:t>=∅</m:t>
+                              </m:r>
+                            </m:oMath>
+                          </a14:m>
+                          <a:endParaRPr lang="ru-RU" sz="1200">
+                            <a:effectLst/>
+                            <a:latin typeface="Times New Roman" panose="02020603050405020304" pitchFamily="18" charset="0"/>
+                            <a:ea typeface="Calibri" panose="020F0502020204030204" pitchFamily="34" charset="0"/>
+                            <a:cs typeface="F"/>
+                          </a:endParaRPr>
+                        </a:p>
+                      </a:txBody>
+                      <a:tcPr marL="50564" marR="50564" marT="0" marB="0"/>
+                    </a:tc>
+                    <a:extLst>
+                      <a:ext uri="{0D108BD9-81ED-4DB2-BD59-A6C34878D82A}">
+                        <a16:rowId xmlns:a16="http://schemas.microsoft.com/office/drawing/2014/main" val="1705704735"/>
+                      </a:ext>
+                    </a:extLst>
+                  </a:tr>
+                  <a:tr h="148367">
+                    <a:tc>
+                      <a:txBody>
+                        <a:bodyPr/>
+                        <a:lstStyle/>
+                        <a:p>
+                          <a:pPr marL="0" lvl="0" indent="0" algn="r">
+                            <a:lnSpc>
+                              <a:spcPct val="150000"/>
+                            </a:lnSpc>
+                            <a:spcAft>
+                              <a:spcPts val="0"/>
+                            </a:spcAft>
+                            <a:buFont typeface="+mj-lt"/>
+                            <a:buNone/>
+                          </a:pPr>
+                          <a:r>
+                            <a:rPr lang="en-US" sz="1200" dirty="0">
+                              <a:effectLst/>
+                            </a:rPr>
+                            <a:t>2</a:t>
+                          </a:r>
+                          <a:r>
+                            <a:rPr lang="ru-RU" sz="1200" dirty="0">
+                              <a:effectLst/>
+                            </a:rPr>
+                            <a:t> </a:t>
+                          </a:r>
+                          <a:endParaRPr lang="ru-RU" sz="1200" dirty="0">
+                            <a:effectLst/>
+                            <a:latin typeface="Times New Roman" panose="02020603050405020304" pitchFamily="18" charset="0"/>
+                            <a:ea typeface="Calibri" panose="020F0502020204030204" pitchFamily="34" charset="0"/>
+                            <a:cs typeface="F"/>
+                          </a:endParaRPr>
+                        </a:p>
+                      </a:txBody>
+                      <a:tcPr marL="50564" marR="50564" marT="0" marB="0"/>
+                    </a:tc>
+                    <a:tc>
+                      <a:txBody>
+                        <a:bodyPr/>
+                        <a:lstStyle/>
+                        <a:p>
+                          <a:pPr indent="180340" algn="just">
+                            <a:lnSpc>
+                              <a:spcPct val="150000"/>
+                            </a:lnSpc>
+                            <a:spcAft>
+                              <a:spcPts val="0"/>
+                            </a:spcAft>
+                          </a:pPr>
+                          <a:r>
+                            <a:rPr lang="en-US" sz="1200" b="1" dirty="0">
+                              <a:effectLst/>
+                            </a:rPr>
+                            <a:t>for all </a:t>
+                          </a:r>
+                          <a14:m>
+                            <m:oMath xmlns:m="http://schemas.openxmlformats.org/officeDocument/2006/math">
+                              <m:sSup>
+                                <m:sSupPr>
+                                  <m:ctrlPr>
+                                    <a:rPr lang="ru-RU" sz="1200">
+                                      <a:effectLst/>
+                                    </a:rPr>
+                                  </m:ctrlPr>
+                                </m:sSupPr>
+                                <m:e>
+                                  <m:r>
+                                    <a:rPr lang="en-US" sz="1200">
+                                      <a:effectLst/>
+                                    </a:rPr>
+                                    <m:t>𝒞</m:t>
+                                  </m:r>
+                                </m:e>
+                                <m:sup>
+                                  <m:r>
+                                    <a:rPr lang="en-US" sz="1200">
+                                      <a:effectLst/>
+                                    </a:rPr>
+                                    <m:t>′</m:t>
+                                  </m:r>
+                                </m:sup>
+                              </m:sSup>
+                              <m:r>
+                                <a:rPr lang="en-US" sz="1200">
+                                  <a:effectLst/>
+                                </a:rPr>
+                                <m:t>∈</m:t>
+                              </m:r>
+                              <m:sSub>
+                                <m:sSubPr>
+                                  <m:ctrlPr>
+                                    <a:rPr lang="ru-RU" sz="1200">
+                                      <a:effectLst/>
+                                    </a:rPr>
+                                  </m:ctrlPr>
+                                </m:sSubPr>
+                                <m:e>
+                                  <m:r>
+                                    <a:rPr lang="en-US" sz="1200">
+                                      <a:effectLst/>
+                                    </a:rPr>
+                                    <m:t>ℑ</m:t>
+                                  </m:r>
+                                </m:e>
+                                <m:sub>
+                                  <m:r>
+                                    <a:rPr lang="en-US" sz="1200">
+                                      <a:effectLst/>
+                                    </a:rPr>
+                                    <m:t>𝑘</m:t>
+                                  </m:r>
+                                </m:sub>
+                              </m:sSub>
+                            </m:oMath>
+                          </a14:m>
+                          <a:r>
+                            <a:rPr lang="en-US" sz="1200" dirty="0">
+                              <a:effectLst/>
+                            </a:rPr>
+                            <a:t> </a:t>
+                          </a:r>
+                          <a:r>
+                            <a:rPr lang="en-US" sz="1200" b="1" dirty="0">
+                              <a:effectLst/>
+                            </a:rPr>
+                            <a:t>do</a:t>
+                          </a:r>
+                          <a:endParaRPr lang="ru-RU" sz="1200" b="1" dirty="0">
+                            <a:effectLst/>
+                            <a:latin typeface="Times New Roman" panose="02020603050405020304" pitchFamily="18" charset="0"/>
+                            <a:ea typeface="Calibri" panose="020F0502020204030204" pitchFamily="34" charset="0"/>
+                            <a:cs typeface="F"/>
+                          </a:endParaRPr>
+                        </a:p>
+                      </a:txBody>
+                      <a:tcPr marL="50564" marR="50564" marT="0" marB="0"/>
+                    </a:tc>
+                    <a:extLst>
+                      <a:ext uri="{0D108BD9-81ED-4DB2-BD59-A6C34878D82A}">
+                        <a16:rowId xmlns:a16="http://schemas.microsoft.com/office/drawing/2014/main" val="2717351842"/>
+                      </a:ext>
+                    </a:extLst>
+                  </a:tr>
+                  <a:tr h="158761">
+                    <a:tc>
+                      <a:txBody>
+                        <a:bodyPr/>
+                        <a:lstStyle/>
+                        <a:p>
+                          <a:pPr marL="0" lvl="0" indent="0" algn="r">
+                            <a:lnSpc>
+                              <a:spcPct val="150000"/>
+                            </a:lnSpc>
+                            <a:spcAft>
+                              <a:spcPts val="0"/>
+                            </a:spcAft>
+                            <a:buFont typeface="+mj-lt"/>
+                            <a:buNone/>
+                          </a:pPr>
+                          <a:r>
+                            <a:rPr lang="en-US" sz="1200" dirty="0">
+                              <a:effectLst/>
+                            </a:rPr>
+                            <a:t>3 </a:t>
+                          </a:r>
+                          <a:endParaRPr lang="ru-RU" sz="1200" dirty="0">
+                            <a:effectLst/>
+                            <a:latin typeface="Times New Roman" panose="02020603050405020304" pitchFamily="18" charset="0"/>
+                            <a:ea typeface="Calibri" panose="020F0502020204030204" pitchFamily="34" charset="0"/>
+                            <a:cs typeface="F"/>
+                          </a:endParaRPr>
+                        </a:p>
+                      </a:txBody>
+                      <a:tcPr marL="50564" marR="50564" marT="0" marB="0"/>
+                    </a:tc>
+                    <a:tc>
+                      <a:txBody>
+                        <a:bodyPr/>
+                        <a:lstStyle/>
+                        <a:p>
+                          <a:pPr indent="180340" algn="just">
+                            <a:lnSpc>
+                              <a:spcPct val="150000"/>
+                            </a:lnSpc>
+                            <a:spcAft>
+                              <a:spcPts val="0"/>
+                            </a:spcAft>
+                          </a:pPr>
+                          <a:r>
+                            <a:rPr lang="en-US" sz="1200" dirty="0">
+                              <a:effectLst/>
+                            </a:rPr>
+                            <a:t>	</a:t>
+                          </a:r>
+                          <a:r>
+                            <a:rPr lang="en-US" sz="1200" b="1" dirty="0">
+                              <a:effectLst/>
+                            </a:rPr>
+                            <a:t>for</a:t>
+                          </a:r>
+                          <a:r>
+                            <a:rPr lang="en-US" sz="1200" dirty="0">
+                              <a:effectLst/>
+                            </a:rPr>
+                            <a:t> all </a:t>
+                          </a:r>
+                          <a:r>
+                            <a:rPr lang="ru-RU" sz="1200" dirty="0">
+                              <a:effectLst/>
+                            </a:rPr>
+                            <a:t>кластер </a:t>
+                          </a:r>
+                          <a14:m>
+                            <m:oMath xmlns:m="http://schemas.openxmlformats.org/officeDocument/2006/math">
+                              <m:sSub>
+                                <m:sSubPr>
+                                  <m:ctrlPr>
+                                    <a:rPr lang="ru-RU" sz="1200">
+                                      <a:effectLst/>
+                                    </a:rPr>
+                                  </m:ctrlPr>
+                                </m:sSubPr>
+                                <m:e>
+                                  <m:r>
+                                    <a:rPr lang="ru-RU" sz="1200">
+                                      <a:effectLst/>
+                                    </a:rPr>
+                                    <m:t>𝑉</m:t>
+                                  </m:r>
+                                </m:e>
+                                <m:sub>
+                                  <m:r>
+                                    <a:rPr lang="ru-RU" sz="1200">
+                                      <a:effectLst/>
+                                    </a:rPr>
+                                    <m:t>𝑙</m:t>
+                                  </m:r>
+                                </m:sub>
+                              </m:sSub>
+                              <m:r>
+                                <a:rPr lang="en-US" sz="1200">
+                                  <a:effectLst/>
+                                </a:rPr>
+                                <m:t>∈</m:t>
+                              </m:r>
+                              <m:r>
+                                <a:rPr lang="ru-RU" sz="1200">
+                                  <a:effectLst/>
+                                </a:rPr>
+                                <m:t>𝐶</m:t>
+                              </m:r>
+                              <m:r>
+                                <a:rPr lang="en-US" sz="1200">
+                                  <a:effectLst/>
+                                </a:rPr>
+                                <m:t>∖</m:t>
+                              </m:r>
+                              <m:sSup>
+                                <m:sSupPr>
+                                  <m:ctrlPr>
+                                    <a:rPr lang="ru-RU" sz="1200">
+                                      <a:effectLst/>
+                                    </a:rPr>
+                                  </m:ctrlPr>
+                                </m:sSupPr>
+                                <m:e>
+                                  <m:r>
+                                    <a:rPr lang="ru-RU" sz="1200">
+                                      <a:effectLst/>
+                                    </a:rPr>
+                                    <m:t>𝐶</m:t>
+                                  </m:r>
+                                </m:e>
+                                <m:sup>
+                                  <m:r>
+                                    <a:rPr lang="en-US" sz="1200">
+                                      <a:effectLst/>
+                                    </a:rPr>
+                                    <m:t>′</m:t>
+                                  </m:r>
+                                </m:sup>
+                              </m:sSup>
+                            </m:oMath>
+                          </a14:m>
+                          <a:r>
+                            <a:rPr lang="en-US" sz="1200" dirty="0">
+                              <a:effectLst/>
+                            </a:rPr>
+                            <a:t> </a:t>
+                          </a:r>
+                          <a:r>
+                            <a:rPr lang="en-US" sz="1200" dirty="0" err="1">
+                              <a:effectLst/>
+                            </a:rPr>
+                            <a:t>s.t.</a:t>
+                          </a:r>
+                          <a:r>
+                            <a:rPr lang="en-US" sz="1200" dirty="0">
+                              <a:effectLst/>
+                            </a:rPr>
+                            <a:t> </a:t>
+                          </a:r>
+                          <a14:m>
+                            <m:oMath xmlns:m="http://schemas.openxmlformats.org/officeDocument/2006/math">
+                              <m:sSup>
+                                <m:sSupPr>
+                                  <m:ctrlPr>
+                                    <a:rPr lang="ru-RU" sz="1200">
+                                      <a:effectLst/>
+                                    </a:rPr>
+                                  </m:ctrlPr>
+                                </m:sSupPr>
+                                <m:e>
+                                  <m:r>
+                                    <a:rPr lang="en-US" sz="1200">
+                                      <a:effectLst/>
+                                    </a:rPr>
+                                    <m:t>𝒞</m:t>
+                                  </m:r>
+                                </m:e>
+                                <m:sup>
+                                  <m:r>
+                                    <a:rPr lang="en-US" sz="1200">
+                                      <a:effectLst/>
+                                    </a:rPr>
+                                    <m:t>′</m:t>
+                                  </m:r>
+                                </m:sup>
+                              </m:sSup>
+                              <m:r>
+                                <a:rPr lang="en-US" sz="1200">
+                                  <a:effectLst/>
+                                </a:rPr>
+                                <m:t>∪{</m:t>
+                              </m:r>
+                              <m:sSub>
+                                <m:sSubPr>
+                                  <m:ctrlPr>
+                                    <a:rPr lang="ru-RU" sz="1200">
+                                      <a:effectLst/>
+                                    </a:rPr>
+                                  </m:ctrlPr>
+                                </m:sSubPr>
+                                <m:e>
+                                  <m:r>
+                                    <a:rPr lang="en-US" sz="1200">
+                                      <a:effectLst/>
+                                    </a:rPr>
+                                    <m:t>𝑉</m:t>
+                                  </m:r>
+                                </m:e>
+                                <m:sub>
+                                  <m:r>
+                                    <a:rPr lang="en-US" sz="1200">
+                                      <a:effectLst/>
+                                    </a:rPr>
+                                    <m:t>𝑙</m:t>
+                                  </m:r>
+                                </m:sub>
+                              </m:sSub>
+                              <m:r>
+                                <a:rPr lang="en-US" sz="1200">
+                                  <a:effectLst/>
+                                </a:rPr>
+                                <m:t>}∈</m:t>
+                              </m:r>
+                              <m:sSub>
+                                <m:sSubPr>
+                                  <m:ctrlPr>
+                                    <a:rPr lang="ru-RU" sz="1200">
+                                      <a:effectLst/>
+                                    </a:rPr>
+                                  </m:ctrlPr>
+                                </m:sSubPr>
+                                <m:e>
+                                  <m:r>
+                                    <a:rPr lang="en-US" sz="1200">
+                                      <a:effectLst/>
+                                    </a:rPr>
+                                    <m:t>ℑ</m:t>
+                                  </m:r>
+                                </m:e>
+                                <m:sub>
+                                  <m:r>
+                                    <a:rPr lang="en-US" sz="1200">
+                                      <a:effectLst/>
+                                    </a:rPr>
+                                    <m:t>𝑘</m:t>
+                                  </m:r>
+                                  <m:r>
+                                    <a:rPr lang="en-US" sz="1200">
+                                      <a:effectLst/>
+                                    </a:rPr>
+                                    <m:t>+1</m:t>
+                                  </m:r>
+                                </m:sub>
+                              </m:sSub>
+                            </m:oMath>
+                          </a14:m>
+                          <a:r>
+                            <a:rPr lang="en-US" sz="1200" dirty="0">
+                              <a:effectLst/>
+                            </a:rPr>
+                            <a:t> </a:t>
+                          </a:r>
+                          <a:r>
+                            <a:rPr lang="en-US" sz="1200" b="1" dirty="0">
+                              <a:effectLst/>
+                            </a:rPr>
+                            <a:t>do</a:t>
+                          </a:r>
+                          <a:endParaRPr lang="ru-RU" sz="1200" b="1" dirty="0">
+                            <a:effectLst/>
+                            <a:latin typeface="Times New Roman" panose="02020603050405020304" pitchFamily="18" charset="0"/>
+                            <a:ea typeface="Calibri" panose="020F0502020204030204" pitchFamily="34" charset="0"/>
+                            <a:cs typeface="F"/>
+                          </a:endParaRPr>
+                        </a:p>
+                      </a:txBody>
+                      <a:tcPr marL="50564" marR="50564" marT="0" marB="0"/>
+                    </a:tc>
+                    <a:extLst>
+                      <a:ext uri="{0D108BD9-81ED-4DB2-BD59-A6C34878D82A}">
+                        <a16:rowId xmlns:a16="http://schemas.microsoft.com/office/drawing/2014/main" val="1667408224"/>
+                      </a:ext>
+                    </a:extLst>
+                  </a:tr>
+                  <a:tr h="158761">
+                    <a:tc>
+                      <a:txBody>
+                        <a:bodyPr/>
+                        <a:lstStyle/>
+                        <a:p>
+                          <a:pPr marL="0" lvl="0" indent="0" algn="r">
+                            <a:lnSpc>
+                              <a:spcPct val="150000"/>
+                            </a:lnSpc>
+                            <a:spcAft>
+                              <a:spcPts val="0"/>
+                            </a:spcAft>
+                            <a:buFont typeface="+mj-lt"/>
+                            <a:buNone/>
+                          </a:pPr>
+                          <a:r>
+                            <a:rPr lang="en-US" sz="1200" dirty="0">
+                              <a:effectLst/>
+                            </a:rPr>
+                            <a:t>4 </a:t>
+                          </a:r>
+                          <a:endParaRPr lang="ru-RU" sz="1200" dirty="0">
+                            <a:effectLst/>
+                            <a:latin typeface="Times New Roman" panose="02020603050405020304" pitchFamily="18" charset="0"/>
+                            <a:ea typeface="Calibri" panose="020F0502020204030204" pitchFamily="34" charset="0"/>
+                            <a:cs typeface="F"/>
+                          </a:endParaRPr>
+                        </a:p>
+                      </a:txBody>
+                      <a:tcPr marL="50564" marR="50564" marT="0" marB="0"/>
+                    </a:tc>
+                    <a:tc>
+                      <a:txBody>
+                        <a:bodyPr/>
+                        <a:lstStyle/>
+                        <a:p>
+                          <a:pPr indent="180340" algn="just">
+                            <a:lnSpc>
+                              <a:spcPct val="150000"/>
+                            </a:lnSpc>
+                            <a:spcAft>
+                              <a:spcPts val="0"/>
+                            </a:spcAft>
+                          </a:pPr>
+                          <a:r>
+                            <a:rPr lang="en-US" sz="1200" dirty="0">
+                              <a:effectLst/>
+                            </a:rPr>
+                            <a:t>		</a:t>
+                          </a:r>
+                          <a:r>
+                            <a:rPr lang="en-US" sz="1200" b="1" dirty="0">
+                              <a:effectLst/>
+                            </a:rPr>
+                            <a:t>for</a:t>
+                          </a:r>
+                          <a:r>
+                            <a:rPr lang="en-US" sz="1200" dirty="0">
+                              <a:effectLst/>
+                            </a:rPr>
+                            <a:t> </a:t>
+                          </a:r>
+                          <a:r>
+                            <a:rPr lang="en-US" sz="1200" b="1" dirty="0">
+                              <a:effectLst/>
+                            </a:rPr>
+                            <a:t>all</a:t>
+                          </a:r>
+                          <a:r>
+                            <a:rPr lang="en-US" sz="1200" dirty="0">
+                              <a:effectLst/>
+                            </a:rPr>
+                            <a:t> </a:t>
+                          </a:r>
+                          <a14:m>
+                            <m:oMath xmlns:m="http://schemas.openxmlformats.org/officeDocument/2006/math">
+                              <m:r>
+                                <a:rPr lang="ru-RU" sz="1200">
+                                  <a:effectLst/>
+                                </a:rPr>
+                                <m:t>𝑣</m:t>
+                              </m:r>
+                              <m:r>
+                                <a:rPr lang="en-US" sz="1200">
+                                  <a:effectLst/>
+                                </a:rPr>
+                                <m:t>∈</m:t>
+                              </m:r>
+                              <m:sSub>
+                                <m:sSubPr>
+                                  <m:ctrlPr>
+                                    <a:rPr lang="ru-RU" sz="1200">
+                                      <a:effectLst/>
+                                    </a:rPr>
+                                  </m:ctrlPr>
+                                </m:sSubPr>
+                                <m:e>
+                                  <m:r>
+                                    <a:rPr lang="ru-RU" sz="1200">
+                                      <a:effectLst/>
+                                    </a:rPr>
+                                    <m:t>𝑉</m:t>
+                                  </m:r>
+                                </m:e>
+                                <m:sub>
+                                  <m:r>
+                                    <a:rPr lang="en-US" sz="1200">
+                                      <a:effectLst/>
+                                    </a:rPr>
+                                    <m:t>1</m:t>
+                                  </m:r>
+                                </m:sub>
+                              </m:sSub>
+                            </m:oMath>
+                          </a14:m>
+                          <a:r>
+                            <a:rPr lang="ru-RU" sz="1200" dirty="0">
+                              <a:effectLst/>
+                            </a:rPr>
+                            <a:t> и </a:t>
+                          </a:r>
+                          <a14:m>
+                            <m:oMath xmlns:m="http://schemas.openxmlformats.org/officeDocument/2006/math">
+                              <m:r>
+                                <a:rPr lang="en-US" sz="1200">
+                                  <a:effectLst/>
+                                </a:rPr>
+                                <m:t>𝑢</m:t>
+                              </m:r>
+                              <m:r>
+                                <a:rPr lang="en-US" sz="1200">
+                                  <a:effectLst/>
+                                </a:rPr>
+                                <m:t>∈</m:t>
+                              </m:r>
+                              <m:sSub>
+                                <m:sSubPr>
+                                  <m:ctrlPr>
+                                    <a:rPr lang="ru-RU" sz="1200">
+                                      <a:effectLst/>
+                                    </a:rPr>
+                                  </m:ctrlPr>
+                                </m:sSubPr>
+                                <m:e>
+                                  <m:r>
+                                    <a:rPr lang="en-US" sz="1200">
+                                      <a:effectLst/>
+                                    </a:rPr>
+                                    <m:t>𝑉</m:t>
+                                  </m:r>
+                                </m:e>
+                                <m:sub>
+                                  <m:r>
+                                    <a:rPr lang="en-US" sz="1200">
+                                      <a:effectLst/>
+                                    </a:rPr>
+                                    <m:t>𝑙</m:t>
+                                  </m:r>
+                                </m:sub>
+                              </m:sSub>
+                            </m:oMath>
+                          </a14:m>
+                          <a:r>
+                            <a:rPr lang="en-US" sz="1200" dirty="0">
+                              <a:effectLst/>
+                            </a:rPr>
+                            <a:t> </a:t>
+                          </a:r>
+                          <a:r>
+                            <a:rPr lang="en-US" sz="1200" b="1" dirty="0">
+                              <a:effectLst/>
+                            </a:rPr>
+                            <a:t>do</a:t>
+                          </a:r>
+                          <a:endParaRPr lang="ru-RU" sz="1200" b="1" dirty="0">
+                            <a:effectLst/>
+                            <a:latin typeface="Times New Roman" panose="02020603050405020304" pitchFamily="18" charset="0"/>
+                            <a:ea typeface="Calibri" panose="020F0502020204030204" pitchFamily="34" charset="0"/>
+                            <a:cs typeface="F"/>
+                          </a:endParaRPr>
+                        </a:p>
+                      </a:txBody>
+                      <a:tcPr marL="50564" marR="50564" marT="0" marB="0"/>
+                    </a:tc>
+                    <a:extLst>
+                      <a:ext uri="{0D108BD9-81ED-4DB2-BD59-A6C34878D82A}">
+                        <a16:rowId xmlns:a16="http://schemas.microsoft.com/office/drawing/2014/main" val="1474820960"/>
+                      </a:ext>
+                    </a:extLst>
+                  </a:tr>
+                  <a:tr h="316913">
+                    <a:tc>
+                      <a:txBody>
+                        <a:bodyPr/>
+                        <a:lstStyle/>
+                        <a:p>
+                          <a:pPr marL="0" lvl="0" indent="0" algn="r">
+                            <a:lnSpc>
+                              <a:spcPct val="150000"/>
+                            </a:lnSpc>
+                            <a:spcAft>
+                              <a:spcPts val="0"/>
+                            </a:spcAft>
+                            <a:buFont typeface="+mj-lt"/>
+                            <a:buNone/>
+                          </a:pPr>
+                          <a:r>
+                            <a:rPr lang="en-US" sz="1200" dirty="0">
+                              <a:effectLst/>
+                            </a:rPr>
+                            <a:t>5 </a:t>
+                          </a:r>
+                          <a:endParaRPr lang="ru-RU" sz="1200" dirty="0">
+                            <a:effectLst/>
+                            <a:latin typeface="Times New Roman" panose="02020603050405020304" pitchFamily="18" charset="0"/>
+                            <a:ea typeface="Calibri" panose="020F0502020204030204" pitchFamily="34" charset="0"/>
+                            <a:cs typeface="F"/>
+                          </a:endParaRPr>
+                        </a:p>
+                      </a:txBody>
+                      <a:tcPr marL="50564" marR="50564" marT="0" marB="0"/>
+                    </a:tc>
+                    <a:tc>
+                      <a:txBody>
+                        <a:bodyPr/>
+                        <a:lstStyle/>
+                        <a:p>
+                          <a:pPr indent="180340" algn="just">
+                            <a:lnSpc>
+                              <a:spcPct val="150000"/>
+                            </a:lnSpc>
+                            <a:spcAft>
+                              <a:spcPts val="0"/>
+                            </a:spcAft>
+                          </a:pPr>
+                          <a:r>
+                            <a:rPr lang="en-US" sz="1200" dirty="0">
+                              <a:effectLst/>
+                            </a:rPr>
+                            <a:t>			</a:t>
+                          </a:r>
+                          <a:r>
+                            <a:rPr lang="en-US" sz="1200" b="1" dirty="0">
+                              <a:effectLst/>
+                            </a:rPr>
+                            <a:t>if</a:t>
+                          </a:r>
+                          <a:r>
+                            <a:rPr lang="en-US" sz="1200" dirty="0">
+                              <a:effectLst/>
+                            </a:rPr>
+                            <a:t> </a:t>
+                          </a:r>
+                          <a:r>
+                            <a:rPr lang="ru-RU" sz="1200" dirty="0">
+                              <a:effectLst/>
+                            </a:rPr>
+                            <a:t>есть состояние </a:t>
+                          </a:r>
+                          <a14:m>
+                            <m:oMath xmlns:m="http://schemas.openxmlformats.org/officeDocument/2006/math">
+                              <m:r>
+                                <a:rPr lang="ru-RU" sz="1200">
+                                  <a:effectLst/>
+                                </a:rPr>
+                                <m:t>𝑆</m:t>
+                              </m:r>
+                              <m:r>
+                                <a:rPr lang="ru-RU" sz="1200">
+                                  <a:effectLst/>
+                                </a:rPr>
+                                <m:t>=(</m:t>
+                              </m:r>
+                              <m:sSup>
+                                <m:sSupPr>
+                                  <m:ctrlPr>
+                                    <a:rPr lang="ru-RU" sz="1200">
+                                      <a:effectLst/>
+                                    </a:rPr>
+                                  </m:ctrlPr>
+                                </m:sSupPr>
+                                <m:e>
+                                  <m:r>
+                                    <a:rPr lang="ru-RU" sz="1200">
+                                      <a:effectLst/>
+                                    </a:rPr>
+                                    <m:t>𝒞</m:t>
+                                  </m:r>
+                                </m:e>
+                                <m:sup>
+                                  <m:r>
+                                    <a:rPr lang="ru-RU" sz="1200">
+                                      <a:effectLst/>
+                                    </a:rPr>
+                                    <m:t>′</m:t>
+                                  </m:r>
+                                </m:sup>
+                              </m:sSup>
+                              <m:r>
+                                <a:rPr lang="ru-RU" sz="1200">
+                                  <a:effectLst/>
+                                </a:rPr>
+                                <m:t>,</m:t>
+                              </m:r>
+                              <m:r>
+                                <a:rPr lang="ru-RU" sz="1200">
+                                  <a:effectLst/>
+                                </a:rPr>
+                                <m:t>𝑈</m:t>
+                              </m:r>
+                              <m:r>
+                                <a:rPr lang="ru-RU" sz="1200">
+                                  <a:effectLst/>
+                                </a:rPr>
+                                <m:t>,</m:t>
+                              </m:r>
+                              <m:r>
+                                <a:rPr lang="ru-RU" sz="1200">
+                                  <a:effectLst/>
+                                </a:rPr>
+                                <m:t>𝑣</m:t>
+                              </m:r>
+                              <m:r>
+                                <a:rPr lang="ru-RU" sz="1200">
+                                  <a:effectLst/>
+                                </a:rPr>
+                                <m:t>,</m:t>
+                              </m:r>
+                              <m:r>
+                                <a:rPr lang="ru-RU" sz="1200">
+                                  <a:effectLst/>
+                                </a:rPr>
+                                <m:t>𝑤</m:t>
+                              </m:r>
+                              <m:r>
+                                <a:rPr lang="ru-RU" sz="1200">
+                                  <a:effectLst/>
+                                </a:rPr>
+                                <m:t>)∈</m:t>
+                              </m:r>
+                              <m:sSub>
+                                <m:sSubPr>
+                                  <m:ctrlPr>
+                                    <a:rPr lang="ru-RU" sz="1200">
+                                      <a:effectLst/>
+                                    </a:rPr>
+                                  </m:ctrlPr>
+                                </m:sSubPr>
+                                <m:e>
+                                  <m:r>
+                                    <a:rPr lang="ru-RU" sz="1200">
+                                      <a:effectLst/>
+                                    </a:rPr>
+                                    <m:t>ℒ</m:t>
+                                  </m:r>
+                                </m:e>
+                                <m:sub>
+                                  <m:r>
+                                    <a:rPr lang="ru-RU" sz="1200">
+                                      <a:effectLst/>
+                                    </a:rPr>
+                                    <m:t>𝑘</m:t>
+                                  </m:r>
+                                </m:sub>
+                              </m:sSub>
+                            </m:oMath>
+                          </a14:m>
+                          <a:r>
+                            <a:rPr lang="ru-RU" sz="1200" dirty="0">
+                              <a:effectLst/>
+                            </a:rPr>
+                            <a:t> </a:t>
+                          </a:r>
+                          <a:r>
+                            <a:rPr lang="en-US" sz="1200" dirty="0">
+                              <a:effectLst/>
+                            </a:rPr>
+                            <a:t>s</a:t>
+                          </a:r>
+                          <a:r>
+                            <a:rPr lang="ru-RU" sz="1200" dirty="0">
+                              <a:effectLst/>
+                            </a:rPr>
+                            <a:t>.</a:t>
+                          </a:r>
+                          <a:r>
+                            <a:rPr lang="en-US" sz="1200" dirty="0">
+                              <a:effectLst/>
+                            </a:rPr>
+                            <a:t>t</a:t>
+                          </a:r>
+                          <a:r>
+                            <a:rPr lang="ru-RU" sz="1200" dirty="0">
+                              <a:effectLst/>
+                            </a:rPr>
+                            <a:t>. </a:t>
+                          </a:r>
+                          <a14:m>
+                            <m:oMath xmlns:m="http://schemas.openxmlformats.org/officeDocument/2006/math">
+                              <m:r>
+                                <a:rPr lang="ru-RU" sz="1200">
+                                  <a:effectLst/>
+                                </a:rPr>
+                                <m:t>(</m:t>
+                              </m:r>
+                              <m:r>
+                                <a:rPr lang="ru-RU" sz="1200">
+                                  <a:effectLst/>
+                                </a:rPr>
+                                <m:t>𝑤</m:t>
+                              </m:r>
+                              <m:r>
+                                <a:rPr lang="ru-RU" sz="1200">
+                                  <a:effectLst/>
+                                </a:rPr>
+                                <m:t>,</m:t>
+                              </m:r>
+                              <m:r>
+                                <a:rPr lang="ru-RU" sz="1200">
+                                  <a:effectLst/>
+                                </a:rPr>
+                                <m:t>𝑢</m:t>
+                              </m:r>
+                              <m:r>
+                                <a:rPr lang="ru-RU" sz="1200">
+                                  <a:effectLst/>
+                                </a:rPr>
+                                <m:t>)∈</m:t>
+                              </m:r>
+                              <m:r>
+                                <a:rPr lang="ru-RU" sz="1200">
+                                  <a:effectLst/>
+                                </a:rPr>
+                                <m:t>𝐸</m:t>
+                              </m:r>
+                            </m:oMath>
+                          </a14:m>
+                          <a:r>
+                            <a:rPr lang="ru-RU" sz="1200" dirty="0">
+                              <a:effectLst/>
+                            </a:rPr>
+                            <a:t> </a:t>
+                          </a:r>
+                          <a:r>
+                            <a:rPr lang="en-US" sz="1200" b="1" dirty="0">
+                              <a:effectLst/>
+                            </a:rPr>
+                            <a:t>then</a:t>
+                          </a:r>
+                          <a:endParaRPr lang="ru-RU" sz="1200" b="1" dirty="0">
+                            <a:effectLst/>
+                            <a:latin typeface="Times New Roman" panose="02020603050405020304" pitchFamily="18" charset="0"/>
+                            <a:ea typeface="Calibri" panose="020F0502020204030204" pitchFamily="34" charset="0"/>
+                            <a:cs typeface="F"/>
+                          </a:endParaRPr>
+                        </a:p>
+                      </a:txBody>
+                      <a:tcPr marL="50564" marR="50564" marT="0" marB="0"/>
+                    </a:tc>
+                    <a:extLst>
+                      <a:ext uri="{0D108BD9-81ED-4DB2-BD59-A6C34878D82A}">
+                        <a16:rowId xmlns:a16="http://schemas.microsoft.com/office/drawing/2014/main" val="1884381775"/>
+                      </a:ext>
+                    </a:extLst>
+                  </a:tr>
+                  <a:tr h="316913">
+                    <a:tc>
+                      <a:txBody>
+                        <a:bodyPr/>
+                        <a:lstStyle/>
+                        <a:p>
+                          <a:pPr marL="0" lvl="0" indent="0" algn="r">
+                            <a:lnSpc>
+                              <a:spcPct val="150000"/>
+                            </a:lnSpc>
+                            <a:spcAft>
+                              <a:spcPts val="0"/>
+                            </a:spcAft>
+                            <a:buFont typeface="+mj-lt"/>
+                            <a:buNone/>
+                          </a:pPr>
+                          <a:r>
+                            <a:rPr lang="en-US" sz="1200" dirty="0">
+                              <a:effectLst/>
+                            </a:rPr>
+                            <a:t>6</a:t>
+                          </a:r>
+                          <a:r>
+                            <a:rPr lang="ru-RU" sz="1200" dirty="0">
+                              <a:effectLst/>
+                            </a:rPr>
+                            <a:t> </a:t>
+                          </a:r>
+                          <a:endParaRPr lang="ru-RU" sz="1200" dirty="0">
+                            <a:effectLst/>
+                            <a:latin typeface="Times New Roman" panose="02020603050405020304" pitchFamily="18" charset="0"/>
+                            <a:ea typeface="Calibri" panose="020F0502020204030204" pitchFamily="34" charset="0"/>
+                            <a:cs typeface="F"/>
+                          </a:endParaRPr>
+                        </a:p>
+                      </a:txBody>
+                      <a:tcPr marL="50564" marR="50564" marT="0" marB="0"/>
+                    </a:tc>
+                    <a:tc>
+                      <a:txBody>
+                        <a:bodyPr/>
+                        <a:lstStyle/>
+                        <a:p>
+                          <a:pPr indent="180340" algn="just">
+                            <a:lnSpc>
+                              <a:spcPct val="150000"/>
+                            </a:lnSpc>
+                            <a:spcAft>
+                              <a:spcPts val="0"/>
+                            </a:spcAft>
+                          </a:pPr>
+                          <a:r>
+                            <a:rPr lang="ru-RU" sz="1200" dirty="0">
+                              <a:effectLst/>
+                            </a:rPr>
+                            <a:t>				создаем новое состояние </a:t>
+                          </a:r>
+                          <a14:m>
+                            <m:oMath xmlns:m="http://schemas.openxmlformats.org/officeDocument/2006/math">
+                              <m:sSup>
+                                <m:sSupPr>
+                                  <m:ctrlPr>
+                                    <a:rPr lang="ru-RU" sz="1200">
+                                      <a:effectLst/>
+                                    </a:rPr>
+                                  </m:ctrlPr>
+                                </m:sSupPr>
+                                <m:e>
+                                  <m:r>
+                                    <a:rPr lang="en-US" sz="1200">
+                                      <a:effectLst/>
+                                    </a:rPr>
+                                    <m:t>𝑆</m:t>
+                                  </m:r>
+                                </m:e>
+                                <m:sup>
+                                  <m:r>
+                                    <a:rPr lang="ru-RU" sz="1200">
+                                      <a:effectLst/>
+                                    </a:rPr>
+                                    <m:t>′</m:t>
+                                  </m:r>
+                                </m:sup>
+                              </m:sSup>
+                              <m:r>
+                                <a:rPr lang="ru-RU" sz="1200">
+                                  <a:effectLst/>
+                                </a:rPr>
+                                <m:t>=(</m:t>
+                              </m:r>
+                              <m:sSup>
+                                <m:sSupPr>
+                                  <m:ctrlPr>
+                                    <a:rPr lang="ru-RU" sz="1200">
+                                      <a:effectLst/>
+                                    </a:rPr>
+                                  </m:ctrlPr>
+                                </m:sSupPr>
+                                <m:e>
+                                  <m:r>
+                                    <a:rPr lang="en-US" sz="1200">
+                                      <a:effectLst/>
+                                    </a:rPr>
+                                    <m:t>𝒞</m:t>
+                                  </m:r>
+                                </m:e>
+                                <m:sup>
+                                  <m:r>
+                                    <a:rPr lang="ru-RU" sz="1200">
+                                      <a:effectLst/>
+                                    </a:rPr>
+                                    <m:t>′</m:t>
+                                  </m:r>
+                                </m:sup>
+                              </m:sSup>
+                              <m:r>
+                                <a:rPr lang="ru-RU" sz="1200">
+                                  <a:effectLst/>
+                                </a:rPr>
+                                <m:t>∪{</m:t>
+                              </m:r>
+                              <m:sSub>
+                                <m:sSubPr>
+                                  <m:ctrlPr>
+                                    <a:rPr lang="ru-RU" sz="1200">
+                                      <a:effectLst/>
+                                    </a:rPr>
+                                  </m:ctrlPr>
+                                </m:sSubPr>
+                                <m:e>
+                                  <m:r>
+                                    <a:rPr lang="en-US" sz="1200">
+                                      <a:effectLst/>
+                                    </a:rPr>
+                                    <m:t>𝑉</m:t>
+                                  </m:r>
+                                </m:e>
+                                <m:sub>
+                                  <m:r>
+                                    <a:rPr lang="en-US" sz="1200">
+                                      <a:effectLst/>
+                                    </a:rPr>
+                                    <m:t>𝑙</m:t>
+                                  </m:r>
+                                </m:sub>
+                              </m:sSub>
+                              <m:r>
+                                <a:rPr lang="ru-RU" sz="1200">
+                                  <a:effectLst/>
+                                </a:rPr>
+                                <m:t>},</m:t>
+                              </m:r>
+                              <m:sSub>
+                                <m:sSubPr>
+                                  <m:ctrlPr>
+                                    <a:rPr lang="ru-RU" sz="1200">
+                                      <a:effectLst/>
+                                    </a:rPr>
+                                  </m:ctrlPr>
+                                </m:sSubPr>
+                                <m:e>
+                                  <m:r>
+                                    <a:rPr lang="en-US" sz="1200">
+                                      <a:effectLst/>
+                                    </a:rPr>
+                                    <m:t>𝑉</m:t>
+                                  </m:r>
+                                </m:e>
+                                <m:sub>
+                                  <m:r>
+                                    <a:rPr lang="en-US" sz="1200">
+                                      <a:effectLst/>
+                                    </a:rPr>
+                                    <m:t>𝑙</m:t>
+                                  </m:r>
+                                </m:sub>
+                              </m:sSub>
+                              <m:r>
+                                <a:rPr lang="ru-RU" sz="1200">
+                                  <a:effectLst/>
+                                </a:rPr>
+                                <m:t>,</m:t>
+                              </m:r>
+                              <m:r>
+                                <a:rPr lang="en-US" sz="1200">
+                                  <a:effectLst/>
+                                </a:rPr>
+                                <m:t>𝑣</m:t>
+                              </m:r>
+                              <m:r>
+                                <a:rPr lang="ru-RU" sz="1200">
+                                  <a:effectLst/>
+                                </a:rPr>
+                                <m:t>,</m:t>
+                              </m:r>
+                              <m:r>
+                                <a:rPr lang="en-US" sz="1200">
+                                  <a:effectLst/>
+                                </a:rPr>
+                                <m:t>𝑢</m:t>
+                              </m:r>
+                              <m:r>
+                                <a:rPr lang="ru-RU" sz="1200">
+                                  <a:effectLst/>
+                                </a:rPr>
+                                <m:t>)</m:t>
+                              </m:r>
+                            </m:oMath>
+                          </a14:m>
+                          <a:endParaRPr lang="ru-RU" sz="1200" dirty="0">
+                            <a:effectLst/>
+                            <a:latin typeface="Times New Roman" panose="02020603050405020304" pitchFamily="18" charset="0"/>
+                            <a:ea typeface="Calibri" panose="020F0502020204030204" pitchFamily="34" charset="0"/>
+                            <a:cs typeface="F"/>
+                          </a:endParaRPr>
+                        </a:p>
+                      </a:txBody>
+                      <a:tcPr marL="50564" marR="50564" marT="0" marB="0"/>
+                    </a:tc>
+                    <a:extLst>
+                      <a:ext uri="{0D108BD9-81ED-4DB2-BD59-A6C34878D82A}">
+                        <a16:rowId xmlns:a16="http://schemas.microsoft.com/office/drawing/2014/main" val="2503629971"/>
+                      </a:ext>
+                    </a:extLst>
+                  </a:tr>
+                  <a:tr h="316913">
+                    <a:tc>
+                      <a:txBody>
+                        <a:bodyPr/>
+                        <a:lstStyle/>
+                        <a:p>
+                          <a:pPr marL="0" lvl="0" indent="0" algn="r">
+                            <a:lnSpc>
+                              <a:spcPct val="150000"/>
+                            </a:lnSpc>
+                            <a:spcAft>
+                              <a:spcPts val="0"/>
+                            </a:spcAft>
+                            <a:buFont typeface="+mj-lt"/>
+                            <a:buNone/>
+                          </a:pPr>
+                          <a:r>
+                            <a:rPr lang="en-US" sz="1200" dirty="0">
+                              <a:effectLst/>
+                            </a:rPr>
+                            <a:t>7</a:t>
+                          </a:r>
+                          <a:r>
+                            <a:rPr lang="ru-RU" sz="1200" dirty="0">
+                              <a:effectLst/>
+                            </a:rPr>
+                            <a:t> </a:t>
+                          </a:r>
+                          <a:endParaRPr lang="ru-RU" sz="1200" dirty="0">
+                            <a:effectLst/>
+                            <a:latin typeface="Times New Roman" panose="02020603050405020304" pitchFamily="18" charset="0"/>
+                            <a:ea typeface="Calibri" panose="020F0502020204030204" pitchFamily="34" charset="0"/>
+                            <a:cs typeface="F"/>
+                          </a:endParaRPr>
+                        </a:p>
+                      </a:txBody>
+                      <a:tcPr marL="50564" marR="50564" marT="0" marB="0"/>
+                    </a:tc>
+                    <a:tc>
+                      <a:txBody>
+                        <a:bodyPr/>
+                        <a:lstStyle/>
+                        <a:p>
+                          <a:pPr indent="180340" algn="just">
+                            <a:lnSpc>
+                              <a:spcPct val="150000"/>
+                            </a:lnSpc>
+                            <a:spcAft>
+                              <a:spcPts val="0"/>
+                            </a:spcAft>
+                          </a:pPr>
+                          <a:r>
+                            <a:rPr lang="ru-RU" sz="1200" dirty="0">
+                              <a:effectLst/>
+                            </a:rPr>
+                            <a:t>				</a:t>
+                          </a:r>
+                          <a14:m>
+                            <m:oMath xmlns:m="http://schemas.openxmlformats.org/officeDocument/2006/math">
+                              <m:sSup>
+                                <m:sSupPr>
+                                  <m:ctrlPr>
+                                    <a:rPr lang="ru-RU" sz="1200">
+                                      <a:effectLst/>
+                                    </a:rPr>
+                                  </m:ctrlPr>
+                                </m:sSupPr>
+                                <m:e>
+                                  <m:r>
+                                    <a:rPr lang="ru-RU" sz="1200">
+                                      <a:effectLst/>
+                                    </a:rPr>
+                                    <m:t>𝑆</m:t>
+                                  </m:r>
+                                </m:e>
+                                <m:sup>
+                                  <m:r>
+                                    <a:rPr lang="ru-RU" sz="1200">
+                                      <a:effectLst/>
+                                    </a:rPr>
+                                    <m:t>′</m:t>
+                                  </m:r>
+                                </m:sup>
+                              </m:sSup>
+                              <m:r>
+                                <a:rPr lang="ru-RU" sz="1200">
+                                  <a:effectLst/>
+                                </a:rPr>
+                                <m:t>[</m:t>
+                              </m:r>
+                              <m:r>
+                                <a:rPr lang="ru-RU" sz="1200">
+                                  <a:effectLst/>
+                                </a:rPr>
+                                <m:t>𝑐𝑜𝑠𝑡</m:t>
+                              </m:r>
+                              <m:r>
+                                <a:rPr lang="ru-RU" sz="1200">
+                                  <a:effectLst/>
+                                </a:rPr>
+                                <m:t>]=</m:t>
+                              </m:r>
+                              <m:r>
+                                <m:rPr>
+                                  <m:sty m:val="p"/>
+                                </m:rPr>
+                                <a:rPr lang="ru-RU" sz="1200">
+                                  <a:effectLst/>
+                                </a:rPr>
+                                <m:t>min</m:t>
+                              </m:r>
+                              <m:r>
+                                <a:rPr lang="ru-RU" sz="1200" i="1" smtClean="0">
+                                  <a:effectLst/>
+                                </a:rPr>
+                                <m:t> </m:t>
+                              </m:r>
+                              <m:r>
+                                <a:rPr lang="ru-RU" sz="1200">
+                                  <a:effectLst/>
+                                </a:rPr>
+                                <m:t>{</m:t>
+                              </m:r>
+                              <m:r>
+                                <a:rPr lang="ru-RU" sz="1200">
+                                  <a:effectLst/>
+                                </a:rPr>
+                                <m:t>𝑆</m:t>
+                              </m:r>
+                              <m:r>
+                                <a:rPr lang="ru-RU" sz="1200">
+                                  <a:effectLst/>
+                                </a:rPr>
+                                <m:t>[</m:t>
+                              </m:r>
+                              <m:r>
+                                <a:rPr lang="ru-RU" sz="1200">
+                                  <a:effectLst/>
+                                </a:rPr>
+                                <m:t>𝑐𝑜𝑠𝑡</m:t>
+                              </m:r>
+                              <m:r>
+                                <a:rPr lang="ru-RU" sz="1200">
+                                  <a:effectLst/>
+                                </a:rPr>
+                                <m:t>]+</m:t>
+                              </m:r>
+                              <m:r>
+                                <a:rPr lang="ru-RU" sz="1200">
+                                  <a:effectLst/>
+                                </a:rPr>
+                                <m:t>𝑐</m:t>
+                              </m:r>
+                              <m:r>
+                                <a:rPr lang="ru-RU" sz="1200">
+                                  <a:effectLst/>
+                                </a:rPr>
+                                <m:t>(</m:t>
+                              </m:r>
+                              <m:r>
+                                <a:rPr lang="ru-RU" sz="1200">
+                                  <a:effectLst/>
+                                </a:rPr>
+                                <m:t>𝑤</m:t>
+                              </m:r>
+                              <m:r>
+                                <a:rPr lang="ru-RU" sz="1200">
+                                  <a:effectLst/>
+                                </a:rPr>
+                                <m:t>,</m:t>
+                              </m:r>
+                              <m:r>
+                                <a:rPr lang="ru-RU" sz="1200">
+                                  <a:effectLst/>
+                                </a:rPr>
+                                <m:t>𝑢</m:t>
+                              </m:r>
+                              <m:r>
+                                <a:rPr lang="ru-RU" sz="1200">
+                                  <a:effectLst/>
+                                </a:rPr>
+                                <m:t>):</m:t>
+                              </m:r>
+                              <m:r>
+                                <a:rPr lang="ru-RU" sz="1200">
+                                  <a:effectLst/>
+                                </a:rPr>
+                                <m:t>𝑆</m:t>
+                              </m:r>
+                              <m:r>
+                                <a:rPr lang="ru-RU" sz="1200">
+                                  <a:effectLst/>
+                                </a:rPr>
+                                <m:t>=(</m:t>
+                              </m:r>
+                              <m:sSup>
+                                <m:sSupPr>
+                                  <m:ctrlPr>
+                                    <a:rPr lang="ru-RU" sz="1200">
+                                      <a:effectLst/>
+                                    </a:rPr>
+                                  </m:ctrlPr>
+                                </m:sSupPr>
+                                <m:e>
+                                  <m:r>
+                                    <a:rPr lang="ru-RU" sz="1200">
+                                      <a:effectLst/>
+                                    </a:rPr>
+                                    <m:t>𝒞</m:t>
+                                  </m:r>
+                                </m:e>
+                                <m:sup>
+                                  <m:r>
+                                    <a:rPr lang="ru-RU" sz="1200">
+                                      <a:effectLst/>
+                                    </a:rPr>
+                                    <m:t>′</m:t>
+                                  </m:r>
+                                </m:sup>
+                              </m:sSup>
+                              <m:r>
+                                <a:rPr lang="ru-RU" sz="1200">
+                                  <a:effectLst/>
+                                </a:rPr>
+                                <m:t>,</m:t>
+                              </m:r>
+                              <m:r>
+                                <a:rPr lang="ru-RU" sz="1200">
+                                  <a:effectLst/>
+                                </a:rPr>
+                                <m:t>𝑈</m:t>
+                              </m:r>
+                              <m:r>
+                                <a:rPr lang="ru-RU" sz="1200">
+                                  <a:effectLst/>
+                                </a:rPr>
+                                <m:t>,</m:t>
+                              </m:r>
+                              <m:r>
+                                <a:rPr lang="ru-RU" sz="1200">
+                                  <a:effectLst/>
+                                </a:rPr>
+                                <m:t>𝑣</m:t>
+                              </m:r>
+                              <m:r>
+                                <a:rPr lang="ru-RU" sz="1200">
+                                  <a:effectLst/>
+                                </a:rPr>
+                                <m:t>,</m:t>
+                              </m:r>
+                              <m:r>
+                                <a:rPr lang="ru-RU" sz="1200">
+                                  <a:effectLst/>
+                                </a:rPr>
+                                <m:t>𝑤</m:t>
+                              </m:r>
+                              <m:r>
+                                <a:rPr lang="ru-RU" sz="1200">
+                                  <a:effectLst/>
+                                </a:rPr>
+                                <m:t>)∈</m:t>
+                              </m:r>
+                              <m:sSub>
+                                <m:sSubPr>
+                                  <m:ctrlPr>
+                                    <a:rPr lang="ru-RU" sz="1200">
+                                      <a:effectLst/>
+                                    </a:rPr>
+                                  </m:ctrlPr>
+                                </m:sSubPr>
+                                <m:e>
+                                  <m:r>
+                                    <a:rPr lang="ru-RU" sz="1200">
+                                      <a:effectLst/>
+                                    </a:rPr>
+                                    <m:t>ℒ</m:t>
+                                  </m:r>
+                                </m:e>
+                                <m:sub>
+                                  <m:r>
+                                    <a:rPr lang="ru-RU" sz="1200">
+                                      <a:effectLst/>
+                                    </a:rPr>
+                                    <m:t>𝑘</m:t>
+                                  </m:r>
+                                </m:sub>
+                              </m:sSub>
+                              <m:r>
+                                <a:rPr lang="ru-RU" sz="1200">
+                                  <a:effectLst/>
+                                </a:rPr>
+                                <m:t>}</m:t>
+                              </m:r>
+                            </m:oMath>
+                          </a14:m>
+                          <a:endParaRPr lang="ru-RU" sz="1200" dirty="0">
+                            <a:effectLst/>
+                            <a:latin typeface="Times New Roman" panose="02020603050405020304" pitchFamily="18" charset="0"/>
+                            <a:ea typeface="Calibri" panose="020F0502020204030204" pitchFamily="34" charset="0"/>
+                            <a:cs typeface="F"/>
+                          </a:endParaRPr>
+                        </a:p>
+                      </a:txBody>
+                      <a:tcPr marL="50564" marR="50564" marT="0" marB="0"/>
+                    </a:tc>
+                    <a:extLst>
+                      <a:ext uri="{0D108BD9-81ED-4DB2-BD59-A6C34878D82A}">
+                        <a16:rowId xmlns:a16="http://schemas.microsoft.com/office/drawing/2014/main" val="3986655534"/>
+                      </a:ext>
+                    </a:extLst>
+                  </a:tr>
+                  <a:tr h="316913">
+                    <a:tc>
+                      <a:txBody>
+                        <a:bodyPr/>
+                        <a:lstStyle/>
+                        <a:p>
+                          <a:pPr marL="0" lvl="0" indent="0" algn="r">
+                            <a:lnSpc>
+                              <a:spcPct val="150000"/>
+                            </a:lnSpc>
+                            <a:spcAft>
+                              <a:spcPts val="0"/>
+                            </a:spcAft>
+                            <a:buFont typeface="+mj-lt"/>
+                            <a:buNone/>
+                          </a:pPr>
+                          <a:r>
+                            <a:rPr lang="en-US" sz="1200" dirty="0">
+                              <a:effectLst/>
+                            </a:rPr>
+                            <a:t>8</a:t>
+                          </a:r>
+                          <a:r>
+                            <a:rPr lang="ru-RU" sz="1200" dirty="0">
+                              <a:effectLst/>
+                            </a:rPr>
+                            <a:t> </a:t>
+                          </a:r>
+                          <a:endParaRPr lang="ru-RU" sz="1200" dirty="0">
+                            <a:effectLst/>
+                            <a:latin typeface="Times New Roman" panose="02020603050405020304" pitchFamily="18" charset="0"/>
+                            <a:ea typeface="Calibri" panose="020F0502020204030204" pitchFamily="34" charset="0"/>
+                            <a:cs typeface="F"/>
+                          </a:endParaRPr>
+                        </a:p>
+                      </a:txBody>
+                      <a:tcPr marL="50564" marR="50564" marT="0" marB="0"/>
+                    </a:tc>
+                    <a:tc>
+                      <a:txBody>
+                        <a:bodyPr/>
+                        <a:lstStyle/>
+                        <a:p>
+                          <a:pPr indent="180340" algn="just">
+                            <a:lnSpc>
+                              <a:spcPct val="150000"/>
+                            </a:lnSpc>
+                            <a:spcAft>
+                              <a:spcPts val="0"/>
+                            </a:spcAft>
+                          </a:pPr>
+                          <a:r>
+                            <a:rPr lang="ru-RU" sz="1200" dirty="0">
+                              <a:effectLst/>
+                            </a:rPr>
+                            <a:t>				</a:t>
+                          </a:r>
+                          <a14:m>
+                            <m:oMath xmlns:m="http://schemas.openxmlformats.org/officeDocument/2006/math">
+                              <m:sSup>
+                                <m:sSupPr>
+                                  <m:ctrlPr>
+                                    <a:rPr lang="ru-RU" sz="1200">
+                                      <a:effectLst/>
+                                    </a:rPr>
+                                  </m:ctrlPr>
+                                </m:sSupPr>
+                                <m:e>
+                                  <m:r>
+                                    <a:rPr lang="ru-RU" sz="1200">
+                                      <a:effectLst/>
+                                    </a:rPr>
+                                    <m:t>𝑆</m:t>
+                                  </m:r>
+                                </m:e>
+                                <m:sup>
+                                  <m:r>
+                                    <a:rPr lang="ru-RU" sz="1200">
+                                      <a:effectLst/>
+                                    </a:rPr>
+                                    <m:t>′</m:t>
+                                  </m:r>
+                                </m:sup>
+                              </m:sSup>
+                              <m:r>
+                                <a:rPr lang="ru-RU" sz="1200">
+                                  <a:effectLst/>
+                                </a:rPr>
+                                <m:t>[</m:t>
+                              </m:r>
+                              <m:r>
+                                <a:rPr lang="ru-RU" sz="1200">
+                                  <a:effectLst/>
+                                </a:rPr>
+                                <m:t>𝑝𝑟𝑒𝑑</m:t>
+                              </m:r>
+                              <m:r>
+                                <a:rPr lang="ru-RU" sz="1200">
+                                  <a:effectLst/>
+                                </a:rPr>
+                                <m:t>]=</m:t>
+                              </m:r>
+                              <m:r>
+                                <m:rPr>
+                                  <m:sty m:val="p"/>
+                                </m:rPr>
+                                <a:rPr lang="ru-RU" sz="1200">
+                                  <a:effectLst/>
+                                </a:rPr>
+                                <m:t>argmin</m:t>
+                              </m:r>
+                              <m:r>
+                                <a:rPr lang="ru-RU" sz="1200" i="1" smtClean="0">
+                                  <a:effectLst/>
+                                </a:rPr>
+                                <m:t> </m:t>
+                              </m:r>
+                              <m:r>
+                                <a:rPr lang="ru-RU" sz="1200">
+                                  <a:effectLst/>
+                                </a:rPr>
+                                <m:t>{</m:t>
+                              </m:r>
+                              <m:r>
+                                <a:rPr lang="ru-RU" sz="1200">
+                                  <a:effectLst/>
+                                </a:rPr>
+                                <m:t>𝑆</m:t>
+                              </m:r>
+                              <m:r>
+                                <a:rPr lang="ru-RU" sz="1200">
+                                  <a:effectLst/>
+                                </a:rPr>
+                                <m:t>[</m:t>
+                              </m:r>
+                              <m:r>
+                                <a:rPr lang="ru-RU" sz="1200">
+                                  <a:effectLst/>
+                                </a:rPr>
+                                <m:t>𝑐𝑜𝑠𝑡</m:t>
+                              </m:r>
+                              <m:r>
+                                <a:rPr lang="ru-RU" sz="1200">
+                                  <a:effectLst/>
+                                </a:rPr>
+                                <m:t>]+</m:t>
+                              </m:r>
+                              <m:r>
+                                <a:rPr lang="ru-RU" sz="1200">
+                                  <a:effectLst/>
+                                </a:rPr>
+                                <m:t>𝑐</m:t>
+                              </m:r>
+                              <m:r>
+                                <a:rPr lang="ru-RU" sz="1200">
+                                  <a:effectLst/>
+                                </a:rPr>
+                                <m:t>(</m:t>
+                              </m:r>
+                              <m:r>
+                                <a:rPr lang="ru-RU" sz="1200">
+                                  <a:effectLst/>
+                                </a:rPr>
+                                <m:t>𝑤</m:t>
+                              </m:r>
+                              <m:r>
+                                <a:rPr lang="ru-RU" sz="1200">
+                                  <a:effectLst/>
+                                </a:rPr>
+                                <m:t>,</m:t>
+                              </m:r>
+                              <m:r>
+                                <a:rPr lang="ru-RU" sz="1200">
+                                  <a:effectLst/>
+                                </a:rPr>
+                                <m:t>𝑢</m:t>
+                              </m:r>
+                              <m:r>
+                                <a:rPr lang="ru-RU" sz="1200">
+                                  <a:effectLst/>
+                                </a:rPr>
+                                <m:t>):</m:t>
+                              </m:r>
+                              <m:r>
+                                <a:rPr lang="ru-RU" sz="1200">
+                                  <a:effectLst/>
+                                </a:rPr>
+                                <m:t>𝑆</m:t>
+                              </m:r>
+                              <m:r>
+                                <a:rPr lang="ru-RU" sz="1200">
+                                  <a:effectLst/>
+                                </a:rPr>
+                                <m:t>=(</m:t>
+                              </m:r>
+                              <m:sSup>
+                                <m:sSupPr>
+                                  <m:ctrlPr>
+                                    <a:rPr lang="ru-RU" sz="1200">
+                                      <a:effectLst/>
+                                    </a:rPr>
+                                  </m:ctrlPr>
+                                </m:sSupPr>
+                                <m:e>
+                                  <m:r>
+                                    <a:rPr lang="ru-RU" sz="1200">
+                                      <a:effectLst/>
+                                    </a:rPr>
+                                    <m:t>𝒞</m:t>
+                                  </m:r>
+                                </m:e>
+                                <m:sup>
+                                  <m:r>
+                                    <a:rPr lang="ru-RU" sz="1200">
+                                      <a:effectLst/>
+                                    </a:rPr>
+                                    <m:t>′</m:t>
+                                  </m:r>
+                                </m:sup>
+                              </m:sSup>
+                              <m:r>
+                                <a:rPr lang="ru-RU" sz="1200">
+                                  <a:effectLst/>
+                                </a:rPr>
+                                <m:t>,</m:t>
+                              </m:r>
+                              <m:r>
+                                <a:rPr lang="ru-RU" sz="1200">
+                                  <a:effectLst/>
+                                </a:rPr>
+                                <m:t>𝑈</m:t>
+                              </m:r>
+                              <m:r>
+                                <a:rPr lang="ru-RU" sz="1200">
+                                  <a:effectLst/>
+                                </a:rPr>
+                                <m:t>,</m:t>
+                              </m:r>
+                              <m:r>
+                                <a:rPr lang="ru-RU" sz="1200">
+                                  <a:effectLst/>
+                                </a:rPr>
+                                <m:t>𝑣</m:t>
+                              </m:r>
+                              <m:r>
+                                <a:rPr lang="ru-RU" sz="1200">
+                                  <a:effectLst/>
+                                </a:rPr>
+                                <m:t>,</m:t>
+                              </m:r>
+                              <m:r>
+                                <a:rPr lang="ru-RU" sz="1200">
+                                  <a:effectLst/>
+                                </a:rPr>
+                                <m:t>𝑤</m:t>
+                              </m:r>
+                              <m:r>
+                                <a:rPr lang="ru-RU" sz="1200">
+                                  <a:effectLst/>
+                                </a:rPr>
+                                <m:t>)∈</m:t>
+                              </m:r>
+                              <m:sSub>
+                                <m:sSubPr>
+                                  <m:ctrlPr>
+                                    <a:rPr lang="ru-RU" sz="1200">
+                                      <a:effectLst/>
+                                    </a:rPr>
+                                  </m:ctrlPr>
+                                </m:sSubPr>
+                                <m:e>
+                                  <m:r>
+                                    <a:rPr lang="ru-RU" sz="1200">
+                                      <a:effectLst/>
+                                    </a:rPr>
+                                    <m:t>ℒ</m:t>
+                                  </m:r>
+                                </m:e>
+                                <m:sub>
+                                  <m:r>
+                                    <a:rPr lang="ru-RU" sz="1200">
+                                      <a:effectLst/>
+                                    </a:rPr>
+                                    <m:t>𝑘</m:t>
+                                  </m:r>
+                                </m:sub>
+                              </m:sSub>
+                              <m:r>
+                                <a:rPr lang="ru-RU" sz="1200">
+                                  <a:effectLst/>
+                                </a:rPr>
+                                <m:t>}</m:t>
+                              </m:r>
+                            </m:oMath>
+                          </a14:m>
+                          <a:endParaRPr lang="ru-RU" sz="1200" dirty="0">
+                            <a:effectLst/>
+                            <a:latin typeface="Times New Roman" panose="02020603050405020304" pitchFamily="18" charset="0"/>
+                            <a:ea typeface="Calibri" panose="020F0502020204030204" pitchFamily="34" charset="0"/>
+                            <a:cs typeface="F"/>
+                          </a:endParaRPr>
+                        </a:p>
+                      </a:txBody>
+                      <a:tcPr marL="50564" marR="50564" marT="0" marB="0"/>
+                    </a:tc>
+                    <a:extLst>
+                      <a:ext uri="{0D108BD9-81ED-4DB2-BD59-A6C34878D82A}">
+                        <a16:rowId xmlns:a16="http://schemas.microsoft.com/office/drawing/2014/main" val="2934515855"/>
+                      </a:ext>
+                    </a:extLst>
+                  </a:tr>
+                  <a:tr h="316913">
+                    <a:tc>
+                      <a:txBody>
+                        <a:bodyPr/>
+                        <a:lstStyle/>
+                        <a:p>
+                          <a:pPr marL="0" lvl="0" indent="0" algn="r">
+                            <a:lnSpc>
+                              <a:spcPct val="150000"/>
+                            </a:lnSpc>
+                            <a:spcAft>
+                              <a:spcPts val="0"/>
+                            </a:spcAft>
+                            <a:buFont typeface="+mj-lt"/>
+                            <a:buNone/>
+                          </a:pPr>
+                          <a:r>
+                            <a:rPr lang="en-US" sz="1200" dirty="0">
+                              <a:effectLst/>
+                            </a:rPr>
+                            <a:t>9</a:t>
+                          </a:r>
+                          <a:r>
+                            <a:rPr lang="ru-RU" sz="1200" dirty="0">
+                              <a:effectLst/>
+                            </a:rPr>
+                            <a:t> </a:t>
+                          </a:r>
+                          <a:endParaRPr lang="ru-RU" sz="1200" dirty="0">
+                            <a:effectLst/>
+                            <a:latin typeface="Times New Roman" panose="02020603050405020304" pitchFamily="18" charset="0"/>
+                            <a:ea typeface="Calibri" panose="020F0502020204030204" pitchFamily="34" charset="0"/>
+                            <a:cs typeface="F"/>
+                          </a:endParaRPr>
+                        </a:p>
+                      </a:txBody>
+                      <a:tcPr marL="50564" marR="50564" marT="0" marB="0"/>
+                    </a:tc>
+                    <a:tc>
+                      <a:txBody>
+                        <a:bodyPr/>
+                        <a:lstStyle/>
+                        <a:p>
+                          <a:pPr indent="180340" algn="just">
+                            <a:lnSpc>
+                              <a:spcPct val="150000"/>
+                            </a:lnSpc>
+                            <a:spcAft>
+                              <a:spcPts val="0"/>
+                            </a:spcAft>
+                          </a:pPr>
+                          <a:r>
+                            <a:rPr lang="ru-RU" sz="1200" dirty="0">
+                              <a:effectLst/>
+                            </a:rPr>
+                            <a:t>				</a:t>
+                          </a:r>
+                          <a14:m>
+                            <m:oMath xmlns:m="http://schemas.openxmlformats.org/officeDocument/2006/math">
+                              <m:sSup>
+                                <m:sSupPr>
+                                  <m:ctrlPr>
+                                    <a:rPr lang="ru-RU" sz="1200">
+                                      <a:effectLst/>
+                                    </a:rPr>
+                                  </m:ctrlPr>
+                                </m:sSupPr>
+                                <m:e>
+                                  <m:r>
+                                    <a:rPr lang="ru-RU" sz="1200">
+                                      <a:effectLst/>
+                                    </a:rPr>
+                                    <m:t>𝑆</m:t>
+                                  </m:r>
+                                </m:e>
+                                <m:sup>
+                                  <m:r>
+                                    <a:rPr lang="ru-RU" sz="1200">
+                                      <a:effectLst/>
+                                    </a:rPr>
+                                    <m:t>′</m:t>
+                                  </m:r>
+                                </m:sup>
+                              </m:sSup>
+                              <m:r>
+                                <a:rPr lang="ru-RU" sz="1200">
+                                  <a:effectLst/>
+                                </a:rPr>
+                                <m:t>[</m:t>
+                              </m:r>
+                              <m:r>
+                                <a:rPr lang="ru-RU" sz="1200">
+                                  <a:effectLst/>
+                                </a:rPr>
+                                <m:t>𝐿𝐵</m:t>
+                              </m:r>
+                              <m:r>
+                                <a:rPr lang="ru-RU" sz="1200">
+                                  <a:effectLst/>
+                                </a:rPr>
+                                <m:t>]=</m:t>
+                              </m:r>
+                              <m:sSup>
+                                <m:sSupPr>
+                                  <m:ctrlPr>
+                                    <a:rPr lang="ru-RU" sz="1200">
+                                      <a:effectLst/>
+                                    </a:rPr>
+                                  </m:ctrlPr>
+                                </m:sSupPr>
+                                <m:e>
+                                  <m:r>
+                                    <a:rPr lang="ru-RU" sz="1200">
+                                      <a:effectLst/>
+                                    </a:rPr>
+                                    <m:t>𝑆</m:t>
+                                  </m:r>
+                                </m:e>
+                                <m:sup>
+                                  <m:r>
+                                    <a:rPr lang="ru-RU" sz="1200">
+                                      <a:effectLst/>
+                                    </a:rPr>
+                                    <m:t>′</m:t>
+                                  </m:r>
+                                </m:sup>
+                              </m:sSup>
+                              <m:r>
+                                <a:rPr lang="ru-RU" sz="1200">
+                                  <a:effectLst/>
+                                </a:rPr>
+                                <m:t>[</m:t>
+                              </m:r>
+                              <m:r>
+                                <a:rPr lang="ru-RU" sz="1200">
+                                  <a:effectLst/>
+                                </a:rPr>
+                                <m:t>𝑐𝑜𝑠𝑡</m:t>
+                              </m:r>
+                              <m:r>
+                                <a:rPr lang="ru-RU" sz="1200">
+                                  <a:effectLst/>
+                                </a:rPr>
+                                <m:t>]+</m:t>
+                              </m:r>
+                              <m:r>
+                                <m:rPr>
+                                  <m:sty m:val="p"/>
+                                </m:rPr>
+                                <a:rPr lang="ru-RU" sz="1200">
+                                  <a:effectLst/>
+                                </a:rPr>
+                                <m:t>max</m:t>
+                              </m:r>
+                              <m:r>
+                                <a:rPr lang="ru-RU" sz="1200" i="1" smtClean="0">
+                                  <a:effectLst/>
+                                </a:rPr>
+                                <m:t> </m:t>
+                              </m:r>
+                              <m:r>
+                                <a:rPr lang="ru-RU" sz="1200">
+                                  <a:effectLst/>
+                                </a:rPr>
+                                <m:t>{</m:t>
+                              </m:r>
+                              <m:sSub>
+                                <m:sSubPr>
+                                  <m:ctrlPr>
+                                    <a:rPr lang="ru-RU" sz="1200">
+                                      <a:effectLst/>
+                                    </a:rPr>
+                                  </m:ctrlPr>
+                                </m:sSubPr>
+                                <m:e>
+                                  <m:r>
+                                    <a:rPr lang="ru-RU" sz="1200">
+                                      <a:effectLst/>
+                                    </a:rPr>
+                                    <m:t>𝐿</m:t>
+                                  </m:r>
+                                </m:e>
+                                <m:sub>
+                                  <m:r>
+                                    <a:rPr lang="ru-RU" sz="1200">
+                                      <a:effectLst/>
+                                    </a:rPr>
+                                    <m:t>1</m:t>
+                                  </m:r>
+                                </m:sub>
+                              </m:sSub>
+                              <m:r>
+                                <a:rPr lang="ru-RU" sz="1200">
+                                  <a:effectLst/>
+                                </a:rPr>
+                                <m:t>,</m:t>
+                              </m:r>
+                              <m:sSub>
+                                <m:sSubPr>
+                                  <m:ctrlPr>
+                                    <a:rPr lang="ru-RU" sz="1200">
+                                      <a:effectLst/>
+                                    </a:rPr>
+                                  </m:ctrlPr>
+                                </m:sSubPr>
+                                <m:e>
+                                  <m:r>
+                                    <a:rPr lang="ru-RU" sz="1200">
+                                      <a:effectLst/>
+                                    </a:rPr>
+                                    <m:t>𝐿</m:t>
+                                  </m:r>
+                                </m:e>
+                                <m:sub>
+                                  <m:r>
+                                    <a:rPr lang="ru-RU" sz="1200">
+                                      <a:effectLst/>
+                                    </a:rPr>
+                                    <m:t>2</m:t>
+                                  </m:r>
+                                </m:sub>
+                              </m:sSub>
+                              <m:r>
+                                <a:rPr lang="ru-RU" sz="1200">
+                                  <a:effectLst/>
+                                </a:rPr>
+                                <m:t>,</m:t>
+                              </m:r>
+                              <m:sSub>
+                                <m:sSubPr>
+                                  <m:ctrlPr>
+                                    <a:rPr lang="ru-RU" sz="1200">
+                                      <a:effectLst/>
+                                    </a:rPr>
+                                  </m:ctrlPr>
+                                </m:sSubPr>
+                                <m:e>
+                                  <m:r>
+                                    <a:rPr lang="ru-RU" sz="1200">
+                                      <a:effectLst/>
+                                    </a:rPr>
+                                    <m:t>𝐿</m:t>
+                                  </m:r>
+                                </m:e>
+                                <m:sub>
+                                  <m:r>
+                                    <a:rPr lang="ru-RU" sz="1200">
+                                      <a:effectLst/>
+                                    </a:rPr>
+                                    <m:t>3</m:t>
+                                  </m:r>
+                                </m:sub>
+                              </m:sSub>
+                              <m:r>
+                                <a:rPr lang="ru-RU" sz="1200">
+                                  <a:effectLst/>
+                                </a:rPr>
+                                <m:t>}</m:t>
+                              </m:r>
+                            </m:oMath>
+                          </a14:m>
+                          <a:endParaRPr lang="ru-RU" sz="1200" dirty="0">
+                            <a:effectLst/>
+                            <a:latin typeface="Times New Roman" panose="02020603050405020304" pitchFamily="18" charset="0"/>
+                            <a:ea typeface="Calibri" panose="020F0502020204030204" pitchFamily="34" charset="0"/>
+                            <a:cs typeface="F"/>
+                          </a:endParaRPr>
+                        </a:p>
+                      </a:txBody>
+                      <a:tcPr marL="50564" marR="50564" marT="0" marB="0"/>
+                    </a:tc>
+                    <a:extLst>
+                      <a:ext uri="{0D108BD9-81ED-4DB2-BD59-A6C34878D82A}">
+                        <a16:rowId xmlns:a16="http://schemas.microsoft.com/office/drawing/2014/main" val="4176271983"/>
+                      </a:ext>
+                    </a:extLst>
+                  </a:tr>
+                  <a:tr h="148367">
+                    <a:tc>
+                      <a:txBody>
+                        <a:bodyPr/>
+                        <a:lstStyle/>
+                        <a:p>
+                          <a:pPr marL="0" lvl="0" indent="0" algn="r">
+                            <a:lnSpc>
+                              <a:spcPct val="150000"/>
+                            </a:lnSpc>
+                            <a:spcAft>
+                              <a:spcPts val="0"/>
+                            </a:spcAft>
+                            <a:buFont typeface="+mj-lt"/>
+                            <a:buNone/>
+                          </a:pPr>
+                          <a:r>
+                            <a:rPr lang="en-US" sz="1200" dirty="0">
+                              <a:effectLst/>
+                            </a:rPr>
+                            <a:t>10</a:t>
+                          </a:r>
+                          <a:r>
+                            <a:rPr lang="ru-RU" sz="1200" dirty="0">
+                              <a:effectLst/>
+                            </a:rPr>
+                            <a:t> </a:t>
+                          </a:r>
+                          <a:endParaRPr lang="ru-RU" sz="1200" dirty="0">
+                            <a:effectLst/>
+                            <a:latin typeface="Times New Roman" panose="02020603050405020304" pitchFamily="18" charset="0"/>
+                            <a:ea typeface="Calibri" panose="020F0502020204030204" pitchFamily="34" charset="0"/>
+                            <a:cs typeface="F"/>
+                          </a:endParaRPr>
+                        </a:p>
+                      </a:txBody>
+                      <a:tcPr marL="50564" marR="50564" marT="0" marB="0"/>
+                    </a:tc>
+                    <a:tc>
+                      <a:txBody>
+                        <a:bodyPr/>
+                        <a:lstStyle/>
+                        <a:p>
+                          <a:pPr indent="180340" algn="just">
+                            <a:lnSpc>
+                              <a:spcPct val="150000"/>
+                            </a:lnSpc>
+                            <a:spcAft>
+                              <a:spcPts val="0"/>
+                            </a:spcAft>
+                          </a:pPr>
+                          <a:r>
+                            <a:rPr lang="ru-RU" sz="1200" dirty="0">
+                              <a:effectLst/>
+                            </a:rPr>
+                            <a:t>				</a:t>
+                          </a:r>
+                          <a:r>
+                            <a:rPr lang="en-US" sz="1200" b="1" dirty="0">
+                              <a:effectLst/>
+                            </a:rPr>
+                            <a:t>if</a:t>
+                          </a:r>
+                          <a:r>
+                            <a:rPr lang="en-US" sz="1200" dirty="0">
+                              <a:effectLst/>
+                            </a:rPr>
+                            <a:t> </a:t>
+                          </a:r>
+                          <a14:m>
+                            <m:oMath xmlns:m="http://schemas.openxmlformats.org/officeDocument/2006/math">
+                              <m:sSup>
+                                <m:sSupPr>
+                                  <m:ctrlPr>
+                                    <a:rPr lang="ru-RU" sz="1200">
+                                      <a:effectLst/>
+                                    </a:rPr>
+                                  </m:ctrlPr>
+                                </m:sSupPr>
+                                <m:e>
+                                  <m:r>
+                                    <a:rPr lang="en-US" sz="1200">
+                                      <a:effectLst/>
+                                    </a:rPr>
+                                    <m:t>𝑆</m:t>
+                                  </m:r>
+                                </m:e>
+                                <m:sup>
+                                  <m:r>
+                                    <a:rPr lang="en-US" sz="1200">
+                                      <a:effectLst/>
+                                    </a:rPr>
+                                    <m:t>′</m:t>
+                                  </m:r>
+                                </m:sup>
+                              </m:sSup>
+                              <m:r>
+                                <a:rPr lang="en-US" sz="1200">
+                                  <a:effectLst/>
+                                </a:rPr>
+                                <m:t>[</m:t>
+                              </m:r>
+                              <m:r>
+                                <a:rPr lang="en-US" sz="1200">
+                                  <a:effectLst/>
+                                </a:rPr>
+                                <m:t>𝐿𝐵</m:t>
+                              </m:r>
+                              <m:r>
+                                <a:rPr lang="en-US" sz="1200">
+                                  <a:effectLst/>
+                                </a:rPr>
+                                <m:t>]⩽</m:t>
+                              </m:r>
+                              <m:r>
+                                <a:rPr lang="en-US" sz="1200">
+                                  <a:effectLst/>
+                                </a:rPr>
+                                <m:t>𝑈𝐵</m:t>
+                              </m:r>
+                            </m:oMath>
+                          </a14:m>
+                          <a:r>
+                            <a:rPr lang="en-US" sz="1200" dirty="0">
+                              <a:effectLst/>
+                            </a:rPr>
+                            <a:t> </a:t>
+                          </a:r>
+                          <a:r>
+                            <a:rPr lang="en-US" sz="1200" b="1" dirty="0">
+                              <a:effectLst/>
+                            </a:rPr>
+                            <a:t>then</a:t>
+                          </a:r>
+                          <a:endParaRPr lang="ru-RU" sz="1200" b="1" dirty="0">
+                            <a:effectLst/>
+                            <a:latin typeface="Times New Roman" panose="02020603050405020304" pitchFamily="18" charset="0"/>
+                            <a:ea typeface="Calibri" panose="020F0502020204030204" pitchFamily="34" charset="0"/>
+                            <a:cs typeface="F"/>
+                          </a:endParaRPr>
+                        </a:p>
+                      </a:txBody>
+                      <a:tcPr marL="50564" marR="50564" marT="0" marB="0"/>
+                    </a:tc>
+                    <a:extLst>
+                      <a:ext uri="{0D108BD9-81ED-4DB2-BD59-A6C34878D82A}">
+                        <a16:rowId xmlns:a16="http://schemas.microsoft.com/office/drawing/2014/main" val="3262798530"/>
+                      </a:ext>
+                    </a:extLst>
+                  </a:tr>
+                  <a:tr h="316913">
+                    <a:tc>
+                      <a:txBody>
+                        <a:bodyPr/>
+                        <a:lstStyle/>
+                        <a:p>
+                          <a:pPr marL="0" lvl="0" indent="0" algn="r">
+                            <a:lnSpc>
+                              <a:spcPct val="150000"/>
+                            </a:lnSpc>
+                            <a:spcAft>
+                              <a:spcPts val="0"/>
+                            </a:spcAft>
+                            <a:buFont typeface="+mj-lt"/>
+                            <a:buNone/>
+                          </a:pPr>
+                          <a:r>
+                            <a:rPr lang="en-US" sz="1200" dirty="0">
+                              <a:effectLst/>
+                            </a:rPr>
+                            <a:t>11 </a:t>
+                          </a:r>
+                          <a:endParaRPr lang="ru-RU" sz="1200" dirty="0">
+                            <a:effectLst/>
+                            <a:latin typeface="Times New Roman" panose="02020603050405020304" pitchFamily="18" charset="0"/>
+                            <a:ea typeface="Calibri" panose="020F0502020204030204" pitchFamily="34" charset="0"/>
+                            <a:cs typeface="F"/>
+                          </a:endParaRPr>
+                        </a:p>
+                      </a:txBody>
+                      <a:tcPr marL="50564" marR="50564" marT="0" marB="0"/>
+                    </a:tc>
+                    <a:tc>
+                      <a:txBody>
+                        <a:bodyPr/>
+                        <a:lstStyle/>
+                        <a:p>
+                          <a:pPr indent="180340" algn="just">
+                            <a:lnSpc>
+                              <a:spcPct val="150000"/>
+                            </a:lnSpc>
+                            <a:spcAft>
+                              <a:spcPts val="0"/>
+                            </a:spcAft>
+                          </a:pPr>
+                          <a:r>
+                            <a:rPr lang="en-US" sz="1200">
+                              <a:effectLst/>
+                            </a:rPr>
+                            <a:t>					</a:t>
+                          </a:r>
+                          <a:r>
+                            <a:rPr lang="ru-RU" sz="1200">
+                              <a:effectLst/>
+                            </a:rPr>
+                            <a:t>Добавляем </a:t>
+                          </a:r>
+                          <a14:m>
+                            <m:oMath xmlns:m="http://schemas.openxmlformats.org/officeDocument/2006/math">
+                              <m:sSup>
+                                <m:sSupPr>
+                                  <m:ctrlPr>
+                                    <a:rPr lang="ru-RU" sz="1200">
+                                      <a:effectLst/>
+                                    </a:rPr>
+                                  </m:ctrlPr>
+                                </m:sSupPr>
+                                <m:e>
+                                  <m:r>
+                                    <a:rPr lang="en-US" sz="1200">
+                                      <a:effectLst/>
+                                    </a:rPr>
+                                    <m:t>𝑆</m:t>
+                                  </m:r>
+                                </m:e>
+                                <m:sup>
+                                  <m:r>
+                                    <a:rPr lang="ru-RU" sz="1200">
+                                      <a:effectLst/>
+                                    </a:rPr>
+                                    <m:t>′</m:t>
+                                  </m:r>
+                                </m:sup>
+                              </m:sSup>
+                            </m:oMath>
+                          </a14:m>
+                          <a:r>
+                            <a:rPr lang="ru-RU" sz="1200">
+                              <a:effectLst/>
+                            </a:rPr>
+                            <a:t> к </a:t>
+                          </a:r>
+                          <a14:m>
+                            <m:oMath xmlns:m="http://schemas.openxmlformats.org/officeDocument/2006/math">
+                              <m:sSub>
+                                <m:sSubPr>
+                                  <m:ctrlPr>
+                                    <a:rPr lang="ru-RU" sz="1200">
+                                      <a:effectLst/>
+                                    </a:rPr>
+                                  </m:ctrlPr>
+                                </m:sSubPr>
+                                <m:e>
+                                  <m:r>
+                                    <a:rPr lang="ru-RU" sz="1200">
+                                      <a:effectLst/>
+                                    </a:rPr>
+                                    <m:t>ℒ</m:t>
+                                  </m:r>
+                                </m:e>
+                                <m:sub>
+                                  <m:r>
+                                    <a:rPr lang="en-US" sz="1200">
+                                      <a:effectLst/>
+                                    </a:rPr>
+                                    <m:t>𝑘</m:t>
+                                  </m:r>
+                                  <m:r>
+                                    <a:rPr lang="ru-RU" sz="1200">
+                                      <a:effectLst/>
+                                    </a:rPr>
+                                    <m:t>+1</m:t>
+                                  </m:r>
+                                </m:sub>
+                              </m:sSub>
+                            </m:oMath>
+                          </a14:m>
+                          <a:endParaRPr lang="ru-RU" sz="1200">
+                            <a:effectLst/>
+                            <a:latin typeface="Times New Roman" panose="02020603050405020304" pitchFamily="18" charset="0"/>
+                            <a:ea typeface="Calibri" panose="020F0502020204030204" pitchFamily="34" charset="0"/>
+                            <a:cs typeface="F"/>
+                          </a:endParaRPr>
+                        </a:p>
+                      </a:txBody>
+                      <a:tcPr marL="50564" marR="50564" marT="0" marB="0"/>
+                    </a:tc>
+                    <a:extLst>
+                      <a:ext uri="{0D108BD9-81ED-4DB2-BD59-A6C34878D82A}">
+                        <a16:rowId xmlns:a16="http://schemas.microsoft.com/office/drawing/2014/main" val="964183891"/>
+                      </a:ext>
+                    </a:extLst>
+                  </a:tr>
+                  <a:tr h="148367">
+                    <a:tc>
+                      <a:txBody>
+                        <a:bodyPr/>
+                        <a:lstStyle/>
+                        <a:p>
+                          <a:pPr marL="0" lvl="0" indent="0" algn="r">
+                            <a:lnSpc>
+                              <a:spcPct val="150000"/>
+                            </a:lnSpc>
+                            <a:spcAft>
+                              <a:spcPts val="0"/>
+                            </a:spcAft>
+                            <a:buFont typeface="+mj-lt"/>
+                            <a:buNone/>
+                          </a:pPr>
+                          <a:r>
+                            <a:rPr lang="en-US" sz="1200" dirty="0">
+                              <a:effectLst/>
+                            </a:rPr>
+                            <a:t>12</a:t>
+                          </a:r>
+                          <a:r>
+                            <a:rPr lang="ru-RU" sz="1200" dirty="0">
+                              <a:effectLst/>
+                            </a:rPr>
+                            <a:t> </a:t>
+                          </a:r>
+                          <a:endParaRPr lang="ru-RU" sz="1200" dirty="0">
+                            <a:effectLst/>
+                            <a:latin typeface="Times New Roman" panose="02020603050405020304" pitchFamily="18" charset="0"/>
+                            <a:ea typeface="Calibri" panose="020F0502020204030204" pitchFamily="34" charset="0"/>
+                            <a:cs typeface="F"/>
+                          </a:endParaRPr>
+                        </a:p>
+                      </a:txBody>
+                      <a:tcPr marL="50564" marR="50564" marT="0" marB="0"/>
+                    </a:tc>
+                    <a:tc>
+                      <a:txBody>
+                        <a:bodyPr/>
+                        <a:lstStyle/>
+                        <a:p>
+                          <a:pPr indent="180340" algn="just">
+                            <a:lnSpc>
+                              <a:spcPct val="150000"/>
+                            </a:lnSpc>
+                            <a:spcAft>
+                              <a:spcPts val="0"/>
+                            </a:spcAft>
+                          </a:pPr>
+                          <a:r>
+                            <a:rPr lang="ru-RU" sz="1200" dirty="0">
+                              <a:effectLst/>
+                            </a:rPr>
+                            <a:t>				</a:t>
+                          </a:r>
+                          <a:r>
+                            <a:rPr lang="en-US" sz="1200" b="1" dirty="0">
+                              <a:effectLst/>
+                            </a:rPr>
+                            <a:t>end</a:t>
+                          </a:r>
+                          <a:r>
+                            <a:rPr lang="en-US" sz="1200" dirty="0">
+                              <a:effectLst/>
+                            </a:rPr>
+                            <a:t> </a:t>
+                          </a:r>
+                          <a:r>
+                            <a:rPr lang="en-US" sz="1200" b="1" dirty="0">
+                              <a:effectLst/>
+                            </a:rPr>
+                            <a:t>if</a:t>
+                          </a:r>
+                          <a:endParaRPr lang="ru-RU" sz="1200" b="1" dirty="0">
+                            <a:effectLst/>
+                            <a:latin typeface="Times New Roman" panose="02020603050405020304" pitchFamily="18" charset="0"/>
+                            <a:ea typeface="Calibri" panose="020F0502020204030204" pitchFamily="34" charset="0"/>
+                            <a:cs typeface="F"/>
+                          </a:endParaRPr>
+                        </a:p>
+                      </a:txBody>
+                      <a:tcPr marL="50564" marR="50564" marT="0" marB="0"/>
+                    </a:tc>
+                    <a:extLst>
+                      <a:ext uri="{0D108BD9-81ED-4DB2-BD59-A6C34878D82A}">
+                        <a16:rowId xmlns:a16="http://schemas.microsoft.com/office/drawing/2014/main" val="2598050393"/>
+                      </a:ext>
+                    </a:extLst>
+                  </a:tr>
+                  <a:tr h="148367">
+                    <a:tc>
+                      <a:txBody>
+                        <a:bodyPr/>
+                        <a:lstStyle/>
+                        <a:p>
+                          <a:pPr marL="0" lvl="0" indent="0" algn="r">
+                            <a:lnSpc>
+                              <a:spcPct val="150000"/>
+                            </a:lnSpc>
+                            <a:spcAft>
+                              <a:spcPts val="0"/>
+                            </a:spcAft>
+                            <a:buFont typeface="+mj-lt"/>
+                            <a:buNone/>
+                          </a:pPr>
+                          <a:r>
+                            <a:rPr lang="en-US" sz="1200" dirty="0">
+                              <a:effectLst/>
+                            </a:rPr>
+                            <a:t>13 </a:t>
+                          </a:r>
+                          <a:endParaRPr lang="ru-RU" sz="1200" dirty="0">
+                            <a:effectLst/>
+                            <a:latin typeface="Times New Roman" panose="02020603050405020304" pitchFamily="18" charset="0"/>
+                            <a:ea typeface="Calibri" panose="020F0502020204030204" pitchFamily="34" charset="0"/>
+                            <a:cs typeface="F"/>
+                          </a:endParaRPr>
+                        </a:p>
+                      </a:txBody>
+                      <a:tcPr marL="50564" marR="50564" marT="0" marB="0"/>
+                    </a:tc>
+                    <a:tc>
+                      <a:txBody>
+                        <a:bodyPr/>
+                        <a:lstStyle/>
+                        <a:p>
+                          <a:pPr indent="180340" algn="just">
+                            <a:lnSpc>
+                              <a:spcPct val="150000"/>
+                            </a:lnSpc>
+                            <a:spcAft>
+                              <a:spcPts val="0"/>
+                            </a:spcAft>
+                          </a:pPr>
+                          <a:r>
+                            <a:rPr lang="en-US" sz="1200" dirty="0">
+                              <a:effectLst/>
+                            </a:rPr>
+                            <a:t>			</a:t>
+                          </a:r>
+                          <a:r>
+                            <a:rPr lang="en-US" sz="1200" b="1" dirty="0">
+                              <a:effectLst/>
+                            </a:rPr>
+                            <a:t>end</a:t>
+                          </a:r>
+                          <a:r>
+                            <a:rPr lang="en-US" sz="1200" dirty="0">
+                              <a:effectLst/>
+                            </a:rPr>
+                            <a:t> </a:t>
+                          </a:r>
+                          <a:r>
+                            <a:rPr lang="en-US" sz="1200" b="1" dirty="0">
+                              <a:effectLst/>
+                            </a:rPr>
+                            <a:t>if</a:t>
+                          </a:r>
+                          <a:endParaRPr lang="ru-RU" sz="1200" b="1" dirty="0">
+                            <a:effectLst/>
+                            <a:latin typeface="Times New Roman" panose="02020603050405020304" pitchFamily="18" charset="0"/>
+                            <a:ea typeface="Calibri" panose="020F0502020204030204" pitchFamily="34" charset="0"/>
+                            <a:cs typeface="F"/>
+                          </a:endParaRPr>
+                        </a:p>
+                      </a:txBody>
+                      <a:tcPr marL="50564" marR="50564" marT="0" marB="0"/>
+                    </a:tc>
+                    <a:extLst>
+                      <a:ext uri="{0D108BD9-81ED-4DB2-BD59-A6C34878D82A}">
+                        <a16:rowId xmlns:a16="http://schemas.microsoft.com/office/drawing/2014/main" val="1842815023"/>
+                      </a:ext>
+                    </a:extLst>
+                  </a:tr>
+                  <a:tr h="148367">
+                    <a:tc>
+                      <a:txBody>
+                        <a:bodyPr/>
+                        <a:lstStyle/>
+                        <a:p>
+                          <a:pPr marL="0" lvl="0" indent="0" algn="r">
+                            <a:lnSpc>
+                              <a:spcPct val="150000"/>
+                            </a:lnSpc>
+                            <a:spcAft>
+                              <a:spcPts val="0"/>
+                            </a:spcAft>
+                            <a:buFont typeface="+mj-lt"/>
+                            <a:buNone/>
+                          </a:pPr>
+                          <a:r>
+                            <a:rPr lang="en-US" sz="1200" dirty="0">
+                              <a:effectLst/>
+                            </a:rPr>
+                            <a:t>14 </a:t>
+                          </a:r>
+                          <a:endParaRPr lang="ru-RU" sz="1200" dirty="0">
+                            <a:effectLst/>
+                            <a:latin typeface="Times New Roman" panose="02020603050405020304" pitchFamily="18" charset="0"/>
+                            <a:ea typeface="Calibri" panose="020F0502020204030204" pitchFamily="34" charset="0"/>
+                            <a:cs typeface="F"/>
+                          </a:endParaRPr>
+                        </a:p>
+                      </a:txBody>
+                      <a:tcPr marL="50564" marR="50564" marT="0" marB="0"/>
+                    </a:tc>
+                    <a:tc>
+                      <a:txBody>
+                        <a:bodyPr/>
+                        <a:lstStyle/>
+                        <a:p>
+                          <a:pPr indent="180340" algn="just">
+                            <a:lnSpc>
+                              <a:spcPct val="150000"/>
+                            </a:lnSpc>
+                            <a:spcAft>
+                              <a:spcPts val="0"/>
+                            </a:spcAft>
+                          </a:pPr>
+                          <a:r>
+                            <a:rPr lang="en-US" sz="1200" dirty="0">
+                              <a:effectLst/>
+                            </a:rPr>
+                            <a:t>		</a:t>
+                          </a:r>
+                          <a:r>
+                            <a:rPr lang="en-US" sz="1200" b="1" dirty="0">
+                              <a:effectLst/>
+                            </a:rPr>
+                            <a:t>end</a:t>
+                          </a:r>
+                          <a:r>
+                            <a:rPr lang="en-US" sz="1200" dirty="0">
+                              <a:effectLst/>
+                            </a:rPr>
+                            <a:t> </a:t>
+                          </a:r>
+                          <a:r>
+                            <a:rPr lang="en-US" sz="1200" b="1" dirty="0">
+                              <a:effectLst/>
+                            </a:rPr>
+                            <a:t>for</a:t>
+                          </a:r>
+                          <a:endParaRPr lang="ru-RU" sz="1200" b="1" dirty="0">
+                            <a:effectLst/>
+                            <a:latin typeface="Times New Roman" panose="02020603050405020304" pitchFamily="18" charset="0"/>
+                            <a:ea typeface="Calibri" panose="020F0502020204030204" pitchFamily="34" charset="0"/>
+                            <a:cs typeface="F"/>
+                          </a:endParaRPr>
+                        </a:p>
+                      </a:txBody>
+                      <a:tcPr marL="50564" marR="50564" marT="0" marB="0"/>
+                    </a:tc>
+                    <a:extLst>
+                      <a:ext uri="{0D108BD9-81ED-4DB2-BD59-A6C34878D82A}">
+                        <a16:rowId xmlns:a16="http://schemas.microsoft.com/office/drawing/2014/main" val="4272345385"/>
+                      </a:ext>
+                    </a:extLst>
+                  </a:tr>
+                  <a:tr h="148367">
+                    <a:tc>
+                      <a:txBody>
+                        <a:bodyPr/>
+                        <a:lstStyle/>
+                        <a:p>
+                          <a:pPr marL="0" lvl="0" indent="0" algn="r">
+                            <a:lnSpc>
+                              <a:spcPct val="150000"/>
+                            </a:lnSpc>
+                            <a:spcAft>
+                              <a:spcPts val="0"/>
+                            </a:spcAft>
+                            <a:buFont typeface="+mj-lt"/>
+                            <a:buNone/>
+                          </a:pPr>
+                          <a:r>
+                            <a:rPr lang="en-US" sz="1200" dirty="0">
+                              <a:effectLst/>
+                            </a:rPr>
+                            <a:t>15 </a:t>
+                          </a:r>
+                          <a:endParaRPr lang="ru-RU" sz="1200" dirty="0">
+                            <a:effectLst/>
+                            <a:latin typeface="Times New Roman" panose="02020603050405020304" pitchFamily="18" charset="0"/>
+                            <a:ea typeface="Calibri" panose="020F0502020204030204" pitchFamily="34" charset="0"/>
+                            <a:cs typeface="F"/>
+                          </a:endParaRPr>
+                        </a:p>
+                      </a:txBody>
+                      <a:tcPr marL="50564" marR="50564" marT="0" marB="0"/>
+                    </a:tc>
+                    <a:tc>
+                      <a:txBody>
+                        <a:bodyPr/>
+                        <a:lstStyle/>
+                        <a:p>
+                          <a:pPr indent="180340" algn="just">
+                            <a:lnSpc>
+                              <a:spcPct val="150000"/>
+                            </a:lnSpc>
+                            <a:spcAft>
+                              <a:spcPts val="0"/>
+                            </a:spcAft>
+                          </a:pPr>
+                          <a:r>
+                            <a:rPr lang="en-US" sz="1200" dirty="0">
+                              <a:effectLst/>
+                            </a:rPr>
+                            <a:t>	</a:t>
+                          </a:r>
+                          <a:r>
+                            <a:rPr lang="en-US" sz="1200" b="1" dirty="0">
+                              <a:effectLst/>
+                            </a:rPr>
+                            <a:t>end</a:t>
+                          </a:r>
+                          <a:r>
+                            <a:rPr lang="en-US" sz="1200" dirty="0">
+                              <a:effectLst/>
+                            </a:rPr>
+                            <a:t> </a:t>
+                          </a:r>
+                          <a:r>
+                            <a:rPr lang="en-US" sz="1200" b="1" dirty="0">
+                              <a:effectLst/>
+                            </a:rPr>
+                            <a:t>for</a:t>
+                          </a:r>
+                          <a:endParaRPr lang="ru-RU" sz="1200" b="1" dirty="0">
+                            <a:effectLst/>
+                            <a:latin typeface="Times New Roman" panose="02020603050405020304" pitchFamily="18" charset="0"/>
+                            <a:ea typeface="Calibri" panose="020F0502020204030204" pitchFamily="34" charset="0"/>
+                            <a:cs typeface="F"/>
+                          </a:endParaRPr>
+                        </a:p>
+                      </a:txBody>
+                      <a:tcPr marL="50564" marR="50564" marT="0" marB="0"/>
+                    </a:tc>
+                    <a:extLst>
+                      <a:ext uri="{0D108BD9-81ED-4DB2-BD59-A6C34878D82A}">
+                        <a16:rowId xmlns:a16="http://schemas.microsoft.com/office/drawing/2014/main" val="2429142162"/>
+                      </a:ext>
+                    </a:extLst>
+                  </a:tr>
+                  <a:tr h="148367">
+                    <a:tc>
+                      <a:txBody>
+                        <a:bodyPr/>
+                        <a:lstStyle/>
+                        <a:p>
+                          <a:pPr marL="0" lvl="0" indent="0" algn="r">
+                            <a:lnSpc>
+                              <a:spcPct val="150000"/>
+                            </a:lnSpc>
+                            <a:spcAft>
+                              <a:spcPts val="0"/>
+                            </a:spcAft>
+                            <a:buFont typeface="+mj-lt"/>
+                            <a:buNone/>
+                          </a:pPr>
+                          <a:r>
+                            <a:rPr lang="en-US" sz="1200" dirty="0">
+                              <a:effectLst/>
+                            </a:rPr>
+                            <a:t>16 </a:t>
+                          </a:r>
+                          <a:endParaRPr lang="ru-RU" sz="1200" dirty="0">
+                            <a:effectLst/>
+                            <a:latin typeface="Times New Roman" panose="02020603050405020304" pitchFamily="18" charset="0"/>
+                            <a:ea typeface="Calibri" panose="020F0502020204030204" pitchFamily="34" charset="0"/>
+                            <a:cs typeface="F"/>
+                          </a:endParaRPr>
+                        </a:p>
+                      </a:txBody>
+                      <a:tcPr marL="50564" marR="50564" marT="0" marB="0"/>
+                    </a:tc>
+                    <a:tc>
+                      <a:txBody>
+                        <a:bodyPr/>
+                        <a:lstStyle/>
+                        <a:p>
+                          <a:pPr indent="180340" algn="just">
+                            <a:lnSpc>
+                              <a:spcPct val="150000"/>
+                            </a:lnSpc>
+                            <a:spcAft>
+                              <a:spcPts val="0"/>
+                            </a:spcAft>
+                          </a:pPr>
+                          <a:r>
+                            <a:rPr lang="en-US" sz="1200" b="1" dirty="0">
+                              <a:effectLst/>
+                            </a:rPr>
+                            <a:t>end</a:t>
+                          </a:r>
+                          <a:r>
+                            <a:rPr lang="en-US" sz="1200" dirty="0">
+                              <a:effectLst/>
+                            </a:rPr>
+                            <a:t> </a:t>
+                          </a:r>
+                          <a:r>
+                            <a:rPr lang="en-US" sz="1200" b="1" dirty="0">
+                              <a:effectLst/>
+                            </a:rPr>
+                            <a:t>for</a:t>
+                          </a:r>
+                          <a:endParaRPr lang="ru-RU" sz="1200" b="1" dirty="0">
+                            <a:effectLst/>
+                            <a:latin typeface="Times New Roman" panose="02020603050405020304" pitchFamily="18" charset="0"/>
+                            <a:ea typeface="Calibri" panose="020F0502020204030204" pitchFamily="34" charset="0"/>
+                            <a:cs typeface="F"/>
+                          </a:endParaRPr>
+                        </a:p>
+                      </a:txBody>
+                      <a:tcPr marL="50564" marR="50564" marT="0" marB="0"/>
+                    </a:tc>
+                    <a:extLst>
+                      <a:ext uri="{0D108BD9-81ED-4DB2-BD59-A6C34878D82A}">
+                        <a16:rowId xmlns:a16="http://schemas.microsoft.com/office/drawing/2014/main" val="3460518996"/>
+                      </a:ext>
+                    </a:extLst>
+                  </a:tr>
+                  <a:tr h="148367">
+                    <a:tc>
+                      <a:txBody>
+                        <a:bodyPr/>
+                        <a:lstStyle/>
+                        <a:p>
+                          <a:pPr marL="0" lvl="0" indent="0" algn="r">
+                            <a:lnSpc>
+                              <a:spcPct val="150000"/>
+                            </a:lnSpc>
+                            <a:spcAft>
+                              <a:spcPts val="0"/>
+                            </a:spcAft>
+                            <a:buFont typeface="+mj-lt"/>
+                            <a:buNone/>
+                          </a:pPr>
+                          <a:r>
+                            <a:rPr lang="en-US" sz="1200" dirty="0">
+                              <a:effectLst/>
+                            </a:rPr>
+                            <a:t>17 </a:t>
+                          </a:r>
+                          <a:endParaRPr lang="ru-RU" sz="1200" dirty="0">
+                            <a:effectLst/>
+                            <a:latin typeface="Times New Roman" panose="02020603050405020304" pitchFamily="18" charset="0"/>
+                            <a:ea typeface="Calibri" panose="020F0502020204030204" pitchFamily="34" charset="0"/>
+                            <a:cs typeface="F"/>
+                          </a:endParaRPr>
+                        </a:p>
+                      </a:txBody>
+                      <a:tcPr marL="50564" marR="50564" marT="0" marB="0"/>
+                    </a:tc>
+                    <a:tc>
+                      <a:txBody>
+                        <a:bodyPr/>
+                        <a:lstStyle/>
+                        <a:p>
+                          <a:pPr indent="180340" algn="just">
+                            <a:lnSpc>
+                              <a:spcPct val="150000"/>
+                            </a:lnSpc>
+                            <a:spcAft>
+                              <a:spcPts val="0"/>
+                            </a:spcAft>
+                          </a:pPr>
+                          <a:r>
+                            <a:rPr lang="en-US" sz="1200" b="1" dirty="0">
+                              <a:effectLst/>
+                            </a:rPr>
+                            <a:t>return</a:t>
+                          </a:r>
+                          <a:r>
+                            <a:rPr lang="en-US" sz="1200" dirty="0">
+                              <a:effectLst/>
+                            </a:rPr>
+                            <a:t> </a:t>
+                          </a:r>
+                          <a14:m>
+                            <m:oMath xmlns:m="http://schemas.openxmlformats.org/officeDocument/2006/math">
+                              <m:sSub>
+                                <m:sSubPr>
+                                  <m:ctrlPr>
+                                    <a:rPr lang="ru-RU" sz="1200">
+                                      <a:effectLst/>
+                                    </a:rPr>
+                                  </m:ctrlPr>
+                                </m:sSubPr>
+                                <m:e>
+                                  <m:r>
+                                    <a:rPr lang="en-US" sz="1200">
+                                      <a:effectLst/>
+                                    </a:rPr>
+                                    <m:t>ℒ</m:t>
+                                  </m:r>
+                                </m:e>
+                                <m:sub>
+                                  <m:r>
+                                    <a:rPr lang="en-US" sz="1200">
+                                      <a:effectLst/>
+                                    </a:rPr>
+                                    <m:t>𝑘</m:t>
+                                  </m:r>
+                                  <m:r>
+                                    <a:rPr lang="en-US" sz="1200">
+                                      <a:effectLst/>
+                                    </a:rPr>
+                                    <m:t>+1</m:t>
+                                  </m:r>
+                                </m:sub>
+                              </m:sSub>
+                            </m:oMath>
+                          </a14:m>
+                          <a:endParaRPr lang="ru-RU" sz="1200" dirty="0">
+                            <a:effectLst/>
+                            <a:latin typeface="Times New Roman" panose="02020603050405020304" pitchFamily="18" charset="0"/>
+                            <a:ea typeface="Calibri" panose="020F0502020204030204" pitchFamily="34" charset="0"/>
+                            <a:cs typeface="F"/>
+                          </a:endParaRPr>
+                        </a:p>
+                      </a:txBody>
+                      <a:tcPr marL="50564" marR="50564" marT="0" marB="0"/>
+                    </a:tc>
+                    <a:extLst>
+                      <a:ext uri="{0D108BD9-81ED-4DB2-BD59-A6C34878D82A}">
+                        <a16:rowId xmlns:a16="http://schemas.microsoft.com/office/drawing/2014/main" val="2289541289"/>
+                      </a:ext>
+                    </a:extLst>
+                  </a:tr>
+                </a:tbl>
+              </a:graphicData>
+            </a:graphic>
+          </p:graphicFrame>
+        </mc:Choice>
+        <mc:Fallback>
+          <p:graphicFrame>
+            <p:nvGraphicFramePr>
+              <p:cNvPr id="2" name="Таблица 1">
+                <a:extLst>
+                  <a:ext uri="{FF2B5EF4-FFF2-40B4-BE49-F238E27FC236}">
+                    <a16:creationId xmlns:a16="http://schemas.microsoft.com/office/drawing/2014/main" id="{C0DAAFE9-24C7-44A4-A8B3-6A8E51D3C050}"/>
+                  </a:ext>
+                </a:extLst>
+              </p:cNvPr>
+              <p:cNvGraphicFramePr>
+                <a:graphicFrameLocks noGrp="1"/>
+              </p:cNvGraphicFramePr>
+              <p:nvPr>
+                <p:extLst>
+                  <p:ext uri="{D42A27DB-BD31-4B8C-83A1-F6EECF244321}">
+                    <p14:modId xmlns:p14="http://schemas.microsoft.com/office/powerpoint/2010/main" val="1836502720"/>
+                  </p:ext>
+                </p:extLst>
+              </p:nvPr>
+            </p:nvGraphicFramePr>
+            <p:xfrm>
+              <a:off x="231231" y="667000"/>
+              <a:ext cx="8831287" cy="5524000"/>
+            </p:xfrm>
+            <a:graphic>
+              <a:graphicData uri="http://schemas.openxmlformats.org/drawingml/2006/table">
+                <a:tbl>
+                  <a:tblPr firstRow="1" firstCol="1" bandRow="1">
+                    <a:tableStyleId>{5C22544A-7EE6-4342-B048-85BDC9FD1C3A}</a:tableStyleId>
+                  </a:tblPr>
+                  <a:tblGrid>
+                    <a:gridCol w="800108">
+                      <a:extLst>
+                        <a:ext uri="{9D8B030D-6E8A-4147-A177-3AD203B41FA5}">
+                          <a16:colId xmlns:a16="http://schemas.microsoft.com/office/drawing/2014/main" val="938134955"/>
+                        </a:ext>
+                      </a:extLst>
+                    </a:gridCol>
+                    <a:gridCol w="8031179">
+                      <a:extLst>
+                        <a:ext uri="{9D8B030D-6E8A-4147-A177-3AD203B41FA5}">
+                          <a16:colId xmlns:a16="http://schemas.microsoft.com/office/drawing/2014/main" val="4280214753"/>
+                        </a:ext>
+                      </a:extLst>
+                    </a:gridCol>
+                  </a:tblGrid>
+                  <a:tr h="245047">
+                    <a:tc gridSpan="2">
+                      <a:txBody>
+                        <a:bodyPr/>
+                        <a:lstStyle/>
+                        <a:p>
+                          <a:pPr indent="180340" algn="just">
+                            <a:lnSpc>
+                              <a:spcPct val="150000"/>
+                            </a:lnSpc>
+                            <a:spcAft>
+                              <a:spcPts val="0"/>
+                            </a:spcAft>
+                          </a:pPr>
+                          <a:r>
+                            <a:rPr lang="ru-RU" sz="1200" dirty="0">
+                              <a:effectLst/>
+                            </a:rPr>
+                            <a:t>DP :: индуктивное построение таблицы динамического программирования</a:t>
+                          </a:r>
+                          <a:endParaRPr lang="ru-RU" sz="1200" dirty="0">
+                            <a:effectLst/>
+                            <a:latin typeface="Times New Roman" panose="02020603050405020304" pitchFamily="18" charset="0"/>
+                            <a:ea typeface="Calibri" panose="020F0502020204030204" pitchFamily="34" charset="0"/>
+                            <a:cs typeface="F"/>
+                          </a:endParaRPr>
+                        </a:p>
+                      </a:txBody>
+                      <a:tcPr marL="50564" marR="50564" marT="0" marB="0"/>
+                    </a:tc>
+                    <a:tc hMerge="1">
+                      <a:txBody>
+                        <a:bodyPr/>
+                        <a:lstStyle/>
+                        <a:p>
+                          <a:endParaRPr lang="ru-RU"/>
+                        </a:p>
+                      </a:txBody>
+                      <a:tcPr/>
+                    </a:tc>
+                    <a:extLst>
+                      <a:ext uri="{0D108BD9-81ED-4DB2-BD59-A6C34878D82A}">
+                        <a16:rowId xmlns:a16="http://schemas.microsoft.com/office/drawing/2014/main" val="65800711"/>
+                      </a:ext>
+                    </a:extLst>
+                  </a:tr>
+                  <a:tr h="316913">
+                    <a:tc>
+                      <a:txBody>
+                        <a:bodyPr/>
+                        <a:lstStyle/>
+                        <a:p>
+                          <a:pPr indent="180340" algn="r">
+                            <a:lnSpc>
+                              <a:spcPct val="150000"/>
+                            </a:lnSpc>
+                            <a:spcAft>
+                              <a:spcPts val="0"/>
+                            </a:spcAft>
+                          </a:pPr>
+                          <a:r>
+                            <a:rPr lang="ru-RU" sz="1200">
+                              <a:effectLst/>
+                            </a:rPr>
+                            <a:t>Вход:</a:t>
+                          </a:r>
+                          <a:endParaRPr lang="ru-RU" sz="1200">
+                            <a:effectLst/>
+                            <a:latin typeface="Times New Roman" panose="02020603050405020304" pitchFamily="18" charset="0"/>
+                            <a:ea typeface="Calibri" panose="020F0502020204030204" pitchFamily="34" charset="0"/>
+                            <a:cs typeface="F"/>
+                          </a:endParaRPr>
+                        </a:p>
+                      </a:txBody>
+                      <a:tcPr marL="50564" marR="50564" marT="0" marB="0"/>
+                    </a:tc>
+                    <a:tc>
+                      <a:txBody>
+                        <a:bodyPr/>
+                        <a:lstStyle/>
+                        <a:p>
+                          <a:endParaRPr lang="ru-RU"/>
+                        </a:p>
+                      </a:txBody>
+                      <a:tcPr marL="50564" marR="50564" marT="0" marB="0">
+                        <a:blipFill>
+                          <a:blip r:embed="rId2"/>
+                          <a:stretch>
+                            <a:fillRect l="-10008" t="-78846" r="-303" b="-1598077"/>
+                          </a:stretch>
+                        </a:blipFill>
+                      </a:tcPr>
+                    </a:tc>
+                    <a:extLst>
+                      <a:ext uri="{0D108BD9-81ED-4DB2-BD59-A6C34878D82A}">
+                        <a16:rowId xmlns:a16="http://schemas.microsoft.com/office/drawing/2014/main" val="4275281189"/>
+                      </a:ext>
+                    </a:extLst>
+                  </a:tr>
+                  <a:tr h="316913">
+                    <a:tc>
+                      <a:txBody>
+                        <a:bodyPr/>
+                        <a:lstStyle/>
+                        <a:p>
+                          <a:pPr indent="180340" algn="r">
+                            <a:lnSpc>
+                              <a:spcPct val="150000"/>
+                            </a:lnSpc>
+                            <a:spcAft>
+                              <a:spcPts val="0"/>
+                            </a:spcAft>
+                          </a:pPr>
+                          <a:r>
+                            <a:rPr lang="ru-RU" sz="1200">
+                              <a:effectLst/>
+                            </a:rPr>
+                            <a:t>Выход:</a:t>
+                          </a:r>
+                          <a:endParaRPr lang="ru-RU" sz="1200">
+                            <a:effectLst/>
+                            <a:latin typeface="Times New Roman" panose="02020603050405020304" pitchFamily="18" charset="0"/>
+                            <a:ea typeface="Calibri" panose="020F0502020204030204" pitchFamily="34" charset="0"/>
+                            <a:cs typeface="F"/>
+                          </a:endParaRPr>
+                        </a:p>
+                      </a:txBody>
+                      <a:tcPr marL="50564" marR="50564" marT="0" marB="0"/>
+                    </a:tc>
+                    <a:tc>
+                      <a:txBody>
+                        <a:bodyPr/>
+                        <a:lstStyle/>
+                        <a:p>
+                          <a:endParaRPr lang="ru-RU"/>
+                        </a:p>
+                      </a:txBody>
+                      <a:tcPr marL="50564" marR="50564" marT="0" marB="0">
+                        <a:blipFill>
+                          <a:blip r:embed="rId2"/>
+                          <a:stretch>
+                            <a:fillRect l="-10008" t="-178846" r="-303" b="-1498077"/>
+                          </a:stretch>
+                        </a:blipFill>
+                      </a:tcPr>
+                    </a:tc>
+                    <a:extLst>
+                      <a:ext uri="{0D108BD9-81ED-4DB2-BD59-A6C34878D82A}">
+                        <a16:rowId xmlns:a16="http://schemas.microsoft.com/office/drawing/2014/main" val="1198089446"/>
+                      </a:ext>
+                    </a:extLst>
+                  </a:tr>
+                  <a:tr h="245047">
+                    <a:tc>
+                      <a:txBody>
+                        <a:bodyPr/>
+                        <a:lstStyle/>
+                        <a:p>
+                          <a:pPr marL="0" lvl="0" indent="0" algn="r">
+                            <a:lnSpc>
+                              <a:spcPct val="150000"/>
+                            </a:lnSpc>
+                            <a:spcAft>
+                              <a:spcPts val="0"/>
+                            </a:spcAft>
+                            <a:buFont typeface="+mj-lt"/>
+                            <a:buNone/>
+                          </a:pPr>
+                          <a:r>
+                            <a:rPr lang="en-US" sz="1200" dirty="0">
+                              <a:effectLst/>
+                            </a:rPr>
+                            <a:t>1</a:t>
+                          </a:r>
+                          <a:r>
+                            <a:rPr lang="ru-RU" sz="1200" dirty="0">
+                              <a:effectLst/>
+                            </a:rPr>
+                            <a:t> </a:t>
+                          </a:r>
+                          <a:endParaRPr lang="ru-RU" sz="1200" dirty="0">
+                            <a:effectLst/>
+                            <a:latin typeface="Times New Roman" panose="02020603050405020304" pitchFamily="18" charset="0"/>
+                            <a:ea typeface="Calibri" panose="020F0502020204030204" pitchFamily="34" charset="0"/>
+                            <a:cs typeface="F"/>
+                          </a:endParaRPr>
+                        </a:p>
+                      </a:txBody>
+                      <a:tcPr marL="50564" marR="50564" marT="0" marB="0"/>
+                    </a:tc>
+                    <a:tc>
+                      <a:txBody>
+                        <a:bodyPr/>
+                        <a:lstStyle/>
+                        <a:p>
+                          <a:endParaRPr lang="ru-RU"/>
+                        </a:p>
+                      </a:txBody>
+                      <a:tcPr marL="50564" marR="50564" marT="0" marB="0">
+                        <a:blipFill>
+                          <a:blip r:embed="rId2"/>
+                          <a:stretch>
+                            <a:fillRect l="-10008" t="-353659" r="-303" b="-1800000"/>
+                          </a:stretch>
+                        </a:blipFill>
+                      </a:tcPr>
+                    </a:tc>
+                    <a:extLst>
+                      <a:ext uri="{0D108BD9-81ED-4DB2-BD59-A6C34878D82A}">
+                        <a16:rowId xmlns:a16="http://schemas.microsoft.com/office/drawing/2014/main" val="1705704735"/>
+                      </a:ext>
+                    </a:extLst>
+                  </a:tr>
+                  <a:tr h="260858">
+                    <a:tc>
+                      <a:txBody>
+                        <a:bodyPr/>
+                        <a:lstStyle/>
+                        <a:p>
+                          <a:pPr marL="0" lvl="0" indent="0" algn="r">
+                            <a:lnSpc>
+                              <a:spcPct val="150000"/>
+                            </a:lnSpc>
+                            <a:spcAft>
+                              <a:spcPts val="0"/>
+                            </a:spcAft>
+                            <a:buFont typeface="+mj-lt"/>
+                            <a:buNone/>
+                          </a:pPr>
+                          <a:r>
+                            <a:rPr lang="en-US" sz="1200" dirty="0">
+                              <a:effectLst/>
+                            </a:rPr>
+                            <a:t>2</a:t>
+                          </a:r>
+                          <a:r>
+                            <a:rPr lang="ru-RU" sz="1200" dirty="0">
+                              <a:effectLst/>
+                            </a:rPr>
+                            <a:t> </a:t>
+                          </a:r>
+                          <a:endParaRPr lang="ru-RU" sz="1200" dirty="0">
+                            <a:effectLst/>
+                            <a:latin typeface="Times New Roman" panose="02020603050405020304" pitchFamily="18" charset="0"/>
+                            <a:ea typeface="Calibri" panose="020F0502020204030204" pitchFamily="34" charset="0"/>
+                            <a:cs typeface="F"/>
+                          </a:endParaRPr>
+                        </a:p>
+                      </a:txBody>
+                      <a:tcPr marL="50564" marR="50564" marT="0" marB="0"/>
+                    </a:tc>
+                    <a:tc>
+                      <a:txBody>
+                        <a:bodyPr/>
+                        <a:lstStyle/>
+                        <a:p>
+                          <a:endParaRPr lang="ru-RU"/>
+                        </a:p>
+                      </a:txBody>
+                      <a:tcPr marL="50564" marR="50564" marT="0" marB="0">
+                        <a:blipFill>
+                          <a:blip r:embed="rId2"/>
+                          <a:stretch>
+                            <a:fillRect l="-10008" t="-442857" r="-303" b="-1657143"/>
+                          </a:stretch>
+                        </a:blipFill>
+                      </a:tcPr>
+                    </a:tc>
+                    <a:extLst>
+                      <a:ext uri="{0D108BD9-81ED-4DB2-BD59-A6C34878D82A}">
+                        <a16:rowId xmlns:a16="http://schemas.microsoft.com/office/drawing/2014/main" val="2717351842"/>
+                      </a:ext>
+                    </a:extLst>
+                  </a:tr>
+                  <a:tr h="261239">
+                    <a:tc>
+                      <a:txBody>
+                        <a:bodyPr/>
+                        <a:lstStyle/>
+                        <a:p>
+                          <a:pPr marL="0" lvl="0" indent="0" algn="r">
+                            <a:lnSpc>
+                              <a:spcPct val="150000"/>
+                            </a:lnSpc>
+                            <a:spcAft>
+                              <a:spcPts val="0"/>
+                            </a:spcAft>
+                            <a:buFont typeface="+mj-lt"/>
+                            <a:buNone/>
+                          </a:pPr>
+                          <a:r>
+                            <a:rPr lang="en-US" sz="1200" dirty="0">
+                              <a:effectLst/>
+                            </a:rPr>
+                            <a:t>3 </a:t>
+                          </a:r>
+                          <a:endParaRPr lang="ru-RU" sz="1200" dirty="0">
+                            <a:effectLst/>
+                            <a:latin typeface="Times New Roman" panose="02020603050405020304" pitchFamily="18" charset="0"/>
+                            <a:ea typeface="Calibri" panose="020F0502020204030204" pitchFamily="34" charset="0"/>
+                            <a:cs typeface="F"/>
+                          </a:endParaRPr>
+                        </a:p>
+                      </a:txBody>
+                      <a:tcPr marL="50564" marR="50564" marT="0" marB="0"/>
+                    </a:tc>
+                    <a:tc>
+                      <a:txBody>
+                        <a:bodyPr/>
+                        <a:lstStyle/>
+                        <a:p>
+                          <a:endParaRPr lang="ru-RU"/>
+                        </a:p>
+                      </a:txBody>
+                      <a:tcPr marL="50564" marR="50564" marT="0" marB="0">
+                        <a:blipFill>
+                          <a:blip r:embed="rId2"/>
+                          <a:stretch>
+                            <a:fillRect l="-10008" t="-530233" r="-303" b="-1518605"/>
+                          </a:stretch>
+                        </a:blipFill>
+                      </a:tcPr>
+                    </a:tc>
+                    <a:extLst>
+                      <a:ext uri="{0D108BD9-81ED-4DB2-BD59-A6C34878D82A}">
+                        <a16:rowId xmlns:a16="http://schemas.microsoft.com/office/drawing/2014/main" val="1667408224"/>
+                      </a:ext>
+                    </a:extLst>
+                  </a:tr>
+                  <a:tr h="245047">
+                    <a:tc>
+                      <a:txBody>
+                        <a:bodyPr/>
+                        <a:lstStyle/>
+                        <a:p>
+                          <a:pPr marL="0" lvl="0" indent="0" algn="r">
+                            <a:lnSpc>
+                              <a:spcPct val="150000"/>
+                            </a:lnSpc>
+                            <a:spcAft>
+                              <a:spcPts val="0"/>
+                            </a:spcAft>
+                            <a:buFont typeface="+mj-lt"/>
+                            <a:buNone/>
+                          </a:pPr>
+                          <a:r>
+                            <a:rPr lang="en-US" sz="1200" dirty="0">
+                              <a:effectLst/>
+                            </a:rPr>
+                            <a:t>4 </a:t>
+                          </a:r>
+                          <a:endParaRPr lang="ru-RU" sz="1200" dirty="0">
+                            <a:effectLst/>
+                            <a:latin typeface="Times New Roman" panose="02020603050405020304" pitchFamily="18" charset="0"/>
+                            <a:ea typeface="Calibri" panose="020F0502020204030204" pitchFamily="34" charset="0"/>
+                            <a:cs typeface="F"/>
+                          </a:endParaRPr>
+                        </a:p>
+                      </a:txBody>
+                      <a:tcPr marL="50564" marR="50564" marT="0" marB="0"/>
+                    </a:tc>
+                    <a:tc>
+                      <a:txBody>
+                        <a:bodyPr/>
+                        <a:lstStyle/>
+                        <a:p>
+                          <a:endParaRPr lang="ru-RU"/>
+                        </a:p>
+                      </a:txBody>
+                      <a:tcPr marL="50564" marR="50564" marT="0" marB="0">
+                        <a:blipFill>
+                          <a:blip r:embed="rId2"/>
+                          <a:stretch>
+                            <a:fillRect l="-10008" t="-677500" r="-303" b="-1532500"/>
+                          </a:stretch>
+                        </a:blipFill>
+                      </a:tcPr>
+                    </a:tc>
+                    <a:extLst>
+                      <a:ext uri="{0D108BD9-81ED-4DB2-BD59-A6C34878D82A}">
+                        <a16:rowId xmlns:a16="http://schemas.microsoft.com/office/drawing/2014/main" val="1474820960"/>
+                      </a:ext>
+                    </a:extLst>
+                  </a:tr>
+                  <a:tr h="316913">
+                    <a:tc>
+                      <a:txBody>
+                        <a:bodyPr/>
+                        <a:lstStyle/>
+                        <a:p>
+                          <a:pPr marL="0" lvl="0" indent="0" algn="r">
+                            <a:lnSpc>
+                              <a:spcPct val="150000"/>
+                            </a:lnSpc>
+                            <a:spcAft>
+                              <a:spcPts val="0"/>
+                            </a:spcAft>
+                            <a:buFont typeface="+mj-lt"/>
+                            <a:buNone/>
+                          </a:pPr>
+                          <a:r>
+                            <a:rPr lang="en-US" sz="1200" dirty="0">
+                              <a:effectLst/>
+                            </a:rPr>
+                            <a:t>5 </a:t>
+                          </a:r>
+                          <a:endParaRPr lang="ru-RU" sz="1200" dirty="0">
+                            <a:effectLst/>
+                            <a:latin typeface="Times New Roman" panose="02020603050405020304" pitchFamily="18" charset="0"/>
+                            <a:ea typeface="Calibri" panose="020F0502020204030204" pitchFamily="34" charset="0"/>
+                            <a:cs typeface="F"/>
+                          </a:endParaRPr>
+                        </a:p>
+                      </a:txBody>
+                      <a:tcPr marL="50564" marR="50564" marT="0" marB="0"/>
+                    </a:tc>
+                    <a:tc>
+                      <a:txBody>
+                        <a:bodyPr/>
+                        <a:lstStyle/>
+                        <a:p>
+                          <a:endParaRPr lang="ru-RU"/>
+                        </a:p>
+                      </a:txBody>
+                      <a:tcPr marL="50564" marR="50564" marT="0" marB="0">
+                        <a:blipFill>
+                          <a:blip r:embed="rId2"/>
+                          <a:stretch>
+                            <a:fillRect l="-10008" t="-586792" r="-303" b="-1056604"/>
+                          </a:stretch>
+                        </a:blipFill>
+                      </a:tcPr>
+                    </a:tc>
+                    <a:extLst>
+                      <a:ext uri="{0D108BD9-81ED-4DB2-BD59-A6C34878D82A}">
+                        <a16:rowId xmlns:a16="http://schemas.microsoft.com/office/drawing/2014/main" val="1884381775"/>
+                      </a:ext>
+                    </a:extLst>
+                  </a:tr>
+                  <a:tr h="316913">
+                    <a:tc>
+                      <a:txBody>
+                        <a:bodyPr/>
+                        <a:lstStyle/>
+                        <a:p>
+                          <a:pPr marL="0" lvl="0" indent="0" algn="r">
+                            <a:lnSpc>
+                              <a:spcPct val="150000"/>
+                            </a:lnSpc>
+                            <a:spcAft>
+                              <a:spcPts val="0"/>
+                            </a:spcAft>
+                            <a:buFont typeface="+mj-lt"/>
+                            <a:buNone/>
+                          </a:pPr>
+                          <a:r>
+                            <a:rPr lang="en-US" sz="1200" dirty="0">
+                              <a:effectLst/>
+                            </a:rPr>
+                            <a:t>6</a:t>
+                          </a:r>
+                          <a:r>
+                            <a:rPr lang="ru-RU" sz="1200" dirty="0">
+                              <a:effectLst/>
+                            </a:rPr>
+                            <a:t> </a:t>
+                          </a:r>
+                          <a:endParaRPr lang="ru-RU" sz="1200" dirty="0">
+                            <a:effectLst/>
+                            <a:latin typeface="Times New Roman" panose="02020603050405020304" pitchFamily="18" charset="0"/>
+                            <a:ea typeface="Calibri" panose="020F0502020204030204" pitchFamily="34" charset="0"/>
+                            <a:cs typeface="F"/>
+                          </a:endParaRPr>
+                        </a:p>
+                      </a:txBody>
+                      <a:tcPr marL="50564" marR="50564" marT="0" marB="0"/>
+                    </a:tc>
+                    <a:tc>
+                      <a:txBody>
+                        <a:bodyPr/>
+                        <a:lstStyle/>
+                        <a:p>
+                          <a:endParaRPr lang="ru-RU"/>
+                        </a:p>
+                      </a:txBody>
+                      <a:tcPr marL="50564" marR="50564" marT="0" marB="0">
+                        <a:blipFill>
+                          <a:blip r:embed="rId2"/>
+                          <a:stretch>
+                            <a:fillRect l="-10008" t="-700000" r="-303" b="-976923"/>
+                          </a:stretch>
+                        </a:blipFill>
+                      </a:tcPr>
+                    </a:tc>
+                    <a:extLst>
+                      <a:ext uri="{0D108BD9-81ED-4DB2-BD59-A6C34878D82A}">
+                        <a16:rowId xmlns:a16="http://schemas.microsoft.com/office/drawing/2014/main" val="2503629971"/>
+                      </a:ext>
+                    </a:extLst>
+                  </a:tr>
+                  <a:tr h="316913">
+                    <a:tc>
+                      <a:txBody>
+                        <a:bodyPr/>
+                        <a:lstStyle/>
+                        <a:p>
+                          <a:pPr marL="0" lvl="0" indent="0" algn="r">
+                            <a:lnSpc>
+                              <a:spcPct val="150000"/>
+                            </a:lnSpc>
+                            <a:spcAft>
+                              <a:spcPts val="0"/>
+                            </a:spcAft>
+                            <a:buFont typeface="+mj-lt"/>
+                            <a:buNone/>
+                          </a:pPr>
+                          <a:r>
+                            <a:rPr lang="en-US" sz="1200" dirty="0">
+                              <a:effectLst/>
+                            </a:rPr>
+                            <a:t>7</a:t>
+                          </a:r>
+                          <a:r>
+                            <a:rPr lang="ru-RU" sz="1200" dirty="0">
+                              <a:effectLst/>
+                            </a:rPr>
+                            <a:t> </a:t>
+                          </a:r>
+                          <a:endParaRPr lang="ru-RU" sz="1200" dirty="0">
+                            <a:effectLst/>
+                            <a:latin typeface="Times New Roman" panose="02020603050405020304" pitchFamily="18" charset="0"/>
+                            <a:ea typeface="Calibri" panose="020F0502020204030204" pitchFamily="34" charset="0"/>
+                            <a:cs typeface="F"/>
+                          </a:endParaRPr>
+                        </a:p>
+                      </a:txBody>
+                      <a:tcPr marL="50564" marR="50564" marT="0" marB="0"/>
+                    </a:tc>
+                    <a:tc>
+                      <a:txBody>
+                        <a:bodyPr/>
+                        <a:lstStyle/>
+                        <a:p>
+                          <a:endParaRPr lang="ru-RU"/>
+                        </a:p>
+                      </a:txBody>
+                      <a:tcPr marL="50564" marR="50564" marT="0" marB="0">
+                        <a:blipFill>
+                          <a:blip r:embed="rId2"/>
+                          <a:stretch>
+                            <a:fillRect l="-10008" t="-800000" r="-303" b="-876923"/>
+                          </a:stretch>
+                        </a:blipFill>
+                      </a:tcPr>
+                    </a:tc>
+                    <a:extLst>
+                      <a:ext uri="{0D108BD9-81ED-4DB2-BD59-A6C34878D82A}">
+                        <a16:rowId xmlns:a16="http://schemas.microsoft.com/office/drawing/2014/main" val="3986655534"/>
+                      </a:ext>
+                    </a:extLst>
+                  </a:tr>
+                  <a:tr h="316913">
+                    <a:tc>
+                      <a:txBody>
+                        <a:bodyPr/>
+                        <a:lstStyle/>
+                        <a:p>
+                          <a:pPr marL="0" lvl="0" indent="0" algn="r">
+                            <a:lnSpc>
+                              <a:spcPct val="150000"/>
+                            </a:lnSpc>
+                            <a:spcAft>
+                              <a:spcPts val="0"/>
+                            </a:spcAft>
+                            <a:buFont typeface="+mj-lt"/>
+                            <a:buNone/>
+                          </a:pPr>
+                          <a:r>
+                            <a:rPr lang="en-US" sz="1200" dirty="0">
+                              <a:effectLst/>
+                            </a:rPr>
+                            <a:t>8</a:t>
+                          </a:r>
+                          <a:r>
+                            <a:rPr lang="ru-RU" sz="1200" dirty="0">
+                              <a:effectLst/>
+                            </a:rPr>
+                            <a:t> </a:t>
+                          </a:r>
+                          <a:endParaRPr lang="ru-RU" sz="1200" dirty="0">
+                            <a:effectLst/>
+                            <a:latin typeface="Times New Roman" panose="02020603050405020304" pitchFamily="18" charset="0"/>
+                            <a:ea typeface="Calibri" panose="020F0502020204030204" pitchFamily="34" charset="0"/>
+                            <a:cs typeface="F"/>
+                          </a:endParaRPr>
+                        </a:p>
+                      </a:txBody>
+                      <a:tcPr marL="50564" marR="50564" marT="0" marB="0"/>
+                    </a:tc>
+                    <a:tc>
+                      <a:txBody>
+                        <a:bodyPr/>
+                        <a:lstStyle/>
+                        <a:p>
+                          <a:endParaRPr lang="ru-RU"/>
+                        </a:p>
+                      </a:txBody>
+                      <a:tcPr marL="50564" marR="50564" marT="0" marB="0">
+                        <a:blipFill>
+                          <a:blip r:embed="rId2"/>
+                          <a:stretch>
+                            <a:fillRect l="-10008" t="-900000" r="-303" b="-776923"/>
+                          </a:stretch>
+                        </a:blipFill>
+                      </a:tcPr>
+                    </a:tc>
+                    <a:extLst>
+                      <a:ext uri="{0D108BD9-81ED-4DB2-BD59-A6C34878D82A}">
+                        <a16:rowId xmlns:a16="http://schemas.microsoft.com/office/drawing/2014/main" val="2934515855"/>
+                      </a:ext>
+                    </a:extLst>
+                  </a:tr>
+                  <a:tr h="316913">
+                    <a:tc>
+                      <a:txBody>
+                        <a:bodyPr/>
+                        <a:lstStyle/>
+                        <a:p>
+                          <a:pPr marL="0" lvl="0" indent="0" algn="r">
+                            <a:lnSpc>
+                              <a:spcPct val="150000"/>
+                            </a:lnSpc>
+                            <a:spcAft>
+                              <a:spcPts val="0"/>
+                            </a:spcAft>
+                            <a:buFont typeface="+mj-lt"/>
+                            <a:buNone/>
+                          </a:pPr>
+                          <a:r>
+                            <a:rPr lang="en-US" sz="1200" dirty="0">
+                              <a:effectLst/>
+                            </a:rPr>
+                            <a:t>9</a:t>
+                          </a:r>
+                          <a:r>
+                            <a:rPr lang="ru-RU" sz="1200" dirty="0">
+                              <a:effectLst/>
+                            </a:rPr>
+                            <a:t> </a:t>
+                          </a:r>
+                          <a:endParaRPr lang="ru-RU" sz="1200" dirty="0">
+                            <a:effectLst/>
+                            <a:latin typeface="Times New Roman" panose="02020603050405020304" pitchFamily="18" charset="0"/>
+                            <a:ea typeface="Calibri" panose="020F0502020204030204" pitchFamily="34" charset="0"/>
+                            <a:cs typeface="F"/>
+                          </a:endParaRPr>
+                        </a:p>
+                      </a:txBody>
+                      <a:tcPr marL="50564" marR="50564" marT="0" marB="0"/>
+                    </a:tc>
+                    <a:tc>
+                      <a:txBody>
+                        <a:bodyPr/>
+                        <a:lstStyle/>
+                        <a:p>
+                          <a:endParaRPr lang="ru-RU"/>
+                        </a:p>
+                      </a:txBody>
+                      <a:tcPr marL="50564" marR="50564" marT="0" marB="0">
+                        <a:blipFill>
+                          <a:blip r:embed="rId2"/>
+                          <a:stretch>
+                            <a:fillRect l="-10008" t="-1000000" r="-303" b="-676923"/>
+                          </a:stretch>
+                        </a:blipFill>
+                      </a:tcPr>
+                    </a:tc>
+                    <a:extLst>
+                      <a:ext uri="{0D108BD9-81ED-4DB2-BD59-A6C34878D82A}">
+                        <a16:rowId xmlns:a16="http://schemas.microsoft.com/office/drawing/2014/main" val="4176271983"/>
+                      </a:ext>
+                    </a:extLst>
+                  </a:tr>
+                  <a:tr h="261176">
+                    <a:tc>
+                      <a:txBody>
+                        <a:bodyPr/>
+                        <a:lstStyle/>
+                        <a:p>
+                          <a:pPr marL="0" lvl="0" indent="0" algn="r">
+                            <a:lnSpc>
+                              <a:spcPct val="150000"/>
+                            </a:lnSpc>
+                            <a:spcAft>
+                              <a:spcPts val="0"/>
+                            </a:spcAft>
+                            <a:buFont typeface="+mj-lt"/>
+                            <a:buNone/>
+                          </a:pPr>
+                          <a:r>
+                            <a:rPr lang="en-US" sz="1200" dirty="0">
+                              <a:effectLst/>
+                            </a:rPr>
+                            <a:t>10</a:t>
+                          </a:r>
+                          <a:r>
+                            <a:rPr lang="ru-RU" sz="1200" dirty="0">
+                              <a:effectLst/>
+                            </a:rPr>
+                            <a:t> </a:t>
+                          </a:r>
+                          <a:endParaRPr lang="ru-RU" sz="1200" dirty="0">
+                            <a:effectLst/>
+                            <a:latin typeface="Times New Roman" panose="02020603050405020304" pitchFamily="18" charset="0"/>
+                            <a:ea typeface="Calibri" panose="020F0502020204030204" pitchFamily="34" charset="0"/>
+                            <a:cs typeface="F"/>
+                          </a:endParaRPr>
+                        </a:p>
+                      </a:txBody>
+                      <a:tcPr marL="50564" marR="50564" marT="0" marB="0"/>
+                    </a:tc>
+                    <a:tc>
+                      <a:txBody>
+                        <a:bodyPr/>
+                        <a:lstStyle/>
+                        <a:p>
+                          <a:endParaRPr lang="ru-RU"/>
+                        </a:p>
+                      </a:txBody>
+                      <a:tcPr marL="50564" marR="50564" marT="0" marB="0">
+                        <a:blipFill>
+                          <a:blip r:embed="rId2"/>
+                          <a:stretch>
+                            <a:fillRect l="-10008" t="-1330233" r="-303" b="-718605"/>
+                          </a:stretch>
+                        </a:blipFill>
+                      </a:tcPr>
+                    </a:tc>
+                    <a:extLst>
+                      <a:ext uri="{0D108BD9-81ED-4DB2-BD59-A6C34878D82A}">
+                        <a16:rowId xmlns:a16="http://schemas.microsoft.com/office/drawing/2014/main" val="3262798530"/>
+                      </a:ext>
+                    </a:extLst>
+                  </a:tr>
+                  <a:tr h="316913">
+                    <a:tc>
+                      <a:txBody>
+                        <a:bodyPr/>
+                        <a:lstStyle/>
+                        <a:p>
+                          <a:pPr marL="0" lvl="0" indent="0" algn="r">
+                            <a:lnSpc>
+                              <a:spcPct val="150000"/>
+                            </a:lnSpc>
+                            <a:spcAft>
+                              <a:spcPts val="0"/>
+                            </a:spcAft>
+                            <a:buFont typeface="+mj-lt"/>
+                            <a:buNone/>
+                          </a:pPr>
+                          <a:r>
+                            <a:rPr lang="en-US" sz="1200" dirty="0">
+                              <a:effectLst/>
+                            </a:rPr>
+                            <a:t>11 </a:t>
+                          </a:r>
+                          <a:endParaRPr lang="ru-RU" sz="1200" dirty="0">
+                            <a:effectLst/>
+                            <a:latin typeface="Times New Roman" panose="02020603050405020304" pitchFamily="18" charset="0"/>
+                            <a:ea typeface="Calibri" panose="020F0502020204030204" pitchFamily="34" charset="0"/>
+                            <a:cs typeface="F"/>
+                          </a:endParaRPr>
+                        </a:p>
+                      </a:txBody>
+                      <a:tcPr marL="50564" marR="50564" marT="0" marB="0"/>
+                    </a:tc>
+                    <a:tc>
+                      <a:txBody>
+                        <a:bodyPr/>
+                        <a:lstStyle/>
+                        <a:p>
+                          <a:endParaRPr lang="ru-RU"/>
+                        </a:p>
+                      </a:txBody>
+                      <a:tcPr marL="50564" marR="50564" marT="0" marB="0">
+                        <a:blipFill>
+                          <a:blip r:embed="rId2"/>
+                          <a:stretch>
+                            <a:fillRect l="-10008" t="-1182692" r="-303" b="-494231"/>
+                          </a:stretch>
+                        </a:blipFill>
+                      </a:tcPr>
+                    </a:tc>
+                    <a:extLst>
+                      <a:ext uri="{0D108BD9-81ED-4DB2-BD59-A6C34878D82A}">
+                        <a16:rowId xmlns:a16="http://schemas.microsoft.com/office/drawing/2014/main" val="964183891"/>
+                      </a:ext>
+                    </a:extLst>
+                  </a:tr>
+                  <a:tr h="245047">
+                    <a:tc>
+                      <a:txBody>
+                        <a:bodyPr/>
+                        <a:lstStyle/>
+                        <a:p>
+                          <a:pPr marL="0" lvl="0" indent="0" algn="r">
+                            <a:lnSpc>
+                              <a:spcPct val="150000"/>
+                            </a:lnSpc>
+                            <a:spcAft>
+                              <a:spcPts val="0"/>
+                            </a:spcAft>
+                            <a:buFont typeface="+mj-lt"/>
+                            <a:buNone/>
+                          </a:pPr>
+                          <a:r>
+                            <a:rPr lang="en-US" sz="1200" dirty="0">
+                              <a:effectLst/>
+                            </a:rPr>
+                            <a:t>12</a:t>
+                          </a:r>
+                          <a:r>
+                            <a:rPr lang="ru-RU" sz="1200" dirty="0">
+                              <a:effectLst/>
+                            </a:rPr>
+                            <a:t> </a:t>
+                          </a:r>
+                          <a:endParaRPr lang="ru-RU" sz="1200" dirty="0">
+                            <a:effectLst/>
+                            <a:latin typeface="Times New Roman" panose="02020603050405020304" pitchFamily="18" charset="0"/>
+                            <a:ea typeface="Calibri" panose="020F0502020204030204" pitchFamily="34" charset="0"/>
+                            <a:cs typeface="F"/>
+                          </a:endParaRPr>
+                        </a:p>
+                      </a:txBody>
+                      <a:tcPr marL="50564" marR="50564" marT="0" marB="0"/>
+                    </a:tc>
+                    <a:tc>
+                      <a:txBody>
+                        <a:bodyPr/>
+                        <a:lstStyle/>
+                        <a:p>
+                          <a:pPr indent="180340" algn="just">
+                            <a:lnSpc>
+                              <a:spcPct val="150000"/>
+                            </a:lnSpc>
+                            <a:spcAft>
+                              <a:spcPts val="0"/>
+                            </a:spcAft>
+                          </a:pPr>
+                          <a:r>
+                            <a:rPr lang="ru-RU" sz="1200" dirty="0">
+                              <a:effectLst/>
+                            </a:rPr>
+                            <a:t>				</a:t>
+                          </a:r>
+                          <a:r>
+                            <a:rPr lang="en-US" sz="1200" b="1" dirty="0">
+                              <a:effectLst/>
+                            </a:rPr>
+                            <a:t>end</a:t>
+                          </a:r>
+                          <a:r>
+                            <a:rPr lang="en-US" sz="1200" dirty="0">
+                              <a:effectLst/>
+                            </a:rPr>
+                            <a:t> </a:t>
+                          </a:r>
+                          <a:r>
+                            <a:rPr lang="en-US" sz="1200" b="1" dirty="0">
+                              <a:effectLst/>
+                            </a:rPr>
+                            <a:t>if</a:t>
+                          </a:r>
+                          <a:endParaRPr lang="ru-RU" sz="1200" b="1" dirty="0">
+                            <a:effectLst/>
+                            <a:latin typeface="Times New Roman" panose="02020603050405020304" pitchFamily="18" charset="0"/>
+                            <a:ea typeface="Calibri" panose="020F0502020204030204" pitchFamily="34" charset="0"/>
+                            <a:cs typeface="F"/>
+                          </a:endParaRPr>
+                        </a:p>
+                      </a:txBody>
+                      <a:tcPr marL="50564" marR="50564" marT="0" marB="0"/>
+                    </a:tc>
+                    <a:extLst>
+                      <a:ext uri="{0D108BD9-81ED-4DB2-BD59-A6C34878D82A}">
+                        <a16:rowId xmlns:a16="http://schemas.microsoft.com/office/drawing/2014/main" val="2598050393"/>
+                      </a:ext>
+                    </a:extLst>
+                  </a:tr>
+                  <a:tr h="245047">
+                    <a:tc>
+                      <a:txBody>
+                        <a:bodyPr/>
+                        <a:lstStyle/>
+                        <a:p>
+                          <a:pPr marL="0" lvl="0" indent="0" algn="r">
+                            <a:lnSpc>
+                              <a:spcPct val="150000"/>
+                            </a:lnSpc>
+                            <a:spcAft>
+                              <a:spcPts val="0"/>
+                            </a:spcAft>
+                            <a:buFont typeface="+mj-lt"/>
+                            <a:buNone/>
+                          </a:pPr>
+                          <a:r>
+                            <a:rPr lang="en-US" sz="1200" dirty="0">
+                              <a:effectLst/>
+                            </a:rPr>
+                            <a:t>13 </a:t>
+                          </a:r>
+                          <a:endParaRPr lang="ru-RU" sz="1200" dirty="0">
+                            <a:effectLst/>
+                            <a:latin typeface="Times New Roman" panose="02020603050405020304" pitchFamily="18" charset="0"/>
+                            <a:ea typeface="Calibri" panose="020F0502020204030204" pitchFamily="34" charset="0"/>
+                            <a:cs typeface="F"/>
+                          </a:endParaRPr>
+                        </a:p>
+                      </a:txBody>
+                      <a:tcPr marL="50564" marR="50564" marT="0" marB="0"/>
+                    </a:tc>
+                    <a:tc>
+                      <a:txBody>
+                        <a:bodyPr/>
+                        <a:lstStyle/>
+                        <a:p>
+                          <a:pPr indent="180340" algn="just">
+                            <a:lnSpc>
+                              <a:spcPct val="150000"/>
+                            </a:lnSpc>
+                            <a:spcAft>
+                              <a:spcPts val="0"/>
+                            </a:spcAft>
+                          </a:pPr>
+                          <a:r>
+                            <a:rPr lang="en-US" sz="1200" dirty="0">
+                              <a:effectLst/>
+                            </a:rPr>
+                            <a:t>			</a:t>
+                          </a:r>
+                          <a:r>
+                            <a:rPr lang="en-US" sz="1200" b="1" dirty="0">
+                              <a:effectLst/>
+                            </a:rPr>
+                            <a:t>end</a:t>
+                          </a:r>
+                          <a:r>
+                            <a:rPr lang="en-US" sz="1200" dirty="0">
+                              <a:effectLst/>
+                            </a:rPr>
+                            <a:t> </a:t>
+                          </a:r>
+                          <a:r>
+                            <a:rPr lang="en-US" sz="1200" b="1" dirty="0">
+                              <a:effectLst/>
+                            </a:rPr>
+                            <a:t>if</a:t>
+                          </a:r>
+                          <a:endParaRPr lang="ru-RU" sz="1200" b="1" dirty="0">
+                            <a:effectLst/>
+                            <a:latin typeface="Times New Roman" panose="02020603050405020304" pitchFamily="18" charset="0"/>
+                            <a:ea typeface="Calibri" panose="020F0502020204030204" pitchFamily="34" charset="0"/>
+                            <a:cs typeface="F"/>
+                          </a:endParaRPr>
+                        </a:p>
+                      </a:txBody>
+                      <a:tcPr marL="50564" marR="50564" marT="0" marB="0"/>
+                    </a:tc>
+                    <a:extLst>
+                      <a:ext uri="{0D108BD9-81ED-4DB2-BD59-A6C34878D82A}">
+                        <a16:rowId xmlns:a16="http://schemas.microsoft.com/office/drawing/2014/main" val="1842815023"/>
+                      </a:ext>
+                    </a:extLst>
+                  </a:tr>
+                  <a:tr h="245047">
+                    <a:tc>
+                      <a:txBody>
+                        <a:bodyPr/>
+                        <a:lstStyle/>
+                        <a:p>
+                          <a:pPr marL="0" lvl="0" indent="0" algn="r">
+                            <a:lnSpc>
+                              <a:spcPct val="150000"/>
+                            </a:lnSpc>
+                            <a:spcAft>
+                              <a:spcPts val="0"/>
+                            </a:spcAft>
+                            <a:buFont typeface="+mj-lt"/>
+                            <a:buNone/>
+                          </a:pPr>
+                          <a:r>
+                            <a:rPr lang="en-US" sz="1200" dirty="0">
+                              <a:effectLst/>
+                            </a:rPr>
+                            <a:t>14 </a:t>
+                          </a:r>
+                          <a:endParaRPr lang="ru-RU" sz="1200" dirty="0">
+                            <a:effectLst/>
+                            <a:latin typeface="Times New Roman" panose="02020603050405020304" pitchFamily="18" charset="0"/>
+                            <a:ea typeface="Calibri" panose="020F0502020204030204" pitchFamily="34" charset="0"/>
+                            <a:cs typeface="F"/>
+                          </a:endParaRPr>
+                        </a:p>
+                      </a:txBody>
+                      <a:tcPr marL="50564" marR="50564" marT="0" marB="0"/>
+                    </a:tc>
+                    <a:tc>
+                      <a:txBody>
+                        <a:bodyPr/>
+                        <a:lstStyle/>
+                        <a:p>
+                          <a:pPr indent="180340" algn="just">
+                            <a:lnSpc>
+                              <a:spcPct val="150000"/>
+                            </a:lnSpc>
+                            <a:spcAft>
+                              <a:spcPts val="0"/>
+                            </a:spcAft>
+                          </a:pPr>
+                          <a:r>
+                            <a:rPr lang="en-US" sz="1200" dirty="0">
+                              <a:effectLst/>
+                            </a:rPr>
+                            <a:t>		</a:t>
+                          </a:r>
+                          <a:r>
+                            <a:rPr lang="en-US" sz="1200" b="1" dirty="0">
+                              <a:effectLst/>
+                            </a:rPr>
+                            <a:t>end</a:t>
+                          </a:r>
+                          <a:r>
+                            <a:rPr lang="en-US" sz="1200" dirty="0">
+                              <a:effectLst/>
+                            </a:rPr>
+                            <a:t> </a:t>
+                          </a:r>
+                          <a:r>
+                            <a:rPr lang="en-US" sz="1200" b="1" dirty="0">
+                              <a:effectLst/>
+                            </a:rPr>
+                            <a:t>for</a:t>
+                          </a:r>
+                          <a:endParaRPr lang="ru-RU" sz="1200" b="1" dirty="0">
+                            <a:effectLst/>
+                            <a:latin typeface="Times New Roman" panose="02020603050405020304" pitchFamily="18" charset="0"/>
+                            <a:ea typeface="Calibri" panose="020F0502020204030204" pitchFamily="34" charset="0"/>
+                            <a:cs typeface="F"/>
+                          </a:endParaRPr>
+                        </a:p>
+                      </a:txBody>
+                      <a:tcPr marL="50564" marR="50564" marT="0" marB="0"/>
+                    </a:tc>
+                    <a:extLst>
+                      <a:ext uri="{0D108BD9-81ED-4DB2-BD59-A6C34878D82A}">
+                        <a16:rowId xmlns:a16="http://schemas.microsoft.com/office/drawing/2014/main" val="4272345385"/>
+                      </a:ext>
+                    </a:extLst>
+                  </a:tr>
+                  <a:tr h="245047">
+                    <a:tc>
+                      <a:txBody>
+                        <a:bodyPr/>
+                        <a:lstStyle/>
+                        <a:p>
+                          <a:pPr marL="0" lvl="0" indent="0" algn="r">
+                            <a:lnSpc>
+                              <a:spcPct val="150000"/>
+                            </a:lnSpc>
+                            <a:spcAft>
+                              <a:spcPts val="0"/>
+                            </a:spcAft>
+                            <a:buFont typeface="+mj-lt"/>
+                            <a:buNone/>
+                          </a:pPr>
+                          <a:r>
+                            <a:rPr lang="en-US" sz="1200" dirty="0">
+                              <a:effectLst/>
+                            </a:rPr>
+                            <a:t>15 </a:t>
+                          </a:r>
+                          <a:endParaRPr lang="ru-RU" sz="1200" dirty="0">
+                            <a:effectLst/>
+                            <a:latin typeface="Times New Roman" panose="02020603050405020304" pitchFamily="18" charset="0"/>
+                            <a:ea typeface="Calibri" panose="020F0502020204030204" pitchFamily="34" charset="0"/>
+                            <a:cs typeface="F"/>
+                          </a:endParaRPr>
+                        </a:p>
+                      </a:txBody>
+                      <a:tcPr marL="50564" marR="50564" marT="0" marB="0"/>
+                    </a:tc>
+                    <a:tc>
+                      <a:txBody>
+                        <a:bodyPr/>
+                        <a:lstStyle/>
+                        <a:p>
+                          <a:pPr indent="180340" algn="just">
+                            <a:lnSpc>
+                              <a:spcPct val="150000"/>
+                            </a:lnSpc>
+                            <a:spcAft>
+                              <a:spcPts val="0"/>
+                            </a:spcAft>
+                          </a:pPr>
+                          <a:r>
+                            <a:rPr lang="en-US" sz="1200" dirty="0">
+                              <a:effectLst/>
+                            </a:rPr>
+                            <a:t>	</a:t>
+                          </a:r>
+                          <a:r>
+                            <a:rPr lang="en-US" sz="1200" b="1" dirty="0">
+                              <a:effectLst/>
+                            </a:rPr>
+                            <a:t>end</a:t>
+                          </a:r>
+                          <a:r>
+                            <a:rPr lang="en-US" sz="1200" dirty="0">
+                              <a:effectLst/>
+                            </a:rPr>
+                            <a:t> </a:t>
+                          </a:r>
+                          <a:r>
+                            <a:rPr lang="en-US" sz="1200" b="1" dirty="0">
+                              <a:effectLst/>
+                            </a:rPr>
+                            <a:t>for</a:t>
+                          </a:r>
+                          <a:endParaRPr lang="ru-RU" sz="1200" b="1" dirty="0">
+                            <a:effectLst/>
+                            <a:latin typeface="Times New Roman" panose="02020603050405020304" pitchFamily="18" charset="0"/>
+                            <a:ea typeface="Calibri" panose="020F0502020204030204" pitchFamily="34" charset="0"/>
+                            <a:cs typeface="F"/>
+                          </a:endParaRPr>
+                        </a:p>
+                      </a:txBody>
+                      <a:tcPr marL="50564" marR="50564" marT="0" marB="0"/>
+                    </a:tc>
+                    <a:extLst>
+                      <a:ext uri="{0D108BD9-81ED-4DB2-BD59-A6C34878D82A}">
+                        <a16:rowId xmlns:a16="http://schemas.microsoft.com/office/drawing/2014/main" val="2429142162"/>
+                      </a:ext>
+                    </a:extLst>
+                  </a:tr>
+                  <a:tr h="245047">
+                    <a:tc>
+                      <a:txBody>
+                        <a:bodyPr/>
+                        <a:lstStyle/>
+                        <a:p>
+                          <a:pPr marL="0" lvl="0" indent="0" algn="r">
+                            <a:lnSpc>
+                              <a:spcPct val="150000"/>
+                            </a:lnSpc>
+                            <a:spcAft>
+                              <a:spcPts val="0"/>
+                            </a:spcAft>
+                            <a:buFont typeface="+mj-lt"/>
+                            <a:buNone/>
+                          </a:pPr>
+                          <a:r>
+                            <a:rPr lang="en-US" sz="1200" dirty="0">
+                              <a:effectLst/>
+                            </a:rPr>
+                            <a:t>16 </a:t>
+                          </a:r>
+                          <a:endParaRPr lang="ru-RU" sz="1200" dirty="0">
+                            <a:effectLst/>
+                            <a:latin typeface="Times New Roman" panose="02020603050405020304" pitchFamily="18" charset="0"/>
+                            <a:ea typeface="Calibri" panose="020F0502020204030204" pitchFamily="34" charset="0"/>
+                            <a:cs typeface="F"/>
+                          </a:endParaRPr>
+                        </a:p>
+                      </a:txBody>
+                      <a:tcPr marL="50564" marR="50564" marT="0" marB="0"/>
+                    </a:tc>
+                    <a:tc>
+                      <a:txBody>
+                        <a:bodyPr/>
+                        <a:lstStyle/>
+                        <a:p>
+                          <a:pPr indent="180340" algn="just">
+                            <a:lnSpc>
+                              <a:spcPct val="150000"/>
+                            </a:lnSpc>
+                            <a:spcAft>
+                              <a:spcPts val="0"/>
+                            </a:spcAft>
+                          </a:pPr>
+                          <a:r>
+                            <a:rPr lang="en-US" sz="1200" b="1" dirty="0">
+                              <a:effectLst/>
+                            </a:rPr>
+                            <a:t>end</a:t>
+                          </a:r>
+                          <a:r>
+                            <a:rPr lang="en-US" sz="1200" dirty="0">
+                              <a:effectLst/>
+                            </a:rPr>
+                            <a:t> </a:t>
+                          </a:r>
+                          <a:r>
+                            <a:rPr lang="en-US" sz="1200" b="1" dirty="0">
+                              <a:effectLst/>
+                            </a:rPr>
+                            <a:t>for</a:t>
+                          </a:r>
+                          <a:endParaRPr lang="ru-RU" sz="1200" b="1" dirty="0">
+                            <a:effectLst/>
+                            <a:latin typeface="Times New Roman" panose="02020603050405020304" pitchFamily="18" charset="0"/>
+                            <a:ea typeface="Calibri" panose="020F0502020204030204" pitchFamily="34" charset="0"/>
+                            <a:cs typeface="F"/>
+                          </a:endParaRPr>
+                        </a:p>
+                      </a:txBody>
+                      <a:tcPr marL="50564" marR="50564" marT="0" marB="0"/>
+                    </a:tc>
+                    <a:extLst>
+                      <a:ext uri="{0D108BD9-81ED-4DB2-BD59-A6C34878D82A}">
+                        <a16:rowId xmlns:a16="http://schemas.microsoft.com/office/drawing/2014/main" val="3460518996"/>
+                      </a:ext>
+                    </a:extLst>
+                  </a:tr>
+                  <a:tr h="245047">
+                    <a:tc>
+                      <a:txBody>
+                        <a:bodyPr/>
+                        <a:lstStyle/>
+                        <a:p>
+                          <a:pPr marL="0" lvl="0" indent="0" algn="r">
+                            <a:lnSpc>
+                              <a:spcPct val="150000"/>
+                            </a:lnSpc>
+                            <a:spcAft>
+                              <a:spcPts val="0"/>
+                            </a:spcAft>
+                            <a:buFont typeface="+mj-lt"/>
+                            <a:buNone/>
+                          </a:pPr>
+                          <a:r>
+                            <a:rPr lang="en-US" sz="1200" dirty="0">
+                              <a:effectLst/>
+                            </a:rPr>
+                            <a:t>17 </a:t>
+                          </a:r>
+                          <a:endParaRPr lang="ru-RU" sz="1200" dirty="0">
+                            <a:effectLst/>
+                            <a:latin typeface="Times New Roman" panose="02020603050405020304" pitchFamily="18" charset="0"/>
+                            <a:ea typeface="Calibri" panose="020F0502020204030204" pitchFamily="34" charset="0"/>
+                            <a:cs typeface="F"/>
+                          </a:endParaRPr>
+                        </a:p>
+                      </a:txBody>
+                      <a:tcPr marL="50564" marR="50564" marT="0" marB="0"/>
+                    </a:tc>
+                    <a:tc>
+                      <a:txBody>
+                        <a:bodyPr/>
+                        <a:lstStyle/>
+                        <a:p>
+                          <a:endParaRPr lang="ru-RU"/>
+                        </a:p>
+                      </a:txBody>
+                      <a:tcPr marL="50564" marR="50564" marT="0" marB="0">
+                        <a:blipFill>
+                          <a:blip r:embed="rId2"/>
+                          <a:stretch>
+                            <a:fillRect l="-10008" t="-2170000" r="-303" b="-40000"/>
+                          </a:stretch>
+                        </a:blipFill>
+                      </a:tcPr>
+                    </a:tc>
+                    <a:extLst>
+                      <a:ext uri="{0D108BD9-81ED-4DB2-BD59-A6C34878D82A}">
+                        <a16:rowId xmlns:a16="http://schemas.microsoft.com/office/drawing/2014/main" val="2289541289"/>
+                      </a:ext>
+                    </a:extLst>
+                  </a:tr>
+                </a:tbl>
+              </a:graphicData>
+            </a:graphic>
+          </p:graphicFrame>
+        </mc:Fallback>
+      </mc:AlternateContent>
     </p:spTree>
     <p:extLst>
       <p:ext uri="{BB962C8B-B14F-4D97-AF65-F5344CB8AC3E}">
@@ -24223,8 +31843,8 @@
           </a:p>
         </p:txBody>
       </p:sp>
-      <mc:AlternateContent xmlns:mc="http://schemas.openxmlformats.org/markup-compatibility/2006">
-        <mc:Choice xmlns:a14="http://schemas.microsoft.com/office/drawing/2010/main" Requires="a14">
+      <mc:AlternateContent xmlns:mc="http://schemas.openxmlformats.org/markup-compatibility/2006" xmlns:a14="http://schemas.microsoft.com/office/drawing/2010/main">
+        <mc:Choice Requires="a14">
           <p:sp>
             <p:nvSpPr>
               <p:cNvPr id="2" name="TextBox 1">
@@ -24319,6 +31939,7 @@
                 </a:r>
               </a:p>
               <a:p>
+                <a:pPr/>
                 <a14:m>
                   <m:oMathPara xmlns:m="http://schemas.openxmlformats.org/officeDocument/2006/math">
                     <m:oMathParaPr>
@@ -24326,36 +31947,50 @@
                     </m:oMathParaPr>
                     <m:oMath xmlns:m="http://schemas.openxmlformats.org/officeDocument/2006/math">
                       <m:r>
-                        <a:rPr lang="ru-RU" i="1"/>
+                        <a:rPr lang="ru-RU" i="1">
+                          <a:latin typeface="Cambria Math" panose="02040503050406030204" pitchFamily="18" charset="0"/>
+                        </a:rPr>
                         <m:t>𝑔𝑎𝑝</m:t>
                       </m:r>
                       <m:r>
-                        <a:rPr lang="ru-RU"/>
+                        <a:rPr lang="ru-RU">
+                          <a:latin typeface="Cambria Math" panose="02040503050406030204" pitchFamily="18" charset="0"/>
+                        </a:rPr>
                         <m:t>=</m:t>
                       </m:r>
                       <m:f>
                         <m:fPr>
                           <m:ctrlPr>
-                            <a:rPr lang="ru-RU" i="1"/>
+                            <a:rPr lang="ru-RU" i="1">
+                              <a:latin typeface="Cambria Math" panose="02040503050406030204" pitchFamily="18" charset="0"/>
+                            </a:rPr>
                           </m:ctrlPr>
                         </m:fPr>
                         <m:num>
                           <m:r>
-                            <a:rPr lang="ru-RU" i="1"/>
+                            <a:rPr lang="ru-RU" i="1">
+                              <a:latin typeface="Cambria Math" panose="02040503050406030204" pitchFamily="18" charset="0"/>
+                            </a:rPr>
                             <m:t>𝑈𝐵</m:t>
                           </m:r>
                           <m:r>
-                            <a:rPr lang="ru-RU" i="1"/>
+                            <a:rPr lang="ru-RU" i="1">
+                              <a:latin typeface="Cambria Math" panose="02040503050406030204" pitchFamily="18" charset="0"/>
+                            </a:rPr>
                             <m:t>−</m:t>
                           </m:r>
                           <m:r>
-                            <a:rPr lang="ru-RU" i="1"/>
+                            <a:rPr lang="ru-RU" i="1">
+                              <a:latin typeface="Cambria Math" panose="02040503050406030204" pitchFamily="18" charset="0"/>
+                            </a:rPr>
                             <m:t>𝐿𝐵</m:t>
                           </m:r>
                         </m:num>
                         <m:den>
                           <m:r>
-                            <a:rPr lang="ru-RU" i="1"/>
+                            <a:rPr lang="ru-RU" i="1">
+                              <a:latin typeface="Cambria Math" panose="02040503050406030204" pitchFamily="18" charset="0"/>
+                            </a:rPr>
                             <m:t>𝐿𝐵</m:t>
                           </m:r>
                         </m:den>
@@ -24492,7 +32127,7 @@
             </p:txBody>
           </p:sp>
         </mc:Choice>
-        <mc:Fallback>
+        <mc:Fallback xmlns="">
           <p:sp>
             <p:nvSpPr>
               <p:cNvPr id="2" name="TextBox 1">
@@ -27123,8 +34758,8 @@
           </p:sp>
         </mc:Fallback>
       </mc:AlternateContent>
-      <mc:AlternateContent xmlns:mc="http://schemas.openxmlformats.org/markup-compatibility/2006">
-        <mc:Choice xmlns:a14="http://schemas.microsoft.com/office/drawing/2010/main" Requires="a14">
+      <mc:AlternateContent xmlns:mc="http://schemas.openxmlformats.org/markup-compatibility/2006" xmlns:a14="http://schemas.microsoft.com/office/drawing/2010/main">
+        <mc:Choice Requires="a14">
           <p:sp>
             <p:nvSpPr>
               <p:cNvPr id="44" name="Выноска: изогнутая линия 43">
@@ -27350,7 +34985,7 @@
             </p:txBody>
           </p:sp>
         </mc:Choice>
-        <mc:Fallback>
+        <mc:Fallback xmlns="">
           <p:sp>
             <p:nvSpPr>
               <p:cNvPr id="44" name="Выноска: изогнутая линия 43">
@@ -29021,8 +36656,8 @@
           </a:p>
         </p:txBody>
       </p:sp>
-      <mc:AlternateContent xmlns:mc="http://schemas.openxmlformats.org/markup-compatibility/2006">
-        <mc:Choice xmlns:a14="http://schemas.microsoft.com/office/drawing/2010/main" Requires="a14">
+      <mc:AlternateContent xmlns:mc="http://schemas.openxmlformats.org/markup-compatibility/2006" xmlns:a14="http://schemas.microsoft.com/office/drawing/2010/main">
+        <mc:Choice Requires="a14">
           <p:sp>
             <p:nvSpPr>
               <p:cNvPr id="5" name="TextBox 4">
@@ -30030,7 +37665,7 @@
             </p:txBody>
           </p:sp>
         </mc:Choice>
-        <mc:Fallback>
+        <mc:Fallback xmlns="">
           <p:sp>
             <p:nvSpPr>
               <p:cNvPr id="5" name="TextBox 4">
@@ -31763,8 +39398,8 @@
           </p:sp>
         </mc:Fallback>
       </mc:AlternateContent>
-      <mc:AlternateContent xmlns:mc="http://schemas.openxmlformats.org/markup-compatibility/2006">
-        <mc:Choice xmlns:a14="http://schemas.microsoft.com/office/drawing/2010/main" Requires="a14">
+      <mc:AlternateContent xmlns:mc="http://schemas.openxmlformats.org/markup-compatibility/2006" xmlns:a14="http://schemas.microsoft.com/office/drawing/2010/main">
+        <mc:Choice Requires="a14">
           <p:sp>
             <p:nvSpPr>
               <p:cNvPr id="6" name="TextBox 5">
@@ -31935,7 +39570,7 @@
             </p:txBody>
           </p:sp>
         </mc:Choice>
-        <mc:Fallback>
+        <mc:Fallback xmlns="">
           <p:sp>
             <p:nvSpPr>
               <p:cNvPr id="6" name="TextBox 5">
@@ -31992,8 +39627,8 @@
           </p:sp>
         </mc:Fallback>
       </mc:AlternateContent>
-      <mc:AlternateContent xmlns:mc="http://schemas.openxmlformats.org/markup-compatibility/2006">
-        <mc:Choice xmlns:a14="http://schemas.microsoft.com/office/drawing/2010/main" Requires="a14">
+      <mc:AlternateContent xmlns:mc="http://schemas.openxmlformats.org/markup-compatibility/2006" xmlns:a14="http://schemas.microsoft.com/office/drawing/2010/main">
+        <mc:Choice Requires="a14">
           <p:sp>
             <p:nvSpPr>
               <p:cNvPr id="9" name="TextBox 8">
@@ -33004,7 +40639,7 @@
             </p:txBody>
           </p:sp>
         </mc:Choice>
-        <mc:Fallback>
+        <mc:Fallback xmlns="">
           <p:sp>
             <p:nvSpPr>
               <p:cNvPr id="9" name="TextBox 8">
@@ -33091,8 +40726,8 @@
           <a:chExt cx="0" cy="0"/>
         </a:xfrm>
       </p:grpSpPr>
-      <mc:AlternateContent xmlns:mc="http://schemas.openxmlformats.org/markup-compatibility/2006">
-        <mc:Choice xmlns:a14="http://schemas.microsoft.com/office/drawing/2010/main" Requires="a14">
+      <mc:AlternateContent xmlns:mc="http://schemas.openxmlformats.org/markup-compatibility/2006" xmlns:a14="http://schemas.microsoft.com/office/drawing/2010/main">
+        <mc:Choice Requires="a14">
           <p:sp>
             <p:nvSpPr>
               <p:cNvPr id="4" name="TextBox 3">
@@ -33143,7 +40778,7 @@
             </p:txBody>
           </p:sp>
         </mc:Choice>
-        <mc:Fallback>
+        <mc:Fallback xmlns="">
           <p:sp>
             <p:nvSpPr>
               <p:cNvPr id="4" name="TextBox 3">
@@ -41528,8 +49163,8 @@
           </a:p>
         </p:txBody>
       </p:sp>
-      <mc:AlternateContent xmlns:mc="http://schemas.openxmlformats.org/markup-compatibility/2006">
-        <mc:Choice xmlns:a14="http://schemas.microsoft.com/office/drawing/2010/main" Requires="a14">
+      <mc:AlternateContent xmlns:mc="http://schemas.openxmlformats.org/markup-compatibility/2006" xmlns:a14="http://schemas.microsoft.com/office/drawing/2010/main">
+        <mc:Choice Requires="a14">
           <p:sp>
             <p:nvSpPr>
               <p:cNvPr id="64" name="TextBox 63">
@@ -41598,63 +49233,85 @@
                     </m:oMathParaPr>
                     <m:oMath xmlns:m="http://schemas.openxmlformats.org/officeDocument/2006/math">
                       <m:r>
-                        <a:rPr lang="ru-RU" i="1"/>
+                        <a:rPr lang="ru-RU" i="1">
+                          <a:latin typeface="Cambria Math" panose="02040503050406030204" pitchFamily="18" charset="0"/>
+                        </a:rPr>
                         <m:t>𝑐</m:t>
                       </m:r>
                       <m:r>
-                        <a:rPr lang="ru-RU" i="1"/>
+                        <a:rPr lang="ru-RU" i="1">
+                          <a:latin typeface="Cambria Math" panose="02040503050406030204" pitchFamily="18" charset="0"/>
+                        </a:rPr>
                         <m:t>(</m:t>
                       </m:r>
                       <m:sSub>
                         <m:sSubPr>
                           <m:ctrlPr>
-                            <a:rPr lang="ru-RU" i="1"/>
+                            <a:rPr lang="ru-RU" i="1">
+                              <a:latin typeface="Cambria Math" panose="02040503050406030204" pitchFamily="18" charset="0"/>
+                            </a:rPr>
                           </m:ctrlPr>
                         </m:sSubPr>
                         <m:e>
                           <m:r>
-                            <a:rPr lang="ru-RU" i="1"/>
+                            <a:rPr lang="ru-RU" i="1">
+                              <a:latin typeface="Cambria Math" panose="02040503050406030204" pitchFamily="18" charset="0"/>
+                            </a:rPr>
                             <m:t>𝑉</m:t>
                           </m:r>
                         </m:e>
                         <m:sub>
                           <m:r>
-                            <a:rPr lang="ru-RU" i="1"/>
+                            <a:rPr lang="ru-RU" i="1">
+                              <a:latin typeface="Cambria Math" panose="02040503050406030204" pitchFamily="18" charset="0"/>
+                            </a:rPr>
                             <m:t>𝑖</m:t>
                           </m:r>
                         </m:sub>
                       </m:sSub>
                       <m:r>
-                        <a:rPr lang="ru-RU" i="1"/>
+                        <a:rPr lang="ru-RU" i="1">
+                          <a:latin typeface="Cambria Math" panose="02040503050406030204" pitchFamily="18" charset="0"/>
+                        </a:rPr>
                         <m:t>,</m:t>
                       </m:r>
                       <m:sSub>
                         <m:sSubPr>
                           <m:ctrlPr>
-                            <a:rPr lang="ru-RU" i="1"/>
+                            <a:rPr lang="ru-RU" i="1">
+                              <a:latin typeface="Cambria Math" panose="02040503050406030204" pitchFamily="18" charset="0"/>
+                            </a:rPr>
                           </m:ctrlPr>
                         </m:sSubPr>
                         <m:e>
                           <m:r>
-                            <a:rPr lang="ru-RU" i="1"/>
+                            <a:rPr lang="ru-RU" i="1">
+                              <a:latin typeface="Cambria Math" panose="02040503050406030204" pitchFamily="18" charset="0"/>
+                            </a:rPr>
                             <m:t>𝑉</m:t>
                           </m:r>
                         </m:e>
                         <m:sub>
                           <m:r>
-                            <a:rPr lang="ru-RU" i="1"/>
+                            <a:rPr lang="ru-RU" i="1">
+                              <a:latin typeface="Cambria Math" panose="02040503050406030204" pitchFamily="18" charset="0"/>
+                            </a:rPr>
                             <m:t>𝑗</m:t>
                           </m:r>
                         </m:sub>
                       </m:sSub>
                       <m:r>
-                        <a:rPr lang="ru-RU" i="1"/>
+                        <a:rPr lang="ru-RU" i="1">
+                          <a:latin typeface="Cambria Math" panose="02040503050406030204" pitchFamily="18" charset="0"/>
+                        </a:rPr>
                         <m:t>)=</m:t>
                       </m:r>
                       <m:limLow>
                         <m:limLowPr>
                           <m:ctrlPr>
-                            <a:rPr lang="ru-RU" i="1"/>
+                            <a:rPr lang="ru-RU" i="1">
+                              <a:latin typeface="Cambria Math" panose="02040503050406030204" pitchFamily="18" charset="0"/>
+                            </a:rPr>
                           </m:ctrlPr>
                         </m:limLowPr>
                         <m:e>
@@ -41662,7 +49319,9 @@
                             <m:rPr>
                               <m:sty m:val="p"/>
                             </m:rPr>
-                            <a:rPr lang="ru-RU"/>
+                            <a:rPr lang="ru-RU">
+                              <a:latin typeface="Cambria Math" panose="02040503050406030204" pitchFamily="18" charset="0"/>
+                            </a:rPr>
                             <m:t>min</m:t>
                           </m:r>
                         </m:e>
@@ -41670,87 +49329,117 @@
                           <m:sSub>
                             <m:sSubPr>
                               <m:ctrlPr>
-                                <a:rPr lang="ru-RU" i="1"/>
+                                <a:rPr lang="ru-RU" i="1">
+                                  <a:latin typeface="Cambria Math" panose="02040503050406030204" pitchFamily="18" charset="0"/>
+                                </a:rPr>
                               </m:ctrlPr>
                             </m:sSubPr>
                             <m:e>
                               <m:r>
-                                <a:rPr lang="ru-RU" i="1"/>
+                                <a:rPr lang="ru-RU" i="1">
+                                  <a:latin typeface="Cambria Math" panose="02040503050406030204" pitchFamily="18" charset="0"/>
+                                </a:rPr>
                                 <m:t>𝑣</m:t>
                               </m:r>
                             </m:e>
                             <m:sub>
                               <m:r>
-                                <a:rPr lang="ru-RU" i="1"/>
+                                <a:rPr lang="ru-RU" i="1">
+                                  <a:latin typeface="Cambria Math" panose="02040503050406030204" pitchFamily="18" charset="0"/>
+                                </a:rPr>
                                 <m:t>𝑖</m:t>
                               </m:r>
                             </m:sub>
                           </m:sSub>
                           <m:r>
-                            <a:rPr lang="ru-RU" i="1"/>
+                            <a:rPr lang="ru-RU" i="1">
+                              <a:latin typeface="Cambria Math" panose="02040503050406030204" pitchFamily="18" charset="0"/>
+                            </a:rPr>
                             <m:t>∈</m:t>
                           </m:r>
                           <m:sSub>
                             <m:sSubPr>
                               <m:ctrlPr>
-                                <a:rPr lang="ru-RU" i="1"/>
+                                <a:rPr lang="ru-RU" i="1">
+                                  <a:latin typeface="Cambria Math" panose="02040503050406030204" pitchFamily="18" charset="0"/>
+                                </a:rPr>
                               </m:ctrlPr>
                             </m:sSubPr>
                             <m:e>
                               <m:r>
-                                <a:rPr lang="ru-RU" i="1"/>
+                                <a:rPr lang="ru-RU" i="1">
+                                  <a:latin typeface="Cambria Math" panose="02040503050406030204" pitchFamily="18" charset="0"/>
+                                </a:rPr>
                                 <m:t>𝑉</m:t>
                               </m:r>
                             </m:e>
                             <m:sub>
                               <m:r>
-                                <a:rPr lang="ru-RU" i="1"/>
+                                <a:rPr lang="ru-RU" i="1">
+                                  <a:latin typeface="Cambria Math" panose="02040503050406030204" pitchFamily="18" charset="0"/>
+                                </a:rPr>
                                 <m:t>𝑖</m:t>
                               </m:r>
                             </m:sub>
                           </m:sSub>
                           <m:r>
-                            <a:rPr lang="ru-RU" i="1"/>
+                            <a:rPr lang="ru-RU" i="1">
+                              <a:latin typeface="Cambria Math" panose="02040503050406030204" pitchFamily="18" charset="0"/>
+                            </a:rPr>
                             <m:t>,</m:t>
                           </m:r>
                           <m:sSub>
                             <m:sSubPr>
                               <m:ctrlPr>
-                                <a:rPr lang="ru-RU" i="1"/>
+                                <a:rPr lang="ru-RU" i="1">
+                                  <a:latin typeface="Cambria Math" panose="02040503050406030204" pitchFamily="18" charset="0"/>
+                                </a:rPr>
                               </m:ctrlPr>
                             </m:sSubPr>
                             <m:e>
                               <m:r>
-                                <a:rPr lang="ru-RU" i="1"/>
+                                <a:rPr lang="ru-RU" i="1">
+                                  <a:latin typeface="Cambria Math" panose="02040503050406030204" pitchFamily="18" charset="0"/>
+                                </a:rPr>
                                 <m:t>𝑣</m:t>
                               </m:r>
                             </m:e>
                             <m:sub>
                               <m:r>
-                                <a:rPr lang="ru-RU" i="1"/>
+                                <a:rPr lang="ru-RU" i="1">
+                                  <a:latin typeface="Cambria Math" panose="02040503050406030204" pitchFamily="18" charset="0"/>
+                                </a:rPr>
                                 <m:t>𝑗</m:t>
                               </m:r>
                             </m:sub>
                           </m:sSub>
                           <m:r>
-                            <a:rPr lang="ru-RU" i="1"/>
+                            <a:rPr lang="ru-RU" i="1">
+                              <a:latin typeface="Cambria Math" panose="02040503050406030204" pitchFamily="18" charset="0"/>
+                            </a:rPr>
                             <m:t>∈</m:t>
                           </m:r>
                           <m:sSub>
                             <m:sSubPr>
                               <m:ctrlPr>
-                                <a:rPr lang="ru-RU" i="1"/>
+                                <a:rPr lang="ru-RU" i="1">
+                                  <a:latin typeface="Cambria Math" panose="02040503050406030204" pitchFamily="18" charset="0"/>
+                                </a:rPr>
                               </m:ctrlPr>
                             </m:sSubPr>
                             <m:e>
                               <m:r>
-                                <a:rPr lang="ru-RU" i="1"/>
+                                <a:rPr lang="ru-RU" i="1">
+                                  <a:latin typeface="Cambria Math" panose="02040503050406030204" pitchFamily="18" charset="0"/>
+                                </a:rPr>
                                 <m:t>𝑉</m:t>
                               </m:r>
                             </m:e>
                             <m:sub>
                               <m:r>
-                                <a:rPr lang="ru-RU" i="1"/>
+                                <a:rPr lang="ru-RU" i="1">
+                                  <a:latin typeface="Cambria Math" panose="02040503050406030204" pitchFamily="18" charset="0"/>
+                                </a:rPr>
                                 <m:t>𝑗</m:t>
                               </m:r>
                             </m:sub>
@@ -41758,57 +49447,77 @@
                         </m:lim>
                       </m:limLow>
                       <m:r>
-                        <a:rPr lang="ru-RU" i="1"/>
+                        <a:rPr lang="ru-RU" i="1">
+                          <a:latin typeface="Cambria Math" panose="02040503050406030204" pitchFamily="18" charset="0"/>
+                        </a:rPr>
                         <m:t>𝑐</m:t>
                       </m:r>
                       <m:r>
-                        <a:rPr lang="ru-RU" i="1"/>
+                        <a:rPr lang="ru-RU" i="1">
+                          <a:latin typeface="Cambria Math" panose="02040503050406030204" pitchFamily="18" charset="0"/>
+                        </a:rPr>
                         <m:t>(</m:t>
                       </m:r>
                       <m:sSub>
                         <m:sSubPr>
                           <m:ctrlPr>
-                            <a:rPr lang="ru-RU" i="1"/>
+                            <a:rPr lang="ru-RU" i="1">
+                              <a:latin typeface="Cambria Math" panose="02040503050406030204" pitchFamily="18" charset="0"/>
+                            </a:rPr>
                           </m:ctrlPr>
                         </m:sSubPr>
                         <m:e>
                           <m:r>
-                            <a:rPr lang="ru-RU" i="1"/>
+                            <a:rPr lang="ru-RU" i="1">
+                              <a:latin typeface="Cambria Math" panose="02040503050406030204" pitchFamily="18" charset="0"/>
+                            </a:rPr>
                             <m:t>𝑣</m:t>
                           </m:r>
                         </m:e>
                         <m:sub>
                           <m:r>
-                            <a:rPr lang="ru-RU" i="1"/>
+                            <a:rPr lang="ru-RU" i="1">
+                              <a:latin typeface="Cambria Math" panose="02040503050406030204" pitchFamily="18" charset="0"/>
+                            </a:rPr>
                             <m:t>𝑖</m:t>
                           </m:r>
                         </m:sub>
                       </m:sSub>
                       <m:r>
-                        <a:rPr lang="ru-RU" i="1"/>
+                        <a:rPr lang="ru-RU" i="1">
+                          <a:latin typeface="Cambria Math" panose="02040503050406030204" pitchFamily="18" charset="0"/>
+                        </a:rPr>
                         <m:t>,</m:t>
                       </m:r>
                       <m:sSub>
                         <m:sSubPr>
                           <m:ctrlPr>
-                            <a:rPr lang="ru-RU" i="1"/>
+                            <a:rPr lang="ru-RU" i="1">
+                              <a:latin typeface="Cambria Math" panose="02040503050406030204" pitchFamily="18" charset="0"/>
+                            </a:rPr>
                           </m:ctrlPr>
                         </m:sSubPr>
                         <m:e>
                           <m:r>
-                            <a:rPr lang="ru-RU" i="1"/>
+                            <a:rPr lang="ru-RU" i="1">
+                              <a:latin typeface="Cambria Math" panose="02040503050406030204" pitchFamily="18" charset="0"/>
+                            </a:rPr>
                             <m:t>𝑣</m:t>
                           </m:r>
                         </m:e>
                         <m:sub>
                           <m:r>
-                            <a:rPr lang="ru-RU" i="1"/>
+                            <a:rPr lang="ru-RU" i="1">
+                              <a:latin typeface="Cambria Math" panose="02040503050406030204" pitchFamily="18" charset="0"/>
+                            </a:rPr>
                             <m:t>𝑗</m:t>
                           </m:r>
                         </m:sub>
                       </m:sSub>
                       <m:r>
-                        <a:rPr lang="ru-RU" i="1"/>
+                        <a:rPr lang="ru-RU" i="1">
+                          <a:latin typeface="Cambria Math" panose="02040503050406030204" pitchFamily="18" charset="0"/>
+                        </a:rPr>
                         <m:t>)</m:t>
                       </m:r>
                     </m:oMath>
@@ -41843,6 +49552,7 @@
                 </a:r>
               </a:p>
               <a:p>
+                <a:pPr/>
                 <a14:m>
                   <m:oMathPara xmlns:m="http://schemas.openxmlformats.org/officeDocument/2006/math">
                     <m:oMathParaPr>
@@ -41850,63 +49560,85 @@
                     </m:oMathParaPr>
                     <m:oMath xmlns:m="http://schemas.openxmlformats.org/officeDocument/2006/math">
                       <m:r>
-                        <a:rPr lang="ru-RU" i="1"/>
+                        <a:rPr lang="ru-RU" i="1">
+                          <a:latin typeface="Cambria Math" panose="02040503050406030204" pitchFamily="18" charset="0"/>
+                        </a:rPr>
                         <m:t>𝑐</m:t>
                       </m:r>
                       <m:r>
-                        <a:rPr lang="ru-RU" i="1"/>
+                        <a:rPr lang="ru-RU" i="1">
+                          <a:latin typeface="Cambria Math" panose="02040503050406030204" pitchFamily="18" charset="0"/>
+                        </a:rPr>
                         <m:t>(</m:t>
                       </m:r>
                       <m:sSub>
                         <m:sSubPr>
                           <m:ctrlPr>
-                            <a:rPr lang="ru-RU" i="1"/>
+                            <a:rPr lang="ru-RU" i="1">
+                              <a:latin typeface="Cambria Math" panose="02040503050406030204" pitchFamily="18" charset="0"/>
+                            </a:rPr>
                           </m:ctrlPr>
                         </m:sSubPr>
                         <m:e>
                           <m:r>
-                            <a:rPr lang="ru-RU" i="1"/>
+                            <a:rPr lang="ru-RU" i="1">
+                              <a:latin typeface="Cambria Math" panose="02040503050406030204" pitchFamily="18" charset="0"/>
+                            </a:rPr>
                             <m:t>𝑉</m:t>
                           </m:r>
                         </m:e>
                         <m:sub>
                           <m:r>
-                            <a:rPr lang="ru-RU" i="1"/>
+                            <a:rPr lang="ru-RU" i="1">
+                              <a:latin typeface="Cambria Math" panose="02040503050406030204" pitchFamily="18" charset="0"/>
+                            </a:rPr>
                             <m:t>𝑖</m:t>
                           </m:r>
                         </m:sub>
                       </m:sSub>
                       <m:r>
-                        <a:rPr lang="ru-RU" i="1"/>
+                        <a:rPr lang="ru-RU" i="1">
+                          <a:latin typeface="Cambria Math" panose="02040503050406030204" pitchFamily="18" charset="0"/>
+                        </a:rPr>
                         <m:t>,</m:t>
                       </m:r>
                       <m:sSub>
                         <m:sSubPr>
                           <m:ctrlPr>
-                            <a:rPr lang="ru-RU" i="1"/>
+                            <a:rPr lang="ru-RU" i="1">
+                              <a:latin typeface="Cambria Math" panose="02040503050406030204" pitchFamily="18" charset="0"/>
+                            </a:rPr>
                           </m:ctrlPr>
                         </m:sSubPr>
                         <m:e>
                           <m:r>
-                            <a:rPr lang="ru-RU" i="1"/>
+                            <a:rPr lang="ru-RU" i="1">
+                              <a:latin typeface="Cambria Math" panose="02040503050406030204" pitchFamily="18" charset="0"/>
+                            </a:rPr>
                             <m:t>𝑉</m:t>
                           </m:r>
                         </m:e>
                         <m:sub>
                           <m:r>
-                            <a:rPr lang="ru-RU" i="1"/>
+                            <a:rPr lang="ru-RU" i="1">
+                              <a:latin typeface="Cambria Math" panose="02040503050406030204" pitchFamily="18" charset="0"/>
+                            </a:rPr>
                             <m:t>𝑗</m:t>
                           </m:r>
                         </m:sub>
                       </m:sSub>
                       <m:r>
-                        <a:rPr lang="ru-RU" i="1"/>
+                        <a:rPr lang="ru-RU" i="1">
+                          <a:latin typeface="Cambria Math" panose="02040503050406030204" pitchFamily="18" charset="0"/>
+                        </a:rPr>
                         <m:t>)=</m:t>
                       </m:r>
                       <m:limLow>
                         <m:limLowPr>
                           <m:ctrlPr>
-                            <a:rPr lang="ru-RU" i="1"/>
+                            <a:rPr lang="ru-RU" i="1">
+                              <a:latin typeface="Cambria Math" panose="02040503050406030204" pitchFamily="18" charset="0"/>
+                            </a:rPr>
                           </m:ctrlPr>
                         </m:limLowPr>
                         <m:e>
@@ -41914,7 +49646,9 @@
                             <m:rPr>
                               <m:sty m:val="p"/>
                             </m:rPr>
-                            <a:rPr lang="ru-RU"/>
+                            <a:rPr lang="ru-RU">
+                              <a:latin typeface="Cambria Math" panose="02040503050406030204" pitchFamily="18" charset="0"/>
+                            </a:rPr>
                             <m:t>min</m:t>
                           </m:r>
                         </m:e>
@@ -41922,94 +49656,126 @@
                           <m:eqArr>
                             <m:eqArrPr>
                               <m:ctrlPr>
-                                <a:rPr lang="ru-RU" i="1"/>
+                                <a:rPr lang="ru-RU" i="1">
+                                  <a:latin typeface="Cambria Math" panose="02040503050406030204" pitchFamily="18" charset="0"/>
+                                </a:rPr>
                               </m:ctrlPr>
                             </m:eqArrPr>
                             <m:e>
                               <m:sSub>
                                 <m:sSubPr>
                                   <m:ctrlPr>
-                                    <a:rPr lang="ru-RU" i="1"/>
+                                    <a:rPr lang="ru-RU" i="1">
+                                      <a:latin typeface="Cambria Math" panose="02040503050406030204" pitchFamily="18" charset="0"/>
+                                    </a:rPr>
                                   </m:ctrlPr>
                                 </m:sSubPr>
                                 <m:e>
                                   <m:r>
-                                    <a:rPr lang="ru-RU" i="1"/>
+                                    <a:rPr lang="ru-RU" i="1">
+                                      <a:latin typeface="Cambria Math" panose="02040503050406030204" pitchFamily="18" charset="0"/>
+                                    </a:rPr>
                                     <m:t>𝑣</m:t>
                                   </m:r>
                                 </m:e>
                                 <m:sub>
                                   <m:r>
-                                    <a:rPr lang="ru-RU" i="1"/>
+                                    <a:rPr lang="ru-RU" i="1">
+                                      <a:latin typeface="Cambria Math" panose="02040503050406030204" pitchFamily="18" charset="0"/>
+                                    </a:rPr>
                                     <m:t>𝑖</m:t>
                                   </m:r>
                                 </m:sub>
                               </m:sSub>
                               <m:r>
-                                <a:rPr lang="ru-RU" i="1"/>
+                                <a:rPr lang="ru-RU" i="1">
+                                  <a:latin typeface="Cambria Math" panose="02040503050406030204" pitchFamily="18" charset="0"/>
+                                </a:rPr>
                                 <m:t>∈</m:t>
                               </m:r>
                               <m:sSub>
                                 <m:sSubPr>
                                   <m:ctrlPr>
-                                    <a:rPr lang="ru-RU" i="1"/>
+                                    <a:rPr lang="ru-RU" i="1">
+                                      <a:latin typeface="Cambria Math" panose="02040503050406030204" pitchFamily="18" charset="0"/>
+                                    </a:rPr>
                                   </m:ctrlPr>
                                 </m:sSubPr>
                                 <m:e>
                                   <m:r>
-                                    <a:rPr lang="ru-RU" i="1"/>
+                                    <a:rPr lang="ru-RU" i="1">
+                                      <a:latin typeface="Cambria Math" panose="02040503050406030204" pitchFamily="18" charset="0"/>
+                                    </a:rPr>
                                     <m:t>𝑉</m:t>
                                   </m:r>
                                 </m:e>
                                 <m:sub>
                                   <m:r>
-                                    <a:rPr lang="ru-RU" i="1"/>
+                                    <a:rPr lang="ru-RU" i="1">
+                                      <a:latin typeface="Cambria Math" panose="02040503050406030204" pitchFamily="18" charset="0"/>
+                                    </a:rPr>
                                     <m:t>𝑖</m:t>
                                   </m:r>
                                 </m:sub>
                               </m:sSub>
                               <m:r>
-                                <a:rPr lang="ru-RU" i="1"/>
+                                <a:rPr lang="ru-RU" i="1">
+                                  <a:latin typeface="Cambria Math" panose="02040503050406030204" pitchFamily="18" charset="0"/>
+                                </a:rPr>
                                 <m:t>,</m:t>
                               </m:r>
                               <m:sSub>
                                 <m:sSubPr>
                                   <m:ctrlPr>
-                                    <a:rPr lang="ru-RU" i="1"/>
+                                    <a:rPr lang="ru-RU" i="1">
+                                      <a:latin typeface="Cambria Math" panose="02040503050406030204" pitchFamily="18" charset="0"/>
+                                    </a:rPr>
                                   </m:ctrlPr>
                                 </m:sSubPr>
                                 <m:e>
                                   <m:r>
-                                    <a:rPr lang="ru-RU" i="1"/>
+                                    <a:rPr lang="ru-RU" i="1">
+                                      <a:latin typeface="Cambria Math" panose="02040503050406030204" pitchFamily="18" charset="0"/>
+                                    </a:rPr>
                                     <m:t>𝑣</m:t>
                                   </m:r>
                                 </m:e>
                                 <m:sub>
                                   <m:r>
-                                    <a:rPr lang="ru-RU" i="1"/>
+                                    <a:rPr lang="ru-RU" i="1">
+                                      <a:latin typeface="Cambria Math" panose="02040503050406030204" pitchFamily="18" charset="0"/>
+                                    </a:rPr>
                                     <m:t>𝑗</m:t>
                                   </m:r>
                                 </m:sub>
                               </m:sSub>
                               <m:r>
-                                <a:rPr lang="ru-RU" i="1"/>
+                                <a:rPr lang="ru-RU" i="1">
+                                  <a:latin typeface="Cambria Math" panose="02040503050406030204" pitchFamily="18" charset="0"/>
+                                </a:rPr>
                                 <m:t>∈</m:t>
                               </m:r>
                               <m:sSub>
                                 <m:sSubPr>
                                   <m:ctrlPr>
-                                    <a:rPr lang="ru-RU" i="1"/>
+                                    <a:rPr lang="ru-RU" i="1">
+                                      <a:latin typeface="Cambria Math" panose="02040503050406030204" pitchFamily="18" charset="0"/>
+                                    </a:rPr>
                                   </m:ctrlPr>
                                 </m:sSubPr>
                                 <m:e>
                                   <m:r>
-                                    <a:rPr lang="ru-RU" i="1"/>
+                                    <a:rPr lang="ru-RU" i="1">
+                                      <a:latin typeface="Cambria Math" panose="02040503050406030204" pitchFamily="18" charset="0"/>
+                                    </a:rPr>
                                     <m:t>𝑉</m:t>
                                   </m:r>
                                 </m:e>
                                 <m:sub>
                                   <m:r>
-                                    <a:rPr lang="ru-RU" i="1"/>
+                                    <a:rPr lang="ru-RU" i="1">
+                                      <a:latin typeface="Cambria Math" panose="02040503050406030204" pitchFamily="18" charset="0"/>
+                                    </a:rPr>
                                     <m:t>𝑗</m:t>
                                   </m:r>
                                 </m:sub>
@@ -42019,64 +49785,86 @@
                               <m:sSub>
                                 <m:sSubPr>
                                   <m:ctrlPr>
-                                    <a:rPr lang="ru-RU" i="1"/>
+                                    <a:rPr lang="ru-RU" i="1">
+                                      <a:latin typeface="Cambria Math" panose="02040503050406030204" pitchFamily="18" charset="0"/>
+                                    </a:rPr>
                                   </m:ctrlPr>
                                 </m:sSubPr>
                                 <m:e>
                                   <m:r>
-                                    <a:rPr lang="ru-RU" i="1"/>
+                                    <a:rPr lang="ru-RU" i="1">
+                                      <a:latin typeface="Cambria Math" panose="02040503050406030204" pitchFamily="18" charset="0"/>
+                                    </a:rPr>
                                     <m:t>𝑣</m:t>
                                   </m:r>
                                 </m:e>
                                 <m:sub>
                                   <m:r>
-                                    <a:rPr lang="ru-RU" i="1"/>
+                                    <a:rPr lang="ru-RU" i="1">
+                                      <a:latin typeface="Cambria Math" panose="02040503050406030204" pitchFamily="18" charset="0"/>
+                                    </a:rPr>
                                     <m:t>𝑘</m:t>
                                   </m:r>
                                 </m:sub>
                               </m:sSub>
                               <m:r>
-                                <a:rPr lang="ru-RU"/>
+                                <a:rPr lang="ru-RU">
+                                  <a:latin typeface="Cambria Math" panose="02040503050406030204" pitchFamily="18" charset="0"/>
+                                </a:rPr>
                                 <m:t>∉</m:t>
                               </m:r>
                               <m:sSub>
                                 <m:sSubPr>
                                   <m:ctrlPr>
-                                    <a:rPr lang="ru-RU" i="1"/>
+                                    <a:rPr lang="ru-RU" i="1">
+                                      <a:latin typeface="Cambria Math" panose="02040503050406030204" pitchFamily="18" charset="0"/>
+                                    </a:rPr>
                                   </m:ctrlPr>
                                 </m:sSubPr>
                                 <m:e>
                                   <m:r>
-                                    <a:rPr lang="ru-RU" i="1"/>
+                                    <a:rPr lang="ru-RU" i="1">
+                                      <a:latin typeface="Cambria Math" panose="02040503050406030204" pitchFamily="18" charset="0"/>
+                                    </a:rPr>
                                     <m:t>𝑉</m:t>
                                   </m:r>
                                 </m:e>
                                 <m:sub>
                                   <m:r>
-                                    <a:rPr lang="ru-RU" i="1"/>
+                                    <a:rPr lang="ru-RU" i="1">
+                                      <a:latin typeface="Cambria Math" panose="02040503050406030204" pitchFamily="18" charset="0"/>
+                                    </a:rPr>
                                     <m:t>𝑖</m:t>
                                   </m:r>
                                 </m:sub>
                               </m:sSub>
                               <m:r>
-                                <a:rPr lang="ru-RU" i="1"/>
+                                <a:rPr lang="ru-RU" i="1">
+                                  <a:latin typeface="Cambria Math" panose="02040503050406030204" pitchFamily="18" charset="0"/>
+                                </a:rPr>
                                 <m:t>∪</m:t>
                               </m:r>
                               <m:sSub>
                                 <m:sSubPr>
                                   <m:ctrlPr>
-                                    <a:rPr lang="ru-RU" i="1"/>
+                                    <a:rPr lang="ru-RU" i="1">
+                                      <a:latin typeface="Cambria Math" panose="02040503050406030204" pitchFamily="18" charset="0"/>
+                                    </a:rPr>
                                   </m:ctrlPr>
                                 </m:sSubPr>
                                 <m:e>
                                   <m:r>
-                                    <a:rPr lang="ru-RU" i="1"/>
+                                    <a:rPr lang="ru-RU" i="1">
+                                      <a:latin typeface="Cambria Math" panose="02040503050406030204" pitchFamily="18" charset="0"/>
+                                    </a:rPr>
                                     <m:t>𝑉</m:t>
                                   </m:r>
                                 </m:e>
                                 <m:sub>
                                   <m:r>
-                                    <a:rPr lang="ru-RU" i="1"/>
+                                    <a:rPr lang="ru-RU" i="1">
+                                      <a:latin typeface="Cambria Math" panose="02040503050406030204" pitchFamily="18" charset="0"/>
+                                    </a:rPr>
                                     <m:t>𝑗</m:t>
                                   </m:r>
                                 </m:sub>
@@ -42088,122 +49876,166 @@
                       <m:f>
                         <m:fPr>
                           <m:ctrlPr>
-                            <a:rPr lang="ru-RU" i="1"/>
+                            <a:rPr lang="ru-RU" i="1">
+                              <a:latin typeface="Cambria Math" panose="02040503050406030204" pitchFamily="18" charset="0"/>
+                            </a:rPr>
                           </m:ctrlPr>
                         </m:fPr>
                         <m:num>
                           <m:r>
-                            <a:rPr lang="ru-RU" i="1"/>
+                            <a:rPr lang="ru-RU" i="1">
+                              <a:latin typeface="Cambria Math" panose="02040503050406030204" pitchFamily="18" charset="0"/>
+                            </a:rPr>
                             <m:t>𝑐</m:t>
                           </m:r>
                           <m:r>
-                            <a:rPr lang="ru-RU" i="1"/>
+                            <a:rPr lang="ru-RU" i="1">
+                              <a:latin typeface="Cambria Math" panose="02040503050406030204" pitchFamily="18" charset="0"/>
+                            </a:rPr>
                             <m:t>(</m:t>
                           </m:r>
                           <m:sSub>
                             <m:sSubPr>
                               <m:ctrlPr>
-                                <a:rPr lang="ru-RU" i="1"/>
+                                <a:rPr lang="ru-RU" i="1">
+                                  <a:latin typeface="Cambria Math" panose="02040503050406030204" pitchFamily="18" charset="0"/>
+                                </a:rPr>
                               </m:ctrlPr>
                             </m:sSubPr>
                             <m:e>
                               <m:r>
-                                <a:rPr lang="ru-RU" i="1"/>
+                                <a:rPr lang="ru-RU" i="1">
+                                  <a:latin typeface="Cambria Math" panose="02040503050406030204" pitchFamily="18" charset="0"/>
+                                </a:rPr>
                                 <m:t>𝑣</m:t>
                               </m:r>
                             </m:e>
                             <m:sub>
                               <m:r>
-                                <a:rPr lang="ru-RU" i="1"/>
+                                <a:rPr lang="ru-RU" i="1">
+                                  <a:latin typeface="Cambria Math" panose="02040503050406030204" pitchFamily="18" charset="0"/>
+                                </a:rPr>
                                 <m:t>𝑖</m:t>
                               </m:r>
                             </m:sub>
                           </m:sSub>
                           <m:r>
-                            <a:rPr lang="ru-RU" i="1"/>
+                            <a:rPr lang="ru-RU" i="1">
+                              <a:latin typeface="Cambria Math" panose="02040503050406030204" pitchFamily="18" charset="0"/>
+                            </a:rPr>
                             <m:t>,</m:t>
                           </m:r>
                           <m:sSub>
                             <m:sSubPr>
                               <m:ctrlPr>
-                                <a:rPr lang="ru-RU" i="1"/>
+                                <a:rPr lang="ru-RU" i="1">
+                                  <a:latin typeface="Cambria Math" panose="02040503050406030204" pitchFamily="18" charset="0"/>
+                                </a:rPr>
                               </m:ctrlPr>
                             </m:sSubPr>
                             <m:e>
                               <m:r>
-                                <a:rPr lang="ru-RU" i="1"/>
+                                <a:rPr lang="ru-RU" i="1">
+                                  <a:latin typeface="Cambria Math" panose="02040503050406030204" pitchFamily="18" charset="0"/>
+                                </a:rPr>
                                 <m:t>𝑣</m:t>
                               </m:r>
                             </m:e>
                             <m:sub>
                               <m:r>
-                                <a:rPr lang="ru-RU" i="1"/>
+                                <a:rPr lang="ru-RU" i="1">
+                                  <a:latin typeface="Cambria Math" panose="02040503050406030204" pitchFamily="18" charset="0"/>
+                                </a:rPr>
                                 <m:t>𝑘</m:t>
                               </m:r>
                             </m:sub>
                           </m:sSub>
                           <m:r>
-                            <a:rPr lang="ru-RU" i="1"/>
+                            <a:rPr lang="ru-RU" i="1">
+                              <a:latin typeface="Cambria Math" panose="02040503050406030204" pitchFamily="18" charset="0"/>
+                            </a:rPr>
                             <m:t>)+</m:t>
                           </m:r>
                           <m:r>
-                            <a:rPr lang="ru-RU" i="1"/>
+                            <a:rPr lang="ru-RU" i="1">
+                              <a:latin typeface="Cambria Math" panose="02040503050406030204" pitchFamily="18" charset="0"/>
+                            </a:rPr>
                             <m:t>𝑐</m:t>
                           </m:r>
                           <m:r>
-                            <a:rPr lang="ru-RU" i="1"/>
+                            <a:rPr lang="ru-RU" i="1">
+                              <a:latin typeface="Cambria Math" panose="02040503050406030204" pitchFamily="18" charset="0"/>
+                            </a:rPr>
                             <m:t>(</m:t>
                           </m:r>
                           <m:sSub>
                             <m:sSubPr>
                               <m:ctrlPr>
-                                <a:rPr lang="ru-RU" i="1"/>
+                                <a:rPr lang="ru-RU" i="1">
+                                  <a:latin typeface="Cambria Math" panose="02040503050406030204" pitchFamily="18" charset="0"/>
+                                </a:rPr>
                               </m:ctrlPr>
                             </m:sSubPr>
                             <m:e>
                               <m:r>
-                                <a:rPr lang="ru-RU" i="1"/>
+                                <a:rPr lang="ru-RU" i="1">
+                                  <a:latin typeface="Cambria Math" panose="02040503050406030204" pitchFamily="18" charset="0"/>
+                                </a:rPr>
                                 <m:t>𝑣</m:t>
                               </m:r>
                             </m:e>
                             <m:sub>
                               <m:r>
-                                <a:rPr lang="ru-RU" i="1"/>
+                                <a:rPr lang="ru-RU" i="1">
+                                  <a:latin typeface="Cambria Math" panose="02040503050406030204" pitchFamily="18" charset="0"/>
+                                </a:rPr>
                                 <m:t>𝑘</m:t>
                               </m:r>
                             </m:sub>
                           </m:sSub>
                           <m:r>
-                            <a:rPr lang="ru-RU" i="1"/>
+                            <a:rPr lang="ru-RU" i="1">
+                              <a:latin typeface="Cambria Math" panose="02040503050406030204" pitchFamily="18" charset="0"/>
+                            </a:rPr>
                             <m:t>,</m:t>
                           </m:r>
                           <m:sSub>
                             <m:sSubPr>
                               <m:ctrlPr>
-                                <a:rPr lang="ru-RU" i="1"/>
+                                <a:rPr lang="ru-RU" i="1">
+                                  <a:latin typeface="Cambria Math" panose="02040503050406030204" pitchFamily="18" charset="0"/>
+                                </a:rPr>
                               </m:ctrlPr>
                             </m:sSubPr>
                             <m:e>
                               <m:r>
-                                <a:rPr lang="ru-RU" i="1"/>
+                                <a:rPr lang="ru-RU" i="1">
+                                  <a:latin typeface="Cambria Math" panose="02040503050406030204" pitchFamily="18" charset="0"/>
+                                </a:rPr>
                                 <m:t>𝑣</m:t>
                               </m:r>
                             </m:e>
                             <m:sub>
                               <m:r>
-                                <a:rPr lang="ru-RU" i="1"/>
+                                <a:rPr lang="ru-RU" i="1">
+                                  <a:latin typeface="Cambria Math" panose="02040503050406030204" pitchFamily="18" charset="0"/>
+                                </a:rPr>
                                 <m:t>𝑗</m:t>
                               </m:r>
                             </m:sub>
                           </m:sSub>
                           <m:r>
-                            <a:rPr lang="ru-RU" i="1"/>
+                            <a:rPr lang="ru-RU" i="1">
+                              <a:latin typeface="Cambria Math" panose="02040503050406030204" pitchFamily="18" charset="0"/>
+                            </a:rPr>
                             <m:t>)</m:t>
                           </m:r>
                         </m:num>
                         <m:den>
                           <m:r>
-                            <a:rPr lang="ru-RU" i="1"/>
+                            <a:rPr lang="ru-RU" i="1">
+                              <a:latin typeface="Cambria Math" panose="02040503050406030204" pitchFamily="18" charset="0"/>
+                            </a:rPr>
                             <m:t>2</m:t>
                           </m:r>
                         </m:den>
@@ -42227,64 +50059,86 @@
                     <m:sSub>
                       <m:sSubPr>
                         <m:ctrlPr>
-                          <a:rPr lang="ru-RU" i="1"/>
+                          <a:rPr lang="ru-RU" i="1">
+                            <a:latin typeface="Cambria Math" panose="02040503050406030204" pitchFamily="18" charset="0"/>
+                          </a:rPr>
                         </m:ctrlPr>
                       </m:sSubPr>
                       <m:e>
                         <m:r>
-                          <a:rPr lang="ru-RU" i="1"/>
+                          <a:rPr lang="ru-RU" i="1">
+                            <a:latin typeface="Cambria Math" panose="02040503050406030204" pitchFamily="18" charset="0"/>
+                          </a:rPr>
                           <m:t>𝑣</m:t>
                         </m:r>
                       </m:e>
                       <m:sub>
                         <m:r>
-                          <a:rPr lang="ru-RU" i="1"/>
+                          <a:rPr lang="ru-RU" i="1">
+                            <a:latin typeface="Cambria Math" panose="02040503050406030204" pitchFamily="18" charset="0"/>
+                          </a:rPr>
                           <m:t>𝑖</m:t>
                         </m:r>
                       </m:sub>
                     </m:sSub>
                     <m:r>
-                      <a:rPr lang="ru-RU" i="1"/>
+                      <a:rPr lang="ru-RU" i="1">
+                        <a:latin typeface="Cambria Math" panose="02040503050406030204" pitchFamily="18" charset="0"/>
+                      </a:rPr>
                       <m:t>,</m:t>
                     </m:r>
                     <m:sSub>
                       <m:sSubPr>
                         <m:ctrlPr>
-                          <a:rPr lang="ru-RU" i="1"/>
+                          <a:rPr lang="ru-RU" i="1">
+                            <a:latin typeface="Cambria Math" panose="02040503050406030204" pitchFamily="18" charset="0"/>
+                          </a:rPr>
                         </m:ctrlPr>
                       </m:sSubPr>
                       <m:e>
                         <m:r>
-                          <a:rPr lang="ru-RU" i="1"/>
+                          <a:rPr lang="ru-RU" i="1">
+                            <a:latin typeface="Cambria Math" panose="02040503050406030204" pitchFamily="18" charset="0"/>
+                          </a:rPr>
                           <m:t>𝑣</m:t>
                         </m:r>
                       </m:e>
                       <m:sub>
                         <m:r>
-                          <a:rPr lang="ru-RU" i="1"/>
+                          <a:rPr lang="ru-RU" i="1">
+                            <a:latin typeface="Cambria Math" panose="02040503050406030204" pitchFamily="18" charset="0"/>
+                          </a:rPr>
                           <m:t>𝑘</m:t>
                         </m:r>
                       </m:sub>
                     </m:sSub>
                     <m:r>
-                      <a:rPr lang="ru-RU" i="1"/>
+                      <a:rPr lang="ru-RU" i="1">
+                        <a:latin typeface="Cambria Math" panose="02040503050406030204" pitchFamily="18" charset="0"/>
+                      </a:rPr>
                       <m:t>,</m:t>
                     </m:r>
                     <m:sSub>
                       <m:sSubPr>
                         <m:ctrlPr>
-                          <a:rPr lang="ru-RU" i="1"/>
+                          <a:rPr lang="ru-RU" i="1">
+                            <a:latin typeface="Cambria Math" panose="02040503050406030204" pitchFamily="18" charset="0"/>
+                          </a:rPr>
                         </m:ctrlPr>
                       </m:sSubPr>
                       <m:e>
                         <m:r>
-                          <a:rPr lang="ru-RU" i="1"/>
+                          <a:rPr lang="ru-RU" i="1">
+                            <a:latin typeface="Cambria Math" panose="02040503050406030204" pitchFamily="18" charset="0"/>
+                          </a:rPr>
                           <m:t>𝑣</m:t>
                         </m:r>
                       </m:e>
                       <m:sub>
                         <m:r>
-                          <a:rPr lang="ru-RU" i="1"/>
+                          <a:rPr lang="ru-RU" i="1">
+                            <a:latin typeface="Cambria Math" panose="02040503050406030204" pitchFamily="18" charset="0"/>
+                          </a:rPr>
                           <m:t>𝑗</m:t>
                         </m:r>
                       </m:sub>
@@ -42301,7 +50155,9 @@
                       <m:rPr>
                         <m:sty m:val="p"/>
                       </m:rPr>
-                      <a:rPr lang="ru-RU"/>
+                      <a:rPr lang="ru-RU">
+                        <a:latin typeface="Cambria Math" panose="02040503050406030204" pitchFamily="18" charset="0"/>
+                      </a:rPr>
                       <m:t>Π</m:t>
                     </m:r>
                   </m:oMath>
@@ -42355,7 +50211,7 @@
             </p:txBody>
           </p:sp>
         </mc:Choice>
-        <mc:Fallback>
+        <mc:Fallback xmlns="">
           <p:sp>
             <p:nvSpPr>
               <p:cNvPr id="64" name="TextBox 63">
